--- a/courses/apcsa/APExam.pptx
+++ b/courses/apcsa/APExam.pptx
@@ -23,16 +23,17 @@
     <p:sldId id="356" r:id="rId17"/>
     <p:sldId id="354" r:id="rId18"/>
     <p:sldId id="357" r:id="rId19"/>
-    <p:sldId id="351" r:id="rId20"/>
-    <p:sldId id="365" r:id="rId21"/>
-    <p:sldId id="358" r:id="rId22"/>
-    <p:sldId id="366" r:id="rId23"/>
-    <p:sldId id="359" r:id="rId24"/>
-    <p:sldId id="360" r:id="rId25"/>
-    <p:sldId id="361" r:id="rId26"/>
-    <p:sldId id="362" r:id="rId27"/>
-    <p:sldId id="363" r:id="rId28"/>
-    <p:sldId id="364" r:id="rId29"/>
+    <p:sldId id="368" r:id="rId20"/>
+    <p:sldId id="351" r:id="rId21"/>
+    <p:sldId id="365" r:id="rId22"/>
+    <p:sldId id="358" r:id="rId23"/>
+    <p:sldId id="366" r:id="rId24"/>
+    <p:sldId id="367" r:id="rId25"/>
+    <p:sldId id="360" r:id="rId26"/>
+    <p:sldId id="361" r:id="rId27"/>
+    <p:sldId id="362" r:id="rId28"/>
+    <p:sldId id="369" r:id="rId29"/>
+    <p:sldId id="363" r:id="rId30"/>
   </p:sldIdLst>
   <p:sldSz cx="9144000" cy="5715000" type="screen16x10"/>
   <p:notesSz cx="6858000" cy="9144000"/>
@@ -142,8 +143,7 @@
 <file path=ppt/revisionInfo.xml><?xml version="1.0" encoding="utf-8"?>
 <p1510:revInfo xmlns:a="http://schemas.openxmlformats.org/drawingml/2006/main" xmlns:r="http://schemas.openxmlformats.org/officeDocument/2006/relationships" xmlns:p1510="http://schemas.microsoft.com/office/powerpoint/2015/10/main">
   <p1510:revLst>
-    <p1510:client id="{0576C267-E6BF-B644-A8D6-09119D529826}" v="52" dt="2021-05-06T13:04:57.050"/>
-    <p1510:client id="{858015B6-0D2D-E740-9F5A-812A9049F203}" v="24" dt="2021-05-06T10:08:46.529"/>
+    <p1510:client id="{0576C267-E6BF-B644-A8D6-09119D529826}" v="690" dt="2021-05-07T16:00:52.379"/>
   </p1510:revLst>
 </p1510:revInfo>
 </file>
@@ -200,7 +200,7 @@
   <pc:docChgLst>
     <pc:chgData name="Long B Nguyen" userId="f59fb8f3-a021-417a-8bc1-65c8d471c621" providerId="ADAL" clId="{0576C267-E6BF-B644-A8D6-09119D529826}"/>
     <pc:docChg chg="custSel addSld delSld modSld">
-      <pc:chgData name="Long B Nguyen" userId="f59fb8f3-a021-417a-8bc1-65c8d471c621" providerId="ADAL" clId="{0576C267-E6BF-B644-A8D6-09119D529826}" dt="2021-05-06T15:24:01.742" v="1659" actId="1076"/>
+      <pc:chgData name="Long B Nguyen" userId="f59fb8f3-a021-417a-8bc1-65c8d471c621" providerId="ADAL" clId="{0576C267-E6BF-B644-A8D6-09119D529826}" dt="2021-05-07T16:03:57.848" v="2734" actId="2696"/>
       <pc:docMkLst>
         <pc:docMk/>
       </pc:docMkLst>
@@ -218,6 +218,13 @@
             <ac:spMk id="2" creationId="{6117A749-B1BA-E24B-8FB0-0604EF651FB3}"/>
           </ac:spMkLst>
         </pc:spChg>
+      </pc:sldChg>
+      <pc:sldChg chg="modAnim">
+        <pc:chgData name="Long B Nguyen" userId="f59fb8f3-a021-417a-8bc1-65c8d471c621" providerId="ADAL" clId="{0576C267-E6BF-B644-A8D6-09119D529826}" dt="2021-05-07T12:13:17.450" v="1661"/>
+        <pc:sldMkLst>
+          <pc:docMk/>
+          <pc:sldMk cId="157892284" sldId="342"/>
+        </pc:sldMkLst>
       </pc:sldChg>
       <pc:sldChg chg="modSp mod modAnim">
         <pc:chgData name="Long B Nguyen" userId="f59fb8f3-a021-417a-8bc1-65c8d471c621" providerId="ADAL" clId="{0576C267-E6BF-B644-A8D6-09119D529826}" dt="2021-05-06T15:24:01.742" v="1659" actId="1076"/>
@@ -270,14 +277,14 @@
           <pc:sldMk cId="2567974358" sldId="350"/>
         </pc:sldMkLst>
       </pc:sldChg>
-      <pc:sldChg chg="modSp add mod">
-        <pc:chgData name="Long B Nguyen" userId="f59fb8f3-a021-417a-8bc1-65c8d471c621" providerId="ADAL" clId="{0576C267-E6BF-B644-A8D6-09119D529826}" dt="2021-05-06T12:59:27.364" v="1121" actId="5793"/>
+      <pc:sldChg chg="modSp add mod modAnim">
+        <pc:chgData name="Long B Nguyen" userId="f59fb8f3-a021-417a-8bc1-65c8d471c621" providerId="ADAL" clId="{0576C267-E6BF-B644-A8D6-09119D529826}" dt="2021-05-07T15:55:10.129" v="2330" actId="20577"/>
         <pc:sldMkLst>
           <pc:docMk/>
           <pc:sldMk cId="1348987668" sldId="351"/>
         </pc:sldMkLst>
         <pc:spChg chg="mod">
-          <ac:chgData name="Long B Nguyen" userId="f59fb8f3-a021-417a-8bc1-65c8d471c621" providerId="ADAL" clId="{0576C267-E6BF-B644-A8D6-09119D529826}" dt="2021-05-06T12:59:27.364" v="1121" actId="5793"/>
+          <ac:chgData name="Long B Nguyen" userId="f59fb8f3-a021-417a-8bc1-65c8d471c621" providerId="ADAL" clId="{0576C267-E6BF-B644-A8D6-09119D529826}" dt="2021-05-07T15:55:10.129" v="2330" actId="20577"/>
           <ac:spMkLst>
             <pc:docMk/>
             <pc:sldMk cId="1348987668" sldId="351"/>
@@ -308,8 +315,8 @@
           </ac:spMkLst>
         </pc:spChg>
       </pc:sldChg>
-      <pc:sldChg chg="modSp new mod">
-        <pc:chgData name="Long B Nguyen" userId="f59fb8f3-a021-417a-8bc1-65c8d471c621" providerId="ADAL" clId="{0576C267-E6BF-B644-A8D6-09119D529826}" dt="2021-05-06T12:44:26.602" v="392" actId="5793"/>
+      <pc:sldChg chg="modSp new mod modAnim">
+        <pc:chgData name="Long B Nguyen" userId="f59fb8f3-a021-417a-8bc1-65c8d471c621" providerId="ADAL" clId="{0576C267-E6BF-B644-A8D6-09119D529826}" dt="2021-05-07T12:13:54.135" v="1670"/>
         <pc:sldMkLst>
           <pc:docMk/>
           <pc:sldMk cId="2609852809" sldId="352"/>
@@ -354,8 +361,8 @@
           </ac:spMkLst>
         </pc:spChg>
       </pc:sldChg>
-      <pc:sldChg chg="modSp add mod">
-        <pc:chgData name="Long B Nguyen" userId="f59fb8f3-a021-417a-8bc1-65c8d471c621" providerId="ADAL" clId="{0576C267-E6BF-B644-A8D6-09119D529826}" dt="2021-05-06T12:50:31.891" v="772" actId="20577"/>
+      <pc:sldChg chg="modSp add mod modAnim">
+        <pc:chgData name="Long B Nguyen" userId="f59fb8f3-a021-417a-8bc1-65c8d471c621" providerId="ADAL" clId="{0576C267-E6BF-B644-A8D6-09119D529826}" dt="2021-05-07T12:14:16.928" v="1675"/>
         <pc:sldMkLst>
           <pc:docMk/>
           <pc:sldMk cId="677816976" sldId="354"/>
@@ -392,8 +399,8 @@
           </ac:spMkLst>
         </pc:spChg>
       </pc:sldChg>
-      <pc:sldChg chg="add">
-        <pc:chgData name="Long B Nguyen" userId="f59fb8f3-a021-417a-8bc1-65c8d471c621" providerId="ADAL" clId="{0576C267-E6BF-B644-A8D6-09119D529826}" dt="2021-05-06T12:56:29.348" v="799"/>
+      <pc:sldChg chg="add modAnim">
+        <pc:chgData name="Long B Nguyen" userId="f59fb8f3-a021-417a-8bc1-65c8d471c621" providerId="ADAL" clId="{0576C267-E6BF-B644-A8D6-09119D529826}" dt="2021-05-07T12:14:00.153" v="1672"/>
         <pc:sldMkLst>
           <pc:docMk/>
           <pc:sldMk cId="3127404551" sldId="355"/>
@@ -406,8 +413,8 @@
           <pc:sldMk cId="1666818234" sldId="356"/>
         </pc:sldMkLst>
       </pc:sldChg>
-      <pc:sldChg chg="modSp add mod">
-        <pc:chgData name="Long B Nguyen" userId="f59fb8f3-a021-417a-8bc1-65c8d471c621" providerId="ADAL" clId="{0576C267-E6BF-B644-A8D6-09119D529826}" dt="2021-05-06T12:56:33.798" v="801" actId="20577"/>
+      <pc:sldChg chg="modSp add mod modAnim">
+        <pc:chgData name="Long B Nguyen" userId="f59fb8f3-a021-417a-8bc1-65c8d471c621" providerId="ADAL" clId="{0576C267-E6BF-B644-A8D6-09119D529826}" dt="2021-05-07T12:14:11.163" v="1674"/>
         <pc:sldMkLst>
           <pc:docMk/>
           <pc:sldMk cId="3582612531" sldId="356"/>
@@ -436,8 +443,8 @@
           </ac:spMkLst>
         </pc:spChg>
       </pc:sldChg>
-      <pc:sldChg chg="modSp add mod">
-        <pc:chgData name="Long B Nguyen" userId="f59fb8f3-a021-417a-8bc1-65c8d471c621" providerId="ADAL" clId="{0576C267-E6BF-B644-A8D6-09119D529826}" dt="2021-05-06T13:02:23.186" v="1372" actId="207"/>
+      <pc:sldChg chg="modSp add mod modAnim">
+        <pc:chgData name="Long B Nguyen" userId="f59fb8f3-a021-417a-8bc1-65c8d471c621" providerId="ADAL" clId="{0576C267-E6BF-B644-A8D6-09119D529826}" dt="2021-05-07T12:14:47.219" v="1680"/>
         <pc:sldMkLst>
           <pc:docMk/>
           <pc:sldMk cId="3718713129" sldId="358"/>
@@ -459,8 +466,8 @@
           </ac:spMkLst>
         </pc:spChg>
       </pc:sldChg>
-      <pc:sldChg chg="modSp add mod">
-        <pc:chgData name="Long B Nguyen" userId="f59fb8f3-a021-417a-8bc1-65c8d471c621" providerId="ADAL" clId="{0576C267-E6BF-B644-A8D6-09119D529826}" dt="2021-05-06T13:04:57.050" v="1654"/>
+      <pc:sldChg chg="modSp add del mod">
+        <pc:chgData name="Long B Nguyen" userId="f59fb8f3-a021-417a-8bc1-65c8d471c621" providerId="ADAL" clId="{0576C267-E6BF-B644-A8D6-09119D529826}" dt="2021-05-07T12:15:49.368" v="1687" actId="2696"/>
         <pc:sldMkLst>
           <pc:docMk/>
           <pc:sldMk cId="3676021339" sldId="359"/>
@@ -482,43 +489,122 @@
           </ac:spMkLst>
         </pc:spChg>
       </pc:sldChg>
-      <pc:sldChg chg="add">
-        <pc:chgData name="Long B Nguyen" userId="f59fb8f3-a021-417a-8bc1-65c8d471c621" providerId="ADAL" clId="{0576C267-E6BF-B644-A8D6-09119D529826}" dt="2021-05-06T12:56:50.145" v="808"/>
+      <pc:sldChg chg="modSp add mod modAnim">
+        <pc:chgData name="Long B Nguyen" userId="f59fb8f3-a021-417a-8bc1-65c8d471c621" providerId="ADAL" clId="{0576C267-E6BF-B644-A8D6-09119D529826}" dt="2021-05-07T12:26:09.128" v="2256" actId="20577"/>
         <pc:sldMkLst>
           <pc:docMk/>
           <pc:sldMk cId="1133356598" sldId="360"/>
         </pc:sldMkLst>
+        <pc:spChg chg="mod">
+          <ac:chgData name="Long B Nguyen" userId="f59fb8f3-a021-417a-8bc1-65c8d471c621" providerId="ADAL" clId="{0576C267-E6BF-B644-A8D6-09119D529826}" dt="2021-05-07T12:23:24.821" v="2206" actId="20577"/>
+          <ac:spMkLst>
+            <pc:docMk/>
+            <pc:sldMk cId="1133356598" sldId="360"/>
+            <ac:spMk id="2" creationId="{BC6F9511-CB58-AC49-AD98-860912780FFE}"/>
+          </ac:spMkLst>
+        </pc:spChg>
+        <pc:spChg chg="mod">
+          <ac:chgData name="Long B Nguyen" userId="f59fb8f3-a021-417a-8bc1-65c8d471c621" providerId="ADAL" clId="{0576C267-E6BF-B644-A8D6-09119D529826}" dt="2021-05-07T12:26:09.128" v="2256" actId="20577"/>
+          <ac:spMkLst>
+            <pc:docMk/>
+            <pc:sldMk cId="1133356598" sldId="360"/>
+            <ac:spMk id="3" creationId="{CE6BD10B-9D13-604D-9877-97B355109287}"/>
+          </ac:spMkLst>
+        </pc:spChg>
       </pc:sldChg>
-      <pc:sldChg chg="add">
-        <pc:chgData name="Long B Nguyen" userId="f59fb8f3-a021-417a-8bc1-65c8d471c621" providerId="ADAL" clId="{0576C267-E6BF-B644-A8D6-09119D529826}" dt="2021-05-06T12:56:50.268" v="809"/>
+      <pc:sldChg chg="modSp add mod">
+        <pc:chgData name="Long B Nguyen" userId="f59fb8f3-a021-417a-8bc1-65c8d471c621" providerId="ADAL" clId="{0576C267-E6BF-B644-A8D6-09119D529826}" dt="2021-05-07T12:27:56.376" v="2320" actId="20577"/>
         <pc:sldMkLst>
           <pc:docMk/>
           <pc:sldMk cId="1789203214" sldId="361"/>
         </pc:sldMkLst>
+        <pc:spChg chg="mod">
+          <ac:chgData name="Long B Nguyen" userId="f59fb8f3-a021-417a-8bc1-65c8d471c621" providerId="ADAL" clId="{0576C267-E6BF-B644-A8D6-09119D529826}" dt="2021-05-07T12:27:10.028" v="2270"/>
+          <ac:spMkLst>
+            <pc:docMk/>
+            <pc:sldMk cId="1789203214" sldId="361"/>
+            <ac:spMk id="2" creationId="{BC6F9511-CB58-AC49-AD98-860912780FFE}"/>
+          </ac:spMkLst>
+        </pc:spChg>
+        <pc:spChg chg="mod">
+          <ac:chgData name="Long B Nguyen" userId="f59fb8f3-a021-417a-8bc1-65c8d471c621" providerId="ADAL" clId="{0576C267-E6BF-B644-A8D6-09119D529826}" dt="2021-05-07T12:27:56.376" v="2320" actId="20577"/>
+          <ac:spMkLst>
+            <pc:docMk/>
+            <pc:sldMk cId="1789203214" sldId="361"/>
+            <ac:spMk id="3" creationId="{CE6BD10B-9D13-604D-9877-97B355109287}"/>
+          </ac:spMkLst>
+        </pc:spChg>
       </pc:sldChg>
-      <pc:sldChg chg="add">
-        <pc:chgData name="Long B Nguyen" userId="f59fb8f3-a021-417a-8bc1-65c8d471c621" providerId="ADAL" clId="{0576C267-E6BF-B644-A8D6-09119D529826}" dt="2021-05-06T12:56:50.550" v="810"/>
+      <pc:sldChg chg="modSp add mod">
+        <pc:chgData name="Long B Nguyen" userId="f59fb8f3-a021-417a-8bc1-65c8d471c621" providerId="ADAL" clId="{0576C267-E6BF-B644-A8D6-09119D529826}" dt="2021-05-07T15:57:42.833" v="2491" actId="20577"/>
         <pc:sldMkLst>
           <pc:docMk/>
           <pc:sldMk cId="325895786" sldId="362"/>
         </pc:sldMkLst>
+        <pc:spChg chg="mod">
+          <ac:chgData name="Long B Nguyen" userId="f59fb8f3-a021-417a-8bc1-65c8d471c621" providerId="ADAL" clId="{0576C267-E6BF-B644-A8D6-09119D529826}" dt="2021-05-07T15:56:39.613" v="2468" actId="20577"/>
+          <ac:spMkLst>
+            <pc:docMk/>
+            <pc:sldMk cId="325895786" sldId="362"/>
+            <ac:spMk id="2" creationId="{BC6F9511-CB58-AC49-AD98-860912780FFE}"/>
+          </ac:spMkLst>
+        </pc:spChg>
+        <pc:spChg chg="mod">
+          <ac:chgData name="Long B Nguyen" userId="f59fb8f3-a021-417a-8bc1-65c8d471c621" providerId="ADAL" clId="{0576C267-E6BF-B644-A8D6-09119D529826}" dt="2021-05-07T15:57:42.833" v="2491" actId="20577"/>
+          <ac:spMkLst>
+            <pc:docMk/>
+            <pc:sldMk cId="325895786" sldId="362"/>
+            <ac:spMk id="3" creationId="{CE6BD10B-9D13-604D-9877-97B355109287}"/>
+          </ac:spMkLst>
+        </pc:spChg>
       </pc:sldChg>
-      <pc:sldChg chg="add">
-        <pc:chgData name="Long B Nguyen" userId="f59fb8f3-a021-417a-8bc1-65c8d471c621" providerId="ADAL" clId="{0576C267-E6BF-B644-A8D6-09119D529826}" dt="2021-05-06T12:56:50.670" v="811"/>
+      <pc:sldChg chg="modSp add mod">
+        <pc:chgData name="Long B Nguyen" userId="f59fb8f3-a021-417a-8bc1-65c8d471c621" providerId="ADAL" clId="{0576C267-E6BF-B644-A8D6-09119D529826}" dt="2021-05-07T16:03:14.657" v="2733" actId="20577"/>
+        <pc:sldMkLst>
+          <pc:docMk/>
+          <pc:sldMk cId="1010857515" sldId="363"/>
+        </pc:sldMkLst>
+        <pc:spChg chg="mod">
+          <ac:chgData name="Long B Nguyen" userId="f59fb8f3-a021-417a-8bc1-65c8d471c621" providerId="ADAL" clId="{0576C267-E6BF-B644-A8D6-09119D529826}" dt="2021-05-07T16:03:14.657" v="2733" actId="20577"/>
+          <ac:spMkLst>
+            <pc:docMk/>
+            <pc:sldMk cId="1010857515" sldId="363"/>
+            <ac:spMk id="3" creationId="{CE6BD10B-9D13-604D-9877-97B355109287}"/>
+          </ac:spMkLst>
+        </pc:spChg>
+      </pc:sldChg>
+      <pc:sldChg chg="modSp add del mod">
+        <pc:chgData name="Long B Nguyen" userId="f59fb8f3-a021-417a-8bc1-65c8d471c621" providerId="ADAL" clId="{0576C267-E6BF-B644-A8D6-09119D529826}" dt="2021-05-07T16:00:31.152" v="2623" actId="2696"/>
         <pc:sldMkLst>
           <pc:docMk/>
           <pc:sldMk cId="3832797411" sldId="363"/>
         </pc:sldMkLst>
+        <pc:spChg chg="mod">
+          <ac:chgData name="Long B Nguyen" userId="f59fb8f3-a021-417a-8bc1-65c8d471c621" providerId="ADAL" clId="{0576C267-E6BF-B644-A8D6-09119D529826}" dt="2021-05-07T15:58:35.325" v="2546" actId="20577"/>
+          <ac:spMkLst>
+            <pc:docMk/>
+            <pc:sldMk cId="3832797411" sldId="363"/>
+            <ac:spMk id="2" creationId="{BC6F9511-CB58-AC49-AD98-860912780FFE}"/>
+          </ac:spMkLst>
+        </pc:spChg>
+        <pc:spChg chg="mod">
+          <ac:chgData name="Long B Nguyen" userId="f59fb8f3-a021-417a-8bc1-65c8d471c621" providerId="ADAL" clId="{0576C267-E6BF-B644-A8D6-09119D529826}" dt="2021-05-07T15:58:52.546" v="2549"/>
+          <ac:spMkLst>
+            <pc:docMk/>
+            <pc:sldMk cId="3832797411" sldId="363"/>
+            <ac:spMk id="3" creationId="{CE6BD10B-9D13-604D-9877-97B355109287}"/>
+          </ac:spMkLst>
+        </pc:spChg>
       </pc:sldChg>
-      <pc:sldChg chg="add">
-        <pc:chgData name="Long B Nguyen" userId="f59fb8f3-a021-417a-8bc1-65c8d471c621" providerId="ADAL" clId="{0576C267-E6BF-B644-A8D6-09119D529826}" dt="2021-05-06T12:56:50.784" v="812"/>
+      <pc:sldChg chg="add del">
+        <pc:chgData name="Long B Nguyen" userId="f59fb8f3-a021-417a-8bc1-65c8d471c621" providerId="ADAL" clId="{0576C267-E6BF-B644-A8D6-09119D529826}" dt="2021-05-07T16:03:57.848" v="2734" actId="2696"/>
         <pc:sldMkLst>
           <pc:docMk/>
           <pc:sldMk cId="2065126652" sldId="364"/>
         </pc:sldMkLst>
       </pc:sldChg>
-      <pc:sldChg chg="modSp add mod">
-        <pc:chgData name="Long B Nguyen" userId="f59fb8f3-a021-417a-8bc1-65c8d471c621" providerId="ADAL" clId="{0576C267-E6BF-B644-A8D6-09119D529826}" dt="2021-05-06T13:00:20.821" v="1169" actId="113"/>
+      <pc:sldChg chg="modSp add mod modAnim">
+        <pc:chgData name="Long B Nguyen" userId="f59fb8f3-a021-417a-8bc1-65c8d471c621" providerId="ADAL" clId="{0576C267-E6BF-B644-A8D6-09119D529826}" dt="2021-05-07T12:14:40.006" v="1679"/>
         <pc:sldMkLst>
           <pc:docMk/>
           <pc:sldMk cId="2546880855" sldId="365"/>
@@ -540,20 +626,88 @@
           </ac:spMkLst>
         </pc:spChg>
       </pc:sldChg>
-      <pc:sldChg chg="modSp add mod">
-        <pc:chgData name="Long B Nguyen" userId="f59fb8f3-a021-417a-8bc1-65c8d471c621" providerId="ADAL" clId="{0576C267-E6BF-B644-A8D6-09119D529826}" dt="2021-05-06T13:04:24.162" v="1649" actId="2711"/>
+      <pc:sldChg chg="modSp add mod modAnim">
+        <pc:chgData name="Long B Nguyen" userId="f59fb8f3-a021-417a-8bc1-65c8d471c621" providerId="ADAL" clId="{0576C267-E6BF-B644-A8D6-09119D529826}" dt="2021-05-07T12:15:29.324" v="1686"/>
         <pc:sldMkLst>
           <pc:docMk/>
           <pc:sldMk cId="2141245490" sldId="366"/>
         </pc:sldMkLst>
         <pc:spChg chg="mod">
-          <ac:chgData name="Long B Nguyen" userId="f59fb8f3-a021-417a-8bc1-65c8d471c621" providerId="ADAL" clId="{0576C267-E6BF-B644-A8D6-09119D529826}" dt="2021-05-06T13:04:24.162" v="1649" actId="2711"/>
+          <ac:chgData name="Long B Nguyen" userId="f59fb8f3-a021-417a-8bc1-65c8d471c621" providerId="ADAL" clId="{0576C267-E6BF-B644-A8D6-09119D529826}" dt="2021-05-07T12:15:17.238" v="1685" actId="20577"/>
           <ac:spMkLst>
             <pc:docMk/>
             <pc:sldMk cId="2141245490" sldId="366"/>
             <ac:spMk id="3" creationId="{CE6BD10B-9D13-604D-9877-97B355109287}"/>
           </ac:spMkLst>
         </pc:spChg>
+      </pc:sldChg>
+      <pc:sldChg chg="modSp add mod modAnim">
+        <pc:chgData name="Long B Nguyen" userId="f59fb8f3-a021-417a-8bc1-65c8d471c621" providerId="ADAL" clId="{0576C267-E6BF-B644-A8D6-09119D529826}" dt="2021-05-07T15:55:56.464" v="2430" actId="20577"/>
+        <pc:sldMkLst>
+          <pc:docMk/>
+          <pc:sldMk cId="1149324039" sldId="367"/>
+        </pc:sldMkLst>
+        <pc:spChg chg="mod">
+          <ac:chgData name="Long B Nguyen" userId="f59fb8f3-a021-417a-8bc1-65c8d471c621" providerId="ADAL" clId="{0576C267-E6BF-B644-A8D6-09119D529826}" dt="2021-05-07T12:16:11.906" v="1689" actId="20577"/>
+          <ac:spMkLst>
+            <pc:docMk/>
+            <pc:sldMk cId="1149324039" sldId="367"/>
+            <ac:spMk id="2" creationId="{BC6F9511-CB58-AC49-AD98-860912780FFE}"/>
+          </ac:spMkLst>
+        </pc:spChg>
+        <pc:spChg chg="mod">
+          <ac:chgData name="Long B Nguyen" userId="f59fb8f3-a021-417a-8bc1-65c8d471c621" providerId="ADAL" clId="{0576C267-E6BF-B644-A8D6-09119D529826}" dt="2021-05-07T15:55:56.464" v="2430" actId="20577"/>
+          <ac:spMkLst>
+            <pc:docMk/>
+            <pc:sldMk cId="1149324039" sldId="367"/>
+            <ac:spMk id="3" creationId="{CE6BD10B-9D13-604D-9877-97B355109287}"/>
+          </ac:spMkLst>
+        </pc:spChg>
+      </pc:sldChg>
+      <pc:sldChg chg="delSp modSp add mod">
+        <pc:chgData name="Long B Nguyen" userId="f59fb8f3-a021-417a-8bc1-65c8d471c621" providerId="ADAL" clId="{0576C267-E6BF-B644-A8D6-09119D529826}" dt="2021-05-07T12:27:46.841" v="2319" actId="20577"/>
+        <pc:sldMkLst>
+          <pc:docMk/>
+          <pc:sldMk cId="2879578628" sldId="368"/>
+        </pc:sldMkLst>
+        <pc:spChg chg="mod">
+          <ac:chgData name="Long B Nguyen" userId="f59fb8f3-a021-417a-8bc1-65c8d471c621" providerId="ADAL" clId="{0576C267-E6BF-B644-A8D6-09119D529826}" dt="2021-05-07T12:27:46.841" v="2319" actId="20577"/>
+          <ac:spMkLst>
+            <pc:docMk/>
+            <pc:sldMk cId="2879578628" sldId="368"/>
+            <ac:spMk id="2" creationId="{BC6F9511-CB58-AC49-AD98-860912780FFE}"/>
+          </ac:spMkLst>
+        </pc:spChg>
+        <pc:spChg chg="del">
+          <ac:chgData name="Long B Nguyen" userId="f59fb8f3-a021-417a-8bc1-65c8d471c621" providerId="ADAL" clId="{0576C267-E6BF-B644-A8D6-09119D529826}" dt="2021-05-07T12:27:28.642" v="2272" actId="478"/>
+          <ac:spMkLst>
+            <pc:docMk/>
+            <pc:sldMk cId="2879578628" sldId="368"/>
+            <ac:spMk id="3" creationId="{CE6BD10B-9D13-604D-9877-97B355109287}"/>
+          </ac:spMkLst>
+        </pc:spChg>
+      </pc:sldChg>
+      <pc:sldChg chg="modSp add mod">
+        <pc:chgData name="Long B Nguyen" userId="f59fb8f3-a021-417a-8bc1-65c8d471c621" providerId="ADAL" clId="{0576C267-E6BF-B644-A8D6-09119D529826}" dt="2021-05-07T16:00:38.739" v="2656" actId="20577"/>
+        <pc:sldMkLst>
+          <pc:docMk/>
+          <pc:sldMk cId="1543578782" sldId="369"/>
+        </pc:sldMkLst>
+        <pc:spChg chg="mod">
+          <ac:chgData name="Long B Nguyen" userId="f59fb8f3-a021-417a-8bc1-65c8d471c621" providerId="ADAL" clId="{0576C267-E6BF-B644-A8D6-09119D529826}" dt="2021-05-07T16:00:38.739" v="2656" actId="20577"/>
+          <ac:spMkLst>
+            <pc:docMk/>
+            <pc:sldMk cId="1543578782" sldId="369"/>
+            <ac:spMk id="3" creationId="{CE6BD10B-9D13-604D-9877-97B355109287}"/>
+          </ac:spMkLst>
+        </pc:spChg>
+      </pc:sldChg>
+      <pc:sldChg chg="new del">
+        <pc:chgData name="Long B Nguyen" userId="f59fb8f3-a021-417a-8bc1-65c8d471c621" providerId="ADAL" clId="{0576C267-E6BF-B644-A8D6-09119D529826}" dt="2021-05-07T15:55:58.334" v="2431" actId="2696"/>
+        <pc:sldMkLst>
+          <pc:docMk/>
+          <pc:sldMk cId="2872297706" sldId="369"/>
+        </pc:sldMkLst>
       </pc:sldChg>
     </pc:docChg>
   </pc:docChgLst>
@@ -2270,7 +2424,7 @@
           <a:p>
             <a:fld id="{4AAD347D-5ACD-4C99-B74B-A9C85AD731AF}" type="datetimeFigureOut">
               <a:rPr lang="en-US" smtClean="0"/>
-              <a:t>5/6/21</a:t>
+              <a:t>5/7/21</a:t>
             </a:fld>
             <a:endParaRPr lang="en-US" dirty="0"/>
           </a:p>
@@ -2440,7 +2594,7 @@
           <a:p>
             <a:fld id="{4509A250-FF31-4206-8172-F9D3106AACB1}" type="datetimeFigureOut">
               <a:rPr lang="en-US" smtClean="0"/>
-              <a:t>5/6/21</a:t>
+              <a:t>5/7/21</a:t>
             </a:fld>
             <a:endParaRPr lang="en-US" dirty="0"/>
           </a:p>
@@ -2620,7 +2774,7 @@
           <a:p>
             <a:fld id="{4509A250-FF31-4206-8172-F9D3106AACB1}" type="datetimeFigureOut">
               <a:rPr lang="en-US" smtClean="0"/>
-              <a:t>5/6/21</a:t>
+              <a:t>5/7/21</a:t>
             </a:fld>
             <a:endParaRPr lang="en-US" dirty="0"/>
           </a:p>
@@ -2790,7 +2944,7 @@
           <a:p>
             <a:fld id="{4509A250-FF31-4206-8172-F9D3106AACB1}" type="datetimeFigureOut">
               <a:rPr lang="en-US" smtClean="0"/>
-              <a:t>5/6/21</a:t>
+              <a:t>5/7/21</a:t>
             </a:fld>
             <a:endParaRPr lang="en-US" dirty="0"/>
           </a:p>
@@ -3036,7 +3190,7 @@
           <a:p>
             <a:fld id="{9796027F-7875-4030-9381-8BD8C4F21935}" type="datetimeFigureOut">
               <a:rPr lang="en-US" smtClean="0"/>
-              <a:t>5/6/21</a:t>
+              <a:t>5/7/21</a:t>
             </a:fld>
             <a:endParaRPr lang="en-US" dirty="0"/>
           </a:p>
@@ -3268,7 +3422,7 @@
           <a:p>
             <a:fld id="{9796027F-7875-4030-9381-8BD8C4F21935}" type="datetimeFigureOut">
               <a:rPr lang="en-US" smtClean="0"/>
-              <a:t>5/6/21</a:t>
+              <a:t>5/7/21</a:t>
             </a:fld>
             <a:endParaRPr lang="en-US" dirty="0"/>
           </a:p>
@@ -3635,7 +3789,7 @@
           <a:p>
             <a:fld id="{9796027F-7875-4030-9381-8BD8C4F21935}" type="datetimeFigureOut">
               <a:rPr lang="en-US" smtClean="0"/>
-              <a:t>5/6/21</a:t>
+              <a:t>5/7/21</a:t>
             </a:fld>
             <a:endParaRPr lang="en-US" dirty="0"/>
           </a:p>
@@ -3753,7 +3907,7 @@
           <a:p>
             <a:fld id="{4509A250-FF31-4206-8172-F9D3106AACB1}" type="datetimeFigureOut">
               <a:rPr lang="en-US" smtClean="0"/>
-              <a:t>5/6/21</a:t>
+              <a:t>5/7/21</a:t>
             </a:fld>
             <a:endParaRPr lang="en-US" dirty="0"/>
           </a:p>
@@ -3848,7 +4002,7 @@
           <a:p>
             <a:fld id="{4509A250-FF31-4206-8172-F9D3106AACB1}" type="datetimeFigureOut">
               <a:rPr lang="en-US" smtClean="0"/>
-              <a:t>5/6/21</a:t>
+              <a:t>5/7/21</a:t>
             </a:fld>
             <a:endParaRPr lang="en-US" dirty="0"/>
           </a:p>
@@ -4125,7 +4279,7 @@
           <a:p>
             <a:fld id="{4509A250-FF31-4206-8172-F9D3106AACB1}" type="datetimeFigureOut">
               <a:rPr lang="en-US" smtClean="0"/>
-              <a:t>5/6/21</a:t>
+              <a:t>5/7/21</a:t>
             </a:fld>
             <a:endParaRPr lang="en-US" dirty="0"/>
           </a:p>
@@ -4382,7 +4536,7 @@
           <a:p>
             <a:fld id="{4509A250-FF31-4206-8172-F9D3106AACB1}" type="datetimeFigureOut">
               <a:rPr lang="en-US" smtClean="0"/>
-              <a:t>5/6/21</a:t>
+              <a:t>5/7/21</a:t>
             </a:fld>
             <a:endParaRPr lang="en-US" dirty="0"/>
           </a:p>
@@ -4595,7 +4749,7 @@
           <a:p>
             <a:fld id="{4AAD347D-5ACD-4C99-B74B-A9C85AD731AF}" type="datetimeFigureOut">
               <a:rPr lang="en-US" smtClean="0"/>
-              <a:t>5/6/21</a:t>
+              <a:t>5/7/21</a:t>
             </a:fld>
             <a:endParaRPr lang="en-US" dirty="0"/>
           </a:p>
@@ -5658,6 +5812,134 @@
   <p:clrMapOvr>
     <a:masterClrMapping/>
   </p:clrMapOvr>
+  <p:timing>
+    <p:tnLst>
+      <p:par>
+        <p:cTn id="1" dur="indefinite" restart="never" nodeType="tmRoot">
+          <p:childTnLst>
+            <p:seq concurrent="1" nextAc="seek">
+              <p:cTn id="2" dur="indefinite" nodeType="mainSeq">
+                <p:childTnLst>
+                  <p:par>
+                    <p:cTn id="3" fill="hold">
+                      <p:stCondLst>
+                        <p:cond delay="indefinite"/>
+                      </p:stCondLst>
+                      <p:childTnLst>
+                        <p:par>
+                          <p:cTn id="4" fill="hold">
+                            <p:stCondLst>
+                              <p:cond delay="0"/>
+                            </p:stCondLst>
+                            <p:childTnLst>
+                              <p:par>
+                                <p:cTn id="5" presetID="1" presetClass="entr" presetSubtype="0" fill="hold" nodeType="clickEffect">
+                                  <p:stCondLst>
+                                    <p:cond delay="0"/>
+                                  </p:stCondLst>
+                                  <p:childTnLst>
+                                    <p:set>
+                                      <p:cBhvr>
+                                        <p:cTn id="6" dur="1" fill="hold">
+                                          <p:stCondLst>
+                                            <p:cond delay="0"/>
+                                          </p:stCondLst>
+                                        </p:cTn>
+                                        <p:tgtEl>
+                                          <p:spTgt spid="9">
+                                            <p:txEl>
+                                              <p:pRg st="3" end="3"/>
+                                            </p:txEl>
+                                          </p:spTgt>
+                                        </p:tgtEl>
+                                        <p:attrNameLst>
+                                          <p:attrName>style.visibility</p:attrName>
+                                        </p:attrNameLst>
+                                      </p:cBhvr>
+                                      <p:to>
+                                        <p:strVal val="visible"/>
+                                      </p:to>
+                                    </p:set>
+                                  </p:childTnLst>
+                                </p:cTn>
+                              </p:par>
+                            </p:childTnLst>
+                          </p:cTn>
+                        </p:par>
+                      </p:childTnLst>
+                    </p:cTn>
+                  </p:par>
+                  <p:par>
+                    <p:cTn id="7" fill="hold">
+                      <p:stCondLst>
+                        <p:cond delay="indefinite"/>
+                      </p:stCondLst>
+                      <p:childTnLst>
+                        <p:par>
+                          <p:cTn id="8" fill="hold">
+                            <p:stCondLst>
+                              <p:cond delay="0"/>
+                            </p:stCondLst>
+                            <p:childTnLst>
+                              <p:par>
+                                <p:cTn id="9" presetID="1" presetClass="entr" presetSubtype="0" fill="hold" nodeType="clickEffect">
+                                  <p:stCondLst>
+                                    <p:cond delay="0"/>
+                                  </p:stCondLst>
+                                  <p:childTnLst>
+                                    <p:set>
+                                      <p:cBhvr>
+                                        <p:cTn id="10" dur="1" fill="hold">
+                                          <p:stCondLst>
+                                            <p:cond delay="0"/>
+                                          </p:stCondLst>
+                                        </p:cTn>
+                                        <p:tgtEl>
+                                          <p:spTgt spid="9">
+                                            <p:txEl>
+                                              <p:pRg st="5" end="5"/>
+                                            </p:txEl>
+                                          </p:spTgt>
+                                        </p:tgtEl>
+                                        <p:attrNameLst>
+                                          <p:attrName>style.visibility</p:attrName>
+                                        </p:attrNameLst>
+                                      </p:cBhvr>
+                                      <p:to>
+                                        <p:strVal val="visible"/>
+                                      </p:to>
+                                    </p:set>
+                                  </p:childTnLst>
+                                </p:cTn>
+                              </p:par>
+                            </p:childTnLst>
+                          </p:cTn>
+                        </p:par>
+                      </p:childTnLst>
+                    </p:cTn>
+                  </p:par>
+                </p:childTnLst>
+              </p:cTn>
+              <p:prevCondLst>
+                <p:cond evt="onPrev" delay="0">
+                  <p:tgtEl>
+                    <p:sldTgt/>
+                  </p:tgtEl>
+                </p:cond>
+              </p:prevCondLst>
+              <p:nextCondLst>
+                <p:cond evt="onNext" delay="0">
+                  <p:tgtEl>
+                    <p:sldTgt/>
+                  </p:tgtEl>
+                </p:cond>
+              </p:nextCondLst>
+            </p:seq>
+          </p:childTnLst>
+        </p:cTn>
+      </p:par>
+    </p:tnLst>
+  </p:timing>
 </p:sld>
 </file>
 
@@ -6935,6 +7217,477 @@
   <p:clrMapOvr>
     <a:masterClrMapping/>
   </p:clrMapOvr>
+  <p:timing>
+    <p:tnLst>
+      <p:par>
+        <p:cTn id="1" dur="indefinite" restart="never" nodeType="tmRoot">
+          <p:childTnLst>
+            <p:seq concurrent="1" nextAc="seek">
+              <p:cTn id="2" dur="indefinite" nodeType="mainSeq">
+                <p:childTnLst>
+                  <p:par>
+                    <p:cTn id="3" fill="hold">
+                      <p:stCondLst>
+                        <p:cond delay="indefinite"/>
+                      </p:stCondLst>
+                      <p:childTnLst>
+                        <p:par>
+                          <p:cTn id="4" fill="hold">
+                            <p:stCondLst>
+                              <p:cond delay="0"/>
+                            </p:stCondLst>
+                            <p:childTnLst>
+                              <p:par>
+                                <p:cTn id="5" presetID="1" presetClass="entr" presetSubtype="0" fill="hold" nodeType="clickEffect">
+                                  <p:stCondLst>
+                                    <p:cond delay="0"/>
+                                  </p:stCondLst>
+                                  <p:childTnLst>
+                                    <p:set>
+                                      <p:cBhvr>
+                                        <p:cTn id="6" dur="1" fill="hold">
+                                          <p:stCondLst>
+                                            <p:cond delay="0"/>
+                                          </p:stCondLst>
+                                        </p:cTn>
+                                        <p:tgtEl>
+                                          <p:spTgt spid="3">
+                                            <p:txEl>
+                                              <p:pRg st="2" end="2"/>
+                                            </p:txEl>
+                                          </p:spTgt>
+                                        </p:tgtEl>
+                                        <p:attrNameLst>
+                                          <p:attrName>style.visibility</p:attrName>
+                                        </p:attrNameLst>
+                                      </p:cBhvr>
+                                      <p:to>
+                                        <p:strVal val="visible"/>
+                                      </p:to>
+                                    </p:set>
+                                  </p:childTnLst>
+                                </p:cTn>
+                              </p:par>
+                            </p:childTnLst>
+                          </p:cTn>
+                        </p:par>
+                      </p:childTnLst>
+                    </p:cTn>
+                  </p:par>
+                  <p:par>
+                    <p:cTn id="7" fill="hold">
+                      <p:stCondLst>
+                        <p:cond delay="indefinite"/>
+                      </p:stCondLst>
+                      <p:childTnLst>
+                        <p:par>
+                          <p:cTn id="8" fill="hold">
+                            <p:stCondLst>
+                              <p:cond delay="0"/>
+                            </p:stCondLst>
+                            <p:childTnLst>
+                              <p:par>
+                                <p:cTn id="9" presetID="1" presetClass="entr" presetSubtype="0" fill="hold" nodeType="clickEffect">
+                                  <p:stCondLst>
+                                    <p:cond delay="0"/>
+                                  </p:stCondLst>
+                                  <p:childTnLst>
+                                    <p:set>
+                                      <p:cBhvr>
+                                        <p:cTn id="10" dur="1" fill="hold">
+                                          <p:stCondLst>
+                                            <p:cond delay="0"/>
+                                          </p:stCondLst>
+                                        </p:cTn>
+                                        <p:tgtEl>
+                                          <p:spTgt spid="3">
+                                            <p:txEl>
+                                              <p:pRg st="3" end="3"/>
+                                            </p:txEl>
+                                          </p:spTgt>
+                                        </p:tgtEl>
+                                        <p:attrNameLst>
+                                          <p:attrName>style.visibility</p:attrName>
+                                        </p:attrNameLst>
+                                      </p:cBhvr>
+                                      <p:to>
+                                        <p:strVal val="visible"/>
+                                      </p:to>
+                                    </p:set>
+                                  </p:childTnLst>
+                                </p:cTn>
+                              </p:par>
+                            </p:childTnLst>
+                          </p:cTn>
+                        </p:par>
+                      </p:childTnLst>
+                    </p:cTn>
+                  </p:par>
+                  <p:par>
+                    <p:cTn id="11" fill="hold">
+                      <p:stCondLst>
+                        <p:cond delay="indefinite"/>
+                      </p:stCondLst>
+                      <p:childTnLst>
+                        <p:par>
+                          <p:cTn id="12" fill="hold">
+                            <p:stCondLst>
+                              <p:cond delay="0"/>
+                            </p:stCondLst>
+                            <p:childTnLst>
+                              <p:par>
+                                <p:cTn id="13" presetID="1" presetClass="entr" presetSubtype="0" fill="hold" nodeType="clickEffect">
+                                  <p:stCondLst>
+                                    <p:cond delay="0"/>
+                                  </p:stCondLst>
+                                  <p:childTnLst>
+                                    <p:set>
+                                      <p:cBhvr>
+                                        <p:cTn id="14" dur="1" fill="hold">
+                                          <p:stCondLst>
+                                            <p:cond delay="0"/>
+                                          </p:stCondLst>
+                                        </p:cTn>
+                                        <p:tgtEl>
+                                          <p:spTgt spid="3">
+                                            <p:txEl>
+                                              <p:pRg st="4" end="4"/>
+                                            </p:txEl>
+                                          </p:spTgt>
+                                        </p:tgtEl>
+                                        <p:attrNameLst>
+                                          <p:attrName>style.visibility</p:attrName>
+                                        </p:attrNameLst>
+                                      </p:cBhvr>
+                                      <p:to>
+                                        <p:strVal val="visible"/>
+                                      </p:to>
+                                    </p:set>
+                                  </p:childTnLst>
+                                </p:cTn>
+                              </p:par>
+                            </p:childTnLst>
+                          </p:cTn>
+                        </p:par>
+                      </p:childTnLst>
+                    </p:cTn>
+                  </p:par>
+                  <p:par>
+                    <p:cTn id="15" fill="hold">
+                      <p:stCondLst>
+                        <p:cond delay="indefinite"/>
+                      </p:stCondLst>
+                      <p:childTnLst>
+                        <p:par>
+                          <p:cTn id="16" fill="hold">
+                            <p:stCondLst>
+                              <p:cond delay="0"/>
+                            </p:stCondLst>
+                            <p:childTnLst>
+                              <p:par>
+                                <p:cTn id="17" presetID="1" presetClass="entr" presetSubtype="0" fill="hold" nodeType="clickEffect">
+                                  <p:stCondLst>
+                                    <p:cond delay="0"/>
+                                  </p:stCondLst>
+                                  <p:childTnLst>
+                                    <p:set>
+                                      <p:cBhvr>
+                                        <p:cTn id="18" dur="1" fill="hold">
+                                          <p:stCondLst>
+                                            <p:cond delay="0"/>
+                                          </p:stCondLst>
+                                        </p:cTn>
+                                        <p:tgtEl>
+                                          <p:spTgt spid="3">
+                                            <p:txEl>
+                                              <p:pRg st="5" end="5"/>
+                                            </p:txEl>
+                                          </p:spTgt>
+                                        </p:tgtEl>
+                                        <p:attrNameLst>
+                                          <p:attrName>style.visibility</p:attrName>
+                                        </p:attrNameLst>
+                                      </p:cBhvr>
+                                      <p:to>
+                                        <p:strVal val="visible"/>
+                                      </p:to>
+                                    </p:set>
+                                  </p:childTnLst>
+                                </p:cTn>
+                              </p:par>
+                            </p:childTnLst>
+                          </p:cTn>
+                        </p:par>
+                      </p:childTnLst>
+                    </p:cTn>
+                  </p:par>
+                  <p:par>
+                    <p:cTn id="19" fill="hold">
+                      <p:stCondLst>
+                        <p:cond delay="indefinite"/>
+                      </p:stCondLst>
+                      <p:childTnLst>
+                        <p:par>
+                          <p:cTn id="20" fill="hold">
+                            <p:stCondLst>
+                              <p:cond delay="0"/>
+                            </p:stCondLst>
+                            <p:childTnLst>
+                              <p:par>
+                                <p:cTn id="21" presetID="1" presetClass="entr" presetSubtype="0" fill="hold" nodeType="clickEffect">
+                                  <p:stCondLst>
+                                    <p:cond delay="0"/>
+                                  </p:stCondLst>
+                                  <p:childTnLst>
+                                    <p:set>
+                                      <p:cBhvr>
+                                        <p:cTn id="22" dur="1" fill="hold">
+                                          <p:stCondLst>
+                                            <p:cond delay="0"/>
+                                          </p:stCondLst>
+                                        </p:cTn>
+                                        <p:tgtEl>
+                                          <p:spTgt spid="3">
+                                            <p:txEl>
+                                              <p:pRg st="6" end="6"/>
+                                            </p:txEl>
+                                          </p:spTgt>
+                                        </p:tgtEl>
+                                        <p:attrNameLst>
+                                          <p:attrName>style.visibility</p:attrName>
+                                        </p:attrNameLst>
+                                      </p:cBhvr>
+                                      <p:to>
+                                        <p:strVal val="visible"/>
+                                      </p:to>
+                                    </p:set>
+                                  </p:childTnLst>
+                                </p:cTn>
+                              </p:par>
+                            </p:childTnLst>
+                          </p:cTn>
+                        </p:par>
+                      </p:childTnLst>
+                    </p:cTn>
+                  </p:par>
+                  <p:par>
+                    <p:cTn id="23" fill="hold">
+                      <p:stCondLst>
+                        <p:cond delay="indefinite"/>
+                      </p:stCondLst>
+                      <p:childTnLst>
+                        <p:par>
+                          <p:cTn id="24" fill="hold">
+                            <p:stCondLst>
+                              <p:cond delay="0"/>
+                            </p:stCondLst>
+                            <p:childTnLst>
+                              <p:par>
+                                <p:cTn id="25" presetID="1" presetClass="entr" presetSubtype="0" fill="hold" nodeType="clickEffect">
+                                  <p:stCondLst>
+                                    <p:cond delay="0"/>
+                                  </p:stCondLst>
+                                  <p:childTnLst>
+                                    <p:set>
+                                      <p:cBhvr>
+                                        <p:cTn id="26" dur="1" fill="hold">
+                                          <p:stCondLst>
+                                            <p:cond delay="0"/>
+                                          </p:stCondLst>
+                                        </p:cTn>
+                                        <p:tgtEl>
+                                          <p:spTgt spid="3">
+                                            <p:txEl>
+                                              <p:pRg st="7" end="7"/>
+                                            </p:txEl>
+                                          </p:spTgt>
+                                        </p:tgtEl>
+                                        <p:attrNameLst>
+                                          <p:attrName>style.visibility</p:attrName>
+                                        </p:attrNameLst>
+                                      </p:cBhvr>
+                                      <p:to>
+                                        <p:strVal val="visible"/>
+                                      </p:to>
+                                    </p:set>
+                                  </p:childTnLst>
+                                </p:cTn>
+                              </p:par>
+                            </p:childTnLst>
+                          </p:cTn>
+                        </p:par>
+                      </p:childTnLst>
+                    </p:cTn>
+                  </p:par>
+                  <p:par>
+                    <p:cTn id="27" fill="hold">
+                      <p:stCondLst>
+                        <p:cond delay="indefinite"/>
+                      </p:stCondLst>
+                      <p:childTnLst>
+                        <p:par>
+                          <p:cTn id="28" fill="hold">
+                            <p:stCondLst>
+                              <p:cond delay="0"/>
+                            </p:stCondLst>
+                            <p:childTnLst>
+                              <p:par>
+                                <p:cTn id="29" presetID="1" presetClass="entr" presetSubtype="0" fill="hold" nodeType="clickEffect">
+                                  <p:stCondLst>
+                                    <p:cond delay="0"/>
+                                  </p:stCondLst>
+                                  <p:childTnLst>
+                                    <p:set>
+                                      <p:cBhvr>
+                                        <p:cTn id="30" dur="1" fill="hold">
+                                          <p:stCondLst>
+                                            <p:cond delay="0"/>
+                                          </p:stCondLst>
+                                        </p:cTn>
+                                        <p:tgtEl>
+                                          <p:spTgt spid="3">
+                                            <p:txEl>
+                                              <p:pRg st="8" end="8"/>
+                                            </p:txEl>
+                                          </p:spTgt>
+                                        </p:tgtEl>
+                                        <p:attrNameLst>
+                                          <p:attrName>style.visibility</p:attrName>
+                                        </p:attrNameLst>
+                                      </p:cBhvr>
+                                      <p:to>
+                                        <p:strVal val="visible"/>
+                                      </p:to>
+                                    </p:set>
+                                  </p:childTnLst>
+                                </p:cTn>
+                              </p:par>
+                            </p:childTnLst>
+                          </p:cTn>
+                        </p:par>
+                      </p:childTnLst>
+                    </p:cTn>
+                  </p:par>
+                  <p:par>
+                    <p:cTn id="31" fill="hold">
+                      <p:stCondLst>
+                        <p:cond delay="indefinite"/>
+                      </p:stCondLst>
+                      <p:childTnLst>
+                        <p:par>
+                          <p:cTn id="32" fill="hold">
+                            <p:stCondLst>
+                              <p:cond delay="0"/>
+                            </p:stCondLst>
+                            <p:childTnLst>
+                              <p:par>
+                                <p:cTn id="33" presetID="1" presetClass="entr" presetSubtype="0" fill="hold" nodeType="clickEffect">
+                                  <p:stCondLst>
+                                    <p:cond delay="0"/>
+                                  </p:stCondLst>
+                                  <p:childTnLst>
+                                    <p:set>
+                                      <p:cBhvr>
+                                        <p:cTn id="34" dur="1" fill="hold">
+                                          <p:stCondLst>
+                                            <p:cond delay="0"/>
+                                          </p:stCondLst>
+                                        </p:cTn>
+                                        <p:tgtEl>
+                                          <p:spTgt spid="3">
+                                            <p:txEl>
+                                              <p:pRg st="9" end="9"/>
+                                            </p:txEl>
+                                          </p:spTgt>
+                                        </p:tgtEl>
+                                        <p:attrNameLst>
+                                          <p:attrName>style.visibility</p:attrName>
+                                        </p:attrNameLst>
+                                      </p:cBhvr>
+                                      <p:to>
+                                        <p:strVal val="visible"/>
+                                      </p:to>
+                                    </p:set>
+                                  </p:childTnLst>
+                                </p:cTn>
+                              </p:par>
+                            </p:childTnLst>
+                          </p:cTn>
+                        </p:par>
+                      </p:childTnLst>
+                    </p:cTn>
+                  </p:par>
+                  <p:par>
+                    <p:cTn id="35" fill="hold">
+                      <p:stCondLst>
+                        <p:cond delay="indefinite"/>
+                      </p:stCondLst>
+                      <p:childTnLst>
+                        <p:par>
+                          <p:cTn id="36" fill="hold">
+                            <p:stCondLst>
+                              <p:cond delay="0"/>
+                            </p:stCondLst>
+                            <p:childTnLst>
+                              <p:par>
+                                <p:cTn id="37" presetID="1" presetClass="entr" presetSubtype="0" fill="hold" nodeType="clickEffect">
+                                  <p:stCondLst>
+                                    <p:cond delay="0"/>
+                                  </p:stCondLst>
+                                  <p:childTnLst>
+                                    <p:set>
+                                      <p:cBhvr>
+                                        <p:cTn id="38" dur="1" fill="hold">
+                                          <p:stCondLst>
+                                            <p:cond delay="0"/>
+                                          </p:stCondLst>
+                                        </p:cTn>
+                                        <p:tgtEl>
+                                          <p:spTgt spid="3">
+                                            <p:txEl>
+                                              <p:pRg st="10" end="10"/>
+                                            </p:txEl>
+                                          </p:spTgt>
+                                        </p:tgtEl>
+                                        <p:attrNameLst>
+                                          <p:attrName>style.visibility</p:attrName>
+                                        </p:attrNameLst>
+                                      </p:cBhvr>
+                                      <p:to>
+                                        <p:strVal val="visible"/>
+                                      </p:to>
+                                    </p:set>
+                                  </p:childTnLst>
+                                </p:cTn>
+                              </p:par>
+                            </p:childTnLst>
+                          </p:cTn>
+                        </p:par>
+                      </p:childTnLst>
+                    </p:cTn>
+                  </p:par>
+                </p:childTnLst>
+              </p:cTn>
+              <p:prevCondLst>
+                <p:cond evt="onPrev" delay="0">
+                  <p:tgtEl>
+                    <p:sldTgt/>
+                  </p:tgtEl>
+                </p:cond>
+              </p:prevCondLst>
+              <p:nextCondLst>
+                <p:cond evt="onNext" delay="0">
+                  <p:tgtEl>
+                    <p:sldTgt/>
+                  </p:tgtEl>
+                </p:cond>
+              </p:nextCondLst>
+            </p:seq>
+          </p:childTnLst>
+        </p:cTn>
+      </p:par>
+    </p:tnLst>
+  </p:timing>
 </p:sld>
 </file>
 
@@ -7073,6 +7826,134 @@
   <p:clrMapOvr>
     <a:masterClrMapping/>
   </p:clrMapOvr>
+  <p:timing>
+    <p:tnLst>
+      <p:par>
+        <p:cTn id="1" dur="indefinite" restart="never" nodeType="tmRoot">
+          <p:childTnLst>
+            <p:seq concurrent="1" nextAc="seek">
+              <p:cTn id="2" dur="indefinite" nodeType="mainSeq">
+                <p:childTnLst>
+                  <p:par>
+                    <p:cTn id="3" fill="hold">
+                      <p:stCondLst>
+                        <p:cond delay="indefinite"/>
+                      </p:stCondLst>
+                      <p:childTnLst>
+                        <p:par>
+                          <p:cTn id="4" fill="hold">
+                            <p:stCondLst>
+                              <p:cond delay="0"/>
+                            </p:stCondLst>
+                            <p:childTnLst>
+                              <p:par>
+                                <p:cTn id="5" presetID="1" presetClass="entr" presetSubtype="0" fill="hold" nodeType="clickEffect">
+                                  <p:stCondLst>
+                                    <p:cond delay="0"/>
+                                  </p:stCondLst>
+                                  <p:childTnLst>
+                                    <p:set>
+                                      <p:cBhvr>
+                                        <p:cTn id="6" dur="1" fill="hold">
+                                          <p:stCondLst>
+                                            <p:cond delay="0"/>
+                                          </p:stCondLst>
+                                        </p:cTn>
+                                        <p:tgtEl>
+                                          <p:spTgt spid="3">
+                                            <p:txEl>
+                                              <p:pRg st="2" end="2"/>
+                                            </p:txEl>
+                                          </p:spTgt>
+                                        </p:tgtEl>
+                                        <p:attrNameLst>
+                                          <p:attrName>style.visibility</p:attrName>
+                                        </p:attrNameLst>
+                                      </p:cBhvr>
+                                      <p:to>
+                                        <p:strVal val="visible"/>
+                                      </p:to>
+                                    </p:set>
+                                  </p:childTnLst>
+                                </p:cTn>
+                              </p:par>
+                            </p:childTnLst>
+                          </p:cTn>
+                        </p:par>
+                      </p:childTnLst>
+                    </p:cTn>
+                  </p:par>
+                  <p:par>
+                    <p:cTn id="7" fill="hold">
+                      <p:stCondLst>
+                        <p:cond delay="indefinite"/>
+                      </p:stCondLst>
+                      <p:childTnLst>
+                        <p:par>
+                          <p:cTn id="8" fill="hold">
+                            <p:stCondLst>
+                              <p:cond delay="0"/>
+                            </p:stCondLst>
+                            <p:childTnLst>
+                              <p:par>
+                                <p:cTn id="9" presetID="1" presetClass="entr" presetSubtype="0" fill="hold" nodeType="clickEffect">
+                                  <p:stCondLst>
+                                    <p:cond delay="0"/>
+                                  </p:stCondLst>
+                                  <p:childTnLst>
+                                    <p:set>
+                                      <p:cBhvr>
+                                        <p:cTn id="10" dur="1" fill="hold">
+                                          <p:stCondLst>
+                                            <p:cond delay="0"/>
+                                          </p:stCondLst>
+                                        </p:cTn>
+                                        <p:tgtEl>
+                                          <p:spTgt spid="3">
+                                            <p:txEl>
+                                              <p:pRg st="3" end="3"/>
+                                            </p:txEl>
+                                          </p:spTgt>
+                                        </p:tgtEl>
+                                        <p:attrNameLst>
+                                          <p:attrName>style.visibility</p:attrName>
+                                        </p:attrNameLst>
+                                      </p:cBhvr>
+                                      <p:to>
+                                        <p:strVal val="visible"/>
+                                      </p:to>
+                                    </p:set>
+                                  </p:childTnLst>
+                                </p:cTn>
+                              </p:par>
+                            </p:childTnLst>
+                          </p:cTn>
+                        </p:par>
+                      </p:childTnLst>
+                    </p:cTn>
+                  </p:par>
+                </p:childTnLst>
+              </p:cTn>
+              <p:prevCondLst>
+                <p:cond evt="onPrev" delay="0">
+                  <p:tgtEl>
+                    <p:sldTgt/>
+                  </p:tgtEl>
+                </p:cond>
+              </p:prevCondLst>
+              <p:nextCondLst>
+                <p:cond evt="onNext" delay="0">
+                  <p:tgtEl>
+                    <p:sldTgt/>
+                  </p:tgtEl>
+                </p:cond>
+              </p:nextCondLst>
+            </p:seq>
+          </p:childTnLst>
+        </p:cTn>
+      </p:par>
+    </p:tnLst>
+  </p:timing>
 </p:sld>
 </file>
 
@@ -7308,6 +8189,351 @@
   <p:clrMapOvr>
     <a:masterClrMapping/>
   </p:clrMapOvr>
+  <p:timing>
+    <p:tnLst>
+      <p:par>
+        <p:cTn id="1" dur="indefinite" restart="never" nodeType="tmRoot">
+          <p:childTnLst>
+            <p:seq concurrent="1" nextAc="seek">
+              <p:cTn id="2" dur="indefinite" nodeType="mainSeq">
+                <p:childTnLst>
+                  <p:par>
+                    <p:cTn id="3" fill="hold">
+                      <p:stCondLst>
+                        <p:cond delay="indefinite"/>
+                      </p:stCondLst>
+                      <p:childTnLst>
+                        <p:par>
+                          <p:cTn id="4" fill="hold">
+                            <p:stCondLst>
+                              <p:cond delay="0"/>
+                            </p:stCondLst>
+                            <p:childTnLst>
+                              <p:par>
+                                <p:cTn id="5" presetID="1" presetClass="entr" presetSubtype="0" fill="hold" nodeType="clickEffect">
+                                  <p:stCondLst>
+                                    <p:cond delay="0"/>
+                                  </p:stCondLst>
+                                  <p:childTnLst>
+                                    <p:set>
+                                      <p:cBhvr>
+                                        <p:cTn id="6" dur="1" fill="hold">
+                                          <p:stCondLst>
+                                            <p:cond delay="0"/>
+                                          </p:stCondLst>
+                                        </p:cTn>
+                                        <p:tgtEl>
+                                          <p:spTgt spid="3">
+                                            <p:txEl>
+                                              <p:pRg st="2" end="2"/>
+                                            </p:txEl>
+                                          </p:spTgt>
+                                        </p:tgtEl>
+                                        <p:attrNameLst>
+                                          <p:attrName>style.visibility</p:attrName>
+                                        </p:attrNameLst>
+                                      </p:cBhvr>
+                                      <p:to>
+                                        <p:strVal val="visible"/>
+                                      </p:to>
+                                    </p:set>
+                                  </p:childTnLst>
+                                </p:cTn>
+                              </p:par>
+                              <p:par>
+                                <p:cTn id="7" presetID="1" presetClass="entr" presetSubtype="0" fill="hold" nodeType="withEffect">
+                                  <p:stCondLst>
+                                    <p:cond delay="0"/>
+                                  </p:stCondLst>
+                                  <p:childTnLst>
+                                    <p:set>
+                                      <p:cBhvr>
+                                        <p:cTn id="8" dur="1" fill="hold">
+                                          <p:stCondLst>
+                                            <p:cond delay="0"/>
+                                          </p:stCondLst>
+                                        </p:cTn>
+                                        <p:tgtEl>
+                                          <p:spTgt spid="3">
+                                            <p:txEl>
+                                              <p:pRg st="3" end="3"/>
+                                            </p:txEl>
+                                          </p:spTgt>
+                                        </p:tgtEl>
+                                        <p:attrNameLst>
+                                          <p:attrName>style.visibility</p:attrName>
+                                        </p:attrNameLst>
+                                      </p:cBhvr>
+                                      <p:to>
+                                        <p:strVal val="visible"/>
+                                      </p:to>
+                                    </p:set>
+                                  </p:childTnLst>
+                                </p:cTn>
+                              </p:par>
+                              <p:par>
+                                <p:cTn id="9" presetID="1" presetClass="entr" presetSubtype="0" fill="hold" nodeType="withEffect">
+                                  <p:stCondLst>
+                                    <p:cond delay="0"/>
+                                  </p:stCondLst>
+                                  <p:childTnLst>
+                                    <p:set>
+                                      <p:cBhvr>
+                                        <p:cTn id="10" dur="1" fill="hold">
+                                          <p:stCondLst>
+                                            <p:cond delay="0"/>
+                                          </p:stCondLst>
+                                        </p:cTn>
+                                        <p:tgtEl>
+                                          <p:spTgt spid="3">
+                                            <p:txEl>
+                                              <p:pRg st="4" end="4"/>
+                                            </p:txEl>
+                                          </p:spTgt>
+                                        </p:tgtEl>
+                                        <p:attrNameLst>
+                                          <p:attrName>style.visibility</p:attrName>
+                                        </p:attrNameLst>
+                                      </p:cBhvr>
+                                      <p:to>
+                                        <p:strVal val="visible"/>
+                                      </p:to>
+                                    </p:set>
+                                  </p:childTnLst>
+                                </p:cTn>
+                              </p:par>
+                            </p:childTnLst>
+                          </p:cTn>
+                        </p:par>
+                      </p:childTnLst>
+                    </p:cTn>
+                  </p:par>
+                  <p:par>
+                    <p:cTn id="11" fill="hold">
+                      <p:stCondLst>
+                        <p:cond delay="indefinite"/>
+                      </p:stCondLst>
+                      <p:childTnLst>
+                        <p:par>
+                          <p:cTn id="12" fill="hold">
+                            <p:stCondLst>
+                              <p:cond delay="0"/>
+                            </p:stCondLst>
+                            <p:childTnLst>
+                              <p:par>
+                                <p:cTn id="13" presetID="1" presetClass="entr" presetSubtype="0" fill="hold" nodeType="clickEffect">
+                                  <p:stCondLst>
+                                    <p:cond delay="0"/>
+                                  </p:stCondLst>
+                                  <p:childTnLst>
+                                    <p:set>
+                                      <p:cBhvr>
+                                        <p:cTn id="14" dur="1" fill="hold">
+                                          <p:stCondLst>
+                                            <p:cond delay="0"/>
+                                          </p:stCondLst>
+                                        </p:cTn>
+                                        <p:tgtEl>
+                                          <p:spTgt spid="3">
+                                            <p:txEl>
+                                              <p:pRg st="6" end="6"/>
+                                            </p:txEl>
+                                          </p:spTgt>
+                                        </p:tgtEl>
+                                        <p:attrNameLst>
+                                          <p:attrName>style.visibility</p:attrName>
+                                        </p:attrNameLst>
+                                      </p:cBhvr>
+                                      <p:to>
+                                        <p:strVal val="visible"/>
+                                      </p:to>
+                                    </p:set>
+                                  </p:childTnLst>
+                                </p:cTn>
+                              </p:par>
+                              <p:par>
+                                <p:cTn id="15" presetID="1" presetClass="entr" presetSubtype="0" fill="hold" nodeType="withEffect">
+                                  <p:stCondLst>
+                                    <p:cond delay="0"/>
+                                  </p:stCondLst>
+                                  <p:childTnLst>
+                                    <p:set>
+                                      <p:cBhvr>
+                                        <p:cTn id="16" dur="1" fill="hold">
+                                          <p:stCondLst>
+                                            <p:cond delay="0"/>
+                                          </p:stCondLst>
+                                        </p:cTn>
+                                        <p:tgtEl>
+                                          <p:spTgt spid="3">
+                                            <p:txEl>
+                                              <p:pRg st="7" end="7"/>
+                                            </p:txEl>
+                                          </p:spTgt>
+                                        </p:tgtEl>
+                                        <p:attrNameLst>
+                                          <p:attrName>style.visibility</p:attrName>
+                                        </p:attrNameLst>
+                                      </p:cBhvr>
+                                      <p:to>
+                                        <p:strVal val="visible"/>
+                                      </p:to>
+                                    </p:set>
+                                  </p:childTnLst>
+                                </p:cTn>
+                              </p:par>
+                              <p:par>
+                                <p:cTn id="17" presetID="1" presetClass="entr" presetSubtype="0" fill="hold" nodeType="withEffect">
+                                  <p:stCondLst>
+                                    <p:cond delay="0"/>
+                                  </p:stCondLst>
+                                  <p:childTnLst>
+                                    <p:set>
+                                      <p:cBhvr>
+                                        <p:cTn id="18" dur="1" fill="hold">
+                                          <p:stCondLst>
+                                            <p:cond delay="0"/>
+                                          </p:stCondLst>
+                                        </p:cTn>
+                                        <p:tgtEl>
+                                          <p:spTgt spid="3">
+                                            <p:txEl>
+                                              <p:pRg st="8" end="8"/>
+                                            </p:txEl>
+                                          </p:spTgt>
+                                        </p:tgtEl>
+                                        <p:attrNameLst>
+                                          <p:attrName>style.visibility</p:attrName>
+                                        </p:attrNameLst>
+                                      </p:cBhvr>
+                                      <p:to>
+                                        <p:strVal val="visible"/>
+                                      </p:to>
+                                    </p:set>
+                                  </p:childTnLst>
+                                </p:cTn>
+                              </p:par>
+                              <p:par>
+                                <p:cTn id="19" presetID="1" presetClass="entr" presetSubtype="0" fill="hold" nodeType="withEffect">
+                                  <p:stCondLst>
+                                    <p:cond delay="0"/>
+                                  </p:stCondLst>
+                                  <p:childTnLst>
+                                    <p:set>
+                                      <p:cBhvr>
+                                        <p:cTn id="20" dur="1" fill="hold">
+                                          <p:stCondLst>
+                                            <p:cond delay="0"/>
+                                          </p:stCondLst>
+                                        </p:cTn>
+                                        <p:tgtEl>
+                                          <p:spTgt spid="3">
+                                            <p:txEl>
+                                              <p:pRg st="9" end="9"/>
+                                            </p:txEl>
+                                          </p:spTgt>
+                                        </p:tgtEl>
+                                        <p:attrNameLst>
+                                          <p:attrName>style.visibility</p:attrName>
+                                        </p:attrNameLst>
+                                      </p:cBhvr>
+                                      <p:to>
+                                        <p:strVal val="visible"/>
+                                      </p:to>
+                                    </p:set>
+                                  </p:childTnLst>
+                                </p:cTn>
+                              </p:par>
+                              <p:par>
+                                <p:cTn id="21" presetID="1" presetClass="entr" presetSubtype="0" fill="hold" nodeType="withEffect">
+                                  <p:stCondLst>
+                                    <p:cond delay="0"/>
+                                  </p:stCondLst>
+                                  <p:childTnLst>
+                                    <p:set>
+                                      <p:cBhvr>
+                                        <p:cTn id="22" dur="1" fill="hold">
+                                          <p:stCondLst>
+                                            <p:cond delay="0"/>
+                                          </p:stCondLst>
+                                        </p:cTn>
+                                        <p:tgtEl>
+                                          <p:spTgt spid="3">
+                                            <p:txEl>
+                                              <p:pRg st="10" end="10"/>
+                                            </p:txEl>
+                                          </p:spTgt>
+                                        </p:tgtEl>
+                                        <p:attrNameLst>
+                                          <p:attrName>style.visibility</p:attrName>
+                                        </p:attrNameLst>
+                                      </p:cBhvr>
+                                      <p:to>
+                                        <p:strVal val="visible"/>
+                                      </p:to>
+                                    </p:set>
+                                  </p:childTnLst>
+                                </p:cTn>
+                              </p:par>
+                              <p:par>
+                                <p:cTn id="23" presetID="1" presetClass="entr" presetSubtype="0" fill="hold" nodeType="withEffect">
+                                  <p:stCondLst>
+                                    <p:cond delay="0"/>
+                                  </p:stCondLst>
+                                  <p:childTnLst>
+                                    <p:set>
+                                      <p:cBhvr>
+                                        <p:cTn id="24" dur="1" fill="hold">
+                                          <p:stCondLst>
+                                            <p:cond delay="0"/>
+                                          </p:stCondLst>
+                                        </p:cTn>
+                                        <p:tgtEl>
+                                          <p:spTgt spid="3">
+                                            <p:txEl>
+                                              <p:pRg st="11" end="11"/>
+                                            </p:txEl>
+                                          </p:spTgt>
+                                        </p:tgtEl>
+                                        <p:attrNameLst>
+                                          <p:attrName>style.visibility</p:attrName>
+                                        </p:attrNameLst>
+                                      </p:cBhvr>
+                                      <p:to>
+                                        <p:strVal val="visible"/>
+                                      </p:to>
+                                    </p:set>
+                                  </p:childTnLst>
+                                </p:cTn>
+                              </p:par>
+                            </p:childTnLst>
+                          </p:cTn>
+                        </p:par>
+                      </p:childTnLst>
+                    </p:cTn>
+                  </p:par>
+                </p:childTnLst>
+              </p:cTn>
+              <p:prevCondLst>
+                <p:cond evt="onPrev" delay="0">
+                  <p:tgtEl>
+                    <p:sldTgt/>
+                  </p:tgtEl>
+                </p:cond>
+              </p:prevCondLst>
+              <p:nextCondLst>
+                <p:cond evt="onNext" delay="0">
+                  <p:tgtEl>
+                    <p:sldTgt/>
+                  </p:tgtEl>
+                </p:cond>
+              </p:nextCondLst>
+            </p:seq>
+          </p:childTnLst>
+        </p:cTn>
+      </p:par>
+    </p:tnLst>
+  </p:timing>
 </p:sld>
 </file>
 
@@ -7613,6 +8839,209 @@
   <p:clrMapOvr>
     <a:masterClrMapping/>
   </p:clrMapOvr>
+  <p:timing>
+    <p:tnLst>
+      <p:par>
+        <p:cTn id="1" dur="indefinite" restart="never" nodeType="tmRoot">
+          <p:childTnLst>
+            <p:seq concurrent="1" nextAc="seek">
+              <p:cTn id="2" dur="indefinite" nodeType="mainSeq">
+                <p:childTnLst>
+                  <p:par>
+                    <p:cTn id="3" fill="hold">
+                      <p:stCondLst>
+                        <p:cond delay="indefinite"/>
+                      </p:stCondLst>
+                      <p:childTnLst>
+                        <p:par>
+                          <p:cTn id="4" fill="hold">
+                            <p:stCondLst>
+                              <p:cond delay="0"/>
+                            </p:stCondLst>
+                            <p:childTnLst>
+                              <p:par>
+                                <p:cTn id="5" presetID="1" presetClass="entr" presetSubtype="0" fill="hold" nodeType="clickEffect">
+                                  <p:stCondLst>
+                                    <p:cond delay="0"/>
+                                  </p:stCondLst>
+                                  <p:childTnLst>
+                                    <p:set>
+                                      <p:cBhvr>
+                                        <p:cTn id="6" dur="1" fill="hold">
+                                          <p:stCondLst>
+                                            <p:cond delay="0"/>
+                                          </p:stCondLst>
+                                        </p:cTn>
+                                        <p:tgtEl>
+                                          <p:spTgt spid="3">
+                                            <p:txEl>
+                                              <p:pRg st="6" end="6"/>
+                                            </p:txEl>
+                                          </p:spTgt>
+                                        </p:tgtEl>
+                                        <p:attrNameLst>
+                                          <p:attrName>style.visibility</p:attrName>
+                                        </p:attrNameLst>
+                                      </p:cBhvr>
+                                      <p:to>
+                                        <p:strVal val="visible"/>
+                                      </p:to>
+                                    </p:set>
+                                  </p:childTnLst>
+                                </p:cTn>
+                              </p:par>
+                              <p:par>
+                                <p:cTn id="7" presetID="1" presetClass="entr" presetSubtype="0" fill="hold" nodeType="withEffect">
+                                  <p:stCondLst>
+                                    <p:cond delay="0"/>
+                                  </p:stCondLst>
+                                  <p:childTnLst>
+                                    <p:set>
+                                      <p:cBhvr>
+                                        <p:cTn id="8" dur="1" fill="hold">
+                                          <p:stCondLst>
+                                            <p:cond delay="0"/>
+                                          </p:stCondLst>
+                                        </p:cTn>
+                                        <p:tgtEl>
+                                          <p:spTgt spid="3">
+                                            <p:txEl>
+                                              <p:pRg st="7" end="7"/>
+                                            </p:txEl>
+                                          </p:spTgt>
+                                        </p:tgtEl>
+                                        <p:attrNameLst>
+                                          <p:attrName>style.visibility</p:attrName>
+                                        </p:attrNameLst>
+                                      </p:cBhvr>
+                                      <p:to>
+                                        <p:strVal val="visible"/>
+                                      </p:to>
+                                    </p:set>
+                                  </p:childTnLst>
+                                </p:cTn>
+                              </p:par>
+                              <p:par>
+                                <p:cTn id="9" presetID="1" presetClass="entr" presetSubtype="0" fill="hold" nodeType="withEffect">
+                                  <p:stCondLst>
+                                    <p:cond delay="0"/>
+                                  </p:stCondLst>
+                                  <p:childTnLst>
+                                    <p:set>
+                                      <p:cBhvr>
+                                        <p:cTn id="10" dur="1" fill="hold">
+                                          <p:stCondLst>
+                                            <p:cond delay="0"/>
+                                          </p:stCondLst>
+                                        </p:cTn>
+                                        <p:tgtEl>
+                                          <p:spTgt spid="3">
+                                            <p:txEl>
+                                              <p:pRg st="8" end="8"/>
+                                            </p:txEl>
+                                          </p:spTgt>
+                                        </p:tgtEl>
+                                        <p:attrNameLst>
+                                          <p:attrName>style.visibility</p:attrName>
+                                        </p:attrNameLst>
+                                      </p:cBhvr>
+                                      <p:to>
+                                        <p:strVal val="visible"/>
+                                      </p:to>
+                                    </p:set>
+                                  </p:childTnLst>
+                                </p:cTn>
+                              </p:par>
+                              <p:par>
+                                <p:cTn id="11" presetID="1" presetClass="entr" presetSubtype="0" fill="hold" nodeType="withEffect">
+                                  <p:stCondLst>
+                                    <p:cond delay="0"/>
+                                  </p:stCondLst>
+                                  <p:childTnLst>
+                                    <p:set>
+                                      <p:cBhvr>
+                                        <p:cTn id="12" dur="1" fill="hold">
+                                          <p:stCondLst>
+                                            <p:cond delay="0"/>
+                                          </p:stCondLst>
+                                        </p:cTn>
+                                        <p:tgtEl>
+                                          <p:spTgt spid="3">
+                                            <p:txEl>
+                                              <p:pRg st="9" end="9"/>
+                                            </p:txEl>
+                                          </p:spTgt>
+                                        </p:tgtEl>
+                                        <p:attrNameLst>
+                                          <p:attrName>style.visibility</p:attrName>
+                                        </p:attrNameLst>
+                                      </p:cBhvr>
+                                      <p:to>
+                                        <p:strVal val="visible"/>
+                                      </p:to>
+                                    </p:set>
+                                  </p:childTnLst>
+                                </p:cTn>
+                              </p:par>
+                              <p:par>
+                                <p:cTn id="13" presetID="1" presetClass="entr" presetSubtype="0" fill="hold" nodeType="withEffect">
+                                  <p:stCondLst>
+                                    <p:cond delay="0"/>
+                                  </p:stCondLst>
+                                  <p:childTnLst>
+                                    <p:set>
+                                      <p:cBhvr>
+                                        <p:cTn id="14" dur="1" fill="hold">
+                                          <p:stCondLst>
+                                            <p:cond delay="0"/>
+                                          </p:stCondLst>
+                                        </p:cTn>
+                                        <p:tgtEl>
+                                          <p:spTgt spid="3">
+                                            <p:txEl>
+                                              <p:pRg st="10" end="10"/>
+                                            </p:txEl>
+                                          </p:spTgt>
+                                        </p:tgtEl>
+                                        <p:attrNameLst>
+                                          <p:attrName>style.visibility</p:attrName>
+                                        </p:attrNameLst>
+                                      </p:cBhvr>
+                                      <p:to>
+                                        <p:strVal val="visible"/>
+                                      </p:to>
+                                    </p:set>
+                                  </p:childTnLst>
+                                </p:cTn>
+                              </p:par>
+                            </p:childTnLst>
+                          </p:cTn>
+                        </p:par>
+                      </p:childTnLst>
+                    </p:cTn>
+                  </p:par>
+                </p:childTnLst>
+              </p:cTn>
+              <p:prevCondLst>
+                <p:cond evt="onPrev" delay="0">
+                  <p:tgtEl>
+                    <p:sldTgt/>
+                  </p:tgtEl>
+                </p:cond>
+              </p:prevCondLst>
+              <p:nextCondLst>
+                <p:cond evt="onNext" delay="0">
+                  <p:tgtEl>
+                    <p:sldTgt/>
+                  </p:tgtEl>
+                </p:cond>
+              </p:nextCondLst>
+            </p:seq>
+          </p:childTnLst>
+        </p:cTn>
+      </p:par>
+    </p:tnLst>
+  </p:timing>
 </p:sld>
 </file>
 
@@ -7920,7 +9349,7 @@
           <p:cNvPr id="2" name="Title 1">
             <a:extLst>
               <a:ext uri="{FF2B5EF4-FFF2-40B4-BE49-F238E27FC236}">
-                <a16:creationId xmlns:a16="http://schemas.microsoft.com/office/drawing/2014/main" id="{FA71676B-39A1-804E-9AA4-6BA99571CE5D}"/>
+                <a16:creationId xmlns:a16="http://schemas.microsoft.com/office/drawing/2014/main" id="{BC6F9511-CB58-AC49-AD98-860912780FFE}"/>
               </a:ext>
             </a:extLst>
           </p:cNvPr>
@@ -7933,8 +9362,8 @@
         </p:nvSpPr>
         <p:spPr>
           <a:xfrm>
-            <a:off x="196553" y="153823"/>
-            <a:ext cx="7780412" cy="588511"/>
+            <a:off x="628650" y="2563244"/>
+            <a:ext cx="7886700" cy="588511"/>
           </a:xfrm>
         </p:spPr>
         <p:txBody>
@@ -7942,202 +9371,16 @@
           <a:lstStyle/>
           <a:p>
             <a:r>
+              <a:rPr lang="en-US" dirty="0"/>
+              <a:t>Question 3: </a:t>
+            </a:r>
+            <a:r>
               <a:rPr lang="en-US" dirty="0" err="1"/>
-              <a:t>ArrayList</a:t>
+              <a:t>Arraylist</a:t>
             </a:r>
             <a:r>
               <a:rPr lang="en-US" dirty="0"/>
-              <a:t>/1D Arrays</a:t>
-            </a:r>
-          </a:p>
-        </p:txBody>
-      </p:sp>
-      <p:sp>
-        <p:nvSpPr>
-          <p:cNvPr id="3" name="Content Placeholder 2">
-            <a:extLst>
-              <a:ext uri="{FF2B5EF4-FFF2-40B4-BE49-F238E27FC236}">
-                <a16:creationId xmlns:a16="http://schemas.microsoft.com/office/drawing/2014/main" id="{B6269B47-A385-4040-9C6A-296F87FAB4C4}"/>
-              </a:ext>
-            </a:extLst>
-          </p:cNvPr>
-          <p:cNvSpPr>
-            <a:spLocks noGrp="1"/>
-          </p:cNvSpPr>
-          <p:nvPr>
-            <p:ph idx="1"/>
-          </p:nvPr>
-        </p:nvSpPr>
-        <p:spPr>
-          <a:xfrm>
-            <a:off x="256373" y="742334"/>
-            <a:ext cx="8691073" cy="4818843"/>
-          </a:xfrm>
-        </p:spPr>
-        <p:txBody>
-          <a:bodyPr/>
-          <a:lstStyle/>
-          <a:p>
-            <a:pPr marL="0" indent="0">
-              <a:buNone/>
-            </a:pPr>
-            <a:r>
-              <a:rPr lang="en-US" dirty="0"/>
-              <a:t>We will first prepare for the FRQs by reviewing </a:t>
-            </a:r>
-            <a:r>
-              <a:rPr lang="en-US" dirty="0" err="1"/>
-              <a:t>ArrayList</a:t>
-            </a:r>
-            <a:r>
-              <a:rPr lang="en-US" dirty="0"/>
-              <a:t> and 1D arrays. This will be Question 3 on the Free Response. </a:t>
-            </a:r>
-          </a:p>
-          <a:p>
-            <a:pPr marL="0" indent="0">
-              <a:buNone/>
-            </a:pPr>
-            <a:endParaRPr lang="en-US" dirty="0"/>
-          </a:p>
-          <a:p>
-            <a:pPr marL="0" indent="0">
-              <a:buNone/>
-            </a:pPr>
-            <a:r>
-              <a:rPr lang="en-US" dirty="0"/>
-              <a:t>It's very common to have a class(</a:t>
-            </a:r>
-            <a:r>
-              <a:rPr lang="en-US" dirty="0" err="1"/>
-              <a:t>e.g</a:t>
-            </a:r>
-            <a:r>
-              <a:rPr lang="en-US" dirty="0"/>
-              <a:t> Student) and another class which contains either a 1D array of Student objects or an </a:t>
-            </a:r>
-            <a:r>
-              <a:rPr lang="en-US" dirty="0" err="1"/>
-              <a:t>ArrayList</a:t>
-            </a:r>
-            <a:r>
-              <a:rPr lang="en-US" dirty="0"/>
-              <a:t> of Student objects. </a:t>
-            </a:r>
-          </a:p>
-          <a:p>
-            <a:pPr marL="0" indent="0">
-              <a:buNone/>
-            </a:pPr>
-            <a:endParaRPr lang="en-US" dirty="0"/>
-          </a:p>
-          <a:p>
-            <a:pPr lvl="1">
-              <a:lnSpc>
-                <a:spcPct val="80000"/>
-              </a:lnSpc>
-              <a:buNone/>
-              <a:defRPr/>
-            </a:pPr>
-            <a:r>
-              <a:rPr lang="en-US" dirty="0">
-                <a:latin typeface="Courier New" charset="0"/>
-              </a:rPr>
-              <a:t>public class Student {</a:t>
-            </a:r>
-          </a:p>
-          <a:p>
-            <a:pPr lvl="1">
-              <a:lnSpc>
-                <a:spcPct val="80000"/>
-              </a:lnSpc>
-              <a:buNone/>
-              <a:defRPr/>
-            </a:pPr>
-            <a:r>
-              <a:rPr lang="en-US" dirty="0">
-                <a:latin typeface="Courier New" charset="0"/>
-              </a:rPr>
-              <a:t>		…</a:t>
-            </a:r>
-          </a:p>
-          <a:p>
-            <a:pPr lvl="1">
-              <a:lnSpc>
-                <a:spcPct val="80000"/>
-              </a:lnSpc>
-              <a:buNone/>
-              <a:defRPr/>
-            </a:pPr>
-            <a:r>
-              <a:rPr lang="en-US" dirty="0">
-                <a:latin typeface="Courier New" charset="0"/>
-              </a:rPr>
-              <a:t>		public String </a:t>
-            </a:r>
-            <a:r>
-              <a:rPr lang="en-US" dirty="0" err="1">
-                <a:latin typeface="Courier New" charset="0"/>
-              </a:rPr>
-              <a:t>getName</a:t>
-            </a:r>
-            <a:r>
-              <a:rPr lang="en-US" dirty="0">
-                <a:latin typeface="Courier New" charset="0"/>
-              </a:rPr>
-              <a:t>(){..}</a:t>
-            </a:r>
-          </a:p>
-          <a:p>
-            <a:pPr lvl="1">
-              <a:lnSpc>
-                <a:spcPct val="80000"/>
-              </a:lnSpc>
-              <a:buNone/>
-              <a:defRPr/>
-            </a:pPr>
-            <a:r>
-              <a:rPr lang="en-US" dirty="0">
-                <a:latin typeface="Courier New" charset="0"/>
-              </a:rPr>
-              <a:t>		public double </a:t>
-            </a:r>
-            <a:r>
-              <a:rPr lang="en-US" dirty="0" err="1">
-                <a:latin typeface="Courier New" charset="0"/>
-              </a:rPr>
-              <a:t>getGpa</a:t>
-            </a:r>
-            <a:r>
-              <a:rPr lang="en-US" dirty="0">
-                <a:latin typeface="Courier New" charset="0"/>
-              </a:rPr>
-              <a:t>(){…}</a:t>
-            </a:r>
-          </a:p>
-          <a:p>
-            <a:pPr lvl="1">
-              <a:lnSpc>
-                <a:spcPct val="80000"/>
-              </a:lnSpc>
-              <a:buNone/>
-              <a:defRPr/>
-            </a:pPr>
-            <a:r>
-              <a:rPr lang="en-US" dirty="0">
-                <a:latin typeface="Courier New" charset="0"/>
-              </a:rPr>
-              <a:t>}</a:t>
-            </a:r>
-            <a:endParaRPr lang="en-US" dirty="0"/>
-          </a:p>
-          <a:p>
-            <a:pPr marL="0" indent="0">
-              <a:buNone/>
-            </a:pPr>
-            <a:r>
-              <a:rPr lang="en-US" dirty="0"/>
-              <a:t> </a:t>
+              <a:t>/1D Array</a:t>
             </a:r>
           </a:p>
         </p:txBody>
@@ -8145,7 +9388,7 @@
     </p:spTree>
     <p:extLst>
       <p:ext uri="{BB962C8B-B14F-4D97-AF65-F5344CB8AC3E}">
-        <p14:creationId xmlns:p14="http://schemas.microsoft.com/office/powerpoint/2010/main" val="1348987668"/>
+        <p14:creationId xmlns:p14="http://schemas.microsoft.com/office/powerpoint/2010/main" val="2879578628"/>
       </p:ext>
     </p:extLst>
   </p:cSld>
@@ -8504,7 +9747,7 @@
           <p:cNvPr id="2" name="Title 1">
             <a:extLst>
               <a:ext uri="{FF2B5EF4-FFF2-40B4-BE49-F238E27FC236}">
-                <a16:creationId xmlns:a16="http://schemas.microsoft.com/office/drawing/2014/main" id="{BC6F9511-CB58-AC49-AD98-860912780FFE}"/>
+                <a16:creationId xmlns:a16="http://schemas.microsoft.com/office/drawing/2014/main" id="{FA71676B-39A1-804E-9AA4-6BA99571CE5D}"/>
               </a:ext>
             </a:extLst>
           </p:cNvPr>
@@ -8517,8 +9760,8 @@
         </p:nvSpPr>
         <p:spPr>
           <a:xfrm>
-            <a:off x="167177" y="128185"/>
-            <a:ext cx="7886700" cy="588511"/>
+            <a:off x="196553" y="153823"/>
+            <a:ext cx="7780412" cy="588511"/>
           </a:xfrm>
         </p:spPr>
         <p:txBody>
@@ -8541,7 +9784,7 @@
           <p:cNvPr id="3" name="Content Placeholder 2">
             <a:extLst>
               <a:ext uri="{FF2B5EF4-FFF2-40B4-BE49-F238E27FC236}">
-                <a16:creationId xmlns:a16="http://schemas.microsoft.com/office/drawing/2014/main" id="{CE6BD10B-9D13-604D-9877-97B355109287}"/>
+                <a16:creationId xmlns:a16="http://schemas.microsoft.com/office/drawing/2014/main" id="{B6269B47-A385-4040-9C6A-296F87FAB4C4}"/>
               </a:ext>
             </a:extLst>
           </p:cNvPr>
@@ -8554,14 +9797,109 @@
         </p:nvSpPr>
         <p:spPr>
           <a:xfrm>
-            <a:off x="167177" y="888763"/>
-            <a:ext cx="8780270" cy="4623273"/>
+            <a:off x="256373" y="742334"/>
+            <a:ext cx="8691073" cy="4818843"/>
           </a:xfrm>
         </p:spPr>
         <p:txBody>
           <a:bodyPr/>
           <a:lstStyle/>
           <a:p>
+            <a:pPr marL="0" indent="0">
+              <a:buNone/>
+            </a:pPr>
+            <a:r>
+              <a:rPr lang="en-US" dirty="0"/>
+              <a:t>We will first prepare for the FRQs by reviewing </a:t>
+            </a:r>
+            <a:r>
+              <a:rPr lang="en-US" dirty="0" err="1"/>
+              <a:t>ArrayList</a:t>
+            </a:r>
+            <a:r>
+              <a:rPr lang="en-US" dirty="0"/>
+              <a:t> and 1D arrays. This will be Question 3 on the Free Response. </a:t>
+            </a:r>
+          </a:p>
+          <a:p>
+            <a:pPr marL="0" indent="0">
+              <a:buNone/>
+            </a:pPr>
+            <a:r>
+              <a:rPr lang="en-US" dirty="0">
+                <a:latin typeface="Gill Sans MT" panose="020B0502020104020203" pitchFamily="34" charset="77"/>
+                <a:cs typeface="Courier New" panose="02070309020205020404" pitchFamily="49" charset="0"/>
+              </a:rPr>
+              <a:t>From previous years' exams, it is likely that Question 3 is an </a:t>
+            </a:r>
+            <a:r>
+              <a:rPr lang="en-US" dirty="0" err="1">
+                <a:latin typeface="Gill Sans MT" panose="020B0502020104020203" pitchFamily="34" charset="77"/>
+                <a:cs typeface="Courier New" panose="02070309020205020404" pitchFamily="49" charset="0"/>
+              </a:rPr>
+              <a:t>ArrayList</a:t>
+            </a:r>
+            <a:r>
+              <a:rPr lang="en-US" dirty="0">
+                <a:latin typeface="Gill Sans MT" panose="020B0502020104020203" pitchFamily="34" charset="77"/>
+                <a:cs typeface="Courier New" panose="02070309020205020404" pitchFamily="49" charset="0"/>
+              </a:rPr>
+              <a:t> question instead of/in addition to an 1D array question.(</a:t>
+            </a:r>
+            <a:r>
+              <a:rPr lang="en-US" dirty="0" err="1">
+                <a:latin typeface="Gill Sans MT" panose="020B0502020104020203" pitchFamily="34" charset="77"/>
+                <a:cs typeface="Courier New" panose="02070309020205020404" pitchFamily="49" charset="0"/>
+              </a:rPr>
+              <a:t>ArrayList</a:t>
+            </a:r>
+            <a:r>
+              <a:rPr lang="en-US" dirty="0">
+                <a:latin typeface="Gill Sans MT" panose="020B0502020104020203" pitchFamily="34" charset="77"/>
+                <a:cs typeface="Courier New" panose="02070309020205020404" pitchFamily="49" charset="0"/>
+              </a:rPr>
+              <a:t> or both, unlikely to be just a 1D array question)</a:t>
+            </a:r>
+            <a:endParaRPr lang="en-US" dirty="0"/>
+          </a:p>
+          <a:p>
+            <a:pPr marL="0" indent="0">
+              <a:buNone/>
+            </a:pPr>
+            <a:endParaRPr lang="en-US" dirty="0"/>
+          </a:p>
+          <a:p>
+            <a:pPr marL="0" indent="0">
+              <a:buNone/>
+            </a:pPr>
+            <a:r>
+              <a:rPr lang="en-US" dirty="0"/>
+              <a:t>It's very common to have a class(</a:t>
+            </a:r>
+            <a:r>
+              <a:rPr lang="en-US" dirty="0" err="1"/>
+              <a:t>e.g</a:t>
+            </a:r>
+            <a:r>
+              <a:rPr lang="en-US" dirty="0"/>
+              <a:t> Student) and another class which contains either a 1D array of Student objects or an </a:t>
+            </a:r>
+            <a:r>
+              <a:rPr lang="en-US" dirty="0" err="1"/>
+              <a:t>ArrayList</a:t>
+            </a:r>
+            <a:r>
+              <a:rPr lang="en-US" dirty="0"/>
+              <a:t> of Student objects. </a:t>
+            </a:r>
+          </a:p>
+          <a:p>
+            <a:pPr marL="0" indent="0">
+              <a:buNone/>
+            </a:pPr>
+            <a:endParaRPr lang="en-US" dirty="0"/>
+          </a:p>
+          <a:p>
             <a:pPr lvl="1">
               <a:lnSpc>
                 <a:spcPct val="80000"/>
@@ -8573,11 +9911,8 @@
               <a:rPr lang="en-US" dirty="0">
                 <a:latin typeface="Courier New" charset="0"/>
               </a:rPr>
-              <a:t>public class Course {</a:t>
-            </a:r>
-            <a:endParaRPr lang="en-US" b="1" dirty="0">
-              <a:latin typeface="Courier New" charset="0"/>
-            </a:endParaRPr>
+              <a:t>public class Student {</a:t>
+            </a:r>
           </a:p>
           <a:p>
             <a:pPr lvl="1">
@@ -8588,22 +9923,10 @@
               <a:defRPr/>
             </a:pPr>
             <a:r>
-              <a:rPr lang="en-US" b="1" dirty="0">
+              <a:rPr lang="en-US" dirty="0">
                 <a:latin typeface="Courier New" charset="0"/>
               </a:rPr>
-              <a:t>		private </a:t>
-            </a:r>
-            <a:r>
-              <a:rPr lang="en-US" b="1" dirty="0" err="1">
-                <a:latin typeface="Courier New" charset="0"/>
-              </a:rPr>
-              <a:t>ArrayList</a:t>
-            </a:r>
-            <a:r>
-              <a:rPr lang="en-US" b="1" dirty="0">
-                <a:latin typeface="Courier New" charset="0"/>
-              </a:rPr>
-              <a:t>&lt;Student&gt; students;</a:t>
+              <a:t>		…</a:t>
             </a:r>
           </a:p>
           <a:p>
@@ -8618,7 +9941,19 @@
               <a:rPr lang="en-US" dirty="0">
                 <a:latin typeface="Courier New" charset="0"/>
               </a:rPr>
-              <a:t>    </a:t>
+              <a:t>		public String </a:t>
+            </a:r>
+            <a:r>
+              <a:rPr lang="en-US" dirty="0" err="1">
+                <a:latin typeface="Courier New" charset="0"/>
+              </a:rPr>
+              <a:t>getName</a:t>
+            </a:r>
+            <a:r>
+              <a:rPr lang="en-US" dirty="0">
+                <a:latin typeface="Courier New" charset="0"/>
+              </a:rPr>
+              <a:t>(){..}</a:t>
             </a:r>
           </a:p>
           <a:p>
@@ -8633,7 +9968,19 @@
               <a:rPr lang="en-US" dirty="0">
                 <a:latin typeface="Courier New" charset="0"/>
               </a:rPr>
-              <a:t>    public Course() {</a:t>
+              <a:t>		public double </a:t>
+            </a:r>
+            <a:r>
+              <a:rPr lang="en-US" dirty="0" err="1">
+                <a:latin typeface="Courier New" charset="0"/>
+              </a:rPr>
+              <a:t>getGpa</a:t>
+            </a:r>
+            <a:r>
+              <a:rPr lang="en-US" dirty="0">
+                <a:latin typeface="Courier New" charset="0"/>
+              </a:rPr>
+              <a:t>(){…}</a:t>
             </a:r>
           </a:p>
           <a:p>
@@ -8648,189 +9995,314 @@
               <a:rPr lang="en-US" dirty="0">
                 <a:latin typeface="Courier New" charset="0"/>
               </a:rPr>
-              <a:t>		   students = new </a:t>
-            </a:r>
-            <a:r>
-              <a:rPr lang="en-US" dirty="0" err="1">
-                <a:latin typeface="Courier New" charset="0"/>
-              </a:rPr>
-              <a:t>ArrayList</a:t>
-            </a:r>
-            <a:r>
-              <a:rPr lang="en-US" dirty="0">
-                <a:latin typeface="Courier New" charset="0"/>
-              </a:rPr>
-              <a:t>&lt;Student&gt;();</a:t>
-            </a:r>
-          </a:p>
-          <a:p>
-            <a:pPr lvl="1">
-              <a:lnSpc>
-                <a:spcPct val="80000"/>
-              </a:lnSpc>
-              <a:buNone/>
-              <a:defRPr/>
-            </a:pPr>
-            <a:r>
-              <a:rPr lang="en-US" dirty="0">
-                <a:latin typeface="Courier New" charset="0"/>
-              </a:rPr>
-              <a:t>        ...</a:t>
-            </a:r>
-          </a:p>
-          <a:p>
-            <a:pPr lvl="1">
-              <a:lnSpc>
-                <a:spcPct val="80000"/>
-              </a:lnSpc>
-              <a:buNone/>
-              <a:defRPr/>
-            </a:pPr>
-            <a:r>
-              <a:rPr lang="en-US" dirty="0">
-                <a:latin typeface="Courier New" charset="0"/>
-              </a:rPr>
-              <a:t>    }</a:t>
-            </a:r>
-          </a:p>
-          <a:p>
-            <a:pPr lvl="1">
-              <a:lnSpc>
-                <a:spcPct val="80000"/>
-              </a:lnSpc>
-              <a:buNone/>
-              <a:defRPr/>
-            </a:pPr>
-            <a:r>
-              <a:rPr lang="en-US" dirty="0">
-                <a:latin typeface="Courier New" charset="0"/>
-              </a:rPr>
               <a:t>}</a:t>
             </a:r>
-          </a:p>
-          <a:p>
-            <a:pPr lvl="1">
-              <a:lnSpc>
-                <a:spcPct val="80000"/>
-              </a:lnSpc>
-              <a:buNone/>
-              <a:defRPr/>
-            </a:pPr>
-            <a:endParaRPr lang="en-US" dirty="0">
-              <a:latin typeface="Courier New" charset="0"/>
-            </a:endParaRPr>
-          </a:p>
-          <a:p>
-            <a:pPr lvl="1">
-              <a:lnSpc>
-                <a:spcPct val="80000"/>
-              </a:lnSpc>
-              <a:buNone/>
-              <a:defRPr/>
-            </a:pPr>
-            <a:r>
-              <a:rPr lang="en-US" b="1" dirty="0">
-                <a:latin typeface="Courier New" charset="0"/>
-              </a:rPr>
-              <a:t>OR</a:t>
-            </a:r>
-          </a:p>
-          <a:p>
-            <a:pPr lvl="1">
-              <a:lnSpc>
-                <a:spcPct val="80000"/>
-              </a:lnSpc>
-              <a:buNone/>
-              <a:defRPr/>
-            </a:pPr>
-            <a:r>
-              <a:rPr lang="en-US" dirty="0">
-                <a:latin typeface="Courier New" charset="0"/>
-              </a:rPr>
-              <a:t>public class Course {</a:t>
-            </a:r>
-            <a:endParaRPr lang="en-US" b="1" dirty="0">
-              <a:latin typeface="Courier New" charset="0"/>
-            </a:endParaRPr>
-          </a:p>
-          <a:p>
-            <a:pPr lvl="1">
-              <a:lnSpc>
-                <a:spcPct val="80000"/>
-              </a:lnSpc>
-              <a:buNone/>
-              <a:defRPr/>
-            </a:pPr>
-            <a:r>
-              <a:rPr lang="en-US" b="1" dirty="0">
-                <a:latin typeface="Courier New" charset="0"/>
-              </a:rPr>
-              <a:t>		private Student[] students;</a:t>
-            </a:r>
-          </a:p>
-          <a:p>
-            <a:pPr lvl="1">
-              <a:lnSpc>
-                <a:spcPct val="80000"/>
-              </a:lnSpc>
-              <a:buNone/>
-              <a:defRPr/>
-            </a:pPr>
-            <a:r>
-              <a:rPr lang="en-US" dirty="0">
-                <a:latin typeface="Courier New" charset="0"/>
-              </a:rPr>
-              <a:t>    </a:t>
-            </a:r>
-          </a:p>
-          <a:p>
-            <a:pPr lvl="1">
-              <a:lnSpc>
-                <a:spcPct val="80000"/>
-              </a:lnSpc>
-              <a:buNone/>
-              <a:defRPr/>
-            </a:pPr>
-            <a:r>
-              <a:rPr lang="en-US" dirty="0">
-                <a:latin typeface="Courier New" charset="0"/>
-              </a:rPr>
-              <a:t>    }</a:t>
-            </a:r>
-          </a:p>
-          <a:p>
-            <a:pPr lvl="1">
-              <a:lnSpc>
-                <a:spcPct val="80000"/>
-              </a:lnSpc>
-              <a:buNone/>
-              <a:defRPr/>
-            </a:pPr>
-            <a:r>
-              <a:rPr lang="en-US" dirty="0">
-                <a:latin typeface="Courier New" charset="0"/>
-              </a:rPr>
-              <a:t>}</a:t>
-            </a:r>
-          </a:p>
-          <a:p>
-            <a:pPr marL="0" indent="0">
-              <a:buNone/>
-            </a:pPr>
             <a:endParaRPr lang="en-US" dirty="0"/>
+          </a:p>
+          <a:p>
+            <a:pPr marL="0" indent="0">
+              <a:buNone/>
+            </a:pPr>
+            <a:r>
+              <a:rPr lang="en-US" dirty="0"/>
+              <a:t> </a:t>
+            </a:r>
           </a:p>
         </p:txBody>
       </p:sp>
     </p:spTree>
     <p:extLst>
       <p:ext uri="{BB962C8B-B14F-4D97-AF65-F5344CB8AC3E}">
-        <p14:creationId xmlns:p14="http://schemas.microsoft.com/office/powerpoint/2010/main" val="2546880855"/>
+        <p14:creationId xmlns:p14="http://schemas.microsoft.com/office/powerpoint/2010/main" val="1348987668"/>
       </p:ext>
     </p:extLst>
   </p:cSld>
   <p:clrMapOvr>
     <a:masterClrMapping/>
   </p:clrMapOvr>
+  <p:timing>
+    <p:tnLst>
+      <p:par>
+        <p:cTn id="1" dur="indefinite" restart="never" nodeType="tmRoot">
+          <p:childTnLst>
+            <p:seq concurrent="1" nextAc="seek">
+              <p:cTn id="2" dur="indefinite" nodeType="mainSeq">
+                <p:childTnLst>
+                  <p:par>
+                    <p:cTn id="3" fill="hold">
+                      <p:stCondLst>
+                        <p:cond delay="indefinite"/>
+                      </p:stCondLst>
+                      <p:childTnLst>
+                        <p:par>
+                          <p:cTn id="4" fill="hold">
+                            <p:stCondLst>
+                              <p:cond delay="0"/>
+                            </p:stCondLst>
+                            <p:childTnLst>
+                              <p:par>
+                                <p:cTn id="5" presetID="1" presetClass="entr" presetSubtype="0" fill="hold" nodeType="clickEffect">
+                                  <p:stCondLst>
+                                    <p:cond delay="0"/>
+                                  </p:stCondLst>
+                                  <p:childTnLst>
+                                    <p:set>
+                                      <p:cBhvr>
+                                        <p:cTn id="6" dur="1" fill="hold">
+                                          <p:stCondLst>
+                                            <p:cond delay="0"/>
+                                          </p:stCondLst>
+                                        </p:cTn>
+                                        <p:tgtEl>
+                                          <p:spTgt spid="3">
+                                            <p:txEl>
+                                              <p:pRg st="3" end="3"/>
+                                            </p:txEl>
+                                          </p:spTgt>
+                                        </p:tgtEl>
+                                        <p:attrNameLst>
+                                          <p:attrName>style.visibility</p:attrName>
+                                        </p:attrNameLst>
+                                      </p:cBhvr>
+                                      <p:to>
+                                        <p:strVal val="visible"/>
+                                      </p:to>
+                                    </p:set>
+                                  </p:childTnLst>
+                                </p:cTn>
+                              </p:par>
+                            </p:childTnLst>
+                          </p:cTn>
+                        </p:par>
+                      </p:childTnLst>
+                    </p:cTn>
+                  </p:par>
+                  <p:par>
+                    <p:cTn id="7" fill="hold">
+                      <p:stCondLst>
+                        <p:cond delay="indefinite"/>
+                      </p:stCondLst>
+                      <p:childTnLst>
+                        <p:par>
+                          <p:cTn id="8" fill="hold">
+                            <p:stCondLst>
+                              <p:cond delay="0"/>
+                            </p:stCondLst>
+                            <p:childTnLst>
+                              <p:par>
+                                <p:cTn id="9" presetID="1" presetClass="entr" presetSubtype="0" fill="hold" nodeType="clickEffect">
+                                  <p:stCondLst>
+                                    <p:cond delay="0"/>
+                                  </p:stCondLst>
+                                  <p:childTnLst>
+                                    <p:set>
+                                      <p:cBhvr>
+                                        <p:cTn id="10" dur="1" fill="hold">
+                                          <p:stCondLst>
+                                            <p:cond delay="0"/>
+                                          </p:stCondLst>
+                                        </p:cTn>
+                                        <p:tgtEl>
+                                          <p:spTgt spid="3">
+                                            <p:txEl>
+                                              <p:pRg st="5" end="5"/>
+                                            </p:txEl>
+                                          </p:spTgt>
+                                        </p:tgtEl>
+                                        <p:attrNameLst>
+                                          <p:attrName>style.visibility</p:attrName>
+                                        </p:attrNameLst>
+                                      </p:cBhvr>
+                                      <p:to>
+                                        <p:strVal val="visible"/>
+                                      </p:to>
+                                    </p:set>
+                                  </p:childTnLst>
+                                </p:cTn>
+                              </p:par>
+                              <p:par>
+                                <p:cTn id="11" presetID="1" presetClass="entr" presetSubtype="0" fill="hold" nodeType="withEffect">
+                                  <p:stCondLst>
+                                    <p:cond delay="0"/>
+                                  </p:stCondLst>
+                                  <p:childTnLst>
+                                    <p:set>
+                                      <p:cBhvr>
+                                        <p:cTn id="12" dur="1" fill="hold">
+                                          <p:stCondLst>
+                                            <p:cond delay="0"/>
+                                          </p:stCondLst>
+                                        </p:cTn>
+                                        <p:tgtEl>
+                                          <p:spTgt spid="3">
+                                            <p:txEl>
+                                              <p:pRg st="6" end="6"/>
+                                            </p:txEl>
+                                          </p:spTgt>
+                                        </p:tgtEl>
+                                        <p:attrNameLst>
+                                          <p:attrName>style.visibility</p:attrName>
+                                        </p:attrNameLst>
+                                      </p:cBhvr>
+                                      <p:to>
+                                        <p:strVal val="visible"/>
+                                      </p:to>
+                                    </p:set>
+                                  </p:childTnLst>
+                                </p:cTn>
+                              </p:par>
+                              <p:par>
+                                <p:cTn id="13" presetID="1" presetClass="entr" presetSubtype="0" fill="hold" nodeType="withEffect">
+                                  <p:stCondLst>
+                                    <p:cond delay="0"/>
+                                  </p:stCondLst>
+                                  <p:childTnLst>
+                                    <p:set>
+                                      <p:cBhvr>
+                                        <p:cTn id="14" dur="1" fill="hold">
+                                          <p:stCondLst>
+                                            <p:cond delay="0"/>
+                                          </p:stCondLst>
+                                        </p:cTn>
+                                        <p:tgtEl>
+                                          <p:spTgt spid="3">
+                                            <p:txEl>
+                                              <p:pRg st="7" end="7"/>
+                                            </p:txEl>
+                                          </p:spTgt>
+                                        </p:tgtEl>
+                                        <p:attrNameLst>
+                                          <p:attrName>style.visibility</p:attrName>
+                                        </p:attrNameLst>
+                                      </p:cBhvr>
+                                      <p:to>
+                                        <p:strVal val="visible"/>
+                                      </p:to>
+                                    </p:set>
+                                  </p:childTnLst>
+                                </p:cTn>
+                              </p:par>
+                              <p:par>
+                                <p:cTn id="15" presetID="1" presetClass="entr" presetSubtype="0" fill="hold" nodeType="withEffect">
+                                  <p:stCondLst>
+                                    <p:cond delay="0"/>
+                                  </p:stCondLst>
+                                  <p:childTnLst>
+                                    <p:set>
+                                      <p:cBhvr>
+                                        <p:cTn id="16" dur="1" fill="hold">
+                                          <p:stCondLst>
+                                            <p:cond delay="0"/>
+                                          </p:stCondLst>
+                                        </p:cTn>
+                                        <p:tgtEl>
+                                          <p:spTgt spid="3">
+                                            <p:txEl>
+                                              <p:pRg st="8" end="8"/>
+                                            </p:txEl>
+                                          </p:spTgt>
+                                        </p:tgtEl>
+                                        <p:attrNameLst>
+                                          <p:attrName>style.visibility</p:attrName>
+                                        </p:attrNameLst>
+                                      </p:cBhvr>
+                                      <p:to>
+                                        <p:strVal val="visible"/>
+                                      </p:to>
+                                    </p:set>
+                                  </p:childTnLst>
+                                </p:cTn>
+                              </p:par>
+                              <p:par>
+                                <p:cTn id="17" presetID="1" presetClass="entr" presetSubtype="0" fill="hold" nodeType="withEffect">
+                                  <p:stCondLst>
+                                    <p:cond delay="0"/>
+                                  </p:stCondLst>
+                                  <p:childTnLst>
+                                    <p:set>
+                                      <p:cBhvr>
+                                        <p:cTn id="18" dur="1" fill="hold">
+                                          <p:stCondLst>
+                                            <p:cond delay="0"/>
+                                          </p:stCondLst>
+                                        </p:cTn>
+                                        <p:tgtEl>
+                                          <p:spTgt spid="3">
+                                            <p:txEl>
+                                              <p:pRg st="9" end="9"/>
+                                            </p:txEl>
+                                          </p:spTgt>
+                                        </p:tgtEl>
+                                        <p:attrNameLst>
+                                          <p:attrName>style.visibility</p:attrName>
+                                        </p:attrNameLst>
+                                      </p:cBhvr>
+                                      <p:to>
+                                        <p:strVal val="visible"/>
+                                      </p:to>
+                                    </p:set>
+                                  </p:childTnLst>
+                                </p:cTn>
+                              </p:par>
+                              <p:par>
+                                <p:cTn id="19" presetID="1" presetClass="entr" presetSubtype="0" fill="hold" nodeType="withEffect">
+                                  <p:stCondLst>
+                                    <p:cond delay="0"/>
+                                  </p:stCondLst>
+                                  <p:childTnLst>
+                                    <p:set>
+                                      <p:cBhvr>
+                                        <p:cTn id="20" dur="1" fill="hold">
+                                          <p:stCondLst>
+                                            <p:cond delay="0"/>
+                                          </p:stCondLst>
+                                        </p:cTn>
+                                        <p:tgtEl>
+                                          <p:spTgt spid="3">
+                                            <p:txEl>
+                                              <p:pRg st="10" end="10"/>
+                                            </p:txEl>
+                                          </p:spTgt>
+                                        </p:tgtEl>
+                                        <p:attrNameLst>
+                                          <p:attrName>style.visibility</p:attrName>
+                                        </p:attrNameLst>
+                                      </p:cBhvr>
+                                      <p:to>
+                                        <p:strVal val="visible"/>
+                                      </p:to>
+                                    </p:set>
+                                  </p:childTnLst>
+                                </p:cTn>
+                              </p:par>
+                            </p:childTnLst>
+                          </p:cTn>
+                        </p:par>
+                      </p:childTnLst>
+                    </p:cTn>
+                  </p:par>
+                </p:childTnLst>
+              </p:cTn>
+              <p:prevCondLst>
+                <p:cond evt="onPrev" delay="0">
+                  <p:tgtEl>
+                    <p:sldTgt/>
+                  </p:tgtEl>
+                </p:cond>
+              </p:prevCondLst>
+              <p:nextCondLst>
+                <p:cond evt="onNext" delay="0">
+                  <p:tgtEl>
+                    <p:sldTgt/>
+                  </p:tgtEl>
+                </p:cond>
+              </p:nextCondLst>
+            </p:seq>
+          </p:childTnLst>
+        </p:cTn>
+      </p:par>
+    </p:tnLst>
+  </p:timing>
 </p:sld>
 </file>
 
@@ -8878,14 +10350,13 @@
           <a:lstStyle/>
           <a:p>
             <a:r>
-              <a:rPr lang="en-US" dirty="0"/>
-              <a:t>Traversing 1D Array vs. </a:t>
-            </a:r>
-            <a:r>
               <a:rPr lang="en-US" dirty="0" err="1"/>
               <a:t>ArrayList</a:t>
             </a:r>
-            <a:endParaRPr lang="en-US" dirty="0"/>
+            <a:r>
+              <a:rPr lang="en-US" dirty="0"/>
+              <a:t>/1D Arrays</a:t>
+            </a:r>
           </a:p>
         </p:txBody>
       </p:sp>
@@ -8915,168 +10386,253 @@
           <a:bodyPr/>
           <a:lstStyle/>
           <a:p>
-            <a:pPr marL="0" indent="0">
-              <a:buNone/>
-            </a:pPr>
-            <a:r>
-              <a:rPr lang="en-US" dirty="0"/>
-              <a:t>Arrays:</a:t>
-            </a:r>
+            <a:pPr lvl="1">
+              <a:lnSpc>
+                <a:spcPct val="80000"/>
+              </a:lnSpc>
+              <a:buNone/>
+              <a:defRPr/>
+            </a:pPr>
+            <a:r>
+              <a:rPr lang="en-US" dirty="0">
+                <a:latin typeface="Courier New" charset="0"/>
+              </a:rPr>
+              <a:t>public class Course {</a:t>
+            </a:r>
+            <a:endParaRPr lang="en-US" b="1" dirty="0">
+              <a:latin typeface="Courier New" charset="0"/>
+            </a:endParaRPr>
+          </a:p>
+          <a:p>
+            <a:pPr lvl="1">
+              <a:lnSpc>
+                <a:spcPct val="80000"/>
+              </a:lnSpc>
+              <a:buNone/>
+              <a:defRPr/>
+            </a:pPr>
+            <a:r>
+              <a:rPr lang="en-US" b="1" dirty="0">
+                <a:latin typeface="Courier New" charset="0"/>
+              </a:rPr>
+              <a:t>		private </a:t>
+            </a:r>
+            <a:r>
+              <a:rPr lang="en-US" b="1" dirty="0" err="1">
+                <a:latin typeface="Courier New" charset="0"/>
+              </a:rPr>
+              <a:t>ArrayList</a:t>
+            </a:r>
+            <a:r>
+              <a:rPr lang="en-US" b="1" dirty="0">
+                <a:latin typeface="Courier New" charset="0"/>
+              </a:rPr>
+              <a:t>&lt;Student&gt; students;</a:t>
+            </a:r>
+          </a:p>
+          <a:p>
+            <a:pPr lvl="1">
+              <a:lnSpc>
+                <a:spcPct val="80000"/>
+              </a:lnSpc>
+              <a:buNone/>
+              <a:defRPr/>
+            </a:pPr>
+            <a:r>
+              <a:rPr lang="en-US" dirty="0">
+                <a:latin typeface="Courier New" charset="0"/>
+              </a:rPr>
+              <a:t>    </a:t>
+            </a:r>
+          </a:p>
+          <a:p>
+            <a:pPr lvl="1">
+              <a:lnSpc>
+                <a:spcPct val="80000"/>
+              </a:lnSpc>
+              <a:buNone/>
+              <a:defRPr/>
+            </a:pPr>
+            <a:r>
+              <a:rPr lang="en-US" dirty="0">
+                <a:latin typeface="Courier New" charset="0"/>
+              </a:rPr>
+              <a:t>    public Course() {</a:t>
+            </a:r>
+          </a:p>
+          <a:p>
+            <a:pPr lvl="1">
+              <a:lnSpc>
+                <a:spcPct val="80000"/>
+              </a:lnSpc>
+              <a:buNone/>
+              <a:defRPr/>
+            </a:pPr>
+            <a:r>
+              <a:rPr lang="en-US" dirty="0">
+                <a:latin typeface="Courier New" charset="0"/>
+              </a:rPr>
+              <a:t>		   students = new </a:t>
+            </a:r>
+            <a:r>
+              <a:rPr lang="en-US" dirty="0" err="1">
+                <a:latin typeface="Courier New" charset="0"/>
+              </a:rPr>
+              <a:t>ArrayList</a:t>
+            </a:r>
+            <a:r>
+              <a:rPr lang="en-US" dirty="0">
+                <a:latin typeface="Courier New" charset="0"/>
+              </a:rPr>
+              <a:t>&lt;Student&gt;();</a:t>
+            </a:r>
+          </a:p>
+          <a:p>
+            <a:pPr lvl="1">
+              <a:lnSpc>
+                <a:spcPct val="80000"/>
+              </a:lnSpc>
+              <a:buNone/>
+              <a:defRPr/>
+            </a:pPr>
+            <a:r>
+              <a:rPr lang="en-US" dirty="0">
+                <a:latin typeface="Courier New" charset="0"/>
+              </a:rPr>
+              <a:t>        ...</a:t>
+            </a:r>
+          </a:p>
+          <a:p>
+            <a:pPr lvl="1">
+              <a:lnSpc>
+                <a:spcPct val="80000"/>
+              </a:lnSpc>
+              <a:buNone/>
+              <a:defRPr/>
+            </a:pPr>
+            <a:r>
+              <a:rPr lang="en-US" dirty="0">
+                <a:latin typeface="Courier New" charset="0"/>
+              </a:rPr>
+              <a:t>    }</a:t>
+            </a:r>
+          </a:p>
+          <a:p>
+            <a:pPr lvl="1">
+              <a:lnSpc>
+                <a:spcPct val="80000"/>
+              </a:lnSpc>
+              <a:buNone/>
+              <a:defRPr/>
+            </a:pPr>
+            <a:r>
+              <a:rPr lang="en-US" dirty="0">
+                <a:latin typeface="Courier New" charset="0"/>
+              </a:rPr>
+              <a:t>}</a:t>
+            </a:r>
+          </a:p>
+          <a:p>
+            <a:pPr lvl="1">
+              <a:lnSpc>
+                <a:spcPct val="80000"/>
+              </a:lnSpc>
+              <a:buNone/>
+              <a:defRPr/>
+            </a:pPr>
             <a:endParaRPr lang="en-US" dirty="0">
-              <a:latin typeface="Courier New" panose="02070309020205020404" pitchFamily="49" charset="0"/>
-              <a:cs typeface="Courier New" panose="02070309020205020404" pitchFamily="49" charset="0"/>
+              <a:latin typeface="Courier New" charset="0"/>
             </a:endParaRPr>
           </a:p>
           <a:p>
-            <a:pPr marL="0" indent="0">
-              <a:buNone/>
+            <a:pPr lvl="1">
+              <a:lnSpc>
+                <a:spcPct val="80000"/>
+              </a:lnSpc>
+              <a:buNone/>
+              <a:defRPr/>
+            </a:pPr>
+            <a:r>
+              <a:rPr lang="en-US" b="1" dirty="0">
+                <a:latin typeface="Courier New" charset="0"/>
+              </a:rPr>
+              <a:t>OR</a:t>
+            </a:r>
+          </a:p>
+          <a:p>
+            <a:pPr lvl="1">
+              <a:lnSpc>
+                <a:spcPct val="80000"/>
+              </a:lnSpc>
+              <a:buNone/>
+              <a:defRPr/>
             </a:pPr>
             <a:r>
               <a:rPr lang="en-US" dirty="0">
-                <a:latin typeface="Courier New" panose="02070309020205020404" pitchFamily="49" charset="0"/>
-                <a:cs typeface="Courier New" panose="02070309020205020404" pitchFamily="49" charset="0"/>
-              </a:rPr>
-              <a:t>double sum = 0;</a:t>
-            </a:r>
-          </a:p>
-          <a:p>
-            <a:pPr marL="0" indent="0">
-              <a:buNone/>
+                <a:latin typeface="Courier New" charset="0"/>
+              </a:rPr>
+              <a:t>public class Course {</a:t>
+            </a:r>
+            <a:endParaRPr lang="en-US" b="1" dirty="0">
+              <a:latin typeface="Courier New" charset="0"/>
+            </a:endParaRPr>
+          </a:p>
+          <a:p>
+            <a:pPr lvl="1">
+              <a:lnSpc>
+                <a:spcPct val="80000"/>
+              </a:lnSpc>
+              <a:buNone/>
+              <a:defRPr/>
+            </a:pPr>
+            <a:r>
+              <a:rPr lang="en-US" b="1" dirty="0">
+                <a:latin typeface="Courier New" charset="0"/>
+              </a:rPr>
+              <a:t>		private Student[] students;</a:t>
+            </a:r>
+          </a:p>
+          <a:p>
+            <a:pPr lvl="1">
+              <a:lnSpc>
+                <a:spcPct val="80000"/>
+              </a:lnSpc>
+              <a:buNone/>
+              <a:defRPr/>
             </a:pPr>
             <a:r>
               <a:rPr lang="en-US" dirty="0">
-                <a:latin typeface="Courier New" panose="02070309020205020404" pitchFamily="49" charset="0"/>
-                <a:cs typeface="Courier New" panose="02070309020205020404" pitchFamily="49" charset="0"/>
-              </a:rPr>
-              <a:t>for(int </a:t>
-            </a:r>
-            <a:r>
-              <a:rPr lang="en-US" dirty="0" err="1">
-                <a:latin typeface="Courier New" panose="02070309020205020404" pitchFamily="49" charset="0"/>
-                <a:cs typeface="Courier New" panose="02070309020205020404" pitchFamily="49" charset="0"/>
-              </a:rPr>
-              <a:t>i</a:t>
-            </a:r>
+                <a:latin typeface="Courier New" charset="0"/>
+              </a:rPr>
+              <a:t>    </a:t>
+            </a:r>
+          </a:p>
+          <a:p>
+            <a:pPr lvl="1">
+              <a:lnSpc>
+                <a:spcPct val="80000"/>
+              </a:lnSpc>
+              <a:buNone/>
+              <a:defRPr/>
+            </a:pPr>
             <a:r>
               <a:rPr lang="en-US" dirty="0">
-                <a:latin typeface="Courier New" panose="02070309020205020404" pitchFamily="49" charset="0"/>
-                <a:cs typeface="Courier New" panose="02070309020205020404" pitchFamily="49" charset="0"/>
-              </a:rPr>
-              <a:t> = 0; </a:t>
-            </a:r>
-            <a:r>
-              <a:rPr lang="en-US" dirty="0" err="1">
-                <a:latin typeface="Courier New" panose="02070309020205020404" pitchFamily="49" charset="0"/>
-                <a:cs typeface="Courier New" panose="02070309020205020404" pitchFamily="49" charset="0"/>
-              </a:rPr>
-              <a:t>i</a:t>
-            </a:r>
+                <a:latin typeface="Courier New" charset="0"/>
+              </a:rPr>
+              <a:t>    }</a:t>
+            </a:r>
+          </a:p>
+          <a:p>
+            <a:pPr lvl="1">
+              <a:lnSpc>
+                <a:spcPct val="80000"/>
+              </a:lnSpc>
+              <a:buNone/>
+              <a:defRPr/>
+            </a:pPr>
             <a:r>
               <a:rPr lang="en-US" dirty="0">
-                <a:latin typeface="Courier New" panose="02070309020205020404" pitchFamily="49" charset="0"/>
-                <a:cs typeface="Courier New" panose="02070309020205020404" pitchFamily="49" charset="0"/>
-              </a:rPr>
-              <a:t> &lt; </a:t>
-            </a:r>
-            <a:r>
-              <a:rPr lang="en-US" dirty="0" err="1">
-                <a:latin typeface="Courier New" panose="02070309020205020404" pitchFamily="49" charset="0"/>
-                <a:cs typeface="Courier New" panose="02070309020205020404" pitchFamily="49" charset="0"/>
-              </a:rPr>
-              <a:t>students.length</a:t>
-            </a:r>
-            <a:r>
-              <a:rPr lang="en-US" dirty="0">
-                <a:latin typeface="Courier New" panose="02070309020205020404" pitchFamily="49" charset="0"/>
-                <a:cs typeface="Courier New" panose="02070309020205020404" pitchFamily="49" charset="0"/>
-              </a:rPr>
-              <a:t>; </a:t>
-            </a:r>
-            <a:r>
-              <a:rPr lang="en-US" dirty="0" err="1">
-                <a:latin typeface="Courier New" panose="02070309020205020404" pitchFamily="49" charset="0"/>
-                <a:cs typeface="Courier New" panose="02070309020205020404" pitchFamily="49" charset="0"/>
-              </a:rPr>
-              <a:t>i</a:t>
-            </a:r>
-            <a:r>
-              <a:rPr lang="en-US" dirty="0">
-                <a:latin typeface="Courier New" panose="02070309020205020404" pitchFamily="49" charset="0"/>
-                <a:cs typeface="Courier New" panose="02070309020205020404" pitchFamily="49" charset="0"/>
-              </a:rPr>
-              <a:t>++){</a:t>
-            </a:r>
-          </a:p>
-          <a:p>
-            <a:pPr marL="0" indent="0">
-              <a:buNone/>
-            </a:pPr>
-            <a:r>
-              <a:rPr lang="en-US" dirty="0">
-                <a:latin typeface="Courier New" panose="02070309020205020404" pitchFamily="49" charset="0"/>
-                <a:cs typeface="Courier New" panose="02070309020205020404" pitchFamily="49" charset="0"/>
-              </a:rPr>
-              <a:t>	sum += students</a:t>
-            </a:r>
-            <a:r>
-              <a:rPr lang="en-US" dirty="0">
-                <a:solidFill>
-                  <a:srgbClr val="FF0000"/>
-                </a:solidFill>
-                <a:latin typeface="Courier New" panose="02070309020205020404" pitchFamily="49" charset="0"/>
-                <a:cs typeface="Courier New" panose="02070309020205020404" pitchFamily="49" charset="0"/>
-              </a:rPr>
-              <a:t>[</a:t>
-            </a:r>
-            <a:r>
-              <a:rPr lang="en-US" dirty="0" err="1">
-                <a:solidFill>
-                  <a:srgbClr val="FF0000"/>
-                </a:solidFill>
-                <a:latin typeface="Courier New" panose="02070309020205020404" pitchFamily="49" charset="0"/>
-                <a:cs typeface="Courier New" panose="02070309020205020404" pitchFamily="49" charset="0"/>
-              </a:rPr>
-              <a:t>i</a:t>
-            </a:r>
-            <a:r>
-              <a:rPr lang="en-US" dirty="0">
-                <a:solidFill>
-                  <a:srgbClr val="FF0000"/>
-                </a:solidFill>
-                <a:latin typeface="Courier New" panose="02070309020205020404" pitchFamily="49" charset="0"/>
-                <a:cs typeface="Courier New" panose="02070309020205020404" pitchFamily="49" charset="0"/>
-              </a:rPr>
-              <a:t>].</a:t>
-            </a:r>
-            <a:r>
-              <a:rPr lang="en-US" dirty="0" err="1">
-                <a:solidFill>
-                  <a:srgbClr val="FF0000"/>
-                </a:solidFill>
-                <a:latin typeface="Courier New" panose="02070309020205020404" pitchFamily="49" charset="0"/>
-                <a:cs typeface="Courier New" panose="02070309020205020404" pitchFamily="49" charset="0"/>
-              </a:rPr>
-              <a:t>getGpa</a:t>
-            </a:r>
-            <a:r>
-              <a:rPr lang="en-US" dirty="0">
-                <a:solidFill>
-                  <a:srgbClr val="FF0000"/>
-                </a:solidFill>
-                <a:latin typeface="Courier New" panose="02070309020205020404" pitchFamily="49" charset="0"/>
-                <a:cs typeface="Courier New" panose="02070309020205020404" pitchFamily="49" charset="0"/>
-              </a:rPr>
-              <a:t>();</a:t>
-            </a:r>
-          </a:p>
-          <a:p>
-            <a:pPr marL="0" indent="0">
-              <a:buNone/>
-            </a:pPr>
-            <a:r>
-              <a:rPr lang="en-US" dirty="0">
-                <a:latin typeface="Courier New" panose="02070309020205020404" pitchFamily="49" charset="0"/>
-                <a:cs typeface="Courier New" panose="02070309020205020404" pitchFamily="49" charset="0"/>
+                <a:latin typeface="Courier New" charset="0"/>
               </a:rPr>
               <a:t>}</a:t>
             </a:r>
@@ -9085,220 +10641,520 @@
             <a:pPr marL="0" indent="0">
               <a:buNone/>
             </a:pPr>
-            <a:endParaRPr lang="en-US" dirty="0">
-              <a:latin typeface="Courier New" panose="02070309020205020404" pitchFamily="49" charset="0"/>
-              <a:cs typeface="Courier New" panose="02070309020205020404" pitchFamily="49" charset="0"/>
-            </a:endParaRPr>
-          </a:p>
-          <a:p>
-            <a:pPr marL="0" indent="0">
-              <a:buNone/>
-            </a:pPr>
-            <a:r>
-              <a:rPr lang="en-US" dirty="0" err="1"/>
-              <a:t>ArrayLists</a:t>
-            </a:r>
-            <a:r>
-              <a:rPr lang="en-US" dirty="0"/>
-              <a:t>:</a:t>
-            </a:r>
-            <a:endParaRPr lang="en-US" dirty="0">
-              <a:latin typeface="Courier New" panose="02070309020205020404" pitchFamily="49" charset="0"/>
-              <a:cs typeface="Courier New" panose="02070309020205020404" pitchFamily="49" charset="0"/>
-            </a:endParaRPr>
-          </a:p>
-          <a:p>
-            <a:pPr marL="0" indent="0">
-              <a:buNone/>
-            </a:pPr>
-            <a:r>
-              <a:rPr lang="en-US" dirty="0">
-                <a:latin typeface="Courier New" panose="02070309020205020404" pitchFamily="49" charset="0"/>
-                <a:cs typeface="Courier New" panose="02070309020205020404" pitchFamily="49" charset="0"/>
-              </a:rPr>
-              <a:t>double sum = 0;</a:t>
-            </a:r>
-          </a:p>
-          <a:p>
-            <a:pPr marL="0" indent="0">
-              <a:buNone/>
-            </a:pPr>
-            <a:r>
-              <a:rPr lang="en-US" dirty="0">
-                <a:latin typeface="Courier New" panose="02070309020205020404" pitchFamily="49" charset="0"/>
-                <a:cs typeface="Courier New" panose="02070309020205020404" pitchFamily="49" charset="0"/>
-              </a:rPr>
-              <a:t>for(int </a:t>
-            </a:r>
-            <a:r>
-              <a:rPr lang="en-US" dirty="0" err="1">
-                <a:latin typeface="Courier New" panose="02070309020205020404" pitchFamily="49" charset="0"/>
-                <a:cs typeface="Courier New" panose="02070309020205020404" pitchFamily="49" charset="0"/>
-              </a:rPr>
-              <a:t>i</a:t>
-            </a:r>
-            <a:r>
-              <a:rPr lang="en-US" dirty="0">
-                <a:latin typeface="Courier New" panose="02070309020205020404" pitchFamily="49" charset="0"/>
-                <a:cs typeface="Courier New" panose="02070309020205020404" pitchFamily="49" charset="0"/>
-              </a:rPr>
-              <a:t> = 0; </a:t>
-            </a:r>
-            <a:r>
-              <a:rPr lang="en-US" dirty="0" err="1">
-                <a:latin typeface="Courier New" panose="02070309020205020404" pitchFamily="49" charset="0"/>
-                <a:cs typeface="Courier New" panose="02070309020205020404" pitchFamily="49" charset="0"/>
-              </a:rPr>
-              <a:t>i</a:t>
-            </a:r>
-            <a:r>
-              <a:rPr lang="en-US" dirty="0">
-                <a:latin typeface="Courier New" panose="02070309020205020404" pitchFamily="49" charset="0"/>
-                <a:cs typeface="Courier New" panose="02070309020205020404" pitchFamily="49" charset="0"/>
-              </a:rPr>
-              <a:t> &lt; </a:t>
-            </a:r>
-            <a:r>
-              <a:rPr lang="en-US" dirty="0" err="1">
-                <a:latin typeface="Courier New" panose="02070309020205020404" pitchFamily="49" charset="0"/>
-                <a:cs typeface="Courier New" panose="02070309020205020404" pitchFamily="49" charset="0"/>
-              </a:rPr>
-              <a:t>students.size</a:t>
-            </a:r>
-            <a:r>
-              <a:rPr lang="en-US" dirty="0">
-                <a:latin typeface="Courier New" panose="02070309020205020404" pitchFamily="49" charset="0"/>
-                <a:cs typeface="Courier New" panose="02070309020205020404" pitchFamily="49" charset="0"/>
-              </a:rPr>
-              <a:t>(); </a:t>
-            </a:r>
-            <a:r>
-              <a:rPr lang="en-US" dirty="0" err="1">
-                <a:latin typeface="Courier New" panose="02070309020205020404" pitchFamily="49" charset="0"/>
-                <a:cs typeface="Courier New" panose="02070309020205020404" pitchFamily="49" charset="0"/>
-              </a:rPr>
-              <a:t>i</a:t>
-            </a:r>
-            <a:r>
-              <a:rPr lang="en-US" dirty="0">
-                <a:latin typeface="Courier New" panose="02070309020205020404" pitchFamily="49" charset="0"/>
-                <a:cs typeface="Courier New" panose="02070309020205020404" pitchFamily="49" charset="0"/>
-              </a:rPr>
-              <a:t>++){</a:t>
-            </a:r>
-          </a:p>
-          <a:p>
-            <a:pPr marL="0" indent="0">
-              <a:buNone/>
-            </a:pPr>
-            <a:r>
-              <a:rPr lang="en-US" dirty="0">
-                <a:latin typeface="Courier New" panose="02070309020205020404" pitchFamily="49" charset="0"/>
-                <a:cs typeface="Courier New" panose="02070309020205020404" pitchFamily="49" charset="0"/>
-              </a:rPr>
-              <a:t>	sum += </a:t>
-            </a:r>
-            <a:r>
-              <a:rPr lang="en-US" dirty="0" err="1">
-                <a:latin typeface="Courier New" panose="02070309020205020404" pitchFamily="49" charset="0"/>
-                <a:cs typeface="Courier New" panose="02070309020205020404" pitchFamily="49" charset="0"/>
-              </a:rPr>
-              <a:t>students.</a:t>
-            </a:r>
-            <a:r>
-              <a:rPr lang="en-US" dirty="0" err="1">
-                <a:solidFill>
-                  <a:srgbClr val="FF0000"/>
-                </a:solidFill>
-                <a:latin typeface="Courier New" panose="02070309020205020404" pitchFamily="49" charset="0"/>
-                <a:cs typeface="Courier New" panose="02070309020205020404" pitchFamily="49" charset="0"/>
-              </a:rPr>
-              <a:t>get</a:t>
-            </a:r>
-            <a:r>
-              <a:rPr lang="en-US" dirty="0">
-                <a:solidFill>
-                  <a:srgbClr val="FF0000"/>
-                </a:solidFill>
-                <a:latin typeface="Courier New" panose="02070309020205020404" pitchFamily="49" charset="0"/>
-                <a:cs typeface="Courier New" panose="02070309020205020404" pitchFamily="49" charset="0"/>
-              </a:rPr>
-              <a:t>(</a:t>
-            </a:r>
-            <a:r>
-              <a:rPr lang="en-US" dirty="0" err="1">
-                <a:solidFill>
-                  <a:srgbClr val="FF0000"/>
-                </a:solidFill>
-                <a:latin typeface="Courier New" panose="02070309020205020404" pitchFamily="49" charset="0"/>
-                <a:cs typeface="Courier New" panose="02070309020205020404" pitchFamily="49" charset="0"/>
-              </a:rPr>
-              <a:t>i</a:t>
-            </a:r>
-            <a:r>
-              <a:rPr lang="en-US" dirty="0">
-                <a:solidFill>
-                  <a:srgbClr val="FF0000"/>
-                </a:solidFill>
-                <a:latin typeface="Courier New" panose="02070309020205020404" pitchFamily="49" charset="0"/>
-                <a:cs typeface="Courier New" panose="02070309020205020404" pitchFamily="49" charset="0"/>
-              </a:rPr>
-              <a:t>).</a:t>
-            </a:r>
-            <a:r>
-              <a:rPr lang="en-US" dirty="0" err="1">
-                <a:solidFill>
-                  <a:srgbClr val="FF0000"/>
-                </a:solidFill>
-                <a:latin typeface="Courier New" panose="02070309020205020404" pitchFamily="49" charset="0"/>
-                <a:cs typeface="Courier New" panose="02070309020205020404" pitchFamily="49" charset="0"/>
-              </a:rPr>
-              <a:t>getGpa</a:t>
-            </a:r>
-            <a:r>
-              <a:rPr lang="en-US" dirty="0">
-                <a:solidFill>
-                  <a:srgbClr val="FF0000"/>
-                </a:solidFill>
-                <a:latin typeface="Courier New" panose="02070309020205020404" pitchFamily="49" charset="0"/>
-                <a:cs typeface="Courier New" panose="02070309020205020404" pitchFamily="49" charset="0"/>
-              </a:rPr>
-              <a:t>();</a:t>
-            </a:r>
-          </a:p>
-          <a:p>
-            <a:pPr marL="0" indent="0">
-              <a:buNone/>
-            </a:pPr>
-            <a:r>
-              <a:rPr lang="en-US" dirty="0">
-                <a:latin typeface="Courier New" panose="02070309020205020404" pitchFamily="49" charset="0"/>
-                <a:cs typeface="Courier New" panose="02070309020205020404" pitchFamily="49" charset="0"/>
-              </a:rPr>
-              <a:t>}</a:t>
-            </a:r>
-          </a:p>
-          <a:p>
-            <a:pPr marL="0" indent="0">
-              <a:buNone/>
-            </a:pPr>
-            <a:endParaRPr lang="en-US" dirty="0">
-              <a:latin typeface="Courier New" panose="02070309020205020404" pitchFamily="49" charset="0"/>
-              <a:cs typeface="Courier New" panose="02070309020205020404" pitchFamily="49" charset="0"/>
-            </a:endParaRPr>
+            <a:endParaRPr lang="en-US" dirty="0"/>
           </a:p>
         </p:txBody>
       </p:sp>
     </p:spTree>
     <p:extLst>
       <p:ext uri="{BB962C8B-B14F-4D97-AF65-F5344CB8AC3E}">
-        <p14:creationId xmlns:p14="http://schemas.microsoft.com/office/powerpoint/2010/main" val="3718713129"/>
+        <p14:creationId xmlns:p14="http://schemas.microsoft.com/office/powerpoint/2010/main" val="2546880855"/>
       </p:ext>
     </p:extLst>
   </p:cSld>
   <p:clrMapOvr>
     <a:masterClrMapping/>
   </p:clrMapOvr>
+  <p:timing>
+    <p:tnLst>
+      <p:par>
+        <p:cTn id="1" dur="indefinite" restart="never" nodeType="tmRoot">
+          <p:childTnLst>
+            <p:seq concurrent="1" nextAc="seek">
+              <p:cTn id="2" dur="indefinite" nodeType="mainSeq">
+                <p:childTnLst>
+                  <p:par>
+                    <p:cTn id="3" fill="hold">
+                      <p:stCondLst>
+                        <p:cond delay="indefinite"/>
+                      </p:stCondLst>
+                      <p:childTnLst>
+                        <p:par>
+                          <p:cTn id="4" fill="hold">
+                            <p:stCondLst>
+                              <p:cond delay="0"/>
+                            </p:stCondLst>
+                            <p:childTnLst>
+                              <p:par>
+                                <p:cTn id="5" presetID="1" presetClass="entr" presetSubtype="0" fill="hold" nodeType="clickEffect">
+                                  <p:stCondLst>
+                                    <p:cond delay="0"/>
+                                  </p:stCondLst>
+                                  <p:childTnLst>
+                                    <p:set>
+                                      <p:cBhvr>
+                                        <p:cTn id="6" dur="1" fill="hold">
+                                          <p:stCondLst>
+                                            <p:cond delay="0"/>
+                                          </p:stCondLst>
+                                        </p:cTn>
+                                        <p:tgtEl>
+                                          <p:spTgt spid="3">
+                                            <p:txEl>
+                                              <p:pRg st="0" end="0"/>
+                                            </p:txEl>
+                                          </p:spTgt>
+                                        </p:tgtEl>
+                                        <p:attrNameLst>
+                                          <p:attrName>style.visibility</p:attrName>
+                                        </p:attrNameLst>
+                                      </p:cBhvr>
+                                      <p:to>
+                                        <p:strVal val="visible"/>
+                                      </p:to>
+                                    </p:set>
+                                  </p:childTnLst>
+                                </p:cTn>
+                              </p:par>
+                              <p:par>
+                                <p:cTn id="7" presetID="1" presetClass="entr" presetSubtype="0" fill="hold" nodeType="withEffect">
+                                  <p:stCondLst>
+                                    <p:cond delay="0"/>
+                                  </p:stCondLst>
+                                  <p:childTnLst>
+                                    <p:set>
+                                      <p:cBhvr>
+                                        <p:cTn id="8" dur="1" fill="hold">
+                                          <p:stCondLst>
+                                            <p:cond delay="0"/>
+                                          </p:stCondLst>
+                                        </p:cTn>
+                                        <p:tgtEl>
+                                          <p:spTgt spid="3">
+                                            <p:txEl>
+                                              <p:pRg st="1" end="1"/>
+                                            </p:txEl>
+                                          </p:spTgt>
+                                        </p:tgtEl>
+                                        <p:attrNameLst>
+                                          <p:attrName>style.visibility</p:attrName>
+                                        </p:attrNameLst>
+                                      </p:cBhvr>
+                                      <p:to>
+                                        <p:strVal val="visible"/>
+                                      </p:to>
+                                    </p:set>
+                                  </p:childTnLst>
+                                </p:cTn>
+                              </p:par>
+                              <p:par>
+                                <p:cTn id="9" presetID="1" presetClass="entr" presetSubtype="0" fill="hold" nodeType="withEffect">
+                                  <p:stCondLst>
+                                    <p:cond delay="0"/>
+                                  </p:stCondLst>
+                                  <p:childTnLst>
+                                    <p:set>
+                                      <p:cBhvr>
+                                        <p:cTn id="10" dur="1" fill="hold">
+                                          <p:stCondLst>
+                                            <p:cond delay="0"/>
+                                          </p:stCondLst>
+                                        </p:cTn>
+                                        <p:tgtEl>
+                                          <p:spTgt spid="3">
+                                            <p:txEl>
+                                              <p:pRg st="2" end="2"/>
+                                            </p:txEl>
+                                          </p:spTgt>
+                                        </p:tgtEl>
+                                        <p:attrNameLst>
+                                          <p:attrName>style.visibility</p:attrName>
+                                        </p:attrNameLst>
+                                      </p:cBhvr>
+                                      <p:to>
+                                        <p:strVal val="visible"/>
+                                      </p:to>
+                                    </p:set>
+                                  </p:childTnLst>
+                                </p:cTn>
+                              </p:par>
+                              <p:par>
+                                <p:cTn id="11" presetID="1" presetClass="entr" presetSubtype="0" fill="hold" nodeType="withEffect">
+                                  <p:stCondLst>
+                                    <p:cond delay="0"/>
+                                  </p:stCondLst>
+                                  <p:childTnLst>
+                                    <p:set>
+                                      <p:cBhvr>
+                                        <p:cTn id="12" dur="1" fill="hold">
+                                          <p:stCondLst>
+                                            <p:cond delay="0"/>
+                                          </p:stCondLst>
+                                        </p:cTn>
+                                        <p:tgtEl>
+                                          <p:spTgt spid="3">
+                                            <p:txEl>
+                                              <p:pRg st="3" end="3"/>
+                                            </p:txEl>
+                                          </p:spTgt>
+                                        </p:tgtEl>
+                                        <p:attrNameLst>
+                                          <p:attrName>style.visibility</p:attrName>
+                                        </p:attrNameLst>
+                                      </p:cBhvr>
+                                      <p:to>
+                                        <p:strVal val="visible"/>
+                                      </p:to>
+                                    </p:set>
+                                  </p:childTnLst>
+                                </p:cTn>
+                              </p:par>
+                              <p:par>
+                                <p:cTn id="13" presetID="1" presetClass="entr" presetSubtype="0" fill="hold" nodeType="withEffect">
+                                  <p:stCondLst>
+                                    <p:cond delay="0"/>
+                                  </p:stCondLst>
+                                  <p:childTnLst>
+                                    <p:set>
+                                      <p:cBhvr>
+                                        <p:cTn id="14" dur="1" fill="hold">
+                                          <p:stCondLst>
+                                            <p:cond delay="0"/>
+                                          </p:stCondLst>
+                                        </p:cTn>
+                                        <p:tgtEl>
+                                          <p:spTgt spid="3">
+                                            <p:txEl>
+                                              <p:pRg st="4" end="4"/>
+                                            </p:txEl>
+                                          </p:spTgt>
+                                        </p:tgtEl>
+                                        <p:attrNameLst>
+                                          <p:attrName>style.visibility</p:attrName>
+                                        </p:attrNameLst>
+                                      </p:cBhvr>
+                                      <p:to>
+                                        <p:strVal val="visible"/>
+                                      </p:to>
+                                    </p:set>
+                                  </p:childTnLst>
+                                </p:cTn>
+                              </p:par>
+                              <p:par>
+                                <p:cTn id="15" presetID="1" presetClass="entr" presetSubtype="0" fill="hold" nodeType="withEffect">
+                                  <p:stCondLst>
+                                    <p:cond delay="0"/>
+                                  </p:stCondLst>
+                                  <p:childTnLst>
+                                    <p:set>
+                                      <p:cBhvr>
+                                        <p:cTn id="16" dur="1" fill="hold">
+                                          <p:stCondLst>
+                                            <p:cond delay="0"/>
+                                          </p:stCondLst>
+                                        </p:cTn>
+                                        <p:tgtEl>
+                                          <p:spTgt spid="3">
+                                            <p:txEl>
+                                              <p:pRg st="5" end="5"/>
+                                            </p:txEl>
+                                          </p:spTgt>
+                                        </p:tgtEl>
+                                        <p:attrNameLst>
+                                          <p:attrName>style.visibility</p:attrName>
+                                        </p:attrNameLst>
+                                      </p:cBhvr>
+                                      <p:to>
+                                        <p:strVal val="visible"/>
+                                      </p:to>
+                                    </p:set>
+                                  </p:childTnLst>
+                                </p:cTn>
+                              </p:par>
+                              <p:par>
+                                <p:cTn id="17" presetID="1" presetClass="entr" presetSubtype="0" fill="hold" nodeType="withEffect">
+                                  <p:stCondLst>
+                                    <p:cond delay="0"/>
+                                  </p:stCondLst>
+                                  <p:childTnLst>
+                                    <p:set>
+                                      <p:cBhvr>
+                                        <p:cTn id="18" dur="1" fill="hold">
+                                          <p:stCondLst>
+                                            <p:cond delay="0"/>
+                                          </p:stCondLst>
+                                        </p:cTn>
+                                        <p:tgtEl>
+                                          <p:spTgt spid="3">
+                                            <p:txEl>
+                                              <p:pRg st="6" end="6"/>
+                                            </p:txEl>
+                                          </p:spTgt>
+                                        </p:tgtEl>
+                                        <p:attrNameLst>
+                                          <p:attrName>style.visibility</p:attrName>
+                                        </p:attrNameLst>
+                                      </p:cBhvr>
+                                      <p:to>
+                                        <p:strVal val="visible"/>
+                                      </p:to>
+                                    </p:set>
+                                  </p:childTnLst>
+                                </p:cTn>
+                              </p:par>
+                              <p:par>
+                                <p:cTn id="19" presetID="1" presetClass="entr" presetSubtype="0" fill="hold" nodeType="withEffect">
+                                  <p:stCondLst>
+                                    <p:cond delay="0"/>
+                                  </p:stCondLst>
+                                  <p:childTnLst>
+                                    <p:set>
+                                      <p:cBhvr>
+                                        <p:cTn id="20" dur="1" fill="hold">
+                                          <p:stCondLst>
+                                            <p:cond delay="0"/>
+                                          </p:stCondLst>
+                                        </p:cTn>
+                                        <p:tgtEl>
+                                          <p:spTgt spid="3">
+                                            <p:txEl>
+                                              <p:pRg st="7" end="7"/>
+                                            </p:txEl>
+                                          </p:spTgt>
+                                        </p:tgtEl>
+                                        <p:attrNameLst>
+                                          <p:attrName>style.visibility</p:attrName>
+                                        </p:attrNameLst>
+                                      </p:cBhvr>
+                                      <p:to>
+                                        <p:strVal val="visible"/>
+                                      </p:to>
+                                    </p:set>
+                                  </p:childTnLst>
+                                </p:cTn>
+                              </p:par>
+                            </p:childTnLst>
+                          </p:cTn>
+                        </p:par>
+                      </p:childTnLst>
+                    </p:cTn>
+                  </p:par>
+                  <p:par>
+                    <p:cTn id="21" fill="hold">
+                      <p:stCondLst>
+                        <p:cond delay="indefinite"/>
+                      </p:stCondLst>
+                      <p:childTnLst>
+                        <p:par>
+                          <p:cTn id="22" fill="hold">
+                            <p:stCondLst>
+                              <p:cond delay="0"/>
+                            </p:stCondLst>
+                            <p:childTnLst>
+                              <p:par>
+                                <p:cTn id="23" presetID="1" presetClass="entr" presetSubtype="0" fill="hold" nodeType="clickEffect">
+                                  <p:stCondLst>
+                                    <p:cond delay="0"/>
+                                  </p:stCondLst>
+                                  <p:childTnLst>
+                                    <p:set>
+                                      <p:cBhvr>
+                                        <p:cTn id="24" dur="1" fill="hold">
+                                          <p:stCondLst>
+                                            <p:cond delay="0"/>
+                                          </p:stCondLst>
+                                        </p:cTn>
+                                        <p:tgtEl>
+                                          <p:spTgt spid="3">
+                                            <p:txEl>
+                                              <p:pRg st="9" end="9"/>
+                                            </p:txEl>
+                                          </p:spTgt>
+                                        </p:tgtEl>
+                                        <p:attrNameLst>
+                                          <p:attrName>style.visibility</p:attrName>
+                                        </p:attrNameLst>
+                                      </p:cBhvr>
+                                      <p:to>
+                                        <p:strVal val="visible"/>
+                                      </p:to>
+                                    </p:set>
+                                  </p:childTnLst>
+                                </p:cTn>
+                              </p:par>
+                              <p:par>
+                                <p:cTn id="25" presetID="1" presetClass="entr" presetSubtype="0" fill="hold" nodeType="withEffect">
+                                  <p:stCondLst>
+                                    <p:cond delay="0"/>
+                                  </p:stCondLst>
+                                  <p:childTnLst>
+                                    <p:set>
+                                      <p:cBhvr>
+                                        <p:cTn id="26" dur="1" fill="hold">
+                                          <p:stCondLst>
+                                            <p:cond delay="0"/>
+                                          </p:stCondLst>
+                                        </p:cTn>
+                                        <p:tgtEl>
+                                          <p:spTgt spid="3">
+                                            <p:txEl>
+                                              <p:pRg st="10" end="10"/>
+                                            </p:txEl>
+                                          </p:spTgt>
+                                        </p:tgtEl>
+                                        <p:attrNameLst>
+                                          <p:attrName>style.visibility</p:attrName>
+                                        </p:attrNameLst>
+                                      </p:cBhvr>
+                                      <p:to>
+                                        <p:strVal val="visible"/>
+                                      </p:to>
+                                    </p:set>
+                                  </p:childTnLst>
+                                </p:cTn>
+                              </p:par>
+                              <p:par>
+                                <p:cTn id="27" presetID="1" presetClass="entr" presetSubtype="0" fill="hold" nodeType="withEffect">
+                                  <p:stCondLst>
+                                    <p:cond delay="0"/>
+                                  </p:stCondLst>
+                                  <p:childTnLst>
+                                    <p:set>
+                                      <p:cBhvr>
+                                        <p:cTn id="28" dur="1" fill="hold">
+                                          <p:stCondLst>
+                                            <p:cond delay="0"/>
+                                          </p:stCondLst>
+                                        </p:cTn>
+                                        <p:tgtEl>
+                                          <p:spTgt spid="3">
+                                            <p:txEl>
+                                              <p:pRg st="11" end="11"/>
+                                            </p:txEl>
+                                          </p:spTgt>
+                                        </p:tgtEl>
+                                        <p:attrNameLst>
+                                          <p:attrName>style.visibility</p:attrName>
+                                        </p:attrNameLst>
+                                      </p:cBhvr>
+                                      <p:to>
+                                        <p:strVal val="visible"/>
+                                      </p:to>
+                                    </p:set>
+                                  </p:childTnLst>
+                                </p:cTn>
+                              </p:par>
+                              <p:par>
+                                <p:cTn id="29" presetID="1" presetClass="entr" presetSubtype="0" fill="hold" nodeType="withEffect">
+                                  <p:stCondLst>
+                                    <p:cond delay="0"/>
+                                  </p:stCondLst>
+                                  <p:childTnLst>
+                                    <p:set>
+                                      <p:cBhvr>
+                                        <p:cTn id="30" dur="1" fill="hold">
+                                          <p:stCondLst>
+                                            <p:cond delay="0"/>
+                                          </p:stCondLst>
+                                        </p:cTn>
+                                        <p:tgtEl>
+                                          <p:spTgt spid="3">
+                                            <p:txEl>
+                                              <p:pRg st="12" end="12"/>
+                                            </p:txEl>
+                                          </p:spTgt>
+                                        </p:tgtEl>
+                                        <p:attrNameLst>
+                                          <p:attrName>style.visibility</p:attrName>
+                                        </p:attrNameLst>
+                                      </p:cBhvr>
+                                      <p:to>
+                                        <p:strVal val="visible"/>
+                                      </p:to>
+                                    </p:set>
+                                  </p:childTnLst>
+                                </p:cTn>
+                              </p:par>
+                              <p:par>
+                                <p:cTn id="31" presetID="1" presetClass="entr" presetSubtype="0" fill="hold" nodeType="withEffect">
+                                  <p:stCondLst>
+                                    <p:cond delay="0"/>
+                                  </p:stCondLst>
+                                  <p:childTnLst>
+                                    <p:set>
+                                      <p:cBhvr>
+                                        <p:cTn id="32" dur="1" fill="hold">
+                                          <p:stCondLst>
+                                            <p:cond delay="0"/>
+                                          </p:stCondLst>
+                                        </p:cTn>
+                                        <p:tgtEl>
+                                          <p:spTgt spid="3">
+                                            <p:txEl>
+                                              <p:pRg st="13" end="13"/>
+                                            </p:txEl>
+                                          </p:spTgt>
+                                        </p:tgtEl>
+                                        <p:attrNameLst>
+                                          <p:attrName>style.visibility</p:attrName>
+                                        </p:attrNameLst>
+                                      </p:cBhvr>
+                                      <p:to>
+                                        <p:strVal val="visible"/>
+                                      </p:to>
+                                    </p:set>
+                                  </p:childTnLst>
+                                </p:cTn>
+                              </p:par>
+                              <p:par>
+                                <p:cTn id="33" presetID="1" presetClass="entr" presetSubtype="0" fill="hold" nodeType="withEffect">
+                                  <p:stCondLst>
+                                    <p:cond delay="0"/>
+                                  </p:stCondLst>
+                                  <p:childTnLst>
+                                    <p:set>
+                                      <p:cBhvr>
+                                        <p:cTn id="34" dur="1" fill="hold">
+                                          <p:stCondLst>
+                                            <p:cond delay="0"/>
+                                          </p:stCondLst>
+                                        </p:cTn>
+                                        <p:tgtEl>
+                                          <p:spTgt spid="3">
+                                            <p:txEl>
+                                              <p:pRg st="14" end="14"/>
+                                            </p:txEl>
+                                          </p:spTgt>
+                                        </p:tgtEl>
+                                        <p:attrNameLst>
+                                          <p:attrName>style.visibility</p:attrName>
+                                        </p:attrNameLst>
+                                      </p:cBhvr>
+                                      <p:to>
+                                        <p:strVal val="visible"/>
+                                      </p:to>
+                                    </p:set>
+                                  </p:childTnLst>
+                                </p:cTn>
+                              </p:par>
+                            </p:childTnLst>
+                          </p:cTn>
+                        </p:par>
+                      </p:childTnLst>
+                    </p:cTn>
+                  </p:par>
+                </p:childTnLst>
+              </p:cTn>
+              <p:prevCondLst>
+                <p:cond evt="onPrev" delay="0">
+                  <p:tgtEl>
+                    <p:sldTgt/>
+                  </p:tgtEl>
+                </p:cond>
+              </p:prevCondLst>
+              <p:nextCondLst>
+                <p:cond evt="onNext" delay="0">
+                  <p:tgtEl>
+                    <p:sldTgt/>
+                  </p:tgtEl>
+                </p:cond>
+              </p:nextCondLst>
+            </p:seq>
+          </p:childTnLst>
+        </p:cTn>
+      </p:par>
+    </p:tnLst>
+  </p:timing>
 </p:sld>
 </file>
 
@@ -9387,33 +11243,11 @@
               <a:buNone/>
             </a:pPr>
             <a:r>
-              <a:rPr lang="en-US" dirty="0">
-                <a:latin typeface="Gill Sans MT" panose="020B0502020104020203" pitchFamily="34" charset="77"/>
-                <a:cs typeface="Courier New" panose="02070309020205020404" pitchFamily="49" charset="0"/>
-              </a:rPr>
-              <a:t>Use for each loops if you are only traversing the </a:t>
-            </a:r>
-            <a:r>
-              <a:rPr lang="en-US" dirty="0" err="1">
-                <a:latin typeface="Gill Sans MT" panose="020B0502020104020203" pitchFamily="34" charset="77"/>
-                <a:cs typeface="Courier New" panose="02070309020205020404" pitchFamily="49" charset="0"/>
-              </a:rPr>
-              <a:t>arraylist</a:t>
-            </a:r>
-            <a:r>
-              <a:rPr lang="en-US" dirty="0">
-                <a:latin typeface="Gill Sans MT" panose="020B0502020104020203" pitchFamily="34" charset="77"/>
-                <a:cs typeface="Courier New" panose="02070309020205020404" pitchFamily="49" charset="0"/>
-              </a:rPr>
-              <a:t> and not removing items from it. </a:t>
-            </a:r>
-          </a:p>
-          <a:p>
-            <a:pPr marL="0" indent="0">
-              <a:buNone/>
-            </a:pPr>
+              <a:rPr lang="en-US" dirty="0"/>
+              <a:t>Arrays:</a:t>
+            </a:r>
             <a:endParaRPr lang="en-US" dirty="0">
-              <a:latin typeface="Gill Sans MT" panose="020B0502020104020203" pitchFamily="34" charset="77"/>
+              <a:latin typeface="Courier New" panose="02070309020205020404" pitchFamily="49" charset="0"/>
               <a:cs typeface="Courier New" panose="02070309020205020404" pitchFamily="49" charset="0"/>
             </a:endParaRPr>
           </a:p>
@@ -9423,83 +11257,90 @@
             </a:pPr>
             <a:r>
               <a:rPr lang="en-US" dirty="0">
-                <a:latin typeface="Gill Sans MT" panose="020B0502020104020203" pitchFamily="34" charset="77"/>
-                <a:cs typeface="Courier New" panose="02070309020205020404" pitchFamily="49" charset="0"/>
-              </a:rPr>
-              <a:t>Both Arrays and </a:t>
+                <a:latin typeface="Courier New" panose="02070309020205020404" pitchFamily="49" charset="0"/>
+                <a:cs typeface="Courier New" panose="02070309020205020404" pitchFamily="49" charset="0"/>
+              </a:rPr>
+              <a:t>double sum = 0;</a:t>
+            </a:r>
+          </a:p>
+          <a:p>
+            <a:pPr marL="0" indent="0">
+              <a:buNone/>
+            </a:pPr>
+            <a:r>
+              <a:rPr lang="en-US" dirty="0">
+                <a:latin typeface="Courier New" panose="02070309020205020404" pitchFamily="49" charset="0"/>
+                <a:cs typeface="Courier New" panose="02070309020205020404" pitchFamily="49" charset="0"/>
+              </a:rPr>
+              <a:t>for(int </a:t>
             </a:r>
             <a:r>
               <a:rPr lang="en-US" dirty="0" err="1">
-                <a:latin typeface="Gill Sans MT" panose="020B0502020104020203" pitchFamily="34" charset="77"/>
-                <a:cs typeface="Courier New" panose="02070309020205020404" pitchFamily="49" charset="0"/>
-              </a:rPr>
-              <a:t>Arraylists</a:t>
+                <a:latin typeface="Courier New" panose="02070309020205020404" pitchFamily="49" charset="0"/>
+                <a:cs typeface="Courier New" panose="02070309020205020404" pitchFamily="49" charset="0"/>
+              </a:rPr>
+              <a:t>i</a:t>
             </a:r>
             <a:r>
               <a:rPr lang="en-US" dirty="0">
-                <a:latin typeface="Gill Sans MT" panose="020B0502020104020203" pitchFamily="34" charset="77"/>
-                <a:cs typeface="Courier New" panose="02070309020205020404" pitchFamily="49" charset="0"/>
-              </a:rPr>
-              <a:t>:</a:t>
-            </a:r>
-          </a:p>
-          <a:p>
-            <a:pPr marL="0" indent="0">
-              <a:buNone/>
-            </a:pPr>
-            <a:endParaRPr lang="en-US" dirty="0">
-              <a:latin typeface="Gill Sans MT" panose="020B0502020104020203" pitchFamily="34" charset="77"/>
-              <a:cs typeface="Courier New" panose="02070309020205020404" pitchFamily="49" charset="0"/>
-            </a:endParaRPr>
-          </a:p>
-          <a:p>
-            <a:pPr marL="0" indent="0">
-              <a:buNone/>
-            </a:pPr>
+                <a:latin typeface="Courier New" panose="02070309020205020404" pitchFamily="49" charset="0"/>
+                <a:cs typeface="Courier New" panose="02070309020205020404" pitchFamily="49" charset="0"/>
+              </a:rPr>
+              <a:t> = 0; </a:t>
+            </a:r>
+            <a:r>
+              <a:rPr lang="en-US" dirty="0" err="1">
+                <a:latin typeface="Courier New" panose="02070309020205020404" pitchFamily="49" charset="0"/>
+                <a:cs typeface="Courier New" panose="02070309020205020404" pitchFamily="49" charset="0"/>
+              </a:rPr>
+              <a:t>i</a:t>
+            </a:r>
             <a:r>
               <a:rPr lang="en-US" dirty="0">
                 <a:latin typeface="Courier New" panose="02070309020205020404" pitchFamily="49" charset="0"/>
                 <a:cs typeface="Courier New" panose="02070309020205020404" pitchFamily="49" charset="0"/>
               </a:rPr>
-              <a:t>double sum =0;</a:t>
-            </a:r>
-          </a:p>
-          <a:p>
-            <a:pPr marL="0" indent="0">
-              <a:buNone/>
-            </a:pPr>
+              <a:t> &lt; </a:t>
+            </a:r>
+            <a:r>
+              <a:rPr lang="en-US" dirty="0" err="1">
+                <a:latin typeface="Courier New" panose="02070309020205020404" pitchFamily="49" charset="0"/>
+                <a:cs typeface="Courier New" panose="02070309020205020404" pitchFamily="49" charset="0"/>
+              </a:rPr>
+              <a:t>students.length</a:t>
+            </a:r>
             <a:r>
               <a:rPr lang="en-US" dirty="0">
                 <a:latin typeface="Courier New" panose="02070309020205020404" pitchFamily="49" charset="0"/>
                 <a:cs typeface="Courier New" panose="02070309020205020404" pitchFamily="49" charset="0"/>
               </a:rPr>
-              <a:t>for(Student s: students){</a:t>
-            </a:r>
-          </a:p>
-          <a:p>
-            <a:pPr marL="0" indent="0">
-              <a:buNone/>
-            </a:pPr>
+              <a:t>; </a:t>
+            </a:r>
+            <a:r>
+              <a:rPr lang="en-US" dirty="0" err="1">
+                <a:latin typeface="Courier New" panose="02070309020205020404" pitchFamily="49" charset="0"/>
+                <a:cs typeface="Courier New" panose="02070309020205020404" pitchFamily="49" charset="0"/>
+              </a:rPr>
+              <a:t>i</a:t>
+            </a:r>
             <a:r>
               <a:rPr lang="en-US" dirty="0">
                 <a:latin typeface="Courier New" panose="02070309020205020404" pitchFamily="49" charset="0"/>
                 <a:cs typeface="Courier New" panose="02070309020205020404" pitchFamily="49" charset="0"/>
               </a:rPr>
-              <a:t>	sum += </a:t>
-            </a:r>
-            <a:r>
-              <a:rPr lang="en-US" dirty="0" err="1">
-                <a:latin typeface="Courier New" panose="02070309020205020404" pitchFamily="49" charset="0"/>
-                <a:cs typeface="Courier New" panose="02070309020205020404" pitchFamily="49" charset="0"/>
-              </a:rPr>
-              <a:t>s.getGpa</a:t>
-            </a:r>
+              <a:t>++){</a:t>
+            </a:r>
+          </a:p>
+          <a:p>
+            <a:pPr marL="0" indent="0">
+              <a:buNone/>
+            </a:pPr>
             <a:r>
               <a:rPr lang="en-US" dirty="0">
                 <a:latin typeface="Courier New" panose="02070309020205020404" pitchFamily="49" charset="0"/>
                 <a:cs typeface="Courier New" panose="02070309020205020404" pitchFamily="49" charset="0"/>
               </a:rPr>
-              <a:t>(); </a:t>
+              <a:t>	sum += students</a:t>
             </a:r>
             <a:r>
               <a:rPr lang="en-US" dirty="0">
@@ -9509,7 +11350,7 @@
                 <a:latin typeface="Courier New" panose="02070309020205020404" pitchFamily="49" charset="0"/>
                 <a:cs typeface="Courier New" panose="02070309020205020404" pitchFamily="49" charset="0"/>
               </a:rPr>
-              <a:t>// notice no [</a:t>
+              <a:t>[</a:t>
             </a:r>
             <a:r>
               <a:rPr lang="en-US" dirty="0" err="1">
@@ -9529,7 +11370,7 @@
                 <a:latin typeface="Courier New" panose="02070309020205020404" pitchFamily="49" charset="0"/>
                 <a:cs typeface="Courier New" panose="02070309020205020404" pitchFamily="49" charset="0"/>
               </a:rPr>
-              <a:t>] and no get(</a:t>
+              <a:t>].</a:t>
             </a:r>
             <a:r>
               <a:rPr lang="en-US" dirty="0" err="1">
@@ -9539,7 +11380,7 @@
                 <a:latin typeface="Courier New" panose="02070309020205020404" pitchFamily="49" charset="0"/>
                 <a:cs typeface="Courier New" panose="02070309020205020404" pitchFamily="49" charset="0"/>
               </a:rPr>
-              <a:t>i</a:t>
+              <a:t>getGpa</a:t>
             </a:r>
             <a:r>
               <a:rPr lang="en-US" dirty="0">
@@ -9549,7 +11390,7 @@
                 <a:latin typeface="Courier New" panose="02070309020205020404" pitchFamily="49" charset="0"/>
                 <a:cs typeface="Courier New" panose="02070309020205020404" pitchFamily="49" charset="0"/>
               </a:rPr>
-              <a:t>)!!</a:t>
+              <a:t>();</a:t>
             </a:r>
           </a:p>
           <a:p>
@@ -9563,19 +11404,428 @@
               </a:rPr>
               <a:t>}</a:t>
             </a:r>
+          </a:p>
+          <a:p>
+            <a:pPr marL="0" indent="0">
+              <a:buNone/>
+            </a:pPr>
+            <a:endParaRPr lang="en-US" dirty="0">
+              <a:latin typeface="Courier New" panose="02070309020205020404" pitchFamily="49" charset="0"/>
+              <a:cs typeface="Courier New" panose="02070309020205020404" pitchFamily="49" charset="0"/>
+            </a:endParaRPr>
+          </a:p>
+          <a:p>
+            <a:pPr marL="0" indent="0">
+              <a:buNone/>
+            </a:pPr>
+            <a:r>
+              <a:rPr lang="en-US" dirty="0" err="1"/>
+              <a:t>ArrayLists</a:t>
+            </a:r>
+            <a:r>
+              <a:rPr lang="en-US" dirty="0"/>
+              <a:t>:</a:t>
+            </a:r>
+            <a:endParaRPr lang="en-US" dirty="0">
+              <a:latin typeface="Courier New" panose="02070309020205020404" pitchFamily="49" charset="0"/>
+              <a:cs typeface="Courier New" panose="02070309020205020404" pitchFamily="49" charset="0"/>
+            </a:endParaRPr>
+          </a:p>
+          <a:p>
+            <a:pPr marL="0" indent="0">
+              <a:buNone/>
+            </a:pPr>
+            <a:r>
+              <a:rPr lang="en-US" dirty="0">
+                <a:latin typeface="Courier New" panose="02070309020205020404" pitchFamily="49" charset="0"/>
+                <a:cs typeface="Courier New" panose="02070309020205020404" pitchFamily="49" charset="0"/>
+              </a:rPr>
+              <a:t>double sum = 0;</a:t>
+            </a:r>
+          </a:p>
+          <a:p>
+            <a:pPr marL="0" indent="0">
+              <a:buNone/>
+            </a:pPr>
+            <a:r>
+              <a:rPr lang="en-US" dirty="0">
+                <a:latin typeface="Courier New" panose="02070309020205020404" pitchFamily="49" charset="0"/>
+                <a:cs typeface="Courier New" panose="02070309020205020404" pitchFamily="49" charset="0"/>
+              </a:rPr>
+              <a:t>for(int </a:t>
+            </a:r>
+            <a:r>
+              <a:rPr lang="en-US" dirty="0" err="1">
+                <a:latin typeface="Courier New" panose="02070309020205020404" pitchFamily="49" charset="0"/>
+                <a:cs typeface="Courier New" panose="02070309020205020404" pitchFamily="49" charset="0"/>
+              </a:rPr>
+              <a:t>i</a:t>
+            </a:r>
+            <a:r>
+              <a:rPr lang="en-US" dirty="0">
+                <a:latin typeface="Courier New" panose="02070309020205020404" pitchFamily="49" charset="0"/>
+                <a:cs typeface="Courier New" panose="02070309020205020404" pitchFamily="49" charset="0"/>
+              </a:rPr>
+              <a:t> = 0; </a:t>
+            </a:r>
+            <a:r>
+              <a:rPr lang="en-US" dirty="0" err="1">
+                <a:latin typeface="Courier New" panose="02070309020205020404" pitchFamily="49" charset="0"/>
+                <a:cs typeface="Courier New" panose="02070309020205020404" pitchFamily="49" charset="0"/>
+              </a:rPr>
+              <a:t>i</a:t>
+            </a:r>
+            <a:r>
+              <a:rPr lang="en-US" dirty="0">
+                <a:latin typeface="Courier New" panose="02070309020205020404" pitchFamily="49" charset="0"/>
+                <a:cs typeface="Courier New" panose="02070309020205020404" pitchFamily="49" charset="0"/>
+              </a:rPr>
+              <a:t> &lt; </a:t>
+            </a:r>
+            <a:r>
+              <a:rPr lang="en-US" dirty="0" err="1">
+                <a:latin typeface="Courier New" panose="02070309020205020404" pitchFamily="49" charset="0"/>
+                <a:cs typeface="Courier New" panose="02070309020205020404" pitchFamily="49" charset="0"/>
+              </a:rPr>
+              <a:t>students.size</a:t>
+            </a:r>
+            <a:r>
+              <a:rPr lang="en-US" dirty="0">
+                <a:latin typeface="Courier New" panose="02070309020205020404" pitchFamily="49" charset="0"/>
+                <a:cs typeface="Courier New" panose="02070309020205020404" pitchFamily="49" charset="0"/>
+              </a:rPr>
+              <a:t>(); </a:t>
+            </a:r>
+            <a:r>
+              <a:rPr lang="en-US" dirty="0" err="1">
+                <a:latin typeface="Courier New" panose="02070309020205020404" pitchFamily="49" charset="0"/>
+                <a:cs typeface="Courier New" panose="02070309020205020404" pitchFamily="49" charset="0"/>
+              </a:rPr>
+              <a:t>i</a:t>
+            </a:r>
+            <a:r>
+              <a:rPr lang="en-US" dirty="0">
+                <a:latin typeface="Courier New" panose="02070309020205020404" pitchFamily="49" charset="0"/>
+                <a:cs typeface="Courier New" panose="02070309020205020404" pitchFamily="49" charset="0"/>
+              </a:rPr>
+              <a:t>++){</a:t>
+            </a:r>
+          </a:p>
+          <a:p>
+            <a:pPr marL="0" indent="0">
+              <a:buNone/>
+            </a:pPr>
+            <a:r>
+              <a:rPr lang="en-US" dirty="0">
+                <a:latin typeface="Courier New" panose="02070309020205020404" pitchFamily="49" charset="0"/>
+                <a:cs typeface="Courier New" panose="02070309020205020404" pitchFamily="49" charset="0"/>
+              </a:rPr>
+              <a:t>	sum += </a:t>
+            </a:r>
+            <a:r>
+              <a:rPr lang="en-US" dirty="0" err="1">
+                <a:latin typeface="Courier New" panose="02070309020205020404" pitchFamily="49" charset="0"/>
+                <a:cs typeface="Courier New" panose="02070309020205020404" pitchFamily="49" charset="0"/>
+              </a:rPr>
+              <a:t>students.</a:t>
+            </a:r>
+            <a:r>
+              <a:rPr lang="en-US" dirty="0" err="1">
+                <a:solidFill>
+                  <a:srgbClr val="FF0000"/>
+                </a:solidFill>
+                <a:latin typeface="Courier New" panose="02070309020205020404" pitchFamily="49" charset="0"/>
+                <a:cs typeface="Courier New" panose="02070309020205020404" pitchFamily="49" charset="0"/>
+              </a:rPr>
+              <a:t>get</a:t>
+            </a:r>
+            <a:r>
+              <a:rPr lang="en-US" dirty="0">
+                <a:solidFill>
+                  <a:srgbClr val="FF0000"/>
+                </a:solidFill>
+                <a:latin typeface="Courier New" panose="02070309020205020404" pitchFamily="49" charset="0"/>
+                <a:cs typeface="Courier New" panose="02070309020205020404" pitchFamily="49" charset="0"/>
+              </a:rPr>
+              <a:t>(</a:t>
+            </a:r>
+            <a:r>
+              <a:rPr lang="en-US" dirty="0" err="1">
+                <a:solidFill>
+                  <a:srgbClr val="FF0000"/>
+                </a:solidFill>
+                <a:latin typeface="Courier New" panose="02070309020205020404" pitchFamily="49" charset="0"/>
+                <a:cs typeface="Courier New" panose="02070309020205020404" pitchFamily="49" charset="0"/>
+              </a:rPr>
+              <a:t>i</a:t>
+            </a:r>
+            <a:r>
+              <a:rPr lang="en-US" dirty="0">
+                <a:solidFill>
+                  <a:srgbClr val="FF0000"/>
+                </a:solidFill>
+                <a:latin typeface="Courier New" panose="02070309020205020404" pitchFamily="49" charset="0"/>
+                <a:cs typeface="Courier New" panose="02070309020205020404" pitchFamily="49" charset="0"/>
+              </a:rPr>
+              <a:t>).</a:t>
+            </a:r>
+            <a:r>
+              <a:rPr lang="en-US" dirty="0" err="1">
+                <a:solidFill>
+                  <a:srgbClr val="FF0000"/>
+                </a:solidFill>
+                <a:latin typeface="Courier New" panose="02070309020205020404" pitchFamily="49" charset="0"/>
+                <a:cs typeface="Courier New" panose="02070309020205020404" pitchFamily="49" charset="0"/>
+              </a:rPr>
+              <a:t>getGpa</a:t>
+            </a:r>
+            <a:r>
+              <a:rPr lang="en-US" dirty="0">
+                <a:solidFill>
+                  <a:srgbClr val="FF0000"/>
+                </a:solidFill>
+                <a:latin typeface="Courier New" panose="02070309020205020404" pitchFamily="49" charset="0"/>
+                <a:cs typeface="Courier New" panose="02070309020205020404" pitchFamily="49" charset="0"/>
+              </a:rPr>
+              <a:t>();</a:t>
+            </a:r>
+          </a:p>
+          <a:p>
+            <a:pPr marL="0" indent="0">
+              <a:buNone/>
+            </a:pPr>
+            <a:r>
+              <a:rPr lang="en-US" dirty="0">
+                <a:latin typeface="Courier New" panose="02070309020205020404" pitchFamily="49" charset="0"/>
+                <a:cs typeface="Courier New" panose="02070309020205020404" pitchFamily="49" charset="0"/>
+              </a:rPr>
+              <a:t>}</a:t>
+            </a:r>
+          </a:p>
+          <a:p>
+            <a:pPr marL="0" indent="0">
+              <a:buNone/>
+            </a:pPr>
+            <a:endParaRPr lang="en-US" dirty="0">
+              <a:latin typeface="Courier New" panose="02070309020205020404" pitchFamily="49" charset="0"/>
+              <a:cs typeface="Courier New" panose="02070309020205020404" pitchFamily="49" charset="0"/>
+            </a:endParaRPr>
           </a:p>
         </p:txBody>
       </p:sp>
     </p:spTree>
     <p:extLst>
       <p:ext uri="{BB962C8B-B14F-4D97-AF65-F5344CB8AC3E}">
-        <p14:creationId xmlns:p14="http://schemas.microsoft.com/office/powerpoint/2010/main" val="2141245490"/>
+        <p14:creationId xmlns:p14="http://schemas.microsoft.com/office/powerpoint/2010/main" val="3718713129"/>
       </p:ext>
     </p:extLst>
   </p:cSld>
   <p:clrMapOvr>
     <a:masterClrMapping/>
   </p:clrMapOvr>
+  <p:timing>
+    <p:tnLst>
+      <p:par>
+        <p:cTn id="1" dur="indefinite" restart="never" nodeType="tmRoot">
+          <p:childTnLst>
+            <p:seq concurrent="1" nextAc="seek">
+              <p:cTn id="2" dur="indefinite" nodeType="mainSeq">
+                <p:childTnLst>
+                  <p:par>
+                    <p:cTn id="3" fill="hold">
+                      <p:stCondLst>
+                        <p:cond delay="indefinite"/>
+                      </p:stCondLst>
+                      <p:childTnLst>
+                        <p:par>
+                          <p:cTn id="4" fill="hold">
+                            <p:stCondLst>
+                              <p:cond delay="0"/>
+                            </p:stCondLst>
+                            <p:childTnLst>
+                              <p:par>
+                                <p:cTn id="5" presetID="1" presetClass="entr" presetSubtype="0" fill="hold" nodeType="clickEffect">
+                                  <p:stCondLst>
+                                    <p:cond delay="0"/>
+                                  </p:stCondLst>
+                                  <p:childTnLst>
+                                    <p:set>
+                                      <p:cBhvr>
+                                        <p:cTn id="6" dur="1" fill="hold">
+                                          <p:stCondLst>
+                                            <p:cond delay="0"/>
+                                          </p:stCondLst>
+                                        </p:cTn>
+                                        <p:tgtEl>
+                                          <p:spTgt spid="3">
+                                            <p:txEl>
+                                              <p:pRg st="6" end="6"/>
+                                            </p:txEl>
+                                          </p:spTgt>
+                                        </p:tgtEl>
+                                        <p:attrNameLst>
+                                          <p:attrName>style.visibility</p:attrName>
+                                        </p:attrNameLst>
+                                      </p:cBhvr>
+                                      <p:to>
+                                        <p:strVal val="visible"/>
+                                      </p:to>
+                                    </p:set>
+                                  </p:childTnLst>
+                                </p:cTn>
+                              </p:par>
+                              <p:par>
+                                <p:cTn id="7" presetID="1" presetClass="entr" presetSubtype="0" fill="hold" nodeType="withEffect">
+                                  <p:stCondLst>
+                                    <p:cond delay="0"/>
+                                  </p:stCondLst>
+                                  <p:childTnLst>
+                                    <p:set>
+                                      <p:cBhvr>
+                                        <p:cTn id="8" dur="1" fill="hold">
+                                          <p:stCondLst>
+                                            <p:cond delay="0"/>
+                                          </p:stCondLst>
+                                        </p:cTn>
+                                        <p:tgtEl>
+                                          <p:spTgt spid="3">
+                                            <p:txEl>
+                                              <p:pRg st="7" end="7"/>
+                                            </p:txEl>
+                                          </p:spTgt>
+                                        </p:tgtEl>
+                                        <p:attrNameLst>
+                                          <p:attrName>style.visibility</p:attrName>
+                                        </p:attrNameLst>
+                                      </p:cBhvr>
+                                      <p:to>
+                                        <p:strVal val="visible"/>
+                                      </p:to>
+                                    </p:set>
+                                  </p:childTnLst>
+                                </p:cTn>
+                              </p:par>
+                              <p:par>
+                                <p:cTn id="9" presetID="1" presetClass="entr" presetSubtype="0" fill="hold" nodeType="withEffect">
+                                  <p:stCondLst>
+                                    <p:cond delay="0"/>
+                                  </p:stCondLst>
+                                  <p:childTnLst>
+                                    <p:set>
+                                      <p:cBhvr>
+                                        <p:cTn id="10" dur="1" fill="hold">
+                                          <p:stCondLst>
+                                            <p:cond delay="0"/>
+                                          </p:stCondLst>
+                                        </p:cTn>
+                                        <p:tgtEl>
+                                          <p:spTgt spid="3">
+                                            <p:txEl>
+                                              <p:pRg st="8" end="8"/>
+                                            </p:txEl>
+                                          </p:spTgt>
+                                        </p:tgtEl>
+                                        <p:attrNameLst>
+                                          <p:attrName>style.visibility</p:attrName>
+                                        </p:attrNameLst>
+                                      </p:cBhvr>
+                                      <p:to>
+                                        <p:strVal val="visible"/>
+                                      </p:to>
+                                    </p:set>
+                                  </p:childTnLst>
+                                </p:cTn>
+                              </p:par>
+                              <p:par>
+                                <p:cTn id="11" presetID="1" presetClass="entr" presetSubtype="0" fill="hold" nodeType="withEffect">
+                                  <p:stCondLst>
+                                    <p:cond delay="0"/>
+                                  </p:stCondLst>
+                                  <p:childTnLst>
+                                    <p:set>
+                                      <p:cBhvr>
+                                        <p:cTn id="12" dur="1" fill="hold">
+                                          <p:stCondLst>
+                                            <p:cond delay="0"/>
+                                          </p:stCondLst>
+                                        </p:cTn>
+                                        <p:tgtEl>
+                                          <p:spTgt spid="3">
+                                            <p:txEl>
+                                              <p:pRg st="9" end="9"/>
+                                            </p:txEl>
+                                          </p:spTgt>
+                                        </p:tgtEl>
+                                        <p:attrNameLst>
+                                          <p:attrName>style.visibility</p:attrName>
+                                        </p:attrNameLst>
+                                      </p:cBhvr>
+                                      <p:to>
+                                        <p:strVal val="visible"/>
+                                      </p:to>
+                                    </p:set>
+                                  </p:childTnLst>
+                                </p:cTn>
+                              </p:par>
+                              <p:par>
+                                <p:cTn id="13" presetID="1" presetClass="entr" presetSubtype="0" fill="hold" nodeType="withEffect">
+                                  <p:stCondLst>
+                                    <p:cond delay="0"/>
+                                  </p:stCondLst>
+                                  <p:childTnLst>
+                                    <p:set>
+                                      <p:cBhvr>
+                                        <p:cTn id="14" dur="1" fill="hold">
+                                          <p:stCondLst>
+                                            <p:cond delay="0"/>
+                                          </p:stCondLst>
+                                        </p:cTn>
+                                        <p:tgtEl>
+                                          <p:spTgt spid="3">
+                                            <p:txEl>
+                                              <p:pRg st="10" end="10"/>
+                                            </p:txEl>
+                                          </p:spTgt>
+                                        </p:tgtEl>
+                                        <p:attrNameLst>
+                                          <p:attrName>style.visibility</p:attrName>
+                                        </p:attrNameLst>
+                                      </p:cBhvr>
+                                      <p:to>
+                                        <p:strVal val="visible"/>
+                                      </p:to>
+                                    </p:set>
+                                  </p:childTnLst>
+                                </p:cTn>
+                              </p:par>
+                            </p:childTnLst>
+                          </p:cTn>
+                        </p:par>
+                      </p:childTnLst>
+                    </p:cTn>
+                  </p:par>
+                </p:childTnLst>
+              </p:cTn>
+              <p:prevCondLst>
+                <p:cond evt="onPrev" delay="0">
+                  <p:tgtEl>
+                    <p:sldTgt/>
+                  </p:tgtEl>
+                </p:cond>
+              </p:prevCondLst>
+              <p:nextCondLst>
+                <p:cond evt="onNext" delay="0">
+                  <p:tgtEl>
+                    <p:sldTgt/>
+                  </p:tgtEl>
+                </p:cond>
+              </p:nextCondLst>
+            </p:seq>
+          </p:childTnLst>
+        </p:cTn>
+      </p:par>
+    </p:tnLst>
+  </p:timing>
 </p:sld>
 </file>
 
@@ -9657,16 +11907,50 @@
           </a:xfrm>
         </p:spPr>
         <p:txBody>
-          <a:bodyPr>
-            <a:normAutofit/>
-          </a:bodyPr>
+          <a:bodyPr/>
           <a:lstStyle/>
           <a:p>
             <a:pPr marL="0" indent="0">
               <a:buNone/>
             </a:pPr>
-            <a:endParaRPr lang="en-US" sz="1900" dirty="0">
-              <a:latin typeface="Courier New" panose="02070309020205020404" pitchFamily="49" charset="0"/>
+            <a:r>
+              <a:rPr lang="en-US" dirty="0">
+                <a:latin typeface="Gill Sans MT" panose="020B0502020104020203" pitchFamily="34" charset="77"/>
+                <a:cs typeface="Courier New" panose="02070309020205020404" pitchFamily="49" charset="0"/>
+              </a:rPr>
+              <a:t>Use for each loops if you are only traversing the </a:t>
+            </a:r>
+            <a:r>
+              <a:rPr lang="en-US" dirty="0" err="1">
+                <a:latin typeface="Gill Sans MT" panose="020B0502020104020203" pitchFamily="34" charset="77"/>
+                <a:cs typeface="Courier New" panose="02070309020205020404" pitchFamily="49" charset="0"/>
+              </a:rPr>
+              <a:t>arraylist</a:t>
+            </a:r>
+            <a:r>
+              <a:rPr lang="en-US" dirty="0">
+                <a:latin typeface="Gill Sans MT" panose="020B0502020104020203" pitchFamily="34" charset="77"/>
+                <a:cs typeface="Courier New" panose="02070309020205020404" pitchFamily="49" charset="0"/>
+              </a:rPr>
+              <a:t> and </a:t>
+            </a:r>
+            <a:r>
+              <a:rPr lang="en-US" dirty="0">
+                <a:solidFill>
+                  <a:srgbClr val="FF0000"/>
+                </a:solidFill>
+                <a:latin typeface="Gill Sans MT" panose="020B0502020104020203" pitchFamily="34" charset="77"/>
+                <a:cs typeface="Courier New" panose="02070309020205020404" pitchFamily="49" charset="0"/>
+              </a:rPr>
+              <a:t>not removing items from it. </a:t>
+            </a:r>
+          </a:p>
+          <a:p>
+            <a:pPr marL="0" indent="0">
+              <a:buNone/>
+            </a:pPr>
+            <a:endParaRPr lang="en-US" dirty="0">
+              <a:latin typeface="Gill Sans MT" panose="020B0502020104020203" pitchFamily="34" charset="77"/>
               <a:cs typeface="Courier New" panose="02070309020205020404" pitchFamily="49" charset="0"/>
             </a:endParaRPr>
           </a:p>
@@ -9675,209 +11959,368 @@
               <a:buNone/>
             </a:pPr>
             <a:r>
-              <a:rPr lang="en-US" sz="1900" dirty="0">
-                <a:latin typeface="Courier New" panose="02070309020205020404" pitchFamily="49" charset="0"/>
-                <a:cs typeface="Courier New" panose="02070309020205020404" pitchFamily="49" charset="0"/>
-              </a:rPr>
-              <a:t>public int[] </a:t>
-            </a:r>
-            <a:r>
-              <a:rPr lang="en-US" sz="1900" dirty="0" err="1">
-                <a:latin typeface="Courier New" panose="02070309020205020404" pitchFamily="49" charset="0"/>
-                <a:cs typeface="Courier New" panose="02070309020205020404" pitchFamily="49" charset="0"/>
-              </a:rPr>
-              <a:t>funMethod</a:t>
-            </a:r>
-            <a:r>
-              <a:rPr lang="en-US" sz="1900" dirty="0">
-                <a:latin typeface="Courier New" panose="02070309020205020404" pitchFamily="49" charset="0"/>
-                <a:cs typeface="Courier New" panose="02070309020205020404" pitchFamily="49" charset="0"/>
-              </a:rPr>
-              <a:t>(int length){</a:t>
-            </a:r>
-          </a:p>
-          <a:p>
-            <a:pPr marL="0" indent="0">
-              <a:buNone/>
-            </a:pPr>
-            <a:r>
-              <a:rPr lang="en-US" sz="1900" dirty="0">
-                <a:latin typeface="Courier New" panose="02070309020205020404" pitchFamily="49" charset="0"/>
-                <a:cs typeface="Courier New" panose="02070309020205020404" pitchFamily="49" charset="0"/>
-              </a:rPr>
-              <a:t>	int[] list = new int[length];</a:t>
-            </a:r>
-          </a:p>
-          <a:p>
-            <a:pPr marL="0" indent="0">
-              <a:buNone/>
-            </a:pPr>
-            <a:r>
-              <a:rPr lang="en-US" sz="1900" dirty="0">
-                <a:latin typeface="Courier New" panose="02070309020205020404" pitchFamily="49" charset="0"/>
-                <a:cs typeface="Courier New" panose="02070309020205020404" pitchFamily="49" charset="0"/>
-              </a:rPr>
-              <a:t>	…</a:t>
-            </a:r>
-          </a:p>
-          <a:p>
-            <a:pPr marL="0" indent="0">
-              <a:buNone/>
-            </a:pPr>
-            <a:r>
-              <a:rPr lang="en-US" sz="1900" dirty="0">
-                <a:latin typeface="Courier New" panose="02070309020205020404" pitchFamily="49" charset="0"/>
-                <a:cs typeface="Courier New" panose="02070309020205020404" pitchFamily="49" charset="0"/>
-              </a:rPr>
-              <a:t>	return list;</a:t>
-            </a:r>
-          </a:p>
-          <a:p>
-            <a:pPr marL="0" indent="0">
-              <a:buNone/>
-            </a:pPr>
-            <a:r>
-              <a:rPr lang="en-US" sz="1900" dirty="0">
+              <a:rPr lang="en-US" dirty="0">
+                <a:latin typeface="Gill Sans MT" panose="020B0502020104020203" pitchFamily="34" charset="77"/>
+                <a:cs typeface="Courier New" panose="02070309020205020404" pitchFamily="49" charset="0"/>
+              </a:rPr>
+              <a:t>Both Arrays and </a:t>
+            </a:r>
+            <a:r>
+              <a:rPr lang="en-US" dirty="0" err="1">
+                <a:latin typeface="Gill Sans MT" panose="020B0502020104020203" pitchFamily="34" charset="77"/>
+                <a:cs typeface="Courier New" panose="02070309020205020404" pitchFamily="49" charset="0"/>
+              </a:rPr>
+              <a:t>Arraylists</a:t>
+            </a:r>
+            <a:r>
+              <a:rPr lang="en-US" dirty="0">
+                <a:latin typeface="Gill Sans MT" panose="020B0502020104020203" pitchFamily="34" charset="77"/>
+                <a:cs typeface="Courier New" panose="02070309020205020404" pitchFamily="49" charset="0"/>
+              </a:rPr>
+              <a:t>:</a:t>
+            </a:r>
+          </a:p>
+          <a:p>
+            <a:pPr marL="0" indent="0">
+              <a:buNone/>
+            </a:pPr>
+            <a:endParaRPr lang="en-US" dirty="0">
+              <a:latin typeface="Gill Sans MT" panose="020B0502020104020203" pitchFamily="34" charset="77"/>
+              <a:cs typeface="Courier New" panose="02070309020205020404" pitchFamily="49" charset="0"/>
+            </a:endParaRPr>
+          </a:p>
+          <a:p>
+            <a:pPr marL="0" indent="0">
+              <a:buNone/>
+            </a:pPr>
+            <a:r>
+              <a:rPr lang="en-US" dirty="0">
+                <a:latin typeface="Courier New" panose="02070309020205020404" pitchFamily="49" charset="0"/>
+                <a:cs typeface="Courier New" panose="02070309020205020404" pitchFamily="49" charset="0"/>
+              </a:rPr>
+              <a:t>double sum =0;</a:t>
+            </a:r>
+          </a:p>
+          <a:p>
+            <a:pPr marL="0" indent="0">
+              <a:buNone/>
+            </a:pPr>
+            <a:r>
+              <a:rPr lang="en-US" dirty="0">
+                <a:latin typeface="Courier New" panose="02070309020205020404" pitchFamily="49" charset="0"/>
+                <a:cs typeface="Courier New" panose="02070309020205020404" pitchFamily="49" charset="0"/>
+              </a:rPr>
+              <a:t>for(Student s: students){</a:t>
+            </a:r>
+          </a:p>
+          <a:p>
+            <a:pPr marL="0" indent="0">
+              <a:buNone/>
+            </a:pPr>
+            <a:r>
+              <a:rPr lang="en-US" dirty="0">
+                <a:latin typeface="Courier New" panose="02070309020205020404" pitchFamily="49" charset="0"/>
+                <a:cs typeface="Courier New" panose="02070309020205020404" pitchFamily="49" charset="0"/>
+              </a:rPr>
+              <a:t>	sum += </a:t>
+            </a:r>
+            <a:r>
+              <a:rPr lang="en-US" dirty="0" err="1">
+                <a:latin typeface="Courier New" panose="02070309020205020404" pitchFamily="49" charset="0"/>
+                <a:cs typeface="Courier New" panose="02070309020205020404" pitchFamily="49" charset="0"/>
+              </a:rPr>
+              <a:t>s.getGpa</a:t>
+            </a:r>
+            <a:r>
+              <a:rPr lang="en-US" dirty="0">
+                <a:latin typeface="Courier New" panose="02070309020205020404" pitchFamily="49" charset="0"/>
+                <a:cs typeface="Courier New" panose="02070309020205020404" pitchFamily="49" charset="0"/>
+              </a:rPr>
+              <a:t>(); </a:t>
+            </a:r>
+          </a:p>
+          <a:p>
+            <a:pPr marL="0" indent="0">
+              <a:buNone/>
+            </a:pPr>
+            <a:r>
+              <a:rPr lang="en-US" dirty="0">
+                <a:solidFill>
+                  <a:srgbClr val="FF0000"/>
+                </a:solidFill>
+                <a:latin typeface="Courier New" panose="02070309020205020404" pitchFamily="49" charset="0"/>
+                <a:cs typeface="Courier New" panose="02070309020205020404" pitchFamily="49" charset="0"/>
+              </a:rPr>
+              <a:t>	// notice no [</a:t>
+            </a:r>
+            <a:r>
+              <a:rPr lang="en-US" dirty="0" err="1">
+                <a:solidFill>
+                  <a:srgbClr val="FF0000"/>
+                </a:solidFill>
+                <a:latin typeface="Courier New" panose="02070309020205020404" pitchFamily="49" charset="0"/>
+                <a:cs typeface="Courier New" panose="02070309020205020404" pitchFamily="49" charset="0"/>
+              </a:rPr>
+              <a:t>i</a:t>
+            </a:r>
+            <a:r>
+              <a:rPr lang="en-US" dirty="0">
+                <a:solidFill>
+                  <a:srgbClr val="FF0000"/>
+                </a:solidFill>
+                <a:latin typeface="Courier New" panose="02070309020205020404" pitchFamily="49" charset="0"/>
+                <a:cs typeface="Courier New" panose="02070309020205020404" pitchFamily="49" charset="0"/>
+              </a:rPr>
+              <a:t>] and no get(</a:t>
+            </a:r>
+            <a:r>
+              <a:rPr lang="en-US" dirty="0" err="1">
+                <a:solidFill>
+                  <a:srgbClr val="FF0000"/>
+                </a:solidFill>
+                <a:latin typeface="Courier New" panose="02070309020205020404" pitchFamily="49" charset="0"/>
+                <a:cs typeface="Courier New" panose="02070309020205020404" pitchFamily="49" charset="0"/>
+              </a:rPr>
+              <a:t>i</a:t>
+            </a:r>
+            <a:r>
+              <a:rPr lang="en-US" dirty="0">
+                <a:solidFill>
+                  <a:srgbClr val="FF0000"/>
+                </a:solidFill>
+                <a:latin typeface="Courier New" panose="02070309020205020404" pitchFamily="49" charset="0"/>
+                <a:cs typeface="Courier New" panose="02070309020205020404" pitchFamily="49" charset="0"/>
+              </a:rPr>
+              <a:t>)!!</a:t>
+            </a:r>
+          </a:p>
+          <a:p>
+            <a:pPr marL="0" indent="0">
+              <a:buNone/>
+            </a:pPr>
+            <a:r>
+              <a:rPr lang="en-US" dirty="0">
                 <a:latin typeface="Courier New" panose="02070309020205020404" pitchFamily="49" charset="0"/>
                 <a:cs typeface="Courier New" panose="02070309020205020404" pitchFamily="49" charset="0"/>
               </a:rPr>
               <a:t>}</a:t>
             </a:r>
-          </a:p>
-          <a:p>
-            <a:pPr marL="0" indent="0">
-              <a:buNone/>
-            </a:pPr>
-            <a:r>
-              <a:rPr lang="en-US" sz="1900" dirty="0">
-                <a:latin typeface="Courier New" panose="02070309020205020404" pitchFamily="49" charset="0"/>
-                <a:cs typeface="Courier New" panose="02070309020205020404" pitchFamily="49" charset="0"/>
-              </a:rPr>
-              <a:t>public </a:t>
-            </a:r>
-            <a:r>
-              <a:rPr lang="en-US" sz="1900" dirty="0" err="1">
-                <a:latin typeface="Courier New" panose="02070309020205020404" pitchFamily="49" charset="0"/>
-                <a:cs typeface="Courier New" panose="02070309020205020404" pitchFamily="49" charset="0"/>
-              </a:rPr>
-              <a:t>ArrayList</a:t>
-            </a:r>
-            <a:r>
-              <a:rPr lang="en-US" sz="1900" dirty="0">
-                <a:latin typeface="Courier New" panose="02070309020205020404" pitchFamily="49" charset="0"/>
-                <a:cs typeface="Courier New" panose="02070309020205020404" pitchFamily="49" charset="0"/>
-              </a:rPr>
-              <a:t>&lt;Bug&gt; </a:t>
-            </a:r>
-            <a:r>
-              <a:rPr lang="en-US" sz="1900" dirty="0" err="1">
-                <a:latin typeface="Courier New" panose="02070309020205020404" pitchFamily="49" charset="0"/>
-                <a:cs typeface="Courier New" panose="02070309020205020404" pitchFamily="49" charset="0"/>
-              </a:rPr>
-              <a:t>funMethod</a:t>
-            </a:r>
-            <a:r>
-              <a:rPr lang="en-US" sz="1900" dirty="0">
-                <a:latin typeface="Courier New" panose="02070309020205020404" pitchFamily="49" charset="0"/>
-                <a:cs typeface="Courier New" panose="02070309020205020404" pitchFamily="49" charset="0"/>
-              </a:rPr>
-              <a:t>(){</a:t>
-            </a:r>
-          </a:p>
-          <a:p>
-            <a:pPr marL="0" indent="0">
-              <a:buNone/>
-            </a:pPr>
-            <a:r>
-              <a:rPr lang="en-US" sz="1900" dirty="0">
-                <a:latin typeface="Courier New" panose="02070309020205020404" pitchFamily="49" charset="0"/>
-                <a:cs typeface="Courier New" panose="02070309020205020404" pitchFamily="49" charset="0"/>
-              </a:rPr>
-              <a:t>	</a:t>
-            </a:r>
-            <a:r>
-              <a:rPr lang="en-US" sz="1900" dirty="0" err="1">
-                <a:latin typeface="Courier New" panose="02070309020205020404" pitchFamily="49" charset="0"/>
-                <a:cs typeface="Courier New" panose="02070309020205020404" pitchFamily="49" charset="0"/>
-              </a:rPr>
-              <a:t>ArrayList</a:t>
-            </a:r>
-            <a:r>
-              <a:rPr lang="en-US" sz="1900" dirty="0">
-                <a:latin typeface="Courier New" panose="02070309020205020404" pitchFamily="49" charset="0"/>
-                <a:cs typeface="Courier New" panose="02070309020205020404" pitchFamily="49" charset="0"/>
-              </a:rPr>
-              <a:t>&lt;Bug&gt; buggies = new </a:t>
-            </a:r>
-            <a:r>
-              <a:rPr lang="en-US" sz="1900" dirty="0" err="1">
-                <a:latin typeface="Courier New" panose="02070309020205020404" pitchFamily="49" charset="0"/>
-                <a:cs typeface="Courier New" panose="02070309020205020404" pitchFamily="49" charset="0"/>
-              </a:rPr>
-              <a:t>ArrayList</a:t>
-            </a:r>
-            <a:r>
-              <a:rPr lang="en-US" sz="1900" dirty="0">
-                <a:latin typeface="Courier New" panose="02070309020205020404" pitchFamily="49" charset="0"/>
-                <a:cs typeface="Courier New" panose="02070309020205020404" pitchFamily="49" charset="0"/>
-              </a:rPr>
-              <a:t>&lt;Bug&gt;();</a:t>
-            </a:r>
-          </a:p>
-          <a:p>
-            <a:pPr marL="0" indent="0">
-              <a:buNone/>
-            </a:pPr>
-            <a:r>
-              <a:rPr lang="en-US" sz="1900" dirty="0">
-                <a:latin typeface="Courier New" panose="02070309020205020404" pitchFamily="49" charset="0"/>
-                <a:cs typeface="Courier New" panose="02070309020205020404" pitchFamily="49" charset="0"/>
-              </a:rPr>
-              <a:t>	…</a:t>
-            </a:r>
-          </a:p>
-          <a:p>
-            <a:pPr marL="0" indent="0">
-              <a:buNone/>
-            </a:pPr>
-            <a:r>
-              <a:rPr lang="en-US" sz="1900" dirty="0">
-                <a:latin typeface="Courier New" panose="02070309020205020404" pitchFamily="49" charset="0"/>
-                <a:cs typeface="Courier New" panose="02070309020205020404" pitchFamily="49" charset="0"/>
-              </a:rPr>
-              <a:t>	return buggies;</a:t>
-            </a:r>
-          </a:p>
-          <a:p>
-            <a:pPr marL="0" indent="0">
-              <a:buNone/>
-            </a:pPr>
-            <a:r>
-              <a:rPr lang="en-US" sz="1900" dirty="0">
-                <a:latin typeface="Courier New" panose="02070309020205020404" pitchFamily="49" charset="0"/>
-                <a:cs typeface="Courier New" panose="02070309020205020404" pitchFamily="49" charset="0"/>
-              </a:rPr>
-              <a:t>}</a:t>
-            </a:r>
-          </a:p>
-          <a:p>
-            <a:pPr marL="0" indent="0">
-              <a:buNone/>
-            </a:pPr>
-            <a:endParaRPr lang="en-US" sz="1900" dirty="0"/>
           </a:p>
         </p:txBody>
       </p:sp>
     </p:spTree>
     <p:extLst>
       <p:ext uri="{BB962C8B-B14F-4D97-AF65-F5344CB8AC3E}">
-        <p14:creationId xmlns:p14="http://schemas.microsoft.com/office/powerpoint/2010/main" val="3676021339"/>
+        <p14:creationId xmlns:p14="http://schemas.microsoft.com/office/powerpoint/2010/main" val="2141245490"/>
       </p:ext>
     </p:extLst>
   </p:cSld>
   <p:clrMapOvr>
     <a:masterClrMapping/>
   </p:clrMapOvr>
+  <p:timing>
+    <p:tnLst>
+      <p:par>
+        <p:cTn id="1" dur="indefinite" restart="never" nodeType="tmRoot">
+          <p:childTnLst>
+            <p:seq concurrent="1" nextAc="seek">
+              <p:cTn id="2" dur="indefinite" nodeType="mainSeq">
+                <p:childTnLst>
+                  <p:par>
+                    <p:cTn id="3" fill="hold">
+                      <p:stCondLst>
+                        <p:cond delay="indefinite"/>
+                      </p:stCondLst>
+                      <p:childTnLst>
+                        <p:par>
+                          <p:cTn id="4" fill="hold">
+                            <p:stCondLst>
+                              <p:cond delay="0"/>
+                            </p:stCondLst>
+                            <p:childTnLst>
+                              <p:par>
+                                <p:cTn id="5" presetID="1" presetClass="entr" presetSubtype="0" fill="hold" nodeType="clickEffect">
+                                  <p:stCondLst>
+                                    <p:cond delay="0"/>
+                                  </p:stCondLst>
+                                  <p:childTnLst>
+                                    <p:set>
+                                      <p:cBhvr>
+                                        <p:cTn id="6" dur="1" fill="hold">
+                                          <p:stCondLst>
+                                            <p:cond delay="0"/>
+                                          </p:stCondLst>
+                                        </p:cTn>
+                                        <p:tgtEl>
+                                          <p:spTgt spid="3">
+                                            <p:txEl>
+                                              <p:pRg st="4" end="4"/>
+                                            </p:txEl>
+                                          </p:spTgt>
+                                        </p:tgtEl>
+                                        <p:attrNameLst>
+                                          <p:attrName>style.visibility</p:attrName>
+                                        </p:attrNameLst>
+                                      </p:cBhvr>
+                                      <p:to>
+                                        <p:strVal val="visible"/>
+                                      </p:to>
+                                    </p:set>
+                                  </p:childTnLst>
+                                </p:cTn>
+                              </p:par>
+                              <p:par>
+                                <p:cTn id="7" presetID="1" presetClass="entr" presetSubtype="0" fill="hold" nodeType="withEffect">
+                                  <p:stCondLst>
+                                    <p:cond delay="0"/>
+                                  </p:stCondLst>
+                                  <p:childTnLst>
+                                    <p:set>
+                                      <p:cBhvr>
+                                        <p:cTn id="8" dur="1" fill="hold">
+                                          <p:stCondLst>
+                                            <p:cond delay="0"/>
+                                          </p:stCondLst>
+                                        </p:cTn>
+                                        <p:tgtEl>
+                                          <p:spTgt spid="3">
+                                            <p:txEl>
+                                              <p:pRg st="5" end="5"/>
+                                            </p:txEl>
+                                          </p:spTgt>
+                                        </p:tgtEl>
+                                        <p:attrNameLst>
+                                          <p:attrName>style.visibility</p:attrName>
+                                        </p:attrNameLst>
+                                      </p:cBhvr>
+                                      <p:to>
+                                        <p:strVal val="visible"/>
+                                      </p:to>
+                                    </p:set>
+                                  </p:childTnLst>
+                                </p:cTn>
+                              </p:par>
+                              <p:par>
+                                <p:cTn id="9" presetID="1" presetClass="entr" presetSubtype="0" fill="hold" nodeType="withEffect">
+                                  <p:stCondLst>
+                                    <p:cond delay="0"/>
+                                  </p:stCondLst>
+                                  <p:childTnLst>
+                                    <p:set>
+                                      <p:cBhvr>
+                                        <p:cTn id="10" dur="1" fill="hold">
+                                          <p:stCondLst>
+                                            <p:cond delay="0"/>
+                                          </p:stCondLst>
+                                        </p:cTn>
+                                        <p:tgtEl>
+                                          <p:spTgt spid="3">
+                                            <p:txEl>
+                                              <p:pRg st="6" end="6"/>
+                                            </p:txEl>
+                                          </p:spTgt>
+                                        </p:tgtEl>
+                                        <p:attrNameLst>
+                                          <p:attrName>style.visibility</p:attrName>
+                                        </p:attrNameLst>
+                                      </p:cBhvr>
+                                      <p:to>
+                                        <p:strVal val="visible"/>
+                                      </p:to>
+                                    </p:set>
+                                  </p:childTnLst>
+                                </p:cTn>
+                              </p:par>
+                              <p:par>
+                                <p:cTn id="11" presetID="1" presetClass="entr" presetSubtype="0" fill="hold" nodeType="withEffect">
+                                  <p:stCondLst>
+                                    <p:cond delay="0"/>
+                                  </p:stCondLst>
+                                  <p:childTnLst>
+                                    <p:set>
+                                      <p:cBhvr>
+                                        <p:cTn id="12" dur="1" fill="hold">
+                                          <p:stCondLst>
+                                            <p:cond delay="0"/>
+                                          </p:stCondLst>
+                                        </p:cTn>
+                                        <p:tgtEl>
+                                          <p:spTgt spid="3">
+                                            <p:txEl>
+                                              <p:pRg st="7" end="7"/>
+                                            </p:txEl>
+                                          </p:spTgt>
+                                        </p:tgtEl>
+                                        <p:attrNameLst>
+                                          <p:attrName>style.visibility</p:attrName>
+                                        </p:attrNameLst>
+                                      </p:cBhvr>
+                                      <p:to>
+                                        <p:strVal val="visible"/>
+                                      </p:to>
+                                    </p:set>
+                                  </p:childTnLst>
+                                </p:cTn>
+                              </p:par>
+                              <p:par>
+                                <p:cTn id="13" presetID="1" presetClass="entr" presetSubtype="0" fill="hold" nodeType="withEffect">
+                                  <p:stCondLst>
+                                    <p:cond delay="0"/>
+                                  </p:stCondLst>
+                                  <p:childTnLst>
+                                    <p:set>
+                                      <p:cBhvr>
+                                        <p:cTn id="14" dur="1" fill="hold">
+                                          <p:stCondLst>
+                                            <p:cond delay="0"/>
+                                          </p:stCondLst>
+                                        </p:cTn>
+                                        <p:tgtEl>
+                                          <p:spTgt spid="3">
+                                            <p:txEl>
+                                              <p:pRg st="8" end="8"/>
+                                            </p:txEl>
+                                          </p:spTgt>
+                                        </p:tgtEl>
+                                        <p:attrNameLst>
+                                          <p:attrName>style.visibility</p:attrName>
+                                        </p:attrNameLst>
+                                      </p:cBhvr>
+                                      <p:to>
+                                        <p:strVal val="visible"/>
+                                      </p:to>
+                                    </p:set>
+                                  </p:childTnLst>
+                                </p:cTn>
+                              </p:par>
+                            </p:childTnLst>
+                          </p:cTn>
+                        </p:par>
+                      </p:childTnLst>
+                    </p:cTn>
+                  </p:par>
+                </p:childTnLst>
+              </p:cTn>
+              <p:prevCondLst>
+                <p:cond evt="onPrev" delay="0">
+                  <p:tgtEl>
+                    <p:sldTgt/>
+                  </p:tgtEl>
+                </p:cond>
+              </p:prevCondLst>
+              <p:nextCondLst>
+                <p:cond evt="onNext" delay="0">
+                  <p:tgtEl>
+                    <p:sldTgt/>
+                  </p:tgtEl>
+                </p:cond>
+              </p:nextCondLst>
+            </p:seq>
+          </p:childTnLst>
+        </p:cTn>
+      </p:par>
+    </p:tnLst>
+  </p:timing>
 </p:sld>
 </file>
 
@@ -9924,6 +12367,10 @@
           <a:bodyPr/>
           <a:lstStyle/>
           <a:p>
+            <a:r>
+              <a:rPr lang="en-US" dirty="0" err="1"/>
+              <a:t>ArrayList</a:t>
+            </a:r>
             <a:endParaRPr lang="en-US" dirty="0"/>
           </a:p>
         </p:txBody>
@@ -9954,20 +12401,271 @@
           <a:bodyPr/>
           <a:lstStyle/>
           <a:p>
-            <a:endParaRPr lang="en-US" dirty="0"/>
+            <a:pPr marL="0" indent="0">
+              <a:buNone/>
+            </a:pPr>
+            <a:endParaRPr lang="en-US" dirty="0">
+              <a:latin typeface="Gill Sans MT" panose="020B0502020104020203" pitchFamily="34" charset="77"/>
+              <a:cs typeface="Courier New" panose="02070309020205020404" pitchFamily="49" charset="0"/>
+            </a:endParaRPr>
+          </a:p>
+          <a:p>
+            <a:pPr marL="0" indent="0">
+              <a:buNone/>
+            </a:pPr>
+            <a:r>
+              <a:rPr lang="en-US" dirty="0">
+                <a:latin typeface="Gill Sans MT" panose="020B0502020104020203" pitchFamily="34" charset="77"/>
+                <a:cs typeface="Courier New" panose="02070309020205020404" pitchFamily="49" charset="0"/>
+              </a:rPr>
+              <a:t>Remember for </a:t>
+            </a:r>
+            <a:r>
+              <a:rPr lang="en-US" dirty="0" err="1">
+                <a:latin typeface="Gill Sans MT" panose="020B0502020104020203" pitchFamily="34" charset="77"/>
+                <a:cs typeface="Courier New" panose="02070309020205020404" pitchFamily="49" charset="0"/>
+              </a:rPr>
+              <a:t>Arraylists</a:t>
+            </a:r>
+            <a:r>
+              <a:rPr lang="en-US" dirty="0">
+                <a:latin typeface="Gill Sans MT" panose="020B0502020104020203" pitchFamily="34" charset="77"/>
+                <a:cs typeface="Courier New" panose="02070309020205020404" pitchFamily="49" charset="0"/>
+              </a:rPr>
+              <a:t> that if you remove an item, items to the right of it will shift left!</a:t>
+            </a:r>
+          </a:p>
+          <a:p>
+            <a:pPr marL="0" indent="0">
+              <a:buNone/>
+            </a:pPr>
+            <a:endParaRPr lang="en-US" dirty="0">
+              <a:latin typeface="Gill Sans MT" panose="020B0502020104020203" pitchFamily="34" charset="77"/>
+              <a:cs typeface="Courier New" panose="02070309020205020404" pitchFamily="49" charset="0"/>
+            </a:endParaRPr>
+          </a:p>
+          <a:p>
+            <a:pPr marL="0" indent="0">
+              <a:buNone/>
+            </a:pPr>
+            <a:r>
+              <a:rPr lang="en-US" dirty="0">
+                <a:latin typeface="Gill Sans MT" panose="020B0502020104020203" pitchFamily="34" charset="77"/>
+                <a:cs typeface="Courier New" panose="02070309020205020404" pitchFamily="49" charset="0"/>
+              </a:rPr>
+              <a:t>And if you add an item to the list, items will shift right to accommodate!</a:t>
+            </a:r>
+          </a:p>
+          <a:p>
+            <a:pPr marL="0" indent="0">
+              <a:buNone/>
+            </a:pPr>
+            <a:endParaRPr lang="en-US" dirty="0">
+              <a:latin typeface="Gill Sans MT" panose="020B0502020104020203" pitchFamily="34" charset="77"/>
+              <a:cs typeface="Courier New" panose="02070309020205020404" pitchFamily="49" charset="0"/>
+            </a:endParaRPr>
+          </a:p>
+          <a:p>
+            <a:pPr marL="0" indent="0">
+              <a:buNone/>
+            </a:pPr>
+            <a:r>
+              <a:rPr lang="en-US" dirty="0">
+                <a:latin typeface="Gill Sans MT" panose="020B0502020104020203" pitchFamily="34" charset="77"/>
+                <a:cs typeface="Courier New" panose="02070309020205020404" pitchFamily="49" charset="0"/>
+              </a:rPr>
+              <a:t>Make sure to take this into account when you are adding or removing items. </a:t>
+            </a:r>
           </a:p>
         </p:txBody>
       </p:sp>
     </p:spTree>
     <p:extLst>
       <p:ext uri="{BB962C8B-B14F-4D97-AF65-F5344CB8AC3E}">
-        <p14:creationId xmlns:p14="http://schemas.microsoft.com/office/powerpoint/2010/main" val="1133356598"/>
+        <p14:creationId xmlns:p14="http://schemas.microsoft.com/office/powerpoint/2010/main" val="1149324039"/>
       </p:ext>
     </p:extLst>
   </p:cSld>
   <p:clrMapOvr>
     <a:masterClrMapping/>
   </p:clrMapOvr>
+  <p:timing>
+    <p:tnLst>
+      <p:par>
+        <p:cTn id="1" dur="indefinite" restart="never" nodeType="tmRoot">
+          <p:childTnLst>
+            <p:seq concurrent="1" nextAc="seek">
+              <p:cTn id="2" dur="indefinite" nodeType="mainSeq">
+                <p:childTnLst>
+                  <p:par>
+                    <p:cTn id="3" fill="hold">
+                      <p:stCondLst>
+                        <p:cond delay="indefinite"/>
+                      </p:stCondLst>
+                      <p:childTnLst>
+                        <p:par>
+                          <p:cTn id="4" fill="hold">
+                            <p:stCondLst>
+                              <p:cond delay="0"/>
+                            </p:stCondLst>
+                            <p:childTnLst>
+                              <p:par>
+                                <p:cTn id="5" presetID="1" presetClass="entr" presetSubtype="0" fill="hold" nodeType="clickEffect">
+                                  <p:stCondLst>
+                                    <p:cond delay="0"/>
+                                  </p:stCondLst>
+                                  <p:childTnLst>
+                                    <p:set>
+                                      <p:cBhvr>
+                                        <p:cTn id="6" dur="1" fill="hold">
+                                          <p:stCondLst>
+                                            <p:cond delay="0"/>
+                                          </p:stCondLst>
+                                        </p:cTn>
+                                        <p:tgtEl>
+                                          <p:spTgt spid="3">
+                                            <p:txEl>
+                                              <p:pRg st="1" end="1"/>
+                                            </p:txEl>
+                                          </p:spTgt>
+                                        </p:tgtEl>
+                                        <p:attrNameLst>
+                                          <p:attrName>style.visibility</p:attrName>
+                                        </p:attrNameLst>
+                                      </p:cBhvr>
+                                      <p:to>
+                                        <p:strVal val="visible"/>
+                                      </p:to>
+                                    </p:set>
+                                  </p:childTnLst>
+                                </p:cTn>
+                              </p:par>
+                            </p:childTnLst>
+                          </p:cTn>
+                        </p:par>
+                      </p:childTnLst>
+                    </p:cTn>
+                  </p:par>
+                  <p:par>
+                    <p:cTn id="7" fill="hold">
+                      <p:stCondLst>
+                        <p:cond delay="indefinite"/>
+                      </p:stCondLst>
+                      <p:childTnLst>
+                        <p:par>
+                          <p:cTn id="8" fill="hold">
+                            <p:stCondLst>
+                              <p:cond delay="0"/>
+                            </p:stCondLst>
+                            <p:childTnLst>
+                              <p:par>
+                                <p:cTn id="9" presetID="1" presetClass="entr" presetSubtype="0" fill="hold" nodeType="clickEffect">
+                                  <p:stCondLst>
+                                    <p:cond delay="0"/>
+                                  </p:stCondLst>
+                                  <p:childTnLst>
+                                    <p:set>
+                                      <p:cBhvr>
+                                        <p:cTn id="10" dur="1" fill="hold">
+                                          <p:stCondLst>
+                                            <p:cond delay="0"/>
+                                          </p:stCondLst>
+                                        </p:cTn>
+                                        <p:tgtEl>
+                                          <p:spTgt spid="3">
+                                            <p:txEl>
+                                              <p:pRg st="3" end="3"/>
+                                            </p:txEl>
+                                          </p:spTgt>
+                                        </p:tgtEl>
+                                        <p:attrNameLst>
+                                          <p:attrName>style.visibility</p:attrName>
+                                        </p:attrNameLst>
+                                      </p:cBhvr>
+                                      <p:to>
+                                        <p:strVal val="visible"/>
+                                      </p:to>
+                                    </p:set>
+                                  </p:childTnLst>
+                                </p:cTn>
+                              </p:par>
+                            </p:childTnLst>
+                          </p:cTn>
+                        </p:par>
+                      </p:childTnLst>
+                    </p:cTn>
+                  </p:par>
+                  <p:par>
+                    <p:cTn id="11" fill="hold">
+                      <p:stCondLst>
+                        <p:cond delay="indefinite"/>
+                      </p:stCondLst>
+                      <p:childTnLst>
+                        <p:par>
+                          <p:cTn id="12" fill="hold">
+                            <p:stCondLst>
+                              <p:cond delay="0"/>
+                            </p:stCondLst>
+                            <p:childTnLst>
+                              <p:par>
+                                <p:cTn id="13" presetID="1" presetClass="entr" presetSubtype="0" fill="hold" nodeType="clickEffect">
+                                  <p:stCondLst>
+                                    <p:cond delay="0"/>
+                                  </p:stCondLst>
+                                  <p:childTnLst>
+                                    <p:set>
+                                      <p:cBhvr>
+                                        <p:cTn id="14" dur="1" fill="hold">
+                                          <p:stCondLst>
+                                            <p:cond delay="0"/>
+                                          </p:stCondLst>
+                                        </p:cTn>
+                                        <p:tgtEl>
+                                          <p:spTgt spid="3">
+                                            <p:txEl>
+                                              <p:pRg st="5" end="5"/>
+                                            </p:txEl>
+                                          </p:spTgt>
+                                        </p:tgtEl>
+                                        <p:attrNameLst>
+                                          <p:attrName>style.visibility</p:attrName>
+                                        </p:attrNameLst>
+                                      </p:cBhvr>
+                                      <p:to>
+                                        <p:strVal val="visible"/>
+                                      </p:to>
+                                    </p:set>
+                                  </p:childTnLst>
+                                </p:cTn>
+                              </p:par>
+                            </p:childTnLst>
+                          </p:cTn>
+                        </p:par>
+                      </p:childTnLst>
+                    </p:cTn>
+                  </p:par>
+                </p:childTnLst>
+              </p:cTn>
+              <p:prevCondLst>
+                <p:cond evt="onPrev" delay="0">
+                  <p:tgtEl>
+                    <p:sldTgt/>
+                  </p:tgtEl>
+                </p:cond>
+              </p:prevCondLst>
+              <p:nextCondLst>
+                <p:cond evt="onNext" delay="0">
+                  <p:tgtEl>
+                    <p:sldTgt/>
+                  </p:tgtEl>
+                </p:cond>
+              </p:nextCondLst>
+            </p:seq>
+          </p:childTnLst>
+        </p:cTn>
+      </p:par>
+    </p:tnLst>
+  </p:timing>
 </p:sld>
 </file>
 
@@ -10014,7 +12712,14 @@
           <a:bodyPr/>
           <a:lstStyle/>
           <a:p>
-            <a:endParaRPr lang="en-US" dirty="0"/>
+            <a:r>
+              <a:rPr lang="en-US" dirty="0" err="1"/>
+              <a:t>ArrayList</a:t>
+            </a:r>
+            <a:r>
+              <a:rPr lang="en-US" dirty="0"/>
+              <a:t>/1D Array Tips</a:t>
+            </a:r>
           </a:p>
         </p:txBody>
       </p:sp>
@@ -10044,20 +12749,592 @@
           <a:bodyPr/>
           <a:lstStyle/>
           <a:p>
+            <a:pPr marL="0" indent="0">
+              <a:buNone/>
+            </a:pPr>
+            <a:r>
+              <a:rPr lang="en-US" dirty="0"/>
+              <a:t>When using the </a:t>
+            </a:r>
+            <a:r>
+              <a:rPr lang="en-US" dirty="0" err="1"/>
+              <a:t>ArrayList</a:t>
+            </a:r>
+            <a:r>
+              <a:rPr lang="en-US" dirty="0"/>
+              <a:t> method remove(), remember you can only REMOVE BY INDEX (not by object), so you must use a traditional for loop (and NOT a for each loop).</a:t>
+            </a:r>
+          </a:p>
+          <a:p>
+            <a:pPr marL="0" indent="0">
+              <a:buNone/>
+            </a:pPr>
             <a:endParaRPr lang="en-US" dirty="0"/>
+          </a:p>
+          <a:p>
+            <a:pPr marL="0" indent="0">
+              <a:buNone/>
+            </a:pPr>
+            <a:r>
+              <a:rPr lang="en-US" dirty="0"/>
+              <a:t>for(int </a:t>
+            </a:r>
+            <a:r>
+              <a:rPr lang="en-US" dirty="0" err="1"/>
+              <a:t>i</a:t>
+            </a:r>
+            <a:r>
+              <a:rPr lang="en-US" dirty="0"/>
+              <a:t>=0; </a:t>
+            </a:r>
+            <a:r>
+              <a:rPr lang="en-US" dirty="0" err="1"/>
+              <a:t>i</a:t>
+            </a:r>
+            <a:r>
+              <a:rPr lang="en-US" dirty="0"/>
+              <a:t>&lt;</a:t>
+            </a:r>
+            <a:r>
+              <a:rPr lang="en-US" dirty="0" err="1"/>
+              <a:t>list.size</a:t>
+            </a:r>
+            <a:r>
+              <a:rPr lang="en-US" dirty="0"/>
+              <a:t>(); </a:t>
+            </a:r>
+            <a:r>
+              <a:rPr lang="en-US" dirty="0" err="1"/>
+              <a:t>i</a:t>
+            </a:r>
+            <a:r>
+              <a:rPr lang="en-US" dirty="0"/>
+              <a:t>++){</a:t>
+            </a:r>
+          </a:p>
+          <a:p>
+            <a:pPr marL="0" indent="0">
+              <a:buNone/>
+            </a:pPr>
+            <a:r>
+              <a:rPr lang="en-US" dirty="0"/>
+              <a:t>	if(</a:t>
+            </a:r>
+            <a:r>
+              <a:rPr lang="en-US" dirty="0" err="1"/>
+              <a:t>list.get</a:t>
+            </a:r>
+            <a:r>
+              <a:rPr lang="en-US" dirty="0"/>
+              <a:t>(</a:t>
+            </a:r>
+            <a:r>
+              <a:rPr lang="en-US" dirty="0" err="1"/>
+              <a:t>i</a:t>
+            </a:r>
+            <a:r>
+              <a:rPr lang="en-US" dirty="0"/>
+              <a:t>).</a:t>
+            </a:r>
+            <a:r>
+              <a:rPr lang="en-US" dirty="0" err="1"/>
+              <a:t>getScore</a:t>
+            </a:r>
+            <a:r>
+              <a:rPr lang="en-US" dirty="0"/>
+              <a:t>() &lt;= 50)</a:t>
+            </a:r>
+          </a:p>
+          <a:p>
+            <a:pPr marL="0" indent="0">
+              <a:buNone/>
+            </a:pPr>
+            <a:r>
+              <a:rPr lang="en-US" dirty="0"/>
+              <a:t>		</a:t>
+            </a:r>
+            <a:r>
+              <a:rPr lang="en-US" dirty="0" err="1"/>
+              <a:t>list.remove</a:t>
+            </a:r>
+            <a:r>
+              <a:rPr lang="en-US" dirty="0"/>
+              <a:t>(</a:t>
+            </a:r>
+            <a:r>
+              <a:rPr lang="en-US" dirty="0" err="1"/>
+              <a:t>i</a:t>
+            </a:r>
+            <a:r>
+              <a:rPr lang="en-US" dirty="0"/>
+              <a:t>--); </a:t>
+            </a:r>
+            <a:r>
+              <a:rPr lang="en-US" b="1" dirty="0"/>
+              <a:t>//AND don’t forget to </a:t>
+            </a:r>
+            <a:r>
+              <a:rPr lang="en-US" b="1" u="sng" dirty="0"/>
+              <a:t>decrement</a:t>
+            </a:r>
+            <a:r>
+              <a:rPr lang="en-US" b="1" dirty="0"/>
+              <a:t> the index!</a:t>
+            </a:r>
+            <a:endParaRPr lang="en-US" dirty="0"/>
+          </a:p>
+          <a:p>
+            <a:pPr marL="0" indent="0">
+              <a:buNone/>
+            </a:pPr>
+            <a:r>
+              <a:rPr lang="en-US" dirty="0"/>
+              <a:t>} </a:t>
+            </a:r>
+            <a:endParaRPr lang="en-US" b="1" dirty="0"/>
+          </a:p>
+          <a:p>
+            <a:pPr marL="0" indent="0">
+              <a:buNone/>
+            </a:pPr>
+            <a:r>
+              <a:rPr lang="en-US" b="1" dirty="0"/>
+              <a:t>//OR traverse the list backwards, i.e. </a:t>
+            </a:r>
+          </a:p>
+          <a:p>
+            <a:pPr marL="0" indent="0">
+              <a:buNone/>
+            </a:pPr>
+            <a:r>
+              <a:rPr lang="en-US" b="1" dirty="0"/>
+              <a:t>for(int </a:t>
+            </a:r>
+            <a:r>
+              <a:rPr lang="en-US" b="1" dirty="0" err="1"/>
+              <a:t>i</a:t>
+            </a:r>
+            <a:r>
+              <a:rPr lang="en-US" b="1" dirty="0"/>
+              <a:t>=</a:t>
+            </a:r>
+            <a:r>
+              <a:rPr lang="en-US" b="1" dirty="0" err="1"/>
+              <a:t>list.size</a:t>
+            </a:r>
+            <a:r>
+              <a:rPr lang="en-US" b="1" dirty="0"/>
+              <a:t>()-1, </a:t>
+            </a:r>
+            <a:r>
+              <a:rPr lang="en-US" b="1" dirty="0" err="1"/>
+              <a:t>i</a:t>
+            </a:r>
+            <a:r>
+              <a:rPr lang="en-US" b="1" dirty="0"/>
+              <a:t>&gt;=0, </a:t>
+            </a:r>
+            <a:r>
+              <a:rPr lang="en-US" b="1" dirty="0" err="1"/>
+              <a:t>i</a:t>
+            </a:r>
+            <a:r>
+              <a:rPr lang="en-US" b="1" dirty="0"/>
+              <a:t>--){</a:t>
+            </a:r>
+            <a:endParaRPr lang="en-US" dirty="0"/>
+          </a:p>
+          <a:p>
+            <a:pPr marL="0" indent="0">
+              <a:buNone/>
+            </a:pPr>
+            <a:r>
+              <a:rPr lang="en-US" dirty="0"/>
+              <a:t>	if(</a:t>
+            </a:r>
+            <a:r>
+              <a:rPr lang="en-US" dirty="0" err="1"/>
+              <a:t>list.get</a:t>
+            </a:r>
+            <a:r>
+              <a:rPr lang="en-US" dirty="0"/>
+              <a:t>(</a:t>
+            </a:r>
+            <a:r>
+              <a:rPr lang="en-US" dirty="0" err="1"/>
+              <a:t>i</a:t>
+            </a:r>
+            <a:r>
+              <a:rPr lang="en-US" dirty="0"/>
+              <a:t>).</a:t>
+            </a:r>
+            <a:r>
+              <a:rPr lang="en-US" dirty="0" err="1"/>
+              <a:t>getScore</a:t>
+            </a:r>
+            <a:r>
+              <a:rPr lang="en-US" dirty="0"/>
+              <a:t>() &lt;= 50)</a:t>
+            </a:r>
+          </a:p>
+          <a:p>
+            <a:pPr marL="0" indent="0">
+              <a:buNone/>
+            </a:pPr>
+            <a:r>
+              <a:rPr lang="en-US" dirty="0"/>
+              <a:t>		</a:t>
+            </a:r>
+            <a:r>
+              <a:rPr lang="en-US" dirty="0" err="1"/>
+              <a:t>list.remove</a:t>
+            </a:r>
+            <a:r>
+              <a:rPr lang="en-US" dirty="0"/>
+              <a:t>(</a:t>
+            </a:r>
+            <a:r>
+              <a:rPr lang="en-US" dirty="0" err="1"/>
+              <a:t>i</a:t>
+            </a:r>
+            <a:r>
+              <a:rPr lang="en-US" dirty="0"/>
+              <a:t>--); </a:t>
+            </a:r>
+            <a:br>
+              <a:rPr lang="en-US" dirty="0"/>
+            </a:br>
+            <a:r>
+              <a:rPr lang="en-US" dirty="0"/>
+              <a:t>}</a:t>
+            </a:r>
           </a:p>
         </p:txBody>
       </p:sp>
     </p:spTree>
     <p:extLst>
       <p:ext uri="{BB962C8B-B14F-4D97-AF65-F5344CB8AC3E}">
-        <p14:creationId xmlns:p14="http://schemas.microsoft.com/office/powerpoint/2010/main" val="1789203214"/>
+        <p14:creationId xmlns:p14="http://schemas.microsoft.com/office/powerpoint/2010/main" val="1133356598"/>
       </p:ext>
     </p:extLst>
   </p:cSld>
   <p:clrMapOvr>
     <a:masterClrMapping/>
   </p:clrMapOvr>
+  <p:timing>
+    <p:tnLst>
+      <p:par>
+        <p:cTn id="1" dur="indefinite" restart="never" nodeType="tmRoot">
+          <p:childTnLst>
+            <p:seq concurrent="1" nextAc="seek">
+              <p:cTn id="2" dur="indefinite" nodeType="mainSeq">
+                <p:childTnLst>
+                  <p:par>
+                    <p:cTn id="3" fill="hold">
+                      <p:stCondLst>
+                        <p:cond delay="indefinite"/>
+                      </p:stCondLst>
+                      <p:childTnLst>
+                        <p:par>
+                          <p:cTn id="4" fill="hold">
+                            <p:stCondLst>
+                              <p:cond delay="0"/>
+                            </p:stCondLst>
+                            <p:childTnLst>
+                              <p:par>
+                                <p:cTn id="5" presetID="1" presetClass="entr" presetSubtype="0" fill="hold" nodeType="clickEffect">
+                                  <p:stCondLst>
+                                    <p:cond delay="0"/>
+                                  </p:stCondLst>
+                                  <p:childTnLst>
+                                    <p:set>
+                                      <p:cBhvr>
+                                        <p:cTn id="6" dur="1" fill="hold">
+                                          <p:stCondLst>
+                                            <p:cond delay="0"/>
+                                          </p:stCondLst>
+                                        </p:cTn>
+                                        <p:tgtEl>
+                                          <p:spTgt spid="3">
+                                            <p:txEl>
+                                              <p:pRg st="2" end="2"/>
+                                            </p:txEl>
+                                          </p:spTgt>
+                                        </p:tgtEl>
+                                        <p:attrNameLst>
+                                          <p:attrName>style.visibility</p:attrName>
+                                        </p:attrNameLst>
+                                      </p:cBhvr>
+                                      <p:to>
+                                        <p:strVal val="visible"/>
+                                      </p:to>
+                                    </p:set>
+                                  </p:childTnLst>
+                                </p:cTn>
+                              </p:par>
+                              <p:par>
+                                <p:cTn id="7" presetID="1" presetClass="entr" presetSubtype="0" fill="hold" nodeType="withEffect">
+                                  <p:stCondLst>
+                                    <p:cond delay="0"/>
+                                  </p:stCondLst>
+                                  <p:childTnLst>
+                                    <p:set>
+                                      <p:cBhvr>
+                                        <p:cTn id="8" dur="1" fill="hold">
+                                          <p:stCondLst>
+                                            <p:cond delay="0"/>
+                                          </p:stCondLst>
+                                        </p:cTn>
+                                        <p:tgtEl>
+                                          <p:spTgt spid="3">
+                                            <p:txEl>
+                                              <p:pRg st="3" end="3"/>
+                                            </p:txEl>
+                                          </p:spTgt>
+                                        </p:tgtEl>
+                                        <p:attrNameLst>
+                                          <p:attrName>style.visibility</p:attrName>
+                                        </p:attrNameLst>
+                                      </p:cBhvr>
+                                      <p:to>
+                                        <p:strVal val="visible"/>
+                                      </p:to>
+                                    </p:set>
+                                  </p:childTnLst>
+                                </p:cTn>
+                              </p:par>
+                              <p:par>
+                                <p:cTn id="9" presetID="1" presetClass="entr" presetSubtype="0" fill="hold" nodeType="withEffect">
+                                  <p:stCondLst>
+                                    <p:cond delay="0"/>
+                                  </p:stCondLst>
+                                  <p:childTnLst>
+                                    <p:set>
+                                      <p:cBhvr>
+                                        <p:cTn id="10" dur="1" fill="hold">
+                                          <p:stCondLst>
+                                            <p:cond delay="0"/>
+                                          </p:stCondLst>
+                                        </p:cTn>
+                                        <p:tgtEl>
+                                          <p:spTgt spid="3">
+                                            <p:txEl>
+                                              <p:pRg st="4" end="4"/>
+                                            </p:txEl>
+                                          </p:spTgt>
+                                        </p:tgtEl>
+                                        <p:attrNameLst>
+                                          <p:attrName>style.visibility</p:attrName>
+                                        </p:attrNameLst>
+                                      </p:cBhvr>
+                                      <p:to>
+                                        <p:strVal val="visible"/>
+                                      </p:to>
+                                    </p:set>
+                                  </p:childTnLst>
+                                </p:cTn>
+                              </p:par>
+                              <p:par>
+                                <p:cTn id="11" presetID="1" presetClass="entr" presetSubtype="0" fill="hold" nodeType="withEffect">
+                                  <p:stCondLst>
+                                    <p:cond delay="0"/>
+                                  </p:stCondLst>
+                                  <p:childTnLst>
+                                    <p:set>
+                                      <p:cBhvr>
+                                        <p:cTn id="12" dur="1" fill="hold">
+                                          <p:stCondLst>
+                                            <p:cond delay="0"/>
+                                          </p:stCondLst>
+                                        </p:cTn>
+                                        <p:tgtEl>
+                                          <p:spTgt spid="3">
+                                            <p:txEl>
+                                              <p:pRg st="5" end="5"/>
+                                            </p:txEl>
+                                          </p:spTgt>
+                                        </p:tgtEl>
+                                        <p:attrNameLst>
+                                          <p:attrName>style.visibility</p:attrName>
+                                        </p:attrNameLst>
+                                      </p:cBhvr>
+                                      <p:to>
+                                        <p:strVal val="visible"/>
+                                      </p:to>
+                                    </p:set>
+                                  </p:childTnLst>
+                                </p:cTn>
+                              </p:par>
+                            </p:childTnLst>
+                          </p:cTn>
+                        </p:par>
+                      </p:childTnLst>
+                    </p:cTn>
+                  </p:par>
+                  <p:par>
+                    <p:cTn id="13" fill="hold">
+                      <p:stCondLst>
+                        <p:cond delay="indefinite"/>
+                      </p:stCondLst>
+                      <p:childTnLst>
+                        <p:par>
+                          <p:cTn id="14" fill="hold">
+                            <p:stCondLst>
+                              <p:cond delay="0"/>
+                            </p:stCondLst>
+                            <p:childTnLst>
+                              <p:par>
+                                <p:cTn id="15" presetID="1" presetClass="entr" presetSubtype="0" fill="hold" nodeType="clickEffect">
+                                  <p:stCondLst>
+                                    <p:cond delay="0"/>
+                                  </p:stCondLst>
+                                  <p:childTnLst>
+                                    <p:set>
+                                      <p:cBhvr>
+                                        <p:cTn id="16" dur="1" fill="hold">
+                                          <p:stCondLst>
+                                            <p:cond delay="0"/>
+                                          </p:stCondLst>
+                                        </p:cTn>
+                                        <p:tgtEl>
+                                          <p:spTgt spid="3">
+                                            <p:txEl>
+                                              <p:pRg st="6" end="6"/>
+                                            </p:txEl>
+                                          </p:spTgt>
+                                        </p:tgtEl>
+                                        <p:attrNameLst>
+                                          <p:attrName>style.visibility</p:attrName>
+                                        </p:attrNameLst>
+                                      </p:cBhvr>
+                                      <p:to>
+                                        <p:strVal val="visible"/>
+                                      </p:to>
+                                    </p:set>
+                                  </p:childTnLst>
+                                </p:cTn>
+                              </p:par>
+                              <p:par>
+                                <p:cTn id="17" presetID="1" presetClass="entr" presetSubtype="0" fill="hold" nodeType="withEffect">
+                                  <p:stCondLst>
+                                    <p:cond delay="0"/>
+                                  </p:stCondLst>
+                                  <p:childTnLst>
+                                    <p:set>
+                                      <p:cBhvr>
+                                        <p:cTn id="18" dur="1" fill="hold">
+                                          <p:stCondLst>
+                                            <p:cond delay="0"/>
+                                          </p:stCondLst>
+                                        </p:cTn>
+                                        <p:tgtEl>
+                                          <p:spTgt spid="3">
+                                            <p:txEl>
+                                              <p:pRg st="7" end="7"/>
+                                            </p:txEl>
+                                          </p:spTgt>
+                                        </p:tgtEl>
+                                        <p:attrNameLst>
+                                          <p:attrName>style.visibility</p:attrName>
+                                        </p:attrNameLst>
+                                      </p:cBhvr>
+                                      <p:to>
+                                        <p:strVal val="visible"/>
+                                      </p:to>
+                                    </p:set>
+                                  </p:childTnLst>
+                                </p:cTn>
+                              </p:par>
+                              <p:par>
+                                <p:cTn id="19" presetID="1" presetClass="entr" presetSubtype="0" fill="hold" nodeType="withEffect">
+                                  <p:stCondLst>
+                                    <p:cond delay="0"/>
+                                  </p:stCondLst>
+                                  <p:childTnLst>
+                                    <p:set>
+                                      <p:cBhvr>
+                                        <p:cTn id="20" dur="1" fill="hold">
+                                          <p:stCondLst>
+                                            <p:cond delay="0"/>
+                                          </p:stCondLst>
+                                        </p:cTn>
+                                        <p:tgtEl>
+                                          <p:spTgt spid="3">
+                                            <p:txEl>
+                                              <p:pRg st="8" end="8"/>
+                                            </p:txEl>
+                                          </p:spTgt>
+                                        </p:tgtEl>
+                                        <p:attrNameLst>
+                                          <p:attrName>style.visibility</p:attrName>
+                                        </p:attrNameLst>
+                                      </p:cBhvr>
+                                      <p:to>
+                                        <p:strVal val="visible"/>
+                                      </p:to>
+                                    </p:set>
+                                  </p:childTnLst>
+                                </p:cTn>
+                              </p:par>
+                              <p:par>
+                                <p:cTn id="21" presetID="1" presetClass="entr" presetSubtype="0" fill="hold" nodeType="withEffect">
+                                  <p:stCondLst>
+                                    <p:cond delay="0"/>
+                                  </p:stCondLst>
+                                  <p:childTnLst>
+                                    <p:set>
+                                      <p:cBhvr>
+                                        <p:cTn id="22" dur="1" fill="hold">
+                                          <p:stCondLst>
+                                            <p:cond delay="0"/>
+                                          </p:stCondLst>
+                                        </p:cTn>
+                                        <p:tgtEl>
+                                          <p:spTgt spid="3">
+                                            <p:txEl>
+                                              <p:pRg st="9" end="9"/>
+                                            </p:txEl>
+                                          </p:spTgt>
+                                        </p:tgtEl>
+                                        <p:attrNameLst>
+                                          <p:attrName>style.visibility</p:attrName>
+                                        </p:attrNameLst>
+                                      </p:cBhvr>
+                                      <p:to>
+                                        <p:strVal val="visible"/>
+                                      </p:to>
+                                    </p:set>
+                                  </p:childTnLst>
+                                </p:cTn>
+                              </p:par>
+                            </p:childTnLst>
+                          </p:cTn>
+                        </p:par>
+                      </p:childTnLst>
+                    </p:cTn>
+                  </p:par>
+                </p:childTnLst>
+              </p:cTn>
+              <p:prevCondLst>
+                <p:cond evt="onPrev" delay="0">
+                  <p:tgtEl>
+                    <p:sldTgt/>
+                  </p:tgtEl>
+                </p:cond>
+              </p:prevCondLst>
+              <p:nextCondLst>
+                <p:cond evt="onNext" delay="0">
+                  <p:tgtEl>
+                    <p:sldTgt/>
+                  </p:tgtEl>
+                </p:cond>
+              </p:nextCondLst>
+            </p:seq>
+          </p:childTnLst>
+        </p:cTn>
+      </p:par>
+    </p:tnLst>
+  </p:timing>
 </p:sld>
 </file>
 
@@ -10104,7 +13381,14 @@
           <a:bodyPr/>
           <a:lstStyle/>
           <a:p>
-            <a:endParaRPr lang="en-US" dirty="0"/>
+            <a:r>
+              <a:rPr lang="en-US" dirty="0" err="1"/>
+              <a:t>ArrayList</a:t>
+            </a:r>
+            <a:r>
+              <a:rPr lang="en-US" dirty="0"/>
+              <a:t>/1D Array Tips</a:t>
+            </a:r>
           </a:p>
         </p:txBody>
       </p:sp>
@@ -10126,14 +13410,228 @@
         </p:nvSpPr>
         <p:spPr>
           <a:xfrm>
-            <a:off x="167177" y="888763"/>
-            <a:ext cx="8780270" cy="4623273"/>
+            <a:off x="167177" y="801189"/>
+            <a:ext cx="8780270" cy="4710847"/>
           </a:xfrm>
         </p:spPr>
         <p:txBody>
           <a:bodyPr/>
           <a:lstStyle/>
           <a:p>
+            <a:pPr marL="0" indent="0">
+              <a:buNone/>
+            </a:pPr>
+            <a:r>
+              <a:rPr lang="en-US" dirty="0"/>
+              <a:t>Avoid array and </a:t>
+            </a:r>
+            <a:r>
+              <a:rPr lang="en-US" dirty="0" err="1"/>
+              <a:t>ArrayList</a:t>
+            </a:r>
+            <a:r>
+              <a:rPr lang="en-US" dirty="0"/>
+              <a:t> out-of-bounds exceptions! Especially when comparing consecutive elements.</a:t>
+            </a:r>
+          </a:p>
+          <a:p>
+            <a:pPr marL="0" indent="0">
+              <a:buNone/>
+            </a:pPr>
+            <a:endParaRPr lang="en-US" dirty="0"/>
+          </a:p>
+          <a:p>
+            <a:pPr marL="0" indent="0">
+              <a:buNone/>
+            </a:pPr>
+            <a:r>
+              <a:rPr lang="en-US" err="1"/>
+              <a:t>Example</a:t>
+            </a:r>
+            <a:r>
+              <a:rPr lang="en-US"/>
+              <a:t>: You </a:t>
+            </a:r>
+            <a:r>
+              <a:rPr lang="en-US" dirty="0"/>
+              <a:t>need to compare consecutive elements to determine if the values are increasing.</a:t>
+            </a:r>
+          </a:p>
+          <a:p>
+            <a:pPr marL="0" indent="0">
+              <a:buNone/>
+            </a:pPr>
+            <a:endParaRPr lang="en-US" dirty="0">
+              <a:latin typeface="Courier New" panose="02070309020205020404" pitchFamily="49" charset="0"/>
+              <a:cs typeface="Courier New" panose="02070309020205020404" pitchFamily="49" charset="0"/>
+            </a:endParaRPr>
+          </a:p>
+          <a:p>
+            <a:pPr marL="0" indent="0">
+              <a:buNone/>
+            </a:pPr>
+            <a:r>
+              <a:rPr lang="en-US" dirty="0">
+                <a:latin typeface="Courier New" panose="02070309020205020404" pitchFamily="49" charset="0"/>
+                <a:cs typeface="Courier New" panose="02070309020205020404" pitchFamily="49" charset="0"/>
+              </a:rPr>
+              <a:t>public </a:t>
+            </a:r>
+            <a:r>
+              <a:rPr lang="en-US" dirty="0" err="1">
+                <a:latin typeface="Courier New" panose="02070309020205020404" pitchFamily="49" charset="0"/>
+                <a:cs typeface="Courier New" panose="02070309020205020404" pitchFamily="49" charset="0"/>
+              </a:rPr>
+              <a:t>boolean</a:t>
+            </a:r>
+            <a:r>
+              <a:rPr lang="en-US" dirty="0">
+                <a:latin typeface="Courier New" panose="02070309020205020404" pitchFamily="49" charset="0"/>
+                <a:cs typeface="Courier New" panose="02070309020205020404" pitchFamily="49" charset="0"/>
+              </a:rPr>
+              <a:t> increasing(int[] numbers){</a:t>
+            </a:r>
+          </a:p>
+          <a:p>
+            <a:pPr marL="0" indent="0">
+              <a:buNone/>
+            </a:pPr>
+            <a:r>
+              <a:rPr lang="en-US" dirty="0">
+                <a:latin typeface="Courier New" panose="02070309020205020404" pitchFamily="49" charset="0"/>
+                <a:cs typeface="Courier New" panose="02070309020205020404" pitchFamily="49" charset="0"/>
+              </a:rPr>
+              <a:t>	for(int </a:t>
+            </a:r>
+            <a:r>
+              <a:rPr lang="en-US" dirty="0" err="1">
+                <a:latin typeface="Courier New" panose="02070309020205020404" pitchFamily="49" charset="0"/>
+                <a:cs typeface="Courier New" panose="02070309020205020404" pitchFamily="49" charset="0"/>
+              </a:rPr>
+              <a:t>i</a:t>
+            </a:r>
+            <a:r>
+              <a:rPr lang="en-US" dirty="0">
+                <a:latin typeface="Courier New" panose="02070309020205020404" pitchFamily="49" charset="0"/>
+                <a:cs typeface="Courier New" panose="02070309020205020404" pitchFamily="49" charset="0"/>
+              </a:rPr>
+              <a:t>=0; </a:t>
+            </a:r>
+            <a:r>
+              <a:rPr lang="en-US" dirty="0" err="1">
+                <a:latin typeface="Courier New" panose="02070309020205020404" pitchFamily="49" charset="0"/>
+                <a:cs typeface="Courier New" panose="02070309020205020404" pitchFamily="49" charset="0"/>
+              </a:rPr>
+              <a:t>i</a:t>
+            </a:r>
+            <a:r>
+              <a:rPr lang="en-US" dirty="0">
+                <a:latin typeface="Courier New" panose="02070309020205020404" pitchFamily="49" charset="0"/>
+                <a:cs typeface="Courier New" panose="02070309020205020404" pitchFamily="49" charset="0"/>
+              </a:rPr>
+              <a:t> &lt; </a:t>
+            </a:r>
+            <a:r>
+              <a:rPr lang="en-US" dirty="0">
+                <a:solidFill>
+                  <a:srgbClr val="FF0000"/>
+                </a:solidFill>
+                <a:latin typeface="Courier New" panose="02070309020205020404" pitchFamily="49" charset="0"/>
+                <a:cs typeface="Courier New" panose="02070309020205020404" pitchFamily="49" charset="0"/>
+              </a:rPr>
+              <a:t>numbers.length-1</a:t>
+            </a:r>
+            <a:r>
+              <a:rPr lang="en-US" dirty="0">
+                <a:latin typeface="Courier New" panose="02070309020205020404" pitchFamily="49" charset="0"/>
+                <a:cs typeface="Courier New" panose="02070309020205020404" pitchFamily="49" charset="0"/>
+              </a:rPr>
+              <a:t>; </a:t>
+            </a:r>
+            <a:r>
+              <a:rPr lang="en-US" dirty="0" err="1">
+                <a:latin typeface="Courier New" panose="02070309020205020404" pitchFamily="49" charset="0"/>
+                <a:cs typeface="Courier New" panose="02070309020205020404" pitchFamily="49" charset="0"/>
+              </a:rPr>
+              <a:t>i</a:t>
+            </a:r>
+            <a:r>
+              <a:rPr lang="en-US" dirty="0">
+                <a:latin typeface="Courier New" panose="02070309020205020404" pitchFamily="49" charset="0"/>
+                <a:cs typeface="Courier New" panose="02070309020205020404" pitchFamily="49" charset="0"/>
+              </a:rPr>
+              <a:t>++)</a:t>
+            </a:r>
+          </a:p>
+          <a:p>
+            <a:pPr marL="0" indent="0">
+              <a:buNone/>
+            </a:pPr>
+            <a:r>
+              <a:rPr lang="en-US" dirty="0">
+                <a:latin typeface="Courier New" panose="02070309020205020404" pitchFamily="49" charset="0"/>
+                <a:cs typeface="Courier New" panose="02070309020205020404" pitchFamily="49" charset="0"/>
+              </a:rPr>
+              <a:t>		if(numbers[</a:t>
+            </a:r>
+            <a:r>
+              <a:rPr lang="en-US" dirty="0" err="1">
+                <a:latin typeface="Courier New" panose="02070309020205020404" pitchFamily="49" charset="0"/>
+                <a:cs typeface="Courier New" panose="02070309020205020404" pitchFamily="49" charset="0"/>
+              </a:rPr>
+              <a:t>i</a:t>
+            </a:r>
+            <a:r>
+              <a:rPr lang="en-US" dirty="0">
+                <a:latin typeface="Courier New" panose="02070309020205020404" pitchFamily="49" charset="0"/>
+                <a:cs typeface="Courier New" panose="02070309020205020404" pitchFamily="49" charset="0"/>
+              </a:rPr>
+              <a:t>] &gt;= numbers[i+1])</a:t>
+            </a:r>
+          </a:p>
+          <a:p>
+            <a:pPr marL="0" indent="0">
+              <a:buNone/>
+            </a:pPr>
+            <a:r>
+              <a:rPr lang="en-US" dirty="0">
+                <a:latin typeface="Courier New" panose="02070309020205020404" pitchFamily="49" charset="0"/>
+                <a:cs typeface="Courier New" panose="02070309020205020404" pitchFamily="49" charset="0"/>
+              </a:rPr>
+              <a:t>			return false;</a:t>
+            </a:r>
+          </a:p>
+          <a:p>
+            <a:pPr marL="0" indent="0">
+              <a:buNone/>
+            </a:pPr>
+            <a:r>
+              <a:rPr lang="en-US" dirty="0">
+                <a:latin typeface="Courier New" panose="02070309020205020404" pitchFamily="49" charset="0"/>
+                <a:cs typeface="Courier New" panose="02070309020205020404" pitchFamily="49" charset="0"/>
+              </a:rPr>
+              <a:t>	return true;</a:t>
+            </a:r>
+          </a:p>
+          <a:p>
+            <a:pPr marL="0" indent="0">
+              <a:buNone/>
+            </a:pPr>
+            <a:r>
+              <a:rPr lang="en-US" dirty="0">
+                <a:latin typeface="Courier New" panose="02070309020205020404" pitchFamily="49" charset="0"/>
+                <a:cs typeface="Courier New" panose="02070309020205020404" pitchFamily="49" charset="0"/>
+              </a:rPr>
+              <a:t>}</a:t>
+            </a:r>
+          </a:p>
+          <a:p>
+            <a:pPr marL="0" indent="0">
+              <a:buNone/>
+            </a:pPr>
+            <a:br>
+              <a:rPr lang="en-US" dirty="0"/>
+            </a:br>
             <a:endParaRPr lang="en-US" dirty="0"/>
           </a:p>
         </p:txBody>
@@ -10141,7 +13639,7 @@
     </p:spTree>
     <p:extLst>
       <p:ext uri="{BB962C8B-B14F-4D97-AF65-F5344CB8AC3E}">
-        <p14:creationId xmlns:p14="http://schemas.microsoft.com/office/powerpoint/2010/main" val="325895786"/>
+        <p14:creationId xmlns:p14="http://schemas.microsoft.com/office/powerpoint/2010/main" val="1789203214"/>
       </p:ext>
     </p:extLst>
   </p:cSld>
@@ -10194,7 +13692,10 @@
           <a:bodyPr/>
           <a:lstStyle/>
           <a:p>
-            <a:endParaRPr lang="en-US" dirty="0"/>
+            <a:r>
+              <a:rPr lang="en-US" dirty="0"/>
+              <a:t>Finding the smallest or largest</a:t>
+            </a:r>
           </a:p>
         </p:txBody>
       </p:sp>
@@ -10224,6 +13725,214 @@
           <a:bodyPr/>
           <a:lstStyle/>
           <a:p>
+            <a:pPr marL="0" indent="0">
+              <a:buNone/>
+            </a:pPr>
+            <a:r>
+              <a:rPr lang="en-US" dirty="0"/>
+              <a:t>When you need to return an element in a list (i.e. largest, smallest,…), assign the initial element to the </a:t>
+            </a:r>
+            <a:r>
+              <a:rPr lang="en-US" b="1" dirty="0">
+                <a:solidFill>
+                  <a:srgbClr val="FF0000"/>
+                </a:solidFill>
+              </a:rPr>
+              <a:t>first one </a:t>
+            </a:r>
+            <a:r>
+              <a:rPr lang="en-US" dirty="0"/>
+              <a:t>in the list.</a:t>
+            </a:r>
+          </a:p>
+          <a:p>
+            <a:pPr marL="0" indent="0">
+              <a:buNone/>
+            </a:pPr>
+            <a:endParaRPr lang="en-US" dirty="0"/>
+          </a:p>
+          <a:p>
+            <a:pPr marL="0" indent="0">
+              <a:buNone/>
+            </a:pPr>
+            <a:r>
+              <a:rPr lang="en-US" dirty="0"/>
+              <a:t>Example : You need to find the Dog with the most fleas.</a:t>
+            </a:r>
+          </a:p>
+          <a:p>
+            <a:pPr marL="0" indent="0">
+              <a:buNone/>
+            </a:pPr>
+            <a:r>
+              <a:rPr lang="en-US" dirty="0">
+                <a:latin typeface="Courier New" panose="02070309020205020404" pitchFamily="49" charset="0"/>
+                <a:cs typeface="Courier New" panose="02070309020205020404" pitchFamily="49" charset="0"/>
+              </a:rPr>
+              <a:t>//returns the Dog object in pack with the most fleas</a:t>
+            </a:r>
+          </a:p>
+          <a:p>
+            <a:pPr marL="0" indent="0">
+              <a:buNone/>
+            </a:pPr>
+            <a:r>
+              <a:rPr lang="en-US" dirty="0">
+                <a:latin typeface="Courier New" panose="02070309020205020404" pitchFamily="49" charset="0"/>
+                <a:cs typeface="Courier New" panose="02070309020205020404" pitchFamily="49" charset="0"/>
+              </a:rPr>
+              <a:t>public Dog </a:t>
+            </a:r>
+            <a:r>
+              <a:rPr lang="en-US" dirty="0" err="1">
+                <a:latin typeface="Courier New" panose="02070309020205020404" pitchFamily="49" charset="0"/>
+                <a:cs typeface="Courier New" panose="02070309020205020404" pitchFamily="49" charset="0"/>
+              </a:rPr>
+              <a:t>mostFleas</a:t>
+            </a:r>
+            <a:r>
+              <a:rPr lang="en-US" dirty="0">
+                <a:latin typeface="Courier New" panose="02070309020205020404" pitchFamily="49" charset="0"/>
+                <a:cs typeface="Courier New" panose="02070309020205020404" pitchFamily="49" charset="0"/>
+              </a:rPr>
+              <a:t>(</a:t>
+            </a:r>
+            <a:r>
+              <a:rPr lang="en-US" dirty="0" err="1">
+                <a:latin typeface="Courier New" panose="02070309020205020404" pitchFamily="49" charset="0"/>
+                <a:cs typeface="Courier New" panose="02070309020205020404" pitchFamily="49" charset="0"/>
+              </a:rPr>
+              <a:t>ArrayList</a:t>
+            </a:r>
+            <a:r>
+              <a:rPr lang="en-US" dirty="0">
+                <a:latin typeface="Courier New" panose="02070309020205020404" pitchFamily="49" charset="0"/>
+                <a:cs typeface="Courier New" panose="02070309020205020404" pitchFamily="49" charset="0"/>
+              </a:rPr>
+              <a:t>&lt;Dog&gt; pack){</a:t>
+            </a:r>
+          </a:p>
+          <a:p>
+            <a:pPr marL="0" indent="0">
+              <a:buNone/>
+            </a:pPr>
+            <a:r>
+              <a:rPr lang="en-US" dirty="0">
+                <a:latin typeface="Courier New" panose="02070309020205020404" pitchFamily="49" charset="0"/>
+                <a:cs typeface="Courier New" panose="02070309020205020404" pitchFamily="49" charset="0"/>
+              </a:rPr>
+              <a:t>	Dog most = </a:t>
+            </a:r>
+            <a:r>
+              <a:rPr lang="en-US" dirty="0" err="1">
+                <a:latin typeface="Courier New" panose="02070309020205020404" pitchFamily="49" charset="0"/>
+                <a:cs typeface="Courier New" panose="02070309020205020404" pitchFamily="49" charset="0"/>
+              </a:rPr>
+              <a:t>pack.get</a:t>
+            </a:r>
+            <a:r>
+              <a:rPr lang="en-US" dirty="0">
+                <a:latin typeface="Courier New" panose="02070309020205020404" pitchFamily="49" charset="0"/>
+                <a:cs typeface="Courier New" panose="02070309020205020404" pitchFamily="49" charset="0"/>
+              </a:rPr>
+              <a:t>(0);</a:t>
+            </a:r>
+          </a:p>
+          <a:p>
+            <a:pPr marL="0" indent="0">
+              <a:buNone/>
+            </a:pPr>
+            <a:r>
+              <a:rPr lang="en-US" dirty="0">
+                <a:latin typeface="Courier New" panose="02070309020205020404" pitchFamily="49" charset="0"/>
+                <a:cs typeface="Courier New" panose="02070309020205020404" pitchFamily="49" charset="0"/>
+              </a:rPr>
+              <a:t>	for(Dog dog : pack)</a:t>
+            </a:r>
+          </a:p>
+          <a:p>
+            <a:pPr marL="0" indent="0">
+              <a:buNone/>
+            </a:pPr>
+            <a:r>
+              <a:rPr lang="en-US" dirty="0">
+                <a:latin typeface="Courier New" panose="02070309020205020404" pitchFamily="49" charset="0"/>
+                <a:cs typeface="Courier New" panose="02070309020205020404" pitchFamily="49" charset="0"/>
+              </a:rPr>
+              <a:t>		if(</a:t>
+            </a:r>
+            <a:r>
+              <a:rPr lang="en-US" dirty="0" err="1">
+                <a:latin typeface="Courier New" panose="02070309020205020404" pitchFamily="49" charset="0"/>
+                <a:cs typeface="Courier New" panose="02070309020205020404" pitchFamily="49" charset="0"/>
+              </a:rPr>
+              <a:t>dog.getNumFleas</a:t>
+            </a:r>
+            <a:r>
+              <a:rPr lang="en-US" dirty="0">
+                <a:latin typeface="Courier New" panose="02070309020205020404" pitchFamily="49" charset="0"/>
+                <a:cs typeface="Courier New" panose="02070309020205020404" pitchFamily="49" charset="0"/>
+              </a:rPr>
+              <a:t>() &gt; </a:t>
+            </a:r>
+            <a:r>
+              <a:rPr lang="en-US" dirty="0" err="1">
+                <a:latin typeface="Courier New" panose="02070309020205020404" pitchFamily="49" charset="0"/>
+                <a:cs typeface="Courier New" panose="02070309020205020404" pitchFamily="49" charset="0"/>
+              </a:rPr>
+              <a:t>most.getNumFleas</a:t>
+            </a:r>
+            <a:r>
+              <a:rPr lang="en-US" dirty="0">
+                <a:latin typeface="Courier New" panose="02070309020205020404" pitchFamily="49" charset="0"/>
+                <a:cs typeface="Courier New" panose="02070309020205020404" pitchFamily="49" charset="0"/>
+              </a:rPr>
+              <a:t>())</a:t>
+            </a:r>
+          </a:p>
+          <a:p>
+            <a:pPr marL="0" indent="0">
+              <a:buNone/>
+            </a:pPr>
+            <a:r>
+              <a:rPr lang="en-US" dirty="0">
+                <a:latin typeface="Courier New" panose="02070309020205020404" pitchFamily="49" charset="0"/>
+                <a:cs typeface="Courier New" panose="02070309020205020404" pitchFamily="49" charset="0"/>
+              </a:rPr>
+              <a:t>			most = dog;</a:t>
+            </a:r>
+          </a:p>
+          <a:p>
+            <a:pPr marL="0" indent="0">
+              <a:buNone/>
+            </a:pPr>
+            <a:r>
+              <a:rPr lang="en-US" dirty="0">
+                <a:latin typeface="Courier New" panose="02070309020205020404" pitchFamily="49" charset="0"/>
+                <a:cs typeface="Courier New" panose="02070309020205020404" pitchFamily="49" charset="0"/>
+              </a:rPr>
+              <a:t>	return most;</a:t>
+            </a:r>
+          </a:p>
+          <a:p>
+            <a:pPr marL="0" indent="0">
+              <a:buNone/>
+            </a:pPr>
+            <a:r>
+              <a:rPr lang="en-US" dirty="0">
+                <a:latin typeface="Courier New" panose="02070309020205020404" pitchFamily="49" charset="0"/>
+                <a:cs typeface="Courier New" panose="02070309020205020404" pitchFamily="49" charset="0"/>
+              </a:rPr>
+              <a:t>}</a:t>
+            </a:r>
+          </a:p>
+          <a:p>
+            <a:pPr marL="0" indent="0">
+              <a:buNone/>
+            </a:pPr>
+            <a:br>
+              <a:rPr lang="en-US" dirty="0"/>
+            </a:br>
             <a:endParaRPr lang="en-US" dirty="0"/>
           </a:p>
         </p:txBody>
@@ -10231,7 +13940,7 @@
     </p:spTree>
     <p:extLst>
       <p:ext uri="{BB962C8B-B14F-4D97-AF65-F5344CB8AC3E}">
-        <p14:creationId xmlns:p14="http://schemas.microsoft.com/office/powerpoint/2010/main" val="3832797411"/>
+        <p14:creationId xmlns:p14="http://schemas.microsoft.com/office/powerpoint/2010/main" val="325895786"/>
       </p:ext>
     </p:extLst>
   </p:cSld>
@@ -10284,6 +13993,14 @@
           <a:bodyPr/>
           <a:lstStyle/>
           <a:p>
+            <a:r>
+              <a:rPr lang="en-US" dirty="0"/>
+              <a:t>Manipulating an Array using </a:t>
+            </a:r>
+            <a:r>
+              <a:rPr lang="en-US" dirty="0" err="1"/>
+              <a:t>Arraylist</a:t>
+            </a:r>
             <a:endParaRPr lang="en-US" dirty="0"/>
           </a:p>
         </p:txBody>
@@ -10314,6 +14031,76 @@
           <a:bodyPr/>
           <a:lstStyle/>
           <a:p>
+            <a:pPr marL="0" indent="0">
+              <a:buNone/>
+            </a:pPr>
+            <a:r>
+              <a:rPr lang="en-US" dirty="0"/>
+              <a:t>An </a:t>
+            </a:r>
+            <a:r>
+              <a:rPr lang="en-US" dirty="0" err="1"/>
+              <a:t>ArrayList</a:t>
+            </a:r>
+            <a:r>
+              <a:rPr lang="en-US" dirty="0"/>
+              <a:t> can be helpful when you are trying to manipulate an array (i.e. remove items, rearrange in random order, etc.).</a:t>
+            </a:r>
+          </a:p>
+          <a:p>
+            <a:pPr marL="0" indent="0">
+              <a:buNone/>
+            </a:pPr>
+            <a:endParaRPr lang="en-US" dirty="0"/>
+          </a:p>
+          <a:p>
+            <a:pPr marL="0" indent="0">
+              <a:buNone/>
+            </a:pPr>
+            <a:r>
+              <a:rPr lang="en-US" dirty="0"/>
+              <a:t>Example: </a:t>
+            </a:r>
+          </a:p>
+          <a:p>
+            <a:pPr marL="0" indent="0">
+              <a:buNone/>
+            </a:pPr>
+            <a:r>
+              <a:rPr lang="en-US" dirty="0"/>
+              <a:t>If you need to remove several objects from an array based one some condition, a strategy would be to save all the objects to an </a:t>
+            </a:r>
+            <a:r>
+              <a:rPr lang="en-US" dirty="0" err="1"/>
+              <a:t>ArrayList</a:t>
+            </a:r>
+            <a:r>
+              <a:rPr lang="en-US" dirty="0"/>
+              <a:t> and remove the objects before storing the remaining objects back to the array.</a:t>
+            </a:r>
+          </a:p>
+          <a:p>
+            <a:pPr marL="0" indent="0">
+              <a:buNone/>
+            </a:pPr>
+            <a:endParaRPr lang="en-US" dirty="0"/>
+          </a:p>
+          <a:p>
+            <a:pPr marL="0" indent="0">
+              <a:buNone/>
+            </a:pPr>
+            <a:r>
+              <a:rPr lang="en-US" dirty="0"/>
+              <a:t>See code on the next slide. </a:t>
+            </a:r>
+          </a:p>
+          <a:p>
+            <a:pPr marL="0" indent="0">
+              <a:buNone/>
+            </a:pPr>
+            <a:br>
+              <a:rPr lang="en-US" dirty="0"/>
+            </a:br>
             <a:endParaRPr lang="en-US" dirty="0"/>
           </a:p>
         </p:txBody>
@@ -10321,7 +14108,540 @@
     </p:spTree>
     <p:extLst>
       <p:ext uri="{BB962C8B-B14F-4D97-AF65-F5344CB8AC3E}">
-        <p14:creationId xmlns:p14="http://schemas.microsoft.com/office/powerpoint/2010/main" val="2065126652"/>
+        <p14:creationId xmlns:p14="http://schemas.microsoft.com/office/powerpoint/2010/main" val="1543578782"/>
+      </p:ext>
+    </p:extLst>
+  </p:cSld>
+  <p:clrMapOvr>
+    <a:masterClrMapping/>
+  </p:clrMapOvr>
+</p:sld>
+</file>
+
+<file path=ppt/slides/slide29.xml><?xml version="1.0" encoding="utf-8"?>
+<p:sld xmlns:a="http://schemas.openxmlformats.org/drawingml/2006/main" xmlns:r="http://schemas.openxmlformats.org/officeDocument/2006/relationships" xmlns:p="http://schemas.openxmlformats.org/presentationml/2006/main">
+  <p:cSld>
+    <p:spTree>
+      <p:nvGrpSpPr>
+        <p:cNvPr id="1" name=""/>
+        <p:cNvGrpSpPr/>
+        <p:nvPr/>
+      </p:nvGrpSpPr>
+      <p:grpSpPr>
+        <a:xfrm>
+          <a:off x="0" y="0"/>
+          <a:ext cx="0" cy="0"/>
+          <a:chOff x="0" y="0"/>
+          <a:chExt cx="0" cy="0"/>
+        </a:xfrm>
+      </p:grpSpPr>
+      <p:sp>
+        <p:nvSpPr>
+          <p:cNvPr id="2" name="Title 1">
+            <a:extLst>
+              <a:ext uri="{FF2B5EF4-FFF2-40B4-BE49-F238E27FC236}">
+                <a16:creationId xmlns:a16="http://schemas.microsoft.com/office/drawing/2014/main" id="{BC6F9511-CB58-AC49-AD98-860912780FFE}"/>
+              </a:ext>
+            </a:extLst>
+          </p:cNvPr>
+          <p:cNvSpPr>
+            <a:spLocks noGrp="1"/>
+          </p:cNvSpPr>
+          <p:nvPr>
+            <p:ph type="title"/>
+          </p:nvPr>
+        </p:nvSpPr>
+        <p:spPr>
+          <a:xfrm>
+            <a:off x="167177" y="128185"/>
+            <a:ext cx="7886700" cy="588511"/>
+          </a:xfrm>
+        </p:spPr>
+        <p:txBody>
+          <a:bodyPr/>
+          <a:lstStyle/>
+          <a:p>
+            <a:r>
+              <a:rPr lang="en-US" dirty="0"/>
+              <a:t>Manipulating an Array using </a:t>
+            </a:r>
+            <a:r>
+              <a:rPr lang="en-US" dirty="0" err="1"/>
+              <a:t>Arraylist</a:t>
+            </a:r>
+            <a:endParaRPr lang="en-US" dirty="0"/>
+          </a:p>
+        </p:txBody>
+      </p:sp>
+      <p:sp>
+        <p:nvSpPr>
+          <p:cNvPr id="3" name="Content Placeholder 2">
+            <a:extLst>
+              <a:ext uri="{FF2B5EF4-FFF2-40B4-BE49-F238E27FC236}">
+                <a16:creationId xmlns:a16="http://schemas.microsoft.com/office/drawing/2014/main" id="{CE6BD10B-9D13-604D-9877-97B355109287}"/>
+              </a:ext>
+            </a:extLst>
+          </p:cNvPr>
+          <p:cNvSpPr>
+            <a:spLocks noGrp="1"/>
+          </p:cNvSpPr>
+          <p:nvPr>
+            <p:ph idx="1"/>
+          </p:nvPr>
+        </p:nvSpPr>
+        <p:spPr>
+          <a:xfrm>
+            <a:off x="167177" y="888763"/>
+            <a:ext cx="8780270" cy="4623273"/>
+          </a:xfrm>
+        </p:spPr>
+        <p:txBody>
+          <a:bodyPr>
+            <a:normAutofit/>
+          </a:bodyPr>
+          <a:lstStyle/>
+          <a:p>
+            <a:pPr marL="0" indent="0">
+              <a:buNone/>
+            </a:pPr>
+            <a:r>
+              <a:rPr lang="en-US" sz="1900" dirty="0">
+                <a:latin typeface="Courier New" panose="02070309020205020404" pitchFamily="49" charset="0"/>
+                <a:cs typeface="Courier New" panose="02070309020205020404" pitchFamily="49" charset="0"/>
+              </a:rPr>
+              <a:t>//returns a new array with bad things removed</a:t>
+            </a:r>
+          </a:p>
+          <a:p>
+            <a:pPr marL="0" indent="0">
+              <a:buNone/>
+            </a:pPr>
+            <a:r>
+              <a:rPr lang="en-US" sz="1900" dirty="0">
+                <a:latin typeface="Courier New" panose="02070309020205020404" pitchFamily="49" charset="0"/>
+                <a:cs typeface="Courier New" panose="02070309020205020404" pitchFamily="49" charset="0"/>
+              </a:rPr>
+              <a:t>public Thing[] </a:t>
+            </a:r>
+            <a:r>
+              <a:rPr lang="en-US" sz="1900" dirty="0" err="1">
+                <a:latin typeface="Courier New" panose="02070309020205020404" pitchFamily="49" charset="0"/>
+                <a:cs typeface="Courier New" panose="02070309020205020404" pitchFamily="49" charset="0"/>
+              </a:rPr>
+              <a:t>removeBadThing</a:t>
+            </a:r>
+            <a:r>
+              <a:rPr lang="en-US" sz="1900" dirty="0">
+                <a:latin typeface="Courier New" panose="02070309020205020404" pitchFamily="49" charset="0"/>
+                <a:cs typeface="Courier New" panose="02070309020205020404" pitchFamily="49" charset="0"/>
+              </a:rPr>
+              <a:t>(Thing[] widgets){ </a:t>
+            </a:r>
+          </a:p>
+          <a:p>
+            <a:pPr marL="0" indent="0">
+              <a:buNone/>
+            </a:pPr>
+            <a:r>
+              <a:rPr lang="en-US" sz="1900" dirty="0">
+                <a:latin typeface="Courier New" panose="02070309020205020404" pitchFamily="49" charset="0"/>
+                <a:cs typeface="Courier New" panose="02070309020205020404" pitchFamily="49" charset="0"/>
+              </a:rPr>
+              <a:t>	</a:t>
+            </a:r>
+            <a:r>
+              <a:rPr lang="en-US" sz="1900" dirty="0" err="1">
+                <a:latin typeface="Courier New" panose="02070309020205020404" pitchFamily="49" charset="0"/>
+                <a:cs typeface="Courier New" panose="02070309020205020404" pitchFamily="49" charset="0"/>
+              </a:rPr>
+              <a:t>ArrayList</a:t>
+            </a:r>
+            <a:r>
+              <a:rPr lang="en-US" sz="1900" dirty="0">
+                <a:latin typeface="Courier New" panose="02070309020205020404" pitchFamily="49" charset="0"/>
+                <a:cs typeface="Courier New" panose="02070309020205020404" pitchFamily="49" charset="0"/>
+              </a:rPr>
+              <a:t>&lt;Thing&gt; good = new </a:t>
+            </a:r>
+            <a:r>
+              <a:rPr lang="en-US" sz="1900" dirty="0" err="1">
+                <a:latin typeface="Courier New" panose="02070309020205020404" pitchFamily="49" charset="0"/>
+                <a:cs typeface="Courier New" panose="02070309020205020404" pitchFamily="49" charset="0"/>
+              </a:rPr>
+              <a:t>ArrayList</a:t>
+            </a:r>
+            <a:r>
+              <a:rPr lang="en-US" sz="1900" dirty="0">
+                <a:latin typeface="Courier New" panose="02070309020205020404" pitchFamily="49" charset="0"/>
+                <a:cs typeface="Courier New" panose="02070309020205020404" pitchFamily="49" charset="0"/>
+              </a:rPr>
+              <a:t>&lt;Thing&gt;();</a:t>
+            </a:r>
+          </a:p>
+          <a:p>
+            <a:pPr marL="0" indent="0">
+              <a:buNone/>
+            </a:pPr>
+            <a:r>
+              <a:rPr lang="en-US" sz="1900" dirty="0">
+                <a:latin typeface="Courier New" panose="02070309020205020404" pitchFamily="49" charset="0"/>
+                <a:cs typeface="Courier New" panose="02070309020205020404" pitchFamily="49" charset="0"/>
+              </a:rPr>
+              <a:t>	for(Thing </a:t>
+            </a:r>
+            <a:r>
+              <a:rPr lang="en-US" sz="1900" dirty="0" err="1">
+                <a:latin typeface="Courier New" panose="02070309020205020404" pitchFamily="49" charset="0"/>
+                <a:cs typeface="Courier New" panose="02070309020205020404" pitchFamily="49" charset="0"/>
+              </a:rPr>
+              <a:t>wid</a:t>
+            </a:r>
+            <a:r>
+              <a:rPr lang="en-US" sz="1900" dirty="0">
+                <a:latin typeface="Courier New" panose="02070309020205020404" pitchFamily="49" charset="0"/>
+                <a:cs typeface="Courier New" panose="02070309020205020404" pitchFamily="49" charset="0"/>
+              </a:rPr>
+              <a:t> : widgets){</a:t>
+            </a:r>
+          </a:p>
+          <a:p>
+            <a:pPr marL="0" indent="0">
+              <a:buNone/>
+            </a:pPr>
+            <a:r>
+              <a:rPr lang="en-US" sz="1900" dirty="0">
+                <a:latin typeface="Courier New" panose="02070309020205020404" pitchFamily="49" charset="0"/>
+                <a:cs typeface="Courier New" panose="02070309020205020404" pitchFamily="49" charset="0"/>
+              </a:rPr>
+              <a:t>		if(!</a:t>
+            </a:r>
+            <a:r>
+              <a:rPr lang="en-US" sz="1900" dirty="0" err="1">
+                <a:latin typeface="Courier New" panose="02070309020205020404" pitchFamily="49" charset="0"/>
+                <a:cs typeface="Courier New" panose="02070309020205020404" pitchFamily="49" charset="0"/>
+              </a:rPr>
+              <a:t>wid.isBad</a:t>
+            </a:r>
+            <a:r>
+              <a:rPr lang="en-US" sz="1900" dirty="0">
+                <a:latin typeface="Courier New" panose="02070309020205020404" pitchFamily="49" charset="0"/>
+                <a:cs typeface="Courier New" panose="02070309020205020404" pitchFamily="49" charset="0"/>
+              </a:rPr>
+              <a:t>()) </a:t>
+            </a:r>
+            <a:r>
+              <a:rPr lang="en-US" sz="1900" dirty="0">
+                <a:solidFill>
+                  <a:srgbClr val="FF0000"/>
+                </a:solidFill>
+                <a:latin typeface="Courier New" panose="02070309020205020404" pitchFamily="49" charset="0"/>
+                <a:cs typeface="Courier New" panose="02070309020205020404" pitchFamily="49" charset="0"/>
+              </a:rPr>
+              <a:t>// </a:t>
+            </a:r>
+            <a:r>
+              <a:rPr lang="en-US" sz="1900" dirty="0" err="1">
+                <a:solidFill>
+                  <a:srgbClr val="FF0000"/>
+                </a:solidFill>
+                <a:latin typeface="Courier New" panose="02070309020205020404" pitchFamily="49" charset="0"/>
+                <a:cs typeface="Courier New" panose="02070309020205020404" pitchFamily="49" charset="0"/>
+              </a:rPr>
+              <a:t>i.e</a:t>
+            </a:r>
+            <a:r>
+              <a:rPr lang="en-US" sz="1900" dirty="0">
+                <a:solidFill>
+                  <a:srgbClr val="FF0000"/>
+                </a:solidFill>
+                <a:latin typeface="Courier New" panose="02070309020205020404" pitchFamily="49" charset="0"/>
+                <a:cs typeface="Courier New" panose="02070309020205020404" pitchFamily="49" charset="0"/>
+              </a:rPr>
+              <a:t> good</a:t>
+            </a:r>
+          </a:p>
+          <a:p>
+            <a:pPr marL="0" indent="0">
+              <a:buNone/>
+            </a:pPr>
+            <a:r>
+              <a:rPr lang="en-US" sz="1900" dirty="0">
+                <a:latin typeface="Courier New" panose="02070309020205020404" pitchFamily="49" charset="0"/>
+                <a:cs typeface="Courier New" panose="02070309020205020404" pitchFamily="49" charset="0"/>
+              </a:rPr>
+              <a:t>			</a:t>
+            </a:r>
+            <a:r>
+              <a:rPr lang="en-US" sz="1900" dirty="0" err="1">
+                <a:latin typeface="Courier New" panose="02070309020205020404" pitchFamily="49" charset="0"/>
+                <a:cs typeface="Courier New" panose="02070309020205020404" pitchFamily="49" charset="0"/>
+              </a:rPr>
+              <a:t>good.add</a:t>
+            </a:r>
+            <a:r>
+              <a:rPr lang="en-US" sz="1900" dirty="0">
+                <a:latin typeface="Courier New" panose="02070309020205020404" pitchFamily="49" charset="0"/>
+                <a:cs typeface="Courier New" panose="02070309020205020404" pitchFamily="49" charset="0"/>
+              </a:rPr>
+              <a:t>(</a:t>
+            </a:r>
+            <a:r>
+              <a:rPr lang="en-US" sz="1900" dirty="0" err="1">
+                <a:latin typeface="Courier New" panose="02070309020205020404" pitchFamily="49" charset="0"/>
+                <a:cs typeface="Courier New" panose="02070309020205020404" pitchFamily="49" charset="0"/>
+              </a:rPr>
+              <a:t>wid</a:t>
+            </a:r>
+            <a:r>
+              <a:rPr lang="en-US" sz="1900" dirty="0">
+                <a:latin typeface="Courier New" panose="02070309020205020404" pitchFamily="49" charset="0"/>
+                <a:cs typeface="Courier New" panose="02070309020205020404" pitchFamily="49" charset="0"/>
+              </a:rPr>
+              <a:t>);</a:t>
+            </a:r>
+          </a:p>
+          <a:p>
+            <a:pPr marL="0" indent="0">
+              <a:buNone/>
+            </a:pPr>
+            <a:r>
+              <a:rPr lang="en-US" sz="1900" dirty="0">
+                <a:latin typeface="Courier New" panose="02070309020205020404" pitchFamily="49" charset="0"/>
+                <a:cs typeface="Courier New" panose="02070309020205020404" pitchFamily="49" charset="0"/>
+              </a:rPr>
+              <a:t>	}</a:t>
+            </a:r>
+          </a:p>
+          <a:p>
+            <a:pPr marL="0" indent="0">
+              <a:buNone/>
+            </a:pPr>
+            <a:r>
+              <a:rPr lang="en-US" sz="1900" dirty="0">
+                <a:latin typeface="Courier New" panose="02070309020205020404" pitchFamily="49" charset="0"/>
+                <a:cs typeface="Courier New" panose="02070309020205020404" pitchFamily="49" charset="0"/>
+              </a:rPr>
+              <a:t>	Thing[] </a:t>
+            </a:r>
+            <a:r>
+              <a:rPr lang="en-US" sz="1900" dirty="0" err="1">
+                <a:latin typeface="Courier New" panose="02070309020205020404" pitchFamily="49" charset="0"/>
+                <a:cs typeface="Courier New" panose="02070309020205020404" pitchFamily="49" charset="0"/>
+              </a:rPr>
+              <a:t>goodOnes</a:t>
+            </a:r>
+            <a:r>
+              <a:rPr lang="en-US" sz="1900" dirty="0">
+                <a:latin typeface="Courier New" panose="02070309020205020404" pitchFamily="49" charset="0"/>
+                <a:cs typeface="Courier New" panose="02070309020205020404" pitchFamily="49" charset="0"/>
+              </a:rPr>
+              <a:t> = new Thing[</a:t>
+            </a:r>
+            <a:r>
+              <a:rPr lang="en-US" sz="1900" dirty="0" err="1">
+                <a:latin typeface="Courier New" panose="02070309020205020404" pitchFamily="49" charset="0"/>
+                <a:cs typeface="Courier New" panose="02070309020205020404" pitchFamily="49" charset="0"/>
+              </a:rPr>
+              <a:t>good.size</a:t>
+            </a:r>
+            <a:r>
+              <a:rPr lang="en-US" sz="1900" dirty="0">
+                <a:latin typeface="Courier New" panose="02070309020205020404" pitchFamily="49" charset="0"/>
+                <a:cs typeface="Courier New" panose="02070309020205020404" pitchFamily="49" charset="0"/>
+              </a:rPr>
+              <a:t>()]; </a:t>
+            </a:r>
+          </a:p>
+          <a:p>
+            <a:pPr marL="0" indent="0">
+              <a:buNone/>
+            </a:pPr>
+            <a:r>
+              <a:rPr lang="en-US" sz="1900" dirty="0">
+                <a:latin typeface="Courier New" panose="02070309020205020404" pitchFamily="49" charset="0"/>
+                <a:cs typeface="Courier New" panose="02070309020205020404" pitchFamily="49" charset="0"/>
+              </a:rPr>
+              <a:t>	for(int </a:t>
+            </a:r>
+            <a:r>
+              <a:rPr lang="en-US" sz="1900" dirty="0" err="1">
+                <a:latin typeface="Courier New" panose="02070309020205020404" pitchFamily="49" charset="0"/>
+                <a:cs typeface="Courier New" panose="02070309020205020404" pitchFamily="49" charset="0"/>
+              </a:rPr>
+              <a:t>i</a:t>
+            </a:r>
+            <a:r>
+              <a:rPr lang="en-US" sz="1900" dirty="0">
+                <a:latin typeface="Courier New" panose="02070309020205020404" pitchFamily="49" charset="0"/>
+                <a:cs typeface="Courier New" panose="02070309020205020404" pitchFamily="49" charset="0"/>
+              </a:rPr>
+              <a:t>=0; </a:t>
+            </a:r>
+            <a:r>
+              <a:rPr lang="en-US" sz="1900" dirty="0" err="1">
+                <a:latin typeface="Courier New" panose="02070309020205020404" pitchFamily="49" charset="0"/>
+                <a:cs typeface="Courier New" panose="02070309020205020404" pitchFamily="49" charset="0"/>
+              </a:rPr>
+              <a:t>i</a:t>
+            </a:r>
+            <a:r>
+              <a:rPr lang="en-US" sz="1900" dirty="0">
+                <a:latin typeface="Courier New" panose="02070309020205020404" pitchFamily="49" charset="0"/>
+                <a:cs typeface="Courier New" panose="02070309020205020404" pitchFamily="49" charset="0"/>
+              </a:rPr>
+              <a:t> &lt; </a:t>
+            </a:r>
+            <a:r>
+              <a:rPr lang="en-US" sz="1900" dirty="0" err="1">
+                <a:latin typeface="Courier New" panose="02070309020205020404" pitchFamily="49" charset="0"/>
+                <a:cs typeface="Courier New" panose="02070309020205020404" pitchFamily="49" charset="0"/>
+              </a:rPr>
+              <a:t>goodOnes.length</a:t>
+            </a:r>
+            <a:r>
+              <a:rPr lang="en-US" sz="1900" dirty="0">
+                <a:latin typeface="Courier New" panose="02070309020205020404" pitchFamily="49" charset="0"/>
+                <a:cs typeface="Courier New" panose="02070309020205020404" pitchFamily="49" charset="0"/>
+              </a:rPr>
+              <a:t>; </a:t>
+            </a:r>
+            <a:r>
+              <a:rPr lang="en-US" sz="1900" dirty="0" err="1">
+                <a:latin typeface="Courier New" panose="02070309020205020404" pitchFamily="49" charset="0"/>
+                <a:cs typeface="Courier New" panose="02070309020205020404" pitchFamily="49" charset="0"/>
+              </a:rPr>
+              <a:t>i</a:t>
+            </a:r>
+            <a:r>
+              <a:rPr lang="en-US" sz="1900" dirty="0">
+                <a:latin typeface="Courier New" panose="02070309020205020404" pitchFamily="49" charset="0"/>
+                <a:cs typeface="Courier New" panose="02070309020205020404" pitchFamily="49" charset="0"/>
+              </a:rPr>
+              <a:t>++)</a:t>
+            </a:r>
+          </a:p>
+          <a:p>
+            <a:pPr marL="0" indent="0">
+              <a:buNone/>
+            </a:pPr>
+            <a:r>
+              <a:rPr lang="en-US" sz="1900" dirty="0">
+                <a:latin typeface="Courier New" panose="02070309020205020404" pitchFamily="49" charset="0"/>
+                <a:cs typeface="Courier New" panose="02070309020205020404" pitchFamily="49" charset="0"/>
+              </a:rPr>
+              <a:t>		</a:t>
+            </a:r>
+            <a:r>
+              <a:rPr lang="en-US" sz="1900" dirty="0" err="1">
+                <a:latin typeface="Courier New" panose="02070309020205020404" pitchFamily="49" charset="0"/>
+                <a:cs typeface="Courier New" panose="02070309020205020404" pitchFamily="49" charset="0"/>
+              </a:rPr>
+              <a:t>goodOnes</a:t>
+            </a:r>
+            <a:r>
+              <a:rPr lang="en-US" sz="1900" dirty="0">
+                <a:latin typeface="Courier New" panose="02070309020205020404" pitchFamily="49" charset="0"/>
+                <a:cs typeface="Courier New" panose="02070309020205020404" pitchFamily="49" charset="0"/>
+              </a:rPr>
+              <a:t>[</a:t>
+            </a:r>
+            <a:r>
+              <a:rPr lang="en-US" sz="1900" dirty="0" err="1">
+                <a:latin typeface="Courier New" panose="02070309020205020404" pitchFamily="49" charset="0"/>
+                <a:cs typeface="Courier New" panose="02070309020205020404" pitchFamily="49" charset="0"/>
+              </a:rPr>
+              <a:t>i</a:t>
+            </a:r>
+            <a:r>
+              <a:rPr lang="en-US" sz="1900" dirty="0">
+                <a:latin typeface="Courier New" panose="02070309020205020404" pitchFamily="49" charset="0"/>
+                <a:cs typeface="Courier New" panose="02070309020205020404" pitchFamily="49" charset="0"/>
+              </a:rPr>
+              <a:t>] = </a:t>
+            </a:r>
+            <a:r>
+              <a:rPr lang="en-US" sz="1900" dirty="0" err="1">
+                <a:latin typeface="Courier New" panose="02070309020205020404" pitchFamily="49" charset="0"/>
+                <a:cs typeface="Courier New" panose="02070309020205020404" pitchFamily="49" charset="0"/>
+              </a:rPr>
+              <a:t>good.get</a:t>
+            </a:r>
+            <a:r>
+              <a:rPr lang="en-US" sz="1900" dirty="0">
+                <a:latin typeface="Courier New" panose="02070309020205020404" pitchFamily="49" charset="0"/>
+                <a:cs typeface="Courier New" panose="02070309020205020404" pitchFamily="49" charset="0"/>
+              </a:rPr>
+              <a:t>(</a:t>
+            </a:r>
+            <a:r>
+              <a:rPr lang="en-US" sz="1900" dirty="0" err="1">
+                <a:latin typeface="Courier New" panose="02070309020205020404" pitchFamily="49" charset="0"/>
+                <a:cs typeface="Courier New" panose="02070309020205020404" pitchFamily="49" charset="0"/>
+              </a:rPr>
+              <a:t>i</a:t>
+            </a:r>
+            <a:r>
+              <a:rPr lang="en-US" sz="1900" dirty="0">
+                <a:latin typeface="Courier New" panose="02070309020205020404" pitchFamily="49" charset="0"/>
+                <a:cs typeface="Courier New" panose="02070309020205020404" pitchFamily="49" charset="0"/>
+              </a:rPr>
+              <a:t>);</a:t>
+            </a:r>
+          </a:p>
+          <a:p>
+            <a:pPr marL="0" indent="0">
+              <a:buNone/>
+            </a:pPr>
+            <a:r>
+              <a:rPr lang="en-US" sz="1900" dirty="0">
+                <a:latin typeface="Courier New" panose="02070309020205020404" pitchFamily="49" charset="0"/>
+                <a:cs typeface="Courier New" panose="02070309020205020404" pitchFamily="49" charset="0"/>
+              </a:rPr>
+              <a:t>	return </a:t>
+            </a:r>
+            <a:r>
+              <a:rPr lang="en-US" sz="1900" dirty="0" err="1">
+                <a:latin typeface="Courier New" panose="02070309020205020404" pitchFamily="49" charset="0"/>
+                <a:cs typeface="Courier New" panose="02070309020205020404" pitchFamily="49" charset="0"/>
+              </a:rPr>
+              <a:t>goodOnes</a:t>
+            </a:r>
+            <a:r>
+              <a:rPr lang="en-US" sz="1900" dirty="0">
+                <a:latin typeface="Courier New" panose="02070309020205020404" pitchFamily="49" charset="0"/>
+                <a:cs typeface="Courier New" panose="02070309020205020404" pitchFamily="49" charset="0"/>
+              </a:rPr>
+              <a:t>;</a:t>
+            </a:r>
+          </a:p>
+          <a:p>
+            <a:pPr marL="0" indent="0">
+              <a:buNone/>
+            </a:pPr>
+            <a:r>
+              <a:rPr lang="en-US" sz="1900" dirty="0">
+                <a:latin typeface="Courier New" panose="02070309020205020404" pitchFamily="49" charset="0"/>
+                <a:cs typeface="Courier New" panose="02070309020205020404" pitchFamily="49" charset="0"/>
+              </a:rPr>
+              <a:t>}</a:t>
+            </a:r>
+            <a:br>
+              <a:rPr lang="en-US" sz="1900" dirty="0">
+                <a:latin typeface="Courier New" panose="02070309020205020404" pitchFamily="49" charset="0"/>
+                <a:cs typeface="Courier New" panose="02070309020205020404" pitchFamily="49" charset="0"/>
+              </a:rPr>
+            </a:br>
+            <a:endParaRPr lang="en-US" sz="1900" dirty="0">
+              <a:latin typeface="Courier New" panose="02070309020205020404" pitchFamily="49" charset="0"/>
+              <a:cs typeface="Courier New" panose="02070309020205020404" pitchFamily="49" charset="0"/>
+            </a:endParaRPr>
+          </a:p>
+        </p:txBody>
+      </p:sp>
+    </p:spTree>
+    <p:extLst>
+      <p:ext uri="{BB962C8B-B14F-4D97-AF65-F5344CB8AC3E}">
+        <p14:creationId xmlns:p14="http://schemas.microsoft.com/office/powerpoint/2010/main" val="1010857515"/>
       </p:ext>
     </p:extLst>
   </p:cSld>

--- a/courses/apcsa/APExam.pptx
+++ b/courses/apcsa/APExam.pptx
@@ -143,7 +143,7 @@
 <file path=ppt/revisionInfo.xml><?xml version="1.0" encoding="utf-8"?>
 <p1510:revInfo xmlns:a="http://schemas.openxmlformats.org/drawingml/2006/main" xmlns:r="http://schemas.openxmlformats.org/officeDocument/2006/relationships" xmlns:p1510="http://schemas.microsoft.com/office/powerpoint/2015/10/main">
   <p1510:revLst>
-    <p1510:client id="{0576C267-E6BF-B644-A8D6-09119D529826}" v="690" dt="2021-05-07T16:00:52.379"/>
+    <p1510:client id="{0576C267-E6BF-B644-A8D6-09119D529826}" v="704" dt="2021-05-10T14:57:40.406"/>
   </p1510:revLst>
 </p1510:revInfo>
 </file>
@@ -200,7 +200,7 @@
   <pc:docChgLst>
     <pc:chgData name="Long B Nguyen" userId="f59fb8f3-a021-417a-8bc1-65c8d471c621" providerId="ADAL" clId="{0576C267-E6BF-B644-A8D6-09119D529826}"/>
     <pc:docChg chg="custSel addSld delSld modSld">
-      <pc:chgData name="Long B Nguyen" userId="f59fb8f3-a021-417a-8bc1-65c8d471c621" providerId="ADAL" clId="{0576C267-E6BF-B644-A8D6-09119D529826}" dt="2021-05-07T16:03:57.848" v="2734" actId="2696"/>
+      <pc:chgData name="Long B Nguyen" userId="f59fb8f3-a021-417a-8bc1-65c8d471c621" providerId="ADAL" clId="{0576C267-E6BF-B644-A8D6-09119D529826}" dt="2021-05-10T14:57:40.406" v="2748" actId="20577"/>
       <pc:docMkLst>
         <pc:docMk/>
       </pc:docMkLst>
@@ -490,7 +490,7 @@
         </pc:spChg>
       </pc:sldChg>
       <pc:sldChg chg="modSp add mod modAnim">
-        <pc:chgData name="Long B Nguyen" userId="f59fb8f3-a021-417a-8bc1-65c8d471c621" providerId="ADAL" clId="{0576C267-E6BF-B644-A8D6-09119D529826}" dt="2021-05-07T12:26:09.128" v="2256" actId="20577"/>
+        <pc:chgData name="Long B Nguyen" userId="f59fb8f3-a021-417a-8bc1-65c8d471c621" providerId="ADAL" clId="{0576C267-E6BF-B644-A8D6-09119D529826}" dt="2021-05-10T14:57:40.406" v="2748" actId="20577"/>
         <pc:sldMkLst>
           <pc:docMk/>
           <pc:sldMk cId="1133356598" sldId="360"/>
@@ -504,7 +504,7 @@
           </ac:spMkLst>
         </pc:spChg>
         <pc:spChg chg="mod">
-          <ac:chgData name="Long B Nguyen" userId="f59fb8f3-a021-417a-8bc1-65c8d471c621" providerId="ADAL" clId="{0576C267-E6BF-B644-A8D6-09119D529826}" dt="2021-05-07T12:26:09.128" v="2256" actId="20577"/>
+          <ac:chgData name="Long B Nguyen" userId="f59fb8f3-a021-417a-8bc1-65c8d471c621" providerId="ADAL" clId="{0576C267-E6BF-B644-A8D6-09119D529826}" dt="2021-05-10T14:57:40.406" v="2748" actId="20577"/>
           <ac:spMkLst>
             <pc:docMk/>
             <pc:sldMk cId="1133356598" sldId="360"/>
@@ -2424,7 +2424,7 @@
           <a:p>
             <a:fld id="{4AAD347D-5ACD-4C99-B74B-A9C85AD731AF}" type="datetimeFigureOut">
               <a:rPr lang="en-US" smtClean="0"/>
-              <a:t>5/7/21</a:t>
+              <a:t>5/10/21</a:t>
             </a:fld>
             <a:endParaRPr lang="en-US" dirty="0"/>
           </a:p>
@@ -2594,7 +2594,7 @@
           <a:p>
             <a:fld id="{4509A250-FF31-4206-8172-F9D3106AACB1}" type="datetimeFigureOut">
               <a:rPr lang="en-US" smtClean="0"/>
-              <a:t>5/7/21</a:t>
+              <a:t>5/10/21</a:t>
             </a:fld>
             <a:endParaRPr lang="en-US" dirty="0"/>
           </a:p>
@@ -2774,7 +2774,7 @@
           <a:p>
             <a:fld id="{4509A250-FF31-4206-8172-F9D3106AACB1}" type="datetimeFigureOut">
               <a:rPr lang="en-US" smtClean="0"/>
-              <a:t>5/7/21</a:t>
+              <a:t>5/10/21</a:t>
             </a:fld>
             <a:endParaRPr lang="en-US" dirty="0"/>
           </a:p>
@@ -2944,7 +2944,7 @@
           <a:p>
             <a:fld id="{4509A250-FF31-4206-8172-F9D3106AACB1}" type="datetimeFigureOut">
               <a:rPr lang="en-US" smtClean="0"/>
-              <a:t>5/7/21</a:t>
+              <a:t>5/10/21</a:t>
             </a:fld>
             <a:endParaRPr lang="en-US" dirty="0"/>
           </a:p>
@@ -3190,7 +3190,7 @@
           <a:p>
             <a:fld id="{9796027F-7875-4030-9381-8BD8C4F21935}" type="datetimeFigureOut">
               <a:rPr lang="en-US" smtClean="0"/>
-              <a:t>5/7/21</a:t>
+              <a:t>5/10/21</a:t>
             </a:fld>
             <a:endParaRPr lang="en-US" dirty="0"/>
           </a:p>
@@ -3422,7 +3422,7 @@
           <a:p>
             <a:fld id="{9796027F-7875-4030-9381-8BD8C4F21935}" type="datetimeFigureOut">
               <a:rPr lang="en-US" smtClean="0"/>
-              <a:t>5/7/21</a:t>
+              <a:t>5/10/21</a:t>
             </a:fld>
             <a:endParaRPr lang="en-US" dirty="0"/>
           </a:p>
@@ -3789,7 +3789,7 @@
           <a:p>
             <a:fld id="{9796027F-7875-4030-9381-8BD8C4F21935}" type="datetimeFigureOut">
               <a:rPr lang="en-US" smtClean="0"/>
-              <a:t>5/7/21</a:t>
+              <a:t>5/10/21</a:t>
             </a:fld>
             <a:endParaRPr lang="en-US" dirty="0"/>
           </a:p>
@@ -3907,7 +3907,7 @@
           <a:p>
             <a:fld id="{4509A250-FF31-4206-8172-F9D3106AACB1}" type="datetimeFigureOut">
               <a:rPr lang="en-US" smtClean="0"/>
-              <a:t>5/7/21</a:t>
+              <a:t>5/10/21</a:t>
             </a:fld>
             <a:endParaRPr lang="en-US" dirty="0"/>
           </a:p>
@@ -4002,7 +4002,7 @@
           <a:p>
             <a:fld id="{4509A250-FF31-4206-8172-F9D3106AACB1}" type="datetimeFigureOut">
               <a:rPr lang="en-US" smtClean="0"/>
-              <a:t>5/7/21</a:t>
+              <a:t>5/10/21</a:t>
             </a:fld>
             <a:endParaRPr lang="en-US" dirty="0"/>
           </a:p>
@@ -4279,7 +4279,7 @@
           <a:p>
             <a:fld id="{4509A250-FF31-4206-8172-F9D3106AACB1}" type="datetimeFigureOut">
               <a:rPr lang="en-US" smtClean="0"/>
-              <a:t>5/7/21</a:t>
+              <a:t>5/10/21</a:t>
             </a:fld>
             <a:endParaRPr lang="en-US" dirty="0"/>
           </a:p>
@@ -4536,7 +4536,7 @@
           <a:p>
             <a:fld id="{4509A250-FF31-4206-8172-F9D3106AACB1}" type="datetimeFigureOut">
               <a:rPr lang="en-US" smtClean="0"/>
-              <a:t>5/7/21</a:t>
+              <a:t>5/10/21</a:t>
             </a:fld>
             <a:endParaRPr lang="en-US" dirty="0"/>
           </a:p>
@@ -4749,7 +4749,7 @@
           <a:p>
             <a:fld id="{4AAD347D-5ACD-4C99-B74B-A9C85AD731AF}" type="datetimeFigureOut">
               <a:rPr lang="en-US" smtClean="0"/>
-              <a:t>5/7/21</a:t>
+              <a:t>5/10/21</a:t>
             </a:fld>
             <a:endParaRPr lang="en-US" dirty="0"/>
           </a:p>
@@ -12762,13 +12762,12 @@
             </a:r>
             <a:r>
               <a:rPr lang="en-US" dirty="0"/>
-              <a:t> method remove(), remember you can only REMOVE BY INDEX (not by object), so you must use a traditional for loop (and NOT a for each loop).</a:t>
-            </a:r>
-          </a:p>
-          <a:p>
-            <a:pPr marL="0" indent="0">
-              <a:buNone/>
-            </a:pPr>
+              <a:t> method remove(), remember you can only REMOVE BY INDEX (not by object), so you must use a traditional for loop (and NOT a for each </a:t>
+            </a:r>
+            <a:r>
+              <a:rPr lang="en-US"/>
+              <a:t>loop).</a:t>
+            </a:r>
             <a:endParaRPr lang="en-US" dirty="0"/>
           </a:p>
           <a:p>
@@ -12867,11 +12866,24 @@
             </a:r>
             <a:r>
               <a:rPr lang="en-US" dirty="0"/>
-              <a:t>--); </a:t>
-            </a:r>
+              <a:t>); </a:t>
+            </a:r>
+          </a:p>
+          <a:p>
+            <a:pPr marL="0" indent="0">
+              <a:buNone/>
+            </a:pPr>
             <a:r>
               <a:rPr lang="en-US" b="1" dirty="0"/>
-              <a:t>//AND don’t forget to </a:t>
+              <a:t>		</a:t>
+            </a:r>
+            <a:r>
+              <a:rPr lang="en-US" b="1" dirty="0" err="1"/>
+              <a:t>i</a:t>
+            </a:r>
+            <a:r>
+              <a:rPr lang="en-US" b="1" dirty="0"/>
+              <a:t>--;//AND don’t forget to </a:t>
             </a:r>
             <a:r>
               <a:rPr lang="en-US" b="1" u="sng" dirty="0"/>
@@ -13057,7 +13069,7 @@
                                         <p:tgtEl>
                                           <p:spTgt spid="3">
                                             <p:txEl>
-                                              <p:pRg st="2" end="2"/>
+                                              <p:pRg st="1" end="1"/>
                                             </p:txEl>
                                           </p:spTgt>
                                         </p:tgtEl>
@@ -13088,7 +13100,7 @@
                                         <p:tgtEl>
                                           <p:spTgt spid="3">
                                             <p:txEl>
-                                              <p:pRg st="3" end="3"/>
+                                              <p:pRg st="2" end="2"/>
                                             </p:txEl>
                                           </p:spTgt>
                                         </p:tgtEl>
@@ -13119,7 +13131,7 @@
                                         <p:tgtEl>
                                           <p:spTgt spid="3">
                                             <p:txEl>
-                                              <p:pRg st="4" end="4"/>
+                                              <p:pRg st="3" end="3"/>
                                             </p:txEl>
                                           </p:spTgt>
                                         </p:tgtEl>
@@ -13150,6 +13162,37 @@
                                         <p:tgtEl>
                                           <p:spTgt spid="3">
                                             <p:txEl>
+                                              <p:pRg st="4" end="4"/>
+                                            </p:txEl>
+                                          </p:spTgt>
+                                        </p:tgtEl>
+                                        <p:attrNameLst>
+                                          <p:attrName>style.visibility</p:attrName>
+                                        </p:attrNameLst>
+                                      </p:cBhvr>
+                                      <p:to>
+                                        <p:strVal val="visible"/>
+                                      </p:to>
+                                    </p:set>
+                                  </p:childTnLst>
+                                </p:cTn>
+                              </p:par>
+                              <p:par>
+                                <p:cTn id="13" presetID="1" presetClass="entr" presetSubtype="0" fill="hold" nodeType="withEffect">
+                                  <p:stCondLst>
+                                    <p:cond delay="0"/>
+                                  </p:stCondLst>
+                                  <p:childTnLst>
+                                    <p:set>
+                                      <p:cBhvr>
+                                        <p:cTn id="14" dur="1" fill="hold">
+                                          <p:stCondLst>
+                                            <p:cond delay="0"/>
+                                          </p:stCondLst>
+                                        </p:cTn>
+                                        <p:tgtEl>
+                                          <p:spTgt spid="3">
+                                            <p:txEl>
                                               <p:pRg st="5" end="5"/>
                                             </p:txEl>
                                           </p:spTgt>
@@ -13172,50 +13215,19 @@
                     </p:cTn>
                   </p:par>
                   <p:par>
-                    <p:cTn id="13" fill="hold">
+                    <p:cTn id="15" fill="hold">
                       <p:stCondLst>
                         <p:cond delay="indefinite"/>
                       </p:stCondLst>
                       <p:childTnLst>
                         <p:par>
-                          <p:cTn id="14" fill="hold">
+                          <p:cTn id="16" fill="hold">
                             <p:stCondLst>
                               <p:cond delay="0"/>
                             </p:stCondLst>
                             <p:childTnLst>
                               <p:par>
-                                <p:cTn id="15" presetID="1" presetClass="entr" presetSubtype="0" fill="hold" nodeType="clickEffect">
-                                  <p:stCondLst>
-                                    <p:cond delay="0"/>
-                                  </p:stCondLst>
-                                  <p:childTnLst>
-                                    <p:set>
-                                      <p:cBhvr>
-                                        <p:cTn id="16" dur="1" fill="hold">
-                                          <p:stCondLst>
-                                            <p:cond delay="0"/>
-                                          </p:stCondLst>
-                                        </p:cTn>
-                                        <p:tgtEl>
-                                          <p:spTgt spid="3">
-                                            <p:txEl>
-                                              <p:pRg st="6" end="6"/>
-                                            </p:txEl>
-                                          </p:spTgt>
-                                        </p:tgtEl>
-                                        <p:attrNameLst>
-                                          <p:attrName>style.visibility</p:attrName>
-                                        </p:attrNameLst>
-                                      </p:cBhvr>
-                                      <p:to>
-                                        <p:strVal val="visible"/>
-                                      </p:to>
-                                    </p:set>
-                                  </p:childTnLst>
-                                </p:cTn>
-                              </p:par>
-                              <p:par>
-                                <p:cTn id="17" presetID="1" presetClass="entr" presetSubtype="0" fill="hold" nodeType="withEffect">
+                                <p:cTn id="17" presetID="1" presetClass="entr" presetSubtype="0" fill="hold" nodeType="clickEffect">
                                   <p:stCondLst>
                                     <p:cond delay="0"/>
                                   </p:stCondLst>
@@ -13230,7 +13242,7 @@
                                         <p:tgtEl>
                                           <p:spTgt spid="3">
                                             <p:txEl>
-                                              <p:pRg st="7" end="7"/>
+                                              <p:pRg st="6" end="6"/>
                                             </p:txEl>
                                           </p:spTgt>
                                         </p:tgtEl>
@@ -13261,7 +13273,7 @@
                                         <p:tgtEl>
                                           <p:spTgt spid="3">
                                             <p:txEl>
-                                              <p:pRg st="8" end="8"/>
+                                              <p:pRg st="7" end="7"/>
                                             </p:txEl>
                                           </p:spTgt>
                                         </p:tgtEl>
@@ -13285,6 +13297,37 @@
                                     <p:set>
                                       <p:cBhvr>
                                         <p:cTn id="22" dur="1" fill="hold">
+                                          <p:stCondLst>
+                                            <p:cond delay="0"/>
+                                          </p:stCondLst>
+                                        </p:cTn>
+                                        <p:tgtEl>
+                                          <p:spTgt spid="3">
+                                            <p:txEl>
+                                              <p:pRg st="8" end="8"/>
+                                            </p:txEl>
+                                          </p:spTgt>
+                                        </p:tgtEl>
+                                        <p:attrNameLst>
+                                          <p:attrName>style.visibility</p:attrName>
+                                        </p:attrNameLst>
+                                      </p:cBhvr>
+                                      <p:to>
+                                        <p:strVal val="visible"/>
+                                      </p:to>
+                                    </p:set>
+                                  </p:childTnLst>
+                                </p:cTn>
+                              </p:par>
+                              <p:par>
+                                <p:cTn id="23" presetID="1" presetClass="entr" presetSubtype="0" fill="hold" nodeType="withEffect">
+                                  <p:stCondLst>
+                                    <p:cond delay="0"/>
+                                  </p:stCondLst>
+                                  <p:childTnLst>
+                                    <p:set>
+                                      <p:cBhvr>
+                                        <p:cTn id="24" dur="1" fill="hold">
                                           <p:stCondLst>
                                             <p:cond delay="0"/>
                                           </p:stCondLst>

--- a/courses/apcsa/APExam.pptx
+++ b/courses/apcsa/APExam.pptx
@@ -6,7 +6,7 @@
   </p:sldMasterIdLst>
   <p:sldIdLst>
     <p:sldId id="256" r:id="rId2"/>
-    <p:sldId id="286" r:id="rId3"/>
+    <p:sldId id="542" r:id="rId3"/>
     <p:sldId id="343" r:id="rId4"/>
     <p:sldId id="344" r:id="rId5"/>
     <p:sldId id="345" r:id="rId6"/>
@@ -143,7 +143,7 @@
 <file path=ppt/revisionInfo.xml><?xml version="1.0" encoding="utf-8"?>
 <p1510:revInfo xmlns:a="http://schemas.openxmlformats.org/drawingml/2006/main" xmlns:r="http://schemas.openxmlformats.org/officeDocument/2006/relationships" xmlns:p1510="http://schemas.microsoft.com/office/powerpoint/2015/10/main">
   <p1510:revLst>
-    <p1510:client id="{0576C267-E6BF-B644-A8D6-09119D529826}" v="704" dt="2021-05-10T14:57:40.406"/>
+    <p1510:client id="{0576C267-E6BF-B644-A8D6-09119D529826}" v="729" dt="2021-05-17T15:10:11.595"/>
   </p1510:revLst>
 </p1510:revInfo>
 </file>
@@ -200,7 +200,7 @@
   <pc:docChgLst>
     <pc:chgData name="Long B Nguyen" userId="f59fb8f3-a021-417a-8bc1-65c8d471c621" providerId="ADAL" clId="{0576C267-E6BF-B644-A8D6-09119D529826}"/>
     <pc:docChg chg="custSel addSld delSld modSld">
-      <pc:chgData name="Long B Nguyen" userId="f59fb8f3-a021-417a-8bc1-65c8d471c621" providerId="ADAL" clId="{0576C267-E6BF-B644-A8D6-09119D529826}" dt="2021-05-10T14:57:40.406" v="2748" actId="20577"/>
+      <pc:chgData name="Long B Nguyen" userId="f59fb8f3-a021-417a-8bc1-65c8d471c621" providerId="ADAL" clId="{0576C267-E6BF-B644-A8D6-09119D529826}" dt="2021-05-17T15:10:31.653" v="2777" actId="2696"/>
       <pc:docMkLst>
         <pc:docMk/>
       </pc:docMkLst>
@@ -216,6 +216,21 @@
             <pc:docMk/>
             <pc:sldMk cId="4247104139" sldId="256"/>
             <ac:spMk id="2" creationId="{6117A749-B1BA-E24B-8FB0-0604EF651FB3}"/>
+          </ac:spMkLst>
+        </pc:spChg>
+      </pc:sldChg>
+      <pc:sldChg chg="modSp del mod">
+        <pc:chgData name="Long B Nguyen" userId="f59fb8f3-a021-417a-8bc1-65c8d471c621" providerId="ADAL" clId="{0576C267-E6BF-B644-A8D6-09119D529826}" dt="2021-05-17T15:10:31.653" v="2777" actId="2696"/>
+        <pc:sldMkLst>
+          <pc:docMk/>
+          <pc:sldMk cId="131840209" sldId="286"/>
+        </pc:sldMkLst>
+        <pc:spChg chg="mod">
+          <ac:chgData name="Long B Nguyen" userId="f59fb8f3-a021-417a-8bc1-65c8d471c621" providerId="ADAL" clId="{0576C267-E6BF-B644-A8D6-09119D529826}" dt="2021-05-17T15:09:30.648" v="2750" actId="21"/>
+          <ac:spMkLst>
+            <pc:docMk/>
+            <pc:sldMk cId="131840209" sldId="286"/>
+            <ac:spMk id="9" creationId="{E3B2E017-30B2-884B-A113-B419A2ED51AD}"/>
           </ac:spMkLst>
         </pc:spChg>
       </pc:sldChg>
@@ -708,6 +723,29 @@
           <pc:docMk/>
           <pc:sldMk cId="2872297706" sldId="369"/>
         </pc:sldMkLst>
+      </pc:sldChg>
+      <pc:sldChg chg="modSp add mod">
+        <pc:chgData name="Long B Nguyen" userId="f59fb8f3-a021-417a-8bc1-65c8d471c621" providerId="ADAL" clId="{0576C267-E6BF-B644-A8D6-09119D529826}" dt="2021-05-17T15:10:11.595" v="2776" actId="20577"/>
+        <pc:sldMkLst>
+          <pc:docMk/>
+          <pc:sldMk cId="2944137601" sldId="542"/>
+        </pc:sldMkLst>
+        <pc:spChg chg="mod">
+          <ac:chgData name="Long B Nguyen" userId="f59fb8f3-a021-417a-8bc1-65c8d471c621" providerId="ADAL" clId="{0576C267-E6BF-B644-A8D6-09119D529826}" dt="2021-05-17T15:09:49.297" v="2758" actId="1076"/>
+          <ac:spMkLst>
+            <pc:docMk/>
+            <pc:sldMk cId="2944137601" sldId="542"/>
+            <ac:spMk id="2" creationId="{F9B45207-3758-EE4E-AE72-A18C7DCF880E}"/>
+          </ac:spMkLst>
+        </pc:spChg>
+        <pc:spChg chg="mod">
+          <ac:chgData name="Long B Nguyen" userId="f59fb8f3-a021-417a-8bc1-65c8d471c621" providerId="ADAL" clId="{0576C267-E6BF-B644-A8D6-09119D529826}" dt="2021-05-17T15:10:11.595" v="2776" actId="20577"/>
+          <ac:spMkLst>
+            <pc:docMk/>
+            <pc:sldMk cId="2944137601" sldId="542"/>
+            <ac:spMk id="3" creationId="{93A17F48-4F51-5547-A8A8-BEB6B1341C84}"/>
+          </ac:spMkLst>
+        </pc:spChg>
       </pc:sldChg>
     </pc:docChg>
   </pc:docChgLst>
@@ -2424,7 +2462,7 @@
           <a:p>
             <a:fld id="{4AAD347D-5ACD-4C99-B74B-A9C85AD731AF}" type="datetimeFigureOut">
               <a:rPr lang="en-US" smtClean="0"/>
-              <a:t>5/10/21</a:t>
+              <a:t>5/17/21</a:t>
             </a:fld>
             <a:endParaRPr lang="en-US" dirty="0"/>
           </a:p>
@@ -2594,7 +2632,7 @@
           <a:p>
             <a:fld id="{4509A250-FF31-4206-8172-F9D3106AACB1}" type="datetimeFigureOut">
               <a:rPr lang="en-US" smtClean="0"/>
-              <a:t>5/10/21</a:t>
+              <a:t>5/17/21</a:t>
             </a:fld>
             <a:endParaRPr lang="en-US" dirty="0"/>
           </a:p>
@@ -2774,7 +2812,7 @@
           <a:p>
             <a:fld id="{4509A250-FF31-4206-8172-F9D3106AACB1}" type="datetimeFigureOut">
               <a:rPr lang="en-US" smtClean="0"/>
-              <a:t>5/10/21</a:t>
+              <a:t>5/17/21</a:t>
             </a:fld>
             <a:endParaRPr lang="en-US" dirty="0"/>
           </a:p>
@@ -2944,7 +2982,7 @@
           <a:p>
             <a:fld id="{4509A250-FF31-4206-8172-F9D3106AACB1}" type="datetimeFigureOut">
               <a:rPr lang="en-US" smtClean="0"/>
-              <a:t>5/10/21</a:t>
+              <a:t>5/17/21</a:t>
             </a:fld>
             <a:endParaRPr lang="en-US" dirty="0"/>
           </a:p>
@@ -3190,7 +3228,7 @@
           <a:p>
             <a:fld id="{9796027F-7875-4030-9381-8BD8C4F21935}" type="datetimeFigureOut">
               <a:rPr lang="en-US" smtClean="0"/>
-              <a:t>5/10/21</a:t>
+              <a:t>5/17/21</a:t>
             </a:fld>
             <a:endParaRPr lang="en-US" dirty="0"/>
           </a:p>
@@ -3422,7 +3460,7 @@
           <a:p>
             <a:fld id="{9796027F-7875-4030-9381-8BD8C4F21935}" type="datetimeFigureOut">
               <a:rPr lang="en-US" smtClean="0"/>
-              <a:t>5/10/21</a:t>
+              <a:t>5/17/21</a:t>
             </a:fld>
             <a:endParaRPr lang="en-US" dirty="0"/>
           </a:p>
@@ -3789,7 +3827,7 @@
           <a:p>
             <a:fld id="{9796027F-7875-4030-9381-8BD8C4F21935}" type="datetimeFigureOut">
               <a:rPr lang="en-US" smtClean="0"/>
-              <a:t>5/10/21</a:t>
+              <a:t>5/17/21</a:t>
             </a:fld>
             <a:endParaRPr lang="en-US" dirty="0"/>
           </a:p>
@@ -3907,7 +3945,7 @@
           <a:p>
             <a:fld id="{4509A250-FF31-4206-8172-F9D3106AACB1}" type="datetimeFigureOut">
               <a:rPr lang="en-US" smtClean="0"/>
-              <a:t>5/10/21</a:t>
+              <a:t>5/17/21</a:t>
             </a:fld>
             <a:endParaRPr lang="en-US" dirty="0"/>
           </a:p>
@@ -4002,7 +4040,7 @@
           <a:p>
             <a:fld id="{4509A250-FF31-4206-8172-F9D3106AACB1}" type="datetimeFigureOut">
               <a:rPr lang="en-US" smtClean="0"/>
-              <a:t>5/10/21</a:t>
+              <a:t>5/17/21</a:t>
             </a:fld>
             <a:endParaRPr lang="en-US" dirty="0"/>
           </a:p>
@@ -4279,7 +4317,7 @@
           <a:p>
             <a:fld id="{4509A250-FF31-4206-8172-F9D3106AACB1}" type="datetimeFigureOut">
               <a:rPr lang="en-US" smtClean="0"/>
-              <a:t>5/10/21</a:t>
+              <a:t>5/17/21</a:t>
             </a:fld>
             <a:endParaRPr lang="en-US" dirty="0"/>
           </a:p>
@@ -4536,7 +4574,7 @@
           <a:p>
             <a:fld id="{4509A250-FF31-4206-8172-F9D3106AACB1}" type="datetimeFigureOut">
               <a:rPr lang="en-US" smtClean="0"/>
-              <a:t>5/10/21</a:t>
+              <a:t>5/17/21</a:t>
             </a:fld>
             <a:endParaRPr lang="en-US" dirty="0"/>
           </a:p>
@@ -4749,7 +4787,7 @@
           <a:p>
             <a:fld id="{4AAD347D-5ACD-4C99-B74B-A9C85AD731AF}" type="datetimeFigureOut">
               <a:rPr lang="en-US" smtClean="0"/>
-              <a:t>5/10/21</a:t>
+              <a:t>5/17/21</a:t>
             </a:fld>
             <a:endParaRPr lang="en-US" dirty="0"/>
           </a:p>
@@ -9420,7 +9458,7 @@
           <p:cNvPr id="2" name="Title 1">
             <a:extLst>
               <a:ext uri="{FF2B5EF4-FFF2-40B4-BE49-F238E27FC236}">
-                <a16:creationId xmlns:a16="http://schemas.microsoft.com/office/drawing/2014/main" id="{AA3A228F-61D0-D949-A5E7-F83756230BF8}"/>
+                <a16:creationId xmlns:a16="http://schemas.microsoft.com/office/drawing/2014/main" id="{F9B45207-3758-EE4E-AE72-A18C7DCF880E}"/>
               </a:ext>
             </a:extLst>
           </p:cNvPr>
@@ -9433,8 +9471,8 @@
         </p:nvSpPr>
         <p:spPr>
           <a:xfrm>
-            <a:off x="176200" y="227744"/>
-            <a:ext cx="7053542" cy="683886"/>
+            <a:off x="179109" y="64858"/>
+            <a:ext cx="7886700" cy="661655"/>
           </a:xfrm>
         </p:spPr>
         <p:txBody>
@@ -9443,17 +9481,17 @@
           <a:p>
             <a:r>
               <a:rPr lang="en-US" dirty="0"/>
-              <a:t>APCSA AP Exam</a:t>
+              <a:t>AP Exam </a:t>
             </a:r>
           </a:p>
         </p:txBody>
       </p:sp>
       <p:sp>
         <p:nvSpPr>
-          <p:cNvPr id="9" name="Content Placeholder 8">
+          <p:cNvPr id="3" name="Content Placeholder 2">
             <a:extLst>
               <a:ext uri="{FF2B5EF4-FFF2-40B4-BE49-F238E27FC236}">
-                <a16:creationId xmlns:a16="http://schemas.microsoft.com/office/drawing/2014/main" id="{E3B2E017-30B2-884B-A113-B419A2ED51AD}"/>
+                <a16:creationId xmlns:a16="http://schemas.microsoft.com/office/drawing/2014/main" id="{93A17F48-4F51-5547-A8A8-BEB6B1341C84}"/>
               </a:ext>
             </a:extLst>
           </p:cNvPr>
@@ -9466,65 +9504,68 @@
         </p:nvSpPr>
         <p:spPr>
           <a:xfrm>
-            <a:off x="116379" y="911630"/>
-            <a:ext cx="8051725" cy="4303429"/>
+            <a:off x="179109" y="726513"/>
+            <a:ext cx="8964891" cy="4751785"/>
           </a:xfrm>
         </p:spPr>
         <p:txBody>
-          <a:bodyPr>
-            <a:normAutofit/>
-          </a:bodyPr>
+          <a:bodyPr/>
           <a:lstStyle/>
           <a:p>
             <a:pPr marL="0" indent="0">
               <a:buNone/>
             </a:pPr>
             <a:r>
-              <a:rPr lang="en-US" sz="2200" dirty="0">
+              <a:rPr lang="en-US" dirty="0"/>
+              <a:t>When: Tuesday June 1, 2021 at 4PM Eastern Standard Time.</a:t>
+            </a:r>
+          </a:p>
+          <a:p>
+            <a:pPr marL="0" indent="0">
+              <a:buNone/>
+            </a:pPr>
+            <a:r>
+              <a:rPr lang="en-US" dirty="0"/>
+              <a:t>At home. On Digital Testing App. </a:t>
+            </a:r>
+          </a:p>
+          <a:p>
+            <a:pPr marL="0" indent="0">
+              <a:buNone/>
+            </a:pPr>
+            <a:r>
+              <a:rPr lang="en-US" dirty="0"/>
+              <a:t>Preparing:</a:t>
+            </a:r>
+          </a:p>
+          <a:p>
+            <a:pPr marL="457200" indent="-457200">
+              <a:buAutoNum type="arabicParenR"/>
+            </a:pPr>
+            <a:r>
+              <a:rPr lang="en-US" dirty="0"/>
+              <a:t>Download! </a:t>
+            </a:r>
+            <a:r>
+              <a:rPr lang="en-US" dirty="0">
+                <a:hlinkClick r:id="rId2"/>
+              </a:rPr>
+              <a:t>https://download.app.collegeboard.org/</a:t>
+            </a:r>
+            <a:endParaRPr lang="en-US" dirty="0"/>
+          </a:p>
+          <a:p>
+            <a:pPr marL="0" indent="0">
+              <a:buNone/>
+            </a:pPr>
+            <a:r>
+              <a:rPr lang="en-US" sz="2000" dirty="0">
                 <a:latin typeface="Gill Sans MT" panose="020B0502020104020203" pitchFamily="34" charset="77"/>
               </a:rPr>
-              <a:t>Exam Date and Time: </a:t>
-            </a:r>
-          </a:p>
-          <a:p>
-            <a:pPr marL="0" indent="0">
-              <a:buNone/>
-            </a:pPr>
-            <a:endParaRPr lang="en-US" sz="2200" dirty="0">
-              <a:latin typeface="Gill Sans MT" panose="020B0502020104020203" pitchFamily="34" charset="77"/>
-            </a:endParaRPr>
-          </a:p>
-          <a:p>
-            <a:pPr marL="0" indent="0">
-              <a:buNone/>
-            </a:pPr>
-            <a:r>
-              <a:rPr lang="en-US" sz="2200" dirty="0">
-                <a:latin typeface="Gill Sans MT" panose="020B0502020104020203" pitchFamily="34" charset="77"/>
-              </a:rPr>
-              <a:t>Tuesday, June 1 at 4PM Eastern Time at home on the Digital Testing App. </a:t>
-            </a:r>
-          </a:p>
-          <a:p>
-            <a:pPr marL="0" indent="0">
-              <a:buNone/>
-            </a:pPr>
-            <a:endParaRPr lang="en-US" sz="2200" dirty="0">
-              <a:latin typeface="Gill Sans MT" panose="020B0502020104020203" pitchFamily="34" charset="77"/>
-            </a:endParaRPr>
-          </a:p>
-          <a:p>
-            <a:pPr marL="0" indent="0">
-              <a:buNone/>
-            </a:pPr>
-            <a:r>
-              <a:rPr lang="en-US" sz="2200" dirty="0">
-                <a:latin typeface="Gill Sans MT" panose="020B0502020104020203" pitchFamily="34" charset="77"/>
-              </a:rPr>
               <a:t>The Digital Testing App can be installed on desktops and laptops. </a:t>
             </a:r>
             <a:r>
-              <a:rPr lang="en-US" sz="2200" dirty="0">
+              <a:rPr lang="en-US" sz="2000" dirty="0">
                 <a:solidFill>
                   <a:srgbClr val="FF0000"/>
                 </a:solidFill>
@@ -9533,195 +9574,332 @@
               <a:t>Personal Chromebooks are not allowed</a:t>
             </a:r>
             <a:r>
-              <a:rPr lang="en-US" sz="2200" dirty="0">
+              <a:rPr lang="en-US" sz="2000" dirty="0">
                 <a:latin typeface="Gill Sans MT" panose="020B0502020104020203" pitchFamily="34" charset="77"/>
               </a:rPr>
               <a:t>. Only school-managed Chromebooks which already have the App installed can be used. </a:t>
             </a:r>
-          </a:p>
-          <a:p>
-            <a:pPr marL="0" indent="0">
-              <a:buNone/>
-            </a:pPr>
-            <a:endParaRPr lang="en-US" sz="2200" dirty="0">
-              <a:latin typeface="Gill Sans MT" panose="020B0502020104020203" pitchFamily="34" charset="77"/>
-            </a:endParaRPr>
-          </a:p>
-          <a:p>
-            <a:pPr marL="0" indent="0">
-              <a:buNone/>
-            </a:pPr>
-            <a:r>
-              <a:rPr lang="en-US" sz="2200" dirty="0">
-                <a:latin typeface="Gill Sans MT" panose="020B0502020104020203" pitchFamily="34" charset="77"/>
-              </a:rPr>
-              <a:t>Please sign in 30 minutes before 4PM to do preliminary registration. </a:t>
-            </a:r>
-          </a:p>
-          <a:p>
-            <a:pPr marL="0" indent="0">
-              <a:buNone/>
-            </a:pPr>
-            <a:endParaRPr lang="en-US" sz="2200" dirty="0"/>
-          </a:p>
-          <a:p>
-            <a:pPr marL="0" indent="0">
-              <a:buNone/>
-            </a:pPr>
-            <a:endParaRPr lang="en-US" sz="2200" dirty="0">
-              <a:latin typeface="Gill Sans MT" panose="020B0502020104020203" pitchFamily="34" charset="77"/>
-            </a:endParaRPr>
-          </a:p>
-          <a:p>
-            <a:pPr marL="457200" indent="-457200">
-              <a:buAutoNum type="arabicParenR"/>
-            </a:pPr>
-            <a:endParaRPr lang="en-US" sz="2200" dirty="0">
-              <a:latin typeface="Gill Sans MT" panose="020B0502020104020203" pitchFamily="34" charset="77"/>
-            </a:endParaRPr>
-          </a:p>
-          <a:p>
-            <a:pPr marL="457200" indent="-457200">
-              <a:buAutoNum type="arabicParenR"/>
-            </a:pPr>
-            <a:endParaRPr lang="en-US" sz="2200" dirty="0">
-              <a:latin typeface="Gill Sans MT" panose="020B0502020104020203" pitchFamily="34" charset="77"/>
-            </a:endParaRPr>
-          </a:p>
-          <a:p>
-            <a:pPr marL="0" indent="0">
-              <a:buNone/>
-            </a:pPr>
-            <a:endParaRPr lang="en-US" sz="2200" dirty="0">
-              <a:latin typeface="Gill Sans MT" panose="020B0502020104020203" pitchFamily="34" charset="77"/>
-            </a:endParaRPr>
-          </a:p>
-          <a:p>
-            <a:pPr marL="0" indent="0">
-              <a:buNone/>
-            </a:pPr>
-            <a:endParaRPr lang="en-US" sz="2200" b="1" dirty="0">
-              <a:latin typeface="Gill Sans MT" panose="020B0502020104020203" pitchFamily="34" charset="77"/>
-            </a:endParaRPr>
+            <a:endParaRPr lang="en-US" dirty="0"/>
+          </a:p>
+          <a:p>
+            <a:pPr marL="0" indent="0">
+              <a:buNone/>
+            </a:pPr>
+            <a:r>
+              <a:rPr lang="en-US" dirty="0"/>
+              <a:t>2) Practice with Example Questions in the Digital Testing App.</a:t>
+            </a:r>
+          </a:p>
+          <a:p>
+            <a:pPr marL="0" indent="0">
+              <a:buNone/>
+            </a:pPr>
+            <a:r>
+              <a:rPr lang="en-US" dirty="0"/>
+              <a:t>3) </a:t>
+            </a:r>
+            <a:r>
+              <a:rPr lang="en-US" dirty="0">
+                <a:solidFill>
+                  <a:srgbClr val="FF0000"/>
+                </a:solidFill>
+              </a:rPr>
+              <a:t>1–3 Days Before Exam Day</a:t>
+            </a:r>
+            <a:r>
+              <a:rPr lang="en-US" dirty="0"/>
+              <a:t>, Complete Exam Setup for Each Digital Exam. </a:t>
+            </a:r>
+            <a:r>
+              <a:rPr lang="en-US" dirty="0">
+                <a:solidFill>
+                  <a:srgbClr val="FF0000"/>
+                </a:solidFill>
+              </a:rPr>
+              <a:t>You cannot take the exam without completing this step!</a:t>
+            </a:r>
+          </a:p>
+          <a:p>
+            <a:pPr marL="0" indent="0">
+              <a:buNone/>
+            </a:pPr>
+            <a:r>
+              <a:rPr lang="en-US" dirty="0"/>
+              <a:t>4) On Exam Day: 30 Minutes Before the Exam | Check In to the Exam</a:t>
+            </a:r>
+          </a:p>
+          <a:p>
+            <a:pPr marL="0" indent="0">
+              <a:buNone/>
+            </a:pPr>
+            <a:r>
+              <a:rPr lang="en-US" dirty="0"/>
+              <a:t>On exam day, you must check in </a:t>
+            </a:r>
+            <a:r>
+              <a:rPr lang="en-US" b="1" dirty="0"/>
+              <a:t>30 minutes before the official start time of the exam</a:t>
+            </a:r>
+            <a:r>
+              <a:rPr lang="en-US" dirty="0"/>
+              <a:t>—at 11:30 a.m. EDT for 12 p.m. exams and 3:30 p.m. EDT for 4 p.m. exams—to complete final pre-exam checks.</a:t>
+            </a:r>
+          </a:p>
+          <a:p>
+            <a:pPr marL="0" indent="0">
+              <a:buNone/>
+            </a:pPr>
+            <a:endParaRPr lang="en-US" dirty="0"/>
           </a:p>
         </p:txBody>
       </p:sp>
       <p:sp>
         <p:nvSpPr>
-          <p:cNvPr id="4" name="Rectangle 1">
+          <p:cNvPr id="4" name="Slide Number Placeholder 3">
             <a:extLst>
               <a:ext uri="{FF2B5EF4-FFF2-40B4-BE49-F238E27FC236}">
-                <a16:creationId xmlns:a16="http://schemas.microsoft.com/office/drawing/2014/main" id="{E4C2513D-E995-A04E-A172-34C85E0E5926}"/>
+                <a16:creationId xmlns:a16="http://schemas.microsoft.com/office/drawing/2014/main" id="{ED961A3A-B3B8-A64A-9FCD-D5EE299F137A}"/>
               </a:ext>
             </a:extLst>
           </p:cNvPr>
           <p:cNvSpPr>
-            <a:spLocks noChangeArrowheads="1"/>
+            <a:spLocks noGrp="1"/>
           </p:cNvSpPr>
-          <p:nvPr/>
+          <p:nvPr>
+            <p:ph type="sldNum" sz="quarter" idx="12"/>
+          </p:nvPr>
         </p:nvSpPr>
-        <p:spPr bwMode="auto">
-          <a:xfrm>
-            <a:off x="1135063" y="2601913"/>
-            <a:ext cx="9144000" cy="0"/>
-          </a:xfrm>
-          <a:prstGeom prst="rect">
-            <a:avLst/>
-          </a:prstGeom>
-          <a:noFill/>
-          <a:ln>
-            <a:noFill/>
-          </a:ln>
-          <a:effectLst/>
-          <a:extLst>
-            <a:ext uri="{909E8E84-426E-40DD-AFC4-6F175D3DCCD1}">
-              <a14:hiddenFill xmlns:a14="http://schemas.microsoft.com/office/drawing/2010/main">
-                <a:solidFill>
-                  <a:schemeClr val="accent1"/>
-                </a:solidFill>
-              </a14:hiddenFill>
-            </a:ext>
-            <a:ext uri="{91240B29-F687-4F45-9708-019B960494DF}">
-              <a14:hiddenLine xmlns:a14="http://schemas.microsoft.com/office/drawing/2010/main" w="9525">
-                <a:solidFill>
-                  <a:schemeClr val="tx1"/>
-                </a:solidFill>
-                <a:miter lim="800000"/>
-                <a:headEnd/>
-                <a:tailEnd/>
-              </a14:hiddenLine>
-            </a:ext>
-            <a:ext uri="{AF507438-7753-43E0-B8FC-AC1667EBCBE1}">
-              <a14:hiddenEffects xmlns:a14="http://schemas.microsoft.com/office/drawing/2010/main">
-                <a:effectLst>
-                  <a:outerShdw dist="35921" dir="2700000" algn="ctr" rotWithShape="0">
-                    <a:schemeClr val="bg2"/>
-                  </a:outerShdw>
-                </a:effectLst>
-              </a14:hiddenEffects>
-            </a:ext>
-          </a:extLst>
-        </p:spPr>
+        <p:spPr/>
         <p:txBody>
-          <a:bodyPr vert="horz" wrap="none" lIns="91440" tIns="45720" rIns="91440" bIns="45720" numCol="1" anchor="ctr" anchorCtr="0" compatLnSpc="1">
-            <a:prstTxWarp prst="textNoShape">
-              <a:avLst/>
-            </a:prstTxWarp>
-            <a:spAutoFit/>
-          </a:bodyPr>
+          <a:bodyPr/>
           <a:lstStyle/>
           <a:p>
-            <a:pPr marL="0" marR="0" lvl="0" indent="0" algn="l" defTabSz="914400" rtl="0" eaLnBrk="0" fontAlgn="base" latinLnBrk="0" hangingPunct="0">
-              <a:lnSpc>
-                <a:spcPct val="100000"/>
-              </a:lnSpc>
-              <a:spcBef>
-                <a:spcPct val="0"/>
-              </a:spcBef>
-              <a:spcAft>
-                <a:spcPct val="0"/>
-              </a:spcAft>
-              <a:buClrTx/>
-              <a:buSzTx/>
-              <a:buFontTx/>
-              <a:buNone/>
-              <a:tabLst/>
-            </a:pPr>
-            <a:br>
-              <a:rPr kumimoji="0" lang="en-US" altLang="en-US" sz="1800" b="0" i="0" u="none" strike="noStrike" cap="none" normalizeH="0" baseline="0">
-                <a:ln>
-                  <a:noFill/>
-                </a:ln>
-                <a:solidFill>
-                  <a:schemeClr val="tx1"/>
-                </a:solidFill>
-                <a:effectLst/>
-                <a:latin typeface="Arial" panose="020B0604020202020204" pitchFamily="34" charset="0"/>
-              </a:rPr>
-            </a:br>
-            <a:endParaRPr kumimoji="0" lang="en-US" altLang="en-US" sz="1800" b="0" i="0" u="none" strike="noStrike" cap="none" normalizeH="0" baseline="0">
-              <a:ln>
-                <a:noFill/>
-              </a:ln>
-              <a:solidFill>
-                <a:schemeClr val="tx1"/>
-              </a:solidFill>
-              <a:effectLst/>
-              <a:latin typeface="Arial" panose="020B0604020202020204" pitchFamily="34" charset="0"/>
-            </a:endParaRPr>
+            <a:fld id="{D57F1E4F-1CFF-5643-939E-02111984F565}" type="slidenum">
+              <a:rPr lang="en-US" smtClean="0"/>
+              <a:t>2</a:t>
+            </a:fld>
+            <a:endParaRPr lang="en-US" dirty="0"/>
           </a:p>
         </p:txBody>
       </p:sp>
     </p:spTree>
     <p:extLst>
       <p:ext uri="{BB962C8B-B14F-4D97-AF65-F5344CB8AC3E}">
-        <p14:creationId xmlns:p14="http://schemas.microsoft.com/office/powerpoint/2010/main" val="131840209"/>
+        <p14:creationId xmlns:p14="http://schemas.microsoft.com/office/powerpoint/2010/main" val="2944137601"/>
       </p:ext>
     </p:extLst>
   </p:cSld>
   <p:clrMapOvr>
     <a:masterClrMapping/>
   </p:clrMapOvr>
+  <p:timing>
+    <p:tnLst>
+      <p:par>
+        <p:cTn id="1" dur="indefinite" restart="never" nodeType="tmRoot">
+          <p:childTnLst>
+            <p:seq concurrent="1" nextAc="seek">
+              <p:cTn id="2" dur="indefinite" nodeType="mainSeq">
+                <p:childTnLst>
+                  <p:par>
+                    <p:cTn id="3" fill="hold">
+                      <p:stCondLst>
+                        <p:cond delay="indefinite"/>
+                      </p:stCondLst>
+                      <p:childTnLst>
+                        <p:par>
+                          <p:cTn id="4" fill="hold">
+                            <p:stCondLst>
+                              <p:cond delay="0"/>
+                            </p:stCondLst>
+                            <p:childTnLst>
+                              <p:par>
+                                <p:cTn id="5" presetID="1" presetClass="entr" presetSubtype="0" fill="hold" nodeType="clickEffect">
+                                  <p:stCondLst>
+                                    <p:cond delay="0"/>
+                                  </p:stCondLst>
+                                  <p:childTnLst>
+                                    <p:set>
+                                      <p:cBhvr>
+                                        <p:cTn id="6" dur="1" fill="hold">
+                                          <p:stCondLst>
+                                            <p:cond delay="0"/>
+                                          </p:stCondLst>
+                                        </p:cTn>
+                                        <p:tgtEl>
+                                          <p:spTgt spid="3">
+                                            <p:txEl>
+                                              <p:pRg st="5" end="5"/>
+                                            </p:txEl>
+                                          </p:spTgt>
+                                        </p:tgtEl>
+                                        <p:attrNameLst>
+                                          <p:attrName>style.visibility</p:attrName>
+                                        </p:attrNameLst>
+                                      </p:cBhvr>
+                                      <p:to>
+                                        <p:strVal val="visible"/>
+                                      </p:to>
+                                    </p:set>
+                                  </p:childTnLst>
+                                </p:cTn>
+                              </p:par>
+                            </p:childTnLst>
+                          </p:cTn>
+                        </p:par>
+                      </p:childTnLst>
+                    </p:cTn>
+                  </p:par>
+                  <p:par>
+                    <p:cTn id="7" fill="hold">
+                      <p:stCondLst>
+                        <p:cond delay="indefinite"/>
+                      </p:stCondLst>
+                      <p:childTnLst>
+                        <p:par>
+                          <p:cTn id="8" fill="hold">
+                            <p:stCondLst>
+                              <p:cond delay="0"/>
+                            </p:stCondLst>
+                            <p:childTnLst>
+                              <p:par>
+                                <p:cTn id="9" presetID="1" presetClass="entr" presetSubtype="0" fill="hold" nodeType="clickEffect">
+                                  <p:stCondLst>
+                                    <p:cond delay="0"/>
+                                  </p:stCondLst>
+                                  <p:childTnLst>
+                                    <p:set>
+                                      <p:cBhvr>
+                                        <p:cTn id="10" dur="1" fill="hold">
+                                          <p:stCondLst>
+                                            <p:cond delay="0"/>
+                                          </p:stCondLst>
+                                        </p:cTn>
+                                        <p:tgtEl>
+                                          <p:spTgt spid="3">
+                                            <p:txEl>
+                                              <p:pRg st="6" end="6"/>
+                                            </p:txEl>
+                                          </p:spTgt>
+                                        </p:tgtEl>
+                                        <p:attrNameLst>
+                                          <p:attrName>style.visibility</p:attrName>
+                                        </p:attrNameLst>
+                                      </p:cBhvr>
+                                      <p:to>
+                                        <p:strVal val="visible"/>
+                                      </p:to>
+                                    </p:set>
+                                  </p:childTnLst>
+                                </p:cTn>
+                              </p:par>
+                            </p:childTnLst>
+                          </p:cTn>
+                        </p:par>
+                      </p:childTnLst>
+                    </p:cTn>
+                  </p:par>
+                  <p:par>
+                    <p:cTn id="11" fill="hold">
+                      <p:stCondLst>
+                        <p:cond delay="indefinite"/>
+                      </p:stCondLst>
+                      <p:childTnLst>
+                        <p:par>
+                          <p:cTn id="12" fill="hold">
+                            <p:stCondLst>
+                              <p:cond delay="0"/>
+                            </p:stCondLst>
+                            <p:childTnLst>
+                              <p:par>
+                                <p:cTn id="13" presetID="1" presetClass="entr" presetSubtype="0" fill="hold" nodeType="clickEffect">
+                                  <p:stCondLst>
+                                    <p:cond delay="0"/>
+                                  </p:stCondLst>
+                                  <p:childTnLst>
+                                    <p:set>
+                                      <p:cBhvr>
+                                        <p:cTn id="14" dur="1" fill="hold">
+                                          <p:stCondLst>
+                                            <p:cond delay="0"/>
+                                          </p:stCondLst>
+                                        </p:cTn>
+                                        <p:tgtEl>
+                                          <p:spTgt spid="3">
+                                            <p:txEl>
+                                              <p:pRg st="7" end="7"/>
+                                            </p:txEl>
+                                          </p:spTgt>
+                                        </p:tgtEl>
+                                        <p:attrNameLst>
+                                          <p:attrName>style.visibility</p:attrName>
+                                        </p:attrNameLst>
+                                      </p:cBhvr>
+                                      <p:to>
+                                        <p:strVal val="visible"/>
+                                      </p:to>
+                                    </p:set>
+                                  </p:childTnLst>
+                                </p:cTn>
+                              </p:par>
+                              <p:par>
+                                <p:cTn id="15" presetID="1" presetClass="entr" presetSubtype="0" fill="hold" nodeType="withEffect">
+                                  <p:stCondLst>
+                                    <p:cond delay="0"/>
+                                  </p:stCondLst>
+                                  <p:childTnLst>
+                                    <p:set>
+                                      <p:cBhvr>
+                                        <p:cTn id="16" dur="1" fill="hold">
+                                          <p:stCondLst>
+                                            <p:cond delay="0"/>
+                                          </p:stCondLst>
+                                        </p:cTn>
+                                        <p:tgtEl>
+                                          <p:spTgt spid="3">
+                                            <p:txEl>
+                                              <p:pRg st="8" end="8"/>
+                                            </p:txEl>
+                                          </p:spTgt>
+                                        </p:tgtEl>
+                                        <p:attrNameLst>
+                                          <p:attrName>style.visibility</p:attrName>
+                                        </p:attrNameLst>
+                                      </p:cBhvr>
+                                      <p:to>
+                                        <p:strVal val="visible"/>
+                                      </p:to>
+                                    </p:set>
+                                  </p:childTnLst>
+                                </p:cTn>
+                              </p:par>
+                            </p:childTnLst>
+                          </p:cTn>
+                        </p:par>
+                      </p:childTnLst>
+                    </p:cTn>
+                  </p:par>
+                </p:childTnLst>
+              </p:cTn>
+              <p:prevCondLst>
+                <p:cond evt="onPrev" delay="0">
+                  <p:tgtEl>
+                    <p:sldTgt/>
+                  </p:tgtEl>
+                </p:cond>
+              </p:prevCondLst>
+              <p:nextCondLst>
+                <p:cond evt="onNext" delay="0">
+                  <p:tgtEl>
+                    <p:sldTgt/>
+                  </p:tgtEl>
+                </p:cond>
+              </p:nextCondLst>
+            </p:seq>
+          </p:childTnLst>
+        </p:cTn>
+      </p:par>
+    </p:tnLst>
+  </p:timing>
 </p:sld>
 </file>
 

--- a/courses/apcsa/APExam.pptx
+++ b/courses/apcsa/APExam.pptx
@@ -4,6 +4,9 @@
   <p:sldMasterIdLst>
     <p:sldMasterId id="2147483791" r:id="rId1"/>
   </p:sldMasterIdLst>
+  <p:notesMasterIdLst>
+    <p:notesMasterId r:id="rId43"/>
+  </p:notesMasterIdLst>
   <p:sldIdLst>
     <p:sldId id="256" r:id="rId2"/>
     <p:sldId id="542" r:id="rId3"/>
@@ -34,6 +37,18 @@
     <p:sldId id="362" r:id="rId28"/>
     <p:sldId id="369" r:id="rId29"/>
     <p:sldId id="363" r:id="rId30"/>
+    <p:sldId id="543" r:id="rId31"/>
+    <p:sldId id="544" r:id="rId32"/>
+    <p:sldId id="549" r:id="rId33"/>
+    <p:sldId id="547" r:id="rId34"/>
+    <p:sldId id="545" r:id="rId35"/>
+    <p:sldId id="546" r:id="rId36"/>
+    <p:sldId id="548" r:id="rId37"/>
+    <p:sldId id="550" r:id="rId38"/>
+    <p:sldId id="551" r:id="rId39"/>
+    <p:sldId id="297" r:id="rId40"/>
+    <p:sldId id="298" r:id="rId41"/>
+    <p:sldId id="552" r:id="rId42"/>
   </p:sldIdLst>
   <p:sldSz cx="9144000" cy="5715000" type="screen16x10"/>
   <p:notesSz cx="6858000" cy="9144000"/>
@@ -143,7 +158,7 @@
 <file path=ppt/revisionInfo.xml><?xml version="1.0" encoding="utf-8"?>
 <p1510:revInfo xmlns:a="http://schemas.openxmlformats.org/drawingml/2006/main" xmlns:r="http://schemas.openxmlformats.org/officeDocument/2006/relationships" xmlns:p1510="http://schemas.microsoft.com/office/powerpoint/2015/10/main">
   <p1510:revLst>
-    <p1510:client id="{0576C267-E6BF-B644-A8D6-09119D529826}" v="729" dt="2021-05-17T15:10:11.595"/>
+    <p1510:client id="{0576C267-E6BF-B644-A8D6-09119D529826}" v="1367" dt="2021-05-19T15:44:33.160"/>
   </p1510:revLst>
 </p1510:revInfo>
 </file>
@@ -200,7 +215,7 @@
   <pc:docChgLst>
     <pc:chgData name="Long B Nguyen" userId="f59fb8f3-a021-417a-8bc1-65c8d471c621" providerId="ADAL" clId="{0576C267-E6BF-B644-A8D6-09119D529826}"/>
     <pc:docChg chg="custSel addSld delSld modSld">
-      <pc:chgData name="Long B Nguyen" userId="f59fb8f3-a021-417a-8bc1-65c8d471c621" providerId="ADAL" clId="{0576C267-E6BF-B644-A8D6-09119D529826}" dt="2021-05-17T15:10:31.653" v="2777" actId="2696"/>
+      <pc:chgData name="Long B Nguyen" userId="f59fb8f3-a021-417a-8bc1-65c8d471c621" providerId="ADAL" clId="{0576C267-E6BF-B644-A8D6-09119D529826}" dt="2021-05-19T15:46:18.438" v="4906" actId="20577"/>
       <pc:docMkLst>
         <pc:docMk/>
       </pc:docMkLst>
@@ -231,6 +246,52 @@
             <pc:docMk/>
             <pc:sldMk cId="131840209" sldId="286"/>
             <ac:spMk id="9" creationId="{E3B2E017-30B2-884B-A113-B419A2ED51AD}"/>
+          </ac:spMkLst>
+        </pc:spChg>
+      </pc:sldChg>
+      <pc:sldChg chg="modSp add mod modNotes">
+        <pc:chgData name="Long B Nguyen" userId="f59fb8f3-a021-417a-8bc1-65c8d471c621" providerId="ADAL" clId="{0576C267-E6BF-B644-A8D6-09119D529826}" dt="2021-05-19T14:41:34.349" v="3931" actId="1076"/>
+        <pc:sldMkLst>
+          <pc:docMk/>
+          <pc:sldMk cId="2742157310" sldId="297"/>
+        </pc:sldMkLst>
+        <pc:spChg chg="mod">
+          <ac:chgData name="Long B Nguyen" userId="f59fb8f3-a021-417a-8bc1-65c8d471c621" providerId="ADAL" clId="{0576C267-E6BF-B644-A8D6-09119D529826}" dt="2021-05-19T14:41:34.349" v="3931" actId="1076"/>
+          <ac:spMkLst>
+            <pc:docMk/>
+            <pc:sldMk cId="2742157310" sldId="297"/>
+            <ac:spMk id="28674" creationId="{C6B8F438-0BCB-7548-9023-EA72CB9BC9AE}"/>
+          </ac:spMkLst>
+        </pc:spChg>
+        <pc:graphicFrameChg chg="mod">
+          <ac:chgData name="Long B Nguyen" userId="f59fb8f3-a021-417a-8bc1-65c8d471c621" providerId="ADAL" clId="{0576C267-E6BF-B644-A8D6-09119D529826}" dt="2021-05-19T14:41:25.116" v="3929"/>
+          <ac:graphicFrameMkLst>
+            <pc:docMk/>
+            <pc:sldMk cId="2742157310" sldId="297"/>
+            <ac:graphicFrameMk id="531460" creationId="{39A415A5-9F18-034F-B82F-721845132275}"/>
+          </ac:graphicFrameMkLst>
+        </pc:graphicFrameChg>
+      </pc:sldChg>
+      <pc:sldChg chg="modSp add mod modAnim">
+        <pc:chgData name="Long B Nguyen" userId="f59fb8f3-a021-417a-8bc1-65c8d471c621" providerId="ADAL" clId="{0576C267-E6BF-B644-A8D6-09119D529826}" dt="2021-05-19T15:23:16.621" v="4359" actId="20577"/>
+        <pc:sldMkLst>
+          <pc:docMk/>
+          <pc:sldMk cId="2368938603" sldId="298"/>
+        </pc:sldMkLst>
+        <pc:spChg chg="mod">
+          <ac:chgData name="Long B Nguyen" userId="f59fb8f3-a021-417a-8bc1-65c8d471c621" providerId="ADAL" clId="{0576C267-E6BF-B644-A8D6-09119D529826}" dt="2021-05-19T14:45:12.163" v="4357" actId="1076"/>
+          <ac:spMkLst>
+            <pc:docMk/>
+            <pc:sldMk cId="2368938603" sldId="298"/>
+            <ac:spMk id="29698" creationId="{2032BC28-BF0A-9449-BB15-9BE6BD380EA4}"/>
+          </ac:spMkLst>
+        </pc:spChg>
+        <pc:spChg chg="mod">
+          <ac:chgData name="Long B Nguyen" userId="f59fb8f3-a021-417a-8bc1-65c8d471c621" providerId="ADAL" clId="{0576C267-E6BF-B644-A8D6-09119D529826}" dt="2021-05-19T15:23:16.621" v="4359" actId="20577"/>
+          <ac:spMkLst>
+            <pc:docMk/>
+            <pc:sldMk cId="2368938603" sldId="298"/>
+            <ac:spMk id="369667" creationId="{47E86255-DD44-C741-AB8B-33D04A9B82F2}"/>
           </ac:spMkLst>
         </pc:spChg>
       </pc:sldChg>
@@ -293,13 +354,13 @@
         </pc:sldMkLst>
       </pc:sldChg>
       <pc:sldChg chg="modSp add mod modAnim">
-        <pc:chgData name="Long B Nguyen" userId="f59fb8f3-a021-417a-8bc1-65c8d471c621" providerId="ADAL" clId="{0576C267-E6BF-B644-A8D6-09119D529826}" dt="2021-05-07T15:55:10.129" v="2330" actId="20577"/>
+        <pc:chgData name="Long B Nguyen" userId="f59fb8f3-a021-417a-8bc1-65c8d471c621" providerId="ADAL" clId="{0576C267-E6BF-B644-A8D6-09119D529826}" dt="2021-05-19T15:41:40.067" v="4712" actId="20577"/>
         <pc:sldMkLst>
           <pc:docMk/>
           <pc:sldMk cId="1348987668" sldId="351"/>
         </pc:sldMkLst>
         <pc:spChg chg="mod">
-          <ac:chgData name="Long B Nguyen" userId="f59fb8f3-a021-417a-8bc1-65c8d471c621" providerId="ADAL" clId="{0576C267-E6BF-B644-A8D6-09119D529826}" dt="2021-05-07T15:55:10.129" v="2330" actId="20577"/>
+          <ac:chgData name="Long B Nguyen" userId="f59fb8f3-a021-417a-8bc1-65c8d471c621" providerId="ADAL" clId="{0576C267-E6BF-B644-A8D6-09119D529826}" dt="2021-05-19T15:41:40.067" v="4712" actId="20577"/>
           <ac:spMkLst>
             <pc:docMk/>
             <pc:sldMk cId="1348987668" sldId="351"/>
@@ -680,13 +741,13 @@
         </pc:spChg>
       </pc:sldChg>
       <pc:sldChg chg="delSp modSp add mod">
-        <pc:chgData name="Long B Nguyen" userId="f59fb8f3-a021-417a-8bc1-65c8d471c621" providerId="ADAL" clId="{0576C267-E6BF-B644-A8D6-09119D529826}" dt="2021-05-07T12:27:46.841" v="2319" actId="20577"/>
+        <pc:chgData name="Long B Nguyen" userId="f59fb8f3-a021-417a-8bc1-65c8d471c621" providerId="ADAL" clId="{0576C267-E6BF-B644-A8D6-09119D529826}" dt="2021-05-19T15:41:22.422" v="4703" actId="20577"/>
         <pc:sldMkLst>
           <pc:docMk/>
           <pc:sldMk cId="2879578628" sldId="368"/>
         </pc:sldMkLst>
         <pc:spChg chg="mod">
-          <ac:chgData name="Long B Nguyen" userId="f59fb8f3-a021-417a-8bc1-65c8d471c621" providerId="ADAL" clId="{0576C267-E6BF-B644-A8D6-09119D529826}" dt="2021-05-07T12:27:46.841" v="2319" actId="20577"/>
+          <ac:chgData name="Long B Nguyen" userId="f59fb8f3-a021-417a-8bc1-65c8d471c621" providerId="ADAL" clId="{0576C267-E6BF-B644-A8D6-09119D529826}" dt="2021-05-19T15:41:22.422" v="4703" actId="20577"/>
           <ac:spMkLst>
             <pc:docMk/>
             <pc:sldMk cId="2879578628" sldId="368"/>
@@ -744,6 +805,220 @@
             <pc:docMk/>
             <pc:sldMk cId="2944137601" sldId="542"/>
             <ac:spMk id="3" creationId="{93A17F48-4F51-5547-A8A8-BEB6B1341C84}"/>
+          </ac:spMkLst>
+        </pc:spChg>
+      </pc:sldChg>
+      <pc:sldChg chg="modSp add mod">
+        <pc:chgData name="Long B Nguyen" userId="f59fb8f3-a021-417a-8bc1-65c8d471c621" providerId="ADAL" clId="{0576C267-E6BF-B644-A8D6-09119D529826}" dt="2021-05-19T15:35:31.898" v="4491" actId="20577"/>
+        <pc:sldMkLst>
+          <pc:docMk/>
+          <pc:sldMk cId="2802854376" sldId="543"/>
+        </pc:sldMkLst>
+        <pc:spChg chg="mod">
+          <ac:chgData name="Long B Nguyen" userId="f59fb8f3-a021-417a-8bc1-65c8d471c621" providerId="ADAL" clId="{0576C267-E6BF-B644-A8D6-09119D529826}" dt="2021-05-19T15:35:31.898" v="4491" actId="20577"/>
+          <ac:spMkLst>
+            <pc:docMk/>
+            <pc:sldMk cId="2802854376" sldId="543"/>
+            <ac:spMk id="2" creationId="{BC6F9511-CB58-AC49-AD98-860912780FFE}"/>
+          </ac:spMkLst>
+        </pc:spChg>
+      </pc:sldChg>
+      <pc:sldChg chg="modSp add mod">
+        <pc:chgData name="Long B Nguyen" userId="f59fb8f3-a021-417a-8bc1-65c8d471c621" providerId="ADAL" clId="{0576C267-E6BF-B644-A8D6-09119D529826}" dt="2021-05-19T13:51:01.924" v="3928" actId="20577"/>
+        <pc:sldMkLst>
+          <pc:docMk/>
+          <pc:sldMk cId="371263916" sldId="544"/>
+        </pc:sldMkLst>
+        <pc:spChg chg="mod">
+          <ac:chgData name="Long B Nguyen" userId="f59fb8f3-a021-417a-8bc1-65c8d471c621" providerId="ADAL" clId="{0576C267-E6BF-B644-A8D6-09119D529826}" dt="2021-05-18T17:12:27.588" v="2824" actId="20577"/>
+          <ac:spMkLst>
+            <pc:docMk/>
+            <pc:sldMk cId="371263916" sldId="544"/>
+            <ac:spMk id="2" creationId="{BC6F9511-CB58-AC49-AD98-860912780FFE}"/>
+          </ac:spMkLst>
+        </pc:spChg>
+        <pc:spChg chg="mod">
+          <ac:chgData name="Long B Nguyen" userId="f59fb8f3-a021-417a-8bc1-65c8d471c621" providerId="ADAL" clId="{0576C267-E6BF-B644-A8D6-09119D529826}" dt="2021-05-19T13:51:01.924" v="3928" actId="20577"/>
+          <ac:spMkLst>
+            <pc:docMk/>
+            <pc:sldMk cId="371263916" sldId="544"/>
+            <ac:spMk id="3" creationId="{CE6BD10B-9D13-604D-9877-97B355109287}"/>
+          </ac:spMkLst>
+        </pc:spChg>
+      </pc:sldChg>
+      <pc:sldChg chg="modSp add mod">
+        <pc:chgData name="Long B Nguyen" userId="f59fb8f3-a021-417a-8bc1-65c8d471c621" providerId="ADAL" clId="{0576C267-E6BF-B644-A8D6-09119D529826}" dt="2021-05-18T17:39:26.032" v="3621" actId="207"/>
+        <pc:sldMkLst>
+          <pc:docMk/>
+          <pc:sldMk cId="74938920" sldId="545"/>
+        </pc:sldMkLst>
+        <pc:spChg chg="mod">
+          <ac:chgData name="Long B Nguyen" userId="f59fb8f3-a021-417a-8bc1-65c8d471c621" providerId="ADAL" clId="{0576C267-E6BF-B644-A8D6-09119D529826}" dt="2021-05-18T17:37:09.366" v="3501" actId="20577"/>
+          <ac:spMkLst>
+            <pc:docMk/>
+            <pc:sldMk cId="74938920" sldId="545"/>
+            <ac:spMk id="2" creationId="{BC6F9511-CB58-AC49-AD98-860912780FFE}"/>
+          </ac:spMkLst>
+        </pc:spChg>
+        <pc:spChg chg="mod">
+          <ac:chgData name="Long B Nguyen" userId="f59fb8f3-a021-417a-8bc1-65c8d471c621" providerId="ADAL" clId="{0576C267-E6BF-B644-A8D6-09119D529826}" dt="2021-05-18T17:39:26.032" v="3621" actId="207"/>
+          <ac:spMkLst>
+            <pc:docMk/>
+            <pc:sldMk cId="74938920" sldId="545"/>
+            <ac:spMk id="3" creationId="{CE6BD10B-9D13-604D-9877-97B355109287}"/>
+          </ac:spMkLst>
+        </pc:spChg>
+      </pc:sldChg>
+      <pc:sldChg chg="modSp add mod">
+        <pc:chgData name="Long B Nguyen" userId="f59fb8f3-a021-417a-8bc1-65c8d471c621" providerId="ADAL" clId="{0576C267-E6BF-B644-A8D6-09119D529826}" dt="2021-05-18T17:40:11.619" v="3628" actId="20577"/>
+        <pc:sldMkLst>
+          <pc:docMk/>
+          <pc:sldMk cId="775703315" sldId="546"/>
+        </pc:sldMkLst>
+        <pc:spChg chg="mod">
+          <ac:chgData name="Long B Nguyen" userId="f59fb8f3-a021-417a-8bc1-65c8d471c621" providerId="ADAL" clId="{0576C267-E6BF-B644-A8D6-09119D529826}" dt="2021-05-18T17:40:11.619" v="3628" actId="20577"/>
+          <ac:spMkLst>
+            <pc:docMk/>
+            <pc:sldMk cId="775703315" sldId="546"/>
+            <ac:spMk id="2" creationId="{BC6F9511-CB58-AC49-AD98-860912780FFE}"/>
+          </ac:spMkLst>
+        </pc:spChg>
+        <pc:spChg chg="mod">
+          <ac:chgData name="Long B Nguyen" userId="f59fb8f3-a021-417a-8bc1-65c8d471c621" providerId="ADAL" clId="{0576C267-E6BF-B644-A8D6-09119D529826}" dt="2021-05-18T17:19:41.513" v="3467" actId="207"/>
+          <ac:spMkLst>
+            <pc:docMk/>
+            <pc:sldMk cId="775703315" sldId="546"/>
+            <ac:spMk id="3" creationId="{CE6BD10B-9D13-604D-9877-97B355109287}"/>
+          </ac:spMkLst>
+        </pc:spChg>
+      </pc:sldChg>
+      <pc:sldChg chg="modSp add mod">
+        <pc:chgData name="Long B Nguyen" userId="f59fb8f3-a021-417a-8bc1-65c8d471c621" providerId="ADAL" clId="{0576C267-E6BF-B644-A8D6-09119D529826}" dt="2021-05-18T17:39:20.526" v="3620" actId="207"/>
+        <pc:sldMkLst>
+          <pc:docMk/>
+          <pc:sldMk cId="2556757169" sldId="547"/>
+        </pc:sldMkLst>
+        <pc:spChg chg="mod">
+          <ac:chgData name="Long B Nguyen" userId="f59fb8f3-a021-417a-8bc1-65c8d471c621" providerId="ADAL" clId="{0576C267-E6BF-B644-A8D6-09119D529826}" dt="2021-05-18T17:37:02.762" v="3485" actId="20577"/>
+          <ac:spMkLst>
+            <pc:docMk/>
+            <pc:sldMk cId="2556757169" sldId="547"/>
+            <ac:spMk id="2" creationId="{BC6F9511-CB58-AC49-AD98-860912780FFE}"/>
+          </ac:spMkLst>
+        </pc:spChg>
+        <pc:spChg chg="mod">
+          <ac:chgData name="Long B Nguyen" userId="f59fb8f3-a021-417a-8bc1-65c8d471c621" providerId="ADAL" clId="{0576C267-E6BF-B644-A8D6-09119D529826}" dt="2021-05-18T17:39:20.526" v="3620" actId="207"/>
+          <ac:spMkLst>
+            <pc:docMk/>
+            <pc:sldMk cId="2556757169" sldId="547"/>
+            <ac:spMk id="3" creationId="{CE6BD10B-9D13-604D-9877-97B355109287}"/>
+          </ac:spMkLst>
+        </pc:spChg>
+      </pc:sldChg>
+      <pc:sldChg chg="modSp add mod">
+        <pc:chgData name="Long B Nguyen" userId="f59fb8f3-a021-417a-8bc1-65c8d471c621" providerId="ADAL" clId="{0576C267-E6BF-B644-A8D6-09119D529826}" dt="2021-05-18T17:42:01.503" v="3824" actId="20577"/>
+        <pc:sldMkLst>
+          <pc:docMk/>
+          <pc:sldMk cId="2649014935" sldId="548"/>
+        </pc:sldMkLst>
+        <pc:spChg chg="mod">
+          <ac:chgData name="Long B Nguyen" userId="f59fb8f3-a021-417a-8bc1-65c8d471c621" providerId="ADAL" clId="{0576C267-E6BF-B644-A8D6-09119D529826}" dt="2021-05-18T17:40:14.915" v="3634" actId="20577"/>
+          <ac:spMkLst>
+            <pc:docMk/>
+            <pc:sldMk cId="2649014935" sldId="548"/>
+            <ac:spMk id="2" creationId="{BC6F9511-CB58-AC49-AD98-860912780FFE}"/>
+          </ac:spMkLst>
+        </pc:spChg>
+        <pc:spChg chg="mod">
+          <ac:chgData name="Long B Nguyen" userId="f59fb8f3-a021-417a-8bc1-65c8d471c621" providerId="ADAL" clId="{0576C267-E6BF-B644-A8D6-09119D529826}" dt="2021-05-18T17:42:01.503" v="3824" actId="20577"/>
+          <ac:spMkLst>
+            <pc:docMk/>
+            <pc:sldMk cId="2649014935" sldId="548"/>
+            <ac:spMk id="3" creationId="{CE6BD10B-9D13-604D-9877-97B355109287}"/>
+          </ac:spMkLst>
+        </pc:spChg>
+      </pc:sldChg>
+      <pc:sldChg chg="modSp add mod">
+        <pc:chgData name="Long B Nguyen" userId="f59fb8f3-a021-417a-8bc1-65c8d471c621" providerId="ADAL" clId="{0576C267-E6BF-B644-A8D6-09119D529826}" dt="2021-05-18T17:48:19.392" v="3917" actId="20577"/>
+        <pc:sldMkLst>
+          <pc:docMk/>
+          <pc:sldMk cId="1114803321" sldId="549"/>
+        </pc:sldMkLst>
+        <pc:spChg chg="mod">
+          <ac:chgData name="Long B Nguyen" userId="f59fb8f3-a021-417a-8bc1-65c8d471c621" providerId="ADAL" clId="{0576C267-E6BF-B644-A8D6-09119D529826}" dt="2021-05-18T17:47:20.229" v="3834" actId="20577"/>
+          <ac:spMkLst>
+            <pc:docMk/>
+            <pc:sldMk cId="1114803321" sldId="549"/>
+            <ac:spMk id="2" creationId="{BC6F9511-CB58-AC49-AD98-860912780FFE}"/>
+          </ac:spMkLst>
+        </pc:spChg>
+        <pc:spChg chg="mod">
+          <ac:chgData name="Long B Nguyen" userId="f59fb8f3-a021-417a-8bc1-65c8d471c621" providerId="ADAL" clId="{0576C267-E6BF-B644-A8D6-09119D529826}" dt="2021-05-18T17:48:19.392" v="3917" actId="20577"/>
+          <ac:spMkLst>
+            <pc:docMk/>
+            <pc:sldMk cId="1114803321" sldId="549"/>
+            <ac:spMk id="3" creationId="{CE6BD10B-9D13-604D-9877-97B355109287}"/>
+          </ac:spMkLst>
+        </pc:spChg>
+      </pc:sldChg>
+      <pc:sldChg chg="modSp add mod">
+        <pc:chgData name="Long B Nguyen" userId="f59fb8f3-a021-417a-8bc1-65c8d471c621" providerId="ADAL" clId="{0576C267-E6BF-B644-A8D6-09119D529826}" dt="2021-05-19T15:37:02.421" v="4512" actId="20577"/>
+        <pc:sldMkLst>
+          <pc:docMk/>
+          <pc:sldMk cId="177006165" sldId="550"/>
+        </pc:sldMkLst>
+        <pc:spChg chg="mod">
+          <ac:chgData name="Long B Nguyen" userId="f59fb8f3-a021-417a-8bc1-65c8d471c621" providerId="ADAL" clId="{0576C267-E6BF-B644-A8D6-09119D529826}" dt="2021-05-19T15:37:02.421" v="4512" actId="20577"/>
+          <ac:spMkLst>
+            <pc:docMk/>
+            <pc:sldMk cId="177006165" sldId="550"/>
+            <ac:spMk id="2" creationId="{BC6F9511-CB58-AC49-AD98-860912780FFE}"/>
+          </ac:spMkLst>
+        </pc:spChg>
+      </pc:sldChg>
+      <pc:sldChg chg="modSp add mod modAnim">
+        <pc:chgData name="Long B Nguyen" userId="f59fb8f3-a021-417a-8bc1-65c8d471c621" providerId="ADAL" clId="{0576C267-E6BF-B644-A8D6-09119D529826}" dt="2021-05-19T15:39:49.021" v="4694" actId="255"/>
+        <pc:sldMkLst>
+          <pc:docMk/>
+          <pc:sldMk cId="1392099590" sldId="551"/>
+        </pc:sldMkLst>
+        <pc:spChg chg="mod">
+          <ac:chgData name="Long B Nguyen" userId="f59fb8f3-a021-417a-8bc1-65c8d471c621" providerId="ADAL" clId="{0576C267-E6BF-B644-A8D6-09119D529826}" dt="2021-05-19T14:43:16.914" v="3998" actId="20577"/>
+          <ac:spMkLst>
+            <pc:docMk/>
+            <pc:sldMk cId="1392099590" sldId="551"/>
+            <ac:spMk id="2" creationId="{BC6F9511-CB58-AC49-AD98-860912780FFE}"/>
+          </ac:spMkLst>
+        </pc:spChg>
+        <pc:spChg chg="mod">
+          <ac:chgData name="Long B Nguyen" userId="f59fb8f3-a021-417a-8bc1-65c8d471c621" providerId="ADAL" clId="{0576C267-E6BF-B644-A8D6-09119D529826}" dt="2021-05-19T15:39:49.021" v="4694" actId="255"/>
+          <ac:spMkLst>
+            <pc:docMk/>
+            <pc:sldMk cId="1392099590" sldId="551"/>
+            <ac:spMk id="3" creationId="{CE6BD10B-9D13-604D-9877-97B355109287}"/>
+          </ac:spMkLst>
+        </pc:spChg>
+      </pc:sldChg>
+      <pc:sldChg chg="modSp add mod">
+        <pc:chgData name="Long B Nguyen" userId="f59fb8f3-a021-417a-8bc1-65c8d471c621" providerId="ADAL" clId="{0576C267-E6BF-B644-A8D6-09119D529826}" dt="2021-05-19T15:46:18.438" v="4906" actId="20577"/>
+        <pc:sldMkLst>
+          <pc:docMk/>
+          <pc:sldMk cId="988052880" sldId="552"/>
+        </pc:sldMkLst>
+        <pc:spChg chg="mod">
+          <ac:chgData name="Long B Nguyen" userId="f59fb8f3-a021-417a-8bc1-65c8d471c621" providerId="ADAL" clId="{0576C267-E6BF-B644-A8D6-09119D529826}" dt="2021-05-19T15:44:43.625" v="4745" actId="20577"/>
+          <ac:spMkLst>
+            <pc:docMk/>
+            <pc:sldMk cId="988052880" sldId="552"/>
+            <ac:spMk id="2" creationId="{BC6F9511-CB58-AC49-AD98-860912780FFE}"/>
+          </ac:spMkLst>
+        </pc:spChg>
+        <pc:spChg chg="mod">
+          <ac:chgData name="Long B Nguyen" userId="f59fb8f3-a021-417a-8bc1-65c8d471c621" providerId="ADAL" clId="{0576C267-E6BF-B644-A8D6-09119D529826}" dt="2021-05-19T15:46:18.438" v="4906" actId="20577"/>
+          <ac:spMkLst>
+            <pc:docMk/>
+            <pc:sldMk cId="988052880" sldId="552"/>
+            <ac:spMk id="3" creationId="{CE6BD10B-9D13-604D-9877-97B355109287}"/>
           </ac:spMkLst>
         </pc:spChg>
       </pc:sldChg>
@@ -2331,6 +2606,913 @@
 </pc:chgInfo>
 </file>
 
+<file path=ppt/notesMasters/notesMaster1.xml><?xml version="1.0" encoding="utf-8"?>
+<p:notesMaster xmlns:a="http://schemas.openxmlformats.org/drawingml/2006/main" xmlns:r="http://schemas.openxmlformats.org/officeDocument/2006/relationships" xmlns:p="http://schemas.openxmlformats.org/presentationml/2006/main">
+  <p:cSld>
+    <p:bg>
+      <p:bgRef idx="1001">
+        <a:schemeClr val="bg1"/>
+      </p:bgRef>
+    </p:bg>
+    <p:spTree>
+      <p:nvGrpSpPr>
+        <p:cNvPr id="1" name=""/>
+        <p:cNvGrpSpPr/>
+        <p:nvPr/>
+      </p:nvGrpSpPr>
+      <p:grpSpPr>
+        <a:xfrm>
+          <a:off x="0" y="0"/>
+          <a:ext cx="0" cy="0"/>
+          <a:chOff x="0" y="0"/>
+          <a:chExt cx="0" cy="0"/>
+        </a:xfrm>
+      </p:grpSpPr>
+      <p:sp>
+        <p:nvSpPr>
+          <p:cNvPr id="2" name="Header Placeholder 1"/>
+          <p:cNvSpPr>
+            <a:spLocks noGrp="1"/>
+          </p:cNvSpPr>
+          <p:nvPr>
+            <p:ph type="hdr" sz="quarter"/>
+          </p:nvPr>
+        </p:nvSpPr>
+        <p:spPr>
+          <a:xfrm>
+            <a:off x="0" y="0"/>
+            <a:ext cx="2971800" cy="458788"/>
+          </a:xfrm>
+          <a:prstGeom prst="rect">
+            <a:avLst/>
+          </a:prstGeom>
+        </p:spPr>
+        <p:txBody>
+          <a:bodyPr vert="horz" lIns="91440" tIns="45720" rIns="91440" bIns="45720" rtlCol="0"/>
+          <a:lstStyle>
+            <a:lvl1pPr algn="l">
+              <a:defRPr sz="1200"/>
+            </a:lvl1pPr>
+          </a:lstStyle>
+          <a:p>
+            <a:endParaRPr lang="en-US"/>
+          </a:p>
+        </p:txBody>
+      </p:sp>
+      <p:sp>
+        <p:nvSpPr>
+          <p:cNvPr id="3" name="Date Placeholder 2"/>
+          <p:cNvSpPr>
+            <a:spLocks noGrp="1"/>
+          </p:cNvSpPr>
+          <p:nvPr>
+            <p:ph type="dt" idx="1"/>
+          </p:nvPr>
+        </p:nvSpPr>
+        <p:spPr>
+          <a:xfrm>
+            <a:off x="3884613" y="0"/>
+            <a:ext cx="2971800" cy="458788"/>
+          </a:xfrm>
+          <a:prstGeom prst="rect">
+            <a:avLst/>
+          </a:prstGeom>
+        </p:spPr>
+        <p:txBody>
+          <a:bodyPr vert="horz" lIns="91440" tIns="45720" rIns="91440" bIns="45720" rtlCol="0"/>
+          <a:lstStyle>
+            <a:lvl1pPr algn="r">
+              <a:defRPr sz="1200"/>
+            </a:lvl1pPr>
+          </a:lstStyle>
+          <a:p>
+            <a:fld id="{C197FFB3-5F72-214F-8E23-4869C9F92A8F}" type="datetimeFigureOut">
+              <a:rPr lang="en-US" smtClean="0"/>
+              <a:t>5/19/21</a:t>
+            </a:fld>
+            <a:endParaRPr lang="en-US"/>
+          </a:p>
+        </p:txBody>
+      </p:sp>
+      <p:sp>
+        <p:nvSpPr>
+          <p:cNvPr id="4" name="Slide Image Placeholder 3"/>
+          <p:cNvSpPr>
+            <a:spLocks noGrp="1" noRot="1" noChangeAspect="1"/>
+          </p:cNvSpPr>
+          <p:nvPr>
+            <p:ph type="sldImg" idx="2"/>
+          </p:nvPr>
+        </p:nvSpPr>
+        <p:spPr>
+          <a:xfrm>
+            <a:off x="960438" y="1143000"/>
+            <a:ext cx="4937125" cy="3086100"/>
+          </a:xfrm>
+          <a:prstGeom prst="rect">
+            <a:avLst/>
+          </a:prstGeom>
+          <a:noFill/>
+          <a:ln w="12700">
+            <a:solidFill>
+              <a:prstClr val="black"/>
+            </a:solidFill>
+          </a:ln>
+        </p:spPr>
+        <p:txBody>
+          <a:bodyPr vert="horz" lIns="91440" tIns="45720" rIns="91440" bIns="45720" rtlCol="0" anchor="ctr"/>
+          <a:lstStyle/>
+          <a:p>
+            <a:endParaRPr lang="en-US"/>
+          </a:p>
+        </p:txBody>
+      </p:sp>
+      <p:sp>
+        <p:nvSpPr>
+          <p:cNvPr id="5" name="Notes Placeholder 4"/>
+          <p:cNvSpPr>
+            <a:spLocks noGrp="1"/>
+          </p:cNvSpPr>
+          <p:nvPr>
+            <p:ph type="body" sz="quarter" idx="3"/>
+          </p:nvPr>
+        </p:nvSpPr>
+        <p:spPr>
+          <a:xfrm>
+            <a:off x="685800" y="4400550"/>
+            <a:ext cx="5486400" cy="3600450"/>
+          </a:xfrm>
+          <a:prstGeom prst="rect">
+            <a:avLst/>
+          </a:prstGeom>
+        </p:spPr>
+        <p:txBody>
+          <a:bodyPr vert="horz" lIns="91440" tIns="45720" rIns="91440" bIns="45720" rtlCol="0"/>
+          <a:lstStyle/>
+          <a:p>
+            <a:pPr lvl="0"/>
+            <a:r>
+              <a:rPr lang="en-US"/>
+              <a:t>Click to edit Master text styles</a:t>
+            </a:r>
+          </a:p>
+          <a:p>
+            <a:pPr lvl="1"/>
+            <a:r>
+              <a:rPr lang="en-US"/>
+              <a:t>Second level</a:t>
+            </a:r>
+          </a:p>
+          <a:p>
+            <a:pPr lvl="2"/>
+            <a:r>
+              <a:rPr lang="en-US"/>
+              <a:t>Third level</a:t>
+            </a:r>
+          </a:p>
+          <a:p>
+            <a:pPr lvl="3"/>
+            <a:r>
+              <a:rPr lang="en-US"/>
+              <a:t>Fourth level</a:t>
+            </a:r>
+          </a:p>
+          <a:p>
+            <a:pPr lvl="4"/>
+            <a:r>
+              <a:rPr lang="en-US"/>
+              <a:t>Fifth level</a:t>
+            </a:r>
+          </a:p>
+        </p:txBody>
+      </p:sp>
+      <p:sp>
+        <p:nvSpPr>
+          <p:cNvPr id="6" name="Footer Placeholder 5"/>
+          <p:cNvSpPr>
+            <a:spLocks noGrp="1"/>
+          </p:cNvSpPr>
+          <p:nvPr>
+            <p:ph type="ftr" sz="quarter" idx="4"/>
+          </p:nvPr>
+        </p:nvSpPr>
+        <p:spPr>
+          <a:xfrm>
+            <a:off x="0" y="8685213"/>
+            <a:ext cx="2971800" cy="458787"/>
+          </a:xfrm>
+          <a:prstGeom prst="rect">
+            <a:avLst/>
+          </a:prstGeom>
+        </p:spPr>
+        <p:txBody>
+          <a:bodyPr vert="horz" lIns="91440" tIns="45720" rIns="91440" bIns="45720" rtlCol="0" anchor="b"/>
+          <a:lstStyle>
+            <a:lvl1pPr algn="l">
+              <a:defRPr sz="1200"/>
+            </a:lvl1pPr>
+          </a:lstStyle>
+          <a:p>
+            <a:endParaRPr lang="en-US"/>
+          </a:p>
+        </p:txBody>
+      </p:sp>
+      <p:sp>
+        <p:nvSpPr>
+          <p:cNvPr id="7" name="Slide Number Placeholder 6"/>
+          <p:cNvSpPr>
+            <a:spLocks noGrp="1"/>
+          </p:cNvSpPr>
+          <p:nvPr>
+            <p:ph type="sldNum" sz="quarter" idx="5"/>
+          </p:nvPr>
+        </p:nvSpPr>
+        <p:spPr>
+          <a:xfrm>
+            <a:off x="3884613" y="8685213"/>
+            <a:ext cx="2971800" cy="458787"/>
+          </a:xfrm>
+          <a:prstGeom prst="rect">
+            <a:avLst/>
+          </a:prstGeom>
+        </p:spPr>
+        <p:txBody>
+          <a:bodyPr vert="horz" lIns="91440" tIns="45720" rIns="91440" bIns="45720" rtlCol="0" anchor="b"/>
+          <a:lstStyle>
+            <a:lvl1pPr algn="r">
+              <a:defRPr sz="1200"/>
+            </a:lvl1pPr>
+          </a:lstStyle>
+          <a:p>
+            <a:fld id="{4465D596-D1CC-A944-90D4-D674985B591F}" type="slidenum">
+              <a:rPr lang="en-US" smtClean="0"/>
+              <a:t>‹#›</a:t>
+            </a:fld>
+            <a:endParaRPr lang="en-US"/>
+          </a:p>
+        </p:txBody>
+      </p:sp>
+    </p:spTree>
+    <p:extLst>
+      <p:ext uri="{BB962C8B-B14F-4D97-AF65-F5344CB8AC3E}">
+        <p14:creationId xmlns:p14="http://schemas.microsoft.com/office/powerpoint/2010/main" val="169143818"/>
+      </p:ext>
+    </p:extLst>
+  </p:cSld>
+  <p:clrMap bg1="lt1" tx1="dk1" bg2="lt2" tx2="dk2" accent1="accent1" accent2="accent2" accent3="accent3" accent4="accent4" accent5="accent5" accent6="accent6" hlink="hlink" folHlink="folHlink"/>
+  <p:notesStyle>
+    <a:lvl1pPr marL="0" algn="l" defTabSz="914400" rtl="0" eaLnBrk="1" latinLnBrk="0" hangingPunct="1">
+      <a:defRPr sz="1200" kern="1200">
+        <a:solidFill>
+          <a:schemeClr val="tx1"/>
+        </a:solidFill>
+        <a:latin typeface="+mn-lt"/>
+        <a:ea typeface="+mn-ea"/>
+        <a:cs typeface="+mn-cs"/>
+      </a:defRPr>
+    </a:lvl1pPr>
+    <a:lvl2pPr marL="457200" algn="l" defTabSz="914400" rtl="0" eaLnBrk="1" latinLnBrk="0" hangingPunct="1">
+      <a:defRPr sz="1200" kern="1200">
+        <a:solidFill>
+          <a:schemeClr val="tx1"/>
+        </a:solidFill>
+        <a:latin typeface="+mn-lt"/>
+        <a:ea typeface="+mn-ea"/>
+        <a:cs typeface="+mn-cs"/>
+      </a:defRPr>
+    </a:lvl2pPr>
+    <a:lvl3pPr marL="914400" algn="l" defTabSz="914400" rtl="0" eaLnBrk="1" latinLnBrk="0" hangingPunct="1">
+      <a:defRPr sz="1200" kern="1200">
+        <a:solidFill>
+          <a:schemeClr val="tx1"/>
+        </a:solidFill>
+        <a:latin typeface="+mn-lt"/>
+        <a:ea typeface="+mn-ea"/>
+        <a:cs typeface="+mn-cs"/>
+      </a:defRPr>
+    </a:lvl3pPr>
+    <a:lvl4pPr marL="1371600" algn="l" defTabSz="914400" rtl="0" eaLnBrk="1" latinLnBrk="0" hangingPunct="1">
+      <a:defRPr sz="1200" kern="1200">
+        <a:solidFill>
+          <a:schemeClr val="tx1"/>
+        </a:solidFill>
+        <a:latin typeface="+mn-lt"/>
+        <a:ea typeface="+mn-ea"/>
+        <a:cs typeface="+mn-cs"/>
+      </a:defRPr>
+    </a:lvl4pPr>
+    <a:lvl5pPr marL="1828800" algn="l" defTabSz="914400" rtl="0" eaLnBrk="1" latinLnBrk="0" hangingPunct="1">
+      <a:defRPr sz="1200" kern="1200">
+        <a:solidFill>
+          <a:schemeClr val="tx1"/>
+        </a:solidFill>
+        <a:latin typeface="+mn-lt"/>
+        <a:ea typeface="+mn-ea"/>
+        <a:cs typeface="+mn-cs"/>
+      </a:defRPr>
+    </a:lvl5pPr>
+    <a:lvl6pPr marL="2286000" algn="l" defTabSz="914400" rtl="0" eaLnBrk="1" latinLnBrk="0" hangingPunct="1">
+      <a:defRPr sz="1200" kern="1200">
+        <a:solidFill>
+          <a:schemeClr val="tx1"/>
+        </a:solidFill>
+        <a:latin typeface="+mn-lt"/>
+        <a:ea typeface="+mn-ea"/>
+        <a:cs typeface="+mn-cs"/>
+      </a:defRPr>
+    </a:lvl6pPr>
+    <a:lvl7pPr marL="2743200" algn="l" defTabSz="914400" rtl="0" eaLnBrk="1" latinLnBrk="0" hangingPunct="1">
+      <a:defRPr sz="1200" kern="1200">
+        <a:solidFill>
+          <a:schemeClr val="tx1"/>
+        </a:solidFill>
+        <a:latin typeface="+mn-lt"/>
+        <a:ea typeface="+mn-ea"/>
+        <a:cs typeface="+mn-cs"/>
+      </a:defRPr>
+    </a:lvl7pPr>
+    <a:lvl8pPr marL="3200400" algn="l" defTabSz="914400" rtl="0" eaLnBrk="1" latinLnBrk="0" hangingPunct="1">
+      <a:defRPr sz="1200" kern="1200">
+        <a:solidFill>
+          <a:schemeClr val="tx1"/>
+        </a:solidFill>
+        <a:latin typeface="+mn-lt"/>
+        <a:ea typeface="+mn-ea"/>
+        <a:cs typeface="+mn-cs"/>
+      </a:defRPr>
+    </a:lvl8pPr>
+    <a:lvl9pPr marL="3657600" algn="l" defTabSz="914400" rtl="0" eaLnBrk="1" latinLnBrk="0" hangingPunct="1">
+      <a:defRPr sz="1200" kern="1200">
+        <a:solidFill>
+          <a:schemeClr val="tx1"/>
+        </a:solidFill>
+        <a:latin typeface="+mn-lt"/>
+        <a:ea typeface="+mn-ea"/>
+        <a:cs typeface="+mn-cs"/>
+      </a:defRPr>
+    </a:lvl9pPr>
+  </p:notesStyle>
+</p:notesMaster>
+</file>
+
+<file path=ppt/notesSlides/notesSlide1.xml><?xml version="1.0" encoding="utf-8"?>
+<p:notes xmlns:a="http://schemas.openxmlformats.org/drawingml/2006/main" xmlns:r="http://schemas.openxmlformats.org/officeDocument/2006/relationships" xmlns:p="http://schemas.openxmlformats.org/presentationml/2006/main">
+  <p:cSld>
+    <p:spTree>
+      <p:nvGrpSpPr>
+        <p:cNvPr id="1" name=""/>
+        <p:cNvGrpSpPr/>
+        <p:nvPr/>
+      </p:nvGrpSpPr>
+      <p:grpSpPr>
+        <a:xfrm>
+          <a:off x="0" y="0"/>
+          <a:ext cx="0" cy="0"/>
+          <a:chOff x="0" y="0"/>
+          <a:chExt cx="0" cy="0"/>
+        </a:xfrm>
+      </p:grpSpPr>
+      <p:sp>
+        <p:nvSpPr>
+          <p:cNvPr id="14337" name="Rectangle 7">
+            <a:extLst>
+              <a:ext uri="{FF2B5EF4-FFF2-40B4-BE49-F238E27FC236}">
+                <a16:creationId xmlns:a16="http://schemas.microsoft.com/office/drawing/2014/main" id="{8527E883-5BAF-3B40-83E7-E6638B4E3231}"/>
+              </a:ext>
+            </a:extLst>
+          </p:cNvPr>
+          <p:cNvSpPr>
+            <a:spLocks noGrp="1" noChangeArrowheads="1"/>
+          </p:cNvSpPr>
+          <p:nvPr>
+            <p:ph type="sldNum" sz="quarter" idx="5"/>
+          </p:nvPr>
+        </p:nvSpPr>
+        <p:spPr>
+          <a:noFill/>
+          <a:extLst>
+            <a:ext uri="{909E8E84-426E-40DD-AFC4-6F175D3DCCD1}">
+              <a14:hiddenFill xmlns:a14="http://schemas.microsoft.com/office/drawing/2010/main">
+                <a:solidFill>
+                  <a:schemeClr val="accent1"/>
+                </a:solidFill>
+              </a14:hiddenFill>
+            </a:ext>
+            <a:ext uri="{91240B29-F687-4F45-9708-019B960494DF}">
+              <a14:hiddenLine xmlns:a14="http://schemas.microsoft.com/office/drawing/2010/main" w="9525">
+                <a:solidFill>
+                  <a:schemeClr val="tx1"/>
+                </a:solidFill>
+                <a:miter lim="800000"/>
+                <a:headEnd/>
+                <a:tailEnd/>
+              </a14:hiddenLine>
+            </a:ext>
+            <a:ext uri="{AF507438-7753-43E0-B8FC-AC1667EBCBE1}">
+              <a14:hiddenEffects xmlns:a14="http://schemas.microsoft.com/office/drawing/2010/main">
+                <a:effectLst>
+                  <a:outerShdw dist="35921" dir="2700000" algn="ctr" rotWithShape="0">
+                    <a:schemeClr val="bg2"/>
+                  </a:outerShdw>
+                </a:effectLst>
+              </a14:hiddenEffects>
+            </a:ext>
+          </a:extLst>
+        </p:spPr>
+        <p:txBody>
+          <a:bodyPr/>
+          <a:lstStyle>
+            <a:lvl1pPr>
+              <a:spcBef>
+                <a:spcPct val="30000"/>
+              </a:spcBef>
+              <a:defRPr sz="1200">
+                <a:solidFill>
+                  <a:schemeClr val="tx1"/>
+                </a:solidFill>
+                <a:latin typeface="Arial" panose="020B0604020202020204" pitchFamily="34" charset="0"/>
+                <a:ea typeface="ＭＳ Ｐゴシック" panose="020B0600070205080204" pitchFamily="34" charset="-128"/>
+              </a:defRPr>
+            </a:lvl1pPr>
+            <a:lvl2pPr marL="742950" indent="-285750">
+              <a:spcBef>
+                <a:spcPct val="30000"/>
+              </a:spcBef>
+              <a:defRPr sz="1200">
+                <a:solidFill>
+                  <a:schemeClr val="tx1"/>
+                </a:solidFill>
+                <a:latin typeface="Arial" panose="020B0604020202020204" pitchFamily="34" charset="0"/>
+                <a:ea typeface="ＭＳ Ｐゴシック" panose="020B0600070205080204" pitchFamily="34" charset="-128"/>
+              </a:defRPr>
+            </a:lvl2pPr>
+            <a:lvl3pPr marL="1143000" indent="-228600">
+              <a:spcBef>
+                <a:spcPct val="30000"/>
+              </a:spcBef>
+              <a:defRPr sz="1200">
+                <a:solidFill>
+                  <a:schemeClr val="tx1"/>
+                </a:solidFill>
+                <a:latin typeface="Arial" panose="020B0604020202020204" pitchFamily="34" charset="0"/>
+                <a:ea typeface="ＭＳ Ｐゴシック" panose="020B0600070205080204" pitchFamily="34" charset="-128"/>
+              </a:defRPr>
+            </a:lvl3pPr>
+            <a:lvl4pPr marL="1600200" indent="-228600">
+              <a:spcBef>
+                <a:spcPct val="30000"/>
+              </a:spcBef>
+              <a:defRPr sz="1200">
+                <a:solidFill>
+                  <a:schemeClr val="tx1"/>
+                </a:solidFill>
+                <a:latin typeface="Arial" panose="020B0604020202020204" pitchFamily="34" charset="0"/>
+                <a:ea typeface="ＭＳ Ｐゴシック" panose="020B0600070205080204" pitchFamily="34" charset="-128"/>
+              </a:defRPr>
+            </a:lvl4pPr>
+            <a:lvl5pPr marL="2057400" indent="-228600">
+              <a:spcBef>
+                <a:spcPct val="30000"/>
+              </a:spcBef>
+              <a:defRPr sz="1200">
+                <a:solidFill>
+                  <a:schemeClr val="tx1"/>
+                </a:solidFill>
+                <a:latin typeface="Arial" panose="020B0604020202020204" pitchFamily="34" charset="0"/>
+                <a:ea typeface="ＭＳ Ｐゴシック" panose="020B0600070205080204" pitchFamily="34" charset="-128"/>
+              </a:defRPr>
+            </a:lvl5pPr>
+            <a:lvl6pPr marL="2514600" indent="-228600" eaLnBrk="0" fontAlgn="base" hangingPunct="0">
+              <a:spcBef>
+                <a:spcPct val="30000"/>
+              </a:spcBef>
+              <a:spcAft>
+                <a:spcPct val="0"/>
+              </a:spcAft>
+              <a:defRPr sz="1200">
+                <a:solidFill>
+                  <a:schemeClr val="tx1"/>
+                </a:solidFill>
+                <a:latin typeface="Arial" panose="020B0604020202020204" pitchFamily="34" charset="0"/>
+                <a:ea typeface="ＭＳ Ｐゴシック" panose="020B0600070205080204" pitchFamily="34" charset="-128"/>
+              </a:defRPr>
+            </a:lvl6pPr>
+            <a:lvl7pPr marL="2971800" indent="-228600" eaLnBrk="0" fontAlgn="base" hangingPunct="0">
+              <a:spcBef>
+                <a:spcPct val="30000"/>
+              </a:spcBef>
+              <a:spcAft>
+                <a:spcPct val="0"/>
+              </a:spcAft>
+              <a:defRPr sz="1200">
+                <a:solidFill>
+                  <a:schemeClr val="tx1"/>
+                </a:solidFill>
+                <a:latin typeface="Arial" panose="020B0604020202020204" pitchFamily="34" charset="0"/>
+                <a:ea typeface="ＭＳ Ｐゴシック" panose="020B0600070205080204" pitchFamily="34" charset="-128"/>
+              </a:defRPr>
+            </a:lvl7pPr>
+            <a:lvl8pPr marL="3429000" indent="-228600" eaLnBrk="0" fontAlgn="base" hangingPunct="0">
+              <a:spcBef>
+                <a:spcPct val="30000"/>
+              </a:spcBef>
+              <a:spcAft>
+                <a:spcPct val="0"/>
+              </a:spcAft>
+              <a:defRPr sz="1200">
+                <a:solidFill>
+                  <a:schemeClr val="tx1"/>
+                </a:solidFill>
+                <a:latin typeface="Arial" panose="020B0604020202020204" pitchFamily="34" charset="0"/>
+                <a:ea typeface="ＭＳ Ｐゴシック" panose="020B0600070205080204" pitchFamily="34" charset="-128"/>
+              </a:defRPr>
+            </a:lvl8pPr>
+            <a:lvl9pPr marL="3886200" indent="-228600" eaLnBrk="0" fontAlgn="base" hangingPunct="0">
+              <a:spcBef>
+                <a:spcPct val="30000"/>
+              </a:spcBef>
+              <a:spcAft>
+                <a:spcPct val="0"/>
+              </a:spcAft>
+              <a:defRPr sz="1200">
+                <a:solidFill>
+                  <a:schemeClr val="tx1"/>
+                </a:solidFill>
+                <a:latin typeface="Arial" panose="020B0604020202020204" pitchFamily="34" charset="0"/>
+                <a:ea typeface="ＭＳ Ｐゴシック" panose="020B0600070205080204" pitchFamily="34" charset="-128"/>
+              </a:defRPr>
+            </a:lvl9pPr>
+          </a:lstStyle>
+          <a:p>
+            <a:pPr>
+              <a:spcBef>
+                <a:spcPct val="0"/>
+              </a:spcBef>
+            </a:pPr>
+            <a:fld id="{A6511760-1C26-6D46-8F02-719B189D0439}" type="slidenum">
+              <a:rPr lang="en-US" altLang="en-US" smtClean="0"/>
+              <a:pPr>
+                <a:spcBef>
+                  <a:spcPct val="0"/>
+                </a:spcBef>
+              </a:pPr>
+              <a:t>39</a:t>
+            </a:fld>
+            <a:endParaRPr lang="en-US" altLang="en-US"/>
+          </a:p>
+        </p:txBody>
+      </p:sp>
+      <p:sp>
+        <p:nvSpPr>
+          <p:cNvPr id="14338" name="Rectangle 2">
+            <a:extLst>
+              <a:ext uri="{FF2B5EF4-FFF2-40B4-BE49-F238E27FC236}">
+                <a16:creationId xmlns:a16="http://schemas.microsoft.com/office/drawing/2014/main" id="{80AEEC4F-9FB1-1E4A-9BCE-3F19390FA233}"/>
+              </a:ext>
+            </a:extLst>
+          </p:cNvPr>
+          <p:cNvSpPr>
+            <a:spLocks noGrp="1" noRot="1" noChangeAspect="1" noChangeArrowheads="1" noTextEdit="1"/>
+          </p:cNvSpPr>
+          <p:nvPr>
+            <p:ph type="sldImg"/>
+          </p:nvPr>
+        </p:nvSpPr>
+        <p:spPr>
+          <a:xfrm>
+            <a:off x="687388" y="685800"/>
+            <a:ext cx="5486400" cy="3429000"/>
+          </a:xfrm>
+          <a:ln/>
+        </p:spPr>
+      </p:sp>
+      <p:sp>
+        <p:nvSpPr>
+          <p:cNvPr id="57348" name="Rectangle 3">
+            <a:extLst>
+              <a:ext uri="{FF2B5EF4-FFF2-40B4-BE49-F238E27FC236}">
+                <a16:creationId xmlns:a16="http://schemas.microsoft.com/office/drawing/2014/main" id="{A1E64DCB-8C26-3A45-8A81-BF958A9B5406}"/>
+              </a:ext>
+            </a:extLst>
+          </p:cNvPr>
+          <p:cNvSpPr>
+            <a:spLocks noGrp="1" noChangeArrowheads="1"/>
+          </p:cNvSpPr>
+          <p:nvPr>
+            <p:ph type="body" idx="1"/>
+          </p:nvPr>
+        </p:nvSpPr>
+        <p:spPr>
+          <a:xfrm>
+            <a:off x="914400" y="4343400"/>
+            <a:ext cx="5029200" cy="4114800"/>
+          </a:xfrm>
+        </p:spPr>
+        <p:txBody>
+          <a:bodyPr lIns="91433" tIns="45716" rIns="91433" bIns="45716"/>
+          <a:lstStyle/>
+          <a:p>
+            <a:pPr eaLnBrk="1" hangingPunct="1">
+              <a:defRPr/>
+            </a:pPr>
+            <a:endParaRPr lang="en-US">
+              <a:cs typeface="+mn-cs"/>
+            </a:endParaRPr>
+          </a:p>
+        </p:txBody>
+      </p:sp>
+    </p:spTree>
+    <p:extLst>
+      <p:ext uri="{BB962C8B-B14F-4D97-AF65-F5344CB8AC3E}">
+        <p14:creationId xmlns:p14="http://schemas.microsoft.com/office/powerpoint/2010/main" val="196400306"/>
+      </p:ext>
+    </p:extLst>
+  </p:cSld>
+  <p:clrMapOvr>
+    <a:masterClrMapping/>
+  </p:clrMapOvr>
+</p:notes>
+</file>
+
+<file path=ppt/notesSlides/notesSlide2.xml><?xml version="1.0" encoding="utf-8"?>
+<p:notes xmlns:a="http://schemas.openxmlformats.org/drawingml/2006/main" xmlns:r="http://schemas.openxmlformats.org/officeDocument/2006/relationships" xmlns:p="http://schemas.openxmlformats.org/presentationml/2006/main">
+  <p:cSld>
+    <p:spTree>
+      <p:nvGrpSpPr>
+        <p:cNvPr id="1" name=""/>
+        <p:cNvGrpSpPr/>
+        <p:nvPr/>
+      </p:nvGrpSpPr>
+      <p:grpSpPr>
+        <a:xfrm>
+          <a:off x="0" y="0"/>
+          <a:ext cx="0" cy="0"/>
+          <a:chOff x="0" y="0"/>
+          <a:chExt cx="0" cy="0"/>
+        </a:xfrm>
+      </p:grpSpPr>
+      <p:sp>
+        <p:nvSpPr>
+          <p:cNvPr id="16385" name="Rectangle 7">
+            <a:extLst>
+              <a:ext uri="{FF2B5EF4-FFF2-40B4-BE49-F238E27FC236}">
+                <a16:creationId xmlns:a16="http://schemas.microsoft.com/office/drawing/2014/main" id="{513958FD-F51B-5C4C-B72B-7C1FA6E715AC}"/>
+              </a:ext>
+            </a:extLst>
+          </p:cNvPr>
+          <p:cNvSpPr>
+            <a:spLocks noGrp="1" noChangeArrowheads="1"/>
+          </p:cNvSpPr>
+          <p:nvPr>
+            <p:ph type="sldNum" sz="quarter" idx="5"/>
+          </p:nvPr>
+        </p:nvSpPr>
+        <p:spPr>
+          <a:noFill/>
+          <a:extLst>
+            <a:ext uri="{909E8E84-426E-40DD-AFC4-6F175D3DCCD1}">
+              <a14:hiddenFill xmlns:a14="http://schemas.microsoft.com/office/drawing/2010/main">
+                <a:solidFill>
+                  <a:schemeClr val="accent1"/>
+                </a:solidFill>
+              </a14:hiddenFill>
+            </a:ext>
+            <a:ext uri="{91240B29-F687-4F45-9708-019B960494DF}">
+              <a14:hiddenLine xmlns:a14="http://schemas.microsoft.com/office/drawing/2010/main" w="9525">
+                <a:solidFill>
+                  <a:schemeClr val="tx1"/>
+                </a:solidFill>
+                <a:miter lim="800000"/>
+                <a:headEnd/>
+                <a:tailEnd/>
+              </a14:hiddenLine>
+            </a:ext>
+            <a:ext uri="{AF507438-7753-43E0-B8FC-AC1667EBCBE1}">
+              <a14:hiddenEffects xmlns:a14="http://schemas.microsoft.com/office/drawing/2010/main">
+                <a:effectLst>
+                  <a:outerShdw dist="35921" dir="2700000" algn="ctr" rotWithShape="0">
+                    <a:schemeClr val="bg2"/>
+                  </a:outerShdw>
+                </a:effectLst>
+              </a14:hiddenEffects>
+            </a:ext>
+          </a:extLst>
+        </p:spPr>
+        <p:txBody>
+          <a:bodyPr/>
+          <a:lstStyle>
+            <a:lvl1pPr>
+              <a:spcBef>
+                <a:spcPct val="30000"/>
+              </a:spcBef>
+              <a:defRPr sz="1200">
+                <a:solidFill>
+                  <a:schemeClr val="tx1"/>
+                </a:solidFill>
+                <a:latin typeface="Arial" panose="020B0604020202020204" pitchFamily="34" charset="0"/>
+                <a:ea typeface="ＭＳ Ｐゴシック" panose="020B0600070205080204" pitchFamily="34" charset="-128"/>
+              </a:defRPr>
+            </a:lvl1pPr>
+            <a:lvl2pPr marL="742950" indent="-285750">
+              <a:spcBef>
+                <a:spcPct val="30000"/>
+              </a:spcBef>
+              <a:defRPr sz="1200">
+                <a:solidFill>
+                  <a:schemeClr val="tx1"/>
+                </a:solidFill>
+                <a:latin typeface="Arial" panose="020B0604020202020204" pitchFamily="34" charset="0"/>
+                <a:ea typeface="ＭＳ Ｐゴシック" panose="020B0600070205080204" pitchFamily="34" charset="-128"/>
+              </a:defRPr>
+            </a:lvl2pPr>
+            <a:lvl3pPr marL="1143000" indent="-228600">
+              <a:spcBef>
+                <a:spcPct val="30000"/>
+              </a:spcBef>
+              <a:defRPr sz="1200">
+                <a:solidFill>
+                  <a:schemeClr val="tx1"/>
+                </a:solidFill>
+                <a:latin typeface="Arial" panose="020B0604020202020204" pitchFamily="34" charset="0"/>
+                <a:ea typeface="ＭＳ Ｐゴシック" panose="020B0600070205080204" pitchFamily="34" charset="-128"/>
+              </a:defRPr>
+            </a:lvl3pPr>
+            <a:lvl4pPr marL="1600200" indent="-228600">
+              <a:spcBef>
+                <a:spcPct val="30000"/>
+              </a:spcBef>
+              <a:defRPr sz="1200">
+                <a:solidFill>
+                  <a:schemeClr val="tx1"/>
+                </a:solidFill>
+                <a:latin typeface="Arial" panose="020B0604020202020204" pitchFamily="34" charset="0"/>
+                <a:ea typeface="ＭＳ Ｐゴシック" panose="020B0600070205080204" pitchFamily="34" charset="-128"/>
+              </a:defRPr>
+            </a:lvl4pPr>
+            <a:lvl5pPr marL="2057400" indent="-228600">
+              <a:spcBef>
+                <a:spcPct val="30000"/>
+              </a:spcBef>
+              <a:defRPr sz="1200">
+                <a:solidFill>
+                  <a:schemeClr val="tx1"/>
+                </a:solidFill>
+                <a:latin typeface="Arial" panose="020B0604020202020204" pitchFamily="34" charset="0"/>
+                <a:ea typeface="ＭＳ Ｐゴシック" panose="020B0600070205080204" pitchFamily="34" charset="-128"/>
+              </a:defRPr>
+            </a:lvl5pPr>
+            <a:lvl6pPr marL="2514600" indent="-228600" eaLnBrk="0" fontAlgn="base" hangingPunct="0">
+              <a:spcBef>
+                <a:spcPct val="30000"/>
+              </a:spcBef>
+              <a:spcAft>
+                <a:spcPct val="0"/>
+              </a:spcAft>
+              <a:defRPr sz="1200">
+                <a:solidFill>
+                  <a:schemeClr val="tx1"/>
+                </a:solidFill>
+                <a:latin typeface="Arial" panose="020B0604020202020204" pitchFamily="34" charset="0"/>
+                <a:ea typeface="ＭＳ Ｐゴシック" panose="020B0600070205080204" pitchFamily="34" charset="-128"/>
+              </a:defRPr>
+            </a:lvl6pPr>
+            <a:lvl7pPr marL="2971800" indent="-228600" eaLnBrk="0" fontAlgn="base" hangingPunct="0">
+              <a:spcBef>
+                <a:spcPct val="30000"/>
+              </a:spcBef>
+              <a:spcAft>
+                <a:spcPct val="0"/>
+              </a:spcAft>
+              <a:defRPr sz="1200">
+                <a:solidFill>
+                  <a:schemeClr val="tx1"/>
+                </a:solidFill>
+                <a:latin typeface="Arial" panose="020B0604020202020204" pitchFamily="34" charset="0"/>
+                <a:ea typeface="ＭＳ Ｐゴシック" panose="020B0600070205080204" pitchFamily="34" charset="-128"/>
+              </a:defRPr>
+            </a:lvl7pPr>
+            <a:lvl8pPr marL="3429000" indent="-228600" eaLnBrk="0" fontAlgn="base" hangingPunct="0">
+              <a:spcBef>
+                <a:spcPct val="30000"/>
+              </a:spcBef>
+              <a:spcAft>
+                <a:spcPct val="0"/>
+              </a:spcAft>
+              <a:defRPr sz="1200">
+                <a:solidFill>
+                  <a:schemeClr val="tx1"/>
+                </a:solidFill>
+                <a:latin typeface="Arial" panose="020B0604020202020204" pitchFamily="34" charset="0"/>
+                <a:ea typeface="ＭＳ Ｐゴシック" panose="020B0600070205080204" pitchFamily="34" charset="-128"/>
+              </a:defRPr>
+            </a:lvl8pPr>
+            <a:lvl9pPr marL="3886200" indent="-228600" eaLnBrk="0" fontAlgn="base" hangingPunct="0">
+              <a:spcBef>
+                <a:spcPct val="30000"/>
+              </a:spcBef>
+              <a:spcAft>
+                <a:spcPct val="0"/>
+              </a:spcAft>
+              <a:defRPr sz="1200">
+                <a:solidFill>
+                  <a:schemeClr val="tx1"/>
+                </a:solidFill>
+                <a:latin typeface="Arial" panose="020B0604020202020204" pitchFamily="34" charset="0"/>
+                <a:ea typeface="ＭＳ Ｐゴシック" panose="020B0600070205080204" pitchFamily="34" charset="-128"/>
+              </a:defRPr>
+            </a:lvl9pPr>
+          </a:lstStyle>
+          <a:p>
+            <a:pPr>
+              <a:spcBef>
+                <a:spcPct val="0"/>
+              </a:spcBef>
+            </a:pPr>
+            <a:fld id="{BDD4C7B1-D736-2B48-8D0E-46C9F6AE84FE}" type="slidenum">
+              <a:rPr lang="en-US" altLang="en-US" smtClean="0"/>
+              <a:pPr>
+                <a:spcBef>
+                  <a:spcPct val="0"/>
+                </a:spcBef>
+              </a:pPr>
+              <a:t>40</a:t>
+            </a:fld>
+            <a:endParaRPr lang="en-US" altLang="en-US"/>
+          </a:p>
+        </p:txBody>
+      </p:sp>
+      <p:sp>
+        <p:nvSpPr>
+          <p:cNvPr id="16386" name="Rectangle 2">
+            <a:extLst>
+              <a:ext uri="{FF2B5EF4-FFF2-40B4-BE49-F238E27FC236}">
+                <a16:creationId xmlns:a16="http://schemas.microsoft.com/office/drawing/2014/main" id="{01BBFD5D-C04D-4844-8A36-72706D68E464}"/>
+              </a:ext>
+            </a:extLst>
+          </p:cNvPr>
+          <p:cNvSpPr>
+            <a:spLocks noGrp="1" noRot="1" noChangeAspect="1" noChangeArrowheads="1" noTextEdit="1"/>
+          </p:cNvSpPr>
+          <p:nvPr>
+            <p:ph type="sldImg"/>
+          </p:nvPr>
+        </p:nvSpPr>
+        <p:spPr>
+          <a:xfrm>
+            <a:off x="687388" y="685800"/>
+            <a:ext cx="5486400" cy="3429000"/>
+          </a:xfrm>
+          <a:ln/>
+        </p:spPr>
+      </p:sp>
+      <p:sp>
+        <p:nvSpPr>
+          <p:cNvPr id="58372" name="Rectangle 3">
+            <a:extLst>
+              <a:ext uri="{FF2B5EF4-FFF2-40B4-BE49-F238E27FC236}">
+                <a16:creationId xmlns:a16="http://schemas.microsoft.com/office/drawing/2014/main" id="{177D9F23-116B-DB4D-9C43-5CE8471BDBAB}"/>
+              </a:ext>
+            </a:extLst>
+          </p:cNvPr>
+          <p:cNvSpPr>
+            <a:spLocks noGrp="1" noChangeArrowheads="1"/>
+          </p:cNvSpPr>
+          <p:nvPr>
+            <p:ph type="body" idx="1"/>
+          </p:nvPr>
+        </p:nvSpPr>
+        <p:spPr>
+          <a:xfrm>
+            <a:off x="914400" y="4343400"/>
+            <a:ext cx="5029200" cy="4114800"/>
+          </a:xfrm>
+        </p:spPr>
+        <p:txBody>
+          <a:bodyPr lIns="91433" tIns="45716" rIns="91433" bIns="45716"/>
+          <a:lstStyle/>
+          <a:p>
+            <a:pPr eaLnBrk="1" hangingPunct="1">
+              <a:defRPr/>
+            </a:pPr>
+            <a:endParaRPr lang="en-US">
+              <a:cs typeface="+mn-cs"/>
+            </a:endParaRPr>
+          </a:p>
+        </p:txBody>
+      </p:sp>
+    </p:spTree>
+    <p:extLst>
+      <p:ext uri="{BB962C8B-B14F-4D97-AF65-F5344CB8AC3E}">
+        <p14:creationId xmlns:p14="http://schemas.microsoft.com/office/powerpoint/2010/main" val="2835568385"/>
+      </p:ext>
+    </p:extLst>
+  </p:cSld>
+  <p:clrMapOvr>
+    <a:masterClrMapping/>
+  </p:clrMapOvr>
+</p:notes>
+</file>
+
 <file path=ppt/slideLayouts/slideLayout1.xml><?xml version="1.0" encoding="utf-8"?>
 <p:sldLayout xmlns:a="http://schemas.openxmlformats.org/drawingml/2006/main" xmlns:r="http://schemas.openxmlformats.org/officeDocument/2006/relationships" xmlns:p="http://schemas.openxmlformats.org/presentationml/2006/main" type="title" preserve="1">
   <p:cSld name="Title Slide">
@@ -2462,7 +3644,7 @@
           <a:p>
             <a:fld id="{4AAD347D-5ACD-4C99-B74B-A9C85AD731AF}" type="datetimeFigureOut">
               <a:rPr lang="en-US" smtClean="0"/>
-              <a:t>5/17/21</a:t>
+              <a:t>5/19/21</a:t>
             </a:fld>
             <a:endParaRPr lang="en-US" dirty="0"/>
           </a:p>
@@ -2632,7 +3814,7 @@
           <a:p>
             <a:fld id="{4509A250-FF31-4206-8172-F9D3106AACB1}" type="datetimeFigureOut">
               <a:rPr lang="en-US" smtClean="0"/>
-              <a:t>5/17/21</a:t>
+              <a:t>5/19/21</a:t>
             </a:fld>
             <a:endParaRPr lang="en-US" dirty="0"/>
           </a:p>
@@ -2812,7 +3994,7 @@
           <a:p>
             <a:fld id="{4509A250-FF31-4206-8172-F9D3106AACB1}" type="datetimeFigureOut">
               <a:rPr lang="en-US" smtClean="0"/>
-              <a:t>5/17/21</a:t>
+              <a:t>5/19/21</a:t>
             </a:fld>
             <a:endParaRPr lang="en-US" dirty="0"/>
           </a:p>
@@ -2982,7 +4164,7 @@
           <a:p>
             <a:fld id="{4509A250-FF31-4206-8172-F9D3106AACB1}" type="datetimeFigureOut">
               <a:rPr lang="en-US" smtClean="0"/>
-              <a:t>5/17/21</a:t>
+              <a:t>5/19/21</a:t>
             </a:fld>
             <a:endParaRPr lang="en-US" dirty="0"/>
           </a:p>
@@ -3228,7 +4410,7 @@
           <a:p>
             <a:fld id="{9796027F-7875-4030-9381-8BD8C4F21935}" type="datetimeFigureOut">
               <a:rPr lang="en-US" smtClean="0"/>
-              <a:t>5/17/21</a:t>
+              <a:t>5/19/21</a:t>
             </a:fld>
             <a:endParaRPr lang="en-US" dirty="0"/>
           </a:p>
@@ -3460,7 +4642,7 @@
           <a:p>
             <a:fld id="{9796027F-7875-4030-9381-8BD8C4F21935}" type="datetimeFigureOut">
               <a:rPr lang="en-US" smtClean="0"/>
-              <a:t>5/17/21</a:t>
+              <a:t>5/19/21</a:t>
             </a:fld>
             <a:endParaRPr lang="en-US" dirty="0"/>
           </a:p>
@@ -3827,7 +5009,7 @@
           <a:p>
             <a:fld id="{9796027F-7875-4030-9381-8BD8C4F21935}" type="datetimeFigureOut">
               <a:rPr lang="en-US" smtClean="0"/>
-              <a:t>5/17/21</a:t>
+              <a:t>5/19/21</a:t>
             </a:fld>
             <a:endParaRPr lang="en-US" dirty="0"/>
           </a:p>
@@ -3945,7 +5127,7 @@
           <a:p>
             <a:fld id="{4509A250-FF31-4206-8172-F9D3106AACB1}" type="datetimeFigureOut">
               <a:rPr lang="en-US" smtClean="0"/>
-              <a:t>5/17/21</a:t>
+              <a:t>5/19/21</a:t>
             </a:fld>
             <a:endParaRPr lang="en-US" dirty="0"/>
           </a:p>
@@ -4040,7 +5222,7 @@
           <a:p>
             <a:fld id="{4509A250-FF31-4206-8172-F9D3106AACB1}" type="datetimeFigureOut">
               <a:rPr lang="en-US" smtClean="0"/>
-              <a:t>5/17/21</a:t>
+              <a:t>5/19/21</a:t>
             </a:fld>
             <a:endParaRPr lang="en-US" dirty="0"/>
           </a:p>
@@ -4317,7 +5499,7 @@
           <a:p>
             <a:fld id="{4509A250-FF31-4206-8172-F9D3106AACB1}" type="datetimeFigureOut">
               <a:rPr lang="en-US" smtClean="0"/>
-              <a:t>5/17/21</a:t>
+              <a:t>5/19/21</a:t>
             </a:fld>
             <a:endParaRPr lang="en-US" dirty="0"/>
           </a:p>
@@ -4574,7 +5756,7 @@
           <a:p>
             <a:fld id="{4509A250-FF31-4206-8172-F9D3106AACB1}" type="datetimeFigureOut">
               <a:rPr lang="en-US" smtClean="0"/>
-              <a:t>5/17/21</a:t>
+              <a:t>5/19/21</a:t>
             </a:fld>
             <a:endParaRPr lang="en-US" dirty="0"/>
           </a:p>
@@ -4787,7 +5969,7 @@
           <a:p>
             <a:fld id="{4AAD347D-5ACD-4C99-B74B-A9C85AD731AF}" type="datetimeFigureOut">
               <a:rPr lang="en-US" smtClean="0"/>
-              <a:t>5/17/21</a:t>
+              <a:t>5/19/21</a:t>
             </a:fld>
             <a:endParaRPr lang="en-US" dirty="0"/>
           </a:p>
@@ -9420,6 +10602,20 @@
               <a:rPr lang="en-US" dirty="0"/>
               <a:t>/1D Array</a:t>
             </a:r>
+            <a:br>
+              <a:rPr lang="en-US" dirty="0"/>
+            </a:br>
+            <a:r>
+              <a:rPr lang="en-US" dirty="0"/>
+              <a:t>See previous years' similar FRQs: </a:t>
+            </a:r>
+            <a:br>
+              <a:rPr lang="en-US" dirty="0"/>
+            </a:br>
+            <a:r>
+              <a:rPr lang="en-US" dirty="0"/>
+              <a:t>2010 #1, 2013 #1, 2017 #1, 2018 #2</a:t>
+            </a:r>
           </a:p>
         </p:txBody>
       </p:sp>
@@ -10038,13 +11234,25 @@
               </a:rPr>
               <a:t> or both, unlikely to be just a 1D array question)</a:t>
             </a:r>
+          </a:p>
+          <a:p>
+            <a:pPr marL="0" indent="0">
+              <a:buNone/>
+            </a:pPr>
             <a:endParaRPr lang="en-US" dirty="0"/>
           </a:p>
           <a:p>
             <a:pPr marL="0" indent="0">
               <a:buNone/>
             </a:pPr>
-            <a:endParaRPr lang="en-US" dirty="0"/>
+            <a:r>
+              <a:rPr lang="en-US" dirty="0">
+                <a:solidFill>
+                  <a:srgbClr val="FF0000"/>
+                </a:solidFill>
+              </a:rPr>
+              <a:t>See the following problems 2010 #1, 2013 #1, 2017 #1, 2018 #2</a:t>
+            </a:r>
           </a:p>
           <a:p>
             <a:pPr marL="0" indent="0">
@@ -10070,12 +11278,6 @@
               <a:rPr lang="en-US" dirty="0"/>
               <a:t> of Student objects. </a:t>
             </a:r>
-          </a:p>
-          <a:p>
-            <a:pPr marL="0" indent="0">
-              <a:buNone/>
-            </a:pPr>
-            <a:endParaRPr lang="en-US" dirty="0"/>
           </a:p>
           <a:p>
             <a:pPr lvl="1">
@@ -10234,7 +11436,7 @@
                                         <p:tgtEl>
                                           <p:spTgt spid="3">
                                             <p:txEl>
-                                              <p:pRg st="3" end="3"/>
+                                              <p:pRg st="4" end="4"/>
                                             </p:txEl>
                                           </p:spTgt>
                                         </p:tgtEl>
@@ -15478,6 +16680,4036 @@
 </p:sld>
 </file>
 
+<file path=ppt/slides/slide30.xml><?xml version="1.0" encoding="utf-8"?>
+<p:sld xmlns:a="http://schemas.openxmlformats.org/drawingml/2006/main" xmlns:r="http://schemas.openxmlformats.org/officeDocument/2006/relationships" xmlns:p="http://schemas.openxmlformats.org/presentationml/2006/main">
+  <p:cSld>
+    <p:spTree>
+      <p:nvGrpSpPr>
+        <p:cNvPr id="1" name=""/>
+        <p:cNvGrpSpPr/>
+        <p:nvPr/>
+      </p:nvGrpSpPr>
+      <p:grpSpPr>
+        <a:xfrm>
+          <a:off x="0" y="0"/>
+          <a:ext cx="0" cy="0"/>
+          <a:chOff x="0" y="0"/>
+          <a:chExt cx="0" cy="0"/>
+        </a:xfrm>
+      </p:grpSpPr>
+      <p:sp>
+        <p:nvSpPr>
+          <p:cNvPr id="2" name="Title 1">
+            <a:extLst>
+              <a:ext uri="{FF2B5EF4-FFF2-40B4-BE49-F238E27FC236}">
+                <a16:creationId xmlns:a16="http://schemas.microsoft.com/office/drawing/2014/main" id="{BC6F9511-CB58-AC49-AD98-860912780FFE}"/>
+              </a:ext>
+            </a:extLst>
+          </p:cNvPr>
+          <p:cNvSpPr>
+            <a:spLocks noGrp="1"/>
+          </p:cNvSpPr>
+          <p:nvPr>
+            <p:ph type="title"/>
+          </p:nvPr>
+        </p:nvSpPr>
+        <p:spPr>
+          <a:xfrm>
+            <a:off x="628650" y="2563244"/>
+            <a:ext cx="7886700" cy="588511"/>
+          </a:xfrm>
+        </p:spPr>
+        <p:txBody>
+          <a:bodyPr/>
+          <a:lstStyle/>
+          <a:p>
+            <a:r>
+              <a:rPr lang="en-US" dirty="0"/>
+              <a:t>Question 4: 2D Array</a:t>
+            </a:r>
+            <a:br>
+              <a:rPr lang="en-US" dirty="0"/>
+            </a:br>
+            <a:r>
+              <a:rPr lang="en-US" dirty="0"/>
+              <a:t>See previous years' similar FRQs: </a:t>
+            </a:r>
+            <a:br>
+              <a:rPr lang="en-US" dirty="0"/>
+            </a:br>
+            <a:r>
+              <a:rPr lang="en-US" dirty="0"/>
+              <a:t>2019 #4, 2018 #4, 2017 #4, 2016 #3</a:t>
+            </a:r>
+          </a:p>
+        </p:txBody>
+      </p:sp>
+    </p:spTree>
+    <p:extLst>
+      <p:ext uri="{BB962C8B-B14F-4D97-AF65-F5344CB8AC3E}">
+        <p14:creationId xmlns:p14="http://schemas.microsoft.com/office/powerpoint/2010/main" val="2802854376"/>
+      </p:ext>
+    </p:extLst>
+  </p:cSld>
+  <p:clrMapOvr>
+    <a:masterClrMapping/>
+  </p:clrMapOvr>
+</p:sld>
+</file>
+
+<file path=ppt/slides/slide31.xml><?xml version="1.0" encoding="utf-8"?>
+<p:sld xmlns:a="http://schemas.openxmlformats.org/drawingml/2006/main" xmlns:r="http://schemas.openxmlformats.org/officeDocument/2006/relationships" xmlns:p="http://schemas.openxmlformats.org/presentationml/2006/main">
+  <p:cSld>
+    <p:spTree>
+      <p:nvGrpSpPr>
+        <p:cNvPr id="1" name=""/>
+        <p:cNvGrpSpPr/>
+        <p:nvPr/>
+      </p:nvGrpSpPr>
+      <p:grpSpPr>
+        <a:xfrm>
+          <a:off x="0" y="0"/>
+          <a:ext cx="0" cy="0"/>
+          <a:chOff x="0" y="0"/>
+          <a:chExt cx="0" cy="0"/>
+        </a:xfrm>
+      </p:grpSpPr>
+      <p:sp>
+        <p:nvSpPr>
+          <p:cNvPr id="2" name="Title 1">
+            <a:extLst>
+              <a:ext uri="{FF2B5EF4-FFF2-40B4-BE49-F238E27FC236}">
+                <a16:creationId xmlns:a16="http://schemas.microsoft.com/office/drawing/2014/main" id="{BC6F9511-CB58-AC49-AD98-860912780FFE}"/>
+              </a:ext>
+            </a:extLst>
+          </p:cNvPr>
+          <p:cNvSpPr>
+            <a:spLocks noGrp="1"/>
+          </p:cNvSpPr>
+          <p:nvPr>
+            <p:ph type="title"/>
+          </p:nvPr>
+        </p:nvSpPr>
+        <p:spPr>
+          <a:xfrm>
+            <a:off x="167177" y="128185"/>
+            <a:ext cx="7886700" cy="588511"/>
+          </a:xfrm>
+        </p:spPr>
+        <p:txBody>
+          <a:bodyPr/>
+          <a:lstStyle/>
+          <a:p>
+            <a:r>
+              <a:rPr lang="en-US" dirty="0"/>
+              <a:t>Row Major Order Traversal</a:t>
+            </a:r>
+          </a:p>
+        </p:txBody>
+      </p:sp>
+      <p:sp>
+        <p:nvSpPr>
+          <p:cNvPr id="3" name="Content Placeholder 2">
+            <a:extLst>
+              <a:ext uri="{FF2B5EF4-FFF2-40B4-BE49-F238E27FC236}">
+                <a16:creationId xmlns:a16="http://schemas.microsoft.com/office/drawing/2014/main" id="{CE6BD10B-9D13-604D-9877-97B355109287}"/>
+              </a:ext>
+            </a:extLst>
+          </p:cNvPr>
+          <p:cNvSpPr>
+            <a:spLocks noGrp="1"/>
+          </p:cNvSpPr>
+          <p:nvPr>
+            <p:ph idx="1"/>
+          </p:nvPr>
+        </p:nvSpPr>
+        <p:spPr>
+          <a:xfrm>
+            <a:off x="167177" y="716696"/>
+            <a:ext cx="8976822" cy="4795341"/>
+          </a:xfrm>
+        </p:spPr>
+        <p:txBody>
+          <a:bodyPr/>
+          <a:lstStyle/>
+          <a:p>
+            <a:pPr marL="0" indent="0">
+              <a:buNone/>
+            </a:pPr>
+            <a:r>
+              <a:rPr lang="en-US" dirty="0"/>
+              <a:t>Example :  Count the number of Students objects whose GPA is above a threshold. </a:t>
+            </a:r>
+            <a:r>
+              <a:rPr lang="en-US" dirty="0">
+                <a:solidFill>
+                  <a:srgbClr val="FF0000"/>
+                </a:solidFill>
+              </a:rPr>
+              <a:t>(row major order)</a:t>
+            </a:r>
+          </a:p>
+          <a:p>
+            <a:pPr marL="0" indent="0">
+              <a:buNone/>
+            </a:pPr>
+            <a:r>
+              <a:rPr lang="en-US" sz="1800" dirty="0">
+                <a:latin typeface="Courier New" panose="02070309020205020404" pitchFamily="49" charset="0"/>
+                <a:cs typeface="Courier New" panose="02070309020205020404" pitchFamily="49" charset="0"/>
+              </a:rPr>
+              <a:t>public class Course{</a:t>
+            </a:r>
+          </a:p>
+          <a:p>
+            <a:pPr marL="0" indent="0">
+              <a:buNone/>
+            </a:pPr>
+            <a:r>
+              <a:rPr lang="en-US" sz="1800" dirty="0">
+                <a:latin typeface="Courier New" panose="02070309020205020404" pitchFamily="49" charset="0"/>
+                <a:cs typeface="Courier New" panose="02070309020205020404" pitchFamily="49" charset="0"/>
+              </a:rPr>
+              <a:t>	Student[][] students;</a:t>
+            </a:r>
+          </a:p>
+          <a:p>
+            <a:pPr marL="0" indent="0">
+              <a:buNone/>
+            </a:pPr>
+            <a:r>
+              <a:rPr lang="en-US" sz="1800" dirty="0">
+                <a:latin typeface="Courier New" panose="02070309020205020404" pitchFamily="49" charset="0"/>
+                <a:cs typeface="Courier New" panose="02070309020205020404" pitchFamily="49" charset="0"/>
+              </a:rPr>
+              <a:t>	// constructors not shown</a:t>
+            </a:r>
+          </a:p>
+          <a:p>
+            <a:pPr marL="0" indent="0">
+              <a:buNone/>
+            </a:pPr>
+            <a:r>
+              <a:rPr lang="en-US" sz="1800" dirty="0">
+                <a:latin typeface="Courier New" panose="02070309020205020404" pitchFamily="49" charset="0"/>
+                <a:cs typeface="Courier New" panose="02070309020205020404" pitchFamily="49" charset="0"/>
+              </a:rPr>
+              <a:t>	public int </a:t>
+            </a:r>
+            <a:r>
+              <a:rPr lang="en-US" sz="1800" dirty="0" err="1">
+                <a:latin typeface="Courier New" panose="02070309020205020404" pitchFamily="49" charset="0"/>
+                <a:cs typeface="Courier New" panose="02070309020205020404" pitchFamily="49" charset="0"/>
+              </a:rPr>
+              <a:t>aboveThreshold</a:t>
+            </a:r>
+            <a:r>
+              <a:rPr lang="en-US" sz="1800" dirty="0">
+                <a:latin typeface="Courier New" panose="02070309020205020404" pitchFamily="49" charset="0"/>
+                <a:cs typeface="Courier New" panose="02070309020205020404" pitchFamily="49" charset="0"/>
+              </a:rPr>
+              <a:t>(double threshold){</a:t>
+            </a:r>
+          </a:p>
+          <a:p>
+            <a:pPr marL="0" indent="0">
+              <a:buNone/>
+            </a:pPr>
+            <a:r>
+              <a:rPr lang="en-US" sz="1800" dirty="0">
+                <a:latin typeface="Courier New" panose="02070309020205020404" pitchFamily="49" charset="0"/>
+                <a:cs typeface="Courier New" panose="02070309020205020404" pitchFamily="49" charset="0"/>
+              </a:rPr>
+              <a:t>		int count = 0; </a:t>
+            </a:r>
+          </a:p>
+          <a:p>
+            <a:pPr marL="0" indent="0">
+              <a:buNone/>
+            </a:pPr>
+            <a:r>
+              <a:rPr lang="en-US" sz="1800" dirty="0">
+                <a:latin typeface="Courier New" panose="02070309020205020404" pitchFamily="49" charset="0"/>
+                <a:cs typeface="Courier New" panose="02070309020205020404" pitchFamily="49" charset="0"/>
+              </a:rPr>
+              <a:t>		for(int row = 0; row &lt; </a:t>
+            </a:r>
+            <a:r>
+              <a:rPr lang="en-US" sz="1800" dirty="0" err="1">
+                <a:latin typeface="Courier New" panose="02070309020205020404" pitchFamily="49" charset="0"/>
+                <a:cs typeface="Courier New" panose="02070309020205020404" pitchFamily="49" charset="0"/>
+              </a:rPr>
+              <a:t>students.length</a:t>
+            </a:r>
+            <a:r>
+              <a:rPr lang="en-US" sz="1800" dirty="0">
+                <a:latin typeface="Courier New" panose="02070309020205020404" pitchFamily="49" charset="0"/>
+                <a:cs typeface="Courier New" panose="02070309020205020404" pitchFamily="49" charset="0"/>
+              </a:rPr>
+              <a:t>; row++){</a:t>
+            </a:r>
+          </a:p>
+          <a:p>
+            <a:pPr marL="0" indent="0">
+              <a:buNone/>
+            </a:pPr>
+            <a:r>
+              <a:rPr lang="en-US" sz="1800" dirty="0">
+                <a:latin typeface="Courier New" panose="02070309020205020404" pitchFamily="49" charset="0"/>
+                <a:cs typeface="Courier New" panose="02070309020205020404" pitchFamily="49" charset="0"/>
+              </a:rPr>
+              <a:t>		  for(int 	col = 0; col &lt; students[0].length; col++){</a:t>
+            </a:r>
+          </a:p>
+          <a:p>
+            <a:pPr marL="0" indent="0">
+              <a:buNone/>
+            </a:pPr>
+            <a:r>
+              <a:rPr lang="en-US" sz="1800" dirty="0">
+                <a:latin typeface="Courier New" panose="02070309020205020404" pitchFamily="49" charset="0"/>
+                <a:cs typeface="Courier New" panose="02070309020205020404" pitchFamily="49" charset="0"/>
+              </a:rPr>
+              <a:t>			if(students[row][col].</a:t>
+            </a:r>
+            <a:r>
+              <a:rPr lang="en-US" sz="1800" dirty="0" err="1">
+                <a:latin typeface="Courier New" panose="02070309020205020404" pitchFamily="49" charset="0"/>
+                <a:cs typeface="Courier New" panose="02070309020205020404" pitchFamily="49" charset="0"/>
+              </a:rPr>
+              <a:t>getGpa</a:t>
+            </a:r>
+            <a:r>
+              <a:rPr lang="en-US" sz="1800" dirty="0">
+                <a:latin typeface="Courier New" panose="02070309020205020404" pitchFamily="49" charset="0"/>
+                <a:cs typeface="Courier New" panose="02070309020205020404" pitchFamily="49" charset="0"/>
+              </a:rPr>
+              <a:t>() &gt; threshold)</a:t>
+            </a:r>
+          </a:p>
+          <a:p>
+            <a:pPr marL="0" indent="0">
+              <a:buNone/>
+            </a:pPr>
+            <a:r>
+              <a:rPr lang="en-US" sz="1800" dirty="0">
+                <a:latin typeface="Courier New" panose="02070309020205020404" pitchFamily="49" charset="0"/>
+                <a:cs typeface="Courier New" panose="02070309020205020404" pitchFamily="49" charset="0"/>
+              </a:rPr>
+              <a:t>				count++;</a:t>
+            </a:r>
+          </a:p>
+          <a:p>
+            <a:pPr marL="0" indent="0">
+              <a:buNone/>
+            </a:pPr>
+            <a:r>
+              <a:rPr lang="en-US" sz="1800" dirty="0">
+                <a:latin typeface="Courier New" panose="02070309020205020404" pitchFamily="49" charset="0"/>
+                <a:cs typeface="Courier New" panose="02070309020205020404" pitchFamily="49" charset="0"/>
+              </a:rPr>
+              <a:t>		  }}</a:t>
+            </a:r>
+          </a:p>
+          <a:p>
+            <a:pPr marL="0" indent="0">
+              <a:buNone/>
+            </a:pPr>
+            <a:r>
+              <a:rPr lang="en-US" sz="1800" dirty="0">
+                <a:latin typeface="Courier New" panose="02070309020205020404" pitchFamily="49" charset="0"/>
+                <a:cs typeface="Courier New" panose="02070309020205020404" pitchFamily="49" charset="0"/>
+              </a:rPr>
+              <a:t>		return count;</a:t>
+            </a:r>
+          </a:p>
+          <a:p>
+            <a:pPr marL="0" indent="0">
+              <a:buNone/>
+            </a:pPr>
+            <a:r>
+              <a:rPr lang="en-US" sz="1800" dirty="0">
+                <a:latin typeface="Courier New" panose="02070309020205020404" pitchFamily="49" charset="0"/>
+                <a:cs typeface="Courier New" panose="02070309020205020404" pitchFamily="49" charset="0"/>
+              </a:rPr>
+              <a:t>	}</a:t>
+            </a:r>
+          </a:p>
+        </p:txBody>
+      </p:sp>
+    </p:spTree>
+    <p:extLst>
+      <p:ext uri="{BB962C8B-B14F-4D97-AF65-F5344CB8AC3E}">
+        <p14:creationId xmlns:p14="http://schemas.microsoft.com/office/powerpoint/2010/main" val="371263916"/>
+      </p:ext>
+    </p:extLst>
+  </p:cSld>
+  <p:clrMapOvr>
+    <a:masterClrMapping/>
+  </p:clrMapOvr>
+</p:sld>
+</file>
+
+<file path=ppt/slides/slide32.xml><?xml version="1.0" encoding="utf-8"?>
+<p:sld xmlns:a="http://schemas.openxmlformats.org/drawingml/2006/main" xmlns:r="http://schemas.openxmlformats.org/officeDocument/2006/relationships" xmlns:p="http://schemas.openxmlformats.org/presentationml/2006/main">
+  <p:cSld>
+    <p:spTree>
+      <p:nvGrpSpPr>
+        <p:cNvPr id="1" name=""/>
+        <p:cNvGrpSpPr/>
+        <p:nvPr/>
+      </p:nvGrpSpPr>
+      <p:grpSpPr>
+        <a:xfrm>
+          <a:off x="0" y="0"/>
+          <a:ext cx="0" cy="0"/>
+          <a:chOff x="0" y="0"/>
+          <a:chExt cx="0" cy="0"/>
+        </a:xfrm>
+      </p:grpSpPr>
+      <p:sp>
+        <p:nvSpPr>
+          <p:cNvPr id="2" name="Title 1">
+            <a:extLst>
+              <a:ext uri="{FF2B5EF4-FFF2-40B4-BE49-F238E27FC236}">
+                <a16:creationId xmlns:a16="http://schemas.microsoft.com/office/drawing/2014/main" id="{BC6F9511-CB58-AC49-AD98-860912780FFE}"/>
+              </a:ext>
+            </a:extLst>
+          </p:cNvPr>
+          <p:cNvSpPr>
+            <a:spLocks noGrp="1"/>
+          </p:cNvSpPr>
+          <p:nvPr>
+            <p:ph type="title"/>
+          </p:nvPr>
+        </p:nvSpPr>
+        <p:spPr>
+          <a:xfrm>
+            <a:off x="167177" y="128185"/>
+            <a:ext cx="7886700" cy="588511"/>
+          </a:xfrm>
+        </p:spPr>
+        <p:txBody>
+          <a:bodyPr/>
+          <a:lstStyle/>
+          <a:p>
+            <a:r>
+              <a:rPr lang="en-US" dirty="0"/>
+              <a:t>Column Major Order Traversal</a:t>
+            </a:r>
+          </a:p>
+        </p:txBody>
+      </p:sp>
+      <p:sp>
+        <p:nvSpPr>
+          <p:cNvPr id="3" name="Content Placeholder 2">
+            <a:extLst>
+              <a:ext uri="{FF2B5EF4-FFF2-40B4-BE49-F238E27FC236}">
+                <a16:creationId xmlns:a16="http://schemas.microsoft.com/office/drawing/2014/main" id="{CE6BD10B-9D13-604D-9877-97B355109287}"/>
+              </a:ext>
+            </a:extLst>
+          </p:cNvPr>
+          <p:cNvSpPr>
+            <a:spLocks noGrp="1"/>
+          </p:cNvSpPr>
+          <p:nvPr>
+            <p:ph idx="1"/>
+          </p:nvPr>
+        </p:nvSpPr>
+        <p:spPr>
+          <a:xfrm>
+            <a:off x="167177" y="716696"/>
+            <a:ext cx="8976822" cy="4795341"/>
+          </a:xfrm>
+        </p:spPr>
+        <p:txBody>
+          <a:bodyPr/>
+          <a:lstStyle/>
+          <a:p>
+            <a:pPr marL="0" indent="0">
+              <a:buNone/>
+            </a:pPr>
+            <a:r>
+              <a:rPr lang="en-US" dirty="0"/>
+              <a:t>Example :  Count the number of Students objects whose GPA is above a threshold. </a:t>
+            </a:r>
+            <a:r>
+              <a:rPr lang="en-US" dirty="0">
+                <a:solidFill>
+                  <a:srgbClr val="FF0000"/>
+                </a:solidFill>
+              </a:rPr>
+              <a:t>(column major order)</a:t>
+            </a:r>
+          </a:p>
+          <a:p>
+            <a:pPr marL="0" indent="0">
+              <a:buNone/>
+            </a:pPr>
+            <a:r>
+              <a:rPr lang="en-US" sz="1800" dirty="0">
+                <a:latin typeface="Courier New" panose="02070309020205020404" pitchFamily="49" charset="0"/>
+                <a:cs typeface="Courier New" panose="02070309020205020404" pitchFamily="49" charset="0"/>
+              </a:rPr>
+              <a:t>public class Course{</a:t>
+            </a:r>
+          </a:p>
+          <a:p>
+            <a:pPr marL="0" indent="0">
+              <a:buNone/>
+            </a:pPr>
+            <a:r>
+              <a:rPr lang="en-US" sz="1800" dirty="0">
+                <a:latin typeface="Courier New" panose="02070309020205020404" pitchFamily="49" charset="0"/>
+                <a:cs typeface="Courier New" panose="02070309020205020404" pitchFamily="49" charset="0"/>
+              </a:rPr>
+              <a:t>	Student[][] students;</a:t>
+            </a:r>
+          </a:p>
+          <a:p>
+            <a:pPr marL="0" indent="0">
+              <a:buNone/>
+            </a:pPr>
+            <a:r>
+              <a:rPr lang="en-US" sz="1800" dirty="0">
+                <a:latin typeface="Courier New" panose="02070309020205020404" pitchFamily="49" charset="0"/>
+                <a:cs typeface="Courier New" panose="02070309020205020404" pitchFamily="49" charset="0"/>
+              </a:rPr>
+              <a:t>	// constructors not shown</a:t>
+            </a:r>
+          </a:p>
+          <a:p>
+            <a:pPr marL="0" indent="0">
+              <a:buNone/>
+            </a:pPr>
+            <a:r>
+              <a:rPr lang="en-US" sz="1800" dirty="0">
+                <a:latin typeface="Courier New" panose="02070309020205020404" pitchFamily="49" charset="0"/>
+                <a:cs typeface="Courier New" panose="02070309020205020404" pitchFamily="49" charset="0"/>
+              </a:rPr>
+              <a:t>	public int </a:t>
+            </a:r>
+            <a:r>
+              <a:rPr lang="en-US" sz="1800" dirty="0" err="1">
+                <a:latin typeface="Courier New" panose="02070309020205020404" pitchFamily="49" charset="0"/>
+                <a:cs typeface="Courier New" panose="02070309020205020404" pitchFamily="49" charset="0"/>
+              </a:rPr>
+              <a:t>aboveThreshold</a:t>
+            </a:r>
+            <a:r>
+              <a:rPr lang="en-US" sz="1800" dirty="0">
+                <a:latin typeface="Courier New" panose="02070309020205020404" pitchFamily="49" charset="0"/>
+                <a:cs typeface="Courier New" panose="02070309020205020404" pitchFamily="49" charset="0"/>
+              </a:rPr>
+              <a:t>(double threshold){</a:t>
+            </a:r>
+          </a:p>
+          <a:p>
+            <a:pPr marL="0" indent="0">
+              <a:buNone/>
+            </a:pPr>
+            <a:r>
+              <a:rPr lang="en-US" sz="1800" dirty="0">
+                <a:latin typeface="Courier New" panose="02070309020205020404" pitchFamily="49" charset="0"/>
+                <a:cs typeface="Courier New" panose="02070309020205020404" pitchFamily="49" charset="0"/>
+              </a:rPr>
+              <a:t>		int count = 0; </a:t>
+            </a:r>
+          </a:p>
+          <a:p>
+            <a:pPr marL="0" indent="0">
+              <a:buNone/>
+            </a:pPr>
+            <a:r>
+              <a:rPr lang="en-US" sz="1800" dirty="0">
+                <a:latin typeface="Courier New" panose="02070309020205020404" pitchFamily="49" charset="0"/>
+                <a:cs typeface="Courier New" panose="02070309020205020404" pitchFamily="49" charset="0"/>
+              </a:rPr>
+              <a:t>		for(int col = 0; col &lt; students[0].length</a:t>
+            </a:r>
+            <a:r>
+              <a:rPr lang="en-US" sz="1800">
+                <a:latin typeface="Courier New" panose="02070309020205020404" pitchFamily="49" charset="0"/>
+                <a:cs typeface="Courier New" panose="02070309020205020404" pitchFamily="49" charset="0"/>
+              </a:rPr>
+              <a:t>; col++){</a:t>
+            </a:r>
+            <a:endParaRPr lang="en-US" sz="1800" dirty="0">
+              <a:latin typeface="Courier New" panose="02070309020205020404" pitchFamily="49" charset="0"/>
+              <a:cs typeface="Courier New" panose="02070309020205020404" pitchFamily="49" charset="0"/>
+            </a:endParaRPr>
+          </a:p>
+          <a:p>
+            <a:pPr marL="0" indent="0">
+              <a:buNone/>
+            </a:pPr>
+            <a:r>
+              <a:rPr lang="en-US" sz="1800" dirty="0">
+                <a:latin typeface="Courier New" panose="02070309020205020404" pitchFamily="49" charset="0"/>
+                <a:cs typeface="Courier New" panose="02070309020205020404" pitchFamily="49" charset="0"/>
+              </a:rPr>
+              <a:t>		  for(int 	row = 0; row &lt; </a:t>
+            </a:r>
+            <a:r>
+              <a:rPr lang="en-US" sz="1800" dirty="0" err="1">
+                <a:latin typeface="Courier New" panose="02070309020205020404" pitchFamily="49" charset="0"/>
+                <a:cs typeface="Courier New" panose="02070309020205020404" pitchFamily="49" charset="0"/>
+              </a:rPr>
+              <a:t>students.length</a:t>
+            </a:r>
+            <a:r>
+              <a:rPr lang="en-US" sz="1800" dirty="0">
+                <a:latin typeface="Courier New" panose="02070309020205020404" pitchFamily="49" charset="0"/>
+                <a:cs typeface="Courier New" panose="02070309020205020404" pitchFamily="49" charset="0"/>
+              </a:rPr>
+              <a:t>; row++){</a:t>
+            </a:r>
+          </a:p>
+          <a:p>
+            <a:pPr marL="0" indent="0">
+              <a:buNone/>
+            </a:pPr>
+            <a:r>
+              <a:rPr lang="en-US" sz="1800" dirty="0">
+                <a:latin typeface="Courier New" panose="02070309020205020404" pitchFamily="49" charset="0"/>
+                <a:cs typeface="Courier New" panose="02070309020205020404" pitchFamily="49" charset="0"/>
+              </a:rPr>
+              <a:t>			if(students[row][col].</a:t>
+            </a:r>
+            <a:r>
+              <a:rPr lang="en-US" sz="1800" dirty="0" err="1">
+                <a:latin typeface="Courier New" panose="02070309020205020404" pitchFamily="49" charset="0"/>
+                <a:cs typeface="Courier New" panose="02070309020205020404" pitchFamily="49" charset="0"/>
+              </a:rPr>
+              <a:t>getGpa</a:t>
+            </a:r>
+            <a:r>
+              <a:rPr lang="en-US" sz="1800" dirty="0">
+                <a:latin typeface="Courier New" panose="02070309020205020404" pitchFamily="49" charset="0"/>
+                <a:cs typeface="Courier New" panose="02070309020205020404" pitchFamily="49" charset="0"/>
+              </a:rPr>
+              <a:t>() &gt; threshold)</a:t>
+            </a:r>
+          </a:p>
+          <a:p>
+            <a:pPr marL="0" indent="0">
+              <a:buNone/>
+            </a:pPr>
+            <a:r>
+              <a:rPr lang="en-US" sz="1800" dirty="0">
+                <a:latin typeface="Courier New" panose="02070309020205020404" pitchFamily="49" charset="0"/>
+                <a:cs typeface="Courier New" panose="02070309020205020404" pitchFamily="49" charset="0"/>
+              </a:rPr>
+              <a:t>				count++;</a:t>
+            </a:r>
+          </a:p>
+          <a:p>
+            <a:pPr marL="0" indent="0">
+              <a:buNone/>
+            </a:pPr>
+            <a:r>
+              <a:rPr lang="en-US" sz="1800" dirty="0">
+                <a:latin typeface="Courier New" panose="02070309020205020404" pitchFamily="49" charset="0"/>
+                <a:cs typeface="Courier New" panose="02070309020205020404" pitchFamily="49" charset="0"/>
+              </a:rPr>
+              <a:t>		}</a:t>
+            </a:r>
+          </a:p>
+          <a:p>
+            <a:pPr marL="0" indent="0">
+              <a:buNone/>
+            </a:pPr>
+            <a:r>
+              <a:rPr lang="en-US" sz="1800" dirty="0">
+                <a:latin typeface="Courier New" panose="02070309020205020404" pitchFamily="49" charset="0"/>
+                <a:cs typeface="Courier New" panose="02070309020205020404" pitchFamily="49" charset="0"/>
+              </a:rPr>
+              <a:t>		return count;</a:t>
+            </a:r>
+          </a:p>
+          <a:p>
+            <a:pPr marL="0" indent="0">
+              <a:buNone/>
+            </a:pPr>
+            <a:r>
+              <a:rPr lang="en-US" sz="1800" dirty="0">
+                <a:latin typeface="Courier New" panose="02070309020205020404" pitchFamily="49" charset="0"/>
+                <a:cs typeface="Courier New" panose="02070309020205020404" pitchFamily="49" charset="0"/>
+              </a:rPr>
+              <a:t>	}</a:t>
+            </a:r>
+          </a:p>
+        </p:txBody>
+      </p:sp>
+    </p:spTree>
+    <p:extLst>
+      <p:ext uri="{BB962C8B-B14F-4D97-AF65-F5344CB8AC3E}">
+        <p14:creationId xmlns:p14="http://schemas.microsoft.com/office/powerpoint/2010/main" val="1114803321"/>
+      </p:ext>
+    </p:extLst>
+  </p:cSld>
+  <p:clrMapOvr>
+    <a:masterClrMapping/>
+  </p:clrMapOvr>
+</p:sld>
+</file>
+
+<file path=ppt/slides/slide33.xml><?xml version="1.0" encoding="utf-8"?>
+<p:sld xmlns:a="http://schemas.openxmlformats.org/drawingml/2006/main" xmlns:r="http://schemas.openxmlformats.org/officeDocument/2006/relationships" xmlns:p="http://schemas.openxmlformats.org/presentationml/2006/main">
+  <p:cSld>
+    <p:spTree>
+      <p:nvGrpSpPr>
+        <p:cNvPr id="1" name=""/>
+        <p:cNvGrpSpPr/>
+        <p:nvPr/>
+      </p:nvGrpSpPr>
+      <p:grpSpPr>
+        <a:xfrm>
+          <a:off x="0" y="0"/>
+          <a:ext cx="0" cy="0"/>
+          <a:chOff x="0" y="0"/>
+          <a:chExt cx="0" cy="0"/>
+        </a:xfrm>
+      </p:grpSpPr>
+      <p:sp>
+        <p:nvSpPr>
+          <p:cNvPr id="2" name="Title 1">
+            <a:extLst>
+              <a:ext uri="{FF2B5EF4-FFF2-40B4-BE49-F238E27FC236}">
+                <a16:creationId xmlns:a16="http://schemas.microsoft.com/office/drawing/2014/main" id="{BC6F9511-CB58-AC49-AD98-860912780FFE}"/>
+              </a:ext>
+            </a:extLst>
+          </p:cNvPr>
+          <p:cNvSpPr>
+            <a:spLocks noGrp="1"/>
+          </p:cNvSpPr>
+          <p:nvPr>
+            <p:ph type="title"/>
+          </p:nvPr>
+        </p:nvSpPr>
+        <p:spPr>
+          <a:xfrm>
+            <a:off x="167177" y="128185"/>
+            <a:ext cx="7886700" cy="588511"/>
+          </a:xfrm>
+        </p:spPr>
+        <p:txBody>
+          <a:bodyPr/>
+          <a:lstStyle/>
+          <a:p>
+            <a:r>
+              <a:rPr lang="en-US" dirty="0"/>
+              <a:t>Along One Row</a:t>
+            </a:r>
+          </a:p>
+        </p:txBody>
+      </p:sp>
+      <p:sp>
+        <p:nvSpPr>
+          <p:cNvPr id="3" name="Content Placeholder 2">
+            <a:extLst>
+              <a:ext uri="{FF2B5EF4-FFF2-40B4-BE49-F238E27FC236}">
+                <a16:creationId xmlns:a16="http://schemas.microsoft.com/office/drawing/2014/main" id="{CE6BD10B-9D13-604D-9877-97B355109287}"/>
+              </a:ext>
+            </a:extLst>
+          </p:cNvPr>
+          <p:cNvSpPr>
+            <a:spLocks noGrp="1"/>
+          </p:cNvSpPr>
+          <p:nvPr>
+            <p:ph idx="1"/>
+          </p:nvPr>
+        </p:nvSpPr>
+        <p:spPr>
+          <a:xfrm>
+            <a:off x="167177" y="716696"/>
+            <a:ext cx="8976822" cy="4795341"/>
+          </a:xfrm>
+        </p:spPr>
+        <p:txBody>
+          <a:bodyPr/>
+          <a:lstStyle/>
+          <a:p>
+            <a:pPr marL="0" indent="0">
+              <a:buNone/>
+            </a:pPr>
+            <a:r>
+              <a:rPr lang="en-US" dirty="0"/>
+              <a:t>Example :  Count the number of Students objects whose GPA is above a threshold in the given </a:t>
+            </a:r>
+            <a:r>
+              <a:rPr lang="en-US" dirty="0">
+                <a:solidFill>
+                  <a:srgbClr val="FF0000"/>
+                </a:solidFill>
+              </a:rPr>
+              <a:t>row</a:t>
+            </a:r>
+            <a:r>
+              <a:rPr lang="en-US" dirty="0"/>
+              <a:t>. </a:t>
+            </a:r>
+          </a:p>
+          <a:p>
+            <a:pPr marL="0" indent="0">
+              <a:buNone/>
+            </a:pPr>
+            <a:r>
+              <a:rPr lang="en-US" sz="1800" dirty="0">
+                <a:latin typeface="Courier New" panose="02070309020205020404" pitchFamily="49" charset="0"/>
+                <a:cs typeface="Courier New" panose="02070309020205020404" pitchFamily="49" charset="0"/>
+              </a:rPr>
+              <a:t>public class Course{</a:t>
+            </a:r>
+          </a:p>
+          <a:p>
+            <a:pPr marL="0" indent="0">
+              <a:buNone/>
+            </a:pPr>
+            <a:r>
+              <a:rPr lang="en-US" sz="1800" dirty="0">
+                <a:latin typeface="Courier New" panose="02070309020205020404" pitchFamily="49" charset="0"/>
+                <a:cs typeface="Courier New" panose="02070309020205020404" pitchFamily="49" charset="0"/>
+              </a:rPr>
+              <a:t>	Student[][] students;</a:t>
+            </a:r>
+          </a:p>
+          <a:p>
+            <a:pPr marL="0" indent="0">
+              <a:buNone/>
+            </a:pPr>
+            <a:r>
+              <a:rPr lang="en-US" sz="1800" dirty="0">
+                <a:latin typeface="Courier New" panose="02070309020205020404" pitchFamily="49" charset="0"/>
+                <a:cs typeface="Courier New" panose="02070309020205020404" pitchFamily="49" charset="0"/>
+              </a:rPr>
+              <a:t>	// constructors not shown</a:t>
+            </a:r>
+          </a:p>
+          <a:p>
+            <a:pPr marL="0" indent="0">
+              <a:buNone/>
+            </a:pPr>
+            <a:endParaRPr lang="en-US" sz="1800" dirty="0">
+              <a:latin typeface="Courier New" panose="02070309020205020404" pitchFamily="49" charset="0"/>
+              <a:cs typeface="Courier New" panose="02070309020205020404" pitchFamily="49" charset="0"/>
+            </a:endParaRPr>
+          </a:p>
+          <a:p>
+            <a:pPr marL="0" indent="0">
+              <a:buNone/>
+            </a:pPr>
+            <a:r>
+              <a:rPr lang="en-US" sz="1800" dirty="0">
+                <a:latin typeface="Courier New" panose="02070309020205020404" pitchFamily="49" charset="0"/>
+                <a:cs typeface="Courier New" panose="02070309020205020404" pitchFamily="49" charset="0"/>
+              </a:rPr>
+              <a:t>	public int </a:t>
+            </a:r>
+            <a:r>
+              <a:rPr lang="en-US" sz="1800" dirty="0" err="1">
+                <a:latin typeface="Courier New" panose="02070309020205020404" pitchFamily="49" charset="0"/>
+                <a:cs typeface="Courier New" panose="02070309020205020404" pitchFamily="49" charset="0"/>
+              </a:rPr>
+              <a:t>aboveThreshold</a:t>
+            </a:r>
+            <a:r>
+              <a:rPr lang="en-US" sz="1800" dirty="0">
+                <a:latin typeface="Courier New" panose="02070309020205020404" pitchFamily="49" charset="0"/>
+                <a:cs typeface="Courier New" panose="02070309020205020404" pitchFamily="49" charset="0"/>
+              </a:rPr>
+              <a:t>(int row, double threshold){</a:t>
+            </a:r>
+          </a:p>
+          <a:p>
+            <a:pPr marL="0" indent="0">
+              <a:buNone/>
+            </a:pPr>
+            <a:r>
+              <a:rPr lang="en-US" sz="1800" dirty="0">
+                <a:latin typeface="Courier New" panose="02070309020205020404" pitchFamily="49" charset="0"/>
+                <a:cs typeface="Courier New" panose="02070309020205020404" pitchFamily="49" charset="0"/>
+              </a:rPr>
+              <a:t>		int count = 0; </a:t>
+            </a:r>
+          </a:p>
+          <a:p>
+            <a:pPr marL="0" indent="0">
+              <a:buNone/>
+            </a:pPr>
+            <a:r>
+              <a:rPr lang="en-US" sz="1800" dirty="0">
+                <a:latin typeface="Courier New" panose="02070309020205020404" pitchFamily="49" charset="0"/>
+                <a:cs typeface="Courier New" panose="02070309020205020404" pitchFamily="49" charset="0"/>
+              </a:rPr>
+              <a:t>		for(int col = 0; col &lt; </a:t>
+            </a:r>
+            <a:r>
+              <a:rPr lang="en-US" sz="1800" dirty="0">
+                <a:solidFill>
+                  <a:srgbClr val="FF0000"/>
+                </a:solidFill>
+                <a:latin typeface="Courier New" panose="02070309020205020404" pitchFamily="49" charset="0"/>
+                <a:cs typeface="Courier New" panose="02070309020205020404" pitchFamily="49" charset="0"/>
+              </a:rPr>
+              <a:t>students[row].length</a:t>
+            </a:r>
+            <a:r>
+              <a:rPr lang="en-US" sz="1800" dirty="0">
+                <a:latin typeface="Courier New" panose="02070309020205020404" pitchFamily="49" charset="0"/>
+                <a:cs typeface="Courier New" panose="02070309020205020404" pitchFamily="49" charset="0"/>
+              </a:rPr>
+              <a:t>; col++){</a:t>
+            </a:r>
+          </a:p>
+          <a:p>
+            <a:pPr marL="0" indent="0">
+              <a:buNone/>
+            </a:pPr>
+            <a:r>
+              <a:rPr lang="en-US" sz="1800" dirty="0">
+                <a:latin typeface="Courier New" panose="02070309020205020404" pitchFamily="49" charset="0"/>
+                <a:cs typeface="Courier New" panose="02070309020205020404" pitchFamily="49" charset="0"/>
+              </a:rPr>
+              <a:t>			if(students[row][col].</a:t>
+            </a:r>
+            <a:r>
+              <a:rPr lang="en-US" sz="1800" dirty="0" err="1">
+                <a:latin typeface="Courier New" panose="02070309020205020404" pitchFamily="49" charset="0"/>
+                <a:cs typeface="Courier New" panose="02070309020205020404" pitchFamily="49" charset="0"/>
+              </a:rPr>
+              <a:t>getGpa</a:t>
+            </a:r>
+            <a:r>
+              <a:rPr lang="en-US" sz="1800" dirty="0">
+                <a:latin typeface="Courier New" panose="02070309020205020404" pitchFamily="49" charset="0"/>
+                <a:cs typeface="Courier New" panose="02070309020205020404" pitchFamily="49" charset="0"/>
+              </a:rPr>
+              <a:t>() &gt; threshold)</a:t>
+            </a:r>
+          </a:p>
+          <a:p>
+            <a:pPr marL="0" indent="0">
+              <a:buNone/>
+            </a:pPr>
+            <a:r>
+              <a:rPr lang="en-US" sz="1800" dirty="0">
+                <a:latin typeface="Courier New" panose="02070309020205020404" pitchFamily="49" charset="0"/>
+                <a:cs typeface="Courier New" panose="02070309020205020404" pitchFamily="49" charset="0"/>
+              </a:rPr>
+              <a:t>				count++;</a:t>
+            </a:r>
+          </a:p>
+          <a:p>
+            <a:pPr marL="0" indent="0">
+              <a:buNone/>
+            </a:pPr>
+            <a:r>
+              <a:rPr lang="en-US" sz="1800" dirty="0">
+                <a:latin typeface="Courier New" panose="02070309020205020404" pitchFamily="49" charset="0"/>
+                <a:cs typeface="Courier New" panose="02070309020205020404" pitchFamily="49" charset="0"/>
+              </a:rPr>
+              <a:t>		}</a:t>
+            </a:r>
+          </a:p>
+          <a:p>
+            <a:pPr marL="0" indent="0">
+              <a:buNone/>
+            </a:pPr>
+            <a:r>
+              <a:rPr lang="en-US" sz="1800" dirty="0">
+                <a:latin typeface="Courier New" panose="02070309020205020404" pitchFamily="49" charset="0"/>
+                <a:cs typeface="Courier New" panose="02070309020205020404" pitchFamily="49" charset="0"/>
+              </a:rPr>
+              <a:t>		return count;</a:t>
+            </a:r>
+          </a:p>
+          <a:p>
+            <a:pPr marL="0" indent="0">
+              <a:buNone/>
+            </a:pPr>
+            <a:r>
+              <a:rPr lang="en-US" sz="1800" dirty="0">
+                <a:latin typeface="Courier New" panose="02070309020205020404" pitchFamily="49" charset="0"/>
+                <a:cs typeface="Courier New" panose="02070309020205020404" pitchFamily="49" charset="0"/>
+              </a:rPr>
+              <a:t>	}</a:t>
+            </a:r>
+          </a:p>
+        </p:txBody>
+      </p:sp>
+    </p:spTree>
+    <p:extLst>
+      <p:ext uri="{BB962C8B-B14F-4D97-AF65-F5344CB8AC3E}">
+        <p14:creationId xmlns:p14="http://schemas.microsoft.com/office/powerpoint/2010/main" val="2556757169"/>
+      </p:ext>
+    </p:extLst>
+  </p:cSld>
+  <p:clrMapOvr>
+    <a:masterClrMapping/>
+  </p:clrMapOvr>
+</p:sld>
+</file>
+
+<file path=ppt/slides/slide34.xml><?xml version="1.0" encoding="utf-8"?>
+<p:sld xmlns:a="http://schemas.openxmlformats.org/drawingml/2006/main" xmlns:r="http://schemas.openxmlformats.org/officeDocument/2006/relationships" xmlns:p="http://schemas.openxmlformats.org/presentationml/2006/main">
+  <p:cSld>
+    <p:spTree>
+      <p:nvGrpSpPr>
+        <p:cNvPr id="1" name=""/>
+        <p:cNvGrpSpPr/>
+        <p:nvPr/>
+      </p:nvGrpSpPr>
+      <p:grpSpPr>
+        <a:xfrm>
+          <a:off x="0" y="0"/>
+          <a:ext cx="0" cy="0"/>
+          <a:chOff x="0" y="0"/>
+          <a:chExt cx="0" cy="0"/>
+        </a:xfrm>
+      </p:grpSpPr>
+      <p:sp>
+        <p:nvSpPr>
+          <p:cNvPr id="2" name="Title 1">
+            <a:extLst>
+              <a:ext uri="{FF2B5EF4-FFF2-40B4-BE49-F238E27FC236}">
+                <a16:creationId xmlns:a16="http://schemas.microsoft.com/office/drawing/2014/main" id="{BC6F9511-CB58-AC49-AD98-860912780FFE}"/>
+              </a:ext>
+            </a:extLst>
+          </p:cNvPr>
+          <p:cNvSpPr>
+            <a:spLocks noGrp="1"/>
+          </p:cNvSpPr>
+          <p:nvPr>
+            <p:ph type="title"/>
+          </p:nvPr>
+        </p:nvSpPr>
+        <p:spPr>
+          <a:xfrm>
+            <a:off x="167177" y="128185"/>
+            <a:ext cx="7886700" cy="588511"/>
+          </a:xfrm>
+        </p:spPr>
+        <p:txBody>
+          <a:bodyPr/>
+          <a:lstStyle/>
+          <a:p>
+            <a:r>
+              <a:rPr lang="en-US" dirty="0"/>
+              <a:t>Along One Column</a:t>
+            </a:r>
+          </a:p>
+        </p:txBody>
+      </p:sp>
+      <p:sp>
+        <p:nvSpPr>
+          <p:cNvPr id="3" name="Content Placeholder 2">
+            <a:extLst>
+              <a:ext uri="{FF2B5EF4-FFF2-40B4-BE49-F238E27FC236}">
+                <a16:creationId xmlns:a16="http://schemas.microsoft.com/office/drawing/2014/main" id="{CE6BD10B-9D13-604D-9877-97B355109287}"/>
+              </a:ext>
+            </a:extLst>
+          </p:cNvPr>
+          <p:cNvSpPr>
+            <a:spLocks noGrp="1"/>
+          </p:cNvSpPr>
+          <p:nvPr>
+            <p:ph idx="1"/>
+          </p:nvPr>
+        </p:nvSpPr>
+        <p:spPr>
+          <a:xfrm>
+            <a:off x="167177" y="716696"/>
+            <a:ext cx="8976822" cy="4795341"/>
+          </a:xfrm>
+        </p:spPr>
+        <p:txBody>
+          <a:bodyPr/>
+          <a:lstStyle/>
+          <a:p>
+            <a:pPr marL="0" indent="0">
+              <a:buNone/>
+            </a:pPr>
+            <a:r>
+              <a:rPr lang="en-US" dirty="0"/>
+              <a:t>Example :  Count the number of Students objects whose GPA is above a threshold in the given </a:t>
+            </a:r>
+            <a:r>
+              <a:rPr lang="en-US" dirty="0">
+                <a:solidFill>
+                  <a:srgbClr val="FF0000"/>
+                </a:solidFill>
+              </a:rPr>
+              <a:t>column</a:t>
+            </a:r>
+            <a:r>
+              <a:rPr lang="en-US" dirty="0"/>
+              <a:t>. </a:t>
+            </a:r>
+          </a:p>
+          <a:p>
+            <a:pPr marL="0" indent="0">
+              <a:buNone/>
+            </a:pPr>
+            <a:r>
+              <a:rPr lang="en-US" sz="1800" dirty="0">
+                <a:latin typeface="Courier New" panose="02070309020205020404" pitchFamily="49" charset="0"/>
+                <a:cs typeface="Courier New" panose="02070309020205020404" pitchFamily="49" charset="0"/>
+              </a:rPr>
+              <a:t>public class Course{</a:t>
+            </a:r>
+          </a:p>
+          <a:p>
+            <a:pPr marL="0" indent="0">
+              <a:buNone/>
+            </a:pPr>
+            <a:r>
+              <a:rPr lang="en-US" sz="1800" dirty="0">
+                <a:latin typeface="Courier New" panose="02070309020205020404" pitchFamily="49" charset="0"/>
+                <a:cs typeface="Courier New" panose="02070309020205020404" pitchFamily="49" charset="0"/>
+              </a:rPr>
+              <a:t>	Student[][] students;</a:t>
+            </a:r>
+          </a:p>
+          <a:p>
+            <a:pPr marL="0" indent="0">
+              <a:buNone/>
+            </a:pPr>
+            <a:r>
+              <a:rPr lang="en-US" sz="1800" dirty="0">
+                <a:latin typeface="Courier New" panose="02070309020205020404" pitchFamily="49" charset="0"/>
+                <a:cs typeface="Courier New" panose="02070309020205020404" pitchFamily="49" charset="0"/>
+              </a:rPr>
+              <a:t>	// constructors not shown</a:t>
+            </a:r>
+          </a:p>
+          <a:p>
+            <a:pPr marL="0" indent="0">
+              <a:buNone/>
+            </a:pPr>
+            <a:r>
+              <a:rPr lang="en-US" sz="1800" dirty="0">
+                <a:latin typeface="Courier New" panose="02070309020205020404" pitchFamily="49" charset="0"/>
+                <a:cs typeface="Courier New" panose="02070309020205020404" pitchFamily="49" charset="0"/>
+              </a:rPr>
+              <a:t>	public int </a:t>
+            </a:r>
+            <a:r>
+              <a:rPr lang="en-US" sz="1800" dirty="0" err="1">
+                <a:latin typeface="Courier New" panose="02070309020205020404" pitchFamily="49" charset="0"/>
+                <a:cs typeface="Courier New" panose="02070309020205020404" pitchFamily="49" charset="0"/>
+              </a:rPr>
+              <a:t>aboveThreshold</a:t>
+            </a:r>
+            <a:r>
+              <a:rPr lang="en-US" sz="1800" dirty="0">
+                <a:latin typeface="Courier New" panose="02070309020205020404" pitchFamily="49" charset="0"/>
+                <a:cs typeface="Courier New" panose="02070309020205020404" pitchFamily="49" charset="0"/>
+              </a:rPr>
+              <a:t>(int col, double threshold){</a:t>
+            </a:r>
+          </a:p>
+          <a:p>
+            <a:pPr marL="0" indent="0">
+              <a:buNone/>
+            </a:pPr>
+            <a:r>
+              <a:rPr lang="en-US" sz="1800" dirty="0">
+                <a:latin typeface="Courier New" panose="02070309020205020404" pitchFamily="49" charset="0"/>
+                <a:cs typeface="Courier New" panose="02070309020205020404" pitchFamily="49" charset="0"/>
+              </a:rPr>
+              <a:t>		int count = 0; </a:t>
+            </a:r>
+          </a:p>
+          <a:p>
+            <a:pPr marL="0" indent="0">
+              <a:buNone/>
+            </a:pPr>
+            <a:r>
+              <a:rPr lang="en-US" sz="1800" dirty="0">
+                <a:latin typeface="Courier New" panose="02070309020205020404" pitchFamily="49" charset="0"/>
+                <a:cs typeface="Courier New" panose="02070309020205020404" pitchFamily="49" charset="0"/>
+              </a:rPr>
+              <a:t>		for(int row = 0; row &lt; </a:t>
+            </a:r>
+            <a:r>
+              <a:rPr lang="en-US" sz="1800" dirty="0" err="1">
+                <a:solidFill>
+                  <a:srgbClr val="FF0000"/>
+                </a:solidFill>
+                <a:latin typeface="Courier New" panose="02070309020205020404" pitchFamily="49" charset="0"/>
+                <a:cs typeface="Courier New" panose="02070309020205020404" pitchFamily="49" charset="0"/>
+              </a:rPr>
+              <a:t>students.length</a:t>
+            </a:r>
+            <a:r>
+              <a:rPr lang="en-US" sz="1800" dirty="0">
+                <a:latin typeface="Courier New" panose="02070309020205020404" pitchFamily="49" charset="0"/>
+                <a:cs typeface="Courier New" panose="02070309020205020404" pitchFamily="49" charset="0"/>
+              </a:rPr>
+              <a:t>; row++){</a:t>
+            </a:r>
+          </a:p>
+          <a:p>
+            <a:pPr marL="0" indent="0">
+              <a:buNone/>
+            </a:pPr>
+            <a:r>
+              <a:rPr lang="en-US" sz="1800" dirty="0">
+                <a:latin typeface="Courier New" panose="02070309020205020404" pitchFamily="49" charset="0"/>
+                <a:cs typeface="Courier New" panose="02070309020205020404" pitchFamily="49" charset="0"/>
+              </a:rPr>
+              <a:t>			if(students[row][col].</a:t>
+            </a:r>
+            <a:r>
+              <a:rPr lang="en-US" sz="1800" dirty="0" err="1">
+                <a:latin typeface="Courier New" panose="02070309020205020404" pitchFamily="49" charset="0"/>
+                <a:cs typeface="Courier New" panose="02070309020205020404" pitchFamily="49" charset="0"/>
+              </a:rPr>
+              <a:t>getGpa</a:t>
+            </a:r>
+            <a:r>
+              <a:rPr lang="en-US" sz="1800" dirty="0">
+                <a:latin typeface="Courier New" panose="02070309020205020404" pitchFamily="49" charset="0"/>
+                <a:cs typeface="Courier New" panose="02070309020205020404" pitchFamily="49" charset="0"/>
+              </a:rPr>
+              <a:t>() &gt; threshold)</a:t>
+            </a:r>
+          </a:p>
+          <a:p>
+            <a:pPr marL="0" indent="0">
+              <a:buNone/>
+            </a:pPr>
+            <a:r>
+              <a:rPr lang="en-US" sz="1800" dirty="0">
+                <a:latin typeface="Courier New" panose="02070309020205020404" pitchFamily="49" charset="0"/>
+                <a:cs typeface="Courier New" panose="02070309020205020404" pitchFamily="49" charset="0"/>
+              </a:rPr>
+              <a:t>				count++;</a:t>
+            </a:r>
+          </a:p>
+          <a:p>
+            <a:pPr marL="0" indent="0">
+              <a:buNone/>
+            </a:pPr>
+            <a:r>
+              <a:rPr lang="en-US" sz="1800" dirty="0">
+                <a:latin typeface="Courier New" panose="02070309020205020404" pitchFamily="49" charset="0"/>
+                <a:cs typeface="Courier New" panose="02070309020205020404" pitchFamily="49" charset="0"/>
+              </a:rPr>
+              <a:t>		}</a:t>
+            </a:r>
+          </a:p>
+          <a:p>
+            <a:pPr marL="0" indent="0">
+              <a:buNone/>
+            </a:pPr>
+            <a:r>
+              <a:rPr lang="en-US" sz="1800" dirty="0">
+                <a:latin typeface="Courier New" panose="02070309020205020404" pitchFamily="49" charset="0"/>
+                <a:cs typeface="Courier New" panose="02070309020205020404" pitchFamily="49" charset="0"/>
+              </a:rPr>
+              <a:t>		return count;</a:t>
+            </a:r>
+          </a:p>
+          <a:p>
+            <a:pPr marL="0" indent="0">
+              <a:buNone/>
+            </a:pPr>
+            <a:r>
+              <a:rPr lang="en-US" sz="1800" dirty="0">
+                <a:latin typeface="Courier New" panose="02070309020205020404" pitchFamily="49" charset="0"/>
+                <a:cs typeface="Courier New" panose="02070309020205020404" pitchFamily="49" charset="0"/>
+              </a:rPr>
+              <a:t>	}</a:t>
+            </a:r>
+          </a:p>
+        </p:txBody>
+      </p:sp>
+    </p:spTree>
+    <p:extLst>
+      <p:ext uri="{BB962C8B-B14F-4D97-AF65-F5344CB8AC3E}">
+        <p14:creationId xmlns:p14="http://schemas.microsoft.com/office/powerpoint/2010/main" val="74938920"/>
+      </p:ext>
+    </p:extLst>
+  </p:cSld>
+  <p:clrMapOvr>
+    <a:masterClrMapping/>
+  </p:clrMapOvr>
+</p:sld>
+</file>
+
+<file path=ppt/slides/slide35.xml><?xml version="1.0" encoding="utf-8"?>
+<p:sld xmlns:a="http://schemas.openxmlformats.org/drawingml/2006/main" xmlns:r="http://schemas.openxmlformats.org/officeDocument/2006/relationships" xmlns:p="http://schemas.openxmlformats.org/presentationml/2006/main">
+  <p:cSld>
+    <p:spTree>
+      <p:nvGrpSpPr>
+        <p:cNvPr id="1" name=""/>
+        <p:cNvGrpSpPr/>
+        <p:nvPr/>
+      </p:nvGrpSpPr>
+      <p:grpSpPr>
+        <a:xfrm>
+          <a:off x="0" y="0"/>
+          <a:ext cx="0" cy="0"/>
+          <a:chOff x="0" y="0"/>
+          <a:chExt cx="0" cy="0"/>
+        </a:xfrm>
+      </p:grpSpPr>
+      <p:sp>
+        <p:nvSpPr>
+          <p:cNvPr id="2" name="Title 1">
+            <a:extLst>
+              <a:ext uri="{FF2B5EF4-FFF2-40B4-BE49-F238E27FC236}">
+                <a16:creationId xmlns:a16="http://schemas.microsoft.com/office/drawing/2014/main" id="{BC6F9511-CB58-AC49-AD98-860912780FFE}"/>
+              </a:ext>
+            </a:extLst>
+          </p:cNvPr>
+          <p:cNvSpPr>
+            <a:spLocks noGrp="1"/>
+          </p:cNvSpPr>
+          <p:nvPr>
+            <p:ph type="title"/>
+          </p:nvPr>
+        </p:nvSpPr>
+        <p:spPr>
+          <a:xfrm>
+            <a:off x="167177" y="128185"/>
+            <a:ext cx="7886700" cy="588511"/>
+          </a:xfrm>
+        </p:spPr>
+        <p:txBody>
+          <a:bodyPr/>
+          <a:lstStyle/>
+          <a:p>
+            <a:r>
+              <a:rPr lang="en-US" dirty="0"/>
+              <a:t>Major Diagonal  Traversal</a:t>
+            </a:r>
+          </a:p>
+        </p:txBody>
+      </p:sp>
+      <p:sp>
+        <p:nvSpPr>
+          <p:cNvPr id="3" name="Content Placeholder 2">
+            <a:extLst>
+              <a:ext uri="{FF2B5EF4-FFF2-40B4-BE49-F238E27FC236}">
+                <a16:creationId xmlns:a16="http://schemas.microsoft.com/office/drawing/2014/main" id="{CE6BD10B-9D13-604D-9877-97B355109287}"/>
+              </a:ext>
+            </a:extLst>
+          </p:cNvPr>
+          <p:cNvSpPr>
+            <a:spLocks noGrp="1"/>
+          </p:cNvSpPr>
+          <p:nvPr>
+            <p:ph idx="1"/>
+          </p:nvPr>
+        </p:nvSpPr>
+        <p:spPr>
+          <a:xfrm>
+            <a:off x="167177" y="716696"/>
+            <a:ext cx="8976822" cy="4795341"/>
+          </a:xfrm>
+        </p:spPr>
+        <p:txBody>
+          <a:bodyPr/>
+          <a:lstStyle/>
+          <a:p>
+            <a:pPr marL="0" indent="0">
+              <a:buNone/>
+            </a:pPr>
+            <a:r>
+              <a:rPr lang="en-US" dirty="0"/>
+              <a:t>Example :  Count the number of Students objects whose GPA is above threshold along the </a:t>
+            </a:r>
+            <a:r>
+              <a:rPr lang="en-US" dirty="0">
+                <a:solidFill>
+                  <a:srgbClr val="FF0000"/>
+                </a:solidFill>
+              </a:rPr>
+              <a:t>major diagonal</a:t>
+            </a:r>
+            <a:r>
+              <a:rPr lang="en-US" dirty="0"/>
+              <a:t>.  Assume 2D array is square. </a:t>
+            </a:r>
+          </a:p>
+          <a:p>
+            <a:pPr marL="0" indent="0">
+              <a:buNone/>
+            </a:pPr>
+            <a:r>
+              <a:rPr lang="en-US" sz="1800" dirty="0">
+                <a:latin typeface="Courier New" panose="02070309020205020404" pitchFamily="49" charset="0"/>
+                <a:cs typeface="Courier New" panose="02070309020205020404" pitchFamily="49" charset="0"/>
+              </a:rPr>
+              <a:t>public class Course{</a:t>
+            </a:r>
+          </a:p>
+          <a:p>
+            <a:pPr marL="0" indent="0">
+              <a:buNone/>
+            </a:pPr>
+            <a:r>
+              <a:rPr lang="en-US" sz="1800" dirty="0">
+                <a:latin typeface="Courier New" panose="02070309020205020404" pitchFamily="49" charset="0"/>
+                <a:cs typeface="Courier New" panose="02070309020205020404" pitchFamily="49" charset="0"/>
+              </a:rPr>
+              <a:t>	Student[][] students;</a:t>
+            </a:r>
+          </a:p>
+          <a:p>
+            <a:pPr marL="0" indent="0">
+              <a:buNone/>
+            </a:pPr>
+            <a:r>
+              <a:rPr lang="en-US" sz="1800" dirty="0">
+                <a:latin typeface="Courier New" panose="02070309020205020404" pitchFamily="49" charset="0"/>
+                <a:cs typeface="Courier New" panose="02070309020205020404" pitchFamily="49" charset="0"/>
+              </a:rPr>
+              <a:t>	// constructors not shown</a:t>
+            </a:r>
+          </a:p>
+          <a:p>
+            <a:pPr marL="0" indent="0">
+              <a:buNone/>
+            </a:pPr>
+            <a:r>
+              <a:rPr lang="en-US" sz="1800" dirty="0">
+                <a:latin typeface="Courier New" panose="02070309020205020404" pitchFamily="49" charset="0"/>
+                <a:cs typeface="Courier New" panose="02070309020205020404" pitchFamily="49" charset="0"/>
+              </a:rPr>
+              <a:t>	public int </a:t>
+            </a:r>
+            <a:r>
+              <a:rPr lang="en-US" sz="1800" dirty="0" err="1">
+                <a:latin typeface="Courier New" panose="02070309020205020404" pitchFamily="49" charset="0"/>
+                <a:cs typeface="Courier New" panose="02070309020205020404" pitchFamily="49" charset="0"/>
+              </a:rPr>
+              <a:t>aboveThreshold</a:t>
+            </a:r>
+            <a:r>
+              <a:rPr lang="en-US" sz="1800" dirty="0">
+                <a:latin typeface="Courier New" panose="02070309020205020404" pitchFamily="49" charset="0"/>
+                <a:cs typeface="Courier New" panose="02070309020205020404" pitchFamily="49" charset="0"/>
+              </a:rPr>
+              <a:t>(double threshold){</a:t>
+            </a:r>
+          </a:p>
+          <a:p>
+            <a:pPr marL="0" indent="0">
+              <a:buNone/>
+            </a:pPr>
+            <a:r>
+              <a:rPr lang="en-US" sz="1800" dirty="0">
+                <a:latin typeface="Courier New" panose="02070309020205020404" pitchFamily="49" charset="0"/>
+                <a:cs typeface="Courier New" panose="02070309020205020404" pitchFamily="49" charset="0"/>
+              </a:rPr>
+              <a:t>		int count = 0; </a:t>
+            </a:r>
+          </a:p>
+          <a:p>
+            <a:pPr marL="0" indent="0">
+              <a:buNone/>
+            </a:pPr>
+            <a:r>
+              <a:rPr lang="en-US" sz="1800" dirty="0">
+                <a:latin typeface="Courier New" panose="02070309020205020404" pitchFamily="49" charset="0"/>
+                <a:cs typeface="Courier New" panose="02070309020205020404" pitchFamily="49" charset="0"/>
+              </a:rPr>
+              <a:t>		for(int </a:t>
+            </a:r>
+            <a:r>
+              <a:rPr lang="en-US" sz="1800" dirty="0" err="1">
+                <a:latin typeface="Courier New" panose="02070309020205020404" pitchFamily="49" charset="0"/>
+                <a:cs typeface="Courier New" panose="02070309020205020404" pitchFamily="49" charset="0"/>
+              </a:rPr>
+              <a:t>i</a:t>
+            </a:r>
+            <a:r>
+              <a:rPr lang="en-US" sz="1800" dirty="0">
+                <a:latin typeface="Courier New" panose="02070309020205020404" pitchFamily="49" charset="0"/>
+                <a:cs typeface="Courier New" panose="02070309020205020404" pitchFamily="49" charset="0"/>
+              </a:rPr>
+              <a:t> = 0; </a:t>
+            </a:r>
+            <a:r>
+              <a:rPr lang="en-US" sz="1800" dirty="0" err="1">
+                <a:latin typeface="Courier New" panose="02070309020205020404" pitchFamily="49" charset="0"/>
+                <a:cs typeface="Courier New" panose="02070309020205020404" pitchFamily="49" charset="0"/>
+              </a:rPr>
+              <a:t>i</a:t>
+            </a:r>
+            <a:r>
+              <a:rPr lang="en-US" sz="1800" dirty="0">
+                <a:latin typeface="Courier New" panose="02070309020205020404" pitchFamily="49" charset="0"/>
+                <a:cs typeface="Courier New" panose="02070309020205020404" pitchFamily="49" charset="0"/>
+              </a:rPr>
+              <a:t> &lt; </a:t>
+            </a:r>
+            <a:r>
+              <a:rPr lang="en-US" sz="1800" dirty="0" err="1">
+                <a:latin typeface="Courier New" panose="02070309020205020404" pitchFamily="49" charset="0"/>
+                <a:cs typeface="Courier New" panose="02070309020205020404" pitchFamily="49" charset="0"/>
+              </a:rPr>
+              <a:t>students.length</a:t>
+            </a:r>
+            <a:r>
+              <a:rPr lang="en-US" sz="1800" dirty="0">
+                <a:latin typeface="Courier New" panose="02070309020205020404" pitchFamily="49" charset="0"/>
+                <a:cs typeface="Courier New" panose="02070309020205020404" pitchFamily="49" charset="0"/>
+              </a:rPr>
+              <a:t>; </a:t>
+            </a:r>
+            <a:r>
+              <a:rPr lang="en-US" sz="1800" dirty="0" err="1">
+                <a:latin typeface="Courier New" panose="02070309020205020404" pitchFamily="49" charset="0"/>
+                <a:cs typeface="Courier New" panose="02070309020205020404" pitchFamily="49" charset="0"/>
+              </a:rPr>
+              <a:t>i</a:t>
+            </a:r>
+            <a:r>
+              <a:rPr lang="en-US" sz="1800" dirty="0">
+                <a:latin typeface="Courier New" panose="02070309020205020404" pitchFamily="49" charset="0"/>
+                <a:cs typeface="Courier New" panose="02070309020205020404" pitchFamily="49" charset="0"/>
+              </a:rPr>
+              <a:t>++){</a:t>
+            </a:r>
+          </a:p>
+          <a:p>
+            <a:pPr marL="0" indent="0">
+              <a:buNone/>
+            </a:pPr>
+            <a:r>
+              <a:rPr lang="en-US" sz="1800" dirty="0">
+                <a:latin typeface="Courier New" panose="02070309020205020404" pitchFamily="49" charset="0"/>
+                <a:cs typeface="Courier New" panose="02070309020205020404" pitchFamily="49" charset="0"/>
+              </a:rPr>
+              <a:t>			if(students[</a:t>
+            </a:r>
+            <a:r>
+              <a:rPr lang="en-US" sz="1800" dirty="0" err="1">
+                <a:latin typeface="Courier New" panose="02070309020205020404" pitchFamily="49" charset="0"/>
+                <a:cs typeface="Courier New" panose="02070309020205020404" pitchFamily="49" charset="0"/>
+              </a:rPr>
+              <a:t>i</a:t>
+            </a:r>
+            <a:r>
+              <a:rPr lang="en-US" sz="1800" dirty="0">
+                <a:latin typeface="Courier New" panose="02070309020205020404" pitchFamily="49" charset="0"/>
+                <a:cs typeface="Courier New" panose="02070309020205020404" pitchFamily="49" charset="0"/>
+              </a:rPr>
+              <a:t>][</a:t>
+            </a:r>
+            <a:r>
+              <a:rPr lang="en-US" sz="1800" dirty="0" err="1">
+                <a:latin typeface="Courier New" panose="02070309020205020404" pitchFamily="49" charset="0"/>
+                <a:cs typeface="Courier New" panose="02070309020205020404" pitchFamily="49" charset="0"/>
+              </a:rPr>
+              <a:t>i</a:t>
+            </a:r>
+            <a:r>
+              <a:rPr lang="en-US" sz="1800" dirty="0">
+                <a:latin typeface="Courier New" panose="02070309020205020404" pitchFamily="49" charset="0"/>
+                <a:cs typeface="Courier New" panose="02070309020205020404" pitchFamily="49" charset="0"/>
+              </a:rPr>
+              <a:t>].</a:t>
+            </a:r>
+            <a:r>
+              <a:rPr lang="en-US" sz="1800" dirty="0" err="1">
+                <a:latin typeface="Courier New" panose="02070309020205020404" pitchFamily="49" charset="0"/>
+                <a:cs typeface="Courier New" panose="02070309020205020404" pitchFamily="49" charset="0"/>
+              </a:rPr>
+              <a:t>getGpa</a:t>
+            </a:r>
+            <a:r>
+              <a:rPr lang="en-US" sz="1800" dirty="0">
+                <a:latin typeface="Courier New" panose="02070309020205020404" pitchFamily="49" charset="0"/>
+                <a:cs typeface="Courier New" panose="02070309020205020404" pitchFamily="49" charset="0"/>
+              </a:rPr>
+              <a:t>() &gt; threshold)</a:t>
+            </a:r>
+          </a:p>
+          <a:p>
+            <a:pPr marL="0" indent="0">
+              <a:buNone/>
+            </a:pPr>
+            <a:r>
+              <a:rPr lang="en-US" sz="1800" dirty="0">
+                <a:latin typeface="Courier New" panose="02070309020205020404" pitchFamily="49" charset="0"/>
+                <a:cs typeface="Courier New" panose="02070309020205020404" pitchFamily="49" charset="0"/>
+              </a:rPr>
+              <a:t>				count++;</a:t>
+            </a:r>
+          </a:p>
+          <a:p>
+            <a:pPr marL="0" indent="0">
+              <a:buNone/>
+            </a:pPr>
+            <a:r>
+              <a:rPr lang="en-US" sz="1800" dirty="0">
+                <a:latin typeface="Courier New" panose="02070309020205020404" pitchFamily="49" charset="0"/>
+                <a:cs typeface="Courier New" panose="02070309020205020404" pitchFamily="49" charset="0"/>
+              </a:rPr>
+              <a:t>		}</a:t>
+            </a:r>
+          </a:p>
+          <a:p>
+            <a:pPr marL="0" indent="0">
+              <a:buNone/>
+            </a:pPr>
+            <a:r>
+              <a:rPr lang="en-US" sz="1800" dirty="0">
+                <a:latin typeface="Courier New" panose="02070309020205020404" pitchFamily="49" charset="0"/>
+                <a:cs typeface="Courier New" panose="02070309020205020404" pitchFamily="49" charset="0"/>
+              </a:rPr>
+              <a:t>		return count;</a:t>
+            </a:r>
+          </a:p>
+          <a:p>
+            <a:pPr marL="0" indent="0">
+              <a:buNone/>
+            </a:pPr>
+            <a:r>
+              <a:rPr lang="en-US" sz="1800" dirty="0">
+                <a:latin typeface="Courier New" panose="02070309020205020404" pitchFamily="49" charset="0"/>
+                <a:cs typeface="Courier New" panose="02070309020205020404" pitchFamily="49" charset="0"/>
+              </a:rPr>
+              <a:t>	}</a:t>
+            </a:r>
+          </a:p>
+        </p:txBody>
+      </p:sp>
+    </p:spTree>
+    <p:extLst>
+      <p:ext uri="{BB962C8B-B14F-4D97-AF65-F5344CB8AC3E}">
+        <p14:creationId xmlns:p14="http://schemas.microsoft.com/office/powerpoint/2010/main" val="775703315"/>
+      </p:ext>
+    </p:extLst>
+  </p:cSld>
+  <p:clrMapOvr>
+    <a:masterClrMapping/>
+  </p:clrMapOvr>
+</p:sld>
+</file>
+
+<file path=ppt/slides/slide36.xml><?xml version="1.0" encoding="utf-8"?>
+<p:sld xmlns:a="http://schemas.openxmlformats.org/drawingml/2006/main" xmlns:r="http://schemas.openxmlformats.org/officeDocument/2006/relationships" xmlns:p="http://schemas.openxmlformats.org/presentationml/2006/main">
+  <p:cSld>
+    <p:spTree>
+      <p:nvGrpSpPr>
+        <p:cNvPr id="1" name=""/>
+        <p:cNvGrpSpPr/>
+        <p:nvPr/>
+      </p:nvGrpSpPr>
+      <p:grpSpPr>
+        <a:xfrm>
+          <a:off x="0" y="0"/>
+          <a:ext cx="0" cy="0"/>
+          <a:chOff x="0" y="0"/>
+          <a:chExt cx="0" cy="0"/>
+        </a:xfrm>
+      </p:grpSpPr>
+      <p:sp>
+        <p:nvSpPr>
+          <p:cNvPr id="2" name="Title 1">
+            <a:extLst>
+              <a:ext uri="{FF2B5EF4-FFF2-40B4-BE49-F238E27FC236}">
+                <a16:creationId xmlns:a16="http://schemas.microsoft.com/office/drawing/2014/main" id="{BC6F9511-CB58-AC49-AD98-860912780FFE}"/>
+              </a:ext>
+            </a:extLst>
+          </p:cNvPr>
+          <p:cNvSpPr>
+            <a:spLocks noGrp="1"/>
+          </p:cNvSpPr>
+          <p:nvPr>
+            <p:ph type="title"/>
+          </p:nvPr>
+        </p:nvSpPr>
+        <p:spPr>
+          <a:xfrm>
+            <a:off x="167177" y="128185"/>
+            <a:ext cx="7886700" cy="588511"/>
+          </a:xfrm>
+        </p:spPr>
+        <p:txBody>
+          <a:bodyPr/>
+          <a:lstStyle/>
+          <a:p>
+            <a:r>
+              <a:rPr lang="en-US" dirty="0"/>
+              <a:t>Minor Diagonal  Traversal</a:t>
+            </a:r>
+          </a:p>
+        </p:txBody>
+      </p:sp>
+      <p:sp>
+        <p:nvSpPr>
+          <p:cNvPr id="3" name="Content Placeholder 2">
+            <a:extLst>
+              <a:ext uri="{FF2B5EF4-FFF2-40B4-BE49-F238E27FC236}">
+                <a16:creationId xmlns:a16="http://schemas.microsoft.com/office/drawing/2014/main" id="{CE6BD10B-9D13-604D-9877-97B355109287}"/>
+              </a:ext>
+            </a:extLst>
+          </p:cNvPr>
+          <p:cNvSpPr>
+            <a:spLocks noGrp="1"/>
+          </p:cNvSpPr>
+          <p:nvPr>
+            <p:ph idx="1"/>
+          </p:nvPr>
+        </p:nvSpPr>
+        <p:spPr>
+          <a:xfrm>
+            <a:off x="167177" y="716696"/>
+            <a:ext cx="8976822" cy="4795341"/>
+          </a:xfrm>
+        </p:spPr>
+        <p:txBody>
+          <a:bodyPr/>
+          <a:lstStyle/>
+          <a:p>
+            <a:pPr marL="0" indent="0">
+              <a:buNone/>
+            </a:pPr>
+            <a:r>
+              <a:rPr lang="en-US" dirty="0"/>
+              <a:t>Example :  Count the number of Students objects whose GPA is above threshold along the </a:t>
+            </a:r>
+            <a:r>
+              <a:rPr lang="en-US" dirty="0">
+                <a:solidFill>
+                  <a:srgbClr val="FF0000"/>
+                </a:solidFill>
+              </a:rPr>
+              <a:t>minor diagonal</a:t>
+            </a:r>
+            <a:r>
+              <a:rPr lang="en-US" dirty="0"/>
+              <a:t>.  Assume 2D array is square. </a:t>
+            </a:r>
+          </a:p>
+          <a:p>
+            <a:pPr marL="0" indent="0">
+              <a:buNone/>
+            </a:pPr>
+            <a:r>
+              <a:rPr lang="en-US" sz="1800" dirty="0">
+                <a:latin typeface="Courier New" panose="02070309020205020404" pitchFamily="49" charset="0"/>
+                <a:cs typeface="Courier New" panose="02070309020205020404" pitchFamily="49" charset="0"/>
+              </a:rPr>
+              <a:t>public class Course{</a:t>
+            </a:r>
+          </a:p>
+          <a:p>
+            <a:pPr marL="0" indent="0">
+              <a:buNone/>
+            </a:pPr>
+            <a:r>
+              <a:rPr lang="en-US" sz="1800" dirty="0">
+                <a:latin typeface="Courier New" panose="02070309020205020404" pitchFamily="49" charset="0"/>
+                <a:cs typeface="Courier New" panose="02070309020205020404" pitchFamily="49" charset="0"/>
+              </a:rPr>
+              <a:t>	Student[][] students;</a:t>
+            </a:r>
+          </a:p>
+          <a:p>
+            <a:pPr marL="0" indent="0">
+              <a:buNone/>
+            </a:pPr>
+            <a:r>
+              <a:rPr lang="en-US" sz="1800" dirty="0">
+                <a:latin typeface="Courier New" panose="02070309020205020404" pitchFamily="49" charset="0"/>
+                <a:cs typeface="Courier New" panose="02070309020205020404" pitchFamily="49" charset="0"/>
+              </a:rPr>
+              <a:t>	// constructors not shown</a:t>
+            </a:r>
+          </a:p>
+          <a:p>
+            <a:pPr marL="0" indent="0">
+              <a:buNone/>
+            </a:pPr>
+            <a:r>
+              <a:rPr lang="en-US" sz="1800" dirty="0">
+                <a:latin typeface="Courier New" panose="02070309020205020404" pitchFamily="49" charset="0"/>
+                <a:cs typeface="Courier New" panose="02070309020205020404" pitchFamily="49" charset="0"/>
+              </a:rPr>
+              <a:t>	public int </a:t>
+            </a:r>
+            <a:r>
+              <a:rPr lang="en-US" sz="1800" dirty="0" err="1">
+                <a:latin typeface="Courier New" panose="02070309020205020404" pitchFamily="49" charset="0"/>
+                <a:cs typeface="Courier New" panose="02070309020205020404" pitchFamily="49" charset="0"/>
+              </a:rPr>
+              <a:t>aboveThreshold</a:t>
+            </a:r>
+            <a:r>
+              <a:rPr lang="en-US" sz="1800" dirty="0">
+                <a:latin typeface="Courier New" panose="02070309020205020404" pitchFamily="49" charset="0"/>
+                <a:cs typeface="Courier New" panose="02070309020205020404" pitchFamily="49" charset="0"/>
+              </a:rPr>
+              <a:t>(double threshold){</a:t>
+            </a:r>
+          </a:p>
+          <a:p>
+            <a:pPr marL="0" indent="0">
+              <a:buNone/>
+            </a:pPr>
+            <a:r>
+              <a:rPr lang="en-US" sz="1800" dirty="0">
+                <a:latin typeface="Courier New" panose="02070309020205020404" pitchFamily="49" charset="0"/>
+                <a:cs typeface="Courier New" panose="02070309020205020404" pitchFamily="49" charset="0"/>
+              </a:rPr>
+              <a:t>		int count = 0; </a:t>
+            </a:r>
+          </a:p>
+          <a:p>
+            <a:pPr marL="0" indent="0">
+              <a:buNone/>
+            </a:pPr>
+            <a:r>
+              <a:rPr lang="en-US" sz="1800" dirty="0">
+                <a:latin typeface="Courier New" panose="02070309020205020404" pitchFamily="49" charset="0"/>
+                <a:cs typeface="Courier New" panose="02070309020205020404" pitchFamily="49" charset="0"/>
+              </a:rPr>
+              <a:t>		int dim = </a:t>
+            </a:r>
+            <a:r>
+              <a:rPr lang="en-US" sz="1800" dirty="0" err="1">
+                <a:latin typeface="Courier New" panose="02070309020205020404" pitchFamily="49" charset="0"/>
+                <a:cs typeface="Courier New" panose="02070309020205020404" pitchFamily="49" charset="0"/>
+              </a:rPr>
+              <a:t>students.length</a:t>
+            </a:r>
+            <a:r>
+              <a:rPr lang="en-US" sz="1800" dirty="0">
+                <a:latin typeface="Courier New" panose="02070309020205020404" pitchFamily="49" charset="0"/>
+                <a:cs typeface="Courier New" panose="02070309020205020404" pitchFamily="49" charset="0"/>
+              </a:rPr>
+              <a:t>;</a:t>
+            </a:r>
+          </a:p>
+          <a:p>
+            <a:pPr marL="0" indent="0">
+              <a:buNone/>
+            </a:pPr>
+            <a:r>
+              <a:rPr lang="en-US" sz="1800" dirty="0">
+                <a:latin typeface="Courier New" panose="02070309020205020404" pitchFamily="49" charset="0"/>
+                <a:cs typeface="Courier New" panose="02070309020205020404" pitchFamily="49" charset="0"/>
+              </a:rPr>
+              <a:t>		for(int </a:t>
+            </a:r>
+            <a:r>
+              <a:rPr lang="en-US" sz="1800" dirty="0" err="1">
+                <a:latin typeface="Courier New" panose="02070309020205020404" pitchFamily="49" charset="0"/>
+                <a:cs typeface="Courier New" panose="02070309020205020404" pitchFamily="49" charset="0"/>
+              </a:rPr>
+              <a:t>i</a:t>
+            </a:r>
+            <a:r>
+              <a:rPr lang="en-US" sz="1800" dirty="0">
+                <a:latin typeface="Courier New" panose="02070309020205020404" pitchFamily="49" charset="0"/>
+                <a:cs typeface="Courier New" panose="02070309020205020404" pitchFamily="49" charset="0"/>
+              </a:rPr>
+              <a:t> = 0; </a:t>
+            </a:r>
+            <a:r>
+              <a:rPr lang="en-US" sz="1800" dirty="0" err="1">
+                <a:latin typeface="Courier New" panose="02070309020205020404" pitchFamily="49" charset="0"/>
+                <a:cs typeface="Courier New" panose="02070309020205020404" pitchFamily="49" charset="0"/>
+              </a:rPr>
+              <a:t>i</a:t>
+            </a:r>
+            <a:r>
+              <a:rPr lang="en-US" sz="1800" dirty="0">
+                <a:latin typeface="Courier New" panose="02070309020205020404" pitchFamily="49" charset="0"/>
+                <a:cs typeface="Courier New" panose="02070309020205020404" pitchFamily="49" charset="0"/>
+              </a:rPr>
+              <a:t> &lt; dim; </a:t>
+            </a:r>
+            <a:r>
+              <a:rPr lang="en-US" sz="1800" dirty="0" err="1">
+                <a:latin typeface="Courier New" panose="02070309020205020404" pitchFamily="49" charset="0"/>
+                <a:cs typeface="Courier New" panose="02070309020205020404" pitchFamily="49" charset="0"/>
+              </a:rPr>
+              <a:t>i</a:t>
+            </a:r>
+            <a:r>
+              <a:rPr lang="en-US" sz="1800" dirty="0">
+                <a:latin typeface="Courier New" panose="02070309020205020404" pitchFamily="49" charset="0"/>
+                <a:cs typeface="Courier New" panose="02070309020205020404" pitchFamily="49" charset="0"/>
+              </a:rPr>
+              <a:t>++){</a:t>
+            </a:r>
+          </a:p>
+          <a:p>
+            <a:pPr marL="0" indent="0">
+              <a:buNone/>
+            </a:pPr>
+            <a:r>
+              <a:rPr lang="en-US" sz="1800" dirty="0">
+                <a:latin typeface="Courier New" panose="02070309020205020404" pitchFamily="49" charset="0"/>
+                <a:cs typeface="Courier New" panose="02070309020205020404" pitchFamily="49" charset="0"/>
+              </a:rPr>
+              <a:t>			if(students[</a:t>
+            </a:r>
+            <a:r>
+              <a:rPr lang="en-US" sz="1800" dirty="0" err="1">
+                <a:latin typeface="Courier New" panose="02070309020205020404" pitchFamily="49" charset="0"/>
+                <a:cs typeface="Courier New" panose="02070309020205020404" pitchFamily="49" charset="0"/>
+              </a:rPr>
+              <a:t>i</a:t>
+            </a:r>
+            <a:r>
+              <a:rPr lang="en-US" sz="1800" dirty="0">
+                <a:latin typeface="Courier New" panose="02070309020205020404" pitchFamily="49" charset="0"/>
+                <a:cs typeface="Courier New" panose="02070309020205020404" pitchFamily="49" charset="0"/>
+              </a:rPr>
+              <a:t>][dim – 1 - </a:t>
+            </a:r>
+            <a:r>
+              <a:rPr lang="en-US" sz="1800" dirty="0" err="1">
+                <a:latin typeface="Courier New" panose="02070309020205020404" pitchFamily="49" charset="0"/>
+                <a:cs typeface="Courier New" panose="02070309020205020404" pitchFamily="49" charset="0"/>
+              </a:rPr>
+              <a:t>i</a:t>
+            </a:r>
+            <a:r>
+              <a:rPr lang="en-US" sz="1800" dirty="0">
+                <a:latin typeface="Courier New" panose="02070309020205020404" pitchFamily="49" charset="0"/>
+                <a:cs typeface="Courier New" panose="02070309020205020404" pitchFamily="49" charset="0"/>
+              </a:rPr>
+              <a:t>].</a:t>
+            </a:r>
+            <a:r>
+              <a:rPr lang="en-US" sz="1800" dirty="0" err="1">
+                <a:latin typeface="Courier New" panose="02070309020205020404" pitchFamily="49" charset="0"/>
+                <a:cs typeface="Courier New" panose="02070309020205020404" pitchFamily="49" charset="0"/>
+              </a:rPr>
+              <a:t>getGpa</a:t>
+            </a:r>
+            <a:r>
+              <a:rPr lang="en-US" sz="1800" dirty="0">
+                <a:latin typeface="Courier New" panose="02070309020205020404" pitchFamily="49" charset="0"/>
+                <a:cs typeface="Courier New" panose="02070309020205020404" pitchFamily="49" charset="0"/>
+              </a:rPr>
+              <a:t>() &gt; threshold)</a:t>
+            </a:r>
+          </a:p>
+          <a:p>
+            <a:pPr marL="0" indent="0">
+              <a:buNone/>
+            </a:pPr>
+            <a:r>
+              <a:rPr lang="en-US" sz="1800" dirty="0">
+                <a:latin typeface="Courier New" panose="02070309020205020404" pitchFamily="49" charset="0"/>
+                <a:cs typeface="Courier New" panose="02070309020205020404" pitchFamily="49" charset="0"/>
+              </a:rPr>
+              <a:t>				count++;</a:t>
+            </a:r>
+          </a:p>
+          <a:p>
+            <a:pPr marL="0" indent="0">
+              <a:buNone/>
+            </a:pPr>
+            <a:r>
+              <a:rPr lang="en-US" sz="1800" dirty="0">
+                <a:latin typeface="Courier New" panose="02070309020205020404" pitchFamily="49" charset="0"/>
+                <a:cs typeface="Courier New" panose="02070309020205020404" pitchFamily="49" charset="0"/>
+              </a:rPr>
+              <a:t>		}</a:t>
+            </a:r>
+          </a:p>
+          <a:p>
+            <a:pPr marL="0" indent="0">
+              <a:buNone/>
+            </a:pPr>
+            <a:r>
+              <a:rPr lang="en-US" sz="1800" dirty="0">
+                <a:latin typeface="Courier New" panose="02070309020205020404" pitchFamily="49" charset="0"/>
+                <a:cs typeface="Courier New" panose="02070309020205020404" pitchFamily="49" charset="0"/>
+              </a:rPr>
+              <a:t>		return count;</a:t>
+            </a:r>
+          </a:p>
+          <a:p>
+            <a:pPr marL="0" indent="0">
+              <a:buNone/>
+            </a:pPr>
+            <a:r>
+              <a:rPr lang="en-US" sz="1800" dirty="0">
+                <a:latin typeface="Courier New" panose="02070309020205020404" pitchFamily="49" charset="0"/>
+                <a:cs typeface="Courier New" panose="02070309020205020404" pitchFamily="49" charset="0"/>
+              </a:rPr>
+              <a:t>	}</a:t>
+            </a:r>
+          </a:p>
+        </p:txBody>
+      </p:sp>
+    </p:spTree>
+    <p:extLst>
+      <p:ext uri="{BB962C8B-B14F-4D97-AF65-F5344CB8AC3E}">
+        <p14:creationId xmlns:p14="http://schemas.microsoft.com/office/powerpoint/2010/main" val="2649014935"/>
+      </p:ext>
+    </p:extLst>
+  </p:cSld>
+  <p:clrMapOvr>
+    <a:masterClrMapping/>
+  </p:clrMapOvr>
+</p:sld>
+</file>
+
+<file path=ppt/slides/slide37.xml><?xml version="1.0" encoding="utf-8"?>
+<p:sld xmlns:a="http://schemas.openxmlformats.org/drawingml/2006/main" xmlns:r="http://schemas.openxmlformats.org/officeDocument/2006/relationships" xmlns:p="http://schemas.openxmlformats.org/presentationml/2006/main">
+  <p:cSld>
+    <p:spTree>
+      <p:nvGrpSpPr>
+        <p:cNvPr id="1" name=""/>
+        <p:cNvGrpSpPr/>
+        <p:nvPr/>
+      </p:nvGrpSpPr>
+      <p:grpSpPr>
+        <a:xfrm>
+          <a:off x="0" y="0"/>
+          <a:ext cx="0" cy="0"/>
+          <a:chOff x="0" y="0"/>
+          <a:chExt cx="0" cy="0"/>
+        </a:xfrm>
+      </p:grpSpPr>
+      <p:sp>
+        <p:nvSpPr>
+          <p:cNvPr id="2" name="Title 1">
+            <a:extLst>
+              <a:ext uri="{FF2B5EF4-FFF2-40B4-BE49-F238E27FC236}">
+                <a16:creationId xmlns:a16="http://schemas.microsoft.com/office/drawing/2014/main" id="{BC6F9511-CB58-AC49-AD98-860912780FFE}"/>
+              </a:ext>
+            </a:extLst>
+          </p:cNvPr>
+          <p:cNvSpPr>
+            <a:spLocks noGrp="1"/>
+          </p:cNvSpPr>
+          <p:nvPr>
+            <p:ph type="title"/>
+          </p:nvPr>
+        </p:nvSpPr>
+        <p:spPr>
+          <a:xfrm>
+            <a:off x="628650" y="2563244"/>
+            <a:ext cx="7886700" cy="588511"/>
+          </a:xfrm>
+        </p:spPr>
+        <p:txBody>
+          <a:bodyPr/>
+          <a:lstStyle/>
+          <a:p>
+            <a:r>
+              <a:rPr lang="en-US" dirty="0"/>
+              <a:t>Question 1: Methods and Control Structures</a:t>
+            </a:r>
+            <a:br>
+              <a:rPr lang="en-US" dirty="0"/>
+            </a:br>
+            <a:r>
+              <a:rPr lang="en-US" dirty="0"/>
+              <a:t>See previous years' similar FRQs: </a:t>
+            </a:r>
+            <a:br>
+              <a:rPr lang="en-US" dirty="0"/>
+            </a:br>
+            <a:r>
+              <a:rPr lang="en-US" dirty="0"/>
+              <a:t>2018 #1, 2019 #1, 2017 #3</a:t>
+            </a:r>
+          </a:p>
+        </p:txBody>
+      </p:sp>
+    </p:spTree>
+    <p:extLst>
+      <p:ext uri="{BB962C8B-B14F-4D97-AF65-F5344CB8AC3E}">
+        <p14:creationId xmlns:p14="http://schemas.microsoft.com/office/powerpoint/2010/main" val="177006165"/>
+      </p:ext>
+    </p:extLst>
+  </p:cSld>
+  <p:clrMapOvr>
+    <a:masterClrMapping/>
+  </p:clrMapOvr>
+</p:sld>
+</file>
+
+<file path=ppt/slides/slide38.xml><?xml version="1.0" encoding="utf-8"?>
+<p:sld xmlns:a="http://schemas.openxmlformats.org/drawingml/2006/main" xmlns:r="http://schemas.openxmlformats.org/officeDocument/2006/relationships" xmlns:p="http://schemas.openxmlformats.org/presentationml/2006/main">
+  <p:cSld>
+    <p:spTree>
+      <p:nvGrpSpPr>
+        <p:cNvPr id="1" name=""/>
+        <p:cNvGrpSpPr/>
+        <p:nvPr/>
+      </p:nvGrpSpPr>
+      <p:grpSpPr>
+        <a:xfrm>
+          <a:off x="0" y="0"/>
+          <a:ext cx="0" cy="0"/>
+          <a:chOff x="0" y="0"/>
+          <a:chExt cx="0" cy="0"/>
+        </a:xfrm>
+      </p:grpSpPr>
+      <p:sp>
+        <p:nvSpPr>
+          <p:cNvPr id="2" name="Title 1">
+            <a:extLst>
+              <a:ext uri="{FF2B5EF4-FFF2-40B4-BE49-F238E27FC236}">
+                <a16:creationId xmlns:a16="http://schemas.microsoft.com/office/drawing/2014/main" id="{BC6F9511-CB58-AC49-AD98-860912780FFE}"/>
+              </a:ext>
+            </a:extLst>
+          </p:cNvPr>
+          <p:cNvSpPr>
+            <a:spLocks noGrp="1"/>
+          </p:cNvSpPr>
+          <p:nvPr>
+            <p:ph type="title"/>
+          </p:nvPr>
+        </p:nvSpPr>
+        <p:spPr>
+          <a:xfrm>
+            <a:off x="167177" y="128185"/>
+            <a:ext cx="7886700" cy="588511"/>
+          </a:xfrm>
+        </p:spPr>
+        <p:txBody>
+          <a:bodyPr/>
+          <a:lstStyle/>
+          <a:p>
+            <a:r>
+              <a:rPr lang="en-US" dirty="0"/>
+              <a:t>Methods and Control Structures</a:t>
+            </a:r>
+          </a:p>
+        </p:txBody>
+      </p:sp>
+      <p:sp>
+        <p:nvSpPr>
+          <p:cNvPr id="3" name="Content Placeholder 2">
+            <a:extLst>
+              <a:ext uri="{FF2B5EF4-FFF2-40B4-BE49-F238E27FC236}">
+                <a16:creationId xmlns:a16="http://schemas.microsoft.com/office/drawing/2014/main" id="{CE6BD10B-9D13-604D-9877-97B355109287}"/>
+              </a:ext>
+            </a:extLst>
+          </p:cNvPr>
+          <p:cNvSpPr>
+            <a:spLocks noGrp="1"/>
+          </p:cNvSpPr>
+          <p:nvPr>
+            <p:ph idx="1"/>
+          </p:nvPr>
+        </p:nvSpPr>
+        <p:spPr>
+          <a:xfrm>
+            <a:off x="167177" y="888763"/>
+            <a:ext cx="8780270" cy="4623273"/>
+          </a:xfrm>
+        </p:spPr>
+        <p:txBody>
+          <a:bodyPr/>
+          <a:lstStyle/>
+          <a:p>
+            <a:pPr marL="0" indent="0">
+              <a:buNone/>
+            </a:pPr>
+            <a:r>
+              <a:rPr lang="en-US" dirty="0">
+                <a:latin typeface="Gill Sans MT" panose="020B0502020104020203" pitchFamily="34" charset="77"/>
+                <a:cs typeface="Courier New" panose="02070309020205020404" pitchFamily="49" charset="0"/>
+              </a:rPr>
+              <a:t>Question 1 of the FRQ will likely ask you to write methods that utilize control structures(for vs while loops, conditionals). </a:t>
+            </a:r>
+          </a:p>
+          <a:p>
+            <a:pPr marL="0" indent="0">
+              <a:buNone/>
+            </a:pPr>
+            <a:endParaRPr lang="en-US" dirty="0">
+              <a:latin typeface="Gill Sans MT" panose="020B0502020104020203" pitchFamily="34" charset="77"/>
+              <a:cs typeface="Courier New" panose="02070309020205020404" pitchFamily="49" charset="0"/>
+            </a:endParaRPr>
+          </a:p>
+          <a:p>
+            <a:pPr marL="0" indent="0">
+              <a:buNone/>
+            </a:pPr>
+            <a:r>
+              <a:rPr lang="en-US" dirty="0">
+                <a:latin typeface="Gill Sans MT" panose="020B0502020104020203" pitchFamily="34" charset="77"/>
+                <a:cs typeface="Courier New" panose="02070309020205020404" pitchFamily="49" charset="0"/>
+              </a:rPr>
+              <a:t>Using Strings and its methods is likely to be in this question(or Question 2). See for example 2017 #3 for a String question that fits "Methods and Control Structures" question. </a:t>
+            </a:r>
+          </a:p>
+          <a:p>
+            <a:pPr marL="0" indent="0">
+              <a:buNone/>
+            </a:pPr>
+            <a:endParaRPr lang="en-US" dirty="0">
+              <a:latin typeface="Gill Sans MT" panose="020B0502020104020203" pitchFamily="34" charset="77"/>
+              <a:cs typeface="Courier New" panose="02070309020205020404" pitchFamily="49" charset="0"/>
+            </a:endParaRPr>
+          </a:p>
+          <a:p>
+            <a:pPr marL="0" indent="0">
+              <a:buNone/>
+            </a:pPr>
+            <a:r>
+              <a:rPr lang="en-US" sz="2200" dirty="0">
+                <a:latin typeface="Gill Sans MT" panose="020B0502020104020203" pitchFamily="34" charset="77"/>
+              </a:rPr>
+              <a:t>You should know how to use </a:t>
+            </a:r>
+            <a:r>
+              <a:rPr lang="en-US" sz="2200" b="1" dirty="0">
+                <a:latin typeface="Gill Sans MT" panose="020B0502020104020203" pitchFamily="34" charset="77"/>
+              </a:rPr>
+              <a:t>substring(int beg, int end), substring(int beg), </a:t>
+            </a:r>
+            <a:r>
+              <a:rPr lang="en-US" sz="2200" b="1" dirty="0" err="1">
+                <a:latin typeface="Gill Sans MT" panose="020B0502020104020203" pitchFamily="34" charset="77"/>
+              </a:rPr>
+              <a:t>indexOf</a:t>
+            </a:r>
+            <a:r>
+              <a:rPr lang="en-US" sz="2200" b="1" dirty="0">
+                <a:latin typeface="Gill Sans MT" panose="020B0502020104020203" pitchFamily="34" charset="77"/>
+              </a:rPr>
+              <a:t>, equals, length and </a:t>
+            </a:r>
+            <a:r>
+              <a:rPr lang="en-US" sz="2200" b="1" dirty="0" err="1">
+                <a:latin typeface="Gill Sans MT" panose="020B0502020104020203" pitchFamily="34" charset="77"/>
+              </a:rPr>
+              <a:t>compareTo</a:t>
+            </a:r>
+            <a:r>
+              <a:rPr lang="en-US" sz="2200" b="1" dirty="0">
+                <a:latin typeface="Gill Sans MT" panose="020B0502020104020203" pitchFamily="34" charset="77"/>
+              </a:rPr>
+              <a:t> </a:t>
+            </a:r>
+            <a:r>
+              <a:rPr lang="en-US" sz="2200" dirty="0">
+                <a:latin typeface="Gill Sans MT" panose="020B0502020104020203" pitchFamily="34" charset="77"/>
+              </a:rPr>
+              <a:t>methods. See the College Board reference sheet.</a:t>
+            </a:r>
+          </a:p>
+          <a:p>
+            <a:pPr marL="0" indent="0">
+              <a:buNone/>
+            </a:pPr>
+            <a:endParaRPr lang="en-US" dirty="0">
+              <a:latin typeface="Gill Sans MT" panose="020B0502020104020203" pitchFamily="34" charset="77"/>
+              <a:cs typeface="Courier New" panose="02070309020205020404" pitchFamily="49" charset="0"/>
+            </a:endParaRPr>
+          </a:p>
+          <a:p>
+            <a:pPr marL="0" indent="0">
+              <a:buNone/>
+            </a:pPr>
+            <a:endParaRPr lang="en-US" dirty="0">
+              <a:latin typeface="Gill Sans MT" panose="020B0502020104020203" pitchFamily="34" charset="77"/>
+              <a:cs typeface="Courier New" panose="02070309020205020404" pitchFamily="49" charset="0"/>
+            </a:endParaRPr>
+          </a:p>
+        </p:txBody>
+      </p:sp>
+    </p:spTree>
+    <p:extLst>
+      <p:ext uri="{BB962C8B-B14F-4D97-AF65-F5344CB8AC3E}">
+        <p14:creationId xmlns:p14="http://schemas.microsoft.com/office/powerpoint/2010/main" val="1392099590"/>
+      </p:ext>
+    </p:extLst>
+  </p:cSld>
+  <p:clrMapOvr>
+    <a:masterClrMapping/>
+  </p:clrMapOvr>
+</p:sld>
+</file>
+
+<file path=ppt/slides/slide39.xml><?xml version="1.0" encoding="utf-8"?>
+<p:sld xmlns:a="http://schemas.openxmlformats.org/drawingml/2006/main" xmlns:r="http://schemas.openxmlformats.org/officeDocument/2006/relationships" xmlns:p="http://schemas.openxmlformats.org/presentationml/2006/main">
+  <p:cSld>
+    <p:spTree>
+      <p:nvGrpSpPr>
+        <p:cNvPr id="1" name=""/>
+        <p:cNvGrpSpPr/>
+        <p:nvPr/>
+      </p:nvGrpSpPr>
+      <p:grpSpPr>
+        <a:xfrm>
+          <a:off x="0" y="0"/>
+          <a:ext cx="0" cy="0"/>
+          <a:chOff x="0" y="0"/>
+          <a:chExt cx="0" cy="0"/>
+        </a:xfrm>
+      </p:grpSpPr>
+      <p:sp>
+        <p:nvSpPr>
+          <p:cNvPr id="28674" name="Rectangle 2">
+            <a:extLst>
+              <a:ext uri="{FF2B5EF4-FFF2-40B4-BE49-F238E27FC236}">
+                <a16:creationId xmlns:a16="http://schemas.microsoft.com/office/drawing/2014/main" id="{C6B8F438-0BCB-7548-9023-EA72CB9BC9AE}"/>
+              </a:ext>
+            </a:extLst>
+          </p:cNvPr>
+          <p:cNvSpPr>
+            <a:spLocks noGrp="1"/>
+          </p:cNvSpPr>
+          <p:nvPr>
+            <p:ph type="title" idx="4294967295"/>
+          </p:nvPr>
+        </p:nvSpPr>
+        <p:spPr>
+          <a:xfrm>
+            <a:off x="166736" y="113121"/>
+            <a:ext cx="7886700" cy="635909"/>
+          </a:xfrm>
+        </p:spPr>
+        <p:txBody>
+          <a:bodyPr vert="horz" lIns="0" tIns="45720" rIns="0" bIns="0" rtlCol="0" anchor="b">
+            <a:normAutofit/>
+          </a:bodyPr>
+          <a:lstStyle/>
+          <a:p>
+            <a:pPr eaLnBrk="1" hangingPunct="1">
+              <a:defRPr/>
+            </a:pPr>
+            <a:r>
+              <a:rPr lang="en-US" dirty="0">
+                <a:latin typeface="Courier New" charset="0"/>
+                <a:cs typeface="+mj-cs"/>
+              </a:rPr>
+              <a:t>String</a:t>
+            </a:r>
+            <a:r>
+              <a:rPr lang="en-US" dirty="0">
+                <a:cs typeface="+mj-cs"/>
+              </a:rPr>
+              <a:t> methods</a:t>
+            </a:r>
+          </a:p>
+        </p:txBody>
+      </p:sp>
+      <p:sp>
+        <p:nvSpPr>
+          <p:cNvPr id="28675" name="Rectangle 3">
+            <a:extLst>
+              <a:ext uri="{FF2B5EF4-FFF2-40B4-BE49-F238E27FC236}">
+                <a16:creationId xmlns:a16="http://schemas.microsoft.com/office/drawing/2014/main" id="{86537E5E-8E9E-CC4E-85C4-87A3A5FB66CB}"/>
+              </a:ext>
+            </a:extLst>
+          </p:cNvPr>
+          <p:cNvSpPr>
+            <a:spLocks noGrp="1"/>
+          </p:cNvSpPr>
+          <p:nvPr>
+            <p:ph type="body" idx="4294967295"/>
+          </p:nvPr>
+        </p:nvSpPr>
+        <p:spPr/>
+        <p:txBody>
+          <a:bodyPr/>
+          <a:lstStyle/>
+          <a:p>
+            <a:pPr marL="533115" lvl="1" indent="-205044">
+              <a:buNone/>
+              <a:defRPr/>
+            </a:pPr>
+            <a:endParaRPr lang="en-US" dirty="0"/>
+          </a:p>
+          <a:p>
+            <a:pPr marL="533115" lvl="1" indent="-205044">
+              <a:defRPr/>
+            </a:pPr>
+            <a:endParaRPr lang="en-US" dirty="0"/>
+          </a:p>
+          <a:p>
+            <a:pPr marL="533115" lvl="1" indent="-205044">
+              <a:defRPr/>
+            </a:pPr>
+            <a:endParaRPr lang="en-US" dirty="0"/>
+          </a:p>
+          <a:p>
+            <a:pPr marL="533115" lvl="1" indent="-205044">
+              <a:defRPr/>
+            </a:pPr>
+            <a:endParaRPr lang="en-US" dirty="0"/>
+          </a:p>
+          <a:p>
+            <a:pPr marL="533115" lvl="1" indent="-205044">
+              <a:defRPr/>
+            </a:pPr>
+            <a:endParaRPr lang="en-US" dirty="0"/>
+          </a:p>
+          <a:p>
+            <a:pPr marL="533115" lvl="1" indent="-205044">
+              <a:defRPr/>
+            </a:pPr>
+            <a:endParaRPr lang="en-US" dirty="0"/>
+          </a:p>
+          <a:p>
+            <a:pPr marL="533115" lvl="1" indent="-205044">
+              <a:defRPr/>
+            </a:pPr>
+            <a:endParaRPr lang="en-US" dirty="0"/>
+          </a:p>
+          <a:p>
+            <a:pPr marL="533115" lvl="1" indent="-205044">
+              <a:defRPr/>
+            </a:pPr>
+            <a:endParaRPr lang="en-US" dirty="0"/>
+          </a:p>
+          <a:p>
+            <a:pPr marL="533115" lvl="1" indent="-205044">
+              <a:defRPr/>
+            </a:pPr>
+            <a:endParaRPr lang="en-US" dirty="0"/>
+          </a:p>
+          <a:p>
+            <a:pPr marL="533115" lvl="1" indent="-205044">
+              <a:defRPr/>
+            </a:pPr>
+            <a:endParaRPr lang="en-US" sz="750" dirty="0"/>
+          </a:p>
+          <a:p>
+            <a:pPr marL="227533" indent="-227533">
+              <a:defRPr/>
+            </a:pPr>
+            <a:endParaRPr lang="en-US" dirty="0">
+              <a:cs typeface="+mn-cs"/>
+            </a:endParaRPr>
+          </a:p>
+        </p:txBody>
+      </p:sp>
+      <p:graphicFrame>
+        <p:nvGraphicFramePr>
+          <p:cNvPr id="531460" name="Group 4">
+            <a:extLst>
+              <a:ext uri="{FF2B5EF4-FFF2-40B4-BE49-F238E27FC236}">
+                <a16:creationId xmlns:a16="http://schemas.microsoft.com/office/drawing/2014/main" id="{39A415A5-9F18-034F-B82F-721845132275}"/>
+              </a:ext>
+            </a:extLst>
+          </p:cNvPr>
+          <p:cNvGraphicFramePr>
+            <a:graphicFrameLocks noGrp="1"/>
+          </p:cNvGraphicFramePr>
+          <p:nvPr/>
+        </p:nvGraphicFramePr>
+        <p:xfrm>
+          <a:off x="889000" y="1143000"/>
+          <a:ext cx="7366000" cy="4008439"/>
+        </p:xfrm>
+        <a:graphic>
+          <a:graphicData uri="http://schemas.openxmlformats.org/drawingml/2006/table">
+            <a:tbl>
+              <a:tblPr/>
+              <a:tblGrid>
+                <a:gridCol w="3079750">
+                  <a:extLst>
+                    <a:ext uri="{9D8B030D-6E8A-4147-A177-3AD203B41FA5}">
+                      <a16:colId xmlns:a16="http://schemas.microsoft.com/office/drawing/2014/main" val="20000"/>
+                    </a:ext>
+                  </a:extLst>
+                </a:gridCol>
+                <a:gridCol w="4286250">
+                  <a:extLst>
+                    <a:ext uri="{9D8B030D-6E8A-4147-A177-3AD203B41FA5}">
+                      <a16:colId xmlns:a16="http://schemas.microsoft.com/office/drawing/2014/main" val="20001"/>
+                    </a:ext>
+                  </a:extLst>
+                </a:gridCol>
+              </a:tblGrid>
+              <a:tr h="304817">
+                <a:tc>
+                  <a:txBody>
+                    <a:bodyPr/>
+                    <a:lstStyle/>
+                    <a:p>
+                      <a:pPr marL="0" marR="0" lvl="0" indent="0" algn="ctr" defTabSz="914400" rtl="0" eaLnBrk="1" fontAlgn="base" latinLnBrk="0" hangingPunct="1">
+                        <a:lnSpc>
+                          <a:spcPct val="100000"/>
+                        </a:lnSpc>
+                        <a:spcBef>
+                          <a:spcPct val="20000"/>
+                        </a:spcBef>
+                        <a:spcAft>
+                          <a:spcPct val="0"/>
+                        </a:spcAft>
+                        <a:buClrTx/>
+                        <a:buSzTx/>
+                        <a:buFont typeface="Wingdings 2" pitchFamily="18" charset="2"/>
+                        <a:buNone/>
+                        <a:tabLst/>
+                      </a:pPr>
+                      <a:r>
+                        <a:rPr kumimoji="0" lang="en-US" sz="1500" b="0" i="0" u="none" strike="noStrike" cap="none" normalizeH="0" baseline="0">
+                          <a:ln>
+                            <a:noFill/>
+                          </a:ln>
+                          <a:solidFill>
+                            <a:schemeClr val="tx1"/>
+                          </a:solidFill>
+                          <a:effectLst/>
+                          <a:latin typeface="Tahoma" pitchFamily="34" charset="0"/>
+                          <a:cs typeface="Times New Roman" pitchFamily="18" charset="0"/>
+                        </a:rPr>
+                        <a:t>Method name</a:t>
+                      </a:r>
+                    </a:p>
+                  </a:txBody>
+                  <a:tcPr marL="76200" marR="76200" marT="38096" marB="38096" horzOverflow="overflow">
+                    <a:lnL w="28575" cap="flat" cmpd="sng" algn="ctr">
+                      <a:solidFill>
+                        <a:schemeClr val="tx1"/>
+                      </a:solidFill>
+                      <a:prstDash val="solid"/>
+                      <a:miter lim="800000"/>
+                      <a:headEnd type="none" w="med" len="med"/>
+                      <a:tailEnd type="none" w="med" len="med"/>
+                    </a:lnL>
+                    <a:lnR w="12700" cap="flat" cmpd="sng" algn="ctr">
+                      <a:solidFill>
+                        <a:schemeClr val="tx1"/>
+                      </a:solidFill>
+                      <a:prstDash val="solid"/>
+                      <a:miter lim="800000"/>
+                      <a:headEnd type="none" w="med" len="med"/>
+                      <a:tailEnd type="none" w="med" len="med"/>
+                    </a:lnR>
+                    <a:lnT w="28575" cap="flat" cmpd="sng" algn="ctr">
+                      <a:solidFill>
+                        <a:schemeClr val="tx1"/>
+                      </a:solidFill>
+                      <a:prstDash val="solid"/>
+                      <a:miter lim="800000"/>
+                      <a:headEnd type="none" w="med" len="med"/>
+                      <a:tailEnd type="none" w="med" len="med"/>
+                    </a:lnT>
+                    <a:lnB w="12700" cap="flat" cmpd="sng" algn="ctr">
+                      <a:solidFill>
+                        <a:schemeClr val="tx1"/>
+                      </a:solidFill>
+                      <a:prstDash val="solid"/>
+                      <a:miter lim="800000"/>
+                      <a:headEnd type="none" w="med" len="med"/>
+                      <a:tailEnd type="none" w="med" len="med"/>
+                    </a:lnB>
+                    <a:lnTlToBr>
+                      <a:noFill/>
+                    </a:lnTlToBr>
+                    <a:lnBlToTr>
+                      <a:noFill/>
+                    </a:lnBlToTr>
+                    <a:noFill/>
+                  </a:tcPr>
+                </a:tc>
+                <a:tc>
+                  <a:txBody>
+                    <a:bodyPr/>
+                    <a:lstStyle/>
+                    <a:p>
+                      <a:pPr marL="0" marR="0" lvl="0" indent="0" algn="ctr" defTabSz="914400" rtl="0" eaLnBrk="1" fontAlgn="base" latinLnBrk="0" hangingPunct="1">
+                        <a:lnSpc>
+                          <a:spcPct val="100000"/>
+                        </a:lnSpc>
+                        <a:spcBef>
+                          <a:spcPct val="20000"/>
+                        </a:spcBef>
+                        <a:spcAft>
+                          <a:spcPct val="0"/>
+                        </a:spcAft>
+                        <a:buClrTx/>
+                        <a:buSzTx/>
+                        <a:buFont typeface="Wingdings 2" pitchFamily="18" charset="2"/>
+                        <a:buNone/>
+                        <a:tabLst/>
+                      </a:pPr>
+                      <a:r>
+                        <a:rPr kumimoji="0" lang="en-US" sz="1500" b="0" i="0" u="none" strike="noStrike" cap="none" normalizeH="0" baseline="0">
+                          <a:ln>
+                            <a:noFill/>
+                          </a:ln>
+                          <a:solidFill>
+                            <a:schemeClr val="tx1"/>
+                          </a:solidFill>
+                          <a:effectLst/>
+                          <a:latin typeface="Tahoma" pitchFamily="34" charset="0"/>
+                          <a:cs typeface="Times New Roman" pitchFamily="18" charset="0"/>
+                        </a:rPr>
+                        <a:t>Description</a:t>
+                      </a:r>
+                    </a:p>
+                  </a:txBody>
+                  <a:tcPr marL="76200" marR="76200" marT="38096" marB="38096" horzOverflow="overflow">
+                    <a:lnL w="12700" cap="flat" cmpd="sng" algn="ctr">
+                      <a:solidFill>
+                        <a:schemeClr val="tx1"/>
+                      </a:solidFill>
+                      <a:prstDash val="solid"/>
+                      <a:miter lim="800000"/>
+                      <a:headEnd type="none" w="med" len="med"/>
+                      <a:tailEnd type="none" w="med" len="med"/>
+                    </a:lnL>
+                    <a:lnR w="28575" cap="flat" cmpd="sng" algn="ctr">
+                      <a:solidFill>
+                        <a:schemeClr val="tx1"/>
+                      </a:solidFill>
+                      <a:prstDash val="solid"/>
+                      <a:miter lim="800000"/>
+                      <a:headEnd type="none" w="med" len="med"/>
+                      <a:tailEnd type="none" w="med" len="med"/>
+                    </a:lnR>
+                    <a:lnT w="28575" cap="flat" cmpd="sng" algn="ctr">
+                      <a:solidFill>
+                        <a:schemeClr val="tx1"/>
+                      </a:solidFill>
+                      <a:prstDash val="solid"/>
+                      <a:miter lim="800000"/>
+                      <a:headEnd type="none" w="med" len="med"/>
+                      <a:tailEnd type="none" w="med" len="med"/>
+                    </a:lnT>
+                    <a:lnB w="12700" cap="flat" cmpd="sng" algn="ctr">
+                      <a:solidFill>
+                        <a:schemeClr val="tx1"/>
+                      </a:solidFill>
+                      <a:prstDash val="solid"/>
+                      <a:miter lim="800000"/>
+                      <a:headEnd type="none" w="med" len="med"/>
+                      <a:tailEnd type="none" w="med" len="med"/>
+                    </a:lnB>
+                    <a:lnTlToBr>
+                      <a:noFill/>
+                    </a:lnTlToBr>
+                    <a:lnBlToTr>
+                      <a:noFill/>
+                    </a:lnBlToTr>
+                    <a:noFill/>
+                  </a:tcPr>
+                </a:tc>
+                <a:extLst>
+                  <a:ext uri="{0D108BD9-81ED-4DB2-BD59-A6C34878D82A}">
+                    <a16:rowId xmlns:a16="http://schemas.microsoft.com/office/drawing/2014/main" val="10000"/>
+                  </a:ext>
+                </a:extLst>
+              </a:tr>
+              <a:tr h="533441">
+                <a:tc>
+                  <a:txBody>
+                    <a:bodyPr/>
+                    <a:lstStyle/>
+                    <a:p>
+                      <a:pPr marL="0" marR="0" lvl="0" indent="0" algn="l" defTabSz="914400" rtl="0" eaLnBrk="1" fontAlgn="base" latinLnBrk="0" hangingPunct="1">
+                        <a:lnSpc>
+                          <a:spcPct val="100000"/>
+                        </a:lnSpc>
+                        <a:spcBef>
+                          <a:spcPct val="20000"/>
+                        </a:spcBef>
+                        <a:spcAft>
+                          <a:spcPct val="0"/>
+                        </a:spcAft>
+                        <a:buClrTx/>
+                        <a:buSzTx/>
+                        <a:buFont typeface="Wingdings 2" pitchFamily="18" charset="2"/>
+                        <a:buNone/>
+                        <a:tabLst/>
+                        <a:defRPr/>
+                      </a:pPr>
+                      <a:r>
+                        <a:rPr lang="en-US" sz="1500" kern="1200" dirty="0">
+                          <a:solidFill>
+                            <a:schemeClr val="tx1"/>
+                          </a:solidFill>
+                          <a:effectLst/>
+                          <a:latin typeface="Courier New" panose="02070309020205020404" pitchFamily="49" charset="0"/>
+                          <a:ea typeface="+mn-ea"/>
+                          <a:cs typeface="Courier New" panose="02070309020205020404" pitchFamily="49" charset="0"/>
+                        </a:rPr>
+                        <a:t>String(String str) </a:t>
+                      </a:r>
+                    </a:p>
+                  </a:txBody>
+                  <a:tcPr marL="76200" marR="76200" marT="38096" marB="38096" horzOverflow="overflow">
+                    <a:lnL w="28575" cap="flat" cmpd="sng" algn="ctr">
+                      <a:solidFill>
+                        <a:schemeClr val="tx1"/>
+                      </a:solidFill>
+                      <a:prstDash val="solid"/>
+                      <a:miter lim="800000"/>
+                      <a:headEnd type="none" w="med" len="med"/>
+                      <a:tailEnd type="none" w="med" len="med"/>
+                    </a:lnL>
+                    <a:lnR w="12700" cap="flat" cmpd="sng" algn="ctr">
+                      <a:solidFill>
+                        <a:schemeClr val="tx1"/>
+                      </a:solidFill>
+                      <a:prstDash val="solid"/>
+                      <a:miter lim="800000"/>
+                      <a:headEnd type="none" w="med" len="med"/>
+                      <a:tailEnd type="none" w="med" len="med"/>
+                    </a:lnR>
+                    <a:lnT w="12700" cap="flat" cmpd="sng" algn="ctr">
+                      <a:solidFill>
+                        <a:schemeClr val="tx1"/>
+                      </a:solidFill>
+                      <a:prstDash val="solid"/>
+                      <a:miter lim="800000"/>
+                      <a:headEnd type="none" w="med" len="med"/>
+                      <a:tailEnd type="none" w="med" len="med"/>
+                    </a:lnT>
+                    <a:lnB w="12700" cap="flat" cmpd="sng" algn="ctr">
+                      <a:solidFill>
+                        <a:schemeClr val="tx1"/>
+                      </a:solidFill>
+                      <a:prstDash val="solid"/>
+                      <a:miter lim="800000"/>
+                      <a:headEnd type="none" w="med" len="med"/>
+                      <a:tailEnd type="none" w="med" len="med"/>
+                    </a:lnB>
+                    <a:lnTlToBr>
+                      <a:noFill/>
+                    </a:lnTlToBr>
+                    <a:lnBlToTr>
+                      <a:noFill/>
+                    </a:lnBlToTr>
+                    <a:noFill/>
+                  </a:tcPr>
+                </a:tc>
+                <a:tc>
+                  <a:txBody>
+                    <a:bodyPr/>
+                    <a:lstStyle/>
+                    <a:p>
+                      <a:pPr marL="0" marR="0" lvl="0" indent="0" algn="l" defTabSz="914400" rtl="0" eaLnBrk="1" fontAlgn="base" latinLnBrk="0" hangingPunct="1">
+                        <a:lnSpc>
+                          <a:spcPct val="100000"/>
+                        </a:lnSpc>
+                        <a:spcBef>
+                          <a:spcPct val="20000"/>
+                        </a:spcBef>
+                        <a:spcAft>
+                          <a:spcPct val="0"/>
+                        </a:spcAft>
+                        <a:buClrTx/>
+                        <a:buSzTx/>
+                        <a:buFont typeface="Wingdings 2" pitchFamily="18" charset="2"/>
+                        <a:buNone/>
+                        <a:tabLst/>
+                        <a:defRPr/>
+                      </a:pPr>
+                      <a:r>
+                        <a:rPr lang="en-US" sz="1500" kern="1200" dirty="0">
+                          <a:solidFill>
+                            <a:schemeClr val="tx1"/>
+                          </a:solidFill>
+                          <a:effectLst/>
+                          <a:latin typeface="+mn-lt"/>
+                          <a:ea typeface="+mn-ea"/>
+                          <a:cs typeface="+mn-cs"/>
+                        </a:rPr>
+                        <a:t>Constructs a new String object that represents the same sequence of characters as str </a:t>
+                      </a:r>
+                      <a:endParaRPr lang="en-US" sz="1500" dirty="0">
+                        <a:effectLst/>
+                      </a:endParaRPr>
+                    </a:p>
+                  </a:txBody>
+                  <a:tcPr marL="76200" marR="76200" marT="38096" marB="38096" horzOverflow="overflow">
+                    <a:lnL w="12700" cap="flat" cmpd="sng" algn="ctr">
+                      <a:solidFill>
+                        <a:schemeClr val="tx1"/>
+                      </a:solidFill>
+                      <a:prstDash val="solid"/>
+                      <a:miter lim="800000"/>
+                      <a:headEnd type="none" w="med" len="med"/>
+                      <a:tailEnd type="none" w="med" len="med"/>
+                    </a:lnL>
+                    <a:lnR w="28575" cap="flat" cmpd="sng" algn="ctr">
+                      <a:solidFill>
+                        <a:schemeClr val="tx1"/>
+                      </a:solidFill>
+                      <a:prstDash val="solid"/>
+                      <a:miter lim="800000"/>
+                      <a:headEnd type="none" w="med" len="med"/>
+                      <a:tailEnd type="none" w="med" len="med"/>
+                    </a:lnR>
+                    <a:lnT w="12700" cap="flat" cmpd="sng" algn="ctr">
+                      <a:solidFill>
+                        <a:schemeClr val="tx1"/>
+                      </a:solidFill>
+                      <a:prstDash val="solid"/>
+                      <a:miter lim="800000"/>
+                      <a:headEnd type="none" w="med" len="med"/>
+                      <a:tailEnd type="none" w="med" len="med"/>
+                    </a:lnT>
+                    <a:lnB w="12700" cap="flat" cmpd="sng" algn="ctr">
+                      <a:solidFill>
+                        <a:schemeClr val="tx1"/>
+                      </a:solidFill>
+                      <a:prstDash val="solid"/>
+                      <a:miter lim="800000"/>
+                      <a:headEnd type="none" w="med" len="med"/>
+                      <a:tailEnd type="none" w="med" len="med"/>
+                    </a:lnB>
+                    <a:lnTlToBr>
+                      <a:noFill/>
+                    </a:lnTlToBr>
+                    <a:lnBlToTr>
+                      <a:noFill/>
+                    </a:lnBlToTr>
+                    <a:noFill/>
+                  </a:tcPr>
+                </a:tc>
+                <a:extLst>
+                  <a:ext uri="{0D108BD9-81ED-4DB2-BD59-A6C34878D82A}">
+                    <a16:rowId xmlns:a16="http://schemas.microsoft.com/office/drawing/2014/main" val="10001"/>
+                  </a:ext>
+                </a:extLst>
+              </a:tr>
+              <a:tr h="304817">
+                <a:tc>
+                  <a:txBody>
+                    <a:bodyPr/>
+                    <a:lstStyle/>
+                    <a:p>
+                      <a:pPr marL="0" marR="0" lvl="0" indent="0" algn="l" defTabSz="914400" rtl="0" eaLnBrk="1" fontAlgn="base" latinLnBrk="0" hangingPunct="1">
+                        <a:lnSpc>
+                          <a:spcPct val="100000"/>
+                        </a:lnSpc>
+                        <a:spcBef>
+                          <a:spcPct val="20000"/>
+                        </a:spcBef>
+                        <a:spcAft>
+                          <a:spcPct val="0"/>
+                        </a:spcAft>
+                        <a:buClrTx/>
+                        <a:buSzTx/>
+                        <a:buFont typeface="Wingdings 2" pitchFamily="18" charset="2"/>
+                        <a:buNone/>
+                        <a:tabLst/>
+                      </a:pPr>
+                      <a:r>
+                        <a:rPr kumimoji="0" lang="en-US" sz="1500" b="0" i="0" u="none" strike="noStrike" cap="none" normalizeH="0" baseline="0" dirty="0">
+                          <a:ln>
+                            <a:noFill/>
+                          </a:ln>
+                          <a:solidFill>
+                            <a:schemeClr val="tx1"/>
+                          </a:solidFill>
+                          <a:effectLst/>
+                          <a:latin typeface="Courier New" pitchFamily="49" charset="0"/>
+                          <a:cs typeface="Times New Roman" pitchFamily="18" charset="0"/>
+                        </a:rPr>
+                        <a:t>int length()</a:t>
+                      </a:r>
+                    </a:p>
+                  </a:txBody>
+                  <a:tcPr marL="76200" marR="76200" marT="38096" marB="38096" horzOverflow="overflow">
+                    <a:lnL w="28575" cap="flat" cmpd="sng" algn="ctr">
+                      <a:solidFill>
+                        <a:schemeClr val="tx1"/>
+                      </a:solidFill>
+                      <a:prstDash val="solid"/>
+                      <a:miter lim="800000"/>
+                      <a:headEnd type="none" w="med" len="med"/>
+                      <a:tailEnd type="none" w="med" len="med"/>
+                    </a:lnL>
+                    <a:lnR w="12700" cap="flat" cmpd="sng" algn="ctr">
+                      <a:solidFill>
+                        <a:schemeClr val="tx1"/>
+                      </a:solidFill>
+                      <a:prstDash val="solid"/>
+                      <a:miter lim="800000"/>
+                      <a:headEnd type="none" w="med" len="med"/>
+                      <a:tailEnd type="none" w="med" len="med"/>
+                    </a:lnR>
+                    <a:lnT w="12700" cap="flat" cmpd="sng" algn="ctr">
+                      <a:solidFill>
+                        <a:schemeClr val="tx1"/>
+                      </a:solidFill>
+                      <a:prstDash val="solid"/>
+                      <a:miter lim="800000"/>
+                      <a:headEnd type="none" w="med" len="med"/>
+                      <a:tailEnd type="none" w="med" len="med"/>
+                    </a:lnT>
+                    <a:lnB w="12700" cap="flat" cmpd="sng" algn="ctr">
+                      <a:solidFill>
+                        <a:schemeClr val="tx1"/>
+                      </a:solidFill>
+                      <a:prstDash val="solid"/>
+                      <a:miter lim="800000"/>
+                      <a:headEnd type="none" w="med" len="med"/>
+                      <a:tailEnd type="none" w="med" len="med"/>
+                    </a:lnB>
+                    <a:lnTlToBr>
+                      <a:noFill/>
+                    </a:lnTlToBr>
+                    <a:lnBlToTr>
+                      <a:noFill/>
+                    </a:lnBlToTr>
+                    <a:noFill/>
+                  </a:tcPr>
+                </a:tc>
+                <a:tc>
+                  <a:txBody>
+                    <a:bodyPr/>
+                    <a:lstStyle/>
+                    <a:p>
+                      <a:pPr marL="0" marR="0" lvl="0" indent="0" algn="l" defTabSz="914400" rtl="0" eaLnBrk="1" fontAlgn="base" latinLnBrk="0" hangingPunct="1">
+                        <a:lnSpc>
+                          <a:spcPct val="100000"/>
+                        </a:lnSpc>
+                        <a:spcBef>
+                          <a:spcPct val="20000"/>
+                        </a:spcBef>
+                        <a:spcAft>
+                          <a:spcPct val="0"/>
+                        </a:spcAft>
+                        <a:buClrTx/>
+                        <a:buSzTx/>
+                        <a:buFont typeface="Wingdings 2" pitchFamily="18" charset="2"/>
+                        <a:buNone/>
+                        <a:tabLst/>
+                      </a:pPr>
+                      <a:r>
+                        <a:rPr kumimoji="0" lang="en-US" sz="1500" b="0" i="0" u="none" strike="noStrike" cap="none" normalizeH="0" baseline="0" dirty="0">
+                          <a:ln>
+                            <a:noFill/>
+                          </a:ln>
+                          <a:solidFill>
+                            <a:schemeClr val="tx1"/>
+                          </a:solidFill>
+                          <a:effectLst/>
+                          <a:latin typeface="Tahoma" pitchFamily="34" charset="0"/>
+                          <a:cs typeface="Times New Roman" pitchFamily="18" charset="0"/>
+                        </a:rPr>
+                        <a:t>Returns number of characters in this string</a:t>
+                      </a:r>
+                    </a:p>
+                  </a:txBody>
+                  <a:tcPr marL="76200" marR="76200" marT="38096" marB="38096" horzOverflow="overflow">
+                    <a:lnL w="12700" cap="flat" cmpd="sng" algn="ctr">
+                      <a:solidFill>
+                        <a:schemeClr val="tx1"/>
+                      </a:solidFill>
+                      <a:prstDash val="solid"/>
+                      <a:miter lim="800000"/>
+                      <a:headEnd type="none" w="med" len="med"/>
+                      <a:tailEnd type="none" w="med" len="med"/>
+                    </a:lnL>
+                    <a:lnR w="28575" cap="flat" cmpd="sng" algn="ctr">
+                      <a:solidFill>
+                        <a:schemeClr val="tx1"/>
+                      </a:solidFill>
+                      <a:prstDash val="solid"/>
+                      <a:miter lim="800000"/>
+                      <a:headEnd type="none" w="med" len="med"/>
+                      <a:tailEnd type="none" w="med" len="med"/>
+                    </a:lnR>
+                    <a:lnT w="12700" cap="flat" cmpd="sng" algn="ctr">
+                      <a:solidFill>
+                        <a:schemeClr val="tx1"/>
+                      </a:solidFill>
+                      <a:prstDash val="solid"/>
+                      <a:miter lim="800000"/>
+                      <a:headEnd type="none" w="med" len="med"/>
+                      <a:tailEnd type="none" w="med" len="med"/>
+                    </a:lnT>
+                    <a:lnB w="12700" cap="flat" cmpd="sng" algn="ctr">
+                      <a:solidFill>
+                        <a:schemeClr val="tx1"/>
+                      </a:solidFill>
+                      <a:prstDash val="solid"/>
+                      <a:miter lim="800000"/>
+                      <a:headEnd type="none" w="med" len="med"/>
+                      <a:tailEnd type="none" w="med" len="med"/>
+                    </a:lnB>
+                    <a:lnTlToBr>
+                      <a:noFill/>
+                    </a:lnTlToBr>
+                    <a:lnBlToTr>
+                      <a:noFill/>
+                    </a:lnBlToTr>
+                    <a:noFill/>
+                  </a:tcPr>
+                </a:tc>
+                <a:extLst>
+                  <a:ext uri="{0D108BD9-81ED-4DB2-BD59-A6C34878D82A}">
+                    <a16:rowId xmlns:a16="http://schemas.microsoft.com/office/drawing/2014/main" val="10002"/>
+                  </a:ext>
+                </a:extLst>
+              </a:tr>
+              <a:tr h="807791">
+                <a:tc>
+                  <a:txBody>
+                    <a:bodyPr/>
+                    <a:lstStyle/>
+                    <a:p>
+                      <a:pPr marL="0" marR="0" lvl="0" indent="0" algn="l" defTabSz="914400" rtl="0" eaLnBrk="1" fontAlgn="base" latinLnBrk="0" hangingPunct="1">
+                        <a:lnSpc>
+                          <a:spcPct val="100000"/>
+                        </a:lnSpc>
+                        <a:spcBef>
+                          <a:spcPct val="20000"/>
+                        </a:spcBef>
+                        <a:spcAft>
+                          <a:spcPct val="0"/>
+                        </a:spcAft>
+                        <a:buClrTx/>
+                        <a:buSzTx/>
+                        <a:buFont typeface="Wingdings 2" pitchFamily="18" charset="2"/>
+                        <a:buNone/>
+                        <a:tabLst/>
+                      </a:pPr>
+                      <a:r>
+                        <a:rPr kumimoji="0" lang="en-US" sz="1500" b="0" i="0" u="none" strike="noStrike" cap="none" normalizeH="0" baseline="0" dirty="0">
+                          <a:ln>
+                            <a:noFill/>
+                          </a:ln>
+                          <a:solidFill>
+                            <a:schemeClr val="tx1"/>
+                          </a:solidFill>
+                          <a:effectLst/>
+                          <a:latin typeface="Courier New" pitchFamily="49" charset="0"/>
+                          <a:cs typeface="Times New Roman" pitchFamily="18" charset="0"/>
+                        </a:rPr>
+                        <a:t>substring(</a:t>
+                      </a:r>
+                      <a:r>
+                        <a:rPr kumimoji="0" lang="en-US" sz="1500" b="1" i="0" u="none" strike="noStrike" cap="none" normalizeH="0" baseline="0" dirty="0">
+                          <a:ln>
+                            <a:noFill/>
+                          </a:ln>
+                          <a:solidFill>
+                            <a:schemeClr val="tx1"/>
+                          </a:solidFill>
+                          <a:effectLst/>
+                          <a:latin typeface="Tahoma" pitchFamily="34" charset="0"/>
+                          <a:cs typeface="Times New Roman" pitchFamily="18" charset="0"/>
+                        </a:rPr>
+                        <a:t>index1</a:t>
+                      </a:r>
+                      <a:r>
+                        <a:rPr kumimoji="0" lang="en-US" sz="1500" b="0" i="0" u="none" strike="noStrike" cap="none" normalizeH="0" baseline="0" dirty="0">
+                          <a:ln>
+                            <a:noFill/>
+                          </a:ln>
+                          <a:solidFill>
+                            <a:schemeClr val="tx1"/>
+                          </a:solidFill>
+                          <a:effectLst/>
+                          <a:latin typeface="Courier New" pitchFamily="49" charset="0"/>
+                          <a:cs typeface="Times New Roman" pitchFamily="18" charset="0"/>
+                        </a:rPr>
+                        <a:t>, </a:t>
+                      </a:r>
+                      <a:r>
+                        <a:rPr kumimoji="0" lang="en-US" sz="1500" b="1" i="0" u="none" strike="noStrike" cap="none" normalizeH="0" baseline="0" dirty="0">
+                          <a:ln>
+                            <a:noFill/>
+                          </a:ln>
+                          <a:solidFill>
+                            <a:schemeClr val="tx1"/>
+                          </a:solidFill>
+                          <a:effectLst/>
+                          <a:latin typeface="Tahoma" pitchFamily="34" charset="0"/>
+                          <a:cs typeface="Times New Roman" pitchFamily="18" charset="0"/>
+                        </a:rPr>
+                        <a:t>index2</a:t>
+                      </a:r>
+                      <a:r>
+                        <a:rPr kumimoji="0" lang="en-US" sz="1500" b="0" i="0" u="none" strike="noStrike" cap="none" normalizeH="0" baseline="0" dirty="0">
+                          <a:ln>
+                            <a:noFill/>
+                          </a:ln>
+                          <a:solidFill>
+                            <a:schemeClr val="tx1"/>
+                          </a:solidFill>
+                          <a:effectLst/>
+                          <a:latin typeface="Courier New" pitchFamily="49" charset="0"/>
+                          <a:cs typeface="Times New Roman" pitchFamily="18" charset="0"/>
+                        </a:rPr>
+                        <a:t>)</a:t>
+                      </a:r>
+                    </a:p>
+                    <a:p>
+                      <a:pPr marL="0" marR="0" lvl="0" indent="0" algn="l" defTabSz="914400" rtl="0" eaLnBrk="1" fontAlgn="base" latinLnBrk="0" hangingPunct="1">
+                        <a:lnSpc>
+                          <a:spcPct val="70000"/>
+                        </a:lnSpc>
+                        <a:spcBef>
+                          <a:spcPct val="20000"/>
+                        </a:spcBef>
+                        <a:spcAft>
+                          <a:spcPct val="0"/>
+                        </a:spcAft>
+                        <a:buClrTx/>
+                        <a:buSzTx/>
+                        <a:buFont typeface="Wingdings 2" pitchFamily="18" charset="2"/>
+                        <a:buNone/>
+                        <a:tabLst/>
+                      </a:pPr>
+                      <a:r>
+                        <a:rPr kumimoji="0" lang="en-US" sz="1500" b="0" i="0" u="none" strike="noStrike" cap="none" normalizeH="0" baseline="0" dirty="0">
+                          <a:ln>
+                            <a:noFill/>
+                          </a:ln>
+                          <a:solidFill>
+                            <a:schemeClr val="tx1"/>
+                          </a:solidFill>
+                          <a:effectLst/>
+                          <a:latin typeface="Tahoma" pitchFamily="34" charset="0"/>
+                          <a:cs typeface="Times New Roman" pitchFamily="18" charset="0"/>
+                        </a:rPr>
+                        <a:t>or</a:t>
+                      </a:r>
+                    </a:p>
+                    <a:p>
+                      <a:pPr marL="0" marR="0" lvl="0" indent="0" algn="l" defTabSz="914400" rtl="0" eaLnBrk="1" fontAlgn="base" latinLnBrk="0" hangingPunct="1">
+                        <a:lnSpc>
+                          <a:spcPct val="70000"/>
+                        </a:lnSpc>
+                        <a:spcBef>
+                          <a:spcPct val="20000"/>
+                        </a:spcBef>
+                        <a:spcAft>
+                          <a:spcPct val="0"/>
+                        </a:spcAft>
+                        <a:buClrTx/>
+                        <a:buSzTx/>
+                        <a:buFont typeface="Wingdings 2" pitchFamily="18" charset="2"/>
+                        <a:buNone/>
+                        <a:tabLst/>
+                      </a:pPr>
+                      <a:r>
+                        <a:rPr kumimoji="0" lang="en-US" sz="1500" b="0" i="0" u="none" strike="noStrike" cap="none" normalizeH="0" baseline="0" dirty="0">
+                          <a:ln>
+                            <a:noFill/>
+                          </a:ln>
+                          <a:solidFill>
+                            <a:schemeClr val="tx1"/>
+                          </a:solidFill>
+                          <a:effectLst/>
+                          <a:latin typeface="Courier New" pitchFamily="49" charset="0"/>
+                          <a:cs typeface="Times New Roman" pitchFamily="18" charset="0"/>
+                        </a:rPr>
+                        <a:t>substring(</a:t>
+                      </a:r>
+                      <a:r>
+                        <a:rPr kumimoji="0" lang="en-US" sz="1500" b="1" i="0" u="none" strike="noStrike" cap="none" normalizeH="0" baseline="0" dirty="0">
+                          <a:ln>
+                            <a:noFill/>
+                          </a:ln>
+                          <a:solidFill>
+                            <a:schemeClr val="tx1"/>
+                          </a:solidFill>
+                          <a:effectLst/>
+                          <a:latin typeface="Tahoma" pitchFamily="34" charset="0"/>
+                          <a:cs typeface="Times New Roman" pitchFamily="18" charset="0"/>
+                        </a:rPr>
+                        <a:t>index1</a:t>
+                      </a:r>
+                      <a:r>
+                        <a:rPr kumimoji="0" lang="en-US" sz="1500" b="0" i="0" u="none" strike="noStrike" cap="none" normalizeH="0" baseline="0" dirty="0">
+                          <a:ln>
+                            <a:noFill/>
+                          </a:ln>
+                          <a:solidFill>
+                            <a:schemeClr val="tx1"/>
+                          </a:solidFill>
+                          <a:effectLst/>
+                          <a:latin typeface="Courier New" pitchFamily="49" charset="0"/>
+                          <a:cs typeface="Times New Roman" pitchFamily="18" charset="0"/>
+                        </a:rPr>
+                        <a:t>)</a:t>
+                      </a:r>
+                    </a:p>
+                  </a:txBody>
+                  <a:tcPr marL="76200" marR="76200" marT="38096" marB="38096" horzOverflow="overflow">
+                    <a:lnL w="28575" cap="flat" cmpd="sng" algn="ctr">
+                      <a:solidFill>
+                        <a:schemeClr val="tx1"/>
+                      </a:solidFill>
+                      <a:prstDash val="solid"/>
+                      <a:miter lim="800000"/>
+                      <a:headEnd type="none" w="med" len="med"/>
+                      <a:tailEnd type="none" w="med" len="med"/>
+                    </a:lnL>
+                    <a:lnR w="12700" cap="flat" cmpd="sng" algn="ctr">
+                      <a:solidFill>
+                        <a:schemeClr val="tx1"/>
+                      </a:solidFill>
+                      <a:prstDash val="solid"/>
+                      <a:miter lim="800000"/>
+                      <a:headEnd type="none" w="med" len="med"/>
+                      <a:tailEnd type="none" w="med" len="med"/>
+                    </a:lnR>
+                    <a:lnT w="12700" cap="flat" cmpd="sng" algn="ctr">
+                      <a:solidFill>
+                        <a:schemeClr val="tx1"/>
+                      </a:solidFill>
+                      <a:prstDash val="solid"/>
+                      <a:miter lim="800000"/>
+                      <a:headEnd type="none" w="med" len="med"/>
+                      <a:tailEnd type="none" w="med" len="med"/>
+                    </a:lnT>
+                    <a:lnB w="12700" cap="flat" cmpd="sng" algn="ctr">
+                      <a:solidFill>
+                        <a:schemeClr val="tx1"/>
+                      </a:solidFill>
+                      <a:prstDash val="solid"/>
+                      <a:miter lim="800000"/>
+                      <a:headEnd type="none" w="med" len="med"/>
+                      <a:tailEnd type="none" w="med" len="med"/>
+                    </a:lnB>
+                    <a:lnTlToBr>
+                      <a:noFill/>
+                    </a:lnTlToBr>
+                    <a:lnBlToTr>
+                      <a:noFill/>
+                    </a:lnBlToTr>
+                    <a:noFill/>
+                  </a:tcPr>
+                </a:tc>
+                <a:tc>
+                  <a:txBody>
+                    <a:bodyPr/>
+                    <a:lstStyle/>
+                    <a:p>
+                      <a:pPr marL="0" marR="0" lvl="0" indent="0" algn="l" defTabSz="914400" rtl="0" eaLnBrk="1" fontAlgn="base" latinLnBrk="0" hangingPunct="1">
+                        <a:lnSpc>
+                          <a:spcPct val="100000"/>
+                        </a:lnSpc>
+                        <a:spcBef>
+                          <a:spcPct val="20000"/>
+                        </a:spcBef>
+                        <a:spcAft>
+                          <a:spcPct val="0"/>
+                        </a:spcAft>
+                        <a:buClrTx/>
+                        <a:buSzTx/>
+                        <a:buFont typeface="Wingdings 2" pitchFamily="18" charset="2"/>
+                        <a:buNone/>
+                        <a:tabLst/>
+                      </a:pPr>
+                      <a:r>
+                        <a:rPr kumimoji="0" lang="en-US" sz="1500" b="0" i="0" u="none" strike="noStrike" cap="none" normalizeH="0" baseline="0" dirty="0">
+                          <a:ln>
+                            <a:noFill/>
+                          </a:ln>
+                          <a:solidFill>
+                            <a:schemeClr val="tx1"/>
+                          </a:solidFill>
+                          <a:effectLst/>
+                          <a:latin typeface="Tahoma" pitchFamily="34" charset="0"/>
+                          <a:cs typeface="Times New Roman" pitchFamily="18" charset="0"/>
+                        </a:rPr>
+                        <a:t>Returns the characters in this string from </a:t>
+                      </a:r>
+                      <a:r>
+                        <a:rPr kumimoji="0" lang="en-US" sz="1500" b="0" i="1" u="none" strike="noStrike" cap="none" normalizeH="0" baseline="0" dirty="0">
+                          <a:ln>
+                            <a:noFill/>
+                          </a:ln>
+                          <a:solidFill>
+                            <a:schemeClr val="tx1"/>
+                          </a:solidFill>
+                          <a:effectLst/>
+                          <a:latin typeface="Tahoma" pitchFamily="34" charset="0"/>
+                          <a:cs typeface="Times New Roman" pitchFamily="18" charset="0"/>
+                        </a:rPr>
+                        <a:t>index1</a:t>
+                      </a:r>
+                      <a:r>
+                        <a:rPr kumimoji="0" lang="en-US" sz="1500" b="0" i="0" u="none" strike="noStrike" cap="none" normalizeH="0" baseline="0" dirty="0">
+                          <a:ln>
+                            <a:noFill/>
+                          </a:ln>
+                          <a:solidFill>
+                            <a:schemeClr val="tx1"/>
+                          </a:solidFill>
+                          <a:effectLst/>
+                          <a:latin typeface="Tahoma" pitchFamily="34" charset="0"/>
+                          <a:cs typeface="Times New Roman" pitchFamily="18" charset="0"/>
+                        </a:rPr>
+                        <a:t> (inclusive) to </a:t>
+                      </a:r>
+                      <a:r>
+                        <a:rPr kumimoji="0" lang="en-US" sz="1500" b="0" i="1" u="none" strike="noStrike" cap="none" normalizeH="0" baseline="0" dirty="0">
+                          <a:ln>
+                            <a:noFill/>
+                          </a:ln>
+                          <a:solidFill>
+                            <a:schemeClr val="tx1"/>
+                          </a:solidFill>
+                          <a:effectLst/>
+                          <a:latin typeface="Tahoma" pitchFamily="34" charset="0"/>
+                          <a:cs typeface="Times New Roman" pitchFamily="18" charset="0"/>
+                        </a:rPr>
+                        <a:t>index2</a:t>
+                      </a:r>
+                      <a:r>
+                        <a:rPr kumimoji="0" lang="en-US" sz="1500" b="0" i="0" u="none" strike="noStrike" cap="none" normalizeH="0" baseline="0" dirty="0">
+                          <a:ln>
+                            <a:noFill/>
+                          </a:ln>
+                          <a:solidFill>
+                            <a:schemeClr val="tx1"/>
+                          </a:solidFill>
+                          <a:effectLst/>
+                          <a:latin typeface="Tahoma" pitchFamily="34" charset="0"/>
+                          <a:cs typeface="Times New Roman" pitchFamily="18" charset="0"/>
+                        </a:rPr>
+                        <a:t> (</a:t>
+                      </a:r>
+                      <a:r>
+                        <a:rPr kumimoji="0" lang="en-US" sz="1500" b="0" i="0" u="sng" strike="noStrike" cap="none" normalizeH="0" baseline="0" dirty="0">
+                          <a:ln>
+                            <a:noFill/>
+                          </a:ln>
+                          <a:solidFill>
+                            <a:schemeClr val="tx1"/>
+                          </a:solidFill>
+                          <a:effectLst/>
+                          <a:latin typeface="Tahoma" pitchFamily="34" charset="0"/>
+                          <a:cs typeface="Times New Roman" pitchFamily="18" charset="0"/>
+                        </a:rPr>
+                        <a:t>exclusive</a:t>
+                      </a:r>
+                      <a:r>
+                        <a:rPr kumimoji="0" lang="en-US" sz="1500" b="0" i="0" u="none" strike="noStrike" cap="none" normalizeH="0" baseline="0" dirty="0">
+                          <a:ln>
+                            <a:noFill/>
+                          </a:ln>
+                          <a:solidFill>
+                            <a:schemeClr val="tx1"/>
+                          </a:solidFill>
+                          <a:effectLst/>
+                          <a:latin typeface="Tahoma" pitchFamily="34" charset="0"/>
+                          <a:cs typeface="Times New Roman" pitchFamily="18" charset="0"/>
+                        </a:rPr>
+                        <a:t>);</a:t>
+                      </a:r>
+                    </a:p>
+                    <a:p>
+                      <a:pPr marL="0" marR="0" lvl="0" indent="0" algn="l" defTabSz="914400" rtl="0" eaLnBrk="1" fontAlgn="base" latinLnBrk="0" hangingPunct="1">
+                        <a:lnSpc>
+                          <a:spcPct val="100000"/>
+                        </a:lnSpc>
+                        <a:spcBef>
+                          <a:spcPct val="20000"/>
+                        </a:spcBef>
+                        <a:spcAft>
+                          <a:spcPct val="0"/>
+                        </a:spcAft>
+                        <a:buClrTx/>
+                        <a:buSzTx/>
+                        <a:buFont typeface="Wingdings 2" pitchFamily="18" charset="2"/>
+                        <a:buNone/>
+                        <a:tabLst/>
+                      </a:pPr>
+                      <a:r>
+                        <a:rPr kumimoji="0" lang="en-US" sz="1500" b="0" i="0" u="none" strike="noStrike" cap="none" normalizeH="0" baseline="0" dirty="0">
+                          <a:ln>
+                            <a:noFill/>
+                          </a:ln>
+                          <a:solidFill>
+                            <a:schemeClr val="tx1"/>
+                          </a:solidFill>
+                          <a:effectLst/>
+                          <a:latin typeface="Tahoma" pitchFamily="34" charset="0"/>
+                          <a:cs typeface="Times New Roman" pitchFamily="18" charset="0"/>
+                        </a:rPr>
+                        <a:t>if </a:t>
+                      </a:r>
+                      <a:r>
+                        <a:rPr kumimoji="0" lang="en-US" sz="1500" b="0" i="1" u="none" strike="noStrike" cap="none" normalizeH="0" baseline="0" dirty="0">
+                          <a:ln>
+                            <a:noFill/>
+                          </a:ln>
+                          <a:solidFill>
+                            <a:schemeClr val="tx1"/>
+                          </a:solidFill>
+                          <a:effectLst/>
+                          <a:latin typeface="Tahoma" pitchFamily="34" charset="0"/>
+                          <a:cs typeface="Times New Roman" pitchFamily="18" charset="0"/>
+                        </a:rPr>
+                        <a:t>index2</a:t>
+                      </a:r>
+                      <a:r>
+                        <a:rPr kumimoji="0" lang="en-US" sz="1500" b="0" i="0" u="none" strike="noStrike" cap="none" normalizeH="0" baseline="0" dirty="0">
+                          <a:ln>
+                            <a:noFill/>
+                          </a:ln>
+                          <a:solidFill>
+                            <a:schemeClr val="tx1"/>
+                          </a:solidFill>
+                          <a:effectLst/>
+                          <a:latin typeface="Tahoma" pitchFamily="34" charset="0"/>
+                          <a:cs typeface="Times New Roman" pitchFamily="18" charset="0"/>
+                        </a:rPr>
+                        <a:t> is omitted, grabs till end of string</a:t>
+                      </a:r>
+                    </a:p>
+                  </a:txBody>
+                  <a:tcPr marL="76200" marR="76200" marT="38096" marB="38096" horzOverflow="overflow">
+                    <a:lnL w="12700" cap="flat" cmpd="sng" algn="ctr">
+                      <a:solidFill>
+                        <a:schemeClr val="tx1"/>
+                      </a:solidFill>
+                      <a:prstDash val="solid"/>
+                      <a:miter lim="800000"/>
+                      <a:headEnd type="none" w="med" len="med"/>
+                      <a:tailEnd type="none" w="med" len="med"/>
+                    </a:lnL>
+                    <a:lnR w="28575" cap="flat" cmpd="sng" algn="ctr">
+                      <a:solidFill>
+                        <a:schemeClr val="tx1"/>
+                      </a:solidFill>
+                      <a:prstDash val="solid"/>
+                      <a:miter lim="800000"/>
+                      <a:headEnd type="none" w="med" len="med"/>
+                      <a:tailEnd type="none" w="med" len="med"/>
+                    </a:lnR>
+                    <a:lnT w="12700" cap="flat" cmpd="sng" algn="ctr">
+                      <a:solidFill>
+                        <a:schemeClr val="tx1"/>
+                      </a:solidFill>
+                      <a:prstDash val="solid"/>
+                      <a:miter lim="800000"/>
+                      <a:headEnd type="none" w="med" len="med"/>
+                      <a:tailEnd type="none" w="med" len="med"/>
+                    </a:lnT>
+                    <a:lnB w="12700" cap="flat" cmpd="sng" algn="ctr">
+                      <a:solidFill>
+                        <a:schemeClr val="tx1"/>
+                      </a:solidFill>
+                      <a:prstDash val="solid"/>
+                      <a:miter lim="800000"/>
+                      <a:headEnd type="none" w="med" len="med"/>
+                      <a:tailEnd type="none" w="med" len="med"/>
+                    </a:lnB>
+                    <a:lnTlToBr>
+                      <a:noFill/>
+                    </a:lnTlToBr>
+                    <a:lnBlToTr>
+                      <a:noFill/>
+                    </a:lnBlToTr>
+                    <a:noFill/>
+                  </a:tcPr>
+                </a:tc>
+                <a:extLst>
+                  <a:ext uri="{0D108BD9-81ED-4DB2-BD59-A6C34878D82A}">
+                    <a16:rowId xmlns:a16="http://schemas.microsoft.com/office/drawing/2014/main" val="10003"/>
+                  </a:ext>
+                </a:extLst>
+              </a:tr>
+              <a:tr h="533441">
+                <a:tc>
+                  <a:txBody>
+                    <a:bodyPr/>
+                    <a:lstStyle/>
+                    <a:p>
+                      <a:r>
+                        <a:rPr lang="en-US" sz="1500" kern="1200" dirty="0" err="1">
+                          <a:solidFill>
+                            <a:schemeClr val="tx1"/>
+                          </a:solidFill>
+                          <a:effectLst/>
+                          <a:latin typeface="Courier New" panose="02070309020205020404" pitchFamily="49" charset="0"/>
+                          <a:ea typeface="+mn-ea"/>
+                          <a:cs typeface="Courier New" panose="02070309020205020404" pitchFamily="49" charset="0"/>
+                        </a:rPr>
+                        <a:t>boolean</a:t>
+                      </a:r>
+                      <a:r>
+                        <a:rPr lang="en-US" sz="1500" kern="1200" dirty="0">
+                          <a:solidFill>
+                            <a:schemeClr val="tx1"/>
+                          </a:solidFill>
+                          <a:effectLst/>
+                          <a:latin typeface="Courier New" panose="02070309020205020404" pitchFamily="49" charset="0"/>
+                          <a:ea typeface="+mn-ea"/>
+                          <a:cs typeface="Courier New" panose="02070309020205020404" pitchFamily="49" charset="0"/>
+                        </a:rPr>
+                        <a:t> equals(String other)</a:t>
+                      </a:r>
+                      <a:endParaRPr lang="en-US" sz="1500" dirty="0">
+                        <a:effectLst/>
+                        <a:latin typeface="Courier New" panose="02070309020205020404" pitchFamily="49" charset="0"/>
+                        <a:cs typeface="Courier New" panose="02070309020205020404" pitchFamily="49" charset="0"/>
+                      </a:endParaRPr>
+                    </a:p>
+                  </a:txBody>
+                  <a:tcPr marL="76200" marR="76200" marT="38096" marB="38096" horzOverflow="overflow">
+                    <a:lnL w="28575" cap="flat" cmpd="sng" algn="ctr">
+                      <a:solidFill>
+                        <a:schemeClr val="tx1"/>
+                      </a:solidFill>
+                      <a:prstDash val="solid"/>
+                      <a:miter lim="800000"/>
+                      <a:headEnd type="none" w="med" len="med"/>
+                      <a:tailEnd type="none" w="med" len="med"/>
+                    </a:lnL>
+                    <a:lnR w="12700" cap="flat" cmpd="sng" algn="ctr">
+                      <a:solidFill>
+                        <a:schemeClr val="tx1"/>
+                      </a:solidFill>
+                      <a:prstDash val="solid"/>
+                      <a:miter lim="800000"/>
+                      <a:headEnd type="none" w="med" len="med"/>
+                      <a:tailEnd type="none" w="med" len="med"/>
+                    </a:lnR>
+                    <a:lnT w="12700" cap="flat" cmpd="sng" algn="ctr">
+                      <a:solidFill>
+                        <a:schemeClr val="tx1"/>
+                      </a:solidFill>
+                      <a:prstDash val="solid"/>
+                      <a:miter lim="800000"/>
+                      <a:headEnd type="none" w="med" len="med"/>
+                      <a:tailEnd type="none" w="med" len="med"/>
+                    </a:lnT>
+                    <a:lnB w="12700" cap="flat" cmpd="sng" algn="ctr">
+                      <a:solidFill>
+                        <a:schemeClr val="tx1"/>
+                      </a:solidFill>
+                      <a:prstDash val="solid"/>
+                      <a:miter lim="800000"/>
+                      <a:headEnd type="none" w="med" len="med"/>
+                      <a:tailEnd type="none" w="med" len="med"/>
+                    </a:lnB>
+                    <a:lnTlToBr>
+                      <a:noFill/>
+                    </a:lnTlToBr>
+                    <a:lnBlToTr>
+                      <a:noFill/>
+                    </a:lnBlToTr>
+                    <a:noFill/>
+                  </a:tcPr>
+                </a:tc>
+                <a:tc>
+                  <a:txBody>
+                    <a:bodyPr/>
+                    <a:lstStyle/>
+                    <a:p>
+                      <a:pPr marL="0" marR="0" lvl="0" indent="0" algn="l" defTabSz="914400" rtl="0" eaLnBrk="1" fontAlgn="base" latinLnBrk="0" hangingPunct="1">
+                        <a:lnSpc>
+                          <a:spcPct val="100000"/>
+                        </a:lnSpc>
+                        <a:spcBef>
+                          <a:spcPct val="20000"/>
+                        </a:spcBef>
+                        <a:spcAft>
+                          <a:spcPct val="0"/>
+                        </a:spcAft>
+                        <a:buClrTx/>
+                        <a:buSzTx/>
+                        <a:buFont typeface="Wingdings 2" pitchFamily="18" charset="2"/>
+                        <a:buNone/>
+                        <a:tabLst/>
+                      </a:pPr>
+                      <a:r>
+                        <a:rPr lang="en-US" sz="1500" kern="1200" dirty="0">
+                          <a:solidFill>
+                            <a:schemeClr val="tx1"/>
+                          </a:solidFill>
+                          <a:effectLst/>
+                          <a:latin typeface="+mn-lt"/>
+                          <a:ea typeface="+mn-ea"/>
+                          <a:cs typeface="+mn-cs"/>
+                        </a:rPr>
+                        <a:t>Returns true if this is equal to other; returns false otherwise</a:t>
+                      </a:r>
+                      <a:endParaRPr kumimoji="0" lang="en-US" sz="1500" b="0" i="0" u="none" strike="noStrike" cap="none" normalizeH="0" baseline="0" dirty="0">
+                        <a:ln>
+                          <a:noFill/>
+                        </a:ln>
+                        <a:solidFill>
+                          <a:schemeClr val="tx1"/>
+                        </a:solidFill>
+                        <a:effectLst/>
+                        <a:latin typeface="Tahoma" pitchFamily="34" charset="0"/>
+                        <a:cs typeface="Times New Roman" pitchFamily="18" charset="0"/>
+                      </a:endParaRPr>
+                    </a:p>
+                  </a:txBody>
+                  <a:tcPr marL="76200" marR="76200" marT="38096" marB="38096" horzOverflow="overflow">
+                    <a:lnL w="12700" cap="flat" cmpd="sng" algn="ctr">
+                      <a:solidFill>
+                        <a:schemeClr val="tx1"/>
+                      </a:solidFill>
+                      <a:prstDash val="solid"/>
+                      <a:miter lim="800000"/>
+                      <a:headEnd type="none" w="med" len="med"/>
+                      <a:tailEnd type="none" w="med" len="med"/>
+                    </a:lnL>
+                    <a:lnR w="28575" cap="flat" cmpd="sng" algn="ctr">
+                      <a:solidFill>
+                        <a:schemeClr val="tx1"/>
+                      </a:solidFill>
+                      <a:prstDash val="solid"/>
+                      <a:miter lim="800000"/>
+                      <a:headEnd type="none" w="med" len="med"/>
+                      <a:tailEnd type="none" w="med" len="med"/>
+                    </a:lnR>
+                    <a:lnT w="12700" cap="flat" cmpd="sng" algn="ctr">
+                      <a:solidFill>
+                        <a:schemeClr val="tx1"/>
+                      </a:solidFill>
+                      <a:prstDash val="solid"/>
+                      <a:miter lim="800000"/>
+                      <a:headEnd type="none" w="med" len="med"/>
+                      <a:tailEnd type="none" w="med" len="med"/>
+                    </a:lnT>
+                    <a:lnB w="12700" cap="flat" cmpd="sng" algn="ctr">
+                      <a:solidFill>
+                        <a:schemeClr val="tx1"/>
+                      </a:solidFill>
+                      <a:prstDash val="solid"/>
+                      <a:miter lim="800000"/>
+                      <a:headEnd type="none" w="med" len="med"/>
+                      <a:tailEnd type="none" w="med" len="med"/>
+                    </a:lnB>
+                    <a:lnTlToBr>
+                      <a:noFill/>
+                    </a:lnTlToBr>
+                    <a:lnBlToTr>
+                      <a:noFill/>
+                    </a:lnBlToTr>
+                    <a:noFill/>
+                  </a:tcPr>
+                </a:tc>
+                <a:extLst>
+                  <a:ext uri="{0D108BD9-81ED-4DB2-BD59-A6C34878D82A}">
+                    <a16:rowId xmlns:a16="http://schemas.microsoft.com/office/drawing/2014/main" val="10004"/>
+                  </a:ext>
+                </a:extLst>
+              </a:tr>
+              <a:tr h="762066">
+                <a:tc>
+                  <a:txBody>
+                    <a:bodyPr/>
+                    <a:lstStyle/>
+                    <a:p>
+                      <a:r>
+                        <a:rPr lang="en-US" sz="1500" kern="1200" dirty="0">
+                          <a:solidFill>
+                            <a:schemeClr val="tx1"/>
+                          </a:solidFill>
+                          <a:effectLst/>
+                          <a:latin typeface="Courier New" panose="02070309020205020404" pitchFamily="49" charset="0"/>
+                          <a:ea typeface="+mn-ea"/>
+                          <a:cs typeface="Courier New" panose="02070309020205020404" pitchFamily="49" charset="0"/>
+                        </a:rPr>
+                        <a:t>int </a:t>
+                      </a:r>
+                      <a:r>
+                        <a:rPr lang="en-US" sz="1500" kern="1200" dirty="0" err="1">
+                          <a:solidFill>
+                            <a:schemeClr val="tx1"/>
+                          </a:solidFill>
+                          <a:effectLst/>
+                          <a:latin typeface="Courier New" panose="02070309020205020404" pitchFamily="49" charset="0"/>
+                          <a:ea typeface="+mn-ea"/>
+                          <a:cs typeface="Courier New" panose="02070309020205020404" pitchFamily="49" charset="0"/>
+                        </a:rPr>
+                        <a:t>compareTo</a:t>
+                      </a:r>
+                      <a:r>
+                        <a:rPr lang="en-US" sz="1500" kern="1200" dirty="0">
+                          <a:solidFill>
+                            <a:schemeClr val="tx1"/>
+                          </a:solidFill>
+                          <a:effectLst/>
+                          <a:latin typeface="Courier New" panose="02070309020205020404" pitchFamily="49" charset="0"/>
+                          <a:ea typeface="+mn-ea"/>
+                          <a:cs typeface="Courier New" panose="02070309020205020404" pitchFamily="49" charset="0"/>
+                        </a:rPr>
+                        <a:t>(String other) </a:t>
+                      </a:r>
+                      <a:endParaRPr lang="en-US" sz="1500" dirty="0">
+                        <a:effectLst/>
+                        <a:latin typeface="Courier New" panose="02070309020205020404" pitchFamily="49" charset="0"/>
+                        <a:cs typeface="Courier New" panose="02070309020205020404" pitchFamily="49" charset="0"/>
+                      </a:endParaRPr>
+                    </a:p>
+                  </a:txBody>
+                  <a:tcPr marL="76200" marR="76200" marT="38096" marB="38096" horzOverflow="overflow">
+                    <a:lnL w="28575" cap="flat" cmpd="sng" algn="ctr">
+                      <a:solidFill>
+                        <a:schemeClr val="tx1"/>
+                      </a:solidFill>
+                      <a:prstDash val="solid"/>
+                      <a:miter lim="800000"/>
+                      <a:headEnd type="none" w="med" len="med"/>
+                      <a:tailEnd type="none" w="med" len="med"/>
+                    </a:lnL>
+                    <a:lnR w="12700" cap="flat" cmpd="sng" algn="ctr">
+                      <a:solidFill>
+                        <a:schemeClr val="tx1"/>
+                      </a:solidFill>
+                      <a:prstDash val="solid"/>
+                      <a:miter lim="800000"/>
+                      <a:headEnd type="none" w="med" len="med"/>
+                      <a:tailEnd type="none" w="med" len="med"/>
+                    </a:lnR>
+                    <a:lnT w="12700" cap="flat" cmpd="sng" algn="ctr">
+                      <a:solidFill>
+                        <a:schemeClr val="tx1"/>
+                      </a:solidFill>
+                      <a:prstDash val="solid"/>
+                      <a:miter lim="800000"/>
+                      <a:headEnd type="none" w="med" len="med"/>
+                      <a:tailEnd type="none" w="med" len="med"/>
+                    </a:lnT>
+                    <a:lnB w="12700" cap="flat" cmpd="sng" algn="ctr">
+                      <a:solidFill>
+                        <a:schemeClr val="tx1"/>
+                      </a:solidFill>
+                      <a:prstDash val="solid"/>
+                      <a:miter lim="800000"/>
+                      <a:headEnd type="none" w="med" len="med"/>
+                      <a:tailEnd type="none" w="med" len="med"/>
+                    </a:lnB>
+                    <a:lnTlToBr>
+                      <a:noFill/>
+                    </a:lnTlToBr>
+                    <a:lnBlToTr>
+                      <a:noFill/>
+                    </a:lnBlToTr>
+                    <a:noFill/>
+                  </a:tcPr>
+                </a:tc>
+                <a:tc>
+                  <a:txBody>
+                    <a:bodyPr/>
+                    <a:lstStyle/>
+                    <a:p>
+                      <a:r>
+                        <a:rPr lang="en-US" sz="1500" kern="1200" dirty="0">
+                          <a:solidFill>
+                            <a:schemeClr val="tx1"/>
+                          </a:solidFill>
+                          <a:effectLst/>
+                          <a:latin typeface="+mn-lt"/>
+                          <a:ea typeface="+mn-ea"/>
+                          <a:cs typeface="+mn-cs"/>
+                        </a:rPr>
+                        <a:t>Returns a value &lt; 0 if this is less than other; returns zero if this is equal to other; returns a value &gt; 0 if this is greater than other </a:t>
+                      </a:r>
+                      <a:endParaRPr lang="en-US" sz="1500" dirty="0">
+                        <a:effectLst/>
+                      </a:endParaRPr>
+                    </a:p>
+                  </a:txBody>
+                  <a:tcPr marL="76200" marR="76200" marT="38096" marB="38096" horzOverflow="overflow">
+                    <a:lnL w="12700" cap="flat" cmpd="sng" algn="ctr">
+                      <a:solidFill>
+                        <a:schemeClr val="tx1"/>
+                      </a:solidFill>
+                      <a:prstDash val="solid"/>
+                      <a:miter lim="800000"/>
+                      <a:headEnd type="none" w="med" len="med"/>
+                      <a:tailEnd type="none" w="med" len="med"/>
+                    </a:lnL>
+                    <a:lnR w="28575" cap="flat" cmpd="sng" algn="ctr">
+                      <a:solidFill>
+                        <a:schemeClr val="tx1"/>
+                      </a:solidFill>
+                      <a:prstDash val="solid"/>
+                      <a:miter lim="800000"/>
+                      <a:headEnd type="none" w="med" len="med"/>
+                      <a:tailEnd type="none" w="med" len="med"/>
+                    </a:lnR>
+                    <a:lnT w="12700" cap="flat" cmpd="sng" algn="ctr">
+                      <a:solidFill>
+                        <a:schemeClr val="tx1"/>
+                      </a:solidFill>
+                      <a:prstDash val="solid"/>
+                      <a:miter lim="800000"/>
+                      <a:headEnd type="none" w="med" len="med"/>
+                      <a:tailEnd type="none" w="med" len="med"/>
+                    </a:lnT>
+                    <a:lnB w="12700" cap="flat" cmpd="sng" algn="ctr">
+                      <a:solidFill>
+                        <a:schemeClr val="tx1"/>
+                      </a:solidFill>
+                      <a:prstDash val="solid"/>
+                      <a:miter lim="800000"/>
+                      <a:headEnd type="none" w="med" len="med"/>
+                      <a:tailEnd type="none" w="med" len="med"/>
+                    </a:lnB>
+                    <a:lnTlToBr>
+                      <a:noFill/>
+                    </a:lnTlToBr>
+                    <a:lnBlToTr>
+                      <a:noFill/>
+                    </a:lnBlToTr>
+                    <a:noFill/>
+                  </a:tcPr>
+                </a:tc>
+                <a:extLst>
+                  <a:ext uri="{0D108BD9-81ED-4DB2-BD59-A6C34878D82A}">
+                    <a16:rowId xmlns:a16="http://schemas.microsoft.com/office/drawing/2014/main" val="10005"/>
+                  </a:ext>
+                </a:extLst>
+              </a:tr>
+              <a:tr h="762066">
+                <a:tc>
+                  <a:txBody>
+                    <a:bodyPr/>
+                    <a:lstStyle/>
+                    <a:p>
+                      <a:pPr marL="0" marR="0" lvl="0" indent="0" algn="l" defTabSz="914400" rtl="0" eaLnBrk="1" fontAlgn="auto" latinLnBrk="0" hangingPunct="1">
+                        <a:lnSpc>
+                          <a:spcPct val="100000"/>
+                        </a:lnSpc>
+                        <a:spcBef>
+                          <a:spcPts val="0"/>
+                        </a:spcBef>
+                        <a:spcAft>
+                          <a:spcPts val="0"/>
+                        </a:spcAft>
+                        <a:buClrTx/>
+                        <a:buSzTx/>
+                        <a:buFontTx/>
+                        <a:buNone/>
+                        <a:tabLst/>
+                        <a:defRPr/>
+                      </a:pPr>
+                      <a:r>
+                        <a:rPr kumimoji="0" lang="en-US" sz="1500" b="0" i="0" u="none" strike="noStrike" cap="none" normalizeH="0" baseline="0" dirty="0" err="1">
+                          <a:ln>
+                            <a:noFill/>
+                          </a:ln>
+                          <a:solidFill>
+                            <a:schemeClr val="tx1"/>
+                          </a:solidFill>
+                          <a:effectLst/>
+                          <a:latin typeface="Courier New" pitchFamily="49" charset="0"/>
+                          <a:cs typeface="Times New Roman" pitchFamily="18" charset="0"/>
+                        </a:rPr>
+                        <a:t>indexOf</a:t>
+                      </a:r>
+                      <a:r>
+                        <a:rPr kumimoji="0" lang="en-US" sz="1500" b="0" i="0" u="none" strike="noStrike" cap="none" normalizeH="0" baseline="0" dirty="0">
+                          <a:ln>
+                            <a:noFill/>
+                          </a:ln>
+                          <a:solidFill>
+                            <a:schemeClr val="tx1"/>
+                          </a:solidFill>
+                          <a:effectLst/>
+                          <a:latin typeface="Courier New" pitchFamily="49" charset="0"/>
+                          <a:cs typeface="Times New Roman" pitchFamily="18" charset="0"/>
+                        </a:rPr>
+                        <a:t>(</a:t>
+                      </a:r>
+                      <a:r>
+                        <a:rPr kumimoji="0" lang="en-US" sz="1500" b="1" i="0" u="none" strike="noStrike" cap="none" normalizeH="0" baseline="0" dirty="0">
+                          <a:ln>
+                            <a:noFill/>
+                          </a:ln>
+                          <a:solidFill>
+                            <a:schemeClr val="tx1"/>
+                          </a:solidFill>
+                          <a:effectLst/>
+                          <a:latin typeface="Tahoma" pitchFamily="34" charset="0"/>
+                          <a:cs typeface="Times New Roman" pitchFamily="18" charset="0"/>
+                        </a:rPr>
+                        <a:t>str</a:t>
+                      </a:r>
+                      <a:r>
+                        <a:rPr kumimoji="0" lang="en-US" sz="1500" b="0" i="0" u="none" strike="noStrike" cap="none" normalizeH="0" baseline="0" dirty="0">
+                          <a:ln>
+                            <a:noFill/>
+                          </a:ln>
+                          <a:solidFill>
+                            <a:schemeClr val="tx1"/>
+                          </a:solidFill>
+                          <a:effectLst/>
+                          <a:latin typeface="Courier New" pitchFamily="49" charset="0"/>
+                          <a:cs typeface="Times New Roman" pitchFamily="18" charset="0"/>
+                        </a:rPr>
+                        <a:t>)</a:t>
+                      </a:r>
+                    </a:p>
+                    <a:p>
+                      <a:endParaRPr lang="en-US" sz="1500" dirty="0">
+                        <a:effectLst/>
+                        <a:latin typeface="Courier New" panose="02070309020205020404" pitchFamily="49" charset="0"/>
+                        <a:cs typeface="Courier New" panose="02070309020205020404" pitchFamily="49" charset="0"/>
+                      </a:endParaRPr>
+                    </a:p>
+                  </a:txBody>
+                  <a:tcPr marL="76200" marR="76200" marT="38096" marB="38096" horzOverflow="overflow">
+                    <a:lnL w="28575" cap="flat" cmpd="sng" algn="ctr">
+                      <a:solidFill>
+                        <a:schemeClr val="tx1"/>
+                      </a:solidFill>
+                      <a:prstDash val="solid"/>
+                      <a:miter lim="800000"/>
+                      <a:headEnd type="none" w="med" len="med"/>
+                      <a:tailEnd type="none" w="med" len="med"/>
+                    </a:lnL>
+                    <a:lnR w="12700" cap="flat" cmpd="sng" algn="ctr">
+                      <a:solidFill>
+                        <a:schemeClr val="tx1"/>
+                      </a:solidFill>
+                      <a:prstDash val="solid"/>
+                      <a:miter lim="800000"/>
+                      <a:headEnd type="none" w="med" len="med"/>
+                      <a:tailEnd type="none" w="med" len="med"/>
+                    </a:lnR>
+                    <a:lnT w="12700" cap="flat" cmpd="sng" algn="ctr">
+                      <a:solidFill>
+                        <a:schemeClr val="tx1"/>
+                      </a:solidFill>
+                      <a:prstDash val="solid"/>
+                      <a:miter lim="800000"/>
+                      <a:headEnd type="none" w="med" len="med"/>
+                      <a:tailEnd type="none" w="med" len="med"/>
+                    </a:lnT>
+                    <a:lnB w="28575" cap="flat" cmpd="sng" algn="ctr">
+                      <a:solidFill>
+                        <a:schemeClr val="tx1"/>
+                      </a:solidFill>
+                      <a:prstDash val="solid"/>
+                      <a:miter lim="800000"/>
+                      <a:headEnd type="none" w="med" len="med"/>
+                      <a:tailEnd type="none" w="med" len="med"/>
+                    </a:lnB>
+                    <a:lnTlToBr>
+                      <a:noFill/>
+                    </a:lnTlToBr>
+                    <a:lnBlToTr>
+                      <a:noFill/>
+                    </a:lnBlToTr>
+                    <a:noFill/>
+                  </a:tcPr>
+                </a:tc>
+                <a:tc>
+                  <a:txBody>
+                    <a:bodyPr/>
+                    <a:lstStyle/>
+                    <a:p>
+                      <a:pPr marL="0" marR="0" lvl="0" indent="0" algn="l" defTabSz="914400" rtl="0" eaLnBrk="1" fontAlgn="auto" latinLnBrk="0" hangingPunct="1">
+                        <a:lnSpc>
+                          <a:spcPct val="100000"/>
+                        </a:lnSpc>
+                        <a:spcBef>
+                          <a:spcPts val="0"/>
+                        </a:spcBef>
+                        <a:spcAft>
+                          <a:spcPts val="0"/>
+                        </a:spcAft>
+                        <a:buClrTx/>
+                        <a:buSzTx/>
+                        <a:buFontTx/>
+                        <a:buNone/>
+                        <a:tabLst/>
+                        <a:defRPr/>
+                      </a:pPr>
+                      <a:r>
+                        <a:rPr kumimoji="0" lang="en-US" sz="1500" b="0" i="0" u="none" strike="noStrike" cap="none" normalizeH="0" baseline="0" dirty="0">
+                          <a:ln>
+                            <a:noFill/>
+                          </a:ln>
+                          <a:solidFill>
+                            <a:schemeClr val="tx1"/>
+                          </a:solidFill>
+                          <a:effectLst/>
+                          <a:latin typeface="Tahoma" pitchFamily="34" charset="0"/>
+                          <a:cs typeface="Times New Roman" pitchFamily="18" charset="0"/>
+                        </a:rPr>
+                        <a:t>Returns index where the start of the given string appears in this string (-1 if not found)</a:t>
+                      </a:r>
+                    </a:p>
+                    <a:p>
+                      <a:endParaRPr lang="en-US" sz="1500" dirty="0">
+                        <a:effectLst/>
+                      </a:endParaRPr>
+                    </a:p>
+                  </a:txBody>
+                  <a:tcPr marL="76200" marR="76200" marT="38096" marB="38096" horzOverflow="overflow">
+                    <a:lnL w="12700" cap="flat" cmpd="sng" algn="ctr">
+                      <a:solidFill>
+                        <a:schemeClr val="tx1"/>
+                      </a:solidFill>
+                      <a:prstDash val="solid"/>
+                      <a:miter lim="800000"/>
+                      <a:headEnd type="none" w="med" len="med"/>
+                      <a:tailEnd type="none" w="med" len="med"/>
+                    </a:lnL>
+                    <a:lnR w="28575" cap="flat" cmpd="sng" algn="ctr">
+                      <a:solidFill>
+                        <a:schemeClr val="tx1"/>
+                      </a:solidFill>
+                      <a:prstDash val="solid"/>
+                      <a:miter lim="800000"/>
+                      <a:headEnd type="none" w="med" len="med"/>
+                      <a:tailEnd type="none" w="med" len="med"/>
+                    </a:lnR>
+                    <a:lnT w="12700" cap="flat" cmpd="sng" algn="ctr">
+                      <a:solidFill>
+                        <a:schemeClr val="tx1"/>
+                      </a:solidFill>
+                      <a:prstDash val="solid"/>
+                      <a:miter lim="800000"/>
+                      <a:headEnd type="none" w="med" len="med"/>
+                      <a:tailEnd type="none" w="med" len="med"/>
+                    </a:lnT>
+                    <a:lnB w="28575" cap="flat" cmpd="sng" algn="ctr">
+                      <a:solidFill>
+                        <a:schemeClr val="tx1"/>
+                      </a:solidFill>
+                      <a:prstDash val="solid"/>
+                      <a:miter lim="800000"/>
+                      <a:headEnd type="none" w="med" len="med"/>
+                      <a:tailEnd type="none" w="med" len="med"/>
+                    </a:lnB>
+                    <a:lnTlToBr>
+                      <a:noFill/>
+                    </a:lnTlToBr>
+                    <a:lnBlToTr>
+                      <a:noFill/>
+                    </a:lnBlToTr>
+                    <a:noFill/>
+                  </a:tcPr>
+                </a:tc>
+                <a:extLst>
+                  <a:ext uri="{0D108BD9-81ED-4DB2-BD59-A6C34878D82A}">
+                    <a16:rowId xmlns:a16="http://schemas.microsoft.com/office/drawing/2014/main" val="10006"/>
+                  </a:ext>
+                </a:extLst>
+              </a:tr>
+            </a:tbl>
+          </a:graphicData>
+        </a:graphic>
+      </p:graphicFrame>
+    </p:spTree>
+    <p:extLst>
+      <p:ext uri="{BB962C8B-B14F-4D97-AF65-F5344CB8AC3E}">
+        <p14:creationId xmlns:p14="http://schemas.microsoft.com/office/powerpoint/2010/main" val="2742157310"/>
+      </p:ext>
+    </p:extLst>
+  </p:cSld>
+  <p:clrMapOvr>
+    <a:masterClrMapping/>
+  </p:clrMapOvr>
+  <p:transition/>
+</p:sld>
+</file>
+
 <file path=ppt/slides/slide4.xml><?xml version="1.0" encoding="utf-8"?>
 <p:sld xmlns:a="http://schemas.openxmlformats.org/drawingml/2006/main" xmlns:r="http://schemas.openxmlformats.org/officeDocument/2006/relationships" xmlns:p="http://schemas.openxmlformats.org/presentationml/2006/main">
   <p:cSld>
@@ -15690,6 +20922,1528 @@
       </p:par>
     </p:tnLst>
   </p:timing>
+</p:sld>
+</file>
+
+<file path=ppt/slides/slide40.xml><?xml version="1.0" encoding="utf-8"?>
+<p:sld xmlns:a="http://schemas.openxmlformats.org/drawingml/2006/main" xmlns:r="http://schemas.openxmlformats.org/officeDocument/2006/relationships" xmlns:p="http://schemas.openxmlformats.org/presentationml/2006/main" showMasterPhAnim="0">
+  <p:cSld>
+    <p:spTree>
+      <p:nvGrpSpPr>
+        <p:cNvPr id="1" name=""/>
+        <p:cNvGrpSpPr/>
+        <p:nvPr/>
+      </p:nvGrpSpPr>
+      <p:grpSpPr>
+        <a:xfrm>
+          <a:off x="0" y="0"/>
+          <a:ext cx="0" cy="0"/>
+          <a:chOff x="0" y="0"/>
+          <a:chExt cx="0" cy="0"/>
+        </a:xfrm>
+      </p:grpSpPr>
+      <p:sp>
+        <p:nvSpPr>
+          <p:cNvPr id="29698" name="Rectangle 2">
+            <a:extLst>
+              <a:ext uri="{FF2B5EF4-FFF2-40B4-BE49-F238E27FC236}">
+                <a16:creationId xmlns:a16="http://schemas.microsoft.com/office/drawing/2014/main" id="{2032BC28-BF0A-9449-BB15-9BE6BD380EA4}"/>
+              </a:ext>
+            </a:extLst>
+          </p:cNvPr>
+          <p:cNvSpPr>
+            <a:spLocks noGrp="1"/>
+          </p:cNvSpPr>
+          <p:nvPr>
+            <p:ph type="title" idx="4294967295"/>
+          </p:nvPr>
+        </p:nvSpPr>
+        <p:spPr>
+          <a:xfrm>
+            <a:off x="197963" y="131975"/>
+            <a:ext cx="7883754" cy="635909"/>
+          </a:xfrm>
+        </p:spPr>
+        <p:txBody>
+          <a:bodyPr vert="horz" lIns="0" tIns="45720" rIns="0" bIns="0" rtlCol="0" anchor="b">
+            <a:normAutofit/>
+          </a:bodyPr>
+          <a:lstStyle/>
+          <a:p>
+            <a:pPr eaLnBrk="1" hangingPunct="1">
+              <a:defRPr/>
+            </a:pPr>
+            <a:r>
+              <a:rPr lang="en-US" dirty="0">
+                <a:latin typeface="Courier New" charset="0"/>
+                <a:cs typeface="+mj-cs"/>
+              </a:rPr>
+              <a:t>String</a:t>
+            </a:r>
+            <a:r>
+              <a:rPr lang="en-US" dirty="0">
+                <a:cs typeface="+mj-cs"/>
+              </a:rPr>
+              <a:t> method examples</a:t>
+            </a:r>
+          </a:p>
+        </p:txBody>
+      </p:sp>
+      <p:sp>
+        <p:nvSpPr>
+          <p:cNvPr id="369667" name="Rectangle 3">
+            <a:extLst>
+              <a:ext uri="{FF2B5EF4-FFF2-40B4-BE49-F238E27FC236}">
+                <a16:creationId xmlns:a16="http://schemas.microsoft.com/office/drawing/2014/main" id="{47E86255-DD44-C741-AB8B-33D04A9B82F2}"/>
+              </a:ext>
+            </a:extLst>
+          </p:cNvPr>
+          <p:cNvSpPr>
+            <a:spLocks noGrp="1" noChangeArrowheads="1"/>
+          </p:cNvSpPr>
+          <p:nvPr>
+            <p:ph type="body" idx="4294967295"/>
+          </p:nvPr>
+        </p:nvSpPr>
+        <p:spPr>
+          <a:xfrm>
+            <a:off x="197963" y="767884"/>
+            <a:ext cx="8184037" cy="4947116"/>
+          </a:xfrm>
+        </p:spPr>
+        <p:txBody>
+          <a:bodyPr/>
+          <a:lstStyle/>
+          <a:p>
+            <a:pPr marL="533115" lvl="1" indent="-205044">
+              <a:buNone/>
+            </a:pPr>
+            <a:r>
+              <a:rPr lang="en-US" altLang="en-US" sz="1667" b="1" dirty="0">
+                <a:solidFill>
+                  <a:srgbClr val="008080"/>
+                </a:solidFill>
+                <a:latin typeface="Courier New" panose="02070309020205020404" pitchFamily="49" charset="0"/>
+                <a:ea typeface="ＭＳ Ｐゴシック" panose="020B0600070205080204" pitchFamily="34" charset="-128"/>
+              </a:rPr>
+              <a:t>	// index     0123456789012345678</a:t>
+            </a:r>
+            <a:endParaRPr lang="en-US" altLang="en-US" sz="1667" b="1" dirty="0">
+              <a:latin typeface="Courier New" panose="02070309020205020404" pitchFamily="49" charset="0"/>
+              <a:ea typeface="ＭＳ Ｐゴシック" panose="020B0600070205080204" pitchFamily="34" charset="-128"/>
+            </a:endParaRPr>
+          </a:p>
+          <a:p>
+            <a:pPr marL="533115" lvl="1" indent="-205044">
+              <a:lnSpc>
+                <a:spcPct val="70000"/>
+              </a:lnSpc>
+              <a:buNone/>
+            </a:pPr>
+            <a:r>
+              <a:rPr lang="en-US" altLang="en-US" sz="1667" dirty="0">
+                <a:latin typeface="Courier New" panose="02070309020205020404" pitchFamily="49" charset="0"/>
+                <a:ea typeface="ＭＳ Ｐゴシック" panose="020B0600070205080204" pitchFamily="34" charset="-128"/>
+              </a:rPr>
+              <a:t>	String s1 = ”programming in java";</a:t>
+            </a:r>
+          </a:p>
+          <a:p>
+            <a:pPr marL="533115" lvl="1" indent="-205044">
+              <a:lnSpc>
+                <a:spcPct val="70000"/>
+              </a:lnSpc>
+              <a:buNone/>
+            </a:pPr>
+            <a:endParaRPr lang="en-US" altLang="en-US" sz="667" dirty="0">
+              <a:latin typeface="Courier New" panose="02070309020205020404" pitchFamily="49" charset="0"/>
+              <a:ea typeface="ＭＳ Ｐゴシック" panose="020B0600070205080204" pitchFamily="34" charset="-128"/>
+            </a:endParaRPr>
+          </a:p>
+          <a:p>
+            <a:pPr marL="533115" lvl="1" indent="-205044">
+              <a:lnSpc>
+                <a:spcPct val="70000"/>
+              </a:lnSpc>
+              <a:buNone/>
+            </a:pPr>
+            <a:r>
+              <a:rPr lang="en-US" altLang="en-US" sz="1667" dirty="0">
+                <a:latin typeface="Courier New" panose="02070309020205020404" pitchFamily="49" charset="0"/>
+                <a:ea typeface="ＭＳ Ｐゴシック" panose="020B0600070205080204" pitchFamily="34" charset="-128"/>
+              </a:rPr>
+              <a:t>	</a:t>
+            </a:r>
+            <a:r>
+              <a:rPr lang="en-US" altLang="en-US" sz="1667" dirty="0" err="1">
+                <a:latin typeface="Courier New" panose="02070309020205020404" pitchFamily="49" charset="0"/>
+                <a:ea typeface="ＭＳ Ｐゴシック" panose="020B0600070205080204" pitchFamily="34" charset="-128"/>
+              </a:rPr>
+              <a:t>System.out.println</a:t>
+            </a:r>
+            <a:r>
+              <a:rPr lang="en-US" altLang="en-US" sz="1667" dirty="0">
+                <a:latin typeface="Courier New" panose="02070309020205020404" pitchFamily="49" charset="0"/>
+                <a:ea typeface="ＭＳ Ｐゴシック" panose="020B0600070205080204" pitchFamily="34" charset="-128"/>
+              </a:rPr>
+              <a:t>(</a:t>
+            </a:r>
+            <a:r>
+              <a:rPr lang="en-US" altLang="en-US" sz="1667" b="1" dirty="0">
+                <a:latin typeface="Courier New" panose="02070309020205020404" pitchFamily="49" charset="0"/>
+                <a:ea typeface="ＭＳ Ｐゴシック" panose="020B0600070205080204" pitchFamily="34" charset="-128"/>
+              </a:rPr>
+              <a:t>s1.length()</a:t>
+            </a:r>
+            <a:r>
+              <a:rPr lang="en-US" altLang="en-US" sz="1667" dirty="0">
+                <a:latin typeface="Courier New" panose="02070309020205020404" pitchFamily="49" charset="0"/>
+                <a:ea typeface="ＭＳ Ｐゴシック" panose="020B0600070205080204" pitchFamily="34" charset="-128"/>
+              </a:rPr>
+              <a:t>);         </a:t>
+            </a:r>
+          </a:p>
+          <a:p>
+            <a:pPr marL="533115" lvl="1" indent="-205044">
+              <a:lnSpc>
+                <a:spcPct val="70000"/>
+              </a:lnSpc>
+              <a:buNone/>
+            </a:pPr>
+            <a:r>
+              <a:rPr lang="en-US" altLang="en-US" sz="1667" b="1" dirty="0">
+                <a:solidFill>
+                  <a:srgbClr val="008080"/>
+                </a:solidFill>
+                <a:latin typeface="Courier New" panose="02070309020205020404" pitchFamily="49" charset="0"/>
+                <a:ea typeface="ＭＳ Ｐゴシック" panose="020B0600070205080204" pitchFamily="34" charset="-128"/>
+              </a:rPr>
+              <a:t>	// 19</a:t>
+            </a:r>
+            <a:endParaRPr lang="en-US" altLang="en-US" sz="1667" b="1" dirty="0">
+              <a:latin typeface="Courier New" panose="02070309020205020404" pitchFamily="49" charset="0"/>
+              <a:ea typeface="ＭＳ Ｐゴシック" panose="020B0600070205080204" pitchFamily="34" charset="-128"/>
+            </a:endParaRPr>
+          </a:p>
+          <a:p>
+            <a:pPr marL="533115" lvl="1" indent="-205044">
+              <a:lnSpc>
+                <a:spcPct val="70000"/>
+              </a:lnSpc>
+              <a:buNone/>
+            </a:pPr>
+            <a:r>
+              <a:rPr lang="en-US" altLang="en-US" sz="1667" dirty="0">
+                <a:latin typeface="Courier New" panose="02070309020205020404" pitchFamily="49" charset="0"/>
+                <a:ea typeface="ＭＳ Ｐゴシック" panose="020B0600070205080204" pitchFamily="34" charset="-128"/>
+              </a:rPr>
+              <a:t>	</a:t>
+            </a:r>
+            <a:r>
+              <a:rPr lang="en-US" altLang="en-US" sz="1667" dirty="0" err="1">
+                <a:latin typeface="Courier New" panose="02070309020205020404" pitchFamily="49" charset="0"/>
+                <a:ea typeface="ＭＳ Ｐゴシック" panose="020B0600070205080204" pitchFamily="34" charset="-128"/>
+              </a:rPr>
+              <a:t>System.out.println</a:t>
+            </a:r>
+            <a:r>
+              <a:rPr lang="en-US" altLang="en-US" sz="1667" dirty="0">
+                <a:latin typeface="Courier New" panose="02070309020205020404" pitchFamily="49" charset="0"/>
+                <a:ea typeface="ＭＳ Ｐゴシック" panose="020B0600070205080204" pitchFamily="34" charset="-128"/>
+              </a:rPr>
+              <a:t>(</a:t>
+            </a:r>
+            <a:r>
+              <a:rPr lang="en-US" altLang="en-US" sz="1667" b="1" dirty="0">
+                <a:latin typeface="Courier New" panose="02070309020205020404" pitchFamily="49" charset="0"/>
+                <a:ea typeface="ＭＳ Ｐゴシック" panose="020B0600070205080204" pitchFamily="34" charset="-128"/>
+              </a:rPr>
+              <a:t>s1.indexOf(“</a:t>
+            </a:r>
+            <a:r>
+              <a:rPr lang="en-US" altLang="ja-JP" sz="1667" b="1" dirty="0" err="1">
+                <a:latin typeface="Courier New" panose="02070309020205020404" pitchFamily="49" charset="0"/>
+                <a:ea typeface="ＭＳ Ｐゴシック" panose="020B0600070205080204" pitchFamily="34" charset="-128"/>
+              </a:rPr>
+              <a:t>i</a:t>
+            </a:r>
+            <a:r>
+              <a:rPr lang="en-US" altLang="ja-JP" sz="1667" b="1" dirty="0">
+                <a:latin typeface="Courier New" panose="02070309020205020404" pitchFamily="49" charset="0"/>
+                <a:ea typeface="ＭＳ Ｐゴシック" panose="020B0600070205080204" pitchFamily="34" charset="-128"/>
+              </a:rPr>
+              <a:t>")</a:t>
+            </a:r>
+            <a:r>
+              <a:rPr lang="en-US" altLang="ja-JP" sz="1667" dirty="0">
+                <a:latin typeface="Courier New" panose="02070309020205020404" pitchFamily="49" charset="0"/>
+                <a:ea typeface="ＭＳ Ｐゴシック" panose="020B0600070205080204" pitchFamily="34" charset="-128"/>
+              </a:rPr>
+              <a:t>); </a:t>
+            </a:r>
+            <a:r>
+              <a:rPr lang="en-US" altLang="ja-JP" sz="1667" b="1" dirty="0">
+                <a:solidFill>
+                  <a:srgbClr val="008080"/>
+                </a:solidFill>
+                <a:latin typeface="Courier New" panose="02070309020205020404" pitchFamily="49" charset="0"/>
+                <a:ea typeface="ＭＳ Ｐゴシック" panose="020B0600070205080204" pitchFamily="34" charset="-128"/>
+              </a:rPr>
+              <a:t>// 8</a:t>
+            </a:r>
+            <a:endParaRPr lang="en-US" altLang="ja-JP" sz="1667" dirty="0">
+              <a:latin typeface="Courier New" panose="02070309020205020404" pitchFamily="49" charset="0"/>
+              <a:ea typeface="ＭＳ Ｐゴシック" panose="020B0600070205080204" pitchFamily="34" charset="-128"/>
+            </a:endParaRPr>
+          </a:p>
+          <a:p>
+            <a:pPr marL="533115" lvl="1" indent="-205044">
+              <a:lnSpc>
+                <a:spcPct val="70000"/>
+              </a:lnSpc>
+              <a:buNone/>
+            </a:pPr>
+            <a:r>
+              <a:rPr lang="en-US" altLang="en-US" sz="1667" dirty="0">
+                <a:latin typeface="Courier New" panose="02070309020205020404" pitchFamily="49" charset="0"/>
+                <a:ea typeface="ＭＳ Ｐゴシック" panose="020B0600070205080204" pitchFamily="34" charset="-128"/>
+              </a:rPr>
+              <a:t>	</a:t>
+            </a:r>
+            <a:r>
+              <a:rPr lang="en-US" altLang="en-US" sz="1667" dirty="0" err="1">
+                <a:latin typeface="Courier New" panose="02070309020205020404" pitchFamily="49" charset="0"/>
+                <a:ea typeface="ＭＳ Ｐゴシック" panose="020B0600070205080204" pitchFamily="34" charset="-128"/>
+              </a:rPr>
+              <a:t>System.out.println</a:t>
+            </a:r>
+            <a:r>
+              <a:rPr lang="en-US" altLang="en-US" sz="1667" dirty="0">
+                <a:latin typeface="Courier New" panose="02070309020205020404" pitchFamily="49" charset="0"/>
+                <a:ea typeface="ＭＳ Ｐゴシック" panose="020B0600070205080204" pitchFamily="34" charset="-128"/>
+              </a:rPr>
+              <a:t>(</a:t>
+            </a:r>
+            <a:r>
+              <a:rPr lang="en-US" altLang="en-US" sz="1667" b="1" dirty="0">
+                <a:latin typeface="Courier New" panose="02070309020205020404" pitchFamily="49" charset="0"/>
+                <a:ea typeface="ＭＳ Ｐゴシック" panose="020B0600070205080204" pitchFamily="34" charset="-128"/>
+              </a:rPr>
+              <a:t>s1.indexOf(“gram")</a:t>
+            </a:r>
+            <a:r>
+              <a:rPr lang="en-US" altLang="en-US" sz="1667" dirty="0">
+                <a:latin typeface="Courier New" panose="02070309020205020404" pitchFamily="49" charset="0"/>
+                <a:ea typeface="ＭＳ Ｐゴシック" panose="020B0600070205080204" pitchFamily="34" charset="-128"/>
+              </a:rPr>
+              <a:t>); </a:t>
+            </a:r>
+            <a:r>
+              <a:rPr lang="en-US" altLang="en-US" sz="1667" b="1" dirty="0">
+                <a:solidFill>
+                  <a:srgbClr val="008080"/>
+                </a:solidFill>
+                <a:latin typeface="Courier New" panose="02070309020205020404" pitchFamily="49" charset="0"/>
+                <a:ea typeface="ＭＳ Ｐゴシック" panose="020B0600070205080204" pitchFamily="34" charset="-128"/>
+              </a:rPr>
+              <a:t>// 3</a:t>
+            </a:r>
+            <a:endParaRPr lang="en-US" altLang="en-US" sz="1667" dirty="0">
+              <a:latin typeface="Courier New" panose="02070309020205020404" pitchFamily="49" charset="0"/>
+              <a:ea typeface="ＭＳ Ｐゴシック" panose="020B0600070205080204" pitchFamily="34" charset="-128"/>
+            </a:endParaRPr>
+          </a:p>
+          <a:p>
+            <a:pPr marL="533115" lvl="1" indent="-205044">
+              <a:lnSpc>
+                <a:spcPct val="70000"/>
+              </a:lnSpc>
+              <a:buNone/>
+            </a:pPr>
+            <a:r>
+              <a:rPr lang="en-US" altLang="en-US" sz="1667" dirty="0">
+                <a:latin typeface="Courier New" panose="02070309020205020404" pitchFamily="49" charset="0"/>
+                <a:ea typeface="ＭＳ Ｐゴシック" panose="020B0600070205080204" pitchFamily="34" charset="-128"/>
+              </a:rPr>
+              <a:t>	</a:t>
+            </a:r>
+            <a:r>
+              <a:rPr lang="en-US" altLang="en-US" sz="1667" dirty="0" err="1">
+                <a:latin typeface="Courier New" panose="02070309020205020404" pitchFamily="49" charset="0"/>
+                <a:ea typeface="ＭＳ Ｐゴシック" panose="020B0600070205080204" pitchFamily="34" charset="-128"/>
+              </a:rPr>
+              <a:t>System.out.println</a:t>
+            </a:r>
+            <a:r>
+              <a:rPr lang="en-US" altLang="en-US" sz="1667" dirty="0">
+                <a:latin typeface="Courier New" panose="02070309020205020404" pitchFamily="49" charset="0"/>
+                <a:ea typeface="ＭＳ Ｐゴシック" panose="020B0600070205080204" pitchFamily="34" charset="-128"/>
+              </a:rPr>
+              <a:t>(</a:t>
+            </a:r>
+            <a:r>
+              <a:rPr lang="en-US" altLang="en-US" sz="1667" b="1" dirty="0">
+                <a:latin typeface="Courier New" panose="02070309020205020404" pitchFamily="49" charset="0"/>
+                <a:ea typeface="ＭＳ Ｐゴシック" panose="020B0600070205080204" pitchFamily="34" charset="-128"/>
+              </a:rPr>
+              <a:t>s1.indexOf(“hi")</a:t>
+            </a:r>
+            <a:r>
+              <a:rPr lang="en-US" altLang="en-US" sz="1667" dirty="0">
+                <a:latin typeface="Courier New" panose="02070309020205020404" pitchFamily="49" charset="0"/>
+                <a:ea typeface="ＭＳ Ｐゴシック" panose="020B0600070205080204" pitchFamily="34" charset="-128"/>
+              </a:rPr>
+              <a:t>); </a:t>
+            </a:r>
+            <a:r>
+              <a:rPr lang="en-US" altLang="en-US" sz="1667" b="1" dirty="0">
+                <a:solidFill>
+                  <a:srgbClr val="008080"/>
+                </a:solidFill>
+                <a:latin typeface="Courier New" panose="02070309020205020404" pitchFamily="49" charset="0"/>
+                <a:ea typeface="ＭＳ Ｐゴシック" panose="020B0600070205080204" pitchFamily="34" charset="-128"/>
+              </a:rPr>
+              <a:t>// -1</a:t>
+            </a:r>
+            <a:endParaRPr lang="en-US" altLang="en-US" sz="1667" b="1" dirty="0">
+              <a:latin typeface="Courier New" panose="02070309020205020404" pitchFamily="49" charset="0"/>
+              <a:ea typeface="ＭＳ Ｐゴシック" panose="020B0600070205080204" pitchFamily="34" charset="-128"/>
+            </a:endParaRPr>
+          </a:p>
+          <a:p>
+            <a:pPr marL="533115" lvl="1" indent="-205044">
+              <a:lnSpc>
+                <a:spcPct val="70000"/>
+              </a:lnSpc>
+              <a:buNone/>
+            </a:pPr>
+            <a:r>
+              <a:rPr lang="en-US" altLang="en-US" sz="1667" dirty="0">
+                <a:latin typeface="Courier New" panose="02070309020205020404" pitchFamily="49" charset="0"/>
+                <a:ea typeface="ＭＳ Ｐゴシック" panose="020B0600070205080204" pitchFamily="34" charset="-128"/>
+              </a:rPr>
+              <a:t>	</a:t>
+            </a:r>
+          </a:p>
+          <a:p>
+            <a:pPr marL="533115" lvl="1" indent="-205044">
+              <a:lnSpc>
+                <a:spcPct val="70000"/>
+              </a:lnSpc>
+              <a:buNone/>
+            </a:pPr>
+            <a:r>
+              <a:rPr lang="en-US" altLang="en-US" sz="1667" dirty="0">
+                <a:latin typeface="Courier New" panose="02070309020205020404" pitchFamily="49" charset="0"/>
+                <a:ea typeface="ＭＳ Ｐゴシック" panose="020B0600070205080204" pitchFamily="34" charset="-128"/>
+              </a:rPr>
+              <a:t>	</a:t>
+            </a:r>
+            <a:r>
+              <a:rPr lang="en-US" altLang="en-US" sz="1667" dirty="0" err="1">
+                <a:latin typeface="Courier New" panose="02070309020205020404" pitchFamily="49" charset="0"/>
+                <a:ea typeface="ＭＳ Ｐゴシック" panose="020B0600070205080204" pitchFamily="34" charset="-128"/>
+              </a:rPr>
+              <a:t>System.out.println</a:t>
+            </a:r>
+            <a:r>
+              <a:rPr lang="en-US" altLang="en-US" sz="1667" dirty="0">
+                <a:latin typeface="Courier New" panose="02070309020205020404" pitchFamily="49" charset="0"/>
+                <a:ea typeface="ＭＳ Ｐゴシック" panose="020B0600070205080204" pitchFamily="34" charset="-128"/>
+              </a:rPr>
+              <a:t>(</a:t>
+            </a:r>
+            <a:r>
+              <a:rPr lang="en-US" altLang="en-US" sz="1667" b="1" dirty="0">
+                <a:latin typeface="Courier New" panose="02070309020205020404" pitchFamily="49" charset="0"/>
+                <a:ea typeface="ＭＳ Ｐゴシック" panose="020B0600070205080204" pitchFamily="34" charset="-128"/>
+              </a:rPr>
+              <a:t>s1.substring(7, 10)</a:t>
+            </a:r>
+            <a:r>
+              <a:rPr lang="en-US" altLang="en-US" sz="1667" dirty="0">
+                <a:latin typeface="Courier New" panose="02070309020205020404" pitchFamily="49" charset="0"/>
+                <a:ea typeface="ＭＳ Ｐゴシック" panose="020B0600070205080204" pitchFamily="34" charset="-128"/>
+              </a:rPr>
+              <a:t>); </a:t>
+            </a:r>
+            <a:r>
+              <a:rPr lang="en-US" altLang="en-US" sz="1667" b="1" dirty="0">
+                <a:solidFill>
+                  <a:srgbClr val="008080"/>
+                </a:solidFill>
+                <a:latin typeface="Courier New" panose="02070309020205020404" pitchFamily="49" charset="0"/>
+                <a:ea typeface="ＭＳ Ｐゴシック" panose="020B0600070205080204" pitchFamily="34" charset="-128"/>
+              </a:rPr>
+              <a:t>// ”min"</a:t>
+            </a:r>
+            <a:endParaRPr lang="en-US" altLang="en-US" sz="1667" b="1" dirty="0">
+              <a:latin typeface="Courier New" panose="02070309020205020404" pitchFamily="49" charset="0"/>
+              <a:ea typeface="ＭＳ Ｐゴシック" panose="020B0600070205080204" pitchFamily="34" charset="-128"/>
+            </a:endParaRPr>
+          </a:p>
+          <a:p>
+            <a:pPr marL="533115" lvl="1" indent="-205044">
+              <a:lnSpc>
+                <a:spcPct val="70000"/>
+              </a:lnSpc>
+              <a:buNone/>
+            </a:pPr>
+            <a:r>
+              <a:rPr lang="en-US" altLang="en-US" sz="1667" dirty="0">
+                <a:latin typeface="Courier New" panose="02070309020205020404" pitchFamily="49" charset="0"/>
+                <a:ea typeface="ＭＳ Ｐゴシック" panose="020B0600070205080204" pitchFamily="34" charset="-128"/>
+              </a:rPr>
+              <a:t>	</a:t>
+            </a:r>
+            <a:r>
+              <a:rPr lang="en-US" altLang="en-US" sz="1667" dirty="0" err="1">
+                <a:latin typeface="Courier New" panose="02070309020205020404" pitchFamily="49" charset="0"/>
+                <a:ea typeface="ＭＳ Ｐゴシック" panose="020B0600070205080204" pitchFamily="34" charset="-128"/>
+              </a:rPr>
+              <a:t>System.out.println</a:t>
+            </a:r>
+            <a:r>
+              <a:rPr lang="en-US" altLang="en-US" sz="1667" dirty="0">
+                <a:latin typeface="Courier New" panose="02070309020205020404" pitchFamily="49" charset="0"/>
+                <a:ea typeface="ＭＳ Ｐゴシック" panose="020B0600070205080204" pitchFamily="34" charset="-128"/>
+              </a:rPr>
+              <a:t>(</a:t>
+            </a:r>
+            <a:r>
+              <a:rPr lang="en-US" altLang="en-US" sz="1667" b="1" dirty="0">
+                <a:latin typeface="Courier New" panose="02070309020205020404" pitchFamily="49" charset="0"/>
+                <a:ea typeface="ＭＳ Ｐゴシック" panose="020B0600070205080204" pitchFamily="34" charset="-128"/>
+              </a:rPr>
+              <a:t>s1.substring(12)</a:t>
+            </a:r>
+            <a:r>
+              <a:rPr lang="en-US" altLang="en-US" sz="1667" dirty="0">
+                <a:latin typeface="Courier New" panose="02070309020205020404" pitchFamily="49" charset="0"/>
+                <a:ea typeface="ＭＳ Ｐゴシック" panose="020B0600070205080204" pitchFamily="34" charset="-128"/>
+              </a:rPr>
+              <a:t>); </a:t>
+            </a:r>
+            <a:r>
+              <a:rPr lang="en-US" altLang="en-US" sz="1667" b="1" dirty="0">
+                <a:solidFill>
+                  <a:srgbClr val="008080"/>
+                </a:solidFill>
+                <a:latin typeface="Courier New" panose="02070309020205020404" pitchFamily="49" charset="0"/>
+                <a:ea typeface="ＭＳ Ｐゴシック" panose="020B0600070205080204" pitchFamily="34" charset="-128"/>
+              </a:rPr>
+              <a:t>// ”in java”</a:t>
+            </a:r>
+          </a:p>
+          <a:p>
+            <a:pPr marL="533115" lvl="1" indent="-205044">
+              <a:lnSpc>
+                <a:spcPct val="70000"/>
+              </a:lnSpc>
+              <a:buNone/>
+            </a:pPr>
+            <a:r>
+              <a:rPr lang="en-US" altLang="en-US" sz="1667" b="1" dirty="0">
+                <a:solidFill>
+                  <a:srgbClr val="008080"/>
+                </a:solidFill>
+                <a:latin typeface="Courier New" panose="02070309020205020404" pitchFamily="49" charset="0"/>
+                <a:ea typeface="ＭＳ Ｐゴシック" panose="020B0600070205080204" pitchFamily="34" charset="-128"/>
+              </a:rPr>
+              <a:t>	</a:t>
+            </a:r>
+            <a:r>
+              <a:rPr lang="en-US" altLang="en-US" sz="1667" dirty="0" err="1">
+                <a:latin typeface="Courier New" panose="02070309020205020404" pitchFamily="49" charset="0"/>
+                <a:ea typeface="ＭＳ Ｐゴシック" panose="020B0600070205080204" pitchFamily="34" charset="-128"/>
+              </a:rPr>
+              <a:t>System.out.println</a:t>
+            </a:r>
+            <a:r>
+              <a:rPr lang="en-US" altLang="en-US" sz="1667" dirty="0">
+                <a:latin typeface="Courier New" panose="02070309020205020404" pitchFamily="49" charset="0"/>
+                <a:ea typeface="ＭＳ Ｐゴシック" panose="020B0600070205080204" pitchFamily="34" charset="-128"/>
+              </a:rPr>
+              <a:t>(</a:t>
+            </a:r>
+            <a:r>
+              <a:rPr lang="en-US" altLang="en-US" sz="1667" b="1" dirty="0">
+                <a:latin typeface="Courier New" panose="02070309020205020404" pitchFamily="49" charset="0"/>
+                <a:ea typeface="ＭＳ Ｐゴシック" panose="020B0600070205080204" pitchFamily="34" charset="-128"/>
+              </a:rPr>
+              <a:t>s1.substring(2,3)</a:t>
+            </a:r>
+            <a:r>
+              <a:rPr lang="en-US" altLang="en-US" sz="1667" dirty="0">
+                <a:latin typeface="Courier New" panose="02070309020205020404" pitchFamily="49" charset="0"/>
+                <a:ea typeface="ＭＳ Ｐゴシック" panose="020B0600070205080204" pitchFamily="34" charset="-128"/>
+              </a:rPr>
+              <a:t>);</a:t>
+            </a:r>
+            <a:r>
+              <a:rPr lang="en-US" altLang="en-US" sz="1667" b="1" dirty="0">
+                <a:solidFill>
+                  <a:srgbClr val="008080"/>
+                </a:solidFill>
+                <a:latin typeface="Courier New" panose="02070309020205020404" pitchFamily="49" charset="0"/>
+                <a:ea typeface="ＭＳ Ｐゴシック" panose="020B0600070205080204" pitchFamily="34" charset="-128"/>
+              </a:rPr>
+              <a:t>// ”</a:t>
+            </a:r>
+            <a:r>
+              <a:rPr lang="en-US" altLang="ja-JP" sz="1667" b="1" dirty="0">
+                <a:solidFill>
+                  <a:srgbClr val="008080"/>
+                </a:solidFill>
+                <a:latin typeface="Courier New" panose="02070309020205020404" pitchFamily="49" charset="0"/>
+                <a:ea typeface="ＭＳ Ｐゴシック" panose="020B0600070205080204" pitchFamily="34" charset="-128"/>
+              </a:rPr>
+              <a:t>o</a:t>
+            </a:r>
+            <a:r>
+              <a:rPr lang="en-US" altLang="en-US" sz="1667" b="1" dirty="0">
+                <a:solidFill>
+                  <a:srgbClr val="008080"/>
+                </a:solidFill>
+                <a:latin typeface="Courier New" panose="02070309020205020404" pitchFamily="49" charset="0"/>
+                <a:ea typeface="ＭＳ Ｐゴシック" panose="020B0600070205080204" pitchFamily="34" charset="-128"/>
+              </a:rPr>
+              <a:t>”</a:t>
+            </a:r>
+            <a:endParaRPr lang="en-US" altLang="ja-JP" sz="1667" b="1" dirty="0">
+              <a:solidFill>
+                <a:srgbClr val="008080"/>
+              </a:solidFill>
+              <a:latin typeface="Courier New" panose="02070309020205020404" pitchFamily="49" charset="0"/>
+              <a:ea typeface="ＭＳ Ｐゴシック" panose="020B0600070205080204" pitchFamily="34" charset="-128"/>
+            </a:endParaRPr>
+          </a:p>
+          <a:p>
+            <a:pPr marL="533115" lvl="1" indent="-205044">
+              <a:lnSpc>
+                <a:spcPct val="70000"/>
+              </a:lnSpc>
+              <a:buNone/>
+            </a:pPr>
+            <a:r>
+              <a:rPr lang="en-US" altLang="en-US" sz="1667" dirty="0">
+                <a:latin typeface="Courier New" panose="02070309020205020404" pitchFamily="49" charset="0"/>
+                <a:ea typeface="ＭＳ Ｐゴシック" panose="020B0600070205080204" pitchFamily="34" charset="-128"/>
+              </a:rPr>
+              <a:t>	</a:t>
+            </a:r>
+          </a:p>
+          <a:p>
+            <a:pPr marL="533115" lvl="1" indent="-205044">
+              <a:lnSpc>
+                <a:spcPct val="70000"/>
+              </a:lnSpc>
+              <a:buNone/>
+            </a:pPr>
+            <a:r>
+              <a:rPr lang="en-US" altLang="en-US" sz="1667" dirty="0">
+                <a:latin typeface="Courier New" panose="02070309020205020404" pitchFamily="49" charset="0"/>
+                <a:ea typeface="ＭＳ Ｐゴシック" panose="020B0600070205080204" pitchFamily="34" charset="-128"/>
+              </a:rPr>
+              <a:t>	String s2 = </a:t>
+            </a:r>
+            <a:r>
+              <a:rPr lang="en-US" altLang="en-US" sz="1667" b="1" dirty="0">
+                <a:latin typeface="Courier New" panose="02070309020205020404" pitchFamily="49" charset="0"/>
+                <a:ea typeface="ＭＳ Ｐゴシック" panose="020B0600070205080204" pitchFamily="34" charset="-128"/>
+              </a:rPr>
+              <a:t>s1.substring(10, 17); </a:t>
+            </a:r>
+            <a:r>
+              <a:rPr lang="en-US" altLang="en-US" sz="1667" b="1" dirty="0">
+                <a:solidFill>
+                  <a:srgbClr val="008080"/>
+                </a:solidFill>
+                <a:latin typeface="Courier New" panose="02070309020205020404" pitchFamily="49" charset="0"/>
+                <a:ea typeface="ＭＳ Ｐゴシック" panose="020B0600070205080204" pitchFamily="34" charset="-128"/>
+              </a:rPr>
+              <a:t>// ”g in ja”</a:t>
+            </a:r>
+            <a:endParaRPr lang="en-US" altLang="ja-JP" sz="1667" b="1" dirty="0">
+              <a:latin typeface="Courier New" panose="02070309020205020404" pitchFamily="49" charset="0"/>
+              <a:ea typeface="ＭＳ Ｐゴシック" panose="020B0600070205080204" pitchFamily="34" charset="-128"/>
+            </a:endParaRPr>
+          </a:p>
+          <a:p>
+            <a:pPr marL="533115" lvl="1" indent="-205044">
+              <a:lnSpc>
+                <a:spcPct val="70000"/>
+              </a:lnSpc>
+              <a:buNone/>
+            </a:pPr>
+            <a:endParaRPr lang="en-US" altLang="en-US" b="1" dirty="0">
+              <a:solidFill>
+                <a:srgbClr val="008080"/>
+              </a:solidFill>
+              <a:latin typeface="Courier New" panose="02070309020205020404" pitchFamily="49" charset="0"/>
+              <a:ea typeface="ＭＳ Ｐゴシック" panose="020B0600070205080204" pitchFamily="34" charset="-128"/>
+            </a:endParaRPr>
+          </a:p>
+        </p:txBody>
+      </p:sp>
+    </p:spTree>
+    <p:extLst>
+      <p:ext uri="{BB962C8B-B14F-4D97-AF65-F5344CB8AC3E}">
+        <p14:creationId xmlns:p14="http://schemas.microsoft.com/office/powerpoint/2010/main" val="2368938603"/>
+      </p:ext>
+    </p:extLst>
+  </p:cSld>
+  <p:clrMapOvr>
+    <a:masterClrMapping/>
+  </p:clrMapOvr>
+  <p:transition spd="med"/>
+  <p:timing>
+    <p:tnLst>
+      <p:par>
+        <p:cTn id="1" dur="indefinite" restart="never" nodeType="tmRoot">
+          <p:childTnLst>
+            <p:seq concurrent="1" nextAc="seek">
+              <p:cTn id="2" dur="indefinite" nodeType="mainSeq">
+                <p:childTnLst>
+                  <p:par>
+                    <p:cTn id="3" fill="hold" nodeType="clickPar">
+                      <p:stCondLst>
+                        <p:cond delay="indefinite"/>
+                      </p:stCondLst>
+                      <p:childTnLst>
+                        <p:par>
+                          <p:cTn id="4" fill="hold" nodeType="withGroup">
+                            <p:stCondLst>
+                              <p:cond delay="0"/>
+                            </p:stCondLst>
+                            <p:childTnLst>
+                              <p:par>
+                                <p:cTn id="5" presetID="1" presetClass="entr" presetSubtype="0" fill="hold" nodeType="clickEffect">
+                                  <p:stCondLst>
+                                    <p:cond delay="0"/>
+                                  </p:stCondLst>
+                                  <p:childTnLst>
+                                    <p:set>
+                                      <p:cBhvr>
+                                        <p:cTn id="6" dur="1" fill="hold">
+                                          <p:stCondLst>
+                                            <p:cond delay="0"/>
+                                          </p:stCondLst>
+                                        </p:cTn>
+                                        <p:tgtEl>
+                                          <p:spTgt spid="369667">
+                                            <p:txEl>
+                                              <p:pRg st="0" end="0"/>
+                                            </p:txEl>
+                                          </p:spTgt>
+                                        </p:tgtEl>
+                                        <p:attrNameLst>
+                                          <p:attrName>style.visibility</p:attrName>
+                                        </p:attrNameLst>
+                                      </p:cBhvr>
+                                      <p:to>
+                                        <p:strVal val="visible"/>
+                                      </p:to>
+                                    </p:set>
+                                  </p:childTnLst>
+                                </p:cTn>
+                              </p:par>
+                            </p:childTnLst>
+                          </p:cTn>
+                        </p:par>
+                      </p:childTnLst>
+                    </p:cTn>
+                  </p:par>
+                  <p:par>
+                    <p:cTn id="7" fill="hold" nodeType="clickPar">
+                      <p:stCondLst>
+                        <p:cond delay="indefinite"/>
+                      </p:stCondLst>
+                      <p:childTnLst>
+                        <p:par>
+                          <p:cTn id="8" fill="hold" nodeType="withGroup">
+                            <p:stCondLst>
+                              <p:cond delay="0"/>
+                            </p:stCondLst>
+                            <p:childTnLst>
+                              <p:par>
+                                <p:cTn id="9" presetID="1" presetClass="entr" presetSubtype="0" fill="hold" nodeType="clickEffect">
+                                  <p:stCondLst>
+                                    <p:cond delay="0"/>
+                                  </p:stCondLst>
+                                  <p:childTnLst>
+                                    <p:set>
+                                      <p:cBhvr>
+                                        <p:cTn id="10" dur="1" fill="hold">
+                                          <p:stCondLst>
+                                            <p:cond delay="0"/>
+                                          </p:stCondLst>
+                                        </p:cTn>
+                                        <p:tgtEl>
+                                          <p:spTgt spid="369667">
+                                            <p:txEl>
+                                              <p:pRg st="1" end="1"/>
+                                            </p:txEl>
+                                          </p:spTgt>
+                                        </p:tgtEl>
+                                        <p:attrNameLst>
+                                          <p:attrName>style.visibility</p:attrName>
+                                        </p:attrNameLst>
+                                      </p:cBhvr>
+                                      <p:to>
+                                        <p:strVal val="visible"/>
+                                      </p:to>
+                                    </p:set>
+                                  </p:childTnLst>
+                                </p:cTn>
+                              </p:par>
+                            </p:childTnLst>
+                          </p:cTn>
+                        </p:par>
+                      </p:childTnLst>
+                    </p:cTn>
+                  </p:par>
+                  <p:par>
+                    <p:cTn id="11" fill="hold" nodeType="clickPar">
+                      <p:stCondLst>
+                        <p:cond delay="indefinite"/>
+                      </p:stCondLst>
+                      <p:childTnLst>
+                        <p:par>
+                          <p:cTn id="12" fill="hold" nodeType="withGroup">
+                            <p:stCondLst>
+                              <p:cond delay="0"/>
+                            </p:stCondLst>
+                            <p:childTnLst>
+                              <p:par>
+                                <p:cTn id="13" presetID="1" presetClass="entr" presetSubtype="0" fill="hold" nodeType="clickEffect">
+                                  <p:stCondLst>
+                                    <p:cond delay="0"/>
+                                  </p:stCondLst>
+                                  <p:childTnLst>
+                                    <p:set>
+                                      <p:cBhvr>
+                                        <p:cTn id="14" dur="1" fill="hold">
+                                          <p:stCondLst>
+                                            <p:cond delay="0"/>
+                                          </p:stCondLst>
+                                        </p:cTn>
+                                        <p:tgtEl>
+                                          <p:spTgt spid="369667">
+                                            <p:txEl>
+                                              <p:pRg st="3" end="3"/>
+                                            </p:txEl>
+                                          </p:spTgt>
+                                        </p:tgtEl>
+                                        <p:attrNameLst>
+                                          <p:attrName>style.visibility</p:attrName>
+                                        </p:attrNameLst>
+                                      </p:cBhvr>
+                                      <p:to>
+                                        <p:strVal val="visible"/>
+                                      </p:to>
+                                    </p:set>
+                                  </p:childTnLst>
+                                </p:cTn>
+                              </p:par>
+                            </p:childTnLst>
+                          </p:cTn>
+                        </p:par>
+                      </p:childTnLst>
+                    </p:cTn>
+                  </p:par>
+                  <p:par>
+                    <p:cTn id="15" fill="hold" nodeType="clickPar">
+                      <p:stCondLst>
+                        <p:cond delay="indefinite"/>
+                      </p:stCondLst>
+                      <p:childTnLst>
+                        <p:par>
+                          <p:cTn id="16" fill="hold" nodeType="withGroup">
+                            <p:stCondLst>
+                              <p:cond delay="0"/>
+                            </p:stCondLst>
+                            <p:childTnLst>
+                              <p:par>
+                                <p:cTn id="17" presetID="1" presetClass="entr" presetSubtype="0" fill="hold" nodeType="clickEffect">
+                                  <p:stCondLst>
+                                    <p:cond delay="0"/>
+                                  </p:stCondLst>
+                                  <p:childTnLst>
+                                    <p:set>
+                                      <p:cBhvr>
+                                        <p:cTn id="18" dur="1" fill="hold">
+                                          <p:stCondLst>
+                                            <p:cond delay="0"/>
+                                          </p:stCondLst>
+                                        </p:cTn>
+                                        <p:tgtEl>
+                                          <p:spTgt spid="369667">
+                                            <p:txEl>
+                                              <p:pRg st="4" end="4"/>
+                                            </p:txEl>
+                                          </p:spTgt>
+                                        </p:tgtEl>
+                                        <p:attrNameLst>
+                                          <p:attrName>style.visibility</p:attrName>
+                                        </p:attrNameLst>
+                                      </p:cBhvr>
+                                      <p:to>
+                                        <p:strVal val="visible"/>
+                                      </p:to>
+                                    </p:set>
+                                  </p:childTnLst>
+                                </p:cTn>
+                              </p:par>
+                            </p:childTnLst>
+                          </p:cTn>
+                        </p:par>
+                      </p:childTnLst>
+                    </p:cTn>
+                  </p:par>
+                  <p:par>
+                    <p:cTn id="19" fill="hold" nodeType="clickPar">
+                      <p:stCondLst>
+                        <p:cond delay="indefinite"/>
+                      </p:stCondLst>
+                      <p:childTnLst>
+                        <p:par>
+                          <p:cTn id="20" fill="hold" nodeType="withGroup">
+                            <p:stCondLst>
+                              <p:cond delay="0"/>
+                            </p:stCondLst>
+                            <p:childTnLst>
+                              <p:par>
+                                <p:cTn id="21" presetID="1" presetClass="entr" presetSubtype="0" fill="hold" nodeType="clickEffect">
+                                  <p:stCondLst>
+                                    <p:cond delay="0"/>
+                                  </p:stCondLst>
+                                  <p:childTnLst>
+                                    <p:set>
+                                      <p:cBhvr>
+                                        <p:cTn id="22" dur="1" fill="hold">
+                                          <p:stCondLst>
+                                            <p:cond delay="0"/>
+                                          </p:stCondLst>
+                                        </p:cTn>
+                                        <p:tgtEl>
+                                          <p:spTgt spid="369667">
+                                            <p:txEl>
+                                              <p:pRg st="5" end="5"/>
+                                            </p:txEl>
+                                          </p:spTgt>
+                                        </p:tgtEl>
+                                        <p:attrNameLst>
+                                          <p:attrName>style.visibility</p:attrName>
+                                        </p:attrNameLst>
+                                      </p:cBhvr>
+                                      <p:to>
+                                        <p:strVal val="visible"/>
+                                      </p:to>
+                                    </p:set>
+                                  </p:childTnLst>
+                                </p:cTn>
+                              </p:par>
+                            </p:childTnLst>
+                          </p:cTn>
+                        </p:par>
+                      </p:childTnLst>
+                    </p:cTn>
+                  </p:par>
+                  <p:par>
+                    <p:cTn id="23" fill="hold" nodeType="clickPar">
+                      <p:stCondLst>
+                        <p:cond delay="indefinite"/>
+                      </p:stCondLst>
+                      <p:childTnLst>
+                        <p:par>
+                          <p:cTn id="24" fill="hold" nodeType="withGroup">
+                            <p:stCondLst>
+                              <p:cond delay="0"/>
+                            </p:stCondLst>
+                            <p:childTnLst>
+                              <p:par>
+                                <p:cTn id="25" presetID="1" presetClass="entr" presetSubtype="0" fill="hold" nodeType="clickEffect">
+                                  <p:stCondLst>
+                                    <p:cond delay="0"/>
+                                  </p:stCondLst>
+                                  <p:childTnLst>
+                                    <p:set>
+                                      <p:cBhvr>
+                                        <p:cTn id="26" dur="1" fill="hold">
+                                          <p:stCondLst>
+                                            <p:cond delay="0"/>
+                                          </p:stCondLst>
+                                        </p:cTn>
+                                        <p:tgtEl>
+                                          <p:spTgt spid="369667">
+                                            <p:txEl>
+                                              <p:pRg st="6" end="6"/>
+                                            </p:txEl>
+                                          </p:spTgt>
+                                        </p:tgtEl>
+                                        <p:attrNameLst>
+                                          <p:attrName>style.visibility</p:attrName>
+                                        </p:attrNameLst>
+                                      </p:cBhvr>
+                                      <p:to>
+                                        <p:strVal val="visible"/>
+                                      </p:to>
+                                    </p:set>
+                                  </p:childTnLst>
+                                </p:cTn>
+                              </p:par>
+                            </p:childTnLst>
+                          </p:cTn>
+                        </p:par>
+                      </p:childTnLst>
+                    </p:cTn>
+                  </p:par>
+                  <p:par>
+                    <p:cTn id="27" fill="hold" nodeType="clickPar">
+                      <p:stCondLst>
+                        <p:cond delay="indefinite"/>
+                      </p:stCondLst>
+                      <p:childTnLst>
+                        <p:par>
+                          <p:cTn id="28" fill="hold" nodeType="withGroup">
+                            <p:stCondLst>
+                              <p:cond delay="0"/>
+                            </p:stCondLst>
+                            <p:childTnLst>
+                              <p:par>
+                                <p:cTn id="29" presetID="1" presetClass="entr" presetSubtype="0" fill="hold" nodeType="clickEffect">
+                                  <p:stCondLst>
+                                    <p:cond delay="0"/>
+                                  </p:stCondLst>
+                                  <p:childTnLst>
+                                    <p:set>
+                                      <p:cBhvr>
+                                        <p:cTn id="30" dur="1" fill="hold">
+                                          <p:stCondLst>
+                                            <p:cond delay="0"/>
+                                          </p:stCondLst>
+                                        </p:cTn>
+                                        <p:tgtEl>
+                                          <p:spTgt spid="369667">
+                                            <p:txEl>
+                                              <p:pRg st="7" end="7"/>
+                                            </p:txEl>
+                                          </p:spTgt>
+                                        </p:tgtEl>
+                                        <p:attrNameLst>
+                                          <p:attrName>style.visibility</p:attrName>
+                                        </p:attrNameLst>
+                                      </p:cBhvr>
+                                      <p:to>
+                                        <p:strVal val="visible"/>
+                                      </p:to>
+                                    </p:set>
+                                  </p:childTnLst>
+                                </p:cTn>
+                              </p:par>
+                            </p:childTnLst>
+                          </p:cTn>
+                        </p:par>
+                      </p:childTnLst>
+                    </p:cTn>
+                  </p:par>
+                  <p:par>
+                    <p:cTn id="31" fill="hold" nodeType="clickPar">
+                      <p:stCondLst>
+                        <p:cond delay="indefinite"/>
+                      </p:stCondLst>
+                      <p:childTnLst>
+                        <p:par>
+                          <p:cTn id="32" fill="hold" nodeType="withGroup">
+                            <p:stCondLst>
+                              <p:cond delay="0"/>
+                            </p:stCondLst>
+                            <p:childTnLst>
+                              <p:par>
+                                <p:cTn id="33" presetID="1" presetClass="entr" presetSubtype="0" fill="hold" nodeType="clickEffect">
+                                  <p:stCondLst>
+                                    <p:cond delay="0"/>
+                                  </p:stCondLst>
+                                  <p:childTnLst>
+                                    <p:set>
+                                      <p:cBhvr>
+                                        <p:cTn id="34" dur="1" fill="hold">
+                                          <p:stCondLst>
+                                            <p:cond delay="0"/>
+                                          </p:stCondLst>
+                                        </p:cTn>
+                                        <p:tgtEl>
+                                          <p:spTgt spid="369667">
+                                            <p:txEl>
+                                              <p:pRg st="8" end="8"/>
+                                            </p:txEl>
+                                          </p:spTgt>
+                                        </p:tgtEl>
+                                        <p:attrNameLst>
+                                          <p:attrName>style.visibility</p:attrName>
+                                        </p:attrNameLst>
+                                      </p:cBhvr>
+                                      <p:to>
+                                        <p:strVal val="visible"/>
+                                      </p:to>
+                                    </p:set>
+                                  </p:childTnLst>
+                                </p:cTn>
+                              </p:par>
+                            </p:childTnLst>
+                          </p:cTn>
+                        </p:par>
+                      </p:childTnLst>
+                    </p:cTn>
+                  </p:par>
+                  <p:par>
+                    <p:cTn id="35" fill="hold" nodeType="clickPar">
+                      <p:stCondLst>
+                        <p:cond delay="indefinite"/>
+                      </p:stCondLst>
+                      <p:childTnLst>
+                        <p:par>
+                          <p:cTn id="36" fill="hold" nodeType="withGroup">
+                            <p:stCondLst>
+                              <p:cond delay="0"/>
+                            </p:stCondLst>
+                            <p:childTnLst>
+                              <p:par>
+                                <p:cTn id="37" presetID="1" presetClass="entr" presetSubtype="0" fill="hold" nodeType="clickEffect">
+                                  <p:stCondLst>
+                                    <p:cond delay="0"/>
+                                  </p:stCondLst>
+                                  <p:childTnLst>
+                                    <p:set>
+                                      <p:cBhvr>
+                                        <p:cTn id="38" dur="1" fill="hold">
+                                          <p:stCondLst>
+                                            <p:cond delay="0"/>
+                                          </p:stCondLst>
+                                        </p:cTn>
+                                        <p:tgtEl>
+                                          <p:spTgt spid="369667">
+                                            <p:txEl>
+                                              <p:pRg st="9" end="9"/>
+                                            </p:txEl>
+                                          </p:spTgt>
+                                        </p:tgtEl>
+                                        <p:attrNameLst>
+                                          <p:attrName>style.visibility</p:attrName>
+                                        </p:attrNameLst>
+                                      </p:cBhvr>
+                                      <p:to>
+                                        <p:strVal val="visible"/>
+                                      </p:to>
+                                    </p:set>
+                                  </p:childTnLst>
+                                </p:cTn>
+                              </p:par>
+                            </p:childTnLst>
+                          </p:cTn>
+                        </p:par>
+                      </p:childTnLst>
+                    </p:cTn>
+                  </p:par>
+                  <p:par>
+                    <p:cTn id="39" fill="hold" nodeType="clickPar">
+                      <p:stCondLst>
+                        <p:cond delay="indefinite"/>
+                      </p:stCondLst>
+                      <p:childTnLst>
+                        <p:par>
+                          <p:cTn id="40" fill="hold" nodeType="withGroup">
+                            <p:stCondLst>
+                              <p:cond delay="0"/>
+                            </p:stCondLst>
+                            <p:childTnLst>
+                              <p:par>
+                                <p:cTn id="41" presetID="1" presetClass="entr" presetSubtype="0" fill="hold" nodeType="clickEffect">
+                                  <p:stCondLst>
+                                    <p:cond delay="0"/>
+                                  </p:stCondLst>
+                                  <p:childTnLst>
+                                    <p:set>
+                                      <p:cBhvr>
+                                        <p:cTn id="42" dur="1" fill="hold">
+                                          <p:stCondLst>
+                                            <p:cond delay="0"/>
+                                          </p:stCondLst>
+                                        </p:cTn>
+                                        <p:tgtEl>
+                                          <p:spTgt spid="369667">
+                                            <p:txEl>
+                                              <p:pRg st="10" end="10"/>
+                                            </p:txEl>
+                                          </p:spTgt>
+                                        </p:tgtEl>
+                                        <p:attrNameLst>
+                                          <p:attrName>style.visibility</p:attrName>
+                                        </p:attrNameLst>
+                                      </p:cBhvr>
+                                      <p:to>
+                                        <p:strVal val="visible"/>
+                                      </p:to>
+                                    </p:set>
+                                  </p:childTnLst>
+                                </p:cTn>
+                              </p:par>
+                            </p:childTnLst>
+                          </p:cTn>
+                        </p:par>
+                      </p:childTnLst>
+                    </p:cTn>
+                  </p:par>
+                  <p:par>
+                    <p:cTn id="43" fill="hold" nodeType="clickPar">
+                      <p:stCondLst>
+                        <p:cond delay="indefinite"/>
+                      </p:stCondLst>
+                      <p:childTnLst>
+                        <p:par>
+                          <p:cTn id="44" fill="hold" nodeType="withGroup">
+                            <p:stCondLst>
+                              <p:cond delay="0"/>
+                            </p:stCondLst>
+                            <p:childTnLst>
+                              <p:par>
+                                <p:cTn id="45" presetID="1" presetClass="entr" presetSubtype="0" fill="hold" nodeType="clickEffect">
+                                  <p:stCondLst>
+                                    <p:cond delay="0"/>
+                                  </p:stCondLst>
+                                  <p:childTnLst>
+                                    <p:set>
+                                      <p:cBhvr>
+                                        <p:cTn id="46" dur="1" fill="hold">
+                                          <p:stCondLst>
+                                            <p:cond delay="0"/>
+                                          </p:stCondLst>
+                                        </p:cTn>
+                                        <p:tgtEl>
+                                          <p:spTgt spid="369667">
+                                            <p:txEl>
+                                              <p:pRg st="11" end="11"/>
+                                            </p:txEl>
+                                          </p:spTgt>
+                                        </p:tgtEl>
+                                        <p:attrNameLst>
+                                          <p:attrName>style.visibility</p:attrName>
+                                        </p:attrNameLst>
+                                      </p:cBhvr>
+                                      <p:to>
+                                        <p:strVal val="visible"/>
+                                      </p:to>
+                                    </p:set>
+                                  </p:childTnLst>
+                                </p:cTn>
+                              </p:par>
+                            </p:childTnLst>
+                          </p:cTn>
+                        </p:par>
+                      </p:childTnLst>
+                    </p:cTn>
+                  </p:par>
+                  <p:par>
+                    <p:cTn id="47" fill="hold" nodeType="clickPar">
+                      <p:stCondLst>
+                        <p:cond delay="indefinite"/>
+                      </p:stCondLst>
+                      <p:childTnLst>
+                        <p:par>
+                          <p:cTn id="48" fill="hold" nodeType="withGroup">
+                            <p:stCondLst>
+                              <p:cond delay="0"/>
+                            </p:stCondLst>
+                            <p:childTnLst>
+                              <p:par>
+                                <p:cTn id="49" presetID="1" presetClass="entr" presetSubtype="0" fill="hold" nodeType="clickEffect">
+                                  <p:stCondLst>
+                                    <p:cond delay="0"/>
+                                  </p:stCondLst>
+                                  <p:childTnLst>
+                                    <p:set>
+                                      <p:cBhvr>
+                                        <p:cTn id="50" dur="1" fill="hold">
+                                          <p:stCondLst>
+                                            <p:cond delay="0"/>
+                                          </p:stCondLst>
+                                        </p:cTn>
+                                        <p:tgtEl>
+                                          <p:spTgt spid="369667">
+                                            <p:txEl>
+                                              <p:pRg st="12" end="12"/>
+                                            </p:txEl>
+                                          </p:spTgt>
+                                        </p:tgtEl>
+                                        <p:attrNameLst>
+                                          <p:attrName>style.visibility</p:attrName>
+                                        </p:attrNameLst>
+                                      </p:cBhvr>
+                                      <p:to>
+                                        <p:strVal val="visible"/>
+                                      </p:to>
+                                    </p:set>
+                                  </p:childTnLst>
+                                </p:cTn>
+                              </p:par>
+                            </p:childTnLst>
+                          </p:cTn>
+                        </p:par>
+                      </p:childTnLst>
+                    </p:cTn>
+                  </p:par>
+                  <p:par>
+                    <p:cTn id="51" fill="hold" nodeType="clickPar">
+                      <p:stCondLst>
+                        <p:cond delay="indefinite"/>
+                      </p:stCondLst>
+                      <p:childTnLst>
+                        <p:par>
+                          <p:cTn id="52" fill="hold" nodeType="withGroup">
+                            <p:stCondLst>
+                              <p:cond delay="0"/>
+                            </p:stCondLst>
+                            <p:childTnLst>
+                              <p:par>
+                                <p:cTn id="53" presetID="1" presetClass="entr" presetSubtype="0" fill="hold" nodeType="clickEffect">
+                                  <p:stCondLst>
+                                    <p:cond delay="0"/>
+                                  </p:stCondLst>
+                                  <p:childTnLst>
+                                    <p:set>
+                                      <p:cBhvr>
+                                        <p:cTn id="54" dur="1" fill="hold">
+                                          <p:stCondLst>
+                                            <p:cond delay="0"/>
+                                          </p:stCondLst>
+                                        </p:cTn>
+                                        <p:tgtEl>
+                                          <p:spTgt spid="369667">
+                                            <p:txEl>
+                                              <p:pRg st="13" end="13"/>
+                                            </p:txEl>
+                                          </p:spTgt>
+                                        </p:tgtEl>
+                                        <p:attrNameLst>
+                                          <p:attrName>style.visibility</p:attrName>
+                                        </p:attrNameLst>
+                                      </p:cBhvr>
+                                      <p:to>
+                                        <p:strVal val="visible"/>
+                                      </p:to>
+                                    </p:set>
+                                  </p:childTnLst>
+                                </p:cTn>
+                              </p:par>
+                            </p:childTnLst>
+                          </p:cTn>
+                        </p:par>
+                      </p:childTnLst>
+                    </p:cTn>
+                  </p:par>
+                </p:childTnLst>
+              </p:cTn>
+              <p:prevCondLst>
+                <p:cond evt="onPrev" delay="0">
+                  <p:tgtEl>
+                    <p:sldTgt/>
+                  </p:tgtEl>
+                </p:cond>
+              </p:prevCondLst>
+              <p:nextCondLst>
+                <p:cond evt="onNext" delay="0">
+                  <p:tgtEl>
+                    <p:sldTgt/>
+                  </p:tgtEl>
+                </p:cond>
+              </p:nextCondLst>
+            </p:seq>
+          </p:childTnLst>
+        </p:cTn>
+      </p:par>
+    </p:tnLst>
+  </p:timing>
+</p:sld>
+</file>
+
+<file path=ppt/slides/slide41.xml><?xml version="1.0" encoding="utf-8"?>
+<p:sld xmlns:a="http://schemas.openxmlformats.org/drawingml/2006/main" xmlns:r="http://schemas.openxmlformats.org/officeDocument/2006/relationships" xmlns:p="http://schemas.openxmlformats.org/presentationml/2006/main">
+  <p:cSld>
+    <p:spTree>
+      <p:nvGrpSpPr>
+        <p:cNvPr id="1" name=""/>
+        <p:cNvGrpSpPr/>
+        <p:nvPr/>
+      </p:nvGrpSpPr>
+      <p:grpSpPr>
+        <a:xfrm>
+          <a:off x="0" y="0"/>
+          <a:ext cx="0" cy="0"/>
+          <a:chOff x="0" y="0"/>
+          <a:chExt cx="0" cy="0"/>
+        </a:xfrm>
+      </p:grpSpPr>
+      <p:sp>
+        <p:nvSpPr>
+          <p:cNvPr id="2" name="Title 1">
+            <a:extLst>
+              <a:ext uri="{FF2B5EF4-FFF2-40B4-BE49-F238E27FC236}">
+                <a16:creationId xmlns:a16="http://schemas.microsoft.com/office/drawing/2014/main" id="{BC6F9511-CB58-AC49-AD98-860912780FFE}"/>
+              </a:ext>
+            </a:extLst>
+          </p:cNvPr>
+          <p:cNvSpPr>
+            <a:spLocks noGrp="1"/>
+          </p:cNvSpPr>
+          <p:nvPr>
+            <p:ph type="title"/>
+          </p:nvPr>
+        </p:nvSpPr>
+        <p:spPr>
+          <a:xfrm>
+            <a:off x="167177" y="128185"/>
+            <a:ext cx="7886700" cy="588511"/>
+          </a:xfrm>
+        </p:spPr>
+        <p:txBody>
+          <a:bodyPr/>
+          <a:lstStyle/>
+          <a:p>
+            <a:r>
+              <a:rPr lang="en-US" dirty="0"/>
+              <a:t>Do Problem 2018 #2</a:t>
+            </a:r>
+          </a:p>
+        </p:txBody>
+      </p:sp>
+      <p:sp>
+        <p:nvSpPr>
+          <p:cNvPr id="3" name="Content Placeholder 2">
+            <a:extLst>
+              <a:ext uri="{FF2B5EF4-FFF2-40B4-BE49-F238E27FC236}">
+                <a16:creationId xmlns:a16="http://schemas.microsoft.com/office/drawing/2014/main" id="{CE6BD10B-9D13-604D-9877-97B355109287}"/>
+              </a:ext>
+            </a:extLst>
+          </p:cNvPr>
+          <p:cNvSpPr>
+            <a:spLocks noGrp="1"/>
+          </p:cNvSpPr>
+          <p:nvPr>
+            <p:ph idx="1"/>
+          </p:nvPr>
+        </p:nvSpPr>
+        <p:spPr>
+          <a:xfrm>
+            <a:off x="167177" y="888763"/>
+            <a:ext cx="8780270" cy="4623273"/>
+          </a:xfrm>
+        </p:spPr>
+        <p:txBody>
+          <a:bodyPr/>
+          <a:lstStyle/>
+          <a:p>
+            <a:pPr marL="0" indent="0">
+              <a:buNone/>
+            </a:pPr>
+            <a:endParaRPr lang="en-US" dirty="0">
+              <a:latin typeface="Gill Sans MT" panose="020B0502020104020203" pitchFamily="34" charset="77"/>
+              <a:cs typeface="Courier New" panose="02070309020205020404" pitchFamily="49" charset="0"/>
+            </a:endParaRPr>
+          </a:p>
+          <a:p>
+            <a:pPr marL="0" indent="0">
+              <a:buNone/>
+            </a:pPr>
+            <a:endParaRPr lang="en-US" dirty="0">
+              <a:latin typeface="Gill Sans MT" panose="020B0502020104020203" pitchFamily="34" charset="77"/>
+              <a:cs typeface="Courier New" panose="02070309020205020404" pitchFamily="49" charset="0"/>
+            </a:endParaRPr>
+          </a:p>
+          <a:p>
+            <a:pPr marL="0" indent="0">
+              <a:buNone/>
+            </a:pPr>
+            <a:endParaRPr lang="en-US">
+              <a:latin typeface="Gill Sans MT" panose="020B0502020104020203" pitchFamily="34" charset="77"/>
+              <a:cs typeface="Courier New" panose="02070309020205020404" pitchFamily="49" charset="0"/>
+            </a:endParaRPr>
+          </a:p>
+          <a:p>
+            <a:pPr marL="0" indent="0">
+              <a:buNone/>
+            </a:pPr>
+            <a:r>
+              <a:rPr lang="en-US">
+                <a:latin typeface="Gill Sans MT" panose="020B0502020104020203" pitchFamily="34" charset="77"/>
+                <a:cs typeface="Courier New" panose="02070309020205020404" pitchFamily="49" charset="0"/>
+              </a:rPr>
+              <a:t>Complete </a:t>
+            </a:r>
+            <a:r>
+              <a:rPr lang="en-US" dirty="0">
+                <a:latin typeface="Gill Sans MT" panose="020B0502020104020203" pitchFamily="34" charset="77"/>
+                <a:cs typeface="Courier New" panose="02070309020205020404" pitchFamily="49" charset="0"/>
+              </a:rPr>
+              <a:t>2018 #2. </a:t>
+            </a:r>
+          </a:p>
+          <a:p>
+            <a:pPr marL="0" indent="0">
+              <a:buNone/>
+            </a:pPr>
+            <a:endParaRPr lang="en-US" dirty="0">
+              <a:latin typeface="Gill Sans MT" panose="020B0502020104020203" pitchFamily="34" charset="77"/>
+              <a:cs typeface="Courier New" panose="02070309020205020404" pitchFamily="49" charset="0"/>
+            </a:endParaRPr>
+          </a:p>
+          <a:p>
+            <a:pPr marL="0" indent="0">
+              <a:buNone/>
+            </a:pPr>
+            <a:r>
+              <a:rPr lang="en-US" dirty="0">
+                <a:latin typeface="Gill Sans MT" panose="020B0502020104020203" pitchFamily="34" charset="77"/>
+                <a:cs typeface="Courier New" panose="02070309020205020404" pitchFamily="49" charset="0"/>
+              </a:rPr>
+              <a:t>This is a good problem that uses 1D array,  </a:t>
+            </a:r>
+            <a:r>
+              <a:rPr lang="en-US" dirty="0" err="1">
+                <a:latin typeface="Gill Sans MT" panose="020B0502020104020203" pitchFamily="34" charset="77"/>
+                <a:cs typeface="Courier New" panose="02070309020205020404" pitchFamily="49" charset="0"/>
+              </a:rPr>
+              <a:t>Arraylist</a:t>
+            </a:r>
+            <a:r>
+              <a:rPr lang="en-US" dirty="0">
+                <a:latin typeface="Gill Sans MT" panose="020B0502020104020203" pitchFamily="34" charset="77"/>
+                <a:cs typeface="Courier New" panose="02070309020205020404" pitchFamily="49" charset="0"/>
+              </a:rPr>
+              <a:t>, and Strings and is a good Question 1(Methods/Control Structures) type of problem. </a:t>
+            </a:r>
+          </a:p>
+          <a:p>
+            <a:pPr marL="0" indent="0">
+              <a:buNone/>
+            </a:pPr>
+            <a:endParaRPr lang="en-US" dirty="0">
+              <a:latin typeface="Gill Sans MT" panose="020B0502020104020203" pitchFamily="34" charset="77"/>
+              <a:cs typeface="Courier New" panose="02070309020205020404" pitchFamily="49" charset="0"/>
+            </a:endParaRPr>
+          </a:p>
+        </p:txBody>
+      </p:sp>
+    </p:spTree>
+    <p:extLst>
+      <p:ext uri="{BB962C8B-B14F-4D97-AF65-F5344CB8AC3E}">
+        <p14:creationId xmlns:p14="http://schemas.microsoft.com/office/powerpoint/2010/main" val="988052880"/>
+      </p:ext>
+    </p:extLst>
+  </p:cSld>
+  <p:clrMapOvr>
+    <a:masterClrMapping/>
+  </p:clrMapOvr>
 </p:sld>
 </file>
 
@@ -17098,4 +23852,299 @@
     </a:ext>
   </a:extLst>
 </a:theme>
+</file>
+
+<file path=ppt/theme/theme2.xml><?xml version="1.0" encoding="utf-8"?>
+<a:theme xmlns:a="http://schemas.openxmlformats.org/drawingml/2006/main" name="Office Theme">
+  <a:themeElements>
+    <a:clrScheme name="Office">
+      <a:dk1>
+        <a:sysClr val="windowText" lastClr="000000"/>
+      </a:dk1>
+      <a:lt1>
+        <a:sysClr val="window" lastClr="FFFFFF"/>
+      </a:lt1>
+      <a:dk2>
+        <a:srgbClr val="44546A"/>
+      </a:dk2>
+      <a:lt2>
+        <a:srgbClr val="E7E6E6"/>
+      </a:lt2>
+      <a:accent1>
+        <a:srgbClr val="4472C4"/>
+      </a:accent1>
+      <a:accent2>
+        <a:srgbClr val="ED7D31"/>
+      </a:accent2>
+      <a:accent3>
+        <a:srgbClr val="A5A5A5"/>
+      </a:accent3>
+      <a:accent4>
+        <a:srgbClr val="FFC000"/>
+      </a:accent4>
+      <a:accent5>
+        <a:srgbClr val="5B9BD5"/>
+      </a:accent5>
+      <a:accent6>
+        <a:srgbClr val="70AD47"/>
+      </a:accent6>
+      <a:hlink>
+        <a:srgbClr val="0563C1"/>
+      </a:hlink>
+      <a:folHlink>
+        <a:srgbClr val="954F72"/>
+      </a:folHlink>
+    </a:clrScheme>
+    <a:fontScheme name="Office">
+      <a:majorFont>
+        <a:latin typeface="Calibri Light" panose="020F0302020204030204"/>
+        <a:ea typeface=""/>
+        <a:cs typeface=""/>
+        <a:font script="Jpan" typeface="游ゴシック Light"/>
+        <a:font script="Hang" typeface="맑은 고딕"/>
+        <a:font script="Hans" typeface="等线 Light"/>
+        <a:font script="Hant" typeface="新細明體"/>
+        <a:font script="Arab" typeface="Times New Roman"/>
+        <a:font script="Hebr" typeface="Times New Roman"/>
+        <a:font script="Thai" typeface="Angsana New"/>
+        <a:font script="Ethi" typeface="Nyala"/>
+        <a:font script="Beng" typeface="Vrinda"/>
+        <a:font script="Gujr" typeface="Shruti"/>
+        <a:font script="Khmr" typeface="MoolBoran"/>
+        <a:font script="Knda" typeface="Tunga"/>
+        <a:font script="Guru" typeface="Raavi"/>
+        <a:font script="Cans" typeface="Euphemia"/>
+        <a:font script="Cher" typeface="Plantagenet Cherokee"/>
+        <a:font script="Yiii" typeface="Microsoft Yi Baiti"/>
+        <a:font script="Tibt" typeface="Microsoft Himalaya"/>
+        <a:font script="Thaa" typeface="MV Boli"/>
+        <a:font script="Deva" typeface="Mangal"/>
+        <a:font script="Telu" typeface="Gautami"/>
+        <a:font script="Taml" typeface="Latha"/>
+        <a:font script="Syrc" typeface="Estrangelo Edessa"/>
+        <a:font script="Orya" typeface="Kalinga"/>
+        <a:font script="Mlym" typeface="Kartika"/>
+        <a:font script="Laoo" typeface="DokChampa"/>
+        <a:font script="Sinh" typeface="Iskoola Pota"/>
+        <a:font script="Mong" typeface="Mongolian Baiti"/>
+        <a:font script="Viet" typeface="Times New Roman"/>
+        <a:font script="Uigh" typeface="Microsoft Uighur"/>
+        <a:font script="Geor" typeface="Sylfaen"/>
+        <a:font script="Armn" typeface="Arial"/>
+        <a:font script="Bugi" typeface="Leelawadee UI"/>
+        <a:font script="Bopo" typeface="Microsoft JhengHei"/>
+        <a:font script="Java" typeface="Javanese Text"/>
+        <a:font script="Lisu" typeface="Segoe UI"/>
+        <a:font script="Mymr" typeface="Myanmar Text"/>
+        <a:font script="Nkoo" typeface="Ebrima"/>
+        <a:font script="Olck" typeface="Nirmala UI"/>
+        <a:font script="Osma" typeface="Ebrima"/>
+        <a:font script="Phag" typeface="Phagspa"/>
+        <a:font script="Syrn" typeface="Estrangelo Edessa"/>
+        <a:font script="Syrj" typeface="Estrangelo Edessa"/>
+        <a:font script="Syre" typeface="Estrangelo Edessa"/>
+        <a:font script="Sora" typeface="Nirmala UI"/>
+        <a:font script="Tale" typeface="Microsoft Tai Le"/>
+        <a:font script="Talu" typeface="Microsoft New Tai Lue"/>
+        <a:font script="Tfng" typeface="Ebrima"/>
+      </a:majorFont>
+      <a:minorFont>
+        <a:latin typeface="Calibri" panose="020F0502020204030204"/>
+        <a:ea typeface=""/>
+        <a:cs typeface=""/>
+        <a:font script="Jpan" typeface="游ゴシック"/>
+        <a:font script="Hang" typeface="맑은 고딕"/>
+        <a:font script="Hans" typeface="等线"/>
+        <a:font script="Hant" typeface="新細明體"/>
+        <a:font script="Arab" typeface="Arial"/>
+        <a:font script="Hebr" typeface="Arial"/>
+        <a:font script="Thai" typeface="Cordia New"/>
+        <a:font script="Ethi" typeface="Nyala"/>
+        <a:font script="Beng" typeface="Vrinda"/>
+        <a:font script="Gujr" typeface="Shruti"/>
+        <a:font script="Khmr" typeface="DaunPenh"/>
+        <a:font script="Knda" typeface="Tunga"/>
+        <a:font script="Guru" typeface="Raavi"/>
+        <a:font script="Cans" typeface="Euphemia"/>
+        <a:font script="Cher" typeface="Plantagenet Cherokee"/>
+        <a:font script="Yiii" typeface="Microsoft Yi Baiti"/>
+        <a:font script="Tibt" typeface="Microsoft Himalaya"/>
+        <a:font script="Thaa" typeface="MV Boli"/>
+        <a:font script="Deva" typeface="Mangal"/>
+        <a:font script="Telu" typeface="Gautami"/>
+        <a:font script="Taml" typeface="Latha"/>
+        <a:font script="Syrc" typeface="Estrangelo Edessa"/>
+        <a:font script="Orya" typeface="Kalinga"/>
+        <a:font script="Mlym" typeface="Kartika"/>
+        <a:font script="Laoo" typeface="DokChampa"/>
+        <a:font script="Sinh" typeface="Iskoola Pota"/>
+        <a:font script="Mong" typeface="Mongolian Baiti"/>
+        <a:font script="Viet" typeface="Arial"/>
+        <a:font script="Uigh" typeface="Microsoft Uighur"/>
+        <a:font script="Geor" typeface="Sylfaen"/>
+        <a:font script="Armn" typeface="Arial"/>
+        <a:font script="Bugi" typeface="Leelawadee UI"/>
+        <a:font script="Bopo" typeface="Microsoft JhengHei"/>
+        <a:font script="Java" typeface="Javanese Text"/>
+        <a:font script="Lisu" typeface="Segoe UI"/>
+        <a:font script="Mymr" typeface="Myanmar Text"/>
+        <a:font script="Nkoo" typeface="Ebrima"/>
+        <a:font script="Olck" typeface="Nirmala UI"/>
+        <a:font script="Osma" typeface="Ebrima"/>
+        <a:font script="Phag" typeface="Phagspa"/>
+        <a:font script="Syrn" typeface="Estrangelo Edessa"/>
+        <a:font script="Syrj" typeface="Estrangelo Edessa"/>
+        <a:font script="Syre" typeface="Estrangelo Edessa"/>
+        <a:font script="Sora" typeface="Nirmala UI"/>
+        <a:font script="Tale" typeface="Microsoft Tai Le"/>
+        <a:font script="Talu" typeface="Microsoft New Tai Lue"/>
+        <a:font script="Tfng" typeface="Ebrima"/>
+      </a:minorFont>
+    </a:fontScheme>
+    <a:fmtScheme name="Office">
+      <a:fillStyleLst>
+        <a:solidFill>
+          <a:schemeClr val="phClr"/>
+        </a:solidFill>
+        <a:gradFill rotWithShape="1">
+          <a:gsLst>
+            <a:gs pos="0">
+              <a:schemeClr val="phClr">
+                <a:lumMod val="110000"/>
+                <a:satMod val="105000"/>
+                <a:tint val="67000"/>
+              </a:schemeClr>
+            </a:gs>
+            <a:gs pos="50000">
+              <a:schemeClr val="phClr">
+                <a:lumMod val="105000"/>
+                <a:satMod val="103000"/>
+                <a:tint val="73000"/>
+              </a:schemeClr>
+            </a:gs>
+            <a:gs pos="100000">
+              <a:schemeClr val="phClr">
+                <a:lumMod val="105000"/>
+                <a:satMod val="109000"/>
+                <a:tint val="81000"/>
+              </a:schemeClr>
+            </a:gs>
+          </a:gsLst>
+          <a:lin ang="5400000" scaled="0"/>
+        </a:gradFill>
+        <a:gradFill rotWithShape="1">
+          <a:gsLst>
+            <a:gs pos="0">
+              <a:schemeClr val="phClr">
+                <a:satMod val="103000"/>
+                <a:lumMod val="102000"/>
+                <a:tint val="94000"/>
+              </a:schemeClr>
+            </a:gs>
+            <a:gs pos="50000">
+              <a:schemeClr val="phClr">
+                <a:satMod val="110000"/>
+                <a:lumMod val="100000"/>
+                <a:shade val="100000"/>
+              </a:schemeClr>
+            </a:gs>
+            <a:gs pos="100000">
+              <a:schemeClr val="phClr">
+                <a:lumMod val="99000"/>
+                <a:satMod val="120000"/>
+                <a:shade val="78000"/>
+              </a:schemeClr>
+            </a:gs>
+          </a:gsLst>
+          <a:lin ang="5400000" scaled="0"/>
+        </a:gradFill>
+      </a:fillStyleLst>
+      <a:lnStyleLst>
+        <a:ln w="6350" cap="flat" cmpd="sng" algn="ctr">
+          <a:solidFill>
+            <a:schemeClr val="phClr"/>
+          </a:solidFill>
+          <a:prstDash val="solid"/>
+          <a:miter lim="800000"/>
+        </a:ln>
+        <a:ln w="12700" cap="flat" cmpd="sng" algn="ctr">
+          <a:solidFill>
+            <a:schemeClr val="phClr"/>
+          </a:solidFill>
+          <a:prstDash val="solid"/>
+          <a:miter lim="800000"/>
+        </a:ln>
+        <a:ln w="19050" cap="flat" cmpd="sng" algn="ctr">
+          <a:solidFill>
+            <a:schemeClr val="phClr"/>
+          </a:solidFill>
+          <a:prstDash val="solid"/>
+          <a:miter lim="800000"/>
+        </a:ln>
+      </a:lnStyleLst>
+      <a:effectStyleLst>
+        <a:effectStyle>
+          <a:effectLst/>
+        </a:effectStyle>
+        <a:effectStyle>
+          <a:effectLst/>
+        </a:effectStyle>
+        <a:effectStyle>
+          <a:effectLst>
+            <a:outerShdw blurRad="57150" dist="19050" dir="5400000" algn="ctr" rotWithShape="0">
+              <a:srgbClr val="000000">
+                <a:alpha val="63000"/>
+              </a:srgbClr>
+            </a:outerShdw>
+          </a:effectLst>
+        </a:effectStyle>
+      </a:effectStyleLst>
+      <a:bgFillStyleLst>
+        <a:solidFill>
+          <a:schemeClr val="phClr"/>
+        </a:solidFill>
+        <a:solidFill>
+          <a:schemeClr val="phClr">
+            <a:tint val="95000"/>
+            <a:satMod val="170000"/>
+          </a:schemeClr>
+        </a:solidFill>
+        <a:gradFill rotWithShape="1">
+          <a:gsLst>
+            <a:gs pos="0">
+              <a:schemeClr val="phClr">
+                <a:tint val="93000"/>
+                <a:satMod val="150000"/>
+                <a:shade val="98000"/>
+                <a:lumMod val="102000"/>
+              </a:schemeClr>
+            </a:gs>
+            <a:gs pos="50000">
+              <a:schemeClr val="phClr">
+                <a:tint val="98000"/>
+                <a:satMod val="130000"/>
+                <a:shade val="90000"/>
+                <a:lumMod val="103000"/>
+              </a:schemeClr>
+            </a:gs>
+            <a:gs pos="100000">
+              <a:schemeClr val="phClr">
+                <a:shade val="63000"/>
+                <a:satMod val="120000"/>
+              </a:schemeClr>
+            </a:gs>
+          </a:gsLst>
+          <a:lin ang="5400000" scaled="0"/>
+        </a:gradFill>
+      </a:bgFillStyleLst>
+    </a:fmtScheme>
+  </a:themeElements>
+  <a:objectDefaults/>
+  <a:extraClrSchemeLst/>
+  <a:extLst>
+    <a:ext uri="{05A4C25C-085E-4340-85A3-A5531E510DB2}">
+      <thm15:themeFamily xmlns:thm15="http://schemas.microsoft.com/office/thememl/2012/main" name="Office Theme" id="{62F939B6-93AF-4DB8-9C6B-D6C7DFDC589F}" vid="{4A3C46E8-61CC-4603-A589-7422A47A8E4A}"/>
+    </a:ext>
+  </a:extLst>
+</a:theme>
 </file>
--- a/courses/apcsa/APExam.pptx
+++ b/courses/apcsa/APExam.pptx
@@ -5,7 +5,7 @@
     <p:sldMasterId id="2147483791" r:id="rId1"/>
   </p:sldMasterIdLst>
   <p:notesMasterIdLst>
-    <p:notesMasterId r:id="rId43"/>
+    <p:notesMasterId r:id="rId44"/>
   </p:notesMasterIdLst>
   <p:sldIdLst>
     <p:sldId id="256" r:id="rId2"/>
@@ -48,7 +48,8 @@
     <p:sldId id="551" r:id="rId39"/>
     <p:sldId id="297" r:id="rId40"/>
     <p:sldId id="298" r:id="rId41"/>
-    <p:sldId id="552" r:id="rId42"/>
+    <p:sldId id="553" r:id="rId42"/>
+    <p:sldId id="552" r:id="rId43"/>
   </p:sldIdLst>
   <p:sldSz cx="9144000" cy="5715000" type="screen16x10"/>
   <p:notesSz cx="6858000" cy="9144000"/>
@@ -158,7 +159,7 @@
 <file path=ppt/revisionInfo.xml><?xml version="1.0" encoding="utf-8"?>
 <p1510:revInfo xmlns:a="http://schemas.openxmlformats.org/drawingml/2006/main" xmlns:r="http://schemas.openxmlformats.org/officeDocument/2006/relationships" xmlns:p1510="http://schemas.microsoft.com/office/powerpoint/2015/10/main">
   <p1510:revLst>
-    <p1510:client id="{0576C267-E6BF-B644-A8D6-09119D529826}" v="1367" dt="2021-05-19T15:44:33.160"/>
+    <p1510:client id="{0576C267-E6BF-B644-A8D6-09119D529826}" v="1764" dt="2021-05-20T15:07:39.906"/>
   </p1510:revLst>
 </p1510:revInfo>
 </file>
@@ -215,7 +216,7 @@
   <pc:docChgLst>
     <pc:chgData name="Long B Nguyen" userId="f59fb8f3-a021-417a-8bc1-65c8d471c621" providerId="ADAL" clId="{0576C267-E6BF-B644-A8D6-09119D529826}"/>
     <pc:docChg chg="custSel addSld delSld modSld">
-      <pc:chgData name="Long B Nguyen" userId="f59fb8f3-a021-417a-8bc1-65c8d471c621" providerId="ADAL" clId="{0576C267-E6BF-B644-A8D6-09119D529826}" dt="2021-05-19T15:46:18.438" v="4906" actId="20577"/>
+      <pc:chgData name="Long B Nguyen" userId="f59fb8f3-a021-417a-8bc1-65c8d471c621" providerId="ADAL" clId="{0576C267-E6BF-B644-A8D6-09119D529826}" dt="2021-05-20T15:07:39.906" v="5321" actId="20577"/>
       <pc:docMkLst>
         <pc:docMk/>
       </pc:docMkLst>
@@ -1019,6 +1020,29 @@
             <pc:docMk/>
             <pc:sldMk cId="988052880" sldId="552"/>
             <ac:spMk id="3" creationId="{CE6BD10B-9D13-604D-9877-97B355109287}"/>
+          </ac:spMkLst>
+        </pc:spChg>
+      </pc:sldChg>
+      <pc:sldChg chg="modSp add mod modAnim">
+        <pc:chgData name="Long B Nguyen" userId="f59fb8f3-a021-417a-8bc1-65c8d471c621" providerId="ADAL" clId="{0576C267-E6BF-B644-A8D6-09119D529826}" dt="2021-05-20T15:07:39.906" v="5321" actId="20577"/>
+        <pc:sldMkLst>
+          <pc:docMk/>
+          <pc:sldMk cId="1379105576" sldId="553"/>
+        </pc:sldMkLst>
+        <pc:spChg chg="mod">
+          <ac:chgData name="Long B Nguyen" userId="f59fb8f3-a021-417a-8bc1-65c8d471c621" providerId="ADAL" clId="{0576C267-E6BF-B644-A8D6-09119D529826}" dt="2021-05-20T15:01:16.199" v="4926" actId="20577"/>
+          <ac:spMkLst>
+            <pc:docMk/>
+            <pc:sldMk cId="1379105576" sldId="553"/>
+            <ac:spMk id="29698" creationId="{2032BC28-BF0A-9449-BB15-9BE6BD380EA4}"/>
+          </ac:spMkLst>
+        </pc:spChg>
+        <pc:spChg chg="mod">
+          <ac:chgData name="Long B Nguyen" userId="f59fb8f3-a021-417a-8bc1-65c8d471c621" providerId="ADAL" clId="{0576C267-E6BF-B644-A8D6-09119D529826}" dt="2021-05-20T15:07:39.906" v="5321" actId="20577"/>
+          <ac:spMkLst>
+            <pc:docMk/>
+            <pc:sldMk cId="1379105576" sldId="553"/>
+            <ac:spMk id="369667" creationId="{47E86255-DD44-C741-AB8B-33D04A9B82F2}"/>
           </ac:spMkLst>
         </pc:spChg>
       </pc:sldChg>
@@ -2688,7 +2712,7 @@
           <a:p>
             <a:fld id="{C197FFB3-5F72-214F-8E23-4869C9F92A8F}" type="datetimeFigureOut">
               <a:rPr lang="en-US" smtClean="0"/>
-              <a:t>5/19/21</a:t>
+              <a:t>5/20/21</a:t>
             </a:fld>
             <a:endParaRPr lang="en-US"/>
           </a:p>
@@ -3513,6 +3537,285 @@
 </p:notes>
 </file>
 
+<file path=ppt/notesSlides/notesSlide3.xml><?xml version="1.0" encoding="utf-8"?>
+<p:notes xmlns:a="http://schemas.openxmlformats.org/drawingml/2006/main" xmlns:r="http://schemas.openxmlformats.org/officeDocument/2006/relationships" xmlns:p="http://schemas.openxmlformats.org/presentationml/2006/main">
+  <p:cSld>
+    <p:spTree>
+      <p:nvGrpSpPr>
+        <p:cNvPr id="1" name=""/>
+        <p:cNvGrpSpPr/>
+        <p:nvPr/>
+      </p:nvGrpSpPr>
+      <p:grpSpPr>
+        <a:xfrm>
+          <a:off x="0" y="0"/>
+          <a:ext cx="0" cy="0"/>
+          <a:chOff x="0" y="0"/>
+          <a:chExt cx="0" cy="0"/>
+        </a:xfrm>
+      </p:grpSpPr>
+      <p:sp>
+        <p:nvSpPr>
+          <p:cNvPr id="16385" name="Rectangle 7">
+            <a:extLst>
+              <a:ext uri="{FF2B5EF4-FFF2-40B4-BE49-F238E27FC236}">
+                <a16:creationId xmlns:a16="http://schemas.microsoft.com/office/drawing/2014/main" id="{513958FD-F51B-5C4C-B72B-7C1FA6E715AC}"/>
+              </a:ext>
+            </a:extLst>
+          </p:cNvPr>
+          <p:cNvSpPr>
+            <a:spLocks noGrp="1" noChangeArrowheads="1"/>
+          </p:cNvSpPr>
+          <p:nvPr>
+            <p:ph type="sldNum" sz="quarter" idx="5"/>
+          </p:nvPr>
+        </p:nvSpPr>
+        <p:spPr>
+          <a:noFill/>
+          <a:extLst>
+            <a:ext uri="{909E8E84-426E-40DD-AFC4-6F175D3DCCD1}">
+              <a14:hiddenFill xmlns:a14="http://schemas.microsoft.com/office/drawing/2010/main">
+                <a:solidFill>
+                  <a:schemeClr val="accent1"/>
+                </a:solidFill>
+              </a14:hiddenFill>
+            </a:ext>
+            <a:ext uri="{91240B29-F687-4F45-9708-019B960494DF}">
+              <a14:hiddenLine xmlns:a14="http://schemas.microsoft.com/office/drawing/2010/main" w="9525">
+                <a:solidFill>
+                  <a:schemeClr val="tx1"/>
+                </a:solidFill>
+                <a:miter lim="800000"/>
+                <a:headEnd/>
+                <a:tailEnd/>
+              </a14:hiddenLine>
+            </a:ext>
+            <a:ext uri="{AF507438-7753-43E0-B8FC-AC1667EBCBE1}">
+              <a14:hiddenEffects xmlns:a14="http://schemas.microsoft.com/office/drawing/2010/main">
+                <a:effectLst>
+                  <a:outerShdw dist="35921" dir="2700000" algn="ctr" rotWithShape="0">
+                    <a:schemeClr val="bg2"/>
+                  </a:outerShdw>
+                </a:effectLst>
+              </a14:hiddenEffects>
+            </a:ext>
+          </a:extLst>
+        </p:spPr>
+        <p:txBody>
+          <a:bodyPr/>
+          <a:lstStyle>
+            <a:lvl1pPr>
+              <a:spcBef>
+                <a:spcPct val="30000"/>
+              </a:spcBef>
+              <a:defRPr sz="1200">
+                <a:solidFill>
+                  <a:schemeClr val="tx1"/>
+                </a:solidFill>
+                <a:latin typeface="Arial" panose="020B0604020202020204" pitchFamily="34" charset="0"/>
+                <a:ea typeface="ＭＳ Ｐゴシック" panose="020B0600070205080204" pitchFamily="34" charset="-128"/>
+              </a:defRPr>
+            </a:lvl1pPr>
+            <a:lvl2pPr marL="742950" indent="-285750">
+              <a:spcBef>
+                <a:spcPct val="30000"/>
+              </a:spcBef>
+              <a:defRPr sz="1200">
+                <a:solidFill>
+                  <a:schemeClr val="tx1"/>
+                </a:solidFill>
+                <a:latin typeface="Arial" panose="020B0604020202020204" pitchFamily="34" charset="0"/>
+                <a:ea typeface="ＭＳ Ｐゴシック" panose="020B0600070205080204" pitchFamily="34" charset="-128"/>
+              </a:defRPr>
+            </a:lvl2pPr>
+            <a:lvl3pPr marL="1143000" indent="-228600">
+              <a:spcBef>
+                <a:spcPct val="30000"/>
+              </a:spcBef>
+              <a:defRPr sz="1200">
+                <a:solidFill>
+                  <a:schemeClr val="tx1"/>
+                </a:solidFill>
+                <a:latin typeface="Arial" panose="020B0604020202020204" pitchFamily="34" charset="0"/>
+                <a:ea typeface="ＭＳ Ｐゴシック" panose="020B0600070205080204" pitchFamily="34" charset="-128"/>
+              </a:defRPr>
+            </a:lvl3pPr>
+            <a:lvl4pPr marL="1600200" indent="-228600">
+              <a:spcBef>
+                <a:spcPct val="30000"/>
+              </a:spcBef>
+              <a:defRPr sz="1200">
+                <a:solidFill>
+                  <a:schemeClr val="tx1"/>
+                </a:solidFill>
+                <a:latin typeface="Arial" panose="020B0604020202020204" pitchFamily="34" charset="0"/>
+                <a:ea typeface="ＭＳ Ｐゴシック" panose="020B0600070205080204" pitchFamily="34" charset="-128"/>
+              </a:defRPr>
+            </a:lvl4pPr>
+            <a:lvl5pPr marL="2057400" indent="-228600">
+              <a:spcBef>
+                <a:spcPct val="30000"/>
+              </a:spcBef>
+              <a:defRPr sz="1200">
+                <a:solidFill>
+                  <a:schemeClr val="tx1"/>
+                </a:solidFill>
+                <a:latin typeface="Arial" panose="020B0604020202020204" pitchFamily="34" charset="0"/>
+                <a:ea typeface="ＭＳ Ｐゴシック" panose="020B0600070205080204" pitchFamily="34" charset="-128"/>
+              </a:defRPr>
+            </a:lvl5pPr>
+            <a:lvl6pPr marL="2514600" indent="-228600" eaLnBrk="0" fontAlgn="base" hangingPunct="0">
+              <a:spcBef>
+                <a:spcPct val="30000"/>
+              </a:spcBef>
+              <a:spcAft>
+                <a:spcPct val="0"/>
+              </a:spcAft>
+              <a:defRPr sz="1200">
+                <a:solidFill>
+                  <a:schemeClr val="tx1"/>
+                </a:solidFill>
+                <a:latin typeface="Arial" panose="020B0604020202020204" pitchFamily="34" charset="0"/>
+                <a:ea typeface="ＭＳ Ｐゴシック" panose="020B0600070205080204" pitchFamily="34" charset="-128"/>
+              </a:defRPr>
+            </a:lvl6pPr>
+            <a:lvl7pPr marL="2971800" indent="-228600" eaLnBrk="0" fontAlgn="base" hangingPunct="0">
+              <a:spcBef>
+                <a:spcPct val="30000"/>
+              </a:spcBef>
+              <a:spcAft>
+                <a:spcPct val="0"/>
+              </a:spcAft>
+              <a:defRPr sz="1200">
+                <a:solidFill>
+                  <a:schemeClr val="tx1"/>
+                </a:solidFill>
+                <a:latin typeface="Arial" panose="020B0604020202020204" pitchFamily="34" charset="0"/>
+                <a:ea typeface="ＭＳ Ｐゴシック" panose="020B0600070205080204" pitchFamily="34" charset="-128"/>
+              </a:defRPr>
+            </a:lvl7pPr>
+            <a:lvl8pPr marL="3429000" indent="-228600" eaLnBrk="0" fontAlgn="base" hangingPunct="0">
+              <a:spcBef>
+                <a:spcPct val="30000"/>
+              </a:spcBef>
+              <a:spcAft>
+                <a:spcPct val="0"/>
+              </a:spcAft>
+              <a:defRPr sz="1200">
+                <a:solidFill>
+                  <a:schemeClr val="tx1"/>
+                </a:solidFill>
+                <a:latin typeface="Arial" panose="020B0604020202020204" pitchFamily="34" charset="0"/>
+                <a:ea typeface="ＭＳ Ｐゴシック" panose="020B0600070205080204" pitchFamily="34" charset="-128"/>
+              </a:defRPr>
+            </a:lvl8pPr>
+            <a:lvl9pPr marL="3886200" indent="-228600" eaLnBrk="0" fontAlgn="base" hangingPunct="0">
+              <a:spcBef>
+                <a:spcPct val="30000"/>
+              </a:spcBef>
+              <a:spcAft>
+                <a:spcPct val="0"/>
+              </a:spcAft>
+              <a:defRPr sz="1200">
+                <a:solidFill>
+                  <a:schemeClr val="tx1"/>
+                </a:solidFill>
+                <a:latin typeface="Arial" panose="020B0604020202020204" pitchFamily="34" charset="0"/>
+                <a:ea typeface="ＭＳ Ｐゴシック" panose="020B0600070205080204" pitchFamily="34" charset="-128"/>
+              </a:defRPr>
+            </a:lvl9pPr>
+          </a:lstStyle>
+          <a:p>
+            <a:pPr>
+              <a:spcBef>
+                <a:spcPct val="0"/>
+              </a:spcBef>
+            </a:pPr>
+            <a:fld id="{BDD4C7B1-D736-2B48-8D0E-46C9F6AE84FE}" type="slidenum">
+              <a:rPr lang="en-US" altLang="en-US" smtClean="0"/>
+              <a:pPr>
+                <a:spcBef>
+                  <a:spcPct val="0"/>
+                </a:spcBef>
+              </a:pPr>
+              <a:t>41</a:t>
+            </a:fld>
+            <a:endParaRPr lang="en-US" altLang="en-US"/>
+          </a:p>
+        </p:txBody>
+      </p:sp>
+      <p:sp>
+        <p:nvSpPr>
+          <p:cNvPr id="16386" name="Rectangle 2">
+            <a:extLst>
+              <a:ext uri="{FF2B5EF4-FFF2-40B4-BE49-F238E27FC236}">
+                <a16:creationId xmlns:a16="http://schemas.microsoft.com/office/drawing/2014/main" id="{01BBFD5D-C04D-4844-8A36-72706D68E464}"/>
+              </a:ext>
+            </a:extLst>
+          </p:cNvPr>
+          <p:cNvSpPr>
+            <a:spLocks noGrp="1" noRot="1" noChangeAspect="1" noChangeArrowheads="1" noTextEdit="1"/>
+          </p:cNvSpPr>
+          <p:nvPr>
+            <p:ph type="sldImg"/>
+          </p:nvPr>
+        </p:nvSpPr>
+        <p:spPr>
+          <a:xfrm>
+            <a:off x="687388" y="685800"/>
+            <a:ext cx="5486400" cy="3429000"/>
+          </a:xfrm>
+          <a:ln/>
+        </p:spPr>
+      </p:sp>
+      <p:sp>
+        <p:nvSpPr>
+          <p:cNvPr id="58372" name="Rectangle 3">
+            <a:extLst>
+              <a:ext uri="{FF2B5EF4-FFF2-40B4-BE49-F238E27FC236}">
+                <a16:creationId xmlns:a16="http://schemas.microsoft.com/office/drawing/2014/main" id="{177D9F23-116B-DB4D-9C43-5CE8471BDBAB}"/>
+              </a:ext>
+            </a:extLst>
+          </p:cNvPr>
+          <p:cNvSpPr>
+            <a:spLocks noGrp="1" noChangeArrowheads="1"/>
+          </p:cNvSpPr>
+          <p:nvPr>
+            <p:ph type="body" idx="1"/>
+          </p:nvPr>
+        </p:nvSpPr>
+        <p:spPr>
+          <a:xfrm>
+            <a:off x="914400" y="4343400"/>
+            <a:ext cx="5029200" cy="4114800"/>
+          </a:xfrm>
+        </p:spPr>
+        <p:txBody>
+          <a:bodyPr lIns="91433" tIns="45716" rIns="91433" bIns="45716"/>
+          <a:lstStyle/>
+          <a:p>
+            <a:pPr eaLnBrk="1" hangingPunct="1">
+              <a:defRPr/>
+            </a:pPr>
+            <a:endParaRPr lang="en-US">
+              <a:cs typeface="+mn-cs"/>
+            </a:endParaRPr>
+          </a:p>
+        </p:txBody>
+      </p:sp>
+    </p:spTree>
+    <p:extLst>
+      <p:ext uri="{BB962C8B-B14F-4D97-AF65-F5344CB8AC3E}">
+        <p14:creationId xmlns:p14="http://schemas.microsoft.com/office/powerpoint/2010/main" val="995504130"/>
+      </p:ext>
+    </p:extLst>
+  </p:cSld>
+  <p:clrMapOvr>
+    <a:masterClrMapping/>
+  </p:clrMapOvr>
+</p:notes>
+</file>
+
 <file path=ppt/slideLayouts/slideLayout1.xml><?xml version="1.0" encoding="utf-8"?>
 <p:sldLayout xmlns:a="http://schemas.openxmlformats.org/drawingml/2006/main" xmlns:r="http://schemas.openxmlformats.org/officeDocument/2006/relationships" xmlns:p="http://schemas.openxmlformats.org/presentationml/2006/main" type="title" preserve="1">
   <p:cSld name="Title Slide">
@@ -3644,7 +3947,7 @@
           <a:p>
             <a:fld id="{4AAD347D-5ACD-4C99-B74B-A9C85AD731AF}" type="datetimeFigureOut">
               <a:rPr lang="en-US" smtClean="0"/>
-              <a:t>5/19/21</a:t>
+              <a:t>5/20/21</a:t>
             </a:fld>
             <a:endParaRPr lang="en-US" dirty="0"/>
           </a:p>
@@ -3814,7 +4117,7 @@
           <a:p>
             <a:fld id="{4509A250-FF31-4206-8172-F9D3106AACB1}" type="datetimeFigureOut">
               <a:rPr lang="en-US" smtClean="0"/>
-              <a:t>5/19/21</a:t>
+              <a:t>5/20/21</a:t>
             </a:fld>
             <a:endParaRPr lang="en-US" dirty="0"/>
           </a:p>
@@ -3994,7 +4297,7 @@
           <a:p>
             <a:fld id="{4509A250-FF31-4206-8172-F9D3106AACB1}" type="datetimeFigureOut">
               <a:rPr lang="en-US" smtClean="0"/>
-              <a:t>5/19/21</a:t>
+              <a:t>5/20/21</a:t>
             </a:fld>
             <a:endParaRPr lang="en-US" dirty="0"/>
           </a:p>
@@ -4164,7 +4467,7 @@
           <a:p>
             <a:fld id="{4509A250-FF31-4206-8172-F9D3106AACB1}" type="datetimeFigureOut">
               <a:rPr lang="en-US" smtClean="0"/>
-              <a:t>5/19/21</a:t>
+              <a:t>5/20/21</a:t>
             </a:fld>
             <a:endParaRPr lang="en-US" dirty="0"/>
           </a:p>
@@ -4410,7 +4713,7 @@
           <a:p>
             <a:fld id="{9796027F-7875-4030-9381-8BD8C4F21935}" type="datetimeFigureOut">
               <a:rPr lang="en-US" smtClean="0"/>
-              <a:t>5/19/21</a:t>
+              <a:t>5/20/21</a:t>
             </a:fld>
             <a:endParaRPr lang="en-US" dirty="0"/>
           </a:p>
@@ -4642,7 +4945,7 @@
           <a:p>
             <a:fld id="{9796027F-7875-4030-9381-8BD8C4F21935}" type="datetimeFigureOut">
               <a:rPr lang="en-US" smtClean="0"/>
-              <a:t>5/19/21</a:t>
+              <a:t>5/20/21</a:t>
             </a:fld>
             <a:endParaRPr lang="en-US" dirty="0"/>
           </a:p>
@@ -5009,7 +5312,7 @@
           <a:p>
             <a:fld id="{9796027F-7875-4030-9381-8BD8C4F21935}" type="datetimeFigureOut">
               <a:rPr lang="en-US" smtClean="0"/>
-              <a:t>5/19/21</a:t>
+              <a:t>5/20/21</a:t>
             </a:fld>
             <a:endParaRPr lang="en-US" dirty="0"/>
           </a:p>
@@ -5127,7 +5430,7 @@
           <a:p>
             <a:fld id="{4509A250-FF31-4206-8172-F9D3106AACB1}" type="datetimeFigureOut">
               <a:rPr lang="en-US" smtClean="0"/>
-              <a:t>5/19/21</a:t>
+              <a:t>5/20/21</a:t>
             </a:fld>
             <a:endParaRPr lang="en-US" dirty="0"/>
           </a:p>
@@ -5222,7 +5525,7 @@
           <a:p>
             <a:fld id="{4509A250-FF31-4206-8172-F9D3106AACB1}" type="datetimeFigureOut">
               <a:rPr lang="en-US" smtClean="0"/>
-              <a:t>5/19/21</a:t>
+              <a:t>5/20/21</a:t>
             </a:fld>
             <a:endParaRPr lang="en-US" dirty="0"/>
           </a:p>
@@ -5499,7 +5802,7 @@
           <a:p>
             <a:fld id="{4509A250-FF31-4206-8172-F9D3106AACB1}" type="datetimeFigureOut">
               <a:rPr lang="en-US" smtClean="0"/>
-              <a:t>5/19/21</a:t>
+              <a:t>5/20/21</a:t>
             </a:fld>
             <a:endParaRPr lang="en-US" dirty="0"/>
           </a:p>
@@ -5756,7 +6059,7 @@
           <a:p>
             <a:fld id="{4509A250-FF31-4206-8172-F9D3106AACB1}" type="datetimeFigureOut">
               <a:rPr lang="en-US" smtClean="0"/>
-              <a:t>5/19/21</a:t>
+              <a:t>5/20/21</a:t>
             </a:fld>
             <a:endParaRPr lang="en-US" dirty="0"/>
           </a:p>
@@ -5969,7 +6272,7 @@
           <a:p>
             <a:fld id="{4AAD347D-5ACD-4C99-B74B-A9C85AD731AF}" type="datetimeFigureOut">
               <a:rPr lang="en-US" smtClean="0"/>
-              <a:t>5/19/21</a:t>
+              <a:t>5/20/21</a:t>
             </a:fld>
             <a:endParaRPr lang="en-US" dirty="0"/>
           </a:p>
@@ -22268,6 +22571,1048 @@
 </file>
 
 <file path=ppt/slides/slide41.xml><?xml version="1.0" encoding="utf-8"?>
+<p:sld xmlns:a="http://schemas.openxmlformats.org/drawingml/2006/main" xmlns:r="http://schemas.openxmlformats.org/officeDocument/2006/relationships" xmlns:p="http://schemas.openxmlformats.org/presentationml/2006/main" showMasterPhAnim="0">
+  <p:cSld>
+    <p:spTree>
+      <p:nvGrpSpPr>
+        <p:cNvPr id="1" name=""/>
+        <p:cNvGrpSpPr/>
+        <p:nvPr/>
+      </p:nvGrpSpPr>
+      <p:grpSpPr>
+        <a:xfrm>
+          <a:off x="0" y="0"/>
+          <a:ext cx="0" cy="0"/>
+          <a:chOff x="0" y="0"/>
+          <a:chExt cx="0" cy="0"/>
+        </a:xfrm>
+      </p:grpSpPr>
+      <p:sp>
+        <p:nvSpPr>
+          <p:cNvPr id="29698" name="Rectangle 2">
+            <a:extLst>
+              <a:ext uri="{FF2B5EF4-FFF2-40B4-BE49-F238E27FC236}">
+                <a16:creationId xmlns:a16="http://schemas.microsoft.com/office/drawing/2014/main" id="{2032BC28-BF0A-9449-BB15-9BE6BD380EA4}"/>
+              </a:ext>
+            </a:extLst>
+          </p:cNvPr>
+          <p:cNvSpPr>
+            <a:spLocks noGrp="1"/>
+          </p:cNvSpPr>
+          <p:nvPr>
+            <p:ph type="title" idx="4294967295"/>
+          </p:nvPr>
+        </p:nvSpPr>
+        <p:spPr>
+          <a:xfrm>
+            <a:off x="197963" y="131975"/>
+            <a:ext cx="7883754" cy="635909"/>
+          </a:xfrm>
+        </p:spPr>
+        <p:txBody>
+          <a:bodyPr vert="horz" lIns="0" tIns="45720" rIns="0" bIns="0" rtlCol="0" anchor="b">
+            <a:normAutofit/>
+          </a:bodyPr>
+          <a:lstStyle/>
+          <a:p>
+            <a:pPr eaLnBrk="1" hangingPunct="1">
+              <a:defRPr/>
+            </a:pPr>
+            <a:r>
+              <a:rPr lang="en-US" dirty="0">
+                <a:latin typeface="Courier New" charset="0"/>
+                <a:cs typeface="+mj-cs"/>
+              </a:rPr>
+              <a:t>String</a:t>
+            </a:r>
+            <a:r>
+              <a:rPr lang="en-US" dirty="0">
+                <a:cs typeface="+mj-cs"/>
+              </a:rPr>
+              <a:t> Example</a:t>
+            </a:r>
+          </a:p>
+        </p:txBody>
+      </p:sp>
+      <p:sp>
+        <p:nvSpPr>
+          <p:cNvPr id="369667" name="Rectangle 3">
+            <a:extLst>
+              <a:ext uri="{FF2B5EF4-FFF2-40B4-BE49-F238E27FC236}">
+                <a16:creationId xmlns:a16="http://schemas.microsoft.com/office/drawing/2014/main" id="{47E86255-DD44-C741-AB8B-33D04A9B82F2}"/>
+              </a:ext>
+            </a:extLst>
+          </p:cNvPr>
+          <p:cNvSpPr>
+            <a:spLocks noGrp="1" noChangeArrowheads="1"/>
+          </p:cNvSpPr>
+          <p:nvPr>
+            <p:ph type="body" idx="4294967295"/>
+          </p:nvPr>
+        </p:nvSpPr>
+        <p:spPr>
+          <a:xfrm>
+            <a:off x="197963" y="767884"/>
+            <a:ext cx="8184037" cy="4947116"/>
+          </a:xfrm>
+        </p:spPr>
+        <p:txBody>
+          <a:bodyPr/>
+          <a:lstStyle/>
+          <a:p>
+            <a:pPr marL="533115" lvl="1" indent="-205044">
+              <a:lnSpc>
+                <a:spcPct val="70000"/>
+              </a:lnSpc>
+              <a:buNone/>
+            </a:pPr>
+            <a:endParaRPr lang="en-US" altLang="en-US" b="1" dirty="0">
+              <a:solidFill>
+                <a:srgbClr val="008080"/>
+              </a:solidFill>
+              <a:latin typeface="Courier New" panose="02070309020205020404" pitchFamily="49" charset="0"/>
+              <a:ea typeface="ＭＳ Ｐゴシック" panose="020B0600070205080204" pitchFamily="34" charset="-128"/>
+            </a:endParaRPr>
+          </a:p>
+          <a:p>
+            <a:pPr marL="533115" lvl="1" indent="-205044">
+              <a:lnSpc>
+                <a:spcPct val="70000"/>
+              </a:lnSpc>
+              <a:buNone/>
+            </a:pPr>
+            <a:endParaRPr lang="en-US" altLang="en-US" b="1" dirty="0">
+              <a:solidFill>
+                <a:srgbClr val="008080"/>
+              </a:solidFill>
+              <a:latin typeface="Courier New" panose="02070309020205020404" pitchFamily="49" charset="0"/>
+              <a:ea typeface="ＭＳ Ｐゴシック" panose="020B0600070205080204" pitchFamily="34" charset="-128"/>
+            </a:endParaRPr>
+          </a:p>
+          <a:p>
+            <a:pPr marL="533115" lvl="1" indent="-205044">
+              <a:lnSpc>
+                <a:spcPct val="70000"/>
+              </a:lnSpc>
+              <a:buNone/>
+            </a:pPr>
+            <a:r>
+              <a:rPr lang="en-US" altLang="en-US" dirty="0">
+                <a:latin typeface="Courier New" panose="02070309020205020404" pitchFamily="49" charset="0"/>
+                <a:ea typeface="ＭＳ Ｐゴシック" panose="020B0600070205080204" pitchFamily="34" charset="-128"/>
+              </a:rPr>
+              <a:t>public static mystery(String str){</a:t>
+            </a:r>
+          </a:p>
+          <a:p>
+            <a:pPr marL="533115" lvl="1" indent="-205044">
+              <a:lnSpc>
+                <a:spcPct val="70000"/>
+              </a:lnSpc>
+              <a:buNone/>
+            </a:pPr>
+            <a:r>
+              <a:rPr lang="en-US" altLang="en-US" dirty="0">
+                <a:latin typeface="Courier New" panose="02070309020205020404" pitchFamily="49" charset="0"/>
+                <a:ea typeface="ＭＳ Ｐゴシック" panose="020B0600070205080204" pitchFamily="34" charset="-128"/>
+              </a:rPr>
+              <a:t>		String answer = "";</a:t>
+            </a:r>
+          </a:p>
+          <a:p>
+            <a:pPr marL="533115" lvl="1" indent="-205044">
+              <a:lnSpc>
+                <a:spcPct val="70000"/>
+              </a:lnSpc>
+              <a:buNone/>
+            </a:pPr>
+            <a:r>
+              <a:rPr lang="en-US" altLang="en-US" dirty="0">
+                <a:latin typeface="Courier New" panose="02070309020205020404" pitchFamily="49" charset="0"/>
+                <a:ea typeface="ＭＳ Ｐゴシック" panose="020B0600070205080204" pitchFamily="34" charset="-128"/>
+              </a:rPr>
+              <a:t>		for(int </a:t>
+            </a:r>
+            <a:r>
+              <a:rPr lang="en-US" altLang="en-US" dirty="0" err="1">
+                <a:latin typeface="Courier New" panose="02070309020205020404" pitchFamily="49" charset="0"/>
+                <a:ea typeface="ＭＳ Ｐゴシック" panose="020B0600070205080204" pitchFamily="34" charset="-128"/>
+              </a:rPr>
+              <a:t>i</a:t>
+            </a:r>
+            <a:r>
+              <a:rPr lang="en-US" altLang="en-US" dirty="0">
+                <a:latin typeface="Courier New" panose="02070309020205020404" pitchFamily="49" charset="0"/>
+                <a:ea typeface="ＭＳ Ｐゴシック" panose="020B0600070205080204" pitchFamily="34" charset="-128"/>
+              </a:rPr>
+              <a:t> = 0; </a:t>
+            </a:r>
+            <a:r>
+              <a:rPr lang="en-US" altLang="en-US" dirty="0" err="1">
+                <a:latin typeface="Courier New" panose="02070309020205020404" pitchFamily="49" charset="0"/>
+                <a:ea typeface="ＭＳ Ｐゴシック" panose="020B0600070205080204" pitchFamily="34" charset="-128"/>
+              </a:rPr>
+              <a:t>i</a:t>
+            </a:r>
+            <a:r>
+              <a:rPr lang="en-US" altLang="en-US" dirty="0">
+                <a:latin typeface="Courier New" panose="02070309020205020404" pitchFamily="49" charset="0"/>
+                <a:ea typeface="ＭＳ Ｐゴシック" panose="020B0600070205080204" pitchFamily="34" charset="-128"/>
+              </a:rPr>
+              <a:t> &lt; </a:t>
+            </a:r>
+            <a:r>
+              <a:rPr lang="en-US" altLang="en-US" dirty="0" err="1">
+                <a:latin typeface="Courier New" panose="02070309020205020404" pitchFamily="49" charset="0"/>
+                <a:ea typeface="ＭＳ Ｐゴシック" panose="020B0600070205080204" pitchFamily="34" charset="-128"/>
+              </a:rPr>
+              <a:t>str.length</a:t>
+            </a:r>
+            <a:r>
+              <a:rPr lang="en-US" altLang="en-US" dirty="0">
+                <a:latin typeface="Courier New" panose="02070309020205020404" pitchFamily="49" charset="0"/>
+                <a:ea typeface="ＭＳ Ｐゴシック" panose="020B0600070205080204" pitchFamily="34" charset="-128"/>
+              </a:rPr>
+              <a:t>(); </a:t>
+            </a:r>
+            <a:r>
+              <a:rPr lang="en-US" altLang="en-US" dirty="0" err="1">
+                <a:latin typeface="Courier New" panose="02070309020205020404" pitchFamily="49" charset="0"/>
+                <a:ea typeface="ＭＳ Ｐゴシック" panose="020B0600070205080204" pitchFamily="34" charset="-128"/>
+              </a:rPr>
+              <a:t>i</a:t>
+            </a:r>
+            <a:r>
+              <a:rPr lang="en-US" altLang="en-US" dirty="0">
+                <a:latin typeface="Courier New" panose="02070309020205020404" pitchFamily="49" charset="0"/>
+                <a:ea typeface="ＭＳ Ｐゴシック" panose="020B0600070205080204" pitchFamily="34" charset="-128"/>
+              </a:rPr>
+              <a:t>++){</a:t>
+            </a:r>
+          </a:p>
+          <a:p>
+            <a:pPr marL="533115" lvl="1" indent="-205044">
+              <a:lnSpc>
+                <a:spcPct val="70000"/>
+              </a:lnSpc>
+              <a:buNone/>
+            </a:pPr>
+            <a:r>
+              <a:rPr lang="en-US" altLang="en-US" dirty="0">
+                <a:latin typeface="Courier New" panose="02070309020205020404" pitchFamily="49" charset="0"/>
+                <a:ea typeface="ＭＳ Ｐゴシック" panose="020B0600070205080204" pitchFamily="34" charset="-128"/>
+              </a:rPr>
+              <a:t>			String current = </a:t>
+            </a:r>
+            <a:r>
+              <a:rPr lang="en-US" altLang="en-US" dirty="0" err="1">
+                <a:latin typeface="Courier New" panose="02070309020205020404" pitchFamily="49" charset="0"/>
+                <a:ea typeface="ＭＳ Ｐゴシック" panose="020B0600070205080204" pitchFamily="34" charset="-128"/>
+              </a:rPr>
+              <a:t>str.substring</a:t>
+            </a:r>
+            <a:r>
+              <a:rPr lang="en-US" altLang="en-US" dirty="0">
+                <a:latin typeface="Courier New" panose="02070309020205020404" pitchFamily="49" charset="0"/>
+                <a:ea typeface="ＭＳ Ｐゴシック" panose="020B0600070205080204" pitchFamily="34" charset="-128"/>
+              </a:rPr>
+              <a:t>(</a:t>
+            </a:r>
+            <a:r>
+              <a:rPr lang="en-US" altLang="en-US" dirty="0" err="1">
+                <a:latin typeface="Courier New" panose="02070309020205020404" pitchFamily="49" charset="0"/>
+                <a:ea typeface="ＭＳ Ｐゴシック" panose="020B0600070205080204" pitchFamily="34" charset="-128"/>
+              </a:rPr>
+              <a:t>i</a:t>
+            </a:r>
+            <a:r>
+              <a:rPr lang="en-US" altLang="en-US" dirty="0">
+                <a:latin typeface="Courier New" panose="02070309020205020404" pitchFamily="49" charset="0"/>
+                <a:ea typeface="ＭＳ Ｐゴシック" panose="020B0600070205080204" pitchFamily="34" charset="-128"/>
+              </a:rPr>
+              <a:t>, i+1);	</a:t>
+            </a:r>
+          </a:p>
+          <a:p>
+            <a:pPr marL="533115" lvl="1" indent="-205044">
+              <a:lnSpc>
+                <a:spcPct val="70000"/>
+              </a:lnSpc>
+              <a:buNone/>
+            </a:pPr>
+            <a:r>
+              <a:rPr lang="en-US" altLang="en-US" dirty="0">
+                <a:latin typeface="Courier New" panose="02070309020205020404" pitchFamily="49" charset="0"/>
+                <a:ea typeface="ＭＳ Ｐゴシック" panose="020B0600070205080204" pitchFamily="34" charset="-128"/>
+              </a:rPr>
+              <a:t>			if("</a:t>
+            </a:r>
+            <a:r>
+              <a:rPr lang="en-US" altLang="en-US" dirty="0" err="1">
+                <a:latin typeface="Courier New" panose="02070309020205020404" pitchFamily="49" charset="0"/>
+                <a:ea typeface="ＭＳ Ｐゴシック" panose="020B0600070205080204" pitchFamily="34" charset="-128"/>
+              </a:rPr>
+              <a:t>aeiou</a:t>
+            </a:r>
+            <a:r>
+              <a:rPr lang="en-US" altLang="en-US" dirty="0">
+                <a:latin typeface="Courier New" panose="02070309020205020404" pitchFamily="49" charset="0"/>
+                <a:ea typeface="ＭＳ Ｐゴシック" panose="020B0600070205080204" pitchFamily="34" charset="-128"/>
+              </a:rPr>
+              <a:t>".</a:t>
+            </a:r>
+            <a:r>
+              <a:rPr lang="en-US" altLang="en-US" dirty="0" err="1">
+                <a:latin typeface="Courier New" panose="02070309020205020404" pitchFamily="49" charset="0"/>
+                <a:ea typeface="ＭＳ Ｐゴシック" panose="020B0600070205080204" pitchFamily="34" charset="-128"/>
+              </a:rPr>
+              <a:t>indexOf</a:t>
+            </a:r>
+            <a:r>
+              <a:rPr lang="en-US" altLang="en-US" dirty="0">
+                <a:latin typeface="Courier New" panose="02070309020205020404" pitchFamily="49" charset="0"/>
+                <a:ea typeface="ＭＳ Ｐゴシック" panose="020B0600070205080204" pitchFamily="34" charset="-128"/>
+              </a:rPr>
+              <a:t>(current) != -1)</a:t>
+            </a:r>
+          </a:p>
+          <a:p>
+            <a:pPr marL="533115" lvl="1" indent="-205044">
+              <a:lnSpc>
+                <a:spcPct val="70000"/>
+              </a:lnSpc>
+              <a:buNone/>
+            </a:pPr>
+            <a:r>
+              <a:rPr lang="en-US" altLang="en-US" dirty="0">
+                <a:latin typeface="Courier New" panose="02070309020205020404" pitchFamily="49" charset="0"/>
+                <a:ea typeface="ＭＳ Ｐゴシック" panose="020B0600070205080204" pitchFamily="34" charset="-128"/>
+              </a:rPr>
+              <a:t>				answer += current;</a:t>
+            </a:r>
+          </a:p>
+          <a:p>
+            <a:pPr marL="533115" lvl="1" indent="-205044">
+              <a:lnSpc>
+                <a:spcPct val="70000"/>
+              </a:lnSpc>
+              <a:buNone/>
+            </a:pPr>
+            <a:br>
+              <a:rPr lang="en-US" altLang="en-US" dirty="0">
+                <a:latin typeface="Courier New" panose="02070309020205020404" pitchFamily="49" charset="0"/>
+                <a:ea typeface="ＭＳ Ｐゴシック" panose="020B0600070205080204" pitchFamily="34" charset="-128"/>
+              </a:rPr>
+            </a:br>
+            <a:r>
+              <a:rPr lang="en-US" altLang="en-US" dirty="0">
+                <a:latin typeface="Courier New" panose="02070309020205020404" pitchFamily="49" charset="0"/>
+                <a:ea typeface="ＭＳ Ｐゴシック" panose="020B0600070205080204" pitchFamily="34" charset="-128"/>
+              </a:rPr>
+              <a:t>	}</a:t>
+            </a:r>
+          </a:p>
+          <a:p>
+            <a:pPr marL="533115" lvl="1" indent="-205044">
+              <a:lnSpc>
+                <a:spcPct val="70000"/>
+              </a:lnSpc>
+              <a:buNone/>
+            </a:pPr>
+            <a:r>
+              <a:rPr lang="en-US" altLang="en-US" dirty="0">
+                <a:latin typeface="Courier New" panose="02070309020205020404" pitchFamily="49" charset="0"/>
+                <a:ea typeface="ＭＳ Ｐゴシック" panose="020B0600070205080204" pitchFamily="34" charset="-128"/>
+              </a:rPr>
+              <a:t>		return answer;</a:t>
+            </a:r>
+            <a:br>
+              <a:rPr lang="en-US" altLang="en-US" dirty="0">
+                <a:latin typeface="Courier New" panose="02070309020205020404" pitchFamily="49" charset="0"/>
+                <a:ea typeface="ＭＳ Ｐゴシック" panose="020B0600070205080204" pitchFamily="34" charset="-128"/>
+              </a:rPr>
+            </a:br>
+            <a:r>
+              <a:rPr lang="en-US" altLang="en-US" dirty="0">
+                <a:latin typeface="Courier New" panose="02070309020205020404" pitchFamily="49" charset="0"/>
+                <a:ea typeface="ＭＳ Ｐゴシック" panose="020B0600070205080204" pitchFamily="34" charset="-128"/>
+              </a:rPr>
+              <a:t>}</a:t>
+            </a:r>
+          </a:p>
+          <a:p>
+            <a:pPr marL="533115" lvl="1" indent="-205044">
+              <a:lnSpc>
+                <a:spcPct val="70000"/>
+              </a:lnSpc>
+              <a:buNone/>
+            </a:pPr>
+            <a:endParaRPr lang="en-US" altLang="en-US" dirty="0">
+              <a:latin typeface="Courier New" panose="02070309020205020404" pitchFamily="49" charset="0"/>
+              <a:ea typeface="ＭＳ Ｐゴシック" panose="020B0600070205080204" pitchFamily="34" charset="-128"/>
+            </a:endParaRPr>
+          </a:p>
+          <a:p>
+            <a:pPr marL="533115" lvl="1" indent="-205044">
+              <a:lnSpc>
+                <a:spcPct val="70000"/>
+              </a:lnSpc>
+              <a:buNone/>
+            </a:pPr>
+            <a:r>
+              <a:rPr lang="en-US" altLang="en-US" dirty="0">
+                <a:latin typeface="Courier New" panose="02070309020205020404" pitchFamily="49" charset="0"/>
+                <a:ea typeface="ＭＳ Ｐゴシック" panose="020B0600070205080204" pitchFamily="34" charset="-128"/>
+              </a:rPr>
+              <a:t>What is the output?</a:t>
+            </a:r>
+          </a:p>
+          <a:p>
+            <a:pPr marL="533115" lvl="1" indent="-205044">
+              <a:lnSpc>
+                <a:spcPct val="70000"/>
+              </a:lnSpc>
+              <a:buNone/>
+            </a:pPr>
+            <a:r>
+              <a:rPr lang="en-US" altLang="en-US" dirty="0" err="1">
+                <a:latin typeface="Courier New" panose="02070309020205020404" pitchFamily="49" charset="0"/>
+                <a:ea typeface="ＭＳ Ｐゴシック" panose="020B0600070205080204" pitchFamily="34" charset="-128"/>
+              </a:rPr>
+              <a:t>System.out.println</a:t>
+            </a:r>
+            <a:r>
+              <a:rPr lang="en-US" altLang="en-US" dirty="0">
+                <a:latin typeface="Courier New" panose="02070309020205020404" pitchFamily="49" charset="0"/>
+                <a:ea typeface="ＭＳ Ｐゴシック" panose="020B0600070205080204" pitchFamily="34" charset="-128"/>
+              </a:rPr>
+              <a:t>(mystery("cat in hat"));</a:t>
+            </a:r>
+          </a:p>
+          <a:p>
+            <a:pPr marL="533115" lvl="1" indent="-205044">
+              <a:lnSpc>
+                <a:spcPct val="70000"/>
+              </a:lnSpc>
+              <a:buNone/>
+            </a:pPr>
+            <a:endParaRPr lang="en-US" altLang="en-US" dirty="0">
+              <a:latin typeface="Courier New" panose="02070309020205020404" pitchFamily="49" charset="0"/>
+              <a:ea typeface="ＭＳ Ｐゴシック" panose="020B0600070205080204" pitchFamily="34" charset="-128"/>
+            </a:endParaRPr>
+          </a:p>
+          <a:p>
+            <a:pPr marL="533115" lvl="1" indent="-205044">
+              <a:lnSpc>
+                <a:spcPct val="70000"/>
+              </a:lnSpc>
+              <a:buNone/>
+            </a:pPr>
+            <a:r>
+              <a:rPr lang="en-US" altLang="en-US" dirty="0">
+                <a:latin typeface="Courier New" panose="02070309020205020404" pitchFamily="49" charset="0"/>
+                <a:ea typeface="ＭＳ Ｐゴシック" panose="020B0600070205080204" pitchFamily="34" charset="-128"/>
+              </a:rPr>
+              <a:t>Answer: </a:t>
+            </a:r>
+            <a:r>
+              <a:rPr lang="en-US" altLang="en-US" dirty="0" err="1">
+                <a:latin typeface="Courier New" panose="02070309020205020404" pitchFamily="49" charset="0"/>
+                <a:ea typeface="ＭＳ Ｐゴシック" panose="020B0600070205080204" pitchFamily="34" charset="-128"/>
+              </a:rPr>
+              <a:t>aia</a:t>
+            </a:r>
+            <a:endParaRPr lang="en-US" altLang="en-US" dirty="0">
+              <a:latin typeface="Courier New" panose="02070309020205020404" pitchFamily="49" charset="0"/>
+              <a:ea typeface="ＭＳ Ｐゴシック" panose="020B0600070205080204" pitchFamily="34" charset="-128"/>
+            </a:endParaRPr>
+          </a:p>
+        </p:txBody>
+      </p:sp>
+    </p:spTree>
+    <p:extLst>
+      <p:ext uri="{BB962C8B-B14F-4D97-AF65-F5344CB8AC3E}">
+        <p14:creationId xmlns:p14="http://schemas.microsoft.com/office/powerpoint/2010/main" val="1379105576"/>
+      </p:ext>
+    </p:extLst>
+  </p:cSld>
+  <p:clrMapOvr>
+    <a:masterClrMapping/>
+  </p:clrMapOvr>
+  <p:transition spd="med"/>
+  <p:timing>
+    <p:tnLst>
+      <p:par>
+        <p:cTn id="1" dur="indefinite" restart="never" nodeType="tmRoot">
+          <p:childTnLst>
+            <p:seq concurrent="1" nextAc="seek">
+              <p:cTn id="2" dur="indefinite" nodeType="mainSeq">
+                <p:childTnLst>
+                  <p:par>
+                    <p:cTn id="3" fill="hold">
+                      <p:stCondLst>
+                        <p:cond delay="indefinite"/>
+                      </p:stCondLst>
+                      <p:childTnLst>
+                        <p:par>
+                          <p:cTn id="4" fill="hold">
+                            <p:stCondLst>
+                              <p:cond delay="0"/>
+                            </p:stCondLst>
+                            <p:childTnLst>
+                              <p:par>
+                                <p:cTn id="5" presetID="1" presetClass="entr" presetSubtype="0" fill="hold" nodeType="clickEffect">
+                                  <p:stCondLst>
+                                    <p:cond delay="0"/>
+                                  </p:stCondLst>
+                                  <p:childTnLst>
+                                    <p:set>
+                                      <p:cBhvr>
+                                        <p:cTn id="6" dur="1" fill="hold">
+                                          <p:stCondLst>
+                                            <p:cond delay="0"/>
+                                          </p:stCondLst>
+                                        </p:cTn>
+                                        <p:tgtEl>
+                                          <p:spTgt spid="369667">
+                                            <p:txEl>
+                                              <p:pRg st="2" end="2"/>
+                                            </p:txEl>
+                                          </p:spTgt>
+                                        </p:tgtEl>
+                                        <p:attrNameLst>
+                                          <p:attrName>style.visibility</p:attrName>
+                                        </p:attrNameLst>
+                                      </p:cBhvr>
+                                      <p:to>
+                                        <p:strVal val="visible"/>
+                                      </p:to>
+                                    </p:set>
+                                  </p:childTnLst>
+                                </p:cTn>
+                              </p:par>
+                            </p:childTnLst>
+                          </p:cTn>
+                        </p:par>
+                      </p:childTnLst>
+                    </p:cTn>
+                  </p:par>
+                  <p:par>
+                    <p:cTn id="7" fill="hold">
+                      <p:stCondLst>
+                        <p:cond delay="indefinite"/>
+                      </p:stCondLst>
+                      <p:childTnLst>
+                        <p:par>
+                          <p:cTn id="8" fill="hold">
+                            <p:stCondLst>
+                              <p:cond delay="0"/>
+                            </p:stCondLst>
+                            <p:childTnLst>
+                              <p:par>
+                                <p:cTn id="9" presetID="1" presetClass="entr" presetSubtype="0" fill="hold" nodeType="clickEffect">
+                                  <p:stCondLst>
+                                    <p:cond delay="0"/>
+                                  </p:stCondLst>
+                                  <p:childTnLst>
+                                    <p:set>
+                                      <p:cBhvr>
+                                        <p:cTn id="10" dur="1" fill="hold">
+                                          <p:stCondLst>
+                                            <p:cond delay="0"/>
+                                          </p:stCondLst>
+                                        </p:cTn>
+                                        <p:tgtEl>
+                                          <p:spTgt spid="369667">
+                                            <p:txEl>
+                                              <p:pRg st="3" end="3"/>
+                                            </p:txEl>
+                                          </p:spTgt>
+                                        </p:tgtEl>
+                                        <p:attrNameLst>
+                                          <p:attrName>style.visibility</p:attrName>
+                                        </p:attrNameLst>
+                                      </p:cBhvr>
+                                      <p:to>
+                                        <p:strVal val="visible"/>
+                                      </p:to>
+                                    </p:set>
+                                  </p:childTnLst>
+                                </p:cTn>
+                              </p:par>
+                            </p:childTnLst>
+                          </p:cTn>
+                        </p:par>
+                      </p:childTnLst>
+                    </p:cTn>
+                  </p:par>
+                  <p:par>
+                    <p:cTn id="11" fill="hold">
+                      <p:stCondLst>
+                        <p:cond delay="indefinite"/>
+                      </p:stCondLst>
+                      <p:childTnLst>
+                        <p:par>
+                          <p:cTn id="12" fill="hold">
+                            <p:stCondLst>
+                              <p:cond delay="0"/>
+                            </p:stCondLst>
+                            <p:childTnLst>
+                              <p:par>
+                                <p:cTn id="13" presetID="1" presetClass="entr" presetSubtype="0" fill="hold" nodeType="clickEffect">
+                                  <p:stCondLst>
+                                    <p:cond delay="0"/>
+                                  </p:stCondLst>
+                                  <p:childTnLst>
+                                    <p:set>
+                                      <p:cBhvr>
+                                        <p:cTn id="14" dur="1" fill="hold">
+                                          <p:stCondLst>
+                                            <p:cond delay="0"/>
+                                          </p:stCondLst>
+                                        </p:cTn>
+                                        <p:tgtEl>
+                                          <p:spTgt spid="369667">
+                                            <p:txEl>
+                                              <p:pRg st="4" end="4"/>
+                                            </p:txEl>
+                                          </p:spTgt>
+                                        </p:tgtEl>
+                                        <p:attrNameLst>
+                                          <p:attrName>style.visibility</p:attrName>
+                                        </p:attrNameLst>
+                                      </p:cBhvr>
+                                      <p:to>
+                                        <p:strVal val="visible"/>
+                                      </p:to>
+                                    </p:set>
+                                  </p:childTnLst>
+                                </p:cTn>
+                              </p:par>
+                            </p:childTnLst>
+                          </p:cTn>
+                        </p:par>
+                      </p:childTnLst>
+                    </p:cTn>
+                  </p:par>
+                  <p:par>
+                    <p:cTn id="15" fill="hold">
+                      <p:stCondLst>
+                        <p:cond delay="indefinite"/>
+                      </p:stCondLst>
+                      <p:childTnLst>
+                        <p:par>
+                          <p:cTn id="16" fill="hold">
+                            <p:stCondLst>
+                              <p:cond delay="0"/>
+                            </p:stCondLst>
+                            <p:childTnLst>
+                              <p:par>
+                                <p:cTn id="17" presetID="1" presetClass="entr" presetSubtype="0" fill="hold" nodeType="clickEffect">
+                                  <p:stCondLst>
+                                    <p:cond delay="0"/>
+                                  </p:stCondLst>
+                                  <p:childTnLst>
+                                    <p:set>
+                                      <p:cBhvr>
+                                        <p:cTn id="18" dur="1" fill="hold">
+                                          <p:stCondLst>
+                                            <p:cond delay="0"/>
+                                          </p:stCondLst>
+                                        </p:cTn>
+                                        <p:tgtEl>
+                                          <p:spTgt spid="369667">
+                                            <p:txEl>
+                                              <p:pRg st="5" end="5"/>
+                                            </p:txEl>
+                                          </p:spTgt>
+                                        </p:tgtEl>
+                                        <p:attrNameLst>
+                                          <p:attrName>style.visibility</p:attrName>
+                                        </p:attrNameLst>
+                                      </p:cBhvr>
+                                      <p:to>
+                                        <p:strVal val="visible"/>
+                                      </p:to>
+                                    </p:set>
+                                  </p:childTnLst>
+                                </p:cTn>
+                              </p:par>
+                            </p:childTnLst>
+                          </p:cTn>
+                        </p:par>
+                      </p:childTnLst>
+                    </p:cTn>
+                  </p:par>
+                  <p:par>
+                    <p:cTn id="19" fill="hold">
+                      <p:stCondLst>
+                        <p:cond delay="indefinite"/>
+                      </p:stCondLst>
+                      <p:childTnLst>
+                        <p:par>
+                          <p:cTn id="20" fill="hold">
+                            <p:stCondLst>
+                              <p:cond delay="0"/>
+                            </p:stCondLst>
+                            <p:childTnLst>
+                              <p:par>
+                                <p:cTn id="21" presetID="1" presetClass="entr" presetSubtype="0" fill="hold" nodeType="clickEffect">
+                                  <p:stCondLst>
+                                    <p:cond delay="0"/>
+                                  </p:stCondLst>
+                                  <p:childTnLst>
+                                    <p:set>
+                                      <p:cBhvr>
+                                        <p:cTn id="22" dur="1" fill="hold">
+                                          <p:stCondLst>
+                                            <p:cond delay="0"/>
+                                          </p:stCondLst>
+                                        </p:cTn>
+                                        <p:tgtEl>
+                                          <p:spTgt spid="369667">
+                                            <p:txEl>
+                                              <p:pRg st="6" end="6"/>
+                                            </p:txEl>
+                                          </p:spTgt>
+                                        </p:tgtEl>
+                                        <p:attrNameLst>
+                                          <p:attrName>style.visibility</p:attrName>
+                                        </p:attrNameLst>
+                                      </p:cBhvr>
+                                      <p:to>
+                                        <p:strVal val="visible"/>
+                                      </p:to>
+                                    </p:set>
+                                  </p:childTnLst>
+                                </p:cTn>
+                              </p:par>
+                            </p:childTnLst>
+                          </p:cTn>
+                        </p:par>
+                      </p:childTnLst>
+                    </p:cTn>
+                  </p:par>
+                  <p:par>
+                    <p:cTn id="23" fill="hold">
+                      <p:stCondLst>
+                        <p:cond delay="indefinite"/>
+                      </p:stCondLst>
+                      <p:childTnLst>
+                        <p:par>
+                          <p:cTn id="24" fill="hold">
+                            <p:stCondLst>
+                              <p:cond delay="0"/>
+                            </p:stCondLst>
+                            <p:childTnLst>
+                              <p:par>
+                                <p:cTn id="25" presetID="1" presetClass="entr" presetSubtype="0" fill="hold" nodeType="clickEffect">
+                                  <p:stCondLst>
+                                    <p:cond delay="0"/>
+                                  </p:stCondLst>
+                                  <p:childTnLst>
+                                    <p:set>
+                                      <p:cBhvr>
+                                        <p:cTn id="26" dur="1" fill="hold">
+                                          <p:stCondLst>
+                                            <p:cond delay="0"/>
+                                          </p:stCondLst>
+                                        </p:cTn>
+                                        <p:tgtEl>
+                                          <p:spTgt spid="369667">
+                                            <p:txEl>
+                                              <p:pRg st="7" end="7"/>
+                                            </p:txEl>
+                                          </p:spTgt>
+                                        </p:tgtEl>
+                                        <p:attrNameLst>
+                                          <p:attrName>style.visibility</p:attrName>
+                                        </p:attrNameLst>
+                                      </p:cBhvr>
+                                      <p:to>
+                                        <p:strVal val="visible"/>
+                                      </p:to>
+                                    </p:set>
+                                  </p:childTnLst>
+                                </p:cTn>
+                              </p:par>
+                            </p:childTnLst>
+                          </p:cTn>
+                        </p:par>
+                      </p:childTnLst>
+                    </p:cTn>
+                  </p:par>
+                  <p:par>
+                    <p:cTn id="27" fill="hold">
+                      <p:stCondLst>
+                        <p:cond delay="indefinite"/>
+                      </p:stCondLst>
+                      <p:childTnLst>
+                        <p:par>
+                          <p:cTn id="28" fill="hold">
+                            <p:stCondLst>
+                              <p:cond delay="0"/>
+                            </p:stCondLst>
+                            <p:childTnLst>
+                              <p:par>
+                                <p:cTn id="29" presetID="1" presetClass="entr" presetSubtype="0" fill="hold" nodeType="clickEffect">
+                                  <p:stCondLst>
+                                    <p:cond delay="0"/>
+                                  </p:stCondLst>
+                                  <p:childTnLst>
+                                    <p:set>
+                                      <p:cBhvr>
+                                        <p:cTn id="30" dur="1" fill="hold">
+                                          <p:stCondLst>
+                                            <p:cond delay="0"/>
+                                          </p:stCondLst>
+                                        </p:cTn>
+                                        <p:tgtEl>
+                                          <p:spTgt spid="369667">
+                                            <p:txEl>
+                                              <p:pRg st="8" end="8"/>
+                                            </p:txEl>
+                                          </p:spTgt>
+                                        </p:tgtEl>
+                                        <p:attrNameLst>
+                                          <p:attrName>style.visibility</p:attrName>
+                                        </p:attrNameLst>
+                                      </p:cBhvr>
+                                      <p:to>
+                                        <p:strVal val="visible"/>
+                                      </p:to>
+                                    </p:set>
+                                  </p:childTnLst>
+                                </p:cTn>
+                              </p:par>
+                            </p:childTnLst>
+                          </p:cTn>
+                        </p:par>
+                      </p:childTnLst>
+                    </p:cTn>
+                  </p:par>
+                  <p:par>
+                    <p:cTn id="31" fill="hold">
+                      <p:stCondLst>
+                        <p:cond delay="indefinite"/>
+                      </p:stCondLst>
+                      <p:childTnLst>
+                        <p:par>
+                          <p:cTn id="32" fill="hold">
+                            <p:stCondLst>
+                              <p:cond delay="0"/>
+                            </p:stCondLst>
+                            <p:childTnLst>
+                              <p:par>
+                                <p:cTn id="33" presetID="1" presetClass="entr" presetSubtype="0" fill="hold" nodeType="clickEffect">
+                                  <p:stCondLst>
+                                    <p:cond delay="0"/>
+                                  </p:stCondLst>
+                                  <p:childTnLst>
+                                    <p:set>
+                                      <p:cBhvr>
+                                        <p:cTn id="34" dur="1" fill="hold">
+                                          <p:stCondLst>
+                                            <p:cond delay="0"/>
+                                          </p:stCondLst>
+                                        </p:cTn>
+                                        <p:tgtEl>
+                                          <p:spTgt spid="369667">
+                                            <p:txEl>
+                                              <p:pRg st="9" end="9"/>
+                                            </p:txEl>
+                                          </p:spTgt>
+                                        </p:tgtEl>
+                                        <p:attrNameLst>
+                                          <p:attrName>style.visibility</p:attrName>
+                                        </p:attrNameLst>
+                                      </p:cBhvr>
+                                      <p:to>
+                                        <p:strVal val="visible"/>
+                                      </p:to>
+                                    </p:set>
+                                  </p:childTnLst>
+                                </p:cTn>
+                              </p:par>
+                            </p:childTnLst>
+                          </p:cTn>
+                        </p:par>
+                      </p:childTnLst>
+                    </p:cTn>
+                  </p:par>
+                  <p:par>
+                    <p:cTn id="35" fill="hold">
+                      <p:stCondLst>
+                        <p:cond delay="indefinite"/>
+                      </p:stCondLst>
+                      <p:childTnLst>
+                        <p:par>
+                          <p:cTn id="36" fill="hold">
+                            <p:stCondLst>
+                              <p:cond delay="0"/>
+                            </p:stCondLst>
+                            <p:childTnLst>
+                              <p:par>
+                                <p:cTn id="37" presetID="1" presetClass="entr" presetSubtype="0" fill="hold" nodeType="clickEffect">
+                                  <p:stCondLst>
+                                    <p:cond delay="0"/>
+                                  </p:stCondLst>
+                                  <p:childTnLst>
+                                    <p:set>
+                                      <p:cBhvr>
+                                        <p:cTn id="38" dur="1" fill="hold">
+                                          <p:stCondLst>
+                                            <p:cond delay="0"/>
+                                          </p:stCondLst>
+                                        </p:cTn>
+                                        <p:tgtEl>
+                                          <p:spTgt spid="369667">
+                                            <p:txEl>
+                                              <p:pRg st="11" end="11"/>
+                                            </p:txEl>
+                                          </p:spTgt>
+                                        </p:tgtEl>
+                                        <p:attrNameLst>
+                                          <p:attrName>style.visibility</p:attrName>
+                                        </p:attrNameLst>
+                                      </p:cBhvr>
+                                      <p:to>
+                                        <p:strVal val="visible"/>
+                                      </p:to>
+                                    </p:set>
+                                  </p:childTnLst>
+                                </p:cTn>
+                              </p:par>
+                            </p:childTnLst>
+                          </p:cTn>
+                        </p:par>
+                      </p:childTnLst>
+                    </p:cTn>
+                  </p:par>
+                  <p:par>
+                    <p:cTn id="39" fill="hold">
+                      <p:stCondLst>
+                        <p:cond delay="indefinite"/>
+                      </p:stCondLst>
+                      <p:childTnLst>
+                        <p:par>
+                          <p:cTn id="40" fill="hold">
+                            <p:stCondLst>
+                              <p:cond delay="0"/>
+                            </p:stCondLst>
+                            <p:childTnLst>
+                              <p:par>
+                                <p:cTn id="41" presetID="1" presetClass="entr" presetSubtype="0" fill="hold" nodeType="clickEffect">
+                                  <p:stCondLst>
+                                    <p:cond delay="0"/>
+                                  </p:stCondLst>
+                                  <p:childTnLst>
+                                    <p:set>
+                                      <p:cBhvr>
+                                        <p:cTn id="42" dur="1" fill="hold">
+                                          <p:stCondLst>
+                                            <p:cond delay="0"/>
+                                          </p:stCondLst>
+                                        </p:cTn>
+                                        <p:tgtEl>
+                                          <p:spTgt spid="369667">
+                                            <p:txEl>
+                                              <p:pRg st="12" end="12"/>
+                                            </p:txEl>
+                                          </p:spTgt>
+                                        </p:tgtEl>
+                                        <p:attrNameLst>
+                                          <p:attrName>style.visibility</p:attrName>
+                                        </p:attrNameLst>
+                                      </p:cBhvr>
+                                      <p:to>
+                                        <p:strVal val="visible"/>
+                                      </p:to>
+                                    </p:set>
+                                  </p:childTnLst>
+                                </p:cTn>
+                              </p:par>
+                            </p:childTnLst>
+                          </p:cTn>
+                        </p:par>
+                      </p:childTnLst>
+                    </p:cTn>
+                  </p:par>
+                  <p:par>
+                    <p:cTn id="43" fill="hold">
+                      <p:stCondLst>
+                        <p:cond delay="indefinite"/>
+                      </p:stCondLst>
+                      <p:childTnLst>
+                        <p:par>
+                          <p:cTn id="44" fill="hold">
+                            <p:stCondLst>
+                              <p:cond delay="0"/>
+                            </p:stCondLst>
+                            <p:childTnLst>
+                              <p:par>
+                                <p:cTn id="45" presetID="1" presetClass="entr" presetSubtype="0" fill="hold" nodeType="clickEffect">
+                                  <p:stCondLst>
+                                    <p:cond delay="0"/>
+                                  </p:stCondLst>
+                                  <p:childTnLst>
+                                    <p:set>
+                                      <p:cBhvr>
+                                        <p:cTn id="46" dur="1" fill="hold">
+                                          <p:stCondLst>
+                                            <p:cond delay="0"/>
+                                          </p:stCondLst>
+                                        </p:cTn>
+                                        <p:tgtEl>
+                                          <p:spTgt spid="369667">
+                                            <p:txEl>
+                                              <p:pRg st="14" end="14"/>
+                                            </p:txEl>
+                                          </p:spTgt>
+                                        </p:tgtEl>
+                                        <p:attrNameLst>
+                                          <p:attrName>style.visibility</p:attrName>
+                                        </p:attrNameLst>
+                                      </p:cBhvr>
+                                      <p:to>
+                                        <p:strVal val="visible"/>
+                                      </p:to>
+                                    </p:set>
+                                  </p:childTnLst>
+                                </p:cTn>
+                              </p:par>
+                            </p:childTnLst>
+                          </p:cTn>
+                        </p:par>
+                      </p:childTnLst>
+                    </p:cTn>
+                  </p:par>
+                </p:childTnLst>
+              </p:cTn>
+              <p:prevCondLst>
+                <p:cond evt="onPrev" delay="0">
+                  <p:tgtEl>
+                    <p:sldTgt/>
+                  </p:tgtEl>
+                </p:cond>
+              </p:prevCondLst>
+              <p:nextCondLst>
+                <p:cond evt="onNext" delay="0">
+                  <p:tgtEl>
+                    <p:sldTgt/>
+                  </p:tgtEl>
+                </p:cond>
+              </p:nextCondLst>
+            </p:seq>
+          </p:childTnLst>
+        </p:cTn>
+      </p:par>
+    </p:tnLst>
+  </p:timing>
+</p:sld>
+</file>
+
+<file path=ppt/slides/slide42.xml><?xml version="1.0" encoding="utf-8"?>
 <p:sld xmlns:a="http://schemas.openxmlformats.org/drawingml/2006/main" xmlns:r="http://schemas.openxmlformats.org/officeDocument/2006/relationships" xmlns:p="http://schemas.openxmlformats.org/presentationml/2006/main">
   <p:cSld>
     <p:spTree>

--- a/courses/apcsa/APExam.pptx
+++ b/courses/apcsa/APExam.pptx
@@ -159,7 +159,7 @@
 <file path=ppt/revisionInfo.xml><?xml version="1.0" encoding="utf-8"?>
 <p1510:revInfo xmlns:a="http://schemas.openxmlformats.org/drawingml/2006/main" xmlns:r="http://schemas.openxmlformats.org/officeDocument/2006/relationships" xmlns:p1510="http://schemas.microsoft.com/office/powerpoint/2015/10/main">
   <p1510:revLst>
-    <p1510:client id="{0576C267-E6BF-B644-A8D6-09119D529826}" v="1764" dt="2021-05-20T15:07:39.906"/>
+    <p1510:client id="{0576C267-E6BF-B644-A8D6-09119D529826}" v="1776" dt="2021-05-21T17:04:56.351"/>
   </p1510:revLst>
 </p1510:revInfo>
 </file>
@@ -216,7 +216,7 @@
   <pc:docChgLst>
     <pc:chgData name="Long B Nguyen" userId="f59fb8f3-a021-417a-8bc1-65c8d471c621" providerId="ADAL" clId="{0576C267-E6BF-B644-A8D6-09119D529826}"/>
     <pc:docChg chg="custSel addSld delSld modSld">
-      <pc:chgData name="Long B Nguyen" userId="f59fb8f3-a021-417a-8bc1-65c8d471c621" providerId="ADAL" clId="{0576C267-E6BF-B644-A8D6-09119D529826}" dt="2021-05-20T15:07:39.906" v="5321" actId="20577"/>
+      <pc:chgData name="Long B Nguyen" userId="f59fb8f3-a021-417a-8bc1-65c8d471c621" providerId="ADAL" clId="{0576C267-E6BF-B644-A8D6-09119D529826}" dt="2021-05-21T17:04:56.350" v="5333" actId="20577"/>
       <pc:docMkLst>
         <pc:docMk/>
       </pc:docMkLst>
@@ -1024,7 +1024,7 @@
         </pc:spChg>
       </pc:sldChg>
       <pc:sldChg chg="modSp add mod modAnim">
-        <pc:chgData name="Long B Nguyen" userId="f59fb8f3-a021-417a-8bc1-65c8d471c621" providerId="ADAL" clId="{0576C267-E6BF-B644-A8D6-09119D529826}" dt="2021-05-20T15:07:39.906" v="5321" actId="20577"/>
+        <pc:chgData name="Long B Nguyen" userId="f59fb8f3-a021-417a-8bc1-65c8d471c621" providerId="ADAL" clId="{0576C267-E6BF-B644-A8D6-09119D529826}" dt="2021-05-21T17:04:56.350" v="5333" actId="20577"/>
         <pc:sldMkLst>
           <pc:docMk/>
           <pc:sldMk cId="1379105576" sldId="553"/>
@@ -1038,7 +1038,7 @@
           </ac:spMkLst>
         </pc:spChg>
         <pc:spChg chg="mod">
-          <ac:chgData name="Long B Nguyen" userId="f59fb8f3-a021-417a-8bc1-65c8d471c621" providerId="ADAL" clId="{0576C267-E6BF-B644-A8D6-09119D529826}" dt="2021-05-20T15:07:39.906" v="5321" actId="20577"/>
+          <ac:chgData name="Long B Nguyen" userId="f59fb8f3-a021-417a-8bc1-65c8d471c621" providerId="ADAL" clId="{0576C267-E6BF-B644-A8D6-09119D529826}" dt="2021-05-21T17:04:56.350" v="5333" actId="20577"/>
           <ac:spMkLst>
             <pc:docMk/>
             <pc:sldMk cId="1379105576" sldId="553"/>
@@ -2712,7 +2712,7 @@
           <a:p>
             <a:fld id="{C197FFB3-5F72-214F-8E23-4869C9F92A8F}" type="datetimeFigureOut">
               <a:rPr lang="en-US" smtClean="0"/>
-              <a:t>5/20/21</a:t>
+              <a:t>5/21/21</a:t>
             </a:fld>
             <a:endParaRPr lang="en-US"/>
           </a:p>
@@ -3947,7 +3947,7 @@
           <a:p>
             <a:fld id="{4AAD347D-5ACD-4C99-B74B-A9C85AD731AF}" type="datetimeFigureOut">
               <a:rPr lang="en-US" smtClean="0"/>
-              <a:t>5/20/21</a:t>
+              <a:t>5/21/21</a:t>
             </a:fld>
             <a:endParaRPr lang="en-US" dirty="0"/>
           </a:p>
@@ -4117,7 +4117,7 @@
           <a:p>
             <a:fld id="{4509A250-FF31-4206-8172-F9D3106AACB1}" type="datetimeFigureOut">
               <a:rPr lang="en-US" smtClean="0"/>
-              <a:t>5/20/21</a:t>
+              <a:t>5/21/21</a:t>
             </a:fld>
             <a:endParaRPr lang="en-US" dirty="0"/>
           </a:p>
@@ -4297,7 +4297,7 @@
           <a:p>
             <a:fld id="{4509A250-FF31-4206-8172-F9D3106AACB1}" type="datetimeFigureOut">
               <a:rPr lang="en-US" smtClean="0"/>
-              <a:t>5/20/21</a:t>
+              <a:t>5/21/21</a:t>
             </a:fld>
             <a:endParaRPr lang="en-US" dirty="0"/>
           </a:p>
@@ -4467,7 +4467,7 @@
           <a:p>
             <a:fld id="{4509A250-FF31-4206-8172-F9D3106AACB1}" type="datetimeFigureOut">
               <a:rPr lang="en-US" smtClean="0"/>
-              <a:t>5/20/21</a:t>
+              <a:t>5/21/21</a:t>
             </a:fld>
             <a:endParaRPr lang="en-US" dirty="0"/>
           </a:p>
@@ -4713,7 +4713,7 @@
           <a:p>
             <a:fld id="{9796027F-7875-4030-9381-8BD8C4F21935}" type="datetimeFigureOut">
               <a:rPr lang="en-US" smtClean="0"/>
-              <a:t>5/20/21</a:t>
+              <a:t>5/21/21</a:t>
             </a:fld>
             <a:endParaRPr lang="en-US" dirty="0"/>
           </a:p>
@@ -4945,7 +4945,7 @@
           <a:p>
             <a:fld id="{9796027F-7875-4030-9381-8BD8C4F21935}" type="datetimeFigureOut">
               <a:rPr lang="en-US" smtClean="0"/>
-              <a:t>5/20/21</a:t>
+              <a:t>5/21/21</a:t>
             </a:fld>
             <a:endParaRPr lang="en-US" dirty="0"/>
           </a:p>
@@ -5312,7 +5312,7 @@
           <a:p>
             <a:fld id="{9796027F-7875-4030-9381-8BD8C4F21935}" type="datetimeFigureOut">
               <a:rPr lang="en-US" smtClean="0"/>
-              <a:t>5/20/21</a:t>
+              <a:t>5/21/21</a:t>
             </a:fld>
             <a:endParaRPr lang="en-US" dirty="0"/>
           </a:p>
@@ -5430,7 +5430,7 @@
           <a:p>
             <a:fld id="{4509A250-FF31-4206-8172-F9D3106AACB1}" type="datetimeFigureOut">
               <a:rPr lang="en-US" smtClean="0"/>
-              <a:t>5/20/21</a:t>
+              <a:t>5/21/21</a:t>
             </a:fld>
             <a:endParaRPr lang="en-US" dirty="0"/>
           </a:p>
@@ -5525,7 +5525,7 @@
           <a:p>
             <a:fld id="{4509A250-FF31-4206-8172-F9D3106AACB1}" type="datetimeFigureOut">
               <a:rPr lang="en-US" smtClean="0"/>
-              <a:t>5/20/21</a:t>
+              <a:t>5/21/21</a:t>
             </a:fld>
             <a:endParaRPr lang="en-US" dirty="0"/>
           </a:p>
@@ -5802,7 +5802,7 @@
           <a:p>
             <a:fld id="{4509A250-FF31-4206-8172-F9D3106AACB1}" type="datetimeFigureOut">
               <a:rPr lang="en-US" smtClean="0"/>
-              <a:t>5/20/21</a:t>
+              <a:t>5/21/21</a:t>
             </a:fld>
             <a:endParaRPr lang="en-US" dirty="0"/>
           </a:p>
@@ -6059,7 +6059,7 @@
           <a:p>
             <a:fld id="{4509A250-FF31-4206-8172-F9D3106AACB1}" type="datetimeFigureOut">
               <a:rPr lang="en-US" smtClean="0"/>
-              <a:t>5/20/21</a:t>
+              <a:t>5/21/21</a:t>
             </a:fld>
             <a:endParaRPr lang="en-US" dirty="0"/>
           </a:p>
@@ -6272,7 +6272,7 @@
           <a:p>
             <a:fld id="{4AAD347D-5ACD-4C99-B74B-A9C85AD731AF}" type="datetimeFigureOut">
               <a:rPr lang="en-US" smtClean="0"/>
-              <a:t>5/20/21</a:t>
+              <a:t>5/21/21</a:t>
             </a:fld>
             <a:endParaRPr lang="en-US" dirty="0"/>
           </a:p>
@@ -22802,7 +22802,21 @@
                 <a:latin typeface="Courier New" panose="02070309020205020404" pitchFamily="49" charset="0"/>
                 <a:ea typeface="ＭＳ Ｐゴシック" panose="020B0600070205080204" pitchFamily="34" charset="-128"/>
               </a:rPr>
-              <a:t>			String current = </a:t>
+              <a:t>			String </a:t>
+            </a:r>
+            <a:r>
+              <a:rPr lang="en-US" altLang="en-US" dirty="0" err="1">
+                <a:latin typeface="Courier New" panose="02070309020205020404" pitchFamily="49" charset="0"/>
+                <a:ea typeface="ＭＳ Ｐゴシック" panose="020B0600070205080204" pitchFamily="34" charset="-128"/>
+              </a:rPr>
+              <a:t>currentLetter</a:t>
+            </a:r>
+            <a:r>
+              <a:rPr lang="en-US" altLang="en-US" dirty="0">
+                <a:latin typeface="Courier New" panose="02070309020205020404" pitchFamily="49" charset="0"/>
+                <a:ea typeface="ＭＳ Ｐゴシック" panose="020B0600070205080204" pitchFamily="34" charset="-128"/>
+              </a:rPr>
+              <a:t> = </a:t>
             </a:r>
             <a:r>
               <a:rPr lang="en-US" altLang="en-US" dirty="0" err="1">
@@ -22873,7 +22887,21 @@
                 <a:latin typeface="Courier New" panose="02070309020205020404" pitchFamily="49" charset="0"/>
                 <a:ea typeface="ＭＳ Ｐゴシック" panose="020B0600070205080204" pitchFamily="34" charset="-128"/>
               </a:rPr>
-              <a:t>(current) != -1)</a:t>
+              <a:t>(</a:t>
+            </a:r>
+            <a:r>
+              <a:rPr lang="en-US" altLang="en-US" dirty="0" err="1">
+                <a:latin typeface="Courier New" panose="02070309020205020404" pitchFamily="49" charset="0"/>
+                <a:ea typeface="ＭＳ Ｐゴシック" panose="020B0600070205080204" pitchFamily="34" charset="-128"/>
+              </a:rPr>
+              <a:t>currentLetter</a:t>
+            </a:r>
+            <a:r>
+              <a:rPr lang="en-US" altLang="en-US" dirty="0">
+                <a:latin typeface="Courier New" panose="02070309020205020404" pitchFamily="49" charset="0"/>
+                <a:ea typeface="ＭＳ Ｐゴシック" panose="020B0600070205080204" pitchFamily="34" charset="-128"/>
+              </a:rPr>
+              <a:t>) != -1)</a:t>
             </a:r>
           </a:p>
           <a:p>

--- a/courses/apcsa/APExam.pptx
+++ b/courses/apcsa/APExam.pptx
@@ -5,7 +5,7 @@
     <p:sldMasterId id="2147483791" r:id="rId1"/>
   </p:sldMasterIdLst>
   <p:notesMasterIdLst>
-    <p:notesMasterId r:id="rId44"/>
+    <p:notesMasterId r:id="rId50"/>
   </p:notesMasterIdLst>
   <p:sldIdLst>
     <p:sldId id="256" r:id="rId2"/>
@@ -37,19 +37,25 @@
     <p:sldId id="362" r:id="rId28"/>
     <p:sldId id="369" r:id="rId29"/>
     <p:sldId id="363" r:id="rId30"/>
-    <p:sldId id="543" r:id="rId31"/>
-    <p:sldId id="544" r:id="rId32"/>
-    <p:sldId id="549" r:id="rId33"/>
-    <p:sldId id="547" r:id="rId34"/>
-    <p:sldId id="545" r:id="rId35"/>
-    <p:sldId id="546" r:id="rId36"/>
-    <p:sldId id="548" r:id="rId37"/>
-    <p:sldId id="550" r:id="rId38"/>
-    <p:sldId id="551" r:id="rId39"/>
-    <p:sldId id="297" r:id="rId40"/>
-    <p:sldId id="298" r:id="rId41"/>
-    <p:sldId id="553" r:id="rId42"/>
-    <p:sldId id="552" r:id="rId43"/>
+    <p:sldId id="559" r:id="rId31"/>
+    <p:sldId id="543" r:id="rId32"/>
+    <p:sldId id="544" r:id="rId33"/>
+    <p:sldId id="549" r:id="rId34"/>
+    <p:sldId id="547" r:id="rId35"/>
+    <p:sldId id="545" r:id="rId36"/>
+    <p:sldId id="546" r:id="rId37"/>
+    <p:sldId id="548" r:id="rId38"/>
+    <p:sldId id="558" r:id="rId39"/>
+    <p:sldId id="550" r:id="rId40"/>
+    <p:sldId id="551" r:id="rId41"/>
+    <p:sldId id="297" r:id="rId42"/>
+    <p:sldId id="298" r:id="rId43"/>
+    <p:sldId id="553" r:id="rId44"/>
+    <p:sldId id="552" r:id="rId45"/>
+    <p:sldId id="554" r:id="rId46"/>
+    <p:sldId id="555" r:id="rId47"/>
+    <p:sldId id="556" r:id="rId48"/>
+    <p:sldId id="557" r:id="rId49"/>
   </p:sldIdLst>
   <p:sldSz cx="9144000" cy="5715000" type="screen16x10"/>
   <p:notesSz cx="6858000" cy="9144000"/>
@@ -159,7 +165,7 @@
 <file path=ppt/revisionInfo.xml><?xml version="1.0" encoding="utf-8"?>
 <p1510:revInfo xmlns:a="http://schemas.openxmlformats.org/drawingml/2006/main" xmlns:r="http://schemas.openxmlformats.org/officeDocument/2006/relationships" xmlns:p1510="http://schemas.microsoft.com/office/powerpoint/2015/10/main">
   <p1510:revLst>
-    <p1510:client id="{0576C267-E6BF-B644-A8D6-09119D529826}" v="1776" dt="2021-05-21T17:04:56.351"/>
+    <p1510:client id="{0576C267-E6BF-B644-A8D6-09119D529826}" v="1906" dt="2021-05-24T15:02:18.787"/>
   </p1510:revLst>
 </p1510:revInfo>
 </file>
@@ -216,7 +222,7 @@
   <pc:docChgLst>
     <pc:chgData name="Long B Nguyen" userId="f59fb8f3-a021-417a-8bc1-65c8d471c621" providerId="ADAL" clId="{0576C267-E6BF-B644-A8D6-09119D529826}"/>
     <pc:docChg chg="custSel addSld delSld modSld">
-      <pc:chgData name="Long B Nguyen" userId="f59fb8f3-a021-417a-8bc1-65c8d471c621" providerId="ADAL" clId="{0576C267-E6BF-B644-A8D6-09119D529826}" dt="2021-05-21T17:04:56.350" v="5333" actId="20577"/>
+      <pc:chgData name="Long B Nguyen" userId="f59fb8f3-a021-417a-8bc1-65c8d471c621" providerId="ADAL" clId="{0576C267-E6BF-B644-A8D6-09119D529826}" dt="2021-05-24T15:03:51.203" v="6077" actId="20577"/>
       <pc:docMkLst>
         <pc:docMk/>
       </pc:docMkLst>
@@ -742,13 +748,13 @@
         </pc:spChg>
       </pc:sldChg>
       <pc:sldChg chg="delSp modSp add mod">
-        <pc:chgData name="Long B Nguyen" userId="f59fb8f3-a021-417a-8bc1-65c8d471c621" providerId="ADAL" clId="{0576C267-E6BF-B644-A8D6-09119D529826}" dt="2021-05-19T15:41:22.422" v="4703" actId="20577"/>
+        <pc:chgData name="Long B Nguyen" userId="f59fb8f3-a021-417a-8bc1-65c8d471c621" providerId="ADAL" clId="{0576C267-E6BF-B644-A8D6-09119D529826}" dt="2021-05-24T15:02:59.098" v="6044" actId="20577"/>
         <pc:sldMkLst>
           <pc:docMk/>
           <pc:sldMk cId="2879578628" sldId="368"/>
         </pc:sldMkLst>
         <pc:spChg chg="mod">
-          <ac:chgData name="Long B Nguyen" userId="f59fb8f3-a021-417a-8bc1-65c8d471c621" providerId="ADAL" clId="{0576C267-E6BF-B644-A8D6-09119D529826}" dt="2021-05-19T15:41:22.422" v="4703" actId="20577"/>
+          <ac:chgData name="Long B Nguyen" userId="f59fb8f3-a021-417a-8bc1-65c8d471c621" providerId="ADAL" clId="{0576C267-E6BF-B644-A8D6-09119D529826}" dt="2021-05-24T15:02:59.098" v="6044" actId="20577"/>
           <ac:spMkLst>
             <pc:docMk/>
             <pc:sldMk cId="2879578628" sldId="368"/>
@@ -810,13 +816,13 @@
         </pc:spChg>
       </pc:sldChg>
       <pc:sldChg chg="modSp add mod">
-        <pc:chgData name="Long B Nguyen" userId="f59fb8f3-a021-417a-8bc1-65c8d471c621" providerId="ADAL" clId="{0576C267-E6BF-B644-A8D6-09119D529826}" dt="2021-05-19T15:35:31.898" v="4491" actId="20577"/>
+        <pc:chgData name="Long B Nguyen" userId="f59fb8f3-a021-417a-8bc1-65c8d471c621" providerId="ADAL" clId="{0576C267-E6BF-B644-A8D6-09119D529826}" dt="2021-05-24T15:02:45.135" v="6026" actId="20577"/>
         <pc:sldMkLst>
           <pc:docMk/>
           <pc:sldMk cId="2802854376" sldId="543"/>
         </pc:sldMkLst>
         <pc:spChg chg="mod">
-          <ac:chgData name="Long B Nguyen" userId="f59fb8f3-a021-417a-8bc1-65c8d471c621" providerId="ADAL" clId="{0576C267-E6BF-B644-A8D6-09119D529826}" dt="2021-05-19T15:35:31.898" v="4491" actId="20577"/>
+          <ac:chgData name="Long B Nguyen" userId="f59fb8f3-a021-417a-8bc1-65c8d471c621" providerId="ADAL" clId="{0576C267-E6BF-B644-A8D6-09119D529826}" dt="2021-05-24T15:02:45.135" v="6026" actId="20577"/>
           <ac:spMkLst>
             <pc:docMk/>
             <pc:sldMk cId="2802854376" sldId="543"/>
@@ -963,13 +969,13 @@
         </pc:spChg>
       </pc:sldChg>
       <pc:sldChg chg="modSp add mod">
-        <pc:chgData name="Long B Nguyen" userId="f59fb8f3-a021-417a-8bc1-65c8d471c621" providerId="ADAL" clId="{0576C267-E6BF-B644-A8D6-09119D529826}" dt="2021-05-19T15:37:02.421" v="4512" actId="20577"/>
+        <pc:chgData name="Long B Nguyen" userId="f59fb8f3-a021-417a-8bc1-65c8d471c621" providerId="ADAL" clId="{0576C267-E6BF-B644-A8D6-09119D529826}" dt="2021-05-24T15:03:17.679" v="6052" actId="20577"/>
         <pc:sldMkLst>
           <pc:docMk/>
           <pc:sldMk cId="177006165" sldId="550"/>
         </pc:sldMkLst>
         <pc:spChg chg="mod">
-          <ac:chgData name="Long B Nguyen" userId="f59fb8f3-a021-417a-8bc1-65c8d471c621" providerId="ADAL" clId="{0576C267-E6BF-B644-A8D6-09119D529826}" dt="2021-05-19T15:37:02.421" v="4512" actId="20577"/>
+          <ac:chgData name="Long B Nguyen" userId="f59fb8f3-a021-417a-8bc1-65c8d471c621" providerId="ADAL" clId="{0576C267-E6BF-B644-A8D6-09119D529826}" dt="2021-05-24T15:03:17.679" v="6052" actId="20577"/>
           <ac:spMkLst>
             <pc:docMk/>
             <pc:sldMk cId="177006165" sldId="550"/>
@@ -1001,7 +1007,7 @@
         </pc:spChg>
       </pc:sldChg>
       <pc:sldChg chg="modSp add mod">
-        <pc:chgData name="Long B Nguyen" userId="f59fb8f3-a021-417a-8bc1-65c8d471c621" providerId="ADAL" clId="{0576C267-E6BF-B644-A8D6-09119D529826}" dt="2021-05-19T15:46:18.438" v="4906" actId="20577"/>
+        <pc:chgData name="Long B Nguyen" userId="f59fb8f3-a021-417a-8bc1-65c8d471c621" providerId="ADAL" clId="{0576C267-E6BF-B644-A8D6-09119D529826}" dt="2021-05-24T15:03:35.960" v="6069" actId="20577"/>
         <pc:sldMkLst>
           <pc:docMk/>
           <pc:sldMk cId="988052880" sldId="552"/>
@@ -1015,7 +1021,7 @@
           </ac:spMkLst>
         </pc:spChg>
         <pc:spChg chg="mod">
-          <ac:chgData name="Long B Nguyen" userId="f59fb8f3-a021-417a-8bc1-65c8d471c621" providerId="ADAL" clId="{0576C267-E6BF-B644-A8D6-09119D529826}" dt="2021-05-19T15:46:18.438" v="4906" actId="20577"/>
+          <ac:chgData name="Long B Nguyen" userId="f59fb8f3-a021-417a-8bc1-65c8d471c621" providerId="ADAL" clId="{0576C267-E6BF-B644-A8D6-09119D529826}" dt="2021-05-24T15:03:35.960" v="6069" actId="20577"/>
           <ac:spMkLst>
             <pc:docMk/>
             <pc:sldMk cId="988052880" sldId="552"/>
@@ -1043,6 +1049,207 @@
             <pc:docMk/>
             <pc:sldMk cId="1379105576" sldId="553"/>
             <ac:spMk id="369667" creationId="{47E86255-DD44-C741-AB8B-33D04A9B82F2}"/>
+          </ac:spMkLst>
+        </pc:spChg>
+      </pc:sldChg>
+      <pc:sldChg chg="modSp add mod">
+        <pc:chgData name="Long B Nguyen" userId="f59fb8f3-a021-417a-8bc1-65c8d471c621" providerId="ADAL" clId="{0576C267-E6BF-B644-A8D6-09119D529826}" dt="2021-05-24T15:03:25.097" v="6060" actId="20577"/>
+        <pc:sldMkLst>
+          <pc:docMk/>
+          <pc:sldMk cId="2644801842" sldId="554"/>
+        </pc:sldMkLst>
+        <pc:spChg chg="mod">
+          <ac:chgData name="Long B Nguyen" userId="f59fb8f3-a021-417a-8bc1-65c8d471c621" providerId="ADAL" clId="{0576C267-E6BF-B644-A8D6-09119D529826}" dt="2021-05-24T15:03:25.097" v="6060" actId="20577"/>
+          <ac:spMkLst>
+            <pc:docMk/>
+            <pc:sldMk cId="2644801842" sldId="554"/>
+            <ac:spMk id="2" creationId="{BC6F9511-CB58-AC49-AD98-860912780FFE}"/>
+          </ac:spMkLst>
+        </pc:spChg>
+      </pc:sldChg>
+      <pc:sldChg chg="modSp add mod">
+        <pc:chgData name="Long B Nguyen" userId="f59fb8f3-a021-417a-8bc1-65c8d471c621" providerId="ADAL" clId="{0576C267-E6BF-B644-A8D6-09119D529826}" dt="2021-05-24T14:58:35.334" v="5917" actId="20577"/>
+        <pc:sldMkLst>
+          <pc:docMk/>
+          <pc:sldMk cId="3061585853" sldId="555"/>
+        </pc:sldMkLst>
+        <pc:spChg chg="mod">
+          <ac:chgData name="Long B Nguyen" userId="f59fb8f3-a021-417a-8bc1-65c8d471c621" providerId="ADAL" clId="{0576C267-E6BF-B644-A8D6-09119D529826}" dt="2021-05-24T14:53:04.555" v="5402" actId="20577"/>
+          <ac:spMkLst>
+            <pc:docMk/>
+            <pc:sldMk cId="3061585853" sldId="555"/>
+            <ac:spMk id="2" creationId="{BC6F9511-CB58-AC49-AD98-860912780FFE}"/>
+          </ac:spMkLst>
+        </pc:spChg>
+        <pc:spChg chg="mod">
+          <ac:chgData name="Long B Nguyen" userId="f59fb8f3-a021-417a-8bc1-65c8d471c621" providerId="ADAL" clId="{0576C267-E6BF-B644-A8D6-09119D529826}" dt="2021-05-24T14:58:35.334" v="5917" actId="20577"/>
+          <ac:spMkLst>
+            <pc:docMk/>
+            <pc:sldMk cId="3061585853" sldId="555"/>
+            <ac:spMk id="3" creationId="{CE6BD10B-9D13-604D-9877-97B355109287}"/>
+          </ac:spMkLst>
+        </pc:spChg>
+      </pc:sldChg>
+      <pc:sldChg chg="modSp add mod">
+        <pc:chgData name="Long B Nguyen" userId="f59fb8f3-a021-417a-8bc1-65c8d471c621" providerId="ADAL" clId="{0576C267-E6BF-B644-A8D6-09119D529826}" dt="2021-05-24T14:56:43.283" v="5675" actId="1076"/>
+        <pc:sldMkLst>
+          <pc:docMk/>
+          <pc:sldMk cId="2732418154" sldId="556"/>
+        </pc:sldMkLst>
+        <pc:spChg chg="mod">
+          <ac:chgData name="Long B Nguyen" userId="f59fb8f3-a021-417a-8bc1-65c8d471c621" providerId="ADAL" clId="{0576C267-E6BF-B644-A8D6-09119D529826}" dt="2021-05-24T14:56:10.144" v="5632" actId="1037"/>
+          <ac:spMkLst>
+            <pc:docMk/>
+            <pc:sldMk cId="2732418154" sldId="556"/>
+            <ac:spMk id="7" creationId="{25605F50-CA57-8142-96E4-02159E4C4201}"/>
+          </ac:spMkLst>
+        </pc:spChg>
+        <pc:spChg chg="mod">
+          <ac:chgData name="Long B Nguyen" userId="f59fb8f3-a021-417a-8bc1-65c8d471c621" providerId="ADAL" clId="{0576C267-E6BF-B644-A8D6-09119D529826}" dt="2021-05-24T14:56:34.586" v="5673" actId="20577"/>
+          <ac:spMkLst>
+            <pc:docMk/>
+            <pc:sldMk cId="2732418154" sldId="556"/>
+            <ac:spMk id="11" creationId="{36D509DE-3AB9-9A43-895C-FF5E9083D31E}"/>
+          </ac:spMkLst>
+        </pc:spChg>
+        <pc:spChg chg="mod">
+          <ac:chgData name="Long B Nguyen" userId="f59fb8f3-a021-417a-8bc1-65c8d471c621" providerId="ADAL" clId="{0576C267-E6BF-B644-A8D6-09119D529826}" dt="2021-05-24T14:56:39.349" v="5674" actId="1076"/>
+          <ac:spMkLst>
+            <pc:docMk/>
+            <pc:sldMk cId="2732418154" sldId="556"/>
+            <ac:spMk id="17" creationId="{7D5A7BFC-CA96-B04C-B3C5-F53353217DCC}"/>
+          </ac:spMkLst>
+        </pc:spChg>
+        <pc:spChg chg="mod">
+          <ac:chgData name="Long B Nguyen" userId="f59fb8f3-a021-417a-8bc1-65c8d471c621" providerId="ADAL" clId="{0576C267-E6BF-B644-A8D6-09119D529826}" dt="2021-05-24T14:56:43.283" v="5675" actId="1076"/>
+          <ac:spMkLst>
+            <pc:docMk/>
+            <pc:sldMk cId="2732418154" sldId="556"/>
+            <ac:spMk id="20" creationId="{E893D80A-0803-8A4E-911F-4E707677F745}"/>
+          </ac:spMkLst>
+        </pc:spChg>
+        <pc:spChg chg="mod">
+          <ac:chgData name="Long B Nguyen" userId="f59fb8f3-a021-417a-8bc1-65c8d471c621" providerId="ADAL" clId="{0576C267-E6BF-B644-A8D6-09119D529826}" dt="2021-05-24T14:55:45.813" v="5547" actId="1076"/>
+          <ac:spMkLst>
+            <pc:docMk/>
+            <pc:sldMk cId="2732418154" sldId="556"/>
+            <ac:spMk id="36866" creationId="{95CAFBCC-0575-AE47-8C06-558E16BDB849}"/>
+          </ac:spMkLst>
+        </pc:spChg>
+        <pc:spChg chg="mod">
+          <ac:chgData name="Long B Nguyen" userId="f59fb8f3-a021-417a-8bc1-65c8d471c621" providerId="ADAL" clId="{0576C267-E6BF-B644-A8D6-09119D529826}" dt="2021-05-24T14:55:54.074" v="5556" actId="1035"/>
+          <ac:spMkLst>
+            <pc:docMk/>
+            <pc:sldMk cId="2732418154" sldId="556"/>
+            <ac:spMk id="36867" creationId="{9F2891C4-05CF-3B48-A81C-1F147D9F90FA}"/>
+          </ac:spMkLst>
+        </pc:spChg>
+        <pc:cxnChg chg="mod">
+          <ac:chgData name="Long B Nguyen" userId="f59fb8f3-a021-417a-8bc1-65c8d471c621" providerId="ADAL" clId="{0576C267-E6BF-B644-A8D6-09119D529826}" dt="2021-05-24T14:56:10.144" v="5632" actId="1037"/>
+          <ac:cxnSpMkLst>
+            <pc:docMk/>
+            <pc:sldMk cId="2732418154" sldId="556"/>
+            <ac:cxnSpMk id="8" creationId="{D5089F5B-4A47-9D4B-922D-8DD15CC7D1CA}"/>
+          </ac:cxnSpMkLst>
+        </pc:cxnChg>
+        <pc:cxnChg chg="mod">
+          <ac:chgData name="Long B Nguyen" userId="f59fb8f3-a021-417a-8bc1-65c8d471c621" providerId="ADAL" clId="{0576C267-E6BF-B644-A8D6-09119D529826}" dt="2021-05-24T14:56:25.360" v="5635" actId="14100"/>
+          <ac:cxnSpMkLst>
+            <pc:docMk/>
+            <pc:sldMk cId="2732418154" sldId="556"/>
+            <ac:cxnSpMk id="12" creationId="{496E8E68-9C19-654E-BA4C-6C76EDCE4072}"/>
+          </ac:cxnSpMkLst>
+        </pc:cxnChg>
+        <pc:cxnChg chg="mod">
+          <ac:chgData name="Long B Nguyen" userId="f59fb8f3-a021-417a-8bc1-65c8d471c621" providerId="ADAL" clId="{0576C267-E6BF-B644-A8D6-09119D529826}" dt="2021-05-24T14:56:25.360" v="5635" actId="14100"/>
+          <ac:cxnSpMkLst>
+            <pc:docMk/>
+            <pc:sldMk cId="2732418154" sldId="556"/>
+            <ac:cxnSpMk id="13" creationId="{FE822A56-FB96-C340-90E3-6366643639D7}"/>
+          </ac:cxnSpMkLst>
+        </pc:cxnChg>
+        <pc:cxnChg chg="mod">
+          <ac:chgData name="Long B Nguyen" userId="f59fb8f3-a021-417a-8bc1-65c8d471c621" providerId="ADAL" clId="{0576C267-E6BF-B644-A8D6-09119D529826}" dt="2021-05-24T14:56:39.349" v="5674" actId="1076"/>
+          <ac:cxnSpMkLst>
+            <pc:docMk/>
+            <pc:sldMk cId="2732418154" sldId="556"/>
+            <ac:cxnSpMk id="18" creationId="{E652A7AA-0340-164E-8A9A-9D08EAB13594}"/>
+          </ac:cxnSpMkLst>
+        </pc:cxnChg>
+        <pc:cxnChg chg="mod">
+          <ac:chgData name="Long B Nguyen" userId="f59fb8f3-a021-417a-8bc1-65c8d471c621" providerId="ADAL" clId="{0576C267-E6BF-B644-A8D6-09119D529826}" dt="2021-05-24T14:56:43.283" v="5675" actId="1076"/>
+          <ac:cxnSpMkLst>
+            <pc:docMk/>
+            <pc:sldMk cId="2732418154" sldId="556"/>
+            <ac:cxnSpMk id="21" creationId="{4C577CF4-E4BE-2C4D-B402-0AE541834241}"/>
+          </ac:cxnSpMkLst>
+        </pc:cxnChg>
+      </pc:sldChg>
+      <pc:sldChg chg="modSp add mod">
+        <pc:chgData name="Long B Nguyen" userId="f59fb8f3-a021-417a-8bc1-65c8d471c621" providerId="ADAL" clId="{0576C267-E6BF-B644-A8D6-09119D529826}" dt="2021-05-24T15:03:51.203" v="6077" actId="20577"/>
+        <pc:sldMkLst>
+          <pc:docMk/>
+          <pc:sldMk cId="2050438063" sldId="557"/>
+        </pc:sldMkLst>
+        <pc:spChg chg="mod">
+          <ac:chgData name="Long B Nguyen" userId="f59fb8f3-a021-417a-8bc1-65c8d471c621" providerId="ADAL" clId="{0576C267-E6BF-B644-A8D6-09119D529826}" dt="2021-05-24T15:03:51.203" v="6077" actId="20577"/>
+          <ac:spMkLst>
+            <pc:docMk/>
+            <pc:sldMk cId="2050438063" sldId="557"/>
+            <ac:spMk id="3" creationId="{CE6BD10B-9D13-604D-9877-97B355109287}"/>
+          </ac:spMkLst>
+        </pc:spChg>
+      </pc:sldChg>
+      <pc:sldChg chg="add del">
+        <pc:chgData name="Long B Nguyen" userId="f59fb8f3-a021-417a-8bc1-65c8d471c621" providerId="ADAL" clId="{0576C267-E6BF-B644-A8D6-09119D529826}" dt="2021-05-24T14:58:30.436" v="5915" actId="2696"/>
+        <pc:sldMkLst>
+          <pc:docMk/>
+          <pc:sldMk cId="4020786600" sldId="557"/>
+        </pc:sldMkLst>
+      </pc:sldChg>
+      <pc:sldChg chg="modSp add mod">
+        <pc:chgData name="Long B Nguyen" userId="f59fb8f3-a021-417a-8bc1-65c8d471c621" providerId="ADAL" clId="{0576C267-E6BF-B644-A8D6-09119D529826}" dt="2021-05-24T15:02:33.130" v="6016" actId="20577"/>
+        <pc:sldMkLst>
+          <pc:docMk/>
+          <pc:sldMk cId="2880934244" sldId="558"/>
+        </pc:sldMkLst>
+        <pc:spChg chg="mod">
+          <ac:chgData name="Long B Nguyen" userId="f59fb8f3-a021-417a-8bc1-65c8d471c621" providerId="ADAL" clId="{0576C267-E6BF-B644-A8D6-09119D529826}" dt="2021-05-24T15:01:14.160" v="5988" actId="20577"/>
+          <ac:spMkLst>
+            <pc:docMk/>
+            <pc:sldMk cId="2880934244" sldId="558"/>
+            <ac:spMk id="2" creationId="{BC6F9511-CB58-AC49-AD98-860912780FFE}"/>
+          </ac:spMkLst>
+        </pc:spChg>
+        <pc:spChg chg="mod">
+          <ac:chgData name="Long B Nguyen" userId="f59fb8f3-a021-417a-8bc1-65c8d471c621" providerId="ADAL" clId="{0576C267-E6BF-B644-A8D6-09119D529826}" dt="2021-05-24T15:02:33.130" v="6016" actId="20577"/>
+          <ac:spMkLst>
+            <pc:docMk/>
+            <pc:sldMk cId="2880934244" sldId="558"/>
+            <ac:spMk id="3" creationId="{CE6BD10B-9D13-604D-9877-97B355109287}"/>
+          </ac:spMkLst>
+        </pc:spChg>
+      </pc:sldChg>
+      <pc:sldChg chg="modSp add mod">
+        <pc:chgData name="Long B Nguyen" userId="f59fb8f3-a021-417a-8bc1-65c8d471c621" providerId="ADAL" clId="{0576C267-E6BF-B644-A8D6-09119D529826}" dt="2021-05-24T15:02:22.329" v="6007" actId="20577"/>
+        <pc:sldMkLst>
+          <pc:docMk/>
+          <pc:sldMk cId="4143838269" sldId="559"/>
+        </pc:sldMkLst>
+        <pc:spChg chg="mod">
+          <ac:chgData name="Long B Nguyen" userId="f59fb8f3-a021-417a-8bc1-65c8d471c621" providerId="ADAL" clId="{0576C267-E6BF-B644-A8D6-09119D529826}" dt="2021-05-24T15:01:53.195" v="5994" actId="20577"/>
+          <ac:spMkLst>
+            <pc:docMk/>
+            <pc:sldMk cId="4143838269" sldId="559"/>
+            <ac:spMk id="2" creationId="{BC6F9511-CB58-AC49-AD98-860912780FFE}"/>
+          </ac:spMkLst>
+        </pc:spChg>
+        <pc:spChg chg="mod">
+          <ac:chgData name="Long B Nguyen" userId="f59fb8f3-a021-417a-8bc1-65c8d471c621" providerId="ADAL" clId="{0576C267-E6BF-B644-A8D6-09119D529826}" dt="2021-05-24T15:02:22.329" v="6007" actId="20577"/>
+          <ac:spMkLst>
+            <pc:docMk/>
+            <pc:sldMk cId="4143838269" sldId="559"/>
+            <ac:spMk id="3" creationId="{CE6BD10B-9D13-604D-9877-97B355109287}"/>
           </ac:spMkLst>
         </pc:spChg>
       </pc:sldChg>
@@ -2712,7 +2919,7 @@
           <a:p>
             <a:fld id="{C197FFB3-5F72-214F-8E23-4869C9F92A8F}" type="datetimeFigureOut">
               <a:rPr lang="en-US" smtClean="0"/>
-              <a:t>5/21/21</a:t>
+              <a:t>5/24/21</a:t>
             </a:fld>
             <a:endParaRPr lang="en-US"/>
           </a:p>
@@ -3180,7 +3387,7 @@
                   <a:spcPct val="0"/>
                 </a:spcBef>
               </a:pPr>
-              <a:t>39</a:t>
+              <a:t>41</a:t>
             </a:fld>
             <a:endParaRPr lang="en-US" altLang="en-US"/>
           </a:p>
@@ -3459,7 +3666,7 @@
                   <a:spcPct val="0"/>
                 </a:spcBef>
               </a:pPr>
-              <a:t>40</a:t>
+              <a:t>42</a:t>
             </a:fld>
             <a:endParaRPr lang="en-US" altLang="en-US"/>
           </a:p>
@@ -3738,7 +3945,7 @@
                   <a:spcPct val="0"/>
                 </a:spcBef>
               </a:pPr>
-              <a:t>41</a:t>
+              <a:t>43</a:t>
             </a:fld>
             <a:endParaRPr lang="en-US" altLang="en-US"/>
           </a:p>
@@ -3947,7 +4154,7 @@
           <a:p>
             <a:fld id="{4AAD347D-5ACD-4C99-B74B-A9C85AD731AF}" type="datetimeFigureOut">
               <a:rPr lang="en-US" smtClean="0"/>
-              <a:t>5/21/21</a:t>
+              <a:t>5/24/21</a:t>
             </a:fld>
             <a:endParaRPr lang="en-US" dirty="0"/>
           </a:p>
@@ -4117,7 +4324,7 @@
           <a:p>
             <a:fld id="{4509A250-FF31-4206-8172-F9D3106AACB1}" type="datetimeFigureOut">
               <a:rPr lang="en-US" smtClean="0"/>
-              <a:t>5/21/21</a:t>
+              <a:t>5/24/21</a:t>
             </a:fld>
             <a:endParaRPr lang="en-US" dirty="0"/>
           </a:p>
@@ -4297,7 +4504,7 @@
           <a:p>
             <a:fld id="{4509A250-FF31-4206-8172-F9D3106AACB1}" type="datetimeFigureOut">
               <a:rPr lang="en-US" smtClean="0"/>
-              <a:t>5/21/21</a:t>
+              <a:t>5/24/21</a:t>
             </a:fld>
             <a:endParaRPr lang="en-US" dirty="0"/>
           </a:p>
@@ -4467,7 +4674,7 @@
           <a:p>
             <a:fld id="{4509A250-FF31-4206-8172-F9D3106AACB1}" type="datetimeFigureOut">
               <a:rPr lang="en-US" smtClean="0"/>
-              <a:t>5/21/21</a:t>
+              <a:t>5/24/21</a:t>
             </a:fld>
             <a:endParaRPr lang="en-US" dirty="0"/>
           </a:p>
@@ -4713,7 +4920,7 @@
           <a:p>
             <a:fld id="{9796027F-7875-4030-9381-8BD8C4F21935}" type="datetimeFigureOut">
               <a:rPr lang="en-US" smtClean="0"/>
-              <a:t>5/21/21</a:t>
+              <a:t>5/24/21</a:t>
             </a:fld>
             <a:endParaRPr lang="en-US" dirty="0"/>
           </a:p>
@@ -4945,7 +5152,7 @@
           <a:p>
             <a:fld id="{9796027F-7875-4030-9381-8BD8C4F21935}" type="datetimeFigureOut">
               <a:rPr lang="en-US" smtClean="0"/>
-              <a:t>5/21/21</a:t>
+              <a:t>5/24/21</a:t>
             </a:fld>
             <a:endParaRPr lang="en-US" dirty="0"/>
           </a:p>
@@ -5312,7 +5519,7 @@
           <a:p>
             <a:fld id="{9796027F-7875-4030-9381-8BD8C4F21935}" type="datetimeFigureOut">
               <a:rPr lang="en-US" smtClean="0"/>
-              <a:t>5/21/21</a:t>
+              <a:t>5/24/21</a:t>
             </a:fld>
             <a:endParaRPr lang="en-US" dirty="0"/>
           </a:p>
@@ -5430,7 +5637,7 @@
           <a:p>
             <a:fld id="{4509A250-FF31-4206-8172-F9D3106AACB1}" type="datetimeFigureOut">
               <a:rPr lang="en-US" smtClean="0"/>
-              <a:t>5/21/21</a:t>
+              <a:t>5/24/21</a:t>
             </a:fld>
             <a:endParaRPr lang="en-US" dirty="0"/>
           </a:p>
@@ -5525,7 +5732,7 @@
           <a:p>
             <a:fld id="{4509A250-FF31-4206-8172-F9D3106AACB1}" type="datetimeFigureOut">
               <a:rPr lang="en-US" smtClean="0"/>
-              <a:t>5/21/21</a:t>
+              <a:t>5/24/21</a:t>
             </a:fld>
             <a:endParaRPr lang="en-US" dirty="0"/>
           </a:p>
@@ -5802,7 +6009,7 @@
           <a:p>
             <a:fld id="{4509A250-FF31-4206-8172-F9D3106AACB1}" type="datetimeFigureOut">
               <a:rPr lang="en-US" smtClean="0"/>
-              <a:t>5/21/21</a:t>
+              <a:t>5/24/21</a:t>
             </a:fld>
             <a:endParaRPr lang="en-US" dirty="0"/>
           </a:p>
@@ -6059,7 +6266,7 @@
           <a:p>
             <a:fld id="{4509A250-FF31-4206-8172-F9D3106AACB1}" type="datetimeFigureOut">
               <a:rPr lang="en-US" smtClean="0"/>
-              <a:t>5/21/21</a:t>
+              <a:t>5/24/21</a:t>
             </a:fld>
             <a:endParaRPr lang="en-US" dirty="0"/>
           </a:p>
@@ -6272,7 +6479,7 @@
           <a:p>
             <a:fld id="{4AAD347D-5ACD-4C99-B74B-A9C85AD731AF}" type="datetimeFigureOut">
               <a:rPr lang="en-US" smtClean="0"/>
-              <a:t>5/21/21</a:t>
+              <a:t>5/24/21</a:t>
             </a:fld>
             <a:endParaRPr lang="en-US" dirty="0"/>
           </a:p>
@@ -10917,7 +11124,7 @@
             </a:br>
             <a:r>
               <a:rPr lang="en-US" dirty="0"/>
-              <a:t>2010 #1, 2013 #1, 2017 #1, 2018 #2</a:t>
+              <a:t>2010 #1, 2013 #1, 2017 #1, 2018 #2, 2021#3</a:t>
             </a:r>
           </a:p>
         </p:txBody>
@@ -17018,7 +17225,7 @@
         </p:nvSpPr>
         <p:spPr>
           <a:xfrm>
-            <a:off x="628650" y="2563244"/>
+            <a:off x="167177" y="128185"/>
             <a:ext cx="7886700" cy="588511"/>
           </a:xfrm>
         </p:spPr>
@@ -17028,29 +17235,82 @@
           <a:p>
             <a:r>
               <a:rPr lang="en-US" dirty="0"/>
-              <a:t>Question 4: 2D Array</a:t>
-            </a:r>
-            <a:br>
+              <a:t>Question 3</a:t>
+            </a:r>
+          </a:p>
+        </p:txBody>
+      </p:sp>
+      <p:sp>
+        <p:nvSpPr>
+          <p:cNvPr id="3" name="Content Placeholder 2">
+            <a:extLst>
+              <a:ext uri="{FF2B5EF4-FFF2-40B4-BE49-F238E27FC236}">
+                <a16:creationId xmlns:a16="http://schemas.microsoft.com/office/drawing/2014/main" id="{CE6BD10B-9D13-604D-9877-97B355109287}"/>
+              </a:ext>
+            </a:extLst>
+          </p:cNvPr>
+          <p:cNvSpPr>
+            <a:spLocks noGrp="1"/>
+          </p:cNvSpPr>
+          <p:nvPr>
+            <p:ph idx="1"/>
+          </p:nvPr>
+        </p:nvSpPr>
+        <p:spPr>
+          <a:xfrm>
+            <a:off x="167177" y="888763"/>
+            <a:ext cx="8780270" cy="4623273"/>
+          </a:xfrm>
+        </p:spPr>
+        <p:txBody>
+          <a:bodyPr/>
+          <a:lstStyle/>
+          <a:p>
+            <a:pPr marL="0" indent="0">
+              <a:buNone/>
+            </a:pPr>
+            <a:endParaRPr lang="en-US" dirty="0">
+              <a:latin typeface="Gill Sans MT" panose="020B0502020104020203" pitchFamily="34" charset="77"/>
+              <a:cs typeface="Courier New" panose="02070309020205020404" pitchFamily="49" charset="0"/>
+            </a:endParaRPr>
+          </a:p>
+          <a:p>
+            <a:pPr marL="0" indent="0">
+              <a:buNone/>
+            </a:pPr>
+            <a:endParaRPr lang="en-US" dirty="0">
+              <a:latin typeface="Gill Sans MT" panose="020B0502020104020203" pitchFamily="34" charset="77"/>
+              <a:cs typeface="Courier New" panose="02070309020205020404" pitchFamily="49" charset="0"/>
+            </a:endParaRPr>
+          </a:p>
+          <a:p>
+            <a:pPr marL="0" indent="0">
+              <a:buNone/>
+            </a:pPr>
+            <a:endParaRPr lang="en-US" dirty="0">
+              <a:latin typeface="Gill Sans MT" panose="020B0502020104020203" pitchFamily="34" charset="77"/>
+              <a:cs typeface="Courier New" panose="02070309020205020404" pitchFamily="49" charset="0"/>
+            </a:endParaRPr>
+          </a:p>
+          <a:p>
+            <a:pPr marL="0" indent="0">
+              <a:buNone/>
+            </a:pPr>
+            <a:r>
               <a:rPr lang="en-US" dirty="0"/>
-            </a:br>
-            <a:r>
-              <a:rPr lang="en-US" dirty="0"/>
-              <a:t>See previous years' similar FRQs: </a:t>
-            </a:r>
-            <a:br>
-              <a:rPr lang="en-US" dirty="0"/>
-            </a:br>
-            <a:r>
-              <a:rPr lang="en-US" dirty="0"/>
-              <a:t>2019 #4, 2018 #4, 2017 #4, 2016 #3</a:t>
-            </a:r>
+              <a:t>Please do the following 2010 #1, 2013 #1, 2017 #1, 2018 #2, 2021 #3 and check your solutions to prepare for Question 3. </a:t>
+            </a:r>
+            <a:endParaRPr lang="en-US" dirty="0">
+              <a:latin typeface="Gill Sans MT" panose="020B0502020104020203" pitchFamily="34" charset="77"/>
+              <a:cs typeface="Courier New" panose="02070309020205020404" pitchFamily="49" charset="0"/>
+            </a:endParaRPr>
           </a:p>
         </p:txBody>
       </p:sp>
     </p:spTree>
     <p:extLst>
       <p:ext uri="{BB962C8B-B14F-4D97-AF65-F5344CB8AC3E}">
-        <p14:creationId xmlns:p14="http://schemas.microsoft.com/office/powerpoint/2010/main" val="2802854376"/>
+        <p14:creationId xmlns:p14="http://schemas.microsoft.com/office/powerpoint/2010/main" val="4143838269"/>
       </p:ext>
     </p:extLst>
   </p:cSld>
@@ -17095,7 +17355,7 @@
         </p:nvSpPr>
         <p:spPr>
           <a:xfrm>
-            <a:off x="167177" y="128185"/>
+            <a:off x="628650" y="2563244"/>
             <a:ext cx="7886700" cy="588511"/>
           </a:xfrm>
         </p:spPr>
@@ -17105,237 +17365,21 @@
           <a:p>
             <a:r>
               <a:rPr lang="en-US" dirty="0"/>
-              <a:t>Row Major Order Traversal</a:t>
-            </a:r>
-          </a:p>
-        </p:txBody>
-      </p:sp>
-      <p:sp>
-        <p:nvSpPr>
-          <p:cNvPr id="3" name="Content Placeholder 2">
-            <a:extLst>
-              <a:ext uri="{FF2B5EF4-FFF2-40B4-BE49-F238E27FC236}">
-                <a16:creationId xmlns:a16="http://schemas.microsoft.com/office/drawing/2014/main" id="{CE6BD10B-9D13-604D-9877-97B355109287}"/>
-              </a:ext>
-            </a:extLst>
-          </p:cNvPr>
-          <p:cNvSpPr>
-            <a:spLocks noGrp="1"/>
-          </p:cNvSpPr>
-          <p:nvPr>
-            <p:ph idx="1"/>
-          </p:nvPr>
-        </p:nvSpPr>
-        <p:spPr>
-          <a:xfrm>
-            <a:off x="167177" y="716696"/>
-            <a:ext cx="8976822" cy="4795341"/>
-          </a:xfrm>
-        </p:spPr>
-        <p:txBody>
-          <a:bodyPr/>
-          <a:lstStyle/>
-          <a:p>
-            <a:pPr marL="0" indent="0">
-              <a:buNone/>
-            </a:pPr>
-            <a:r>
+              <a:t>Question 4: 2D Array</a:t>
+            </a:r>
+            <a:br>
               <a:rPr lang="en-US" dirty="0"/>
-              <a:t>Example :  Count the number of Students objects whose GPA is above a threshold. </a:t>
-            </a:r>
-            <a:r>
-              <a:rPr lang="en-US" dirty="0">
-                <a:solidFill>
-                  <a:srgbClr val="FF0000"/>
-                </a:solidFill>
-              </a:rPr>
-              <a:t>(row major order)</a:t>
-            </a:r>
-          </a:p>
-          <a:p>
-            <a:pPr marL="0" indent="0">
-              <a:buNone/>
-            </a:pPr>
-            <a:r>
-              <a:rPr lang="en-US" sz="1800" dirty="0">
-                <a:latin typeface="Courier New" panose="02070309020205020404" pitchFamily="49" charset="0"/>
-                <a:cs typeface="Courier New" panose="02070309020205020404" pitchFamily="49" charset="0"/>
-              </a:rPr>
-              <a:t>public class Course{</a:t>
-            </a:r>
-          </a:p>
-          <a:p>
-            <a:pPr marL="0" indent="0">
-              <a:buNone/>
-            </a:pPr>
-            <a:r>
-              <a:rPr lang="en-US" sz="1800" dirty="0">
-                <a:latin typeface="Courier New" panose="02070309020205020404" pitchFamily="49" charset="0"/>
-                <a:cs typeface="Courier New" panose="02070309020205020404" pitchFamily="49" charset="0"/>
-              </a:rPr>
-              <a:t>	Student[][] students;</a:t>
-            </a:r>
-          </a:p>
-          <a:p>
-            <a:pPr marL="0" indent="0">
-              <a:buNone/>
-            </a:pPr>
-            <a:r>
-              <a:rPr lang="en-US" sz="1800" dirty="0">
-                <a:latin typeface="Courier New" panose="02070309020205020404" pitchFamily="49" charset="0"/>
-                <a:cs typeface="Courier New" panose="02070309020205020404" pitchFamily="49" charset="0"/>
-              </a:rPr>
-              <a:t>	// constructors not shown</a:t>
-            </a:r>
-          </a:p>
-          <a:p>
-            <a:pPr marL="0" indent="0">
-              <a:buNone/>
-            </a:pPr>
-            <a:r>
-              <a:rPr lang="en-US" sz="1800" dirty="0">
-                <a:latin typeface="Courier New" panose="02070309020205020404" pitchFamily="49" charset="0"/>
-                <a:cs typeface="Courier New" panose="02070309020205020404" pitchFamily="49" charset="0"/>
-              </a:rPr>
-              <a:t>	public int </a:t>
-            </a:r>
-            <a:r>
-              <a:rPr lang="en-US" sz="1800" dirty="0" err="1">
-                <a:latin typeface="Courier New" panose="02070309020205020404" pitchFamily="49" charset="0"/>
-                <a:cs typeface="Courier New" panose="02070309020205020404" pitchFamily="49" charset="0"/>
-              </a:rPr>
-              <a:t>aboveThreshold</a:t>
-            </a:r>
-            <a:r>
-              <a:rPr lang="en-US" sz="1800" dirty="0">
-                <a:latin typeface="Courier New" panose="02070309020205020404" pitchFamily="49" charset="0"/>
-                <a:cs typeface="Courier New" panose="02070309020205020404" pitchFamily="49" charset="0"/>
-              </a:rPr>
-              <a:t>(double threshold){</a:t>
-            </a:r>
-          </a:p>
-          <a:p>
-            <a:pPr marL="0" indent="0">
-              <a:buNone/>
-            </a:pPr>
-            <a:r>
-              <a:rPr lang="en-US" sz="1800" dirty="0">
-                <a:latin typeface="Courier New" panose="02070309020205020404" pitchFamily="49" charset="0"/>
-                <a:cs typeface="Courier New" panose="02070309020205020404" pitchFamily="49" charset="0"/>
-              </a:rPr>
-              <a:t>		int count = 0; </a:t>
-            </a:r>
-          </a:p>
-          <a:p>
-            <a:pPr marL="0" indent="0">
-              <a:buNone/>
-            </a:pPr>
-            <a:r>
-              <a:rPr lang="en-US" sz="1800" dirty="0">
-                <a:latin typeface="Courier New" panose="02070309020205020404" pitchFamily="49" charset="0"/>
-                <a:cs typeface="Courier New" panose="02070309020205020404" pitchFamily="49" charset="0"/>
-              </a:rPr>
-              <a:t>		for(int row = 0; row &lt; </a:t>
-            </a:r>
-            <a:r>
-              <a:rPr lang="en-US" sz="1800" dirty="0" err="1">
-                <a:latin typeface="Courier New" panose="02070309020205020404" pitchFamily="49" charset="0"/>
-                <a:cs typeface="Courier New" panose="02070309020205020404" pitchFamily="49" charset="0"/>
-              </a:rPr>
-              <a:t>students.length</a:t>
-            </a:r>
-            <a:r>
-              <a:rPr lang="en-US" sz="1800" dirty="0">
-                <a:latin typeface="Courier New" panose="02070309020205020404" pitchFamily="49" charset="0"/>
-                <a:cs typeface="Courier New" panose="02070309020205020404" pitchFamily="49" charset="0"/>
-              </a:rPr>
-              <a:t>; row++){</a:t>
-            </a:r>
-          </a:p>
-          <a:p>
-            <a:pPr marL="0" indent="0">
-              <a:buNone/>
-            </a:pPr>
-            <a:r>
-              <a:rPr lang="en-US" sz="1800" dirty="0">
-                <a:latin typeface="Courier New" panose="02070309020205020404" pitchFamily="49" charset="0"/>
-                <a:cs typeface="Courier New" panose="02070309020205020404" pitchFamily="49" charset="0"/>
-              </a:rPr>
-              <a:t>		  for(int 	col = 0; col &lt; students[0].length; col++){</a:t>
-            </a:r>
-          </a:p>
-          <a:p>
-            <a:pPr marL="0" indent="0">
-              <a:buNone/>
-            </a:pPr>
-            <a:r>
-              <a:rPr lang="en-US" sz="1800" dirty="0">
-                <a:latin typeface="Courier New" panose="02070309020205020404" pitchFamily="49" charset="0"/>
-                <a:cs typeface="Courier New" panose="02070309020205020404" pitchFamily="49" charset="0"/>
-              </a:rPr>
-              <a:t>			if(students[row][col].</a:t>
-            </a:r>
-            <a:r>
-              <a:rPr lang="en-US" sz="1800" dirty="0" err="1">
-                <a:latin typeface="Courier New" panose="02070309020205020404" pitchFamily="49" charset="0"/>
-                <a:cs typeface="Courier New" panose="02070309020205020404" pitchFamily="49" charset="0"/>
-              </a:rPr>
-              <a:t>getGpa</a:t>
-            </a:r>
-            <a:r>
-              <a:rPr lang="en-US" sz="1800" dirty="0">
-                <a:latin typeface="Courier New" panose="02070309020205020404" pitchFamily="49" charset="0"/>
-                <a:cs typeface="Courier New" panose="02070309020205020404" pitchFamily="49" charset="0"/>
-              </a:rPr>
-              <a:t>() &gt; threshold)</a:t>
-            </a:r>
-          </a:p>
-          <a:p>
-            <a:pPr marL="0" indent="0">
-              <a:buNone/>
-            </a:pPr>
-            <a:r>
-              <a:rPr lang="en-US" sz="1800" dirty="0">
-                <a:latin typeface="Courier New" panose="02070309020205020404" pitchFamily="49" charset="0"/>
-                <a:cs typeface="Courier New" panose="02070309020205020404" pitchFamily="49" charset="0"/>
-              </a:rPr>
-              <a:t>				count++;</a:t>
-            </a:r>
-          </a:p>
-          <a:p>
-            <a:pPr marL="0" indent="0">
-              <a:buNone/>
-            </a:pPr>
-            <a:r>
-              <a:rPr lang="en-US" sz="1800" dirty="0">
-                <a:latin typeface="Courier New" panose="02070309020205020404" pitchFamily="49" charset="0"/>
-                <a:cs typeface="Courier New" panose="02070309020205020404" pitchFamily="49" charset="0"/>
-              </a:rPr>
-              <a:t>		  }}</a:t>
-            </a:r>
-          </a:p>
-          <a:p>
-            <a:pPr marL="0" indent="0">
-              <a:buNone/>
-            </a:pPr>
-            <a:r>
-              <a:rPr lang="en-US" sz="1800" dirty="0">
-                <a:latin typeface="Courier New" panose="02070309020205020404" pitchFamily="49" charset="0"/>
-                <a:cs typeface="Courier New" panose="02070309020205020404" pitchFamily="49" charset="0"/>
-              </a:rPr>
-              <a:t>		return count;</a:t>
-            </a:r>
-          </a:p>
-          <a:p>
-            <a:pPr marL="0" indent="0">
-              <a:buNone/>
-            </a:pPr>
-            <a:r>
-              <a:rPr lang="en-US" sz="1800" dirty="0">
-                <a:latin typeface="Courier New" panose="02070309020205020404" pitchFamily="49" charset="0"/>
-                <a:cs typeface="Courier New" panose="02070309020205020404" pitchFamily="49" charset="0"/>
-              </a:rPr>
-              <a:t>	}</a:t>
+            </a:br>
+            <a:r>
+              <a:rPr lang="en-US" dirty="0"/>
+              <a:t>See previous years' similar FRQs: </a:t>
+            </a:r>
+            <a:br>
+              <a:rPr lang="en-US" dirty="0"/>
+            </a:br>
+            <a:r>
+              <a:rPr lang="en-US" dirty="0"/>
+              <a:t>2019 #4, 2018 #4, 2017 #4, 2016 #3, 2021#4</a:t>
             </a:r>
           </a:p>
         </p:txBody>
@@ -17343,7 +17387,7 @@
     </p:spTree>
     <p:extLst>
       <p:ext uri="{BB962C8B-B14F-4D97-AF65-F5344CB8AC3E}">
-        <p14:creationId xmlns:p14="http://schemas.microsoft.com/office/powerpoint/2010/main" val="371263916"/>
+        <p14:creationId xmlns:p14="http://schemas.microsoft.com/office/powerpoint/2010/main" val="2802854376"/>
       </p:ext>
     </p:extLst>
   </p:cSld>
@@ -17398,7 +17442,7 @@
           <a:p>
             <a:r>
               <a:rPr lang="en-US" dirty="0"/>
-              <a:t>Column Major Order Traversal</a:t>
+              <a:t>Row Major Order Traversal</a:t>
             </a:r>
           </a:p>
         </p:txBody>
@@ -17442,7 +17486,7 @@
                   <a:srgbClr val="FF0000"/>
                 </a:solidFill>
               </a:rPr>
-              <a:t>(column major order)</a:t>
+              <a:t>(row major order)</a:t>
             </a:r>
           </a:p>
           <a:p>
@@ -17528,19 +17572,22 @@
                 <a:latin typeface="Courier New" panose="02070309020205020404" pitchFamily="49" charset="0"/>
                 <a:cs typeface="Courier New" panose="02070309020205020404" pitchFamily="49" charset="0"/>
               </a:rPr>
-              <a:t>		for(int col = 0; col &lt; students[0].length</a:t>
-            </a:r>
-            <a:r>
-              <a:rPr lang="en-US" sz="1800">
-                <a:latin typeface="Courier New" panose="02070309020205020404" pitchFamily="49" charset="0"/>
-                <a:cs typeface="Courier New" panose="02070309020205020404" pitchFamily="49" charset="0"/>
-              </a:rPr>
-              <a:t>; col++){</a:t>
-            </a:r>
-            <a:endParaRPr lang="en-US" sz="1800" dirty="0">
-              <a:latin typeface="Courier New" panose="02070309020205020404" pitchFamily="49" charset="0"/>
-              <a:cs typeface="Courier New" panose="02070309020205020404" pitchFamily="49" charset="0"/>
-            </a:endParaRPr>
+              <a:t>		for(int row = 0; row &lt; </a:t>
+            </a:r>
+            <a:r>
+              <a:rPr lang="en-US" sz="1800" dirty="0" err="1">
+                <a:latin typeface="Courier New" panose="02070309020205020404" pitchFamily="49" charset="0"/>
+                <a:cs typeface="Courier New" panose="02070309020205020404" pitchFamily="49" charset="0"/>
+              </a:rPr>
+              <a:t>students.length</a:t>
+            </a:r>
+            <a:r>
+              <a:rPr lang="en-US" sz="1800" dirty="0">
+                <a:latin typeface="Courier New" panose="02070309020205020404" pitchFamily="49" charset="0"/>
+                <a:cs typeface="Courier New" panose="02070309020205020404" pitchFamily="49" charset="0"/>
+              </a:rPr>
+              <a:t>; row++){</a:t>
+            </a:r>
           </a:p>
           <a:p>
             <a:pPr marL="0" indent="0">
@@ -17551,21 +17598,33 @@
                 <a:latin typeface="Courier New" panose="02070309020205020404" pitchFamily="49" charset="0"/>
                 <a:cs typeface="Courier New" panose="02070309020205020404" pitchFamily="49" charset="0"/>
               </a:rPr>
-              <a:t>		  for(int 	row = 0; row &lt; </a:t>
+              <a:t>		  for(int 	col = 0; col &lt; students[0].length; col++){</a:t>
+            </a:r>
+          </a:p>
+          <a:p>
+            <a:pPr marL="0" indent="0">
+              <a:buNone/>
+            </a:pPr>
+            <a:r>
+              <a:rPr lang="en-US" sz="1800" dirty="0">
+                <a:latin typeface="Courier New" panose="02070309020205020404" pitchFamily="49" charset="0"/>
+                <a:cs typeface="Courier New" panose="02070309020205020404" pitchFamily="49" charset="0"/>
+              </a:rPr>
+              <a:t>			if(students[row][col].</a:t>
             </a:r>
             <a:r>
               <a:rPr lang="en-US" sz="1800" dirty="0" err="1">
                 <a:latin typeface="Courier New" panose="02070309020205020404" pitchFamily="49" charset="0"/>
                 <a:cs typeface="Courier New" panose="02070309020205020404" pitchFamily="49" charset="0"/>
               </a:rPr>
-              <a:t>students.length</a:t>
+              <a:t>getGpa</a:t>
             </a:r>
             <a:r>
               <a:rPr lang="en-US" sz="1800" dirty="0">
                 <a:latin typeface="Courier New" panose="02070309020205020404" pitchFamily="49" charset="0"/>
                 <a:cs typeface="Courier New" panose="02070309020205020404" pitchFamily="49" charset="0"/>
               </a:rPr>
-              <a:t>; row++){</a:t>
+              <a:t>() &gt; threshold)</a:t>
             </a:r>
           </a:p>
           <a:p>
@@ -17577,45 +17636,19 @@
                 <a:latin typeface="Courier New" panose="02070309020205020404" pitchFamily="49" charset="0"/>
                 <a:cs typeface="Courier New" panose="02070309020205020404" pitchFamily="49" charset="0"/>
               </a:rPr>
-              <a:t>			if(students[row][col].</a:t>
-            </a:r>
-            <a:r>
-              <a:rPr lang="en-US" sz="1800" dirty="0" err="1">
-                <a:latin typeface="Courier New" panose="02070309020205020404" pitchFamily="49" charset="0"/>
-                <a:cs typeface="Courier New" panose="02070309020205020404" pitchFamily="49" charset="0"/>
-              </a:rPr>
-              <a:t>getGpa</a:t>
-            </a:r>
+              <a:t>				count++;</a:t>
+            </a:r>
+          </a:p>
+          <a:p>
+            <a:pPr marL="0" indent="0">
+              <a:buNone/>
+            </a:pPr>
             <a:r>
               <a:rPr lang="en-US" sz="1800" dirty="0">
                 <a:latin typeface="Courier New" panose="02070309020205020404" pitchFamily="49" charset="0"/>
                 <a:cs typeface="Courier New" panose="02070309020205020404" pitchFamily="49" charset="0"/>
               </a:rPr>
-              <a:t>() &gt; threshold)</a:t>
-            </a:r>
-          </a:p>
-          <a:p>
-            <a:pPr marL="0" indent="0">
-              <a:buNone/>
-            </a:pPr>
-            <a:r>
-              <a:rPr lang="en-US" sz="1800" dirty="0">
-                <a:latin typeface="Courier New" panose="02070309020205020404" pitchFamily="49" charset="0"/>
-                <a:cs typeface="Courier New" panose="02070309020205020404" pitchFamily="49" charset="0"/>
-              </a:rPr>
-              <a:t>				count++;</a:t>
-            </a:r>
-          </a:p>
-          <a:p>
-            <a:pPr marL="0" indent="0">
-              <a:buNone/>
-            </a:pPr>
-            <a:r>
-              <a:rPr lang="en-US" sz="1800" dirty="0">
-                <a:latin typeface="Courier New" panose="02070309020205020404" pitchFamily="49" charset="0"/>
-                <a:cs typeface="Courier New" panose="02070309020205020404" pitchFamily="49" charset="0"/>
-              </a:rPr>
-              <a:t>		}</a:t>
+              <a:t>		  }}</a:t>
             </a:r>
           </a:p>
           <a:p>
@@ -17647,7 +17680,7 @@
     </p:spTree>
     <p:extLst>
       <p:ext uri="{BB962C8B-B14F-4D97-AF65-F5344CB8AC3E}">
-        <p14:creationId xmlns:p14="http://schemas.microsoft.com/office/powerpoint/2010/main" val="1114803321"/>
+        <p14:creationId xmlns:p14="http://schemas.microsoft.com/office/powerpoint/2010/main" val="371263916"/>
       </p:ext>
     </p:extLst>
   </p:cSld>
@@ -17702,7 +17735,7 @@
           <a:p>
             <a:r>
               <a:rPr lang="en-US" dirty="0"/>
-              <a:t>Along One Row</a:t>
+              <a:t>Column Major Order Traversal</a:t>
             </a:r>
           </a:p>
         </p:txBody>
@@ -17738,7 +17771,7 @@
             </a:pPr>
             <a:r>
               <a:rPr lang="en-US" dirty="0"/>
-              <a:t>Example :  Count the number of Students objects whose GPA is above a threshold in the given </a:t>
+              <a:t>Example :  Count the number of Students objects whose GPA is above a threshold. </a:t>
             </a:r>
             <a:r>
               <a:rPr lang="en-US" dirty="0">
@@ -17746,11 +17779,7 @@
                   <a:srgbClr val="FF0000"/>
                 </a:solidFill>
               </a:rPr>
-              <a:t>row</a:t>
-            </a:r>
-            <a:r>
-              <a:rPr lang="en-US" dirty="0"/>
-              <a:t>. </a:t>
+              <a:t>(column major order)</a:t>
             </a:r>
           </a:p>
           <a:p>
@@ -17793,6 +17822,58 @@
             <a:pPr marL="0" indent="0">
               <a:buNone/>
             </a:pPr>
+            <a:r>
+              <a:rPr lang="en-US" sz="1800" dirty="0">
+                <a:latin typeface="Courier New" panose="02070309020205020404" pitchFamily="49" charset="0"/>
+                <a:cs typeface="Courier New" panose="02070309020205020404" pitchFamily="49" charset="0"/>
+              </a:rPr>
+              <a:t>	public int </a:t>
+            </a:r>
+            <a:r>
+              <a:rPr lang="en-US" sz="1800" dirty="0" err="1">
+                <a:latin typeface="Courier New" panose="02070309020205020404" pitchFamily="49" charset="0"/>
+                <a:cs typeface="Courier New" panose="02070309020205020404" pitchFamily="49" charset="0"/>
+              </a:rPr>
+              <a:t>aboveThreshold</a:t>
+            </a:r>
+            <a:r>
+              <a:rPr lang="en-US" sz="1800" dirty="0">
+                <a:latin typeface="Courier New" panose="02070309020205020404" pitchFamily="49" charset="0"/>
+                <a:cs typeface="Courier New" panose="02070309020205020404" pitchFamily="49" charset="0"/>
+              </a:rPr>
+              <a:t>(double threshold){</a:t>
+            </a:r>
+          </a:p>
+          <a:p>
+            <a:pPr marL="0" indent="0">
+              <a:buNone/>
+            </a:pPr>
+            <a:r>
+              <a:rPr lang="en-US" sz="1800" dirty="0">
+                <a:latin typeface="Courier New" panose="02070309020205020404" pitchFamily="49" charset="0"/>
+                <a:cs typeface="Courier New" panose="02070309020205020404" pitchFamily="49" charset="0"/>
+              </a:rPr>
+              <a:t>		int count = 0; </a:t>
+            </a:r>
+          </a:p>
+          <a:p>
+            <a:pPr marL="0" indent="0">
+              <a:buNone/>
+            </a:pPr>
+            <a:r>
+              <a:rPr lang="en-US" sz="1800" dirty="0">
+                <a:latin typeface="Courier New" panose="02070309020205020404" pitchFamily="49" charset="0"/>
+                <a:cs typeface="Courier New" panose="02070309020205020404" pitchFamily="49" charset="0"/>
+              </a:rPr>
+              <a:t>		for(int col = 0; col &lt; students[0].length</a:t>
+            </a:r>
+            <a:r>
+              <a:rPr lang="en-US" sz="1800">
+                <a:latin typeface="Courier New" panose="02070309020205020404" pitchFamily="49" charset="0"/>
+                <a:cs typeface="Courier New" panose="02070309020205020404" pitchFamily="49" charset="0"/>
+              </a:rPr>
+              <a:t>; col++){</a:t>
+            </a:r>
             <a:endParaRPr lang="en-US" sz="1800" dirty="0">
               <a:latin typeface="Courier New" panose="02070309020205020404" pitchFamily="49" charset="0"/>
               <a:cs typeface="Courier New" panose="02070309020205020404" pitchFamily="49" charset="0"/>
@@ -17807,62 +17888,21 @@
                 <a:latin typeface="Courier New" panose="02070309020205020404" pitchFamily="49" charset="0"/>
                 <a:cs typeface="Courier New" panose="02070309020205020404" pitchFamily="49" charset="0"/>
               </a:rPr>
-              <a:t>	public int </a:t>
+              <a:t>		  for(int 	row = 0; row &lt; </a:t>
             </a:r>
             <a:r>
               <a:rPr lang="en-US" sz="1800" dirty="0" err="1">
                 <a:latin typeface="Courier New" panose="02070309020205020404" pitchFamily="49" charset="0"/>
                 <a:cs typeface="Courier New" panose="02070309020205020404" pitchFamily="49" charset="0"/>
               </a:rPr>
-              <a:t>aboveThreshold</a:t>
+              <a:t>students.length</a:t>
             </a:r>
             <a:r>
               <a:rPr lang="en-US" sz="1800" dirty="0">
                 <a:latin typeface="Courier New" panose="02070309020205020404" pitchFamily="49" charset="0"/>
                 <a:cs typeface="Courier New" panose="02070309020205020404" pitchFamily="49" charset="0"/>
               </a:rPr>
-              <a:t>(int row, double threshold){</a:t>
-            </a:r>
-          </a:p>
-          <a:p>
-            <a:pPr marL="0" indent="0">
-              <a:buNone/>
-            </a:pPr>
-            <a:r>
-              <a:rPr lang="en-US" sz="1800" dirty="0">
-                <a:latin typeface="Courier New" panose="02070309020205020404" pitchFamily="49" charset="0"/>
-                <a:cs typeface="Courier New" panose="02070309020205020404" pitchFamily="49" charset="0"/>
-              </a:rPr>
-              <a:t>		int count = 0; </a:t>
-            </a:r>
-          </a:p>
-          <a:p>
-            <a:pPr marL="0" indent="0">
-              <a:buNone/>
-            </a:pPr>
-            <a:r>
-              <a:rPr lang="en-US" sz="1800" dirty="0">
-                <a:latin typeface="Courier New" panose="02070309020205020404" pitchFamily="49" charset="0"/>
-                <a:cs typeface="Courier New" panose="02070309020205020404" pitchFamily="49" charset="0"/>
-              </a:rPr>
-              <a:t>		for(int col = 0; col &lt; </a:t>
-            </a:r>
-            <a:r>
-              <a:rPr lang="en-US" sz="1800" dirty="0">
-                <a:solidFill>
-                  <a:srgbClr val="FF0000"/>
-                </a:solidFill>
-                <a:latin typeface="Courier New" panose="02070309020205020404" pitchFamily="49" charset="0"/>
-                <a:cs typeface="Courier New" panose="02070309020205020404" pitchFamily="49" charset="0"/>
-              </a:rPr>
-              <a:t>students[row].length</a:t>
-            </a:r>
-            <a:r>
-              <a:rPr lang="en-US" sz="1800" dirty="0">
-                <a:latin typeface="Courier New" panose="02070309020205020404" pitchFamily="49" charset="0"/>
-                <a:cs typeface="Courier New" panose="02070309020205020404" pitchFamily="49" charset="0"/>
-              </a:rPr>
-              <a:t>; col++){</a:t>
+              <a:t>; row++){</a:t>
             </a:r>
           </a:p>
           <a:p>
@@ -17944,7 +17984,7 @@
     </p:spTree>
     <p:extLst>
       <p:ext uri="{BB962C8B-B14F-4D97-AF65-F5344CB8AC3E}">
-        <p14:creationId xmlns:p14="http://schemas.microsoft.com/office/powerpoint/2010/main" val="2556757169"/>
+        <p14:creationId xmlns:p14="http://schemas.microsoft.com/office/powerpoint/2010/main" val="1114803321"/>
       </p:ext>
     </p:extLst>
   </p:cSld>
@@ -17999,7 +18039,7 @@
           <a:p>
             <a:r>
               <a:rPr lang="en-US" dirty="0"/>
-              <a:t>Along One Column</a:t>
+              <a:t>Along One Row</a:t>
             </a:r>
           </a:p>
         </p:txBody>
@@ -18043,7 +18083,7 @@
                   <a:srgbClr val="FF0000"/>
                 </a:solidFill>
               </a:rPr>
-              <a:t>column</a:t>
+              <a:t>row</a:t>
             </a:r>
             <a:r>
               <a:rPr lang="en-US" dirty="0"/>
@@ -18090,6 +18130,15 @@
             <a:pPr marL="0" indent="0">
               <a:buNone/>
             </a:pPr>
+            <a:endParaRPr lang="en-US" sz="1800" dirty="0">
+              <a:latin typeface="Courier New" panose="02070309020205020404" pitchFamily="49" charset="0"/>
+              <a:cs typeface="Courier New" panose="02070309020205020404" pitchFamily="49" charset="0"/>
+            </a:endParaRPr>
+          </a:p>
+          <a:p>
+            <a:pPr marL="0" indent="0">
+              <a:buNone/>
+            </a:pPr>
             <a:r>
               <a:rPr lang="en-US" sz="1800" dirty="0">
                 <a:latin typeface="Courier New" panose="02070309020205020404" pitchFamily="49" charset="0"/>
@@ -18109,7 +18158,7 @@
                 <a:latin typeface="Courier New" panose="02070309020205020404" pitchFamily="49" charset="0"/>
                 <a:cs typeface="Courier New" panose="02070309020205020404" pitchFamily="49" charset="0"/>
               </a:rPr>
-              <a:t>(int col, double threshold){</a:t>
+              <a:t>(int row, double threshold){</a:t>
             </a:r>
           </a:p>
           <a:p>
@@ -18133,24 +18182,24 @@
                 <a:latin typeface="Courier New" panose="02070309020205020404" pitchFamily="49" charset="0"/>
                 <a:cs typeface="Courier New" panose="02070309020205020404" pitchFamily="49" charset="0"/>
               </a:rPr>
-              <a:t>		for(int row = 0; row &lt; </a:t>
-            </a:r>
-            <a:r>
-              <a:rPr lang="en-US" sz="1800" dirty="0" err="1">
+              <a:t>		for(int col = 0; col &lt; </a:t>
+            </a:r>
+            <a:r>
+              <a:rPr lang="en-US" sz="1800" dirty="0">
                 <a:solidFill>
                   <a:srgbClr val="FF0000"/>
                 </a:solidFill>
                 <a:latin typeface="Courier New" panose="02070309020205020404" pitchFamily="49" charset="0"/>
                 <a:cs typeface="Courier New" panose="02070309020205020404" pitchFamily="49" charset="0"/>
               </a:rPr>
-              <a:t>students.length</a:t>
+              <a:t>students[row].length</a:t>
             </a:r>
             <a:r>
               <a:rPr lang="en-US" sz="1800" dirty="0">
                 <a:latin typeface="Courier New" panose="02070309020205020404" pitchFamily="49" charset="0"/>
                 <a:cs typeface="Courier New" panose="02070309020205020404" pitchFamily="49" charset="0"/>
               </a:rPr>
-              <a:t>; row++){</a:t>
+              <a:t>; col++){</a:t>
             </a:r>
           </a:p>
           <a:p>
@@ -18232,7 +18281,7 @@
     </p:spTree>
     <p:extLst>
       <p:ext uri="{BB962C8B-B14F-4D97-AF65-F5344CB8AC3E}">
-        <p14:creationId xmlns:p14="http://schemas.microsoft.com/office/powerpoint/2010/main" val="74938920"/>
+        <p14:creationId xmlns:p14="http://schemas.microsoft.com/office/powerpoint/2010/main" val="2556757169"/>
       </p:ext>
     </p:extLst>
   </p:cSld>
@@ -18287,7 +18336,7 @@
           <a:p>
             <a:r>
               <a:rPr lang="en-US" dirty="0"/>
-              <a:t>Major Diagonal  Traversal</a:t>
+              <a:t>Along One Column</a:t>
             </a:r>
           </a:p>
         </p:txBody>
@@ -18323,7 +18372,7 @@
             </a:pPr>
             <a:r>
               <a:rPr lang="en-US" dirty="0"/>
-              <a:t>Example :  Count the number of Students objects whose GPA is above threshold along the </a:t>
+              <a:t>Example :  Count the number of Students objects whose GPA is above a threshold in the given </a:t>
             </a:r>
             <a:r>
               <a:rPr lang="en-US" dirty="0">
@@ -18331,11 +18380,11 @@
                   <a:srgbClr val="FF0000"/>
                 </a:solidFill>
               </a:rPr>
-              <a:t>major diagonal</a:t>
+              <a:t>column</a:t>
             </a:r>
             <a:r>
               <a:rPr lang="en-US" dirty="0"/>
-              <a:t>.  Assume 2D array is square. </a:t>
+              <a:t>. </a:t>
             </a:r>
           </a:p>
           <a:p>
@@ -18397,7 +18446,7 @@
                 <a:latin typeface="Courier New" panose="02070309020205020404" pitchFamily="49" charset="0"/>
                 <a:cs typeface="Courier New" panose="02070309020205020404" pitchFamily="49" charset="0"/>
               </a:rPr>
-              <a:t>(double threshold){</a:t>
+              <a:t>(int col, double threshold){</a:t>
             </a:r>
           </a:p>
           <a:p>
@@ -18421,103 +18470,36 @@
                 <a:latin typeface="Courier New" panose="02070309020205020404" pitchFamily="49" charset="0"/>
                 <a:cs typeface="Courier New" panose="02070309020205020404" pitchFamily="49" charset="0"/>
               </a:rPr>
-              <a:t>		for(int </a:t>
+              <a:t>		for(int row = 0; row &lt; </a:t>
             </a:r>
             <a:r>
               <a:rPr lang="en-US" sz="1800" dirty="0" err="1">
-                <a:latin typeface="Courier New" panose="02070309020205020404" pitchFamily="49" charset="0"/>
-                <a:cs typeface="Courier New" panose="02070309020205020404" pitchFamily="49" charset="0"/>
-              </a:rPr>
-              <a:t>i</a:t>
+                <a:solidFill>
+                  <a:srgbClr val="FF0000"/>
+                </a:solidFill>
+                <a:latin typeface="Courier New" panose="02070309020205020404" pitchFamily="49" charset="0"/>
+                <a:cs typeface="Courier New" panose="02070309020205020404" pitchFamily="49" charset="0"/>
+              </a:rPr>
+              <a:t>students.length</a:t>
             </a:r>
             <a:r>
               <a:rPr lang="en-US" sz="1800" dirty="0">
                 <a:latin typeface="Courier New" panose="02070309020205020404" pitchFamily="49" charset="0"/>
                 <a:cs typeface="Courier New" panose="02070309020205020404" pitchFamily="49" charset="0"/>
               </a:rPr>
-              <a:t> = 0; </a:t>
-            </a:r>
-            <a:r>
-              <a:rPr lang="en-US" sz="1800" dirty="0" err="1">
-                <a:latin typeface="Courier New" panose="02070309020205020404" pitchFamily="49" charset="0"/>
-                <a:cs typeface="Courier New" panose="02070309020205020404" pitchFamily="49" charset="0"/>
-              </a:rPr>
-              <a:t>i</a:t>
-            </a:r>
+              <a:t>; row++){</a:t>
+            </a:r>
+          </a:p>
+          <a:p>
+            <a:pPr marL="0" indent="0">
+              <a:buNone/>
+            </a:pPr>
             <a:r>
               <a:rPr lang="en-US" sz="1800" dirty="0">
                 <a:latin typeface="Courier New" panose="02070309020205020404" pitchFamily="49" charset="0"/>
                 <a:cs typeface="Courier New" panose="02070309020205020404" pitchFamily="49" charset="0"/>
               </a:rPr>
-              <a:t> &lt; </a:t>
-            </a:r>
-            <a:r>
-              <a:rPr lang="en-US" sz="1800" dirty="0" err="1">
-                <a:latin typeface="Courier New" panose="02070309020205020404" pitchFamily="49" charset="0"/>
-                <a:cs typeface="Courier New" panose="02070309020205020404" pitchFamily="49" charset="0"/>
-              </a:rPr>
-              <a:t>students.length</a:t>
-            </a:r>
-            <a:r>
-              <a:rPr lang="en-US" sz="1800" dirty="0">
-                <a:latin typeface="Courier New" panose="02070309020205020404" pitchFamily="49" charset="0"/>
-                <a:cs typeface="Courier New" panose="02070309020205020404" pitchFamily="49" charset="0"/>
-              </a:rPr>
-              <a:t>; </a:t>
-            </a:r>
-            <a:r>
-              <a:rPr lang="en-US" sz="1800" dirty="0" err="1">
-                <a:latin typeface="Courier New" panose="02070309020205020404" pitchFamily="49" charset="0"/>
-                <a:cs typeface="Courier New" panose="02070309020205020404" pitchFamily="49" charset="0"/>
-              </a:rPr>
-              <a:t>i</a:t>
-            </a:r>
-            <a:r>
-              <a:rPr lang="en-US" sz="1800" dirty="0">
-                <a:latin typeface="Courier New" panose="02070309020205020404" pitchFamily="49" charset="0"/>
-                <a:cs typeface="Courier New" panose="02070309020205020404" pitchFamily="49" charset="0"/>
-              </a:rPr>
-              <a:t>++){</a:t>
-            </a:r>
-          </a:p>
-          <a:p>
-            <a:pPr marL="0" indent="0">
-              <a:buNone/>
-            </a:pPr>
-            <a:r>
-              <a:rPr lang="en-US" sz="1800" dirty="0">
-                <a:latin typeface="Courier New" panose="02070309020205020404" pitchFamily="49" charset="0"/>
-                <a:cs typeface="Courier New" panose="02070309020205020404" pitchFamily="49" charset="0"/>
-              </a:rPr>
-              <a:t>			if(students[</a:t>
-            </a:r>
-            <a:r>
-              <a:rPr lang="en-US" sz="1800" dirty="0" err="1">
-                <a:latin typeface="Courier New" panose="02070309020205020404" pitchFamily="49" charset="0"/>
-                <a:cs typeface="Courier New" panose="02070309020205020404" pitchFamily="49" charset="0"/>
-              </a:rPr>
-              <a:t>i</a:t>
-            </a:r>
-            <a:r>
-              <a:rPr lang="en-US" sz="1800" dirty="0">
-                <a:latin typeface="Courier New" panose="02070309020205020404" pitchFamily="49" charset="0"/>
-                <a:cs typeface="Courier New" panose="02070309020205020404" pitchFamily="49" charset="0"/>
-              </a:rPr>
-              <a:t>][</a:t>
-            </a:r>
-            <a:r>
-              <a:rPr lang="en-US" sz="1800" dirty="0" err="1">
-                <a:latin typeface="Courier New" panose="02070309020205020404" pitchFamily="49" charset="0"/>
-                <a:cs typeface="Courier New" panose="02070309020205020404" pitchFamily="49" charset="0"/>
-              </a:rPr>
-              <a:t>i</a:t>
-            </a:r>
-            <a:r>
-              <a:rPr lang="en-US" sz="1800" dirty="0">
-                <a:latin typeface="Courier New" panose="02070309020205020404" pitchFamily="49" charset="0"/>
-                <a:cs typeface="Courier New" panose="02070309020205020404" pitchFamily="49" charset="0"/>
-              </a:rPr>
-              <a:t>].</a:t>
+              <a:t>			if(students[row][col].</a:t>
             </a:r>
             <a:r>
               <a:rPr lang="en-US" sz="1800" dirty="0" err="1">
@@ -18587,7 +18569,7 @@
     </p:spTree>
     <p:extLst>
       <p:ext uri="{BB962C8B-B14F-4D97-AF65-F5344CB8AC3E}">
-        <p14:creationId xmlns:p14="http://schemas.microsoft.com/office/powerpoint/2010/main" val="775703315"/>
+        <p14:creationId xmlns:p14="http://schemas.microsoft.com/office/powerpoint/2010/main" val="74938920"/>
       </p:ext>
     </p:extLst>
   </p:cSld>
@@ -18642,7 +18624,7 @@
           <a:p>
             <a:r>
               <a:rPr lang="en-US" dirty="0"/>
-              <a:t>Minor Diagonal  Traversal</a:t>
+              <a:t>Major Diagonal  Traversal</a:t>
             </a:r>
           </a:p>
         </p:txBody>
@@ -18686,7 +18668,7 @@
                   <a:srgbClr val="FF0000"/>
                 </a:solidFill>
               </a:rPr>
-              <a:t>minor diagonal</a:t>
+              <a:t>major diagonal</a:t>
             </a:r>
             <a:r>
               <a:rPr lang="en-US" dirty="0"/>
@@ -18776,13 +18758,41 @@
                 <a:latin typeface="Courier New" panose="02070309020205020404" pitchFamily="49" charset="0"/>
                 <a:cs typeface="Courier New" panose="02070309020205020404" pitchFamily="49" charset="0"/>
               </a:rPr>
-              <a:t>		int dim = </a:t>
+              <a:t>		for(int </a:t>
             </a:r>
             <a:r>
               <a:rPr lang="en-US" sz="1800" dirty="0" err="1">
                 <a:latin typeface="Courier New" panose="02070309020205020404" pitchFamily="49" charset="0"/>
                 <a:cs typeface="Courier New" panose="02070309020205020404" pitchFamily="49" charset="0"/>
               </a:rPr>
+              <a:t>i</a:t>
+            </a:r>
+            <a:r>
+              <a:rPr lang="en-US" sz="1800" dirty="0">
+                <a:latin typeface="Courier New" panose="02070309020205020404" pitchFamily="49" charset="0"/>
+                <a:cs typeface="Courier New" panose="02070309020205020404" pitchFamily="49" charset="0"/>
+              </a:rPr>
+              <a:t> = 0; </a:t>
+            </a:r>
+            <a:r>
+              <a:rPr lang="en-US" sz="1800" dirty="0" err="1">
+                <a:latin typeface="Courier New" panose="02070309020205020404" pitchFamily="49" charset="0"/>
+                <a:cs typeface="Courier New" panose="02070309020205020404" pitchFamily="49" charset="0"/>
+              </a:rPr>
+              <a:t>i</a:t>
+            </a:r>
+            <a:r>
+              <a:rPr lang="en-US" sz="1800" dirty="0">
+                <a:latin typeface="Courier New" panose="02070309020205020404" pitchFamily="49" charset="0"/>
+                <a:cs typeface="Courier New" panose="02070309020205020404" pitchFamily="49" charset="0"/>
+              </a:rPr>
+              <a:t> &lt; </a:t>
+            </a:r>
+            <a:r>
+              <a:rPr lang="en-US" sz="1800" dirty="0" err="1">
+                <a:latin typeface="Courier New" panose="02070309020205020404" pitchFamily="49" charset="0"/>
+                <a:cs typeface="Courier New" panose="02070309020205020404" pitchFamily="49" charset="0"/>
+              </a:rPr>
               <a:t>students.length</a:t>
             </a:r>
             <a:r>
@@ -18790,7 +18800,21 @@
                 <a:latin typeface="Courier New" panose="02070309020205020404" pitchFamily="49" charset="0"/>
                 <a:cs typeface="Courier New" panose="02070309020205020404" pitchFamily="49" charset="0"/>
               </a:rPr>
-              <a:t>;</a:t>
+              <a:t>; </a:t>
+            </a:r>
+            <a:r>
+              <a:rPr lang="en-US" sz="1800" dirty="0" err="1">
+                <a:latin typeface="Courier New" panose="02070309020205020404" pitchFamily="49" charset="0"/>
+                <a:cs typeface="Courier New" panose="02070309020205020404" pitchFamily="49" charset="0"/>
+              </a:rPr>
+              <a:t>i</a:t>
+            </a:r>
+            <a:r>
+              <a:rPr lang="en-US" sz="1800" dirty="0">
+                <a:latin typeface="Courier New" panose="02070309020205020404" pitchFamily="49" charset="0"/>
+                <a:cs typeface="Courier New" panose="02070309020205020404" pitchFamily="49" charset="0"/>
+              </a:rPr>
+              <a:t>++){</a:t>
             </a:r>
           </a:p>
           <a:p>
@@ -18802,7 +18826,7 @@
                 <a:latin typeface="Courier New" panose="02070309020205020404" pitchFamily="49" charset="0"/>
                 <a:cs typeface="Courier New" panose="02070309020205020404" pitchFamily="49" charset="0"/>
               </a:rPr>
-              <a:t>		for(int </a:t>
+              <a:t>			if(students[</a:t>
             </a:r>
             <a:r>
               <a:rPr lang="en-US" sz="1800" dirty="0" err="1">
@@ -18816,61 +18840,7 @@
                 <a:latin typeface="Courier New" panose="02070309020205020404" pitchFamily="49" charset="0"/>
                 <a:cs typeface="Courier New" panose="02070309020205020404" pitchFamily="49" charset="0"/>
               </a:rPr>
-              <a:t> = 0; </a:t>
-            </a:r>
-            <a:r>
-              <a:rPr lang="en-US" sz="1800" dirty="0" err="1">
-                <a:latin typeface="Courier New" panose="02070309020205020404" pitchFamily="49" charset="0"/>
-                <a:cs typeface="Courier New" panose="02070309020205020404" pitchFamily="49" charset="0"/>
-              </a:rPr>
-              <a:t>i</a:t>
-            </a:r>
-            <a:r>
-              <a:rPr lang="en-US" sz="1800" dirty="0">
-                <a:latin typeface="Courier New" panose="02070309020205020404" pitchFamily="49" charset="0"/>
-                <a:cs typeface="Courier New" panose="02070309020205020404" pitchFamily="49" charset="0"/>
-              </a:rPr>
-              <a:t> &lt; dim; </a:t>
-            </a:r>
-            <a:r>
-              <a:rPr lang="en-US" sz="1800" dirty="0" err="1">
-                <a:latin typeface="Courier New" panose="02070309020205020404" pitchFamily="49" charset="0"/>
-                <a:cs typeface="Courier New" panose="02070309020205020404" pitchFamily="49" charset="0"/>
-              </a:rPr>
-              <a:t>i</a:t>
-            </a:r>
-            <a:r>
-              <a:rPr lang="en-US" sz="1800" dirty="0">
-                <a:latin typeface="Courier New" panose="02070309020205020404" pitchFamily="49" charset="0"/>
-                <a:cs typeface="Courier New" panose="02070309020205020404" pitchFamily="49" charset="0"/>
-              </a:rPr>
-              <a:t>++){</a:t>
-            </a:r>
-          </a:p>
-          <a:p>
-            <a:pPr marL="0" indent="0">
-              <a:buNone/>
-            </a:pPr>
-            <a:r>
-              <a:rPr lang="en-US" sz="1800" dirty="0">
-                <a:latin typeface="Courier New" panose="02070309020205020404" pitchFamily="49" charset="0"/>
-                <a:cs typeface="Courier New" panose="02070309020205020404" pitchFamily="49" charset="0"/>
-              </a:rPr>
-              <a:t>			if(students[</a:t>
-            </a:r>
-            <a:r>
-              <a:rPr lang="en-US" sz="1800" dirty="0" err="1">
-                <a:latin typeface="Courier New" panose="02070309020205020404" pitchFamily="49" charset="0"/>
-                <a:cs typeface="Courier New" panose="02070309020205020404" pitchFamily="49" charset="0"/>
-              </a:rPr>
-              <a:t>i</a:t>
-            </a:r>
-            <a:r>
-              <a:rPr lang="en-US" sz="1800" dirty="0">
-                <a:latin typeface="Courier New" panose="02070309020205020404" pitchFamily="49" charset="0"/>
-                <a:cs typeface="Courier New" panose="02070309020205020404" pitchFamily="49" charset="0"/>
-              </a:rPr>
-              <a:t>][dim – 1 - </a:t>
+              <a:t>][</a:t>
             </a:r>
             <a:r>
               <a:rPr lang="en-US" sz="1800" dirty="0" err="1">
@@ -18954,7 +18924,7 @@
     </p:spTree>
     <p:extLst>
       <p:ext uri="{BB962C8B-B14F-4D97-AF65-F5344CB8AC3E}">
-        <p14:creationId xmlns:p14="http://schemas.microsoft.com/office/powerpoint/2010/main" val="2649014935"/>
+        <p14:creationId xmlns:p14="http://schemas.microsoft.com/office/powerpoint/2010/main" val="775703315"/>
       </p:ext>
     </p:extLst>
   </p:cSld>
@@ -18999,7 +18969,7 @@
         </p:nvSpPr>
         <p:spPr>
           <a:xfrm>
-            <a:off x="628650" y="2563244"/>
+            <a:off x="167177" y="128185"/>
             <a:ext cx="7886700" cy="588511"/>
           </a:xfrm>
         </p:spPr>
@@ -19009,21 +18979,311 @@
           <a:p>
             <a:r>
               <a:rPr lang="en-US" dirty="0"/>
-              <a:t>Question 1: Methods and Control Structures</a:t>
-            </a:r>
-            <a:br>
+              <a:t>Minor Diagonal  Traversal</a:t>
+            </a:r>
+          </a:p>
+        </p:txBody>
+      </p:sp>
+      <p:sp>
+        <p:nvSpPr>
+          <p:cNvPr id="3" name="Content Placeholder 2">
+            <a:extLst>
+              <a:ext uri="{FF2B5EF4-FFF2-40B4-BE49-F238E27FC236}">
+                <a16:creationId xmlns:a16="http://schemas.microsoft.com/office/drawing/2014/main" id="{CE6BD10B-9D13-604D-9877-97B355109287}"/>
+              </a:ext>
+            </a:extLst>
+          </p:cNvPr>
+          <p:cNvSpPr>
+            <a:spLocks noGrp="1"/>
+          </p:cNvSpPr>
+          <p:nvPr>
+            <p:ph idx="1"/>
+          </p:nvPr>
+        </p:nvSpPr>
+        <p:spPr>
+          <a:xfrm>
+            <a:off x="167177" y="716696"/>
+            <a:ext cx="8976822" cy="4795341"/>
+          </a:xfrm>
+        </p:spPr>
+        <p:txBody>
+          <a:bodyPr/>
+          <a:lstStyle/>
+          <a:p>
+            <a:pPr marL="0" indent="0">
+              <a:buNone/>
+            </a:pPr>
+            <a:r>
               <a:rPr lang="en-US" dirty="0"/>
-            </a:br>
+              <a:t>Example :  Count the number of Students objects whose GPA is above threshold along the </a:t>
+            </a:r>
+            <a:r>
+              <a:rPr lang="en-US" dirty="0">
+                <a:solidFill>
+                  <a:srgbClr val="FF0000"/>
+                </a:solidFill>
+              </a:rPr>
+              <a:t>minor diagonal</a:t>
+            </a:r>
             <a:r>
               <a:rPr lang="en-US" dirty="0"/>
-              <a:t>See previous years' similar FRQs: </a:t>
-            </a:r>
-            <a:br>
-              <a:rPr lang="en-US" dirty="0"/>
-            </a:br>
-            <a:r>
-              <a:rPr lang="en-US" dirty="0"/>
-              <a:t>2018 #1, 2019 #1, 2017 #3</a:t>
+              <a:t>.  Assume 2D array is square. </a:t>
+            </a:r>
+          </a:p>
+          <a:p>
+            <a:pPr marL="0" indent="0">
+              <a:buNone/>
+            </a:pPr>
+            <a:r>
+              <a:rPr lang="en-US" sz="1800" dirty="0">
+                <a:latin typeface="Courier New" panose="02070309020205020404" pitchFamily="49" charset="0"/>
+                <a:cs typeface="Courier New" panose="02070309020205020404" pitchFamily="49" charset="0"/>
+              </a:rPr>
+              <a:t>public class Course{</a:t>
+            </a:r>
+          </a:p>
+          <a:p>
+            <a:pPr marL="0" indent="0">
+              <a:buNone/>
+            </a:pPr>
+            <a:r>
+              <a:rPr lang="en-US" sz="1800" dirty="0">
+                <a:latin typeface="Courier New" panose="02070309020205020404" pitchFamily="49" charset="0"/>
+                <a:cs typeface="Courier New" panose="02070309020205020404" pitchFamily="49" charset="0"/>
+              </a:rPr>
+              <a:t>	Student[][] students;</a:t>
+            </a:r>
+          </a:p>
+          <a:p>
+            <a:pPr marL="0" indent="0">
+              <a:buNone/>
+            </a:pPr>
+            <a:r>
+              <a:rPr lang="en-US" sz="1800" dirty="0">
+                <a:latin typeface="Courier New" panose="02070309020205020404" pitchFamily="49" charset="0"/>
+                <a:cs typeface="Courier New" panose="02070309020205020404" pitchFamily="49" charset="0"/>
+              </a:rPr>
+              <a:t>	// constructors not shown</a:t>
+            </a:r>
+          </a:p>
+          <a:p>
+            <a:pPr marL="0" indent="0">
+              <a:buNone/>
+            </a:pPr>
+            <a:r>
+              <a:rPr lang="en-US" sz="1800" dirty="0">
+                <a:latin typeface="Courier New" panose="02070309020205020404" pitchFamily="49" charset="0"/>
+                <a:cs typeface="Courier New" panose="02070309020205020404" pitchFamily="49" charset="0"/>
+              </a:rPr>
+              <a:t>	public int </a:t>
+            </a:r>
+            <a:r>
+              <a:rPr lang="en-US" sz="1800" dirty="0" err="1">
+                <a:latin typeface="Courier New" panose="02070309020205020404" pitchFamily="49" charset="0"/>
+                <a:cs typeface="Courier New" panose="02070309020205020404" pitchFamily="49" charset="0"/>
+              </a:rPr>
+              <a:t>aboveThreshold</a:t>
+            </a:r>
+            <a:r>
+              <a:rPr lang="en-US" sz="1800" dirty="0">
+                <a:latin typeface="Courier New" panose="02070309020205020404" pitchFamily="49" charset="0"/>
+                <a:cs typeface="Courier New" panose="02070309020205020404" pitchFamily="49" charset="0"/>
+              </a:rPr>
+              <a:t>(double threshold){</a:t>
+            </a:r>
+          </a:p>
+          <a:p>
+            <a:pPr marL="0" indent="0">
+              <a:buNone/>
+            </a:pPr>
+            <a:r>
+              <a:rPr lang="en-US" sz="1800" dirty="0">
+                <a:latin typeface="Courier New" panose="02070309020205020404" pitchFamily="49" charset="0"/>
+                <a:cs typeface="Courier New" panose="02070309020205020404" pitchFamily="49" charset="0"/>
+              </a:rPr>
+              <a:t>		int count = 0; </a:t>
+            </a:r>
+          </a:p>
+          <a:p>
+            <a:pPr marL="0" indent="0">
+              <a:buNone/>
+            </a:pPr>
+            <a:r>
+              <a:rPr lang="en-US" sz="1800" dirty="0">
+                <a:latin typeface="Courier New" panose="02070309020205020404" pitchFamily="49" charset="0"/>
+                <a:cs typeface="Courier New" panose="02070309020205020404" pitchFamily="49" charset="0"/>
+              </a:rPr>
+              <a:t>		int dim = </a:t>
+            </a:r>
+            <a:r>
+              <a:rPr lang="en-US" sz="1800" dirty="0" err="1">
+                <a:latin typeface="Courier New" panose="02070309020205020404" pitchFamily="49" charset="0"/>
+                <a:cs typeface="Courier New" panose="02070309020205020404" pitchFamily="49" charset="0"/>
+              </a:rPr>
+              <a:t>students.length</a:t>
+            </a:r>
+            <a:r>
+              <a:rPr lang="en-US" sz="1800" dirty="0">
+                <a:latin typeface="Courier New" panose="02070309020205020404" pitchFamily="49" charset="0"/>
+                <a:cs typeface="Courier New" panose="02070309020205020404" pitchFamily="49" charset="0"/>
+              </a:rPr>
+              <a:t>;</a:t>
+            </a:r>
+          </a:p>
+          <a:p>
+            <a:pPr marL="0" indent="0">
+              <a:buNone/>
+            </a:pPr>
+            <a:r>
+              <a:rPr lang="en-US" sz="1800" dirty="0">
+                <a:latin typeface="Courier New" panose="02070309020205020404" pitchFamily="49" charset="0"/>
+                <a:cs typeface="Courier New" panose="02070309020205020404" pitchFamily="49" charset="0"/>
+              </a:rPr>
+              <a:t>		for(int </a:t>
+            </a:r>
+            <a:r>
+              <a:rPr lang="en-US" sz="1800" dirty="0" err="1">
+                <a:latin typeface="Courier New" panose="02070309020205020404" pitchFamily="49" charset="0"/>
+                <a:cs typeface="Courier New" panose="02070309020205020404" pitchFamily="49" charset="0"/>
+              </a:rPr>
+              <a:t>i</a:t>
+            </a:r>
+            <a:r>
+              <a:rPr lang="en-US" sz="1800" dirty="0">
+                <a:latin typeface="Courier New" panose="02070309020205020404" pitchFamily="49" charset="0"/>
+                <a:cs typeface="Courier New" panose="02070309020205020404" pitchFamily="49" charset="0"/>
+              </a:rPr>
+              <a:t> = 0; </a:t>
+            </a:r>
+            <a:r>
+              <a:rPr lang="en-US" sz="1800" dirty="0" err="1">
+                <a:latin typeface="Courier New" panose="02070309020205020404" pitchFamily="49" charset="0"/>
+                <a:cs typeface="Courier New" panose="02070309020205020404" pitchFamily="49" charset="0"/>
+              </a:rPr>
+              <a:t>i</a:t>
+            </a:r>
+            <a:r>
+              <a:rPr lang="en-US" sz="1800" dirty="0">
+                <a:latin typeface="Courier New" panose="02070309020205020404" pitchFamily="49" charset="0"/>
+                <a:cs typeface="Courier New" panose="02070309020205020404" pitchFamily="49" charset="0"/>
+              </a:rPr>
+              <a:t> &lt; dim; </a:t>
+            </a:r>
+            <a:r>
+              <a:rPr lang="en-US" sz="1800" dirty="0" err="1">
+                <a:latin typeface="Courier New" panose="02070309020205020404" pitchFamily="49" charset="0"/>
+                <a:cs typeface="Courier New" panose="02070309020205020404" pitchFamily="49" charset="0"/>
+              </a:rPr>
+              <a:t>i</a:t>
+            </a:r>
+            <a:r>
+              <a:rPr lang="en-US" sz="1800" dirty="0">
+                <a:latin typeface="Courier New" panose="02070309020205020404" pitchFamily="49" charset="0"/>
+                <a:cs typeface="Courier New" panose="02070309020205020404" pitchFamily="49" charset="0"/>
+              </a:rPr>
+              <a:t>++){</a:t>
+            </a:r>
+          </a:p>
+          <a:p>
+            <a:pPr marL="0" indent="0">
+              <a:buNone/>
+            </a:pPr>
+            <a:r>
+              <a:rPr lang="en-US" sz="1800" dirty="0">
+                <a:latin typeface="Courier New" panose="02070309020205020404" pitchFamily="49" charset="0"/>
+                <a:cs typeface="Courier New" panose="02070309020205020404" pitchFamily="49" charset="0"/>
+              </a:rPr>
+              <a:t>			if(students[</a:t>
+            </a:r>
+            <a:r>
+              <a:rPr lang="en-US" sz="1800" dirty="0" err="1">
+                <a:latin typeface="Courier New" panose="02070309020205020404" pitchFamily="49" charset="0"/>
+                <a:cs typeface="Courier New" panose="02070309020205020404" pitchFamily="49" charset="0"/>
+              </a:rPr>
+              <a:t>i</a:t>
+            </a:r>
+            <a:r>
+              <a:rPr lang="en-US" sz="1800" dirty="0">
+                <a:latin typeface="Courier New" panose="02070309020205020404" pitchFamily="49" charset="0"/>
+                <a:cs typeface="Courier New" panose="02070309020205020404" pitchFamily="49" charset="0"/>
+              </a:rPr>
+              <a:t>][dim – 1 - </a:t>
+            </a:r>
+            <a:r>
+              <a:rPr lang="en-US" sz="1800" dirty="0" err="1">
+                <a:latin typeface="Courier New" panose="02070309020205020404" pitchFamily="49" charset="0"/>
+                <a:cs typeface="Courier New" panose="02070309020205020404" pitchFamily="49" charset="0"/>
+              </a:rPr>
+              <a:t>i</a:t>
+            </a:r>
+            <a:r>
+              <a:rPr lang="en-US" sz="1800" dirty="0">
+                <a:latin typeface="Courier New" panose="02070309020205020404" pitchFamily="49" charset="0"/>
+                <a:cs typeface="Courier New" panose="02070309020205020404" pitchFamily="49" charset="0"/>
+              </a:rPr>
+              <a:t>].</a:t>
+            </a:r>
+            <a:r>
+              <a:rPr lang="en-US" sz="1800" dirty="0" err="1">
+                <a:latin typeface="Courier New" panose="02070309020205020404" pitchFamily="49" charset="0"/>
+                <a:cs typeface="Courier New" panose="02070309020205020404" pitchFamily="49" charset="0"/>
+              </a:rPr>
+              <a:t>getGpa</a:t>
+            </a:r>
+            <a:r>
+              <a:rPr lang="en-US" sz="1800" dirty="0">
+                <a:latin typeface="Courier New" panose="02070309020205020404" pitchFamily="49" charset="0"/>
+                <a:cs typeface="Courier New" panose="02070309020205020404" pitchFamily="49" charset="0"/>
+              </a:rPr>
+              <a:t>() &gt; threshold)</a:t>
+            </a:r>
+          </a:p>
+          <a:p>
+            <a:pPr marL="0" indent="0">
+              <a:buNone/>
+            </a:pPr>
+            <a:r>
+              <a:rPr lang="en-US" sz="1800" dirty="0">
+                <a:latin typeface="Courier New" panose="02070309020205020404" pitchFamily="49" charset="0"/>
+                <a:cs typeface="Courier New" panose="02070309020205020404" pitchFamily="49" charset="0"/>
+              </a:rPr>
+              <a:t>				count++;</a:t>
+            </a:r>
+          </a:p>
+          <a:p>
+            <a:pPr marL="0" indent="0">
+              <a:buNone/>
+            </a:pPr>
+            <a:r>
+              <a:rPr lang="en-US" sz="1800" dirty="0">
+                <a:latin typeface="Courier New" panose="02070309020205020404" pitchFamily="49" charset="0"/>
+                <a:cs typeface="Courier New" panose="02070309020205020404" pitchFamily="49" charset="0"/>
+              </a:rPr>
+              <a:t>		}</a:t>
+            </a:r>
+          </a:p>
+          <a:p>
+            <a:pPr marL="0" indent="0">
+              <a:buNone/>
+            </a:pPr>
+            <a:r>
+              <a:rPr lang="en-US" sz="1800" dirty="0">
+                <a:latin typeface="Courier New" panose="02070309020205020404" pitchFamily="49" charset="0"/>
+                <a:cs typeface="Courier New" panose="02070309020205020404" pitchFamily="49" charset="0"/>
+              </a:rPr>
+              <a:t>		return count;</a:t>
+            </a:r>
+          </a:p>
+          <a:p>
+            <a:pPr marL="0" indent="0">
+              <a:buNone/>
+            </a:pPr>
+            <a:r>
+              <a:rPr lang="en-US" sz="1800" dirty="0">
+                <a:latin typeface="Courier New" panose="02070309020205020404" pitchFamily="49" charset="0"/>
+                <a:cs typeface="Courier New" panose="02070309020205020404" pitchFamily="49" charset="0"/>
+              </a:rPr>
+              <a:t>	}</a:t>
             </a:r>
           </a:p>
         </p:txBody>
@@ -19031,7 +19291,7 @@
     </p:spTree>
     <p:extLst>
       <p:ext uri="{BB962C8B-B14F-4D97-AF65-F5344CB8AC3E}">
-        <p14:creationId xmlns:p14="http://schemas.microsoft.com/office/powerpoint/2010/main" val="177006165"/>
+        <p14:creationId xmlns:p14="http://schemas.microsoft.com/office/powerpoint/2010/main" val="2649014935"/>
       </p:ext>
     </p:extLst>
   </p:cSld>
@@ -19086,7 +19346,7 @@
           <a:p>
             <a:r>
               <a:rPr lang="en-US" dirty="0"/>
-              <a:t>Methods and Control Structures</a:t>
+              <a:t>Question 4</a:t>
             </a:r>
           </a:p>
         </p:txBody>
@@ -19120,6 +19380,428 @@
             <a:pPr marL="0" indent="0">
               <a:buNone/>
             </a:pPr>
+            <a:endParaRPr lang="en-US" dirty="0">
+              <a:latin typeface="Gill Sans MT" panose="020B0502020104020203" pitchFamily="34" charset="77"/>
+              <a:cs typeface="Courier New" panose="02070309020205020404" pitchFamily="49" charset="0"/>
+            </a:endParaRPr>
+          </a:p>
+          <a:p>
+            <a:pPr marL="0" indent="0">
+              <a:buNone/>
+            </a:pPr>
+            <a:endParaRPr lang="en-US" dirty="0">
+              <a:latin typeface="Gill Sans MT" panose="020B0502020104020203" pitchFamily="34" charset="77"/>
+              <a:cs typeface="Courier New" panose="02070309020205020404" pitchFamily="49" charset="0"/>
+            </a:endParaRPr>
+          </a:p>
+          <a:p>
+            <a:pPr marL="0" indent="0">
+              <a:buNone/>
+            </a:pPr>
+            <a:endParaRPr lang="en-US" dirty="0">
+              <a:latin typeface="Gill Sans MT" panose="020B0502020104020203" pitchFamily="34" charset="77"/>
+              <a:cs typeface="Courier New" panose="02070309020205020404" pitchFamily="49" charset="0"/>
+            </a:endParaRPr>
+          </a:p>
+          <a:p>
+            <a:pPr marL="0" indent="0">
+              <a:buNone/>
+            </a:pPr>
+            <a:r>
+              <a:rPr lang="en-US" dirty="0"/>
+              <a:t>Please do the following 2019 #4, 2018 #4, 2017 #4, 2016 #3, 2021 #4 and check your solutions to prepare for Question 4. </a:t>
+            </a:r>
+            <a:endParaRPr lang="en-US" dirty="0">
+              <a:latin typeface="Gill Sans MT" panose="020B0502020104020203" pitchFamily="34" charset="77"/>
+              <a:cs typeface="Courier New" panose="02070309020205020404" pitchFamily="49" charset="0"/>
+            </a:endParaRPr>
+          </a:p>
+        </p:txBody>
+      </p:sp>
+    </p:spTree>
+    <p:extLst>
+      <p:ext uri="{BB962C8B-B14F-4D97-AF65-F5344CB8AC3E}">
+        <p14:creationId xmlns:p14="http://schemas.microsoft.com/office/powerpoint/2010/main" val="2880934244"/>
+      </p:ext>
+    </p:extLst>
+  </p:cSld>
+  <p:clrMapOvr>
+    <a:masterClrMapping/>
+  </p:clrMapOvr>
+</p:sld>
+</file>
+
+<file path=ppt/slides/slide39.xml><?xml version="1.0" encoding="utf-8"?>
+<p:sld xmlns:a="http://schemas.openxmlformats.org/drawingml/2006/main" xmlns:r="http://schemas.openxmlformats.org/officeDocument/2006/relationships" xmlns:p="http://schemas.openxmlformats.org/presentationml/2006/main">
+  <p:cSld>
+    <p:spTree>
+      <p:nvGrpSpPr>
+        <p:cNvPr id="1" name=""/>
+        <p:cNvGrpSpPr/>
+        <p:nvPr/>
+      </p:nvGrpSpPr>
+      <p:grpSpPr>
+        <a:xfrm>
+          <a:off x="0" y="0"/>
+          <a:ext cx="0" cy="0"/>
+          <a:chOff x="0" y="0"/>
+          <a:chExt cx="0" cy="0"/>
+        </a:xfrm>
+      </p:grpSpPr>
+      <p:sp>
+        <p:nvSpPr>
+          <p:cNvPr id="2" name="Title 1">
+            <a:extLst>
+              <a:ext uri="{FF2B5EF4-FFF2-40B4-BE49-F238E27FC236}">
+                <a16:creationId xmlns:a16="http://schemas.microsoft.com/office/drawing/2014/main" id="{BC6F9511-CB58-AC49-AD98-860912780FFE}"/>
+              </a:ext>
+            </a:extLst>
+          </p:cNvPr>
+          <p:cNvSpPr>
+            <a:spLocks noGrp="1"/>
+          </p:cNvSpPr>
+          <p:nvPr>
+            <p:ph type="title"/>
+          </p:nvPr>
+        </p:nvSpPr>
+        <p:spPr>
+          <a:xfrm>
+            <a:off x="628650" y="2563244"/>
+            <a:ext cx="7886700" cy="588511"/>
+          </a:xfrm>
+        </p:spPr>
+        <p:txBody>
+          <a:bodyPr/>
+          <a:lstStyle/>
+          <a:p>
+            <a:r>
+              <a:rPr lang="en-US" dirty="0"/>
+              <a:t>Question 1: Methods and Control Structures</a:t>
+            </a:r>
+            <a:br>
+              <a:rPr lang="en-US" dirty="0"/>
+            </a:br>
+            <a:r>
+              <a:rPr lang="en-US" dirty="0"/>
+              <a:t>See previous years' similar FRQs: </a:t>
+            </a:r>
+            <a:br>
+              <a:rPr lang="en-US" dirty="0"/>
+            </a:br>
+            <a:r>
+              <a:rPr lang="en-US" dirty="0"/>
+              <a:t>2018 #1, 2019 #1, 2017 #3, 2018 #2, 2021#1</a:t>
+            </a:r>
+          </a:p>
+        </p:txBody>
+      </p:sp>
+    </p:spTree>
+    <p:extLst>
+      <p:ext uri="{BB962C8B-B14F-4D97-AF65-F5344CB8AC3E}">
+        <p14:creationId xmlns:p14="http://schemas.microsoft.com/office/powerpoint/2010/main" val="177006165"/>
+      </p:ext>
+    </p:extLst>
+  </p:cSld>
+  <p:clrMapOvr>
+    <a:masterClrMapping/>
+  </p:clrMapOvr>
+</p:sld>
+</file>
+
+<file path=ppt/slides/slide4.xml><?xml version="1.0" encoding="utf-8"?>
+<p:sld xmlns:a="http://schemas.openxmlformats.org/drawingml/2006/main" xmlns:r="http://schemas.openxmlformats.org/officeDocument/2006/relationships" xmlns:p="http://schemas.openxmlformats.org/presentationml/2006/main">
+  <p:cSld>
+    <p:spTree>
+      <p:nvGrpSpPr>
+        <p:cNvPr id="1" name=""/>
+        <p:cNvGrpSpPr/>
+        <p:nvPr/>
+      </p:nvGrpSpPr>
+      <p:grpSpPr>
+        <a:xfrm>
+          <a:off x="0" y="0"/>
+          <a:ext cx="0" cy="0"/>
+          <a:chOff x="0" y="0"/>
+          <a:chExt cx="0" cy="0"/>
+        </a:xfrm>
+      </p:grpSpPr>
+      <p:sp>
+        <p:nvSpPr>
+          <p:cNvPr id="2" name="Title 1">
+            <a:extLst>
+              <a:ext uri="{FF2B5EF4-FFF2-40B4-BE49-F238E27FC236}">
+                <a16:creationId xmlns:a16="http://schemas.microsoft.com/office/drawing/2014/main" id="{49858307-0DFD-A74B-AAD7-F6B2293A2F6A}"/>
+              </a:ext>
+            </a:extLst>
+          </p:cNvPr>
+          <p:cNvSpPr>
+            <a:spLocks noGrp="1"/>
+          </p:cNvSpPr>
+          <p:nvPr>
+            <p:ph type="title"/>
+          </p:nvPr>
+        </p:nvSpPr>
+        <p:spPr/>
+        <p:txBody>
+          <a:bodyPr/>
+          <a:lstStyle/>
+          <a:p>
+            <a:endParaRPr lang="en-US"/>
+          </a:p>
+        </p:txBody>
+      </p:sp>
+      <p:sp>
+        <p:nvSpPr>
+          <p:cNvPr id="3" name="Content Placeholder 2">
+            <a:extLst>
+              <a:ext uri="{FF2B5EF4-FFF2-40B4-BE49-F238E27FC236}">
+                <a16:creationId xmlns:a16="http://schemas.microsoft.com/office/drawing/2014/main" id="{FA142AD6-7D4E-6242-A637-AD65090F1F4E}"/>
+              </a:ext>
+            </a:extLst>
+          </p:cNvPr>
+          <p:cNvSpPr>
+            <a:spLocks noGrp="1"/>
+          </p:cNvSpPr>
+          <p:nvPr>
+            <p:ph idx="1"/>
+          </p:nvPr>
+        </p:nvSpPr>
+        <p:spPr/>
+        <p:txBody>
+          <a:bodyPr/>
+          <a:lstStyle/>
+          <a:p>
+            <a:endParaRPr lang="en-US"/>
+          </a:p>
+        </p:txBody>
+      </p:sp>
+      <p:pic>
+        <p:nvPicPr>
+          <p:cNvPr id="4" name="Picture 3">
+            <a:extLst>
+              <a:ext uri="{FF2B5EF4-FFF2-40B4-BE49-F238E27FC236}">
+                <a16:creationId xmlns:a16="http://schemas.microsoft.com/office/drawing/2014/main" id="{A01CFC27-6287-D946-B376-F056314955B4}"/>
+              </a:ext>
+            </a:extLst>
+          </p:cNvPr>
+          <p:cNvPicPr>
+            <a:picLocks noChangeAspect="1"/>
+          </p:cNvPicPr>
+          <p:nvPr/>
+        </p:nvPicPr>
+        <p:blipFill>
+          <a:blip r:embed="rId2"/>
+          <a:stretch>
+            <a:fillRect/>
+          </a:stretch>
+        </p:blipFill>
+        <p:spPr>
+          <a:xfrm>
+            <a:off x="0" y="68663"/>
+            <a:ext cx="9144000" cy="2068778"/>
+          </a:xfrm>
+          <a:prstGeom prst="rect">
+            <a:avLst/>
+          </a:prstGeom>
+        </p:spPr>
+      </p:pic>
+      <p:pic>
+        <p:nvPicPr>
+          <p:cNvPr id="5" name="Picture 4">
+            <a:extLst>
+              <a:ext uri="{FF2B5EF4-FFF2-40B4-BE49-F238E27FC236}">
+                <a16:creationId xmlns:a16="http://schemas.microsoft.com/office/drawing/2014/main" id="{C221459C-8223-5444-A042-85D5AC8B8D37}"/>
+              </a:ext>
+            </a:extLst>
+          </p:cNvPr>
+          <p:cNvPicPr>
+            <a:picLocks noChangeAspect="1"/>
+          </p:cNvPicPr>
+          <p:nvPr/>
+        </p:nvPicPr>
+        <p:blipFill>
+          <a:blip r:embed="rId3"/>
+          <a:stretch>
+            <a:fillRect/>
+          </a:stretch>
+        </p:blipFill>
+        <p:spPr>
+          <a:xfrm>
+            <a:off x="68367" y="2018949"/>
+            <a:ext cx="7886700" cy="3559318"/>
+          </a:xfrm>
+          <a:prstGeom prst="rect">
+            <a:avLst/>
+          </a:prstGeom>
+        </p:spPr>
+      </p:pic>
+    </p:spTree>
+    <p:extLst>
+      <p:ext uri="{BB962C8B-B14F-4D97-AF65-F5344CB8AC3E}">
+        <p14:creationId xmlns:p14="http://schemas.microsoft.com/office/powerpoint/2010/main" val="3881740099"/>
+      </p:ext>
+    </p:extLst>
+  </p:cSld>
+  <p:clrMapOvr>
+    <a:masterClrMapping/>
+  </p:clrMapOvr>
+  <p:timing>
+    <p:tnLst>
+      <p:par>
+        <p:cTn id="1" dur="indefinite" restart="never" nodeType="tmRoot">
+          <p:childTnLst>
+            <p:seq concurrent="1" nextAc="seek">
+              <p:cTn id="2" dur="indefinite" nodeType="mainSeq">
+                <p:childTnLst>
+                  <p:par>
+                    <p:cTn id="3" fill="hold">
+                      <p:stCondLst>
+                        <p:cond delay="indefinite"/>
+                      </p:stCondLst>
+                      <p:childTnLst>
+                        <p:par>
+                          <p:cTn id="4" fill="hold">
+                            <p:stCondLst>
+                              <p:cond delay="0"/>
+                            </p:stCondLst>
+                            <p:childTnLst>
+                              <p:par>
+                                <p:cTn id="5" presetID="1" presetClass="entr" presetSubtype="0" fill="hold" nodeType="clickEffect">
+                                  <p:stCondLst>
+                                    <p:cond delay="0"/>
+                                  </p:stCondLst>
+                                  <p:childTnLst>
+                                    <p:set>
+                                      <p:cBhvr>
+                                        <p:cTn id="6" dur="1" fill="hold">
+                                          <p:stCondLst>
+                                            <p:cond delay="0"/>
+                                          </p:stCondLst>
+                                        </p:cTn>
+                                        <p:tgtEl>
+                                          <p:spTgt spid="5"/>
+                                        </p:tgtEl>
+                                        <p:attrNameLst>
+                                          <p:attrName>style.visibility</p:attrName>
+                                        </p:attrNameLst>
+                                      </p:cBhvr>
+                                      <p:to>
+                                        <p:strVal val="visible"/>
+                                      </p:to>
+                                    </p:set>
+                                  </p:childTnLst>
+                                </p:cTn>
+                              </p:par>
+                            </p:childTnLst>
+                          </p:cTn>
+                        </p:par>
+                      </p:childTnLst>
+                    </p:cTn>
+                  </p:par>
+                </p:childTnLst>
+              </p:cTn>
+              <p:prevCondLst>
+                <p:cond evt="onPrev" delay="0">
+                  <p:tgtEl>
+                    <p:sldTgt/>
+                  </p:tgtEl>
+                </p:cond>
+              </p:prevCondLst>
+              <p:nextCondLst>
+                <p:cond evt="onNext" delay="0">
+                  <p:tgtEl>
+                    <p:sldTgt/>
+                  </p:tgtEl>
+                </p:cond>
+              </p:nextCondLst>
+            </p:seq>
+          </p:childTnLst>
+        </p:cTn>
+      </p:par>
+    </p:tnLst>
+  </p:timing>
+</p:sld>
+</file>
+
+<file path=ppt/slides/slide40.xml><?xml version="1.0" encoding="utf-8"?>
+<p:sld xmlns:a="http://schemas.openxmlformats.org/drawingml/2006/main" xmlns:r="http://schemas.openxmlformats.org/officeDocument/2006/relationships" xmlns:p="http://schemas.openxmlformats.org/presentationml/2006/main">
+  <p:cSld>
+    <p:spTree>
+      <p:nvGrpSpPr>
+        <p:cNvPr id="1" name=""/>
+        <p:cNvGrpSpPr/>
+        <p:nvPr/>
+      </p:nvGrpSpPr>
+      <p:grpSpPr>
+        <a:xfrm>
+          <a:off x="0" y="0"/>
+          <a:ext cx="0" cy="0"/>
+          <a:chOff x="0" y="0"/>
+          <a:chExt cx="0" cy="0"/>
+        </a:xfrm>
+      </p:grpSpPr>
+      <p:sp>
+        <p:nvSpPr>
+          <p:cNvPr id="2" name="Title 1">
+            <a:extLst>
+              <a:ext uri="{FF2B5EF4-FFF2-40B4-BE49-F238E27FC236}">
+                <a16:creationId xmlns:a16="http://schemas.microsoft.com/office/drawing/2014/main" id="{BC6F9511-CB58-AC49-AD98-860912780FFE}"/>
+              </a:ext>
+            </a:extLst>
+          </p:cNvPr>
+          <p:cNvSpPr>
+            <a:spLocks noGrp="1"/>
+          </p:cNvSpPr>
+          <p:nvPr>
+            <p:ph type="title"/>
+          </p:nvPr>
+        </p:nvSpPr>
+        <p:spPr>
+          <a:xfrm>
+            <a:off x="167177" y="128185"/>
+            <a:ext cx="7886700" cy="588511"/>
+          </a:xfrm>
+        </p:spPr>
+        <p:txBody>
+          <a:bodyPr/>
+          <a:lstStyle/>
+          <a:p>
+            <a:r>
+              <a:rPr lang="en-US" dirty="0"/>
+              <a:t>Methods and Control Structures</a:t>
+            </a:r>
+          </a:p>
+        </p:txBody>
+      </p:sp>
+      <p:sp>
+        <p:nvSpPr>
+          <p:cNvPr id="3" name="Content Placeholder 2">
+            <a:extLst>
+              <a:ext uri="{FF2B5EF4-FFF2-40B4-BE49-F238E27FC236}">
+                <a16:creationId xmlns:a16="http://schemas.microsoft.com/office/drawing/2014/main" id="{CE6BD10B-9D13-604D-9877-97B355109287}"/>
+              </a:ext>
+            </a:extLst>
+          </p:cNvPr>
+          <p:cNvSpPr>
+            <a:spLocks noGrp="1"/>
+          </p:cNvSpPr>
+          <p:nvPr>
+            <p:ph idx="1"/>
+          </p:nvPr>
+        </p:nvSpPr>
+        <p:spPr>
+          <a:xfrm>
+            <a:off x="167177" y="888763"/>
+            <a:ext cx="8780270" cy="4623273"/>
+          </a:xfrm>
+        </p:spPr>
+        <p:txBody>
+          <a:bodyPr/>
+          <a:lstStyle/>
+          <a:p>
+            <a:pPr marL="0" indent="0">
+              <a:buNone/>
+            </a:pPr>
             <a:r>
               <a:rPr lang="en-US" dirty="0">
                 <a:latin typeface="Gill Sans MT" panose="020B0502020104020203" pitchFamily="34" charset="77"/>
@@ -19238,7 +19920,7 @@
 </p:sld>
 </file>
 
-<file path=ppt/slides/slide39.xml><?xml version="1.0" encoding="utf-8"?>
+<file path=ppt/slides/slide41.xml><?xml version="1.0" encoding="utf-8"?>
 <p:sld xmlns:a="http://schemas.openxmlformats.org/drawingml/2006/main" xmlns:r="http://schemas.openxmlformats.org/officeDocument/2006/relationships" xmlns:p="http://schemas.openxmlformats.org/presentationml/2006/main">
   <p:cSld>
     <p:spTree>
@@ -21013,222 +21695,7 @@
 </p:sld>
 </file>
 
-<file path=ppt/slides/slide4.xml><?xml version="1.0" encoding="utf-8"?>
-<p:sld xmlns:a="http://schemas.openxmlformats.org/drawingml/2006/main" xmlns:r="http://schemas.openxmlformats.org/officeDocument/2006/relationships" xmlns:p="http://schemas.openxmlformats.org/presentationml/2006/main">
-  <p:cSld>
-    <p:spTree>
-      <p:nvGrpSpPr>
-        <p:cNvPr id="1" name=""/>
-        <p:cNvGrpSpPr/>
-        <p:nvPr/>
-      </p:nvGrpSpPr>
-      <p:grpSpPr>
-        <a:xfrm>
-          <a:off x="0" y="0"/>
-          <a:ext cx="0" cy="0"/>
-          <a:chOff x="0" y="0"/>
-          <a:chExt cx="0" cy="0"/>
-        </a:xfrm>
-      </p:grpSpPr>
-      <p:sp>
-        <p:nvSpPr>
-          <p:cNvPr id="2" name="Title 1">
-            <a:extLst>
-              <a:ext uri="{FF2B5EF4-FFF2-40B4-BE49-F238E27FC236}">
-                <a16:creationId xmlns:a16="http://schemas.microsoft.com/office/drawing/2014/main" id="{49858307-0DFD-A74B-AAD7-F6B2293A2F6A}"/>
-              </a:ext>
-            </a:extLst>
-          </p:cNvPr>
-          <p:cNvSpPr>
-            <a:spLocks noGrp="1"/>
-          </p:cNvSpPr>
-          <p:nvPr>
-            <p:ph type="title"/>
-          </p:nvPr>
-        </p:nvSpPr>
-        <p:spPr/>
-        <p:txBody>
-          <a:bodyPr/>
-          <a:lstStyle/>
-          <a:p>
-            <a:endParaRPr lang="en-US"/>
-          </a:p>
-        </p:txBody>
-      </p:sp>
-      <p:sp>
-        <p:nvSpPr>
-          <p:cNvPr id="3" name="Content Placeholder 2">
-            <a:extLst>
-              <a:ext uri="{FF2B5EF4-FFF2-40B4-BE49-F238E27FC236}">
-                <a16:creationId xmlns:a16="http://schemas.microsoft.com/office/drawing/2014/main" id="{FA142AD6-7D4E-6242-A637-AD65090F1F4E}"/>
-              </a:ext>
-            </a:extLst>
-          </p:cNvPr>
-          <p:cNvSpPr>
-            <a:spLocks noGrp="1"/>
-          </p:cNvSpPr>
-          <p:nvPr>
-            <p:ph idx="1"/>
-          </p:nvPr>
-        </p:nvSpPr>
-        <p:spPr/>
-        <p:txBody>
-          <a:bodyPr/>
-          <a:lstStyle/>
-          <a:p>
-            <a:endParaRPr lang="en-US"/>
-          </a:p>
-        </p:txBody>
-      </p:sp>
-      <p:pic>
-        <p:nvPicPr>
-          <p:cNvPr id="4" name="Picture 3">
-            <a:extLst>
-              <a:ext uri="{FF2B5EF4-FFF2-40B4-BE49-F238E27FC236}">
-                <a16:creationId xmlns:a16="http://schemas.microsoft.com/office/drawing/2014/main" id="{A01CFC27-6287-D946-B376-F056314955B4}"/>
-              </a:ext>
-            </a:extLst>
-          </p:cNvPr>
-          <p:cNvPicPr>
-            <a:picLocks noChangeAspect="1"/>
-          </p:cNvPicPr>
-          <p:nvPr/>
-        </p:nvPicPr>
-        <p:blipFill>
-          <a:blip r:embed="rId2"/>
-          <a:stretch>
-            <a:fillRect/>
-          </a:stretch>
-        </p:blipFill>
-        <p:spPr>
-          <a:xfrm>
-            <a:off x="0" y="68663"/>
-            <a:ext cx="9144000" cy="2068778"/>
-          </a:xfrm>
-          <a:prstGeom prst="rect">
-            <a:avLst/>
-          </a:prstGeom>
-        </p:spPr>
-      </p:pic>
-      <p:pic>
-        <p:nvPicPr>
-          <p:cNvPr id="5" name="Picture 4">
-            <a:extLst>
-              <a:ext uri="{FF2B5EF4-FFF2-40B4-BE49-F238E27FC236}">
-                <a16:creationId xmlns:a16="http://schemas.microsoft.com/office/drawing/2014/main" id="{C221459C-8223-5444-A042-85D5AC8B8D37}"/>
-              </a:ext>
-            </a:extLst>
-          </p:cNvPr>
-          <p:cNvPicPr>
-            <a:picLocks noChangeAspect="1"/>
-          </p:cNvPicPr>
-          <p:nvPr/>
-        </p:nvPicPr>
-        <p:blipFill>
-          <a:blip r:embed="rId3"/>
-          <a:stretch>
-            <a:fillRect/>
-          </a:stretch>
-        </p:blipFill>
-        <p:spPr>
-          <a:xfrm>
-            <a:off x="68367" y="2018949"/>
-            <a:ext cx="7886700" cy="3559318"/>
-          </a:xfrm>
-          <a:prstGeom prst="rect">
-            <a:avLst/>
-          </a:prstGeom>
-        </p:spPr>
-      </p:pic>
-    </p:spTree>
-    <p:extLst>
-      <p:ext uri="{BB962C8B-B14F-4D97-AF65-F5344CB8AC3E}">
-        <p14:creationId xmlns:p14="http://schemas.microsoft.com/office/powerpoint/2010/main" val="3881740099"/>
-      </p:ext>
-    </p:extLst>
-  </p:cSld>
-  <p:clrMapOvr>
-    <a:masterClrMapping/>
-  </p:clrMapOvr>
-  <p:timing>
-    <p:tnLst>
-      <p:par>
-        <p:cTn id="1" dur="indefinite" restart="never" nodeType="tmRoot">
-          <p:childTnLst>
-            <p:seq concurrent="1" nextAc="seek">
-              <p:cTn id="2" dur="indefinite" nodeType="mainSeq">
-                <p:childTnLst>
-                  <p:par>
-                    <p:cTn id="3" fill="hold">
-                      <p:stCondLst>
-                        <p:cond delay="indefinite"/>
-                      </p:stCondLst>
-                      <p:childTnLst>
-                        <p:par>
-                          <p:cTn id="4" fill="hold">
-                            <p:stCondLst>
-                              <p:cond delay="0"/>
-                            </p:stCondLst>
-                            <p:childTnLst>
-                              <p:par>
-                                <p:cTn id="5" presetID="1" presetClass="entr" presetSubtype="0" fill="hold" nodeType="clickEffect">
-                                  <p:stCondLst>
-                                    <p:cond delay="0"/>
-                                  </p:stCondLst>
-                                  <p:childTnLst>
-                                    <p:set>
-                                      <p:cBhvr>
-                                        <p:cTn id="6" dur="1" fill="hold">
-                                          <p:stCondLst>
-                                            <p:cond delay="0"/>
-                                          </p:stCondLst>
-                                        </p:cTn>
-                                        <p:tgtEl>
-                                          <p:spTgt spid="5"/>
-                                        </p:tgtEl>
-                                        <p:attrNameLst>
-                                          <p:attrName>style.visibility</p:attrName>
-                                        </p:attrNameLst>
-                                      </p:cBhvr>
-                                      <p:to>
-                                        <p:strVal val="visible"/>
-                                      </p:to>
-                                    </p:set>
-                                  </p:childTnLst>
-                                </p:cTn>
-                              </p:par>
-                            </p:childTnLst>
-                          </p:cTn>
-                        </p:par>
-                      </p:childTnLst>
-                    </p:cTn>
-                  </p:par>
-                </p:childTnLst>
-              </p:cTn>
-              <p:prevCondLst>
-                <p:cond evt="onPrev" delay="0">
-                  <p:tgtEl>
-                    <p:sldTgt/>
-                  </p:tgtEl>
-                </p:cond>
-              </p:prevCondLst>
-              <p:nextCondLst>
-                <p:cond evt="onNext" delay="0">
-                  <p:tgtEl>
-                    <p:sldTgt/>
-                  </p:tgtEl>
-                </p:cond>
-              </p:nextCondLst>
-            </p:seq>
-          </p:childTnLst>
-        </p:cTn>
-      </p:par>
-    </p:tnLst>
-  </p:timing>
-</p:sld>
-</file>
-
-<file path=ppt/slides/slide40.xml><?xml version="1.0" encoding="utf-8"?>
+<file path=ppt/slides/slide42.xml><?xml version="1.0" encoding="utf-8"?>
 <p:sld xmlns:a="http://schemas.openxmlformats.org/drawingml/2006/main" xmlns:r="http://schemas.openxmlformats.org/officeDocument/2006/relationships" xmlns:p="http://schemas.openxmlformats.org/presentationml/2006/main" showMasterPhAnim="0">
   <p:cSld>
     <p:spTree>
@@ -22570,7 +23037,7 @@
 </p:sld>
 </file>
 
-<file path=ppt/slides/slide41.xml><?xml version="1.0" encoding="utf-8"?>
+<file path=ppt/slides/slide43.xml><?xml version="1.0" encoding="utf-8"?>
 <p:sld xmlns:a="http://schemas.openxmlformats.org/drawingml/2006/main" xmlns:r="http://schemas.openxmlformats.org/officeDocument/2006/relationships" xmlns:p="http://schemas.openxmlformats.org/presentationml/2006/main" showMasterPhAnim="0">
   <p:cSld>
     <p:spTree>
@@ -23640,7 +24107,7 @@
 </p:sld>
 </file>
 
-<file path=ppt/slides/slide42.xml><?xml version="1.0" encoding="utf-8"?>
+<file path=ppt/slides/slide44.xml><?xml version="1.0" encoding="utf-8"?>
 <p:sld xmlns:a="http://schemas.openxmlformats.org/drawingml/2006/main" xmlns:r="http://schemas.openxmlformats.org/officeDocument/2006/relationships" xmlns:p="http://schemas.openxmlformats.org/presentationml/2006/main">
   <p:cSld>
     <p:spTree>
@@ -23719,6 +24186,18 @@
             <a:pPr marL="0" indent="0">
               <a:buNone/>
             </a:pPr>
+            <a:r>
+              <a:rPr lang="en-US" dirty="0">
+                <a:latin typeface="Gill Sans MT" panose="020B0502020104020203" pitchFamily="34" charset="77"/>
+                <a:cs typeface="Courier New" panose="02070309020205020404" pitchFamily="49" charset="0"/>
+              </a:rPr>
+              <a:t>Complete 2018 #2. </a:t>
+            </a:r>
+          </a:p>
+          <a:p>
+            <a:pPr marL="0" indent="0">
+              <a:buNone/>
+            </a:pPr>
             <a:endParaRPr lang="en-US" dirty="0">
               <a:latin typeface="Gill Sans MT" panose="020B0502020104020203" pitchFamily="34" charset="77"/>
               <a:cs typeface="Courier New" panose="02070309020205020404" pitchFamily="49" charset="0"/>
@@ -23728,6 +24207,32 @@
             <a:pPr marL="0" indent="0">
               <a:buNone/>
             </a:pPr>
+            <a:r>
+              <a:rPr lang="en-US" dirty="0">
+                <a:latin typeface="Gill Sans MT" panose="020B0502020104020203" pitchFamily="34" charset="77"/>
+                <a:cs typeface="Courier New" panose="02070309020205020404" pitchFamily="49" charset="0"/>
+              </a:rPr>
+              <a:t>This is a good problem that uses 1D array,  </a:t>
+            </a:r>
+            <a:r>
+              <a:rPr lang="en-US" dirty="0" err="1">
+                <a:latin typeface="Gill Sans MT" panose="020B0502020104020203" pitchFamily="34" charset="77"/>
+                <a:cs typeface="Courier New" panose="02070309020205020404" pitchFamily="49" charset="0"/>
+              </a:rPr>
+              <a:t>Arraylist</a:t>
+            </a:r>
+            <a:r>
+              <a:rPr lang="en-US" dirty="0">
+                <a:latin typeface="Gill Sans MT" panose="020B0502020104020203" pitchFamily="34" charset="77"/>
+                <a:cs typeface="Courier New" panose="02070309020205020404" pitchFamily="49" charset="0"/>
+              </a:rPr>
+              <a:t>, and Strings and is a good Question 1(Methods/Control Structures) type of problem. </a:t>
+            </a:r>
+          </a:p>
+          <a:p>
+            <a:pPr marL="0" indent="0">
+              <a:buNone/>
+            </a:pPr>
             <a:endParaRPr lang="en-US" dirty="0">
               <a:latin typeface="Gill Sans MT" panose="020B0502020104020203" pitchFamily="34" charset="77"/>
               <a:cs typeface="Courier New" panose="02070309020205020404" pitchFamily="49" charset="0"/>
@@ -23737,34 +24242,6 @@
             <a:pPr marL="0" indent="0">
               <a:buNone/>
             </a:pPr>
-            <a:endParaRPr lang="en-US">
-              <a:latin typeface="Gill Sans MT" panose="020B0502020104020203" pitchFamily="34" charset="77"/>
-              <a:cs typeface="Courier New" panose="02070309020205020404" pitchFamily="49" charset="0"/>
-            </a:endParaRPr>
-          </a:p>
-          <a:p>
-            <a:pPr marL="0" indent="0">
-              <a:buNone/>
-            </a:pPr>
-            <a:r>
-              <a:rPr lang="en-US">
-                <a:latin typeface="Gill Sans MT" panose="020B0502020104020203" pitchFamily="34" charset="77"/>
-                <a:cs typeface="Courier New" panose="02070309020205020404" pitchFamily="49" charset="0"/>
-              </a:rPr>
-              <a:t>Complete </a:t>
-            </a:r>
-            <a:r>
-              <a:rPr lang="en-US" dirty="0">
-                <a:latin typeface="Gill Sans MT" panose="020B0502020104020203" pitchFamily="34" charset="77"/>
-                <a:cs typeface="Courier New" panose="02070309020205020404" pitchFamily="49" charset="0"/>
-              </a:rPr>
-              <a:t>2018 #2. </a:t>
-            </a:r>
-          </a:p>
-          <a:p>
-            <a:pPr marL="0" indent="0">
-              <a:buNone/>
-            </a:pPr>
             <a:endParaRPr lang="en-US" dirty="0">
               <a:latin typeface="Gill Sans MT" panose="020B0502020104020203" pitchFamily="34" charset="77"/>
               <a:cs typeface="Courier New" panose="02070309020205020404" pitchFamily="49" charset="0"/>
@@ -23775,26 +24252,13 @@
               <a:buNone/>
             </a:pPr>
             <a:r>
-              <a:rPr lang="en-US" dirty="0">
-                <a:latin typeface="Gill Sans MT" panose="020B0502020104020203" pitchFamily="34" charset="77"/>
-                <a:cs typeface="Courier New" panose="02070309020205020404" pitchFamily="49" charset="0"/>
-              </a:rPr>
-              <a:t>This is a good problem that uses 1D array,  </a:t>
-            </a:r>
-            <a:r>
-              <a:rPr lang="en-US" dirty="0" err="1">
-                <a:latin typeface="Gill Sans MT" panose="020B0502020104020203" pitchFamily="34" charset="77"/>
-                <a:cs typeface="Courier New" panose="02070309020205020404" pitchFamily="49" charset="0"/>
-              </a:rPr>
-              <a:t>Arraylist</a:t>
-            </a:r>
-            <a:r>
-              <a:rPr lang="en-US" dirty="0">
-                <a:latin typeface="Gill Sans MT" panose="020B0502020104020203" pitchFamily="34" charset="77"/>
-                <a:cs typeface="Courier New" panose="02070309020205020404" pitchFamily="49" charset="0"/>
-              </a:rPr>
-              <a:t>, and Strings and is a good Question 1(Methods/Control Structures) type of problem. </a:t>
-            </a:r>
+              <a:rPr lang="en-US" dirty="0"/>
+              <a:t>Also do the following 2018 #1, 2019 #1, 2017 #3, 2021 #1 to prepare for Question 1.</a:t>
+            </a:r>
+            <a:endParaRPr lang="en-US" dirty="0">
+              <a:latin typeface="Gill Sans MT" panose="020B0502020104020203" pitchFamily="34" charset="77"/>
+              <a:cs typeface="Courier New" panose="02070309020205020404" pitchFamily="49" charset="0"/>
+            </a:endParaRPr>
           </a:p>
           <a:p>
             <a:pPr marL="0" indent="0">
@@ -23811,6 +24275,2235 @@
     <p:extLst>
       <p:ext uri="{BB962C8B-B14F-4D97-AF65-F5344CB8AC3E}">
         <p14:creationId xmlns:p14="http://schemas.microsoft.com/office/powerpoint/2010/main" val="988052880"/>
+      </p:ext>
+    </p:extLst>
+  </p:cSld>
+  <p:clrMapOvr>
+    <a:masterClrMapping/>
+  </p:clrMapOvr>
+</p:sld>
+</file>
+
+<file path=ppt/slides/slide45.xml><?xml version="1.0" encoding="utf-8"?>
+<p:sld xmlns:a="http://schemas.openxmlformats.org/drawingml/2006/main" xmlns:r="http://schemas.openxmlformats.org/officeDocument/2006/relationships" xmlns:p="http://schemas.openxmlformats.org/presentationml/2006/main">
+  <p:cSld>
+    <p:spTree>
+      <p:nvGrpSpPr>
+        <p:cNvPr id="1" name=""/>
+        <p:cNvGrpSpPr/>
+        <p:nvPr/>
+      </p:nvGrpSpPr>
+      <p:grpSpPr>
+        <a:xfrm>
+          <a:off x="0" y="0"/>
+          <a:ext cx="0" cy="0"/>
+          <a:chOff x="0" y="0"/>
+          <a:chExt cx="0" cy="0"/>
+        </a:xfrm>
+      </p:grpSpPr>
+      <p:sp>
+        <p:nvSpPr>
+          <p:cNvPr id="2" name="Title 1">
+            <a:extLst>
+              <a:ext uri="{FF2B5EF4-FFF2-40B4-BE49-F238E27FC236}">
+                <a16:creationId xmlns:a16="http://schemas.microsoft.com/office/drawing/2014/main" id="{BC6F9511-CB58-AC49-AD98-860912780FFE}"/>
+              </a:ext>
+            </a:extLst>
+          </p:cNvPr>
+          <p:cNvSpPr>
+            <a:spLocks noGrp="1"/>
+          </p:cNvSpPr>
+          <p:nvPr>
+            <p:ph type="title"/>
+          </p:nvPr>
+        </p:nvSpPr>
+        <p:spPr>
+          <a:xfrm>
+            <a:off x="628650" y="2563244"/>
+            <a:ext cx="7886700" cy="588511"/>
+          </a:xfrm>
+        </p:spPr>
+        <p:txBody>
+          <a:bodyPr/>
+          <a:lstStyle/>
+          <a:p>
+            <a:r>
+              <a:rPr lang="en-US" dirty="0"/>
+              <a:t>Question 2: Writing Classes</a:t>
+            </a:r>
+            <a:br>
+              <a:rPr lang="en-US" dirty="0"/>
+            </a:br>
+            <a:r>
+              <a:rPr lang="en-US" dirty="0"/>
+              <a:t>See previous years' similar FRQs: </a:t>
+            </a:r>
+            <a:br>
+              <a:rPr lang="en-US" dirty="0"/>
+            </a:br>
+            <a:r>
+              <a:rPr lang="en-US" dirty="0"/>
+              <a:t>2019 #2, 2021 #2, 2016 #1, 2015 #2, 2021#2</a:t>
+            </a:r>
+          </a:p>
+        </p:txBody>
+      </p:sp>
+    </p:spTree>
+    <p:extLst>
+      <p:ext uri="{BB962C8B-B14F-4D97-AF65-F5344CB8AC3E}">
+        <p14:creationId xmlns:p14="http://schemas.microsoft.com/office/powerpoint/2010/main" val="2644801842"/>
+      </p:ext>
+    </p:extLst>
+  </p:cSld>
+  <p:clrMapOvr>
+    <a:masterClrMapping/>
+  </p:clrMapOvr>
+</p:sld>
+</file>
+
+<file path=ppt/slides/slide46.xml><?xml version="1.0" encoding="utf-8"?>
+<p:sld xmlns:a="http://schemas.openxmlformats.org/drawingml/2006/main" xmlns:r="http://schemas.openxmlformats.org/officeDocument/2006/relationships" xmlns:p="http://schemas.openxmlformats.org/presentationml/2006/main">
+  <p:cSld>
+    <p:spTree>
+      <p:nvGrpSpPr>
+        <p:cNvPr id="1" name=""/>
+        <p:cNvGrpSpPr/>
+        <p:nvPr/>
+      </p:nvGrpSpPr>
+      <p:grpSpPr>
+        <a:xfrm>
+          <a:off x="0" y="0"/>
+          <a:ext cx="0" cy="0"/>
+          <a:chOff x="0" y="0"/>
+          <a:chExt cx="0" cy="0"/>
+        </a:xfrm>
+      </p:grpSpPr>
+      <p:sp>
+        <p:nvSpPr>
+          <p:cNvPr id="2" name="Title 1">
+            <a:extLst>
+              <a:ext uri="{FF2B5EF4-FFF2-40B4-BE49-F238E27FC236}">
+                <a16:creationId xmlns:a16="http://schemas.microsoft.com/office/drawing/2014/main" id="{BC6F9511-CB58-AC49-AD98-860912780FFE}"/>
+              </a:ext>
+            </a:extLst>
+          </p:cNvPr>
+          <p:cNvSpPr>
+            <a:spLocks noGrp="1"/>
+          </p:cNvSpPr>
+          <p:nvPr>
+            <p:ph type="title"/>
+          </p:nvPr>
+        </p:nvSpPr>
+        <p:spPr>
+          <a:xfrm>
+            <a:off x="167177" y="128185"/>
+            <a:ext cx="7886700" cy="588511"/>
+          </a:xfrm>
+        </p:spPr>
+        <p:txBody>
+          <a:bodyPr/>
+          <a:lstStyle/>
+          <a:p>
+            <a:r>
+              <a:rPr lang="en-US" dirty="0"/>
+              <a:t>Question 2</a:t>
+            </a:r>
+          </a:p>
+        </p:txBody>
+      </p:sp>
+      <p:sp>
+        <p:nvSpPr>
+          <p:cNvPr id="3" name="Content Placeholder 2">
+            <a:extLst>
+              <a:ext uri="{FF2B5EF4-FFF2-40B4-BE49-F238E27FC236}">
+                <a16:creationId xmlns:a16="http://schemas.microsoft.com/office/drawing/2014/main" id="{CE6BD10B-9D13-604D-9877-97B355109287}"/>
+              </a:ext>
+            </a:extLst>
+          </p:cNvPr>
+          <p:cNvSpPr>
+            <a:spLocks noGrp="1"/>
+          </p:cNvSpPr>
+          <p:nvPr>
+            <p:ph idx="1"/>
+          </p:nvPr>
+        </p:nvSpPr>
+        <p:spPr>
+          <a:xfrm>
+            <a:off x="167177" y="888763"/>
+            <a:ext cx="8780270" cy="4623273"/>
+          </a:xfrm>
+        </p:spPr>
+        <p:txBody>
+          <a:bodyPr/>
+          <a:lstStyle/>
+          <a:p>
+            <a:pPr marL="0" indent="0">
+              <a:buNone/>
+            </a:pPr>
+            <a:endParaRPr lang="en-US" dirty="0">
+              <a:latin typeface="Gill Sans MT" panose="020B0502020104020203" pitchFamily="34" charset="77"/>
+              <a:cs typeface="Courier New" panose="02070309020205020404" pitchFamily="49" charset="0"/>
+            </a:endParaRPr>
+          </a:p>
+          <a:p>
+            <a:pPr marL="0" indent="0">
+              <a:buNone/>
+            </a:pPr>
+            <a:r>
+              <a:rPr lang="en-US" dirty="0">
+                <a:latin typeface="Gill Sans MT" panose="020B0502020104020203" pitchFamily="34" charset="77"/>
+                <a:cs typeface="Courier New" panose="02070309020205020404" pitchFamily="49" charset="0"/>
+              </a:rPr>
+              <a:t>This question will ask you to write an entire class including private instance variables, constructors and methods. </a:t>
+            </a:r>
+          </a:p>
+          <a:p>
+            <a:pPr marL="0" indent="0">
+              <a:buNone/>
+            </a:pPr>
+            <a:endParaRPr lang="en-US" dirty="0">
+              <a:latin typeface="Gill Sans MT" panose="020B0502020104020203" pitchFamily="34" charset="77"/>
+              <a:cs typeface="Courier New" panose="02070309020205020404" pitchFamily="49" charset="0"/>
+            </a:endParaRPr>
+          </a:p>
+          <a:p>
+            <a:pPr marL="0" indent="0">
+              <a:buNone/>
+            </a:pPr>
+            <a:endParaRPr lang="en-US" dirty="0">
+              <a:latin typeface="Gill Sans MT" panose="020B0502020104020203" pitchFamily="34" charset="77"/>
+              <a:cs typeface="Courier New" panose="02070309020205020404" pitchFamily="49" charset="0"/>
+            </a:endParaRPr>
+          </a:p>
+          <a:p>
+            <a:pPr marL="0" indent="0">
+              <a:buNone/>
+            </a:pPr>
+            <a:r>
+              <a:rPr lang="en-US" dirty="0">
+                <a:latin typeface="Gill Sans MT" panose="020B0502020104020203" pitchFamily="34" charset="77"/>
+                <a:cs typeface="Courier New" panose="02070309020205020404" pitchFamily="49" charset="0"/>
+              </a:rPr>
+              <a:t>The Point class' implementation on the next slide provides an example of the anatomy of a class. </a:t>
+            </a:r>
+          </a:p>
+          <a:p>
+            <a:pPr marL="0" indent="0">
+              <a:buNone/>
+            </a:pPr>
+            <a:endParaRPr lang="en-US" dirty="0">
+              <a:latin typeface="Gill Sans MT" panose="020B0502020104020203" pitchFamily="34" charset="77"/>
+              <a:cs typeface="Courier New" panose="02070309020205020404" pitchFamily="49" charset="0"/>
+            </a:endParaRPr>
+          </a:p>
+        </p:txBody>
+      </p:sp>
+    </p:spTree>
+    <p:extLst>
+      <p:ext uri="{BB962C8B-B14F-4D97-AF65-F5344CB8AC3E}">
+        <p14:creationId xmlns:p14="http://schemas.microsoft.com/office/powerpoint/2010/main" val="3061585853"/>
+      </p:ext>
+    </p:extLst>
+  </p:cSld>
+  <p:clrMapOvr>
+    <a:masterClrMapping/>
+  </p:clrMapOvr>
+</p:sld>
+</file>
+
+<file path=ppt/slides/slide47.xml><?xml version="1.0" encoding="utf-8"?>
+<p:sld xmlns:a="http://schemas.openxmlformats.org/drawingml/2006/main" xmlns:r="http://schemas.openxmlformats.org/officeDocument/2006/relationships" xmlns:p="http://schemas.openxmlformats.org/presentationml/2006/main">
+  <p:cSld>
+    <p:spTree>
+      <p:nvGrpSpPr>
+        <p:cNvPr id="1" name=""/>
+        <p:cNvGrpSpPr/>
+        <p:nvPr/>
+      </p:nvGrpSpPr>
+      <p:grpSpPr>
+        <a:xfrm>
+          <a:off x="0" y="0"/>
+          <a:ext cx="0" cy="0"/>
+          <a:chOff x="0" y="0"/>
+          <a:chExt cx="0" cy="0"/>
+        </a:xfrm>
+      </p:grpSpPr>
+      <p:sp>
+        <p:nvSpPr>
+          <p:cNvPr id="36866" name="Rectangle 2">
+            <a:extLst>
+              <a:ext uri="{FF2B5EF4-FFF2-40B4-BE49-F238E27FC236}">
+                <a16:creationId xmlns:a16="http://schemas.microsoft.com/office/drawing/2014/main" id="{95CAFBCC-0575-AE47-8C06-558E16BDB849}"/>
+              </a:ext>
+            </a:extLst>
+          </p:cNvPr>
+          <p:cNvSpPr>
+            <a:spLocks noGrp="1" noChangeArrowheads="1"/>
+          </p:cNvSpPr>
+          <p:nvPr>
+            <p:ph type="title"/>
+          </p:nvPr>
+        </p:nvSpPr>
+        <p:spPr>
+          <a:xfrm>
+            <a:off x="0" y="50019"/>
+            <a:ext cx="7912035" cy="535416"/>
+          </a:xfrm>
+        </p:spPr>
+        <p:txBody>
+          <a:bodyPr/>
+          <a:lstStyle/>
+          <a:p>
+            <a:pPr eaLnBrk="1" hangingPunct="1">
+              <a:defRPr/>
+            </a:pPr>
+            <a:r>
+              <a:rPr lang="en-US" sz="2833" dirty="0"/>
+              <a:t>An Implementation of Point</a:t>
+            </a:r>
+          </a:p>
+        </p:txBody>
+      </p:sp>
+      <p:sp>
+        <p:nvSpPr>
+          <p:cNvPr id="36867" name="Rectangle 3">
+            <a:extLst>
+              <a:ext uri="{FF2B5EF4-FFF2-40B4-BE49-F238E27FC236}">
+                <a16:creationId xmlns:a16="http://schemas.microsoft.com/office/drawing/2014/main" id="{9F2891C4-05CF-3B48-A81C-1F147D9F90FA}"/>
+              </a:ext>
+            </a:extLst>
+          </p:cNvPr>
+          <p:cNvSpPr>
+            <a:spLocks noGrp="1" noChangeArrowheads="1"/>
+          </p:cNvSpPr>
+          <p:nvPr>
+            <p:ph type="body" idx="1"/>
+          </p:nvPr>
+        </p:nvSpPr>
+        <p:spPr>
+          <a:xfrm>
+            <a:off x="141467" y="480765"/>
+            <a:ext cx="8380364" cy="4977353"/>
+          </a:xfrm>
+        </p:spPr>
+        <p:txBody>
+          <a:bodyPr/>
+          <a:lstStyle/>
+          <a:p>
+            <a:pPr lvl="1" eaLnBrk="1" hangingPunct="1">
+              <a:lnSpc>
+                <a:spcPct val="70000"/>
+              </a:lnSpc>
+              <a:buFontTx/>
+              <a:buNone/>
+              <a:defRPr/>
+            </a:pPr>
+            <a:r>
+              <a:rPr lang="en-US" sz="1667" dirty="0">
+                <a:latin typeface="Courier New" charset="0"/>
+              </a:rPr>
+              <a:t>public class Point {</a:t>
+            </a:r>
+          </a:p>
+          <a:p>
+            <a:pPr lvl="1" eaLnBrk="1" hangingPunct="1">
+              <a:lnSpc>
+                <a:spcPct val="70000"/>
+              </a:lnSpc>
+              <a:buFontTx/>
+              <a:buNone/>
+              <a:defRPr/>
+            </a:pPr>
+            <a:r>
+              <a:rPr lang="en-US" sz="1667" dirty="0">
+                <a:latin typeface="Courier New" charset="0"/>
+              </a:rPr>
+              <a:t>    private int x;</a:t>
+            </a:r>
+          </a:p>
+          <a:p>
+            <a:pPr lvl="1" eaLnBrk="1" hangingPunct="1">
+              <a:lnSpc>
+                <a:spcPct val="70000"/>
+              </a:lnSpc>
+              <a:buFontTx/>
+              <a:buNone/>
+              <a:defRPr/>
+            </a:pPr>
+            <a:r>
+              <a:rPr lang="en-US" sz="1667" dirty="0">
+                <a:latin typeface="Courier New" charset="0"/>
+              </a:rPr>
+              <a:t>    private int y;</a:t>
+            </a:r>
+          </a:p>
+          <a:p>
+            <a:pPr lvl="1" eaLnBrk="1" hangingPunct="1">
+              <a:lnSpc>
+                <a:spcPct val="70000"/>
+              </a:lnSpc>
+              <a:buFontTx/>
+              <a:buNone/>
+              <a:defRPr/>
+            </a:pPr>
+            <a:r>
+              <a:rPr lang="en-US" sz="1667" dirty="0">
+                <a:latin typeface="Courier New" charset="0"/>
+              </a:rPr>
+              <a:t>    public Point(){</a:t>
+            </a:r>
+          </a:p>
+          <a:p>
+            <a:pPr lvl="1" eaLnBrk="1" hangingPunct="1">
+              <a:lnSpc>
+                <a:spcPct val="70000"/>
+              </a:lnSpc>
+              <a:buFontTx/>
+              <a:buNone/>
+              <a:defRPr/>
+            </a:pPr>
+            <a:r>
+              <a:rPr lang="en-US" sz="1667" dirty="0">
+                <a:latin typeface="Courier New" charset="0"/>
+              </a:rPr>
+              <a:t>		   x = 0;</a:t>
+            </a:r>
+          </a:p>
+          <a:p>
+            <a:pPr lvl="1" eaLnBrk="1" hangingPunct="1">
+              <a:lnSpc>
+                <a:spcPct val="70000"/>
+              </a:lnSpc>
+              <a:buFontTx/>
+              <a:buNone/>
+              <a:defRPr/>
+            </a:pPr>
+            <a:r>
+              <a:rPr lang="en-US" sz="1667" dirty="0">
+                <a:latin typeface="Courier New" charset="0"/>
+              </a:rPr>
+              <a:t>		   y = 0;</a:t>
+            </a:r>
+          </a:p>
+          <a:p>
+            <a:pPr lvl="1" eaLnBrk="1" hangingPunct="1">
+              <a:lnSpc>
+                <a:spcPct val="70000"/>
+              </a:lnSpc>
+              <a:buFontTx/>
+              <a:buNone/>
+              <a:defRPr/>
+            </a:pPr>
+            <a:r>
+              <a:rPr lang="en-US" sz="1667" dirty="0">
+                <a:latin typeface="Courier New" charset="0"/>
+              </a:rPr>
+              <a:t>		}</a:t>
+            </a:r>
+          </a:p>
+          <a:p>
+            <a:pPr eaLnBrk="1" hangingPunct="1">
+              <a:lnSpc>
+                <a:spcPct val="80000"/>
+              </a:lnSpc>
+              <a:buFontTx/>
+              <a:buNone/>
+              <a:defRPr/>
+            </a:pPr>
+            <a:r>
+              <a:rPr lang="en-US" sz="1667" dirty="0">
+                <a:latin typeface="Courier New" charset="0"/>
+              </a:rPr>
+              <a:t>		public Point(int </a:t>
+            </a:r>
+            <a:r>
+              <a:rPr lang="en-US" sz="1667" dirty="0" err="1">
+                <a:latin typeface="Courier New" charset="0"/>
+              </a:rPr>
+              <a:t>newX</a:t>
+            </a:r>
+            <a:r>
+              <a:rPr lang="en-US" sz="1667" dirty="0">
+                <a:latin typeface="Courier New" charset="0"/>
+              </a:rPr>
+              <a:t>, int </a:t>
+            </a:r>
+            <a:r>
+              <a:rPr lang="en-US" sz="1667" dirty="0" err="1">
+                <a:latin typeface="Courier New" charset="0"/>
+              </a:rPr>
+              <a:t>newY</a:t>
+            </a:r>
+            <a:r>
+              <a:rPr lang="en-US" sz="1667" dirty="0">
+                <a:latin typeface="Courier New" charset="0"/>
+              </a:rPr>
+              <a:t>){</a:t>
+            </a:r>
+          </a:p>
+          <a:p>
+            <a:pPr eaLnBrk="1" hangingPunct="1">
+              <a:lnSpc>
+                <a:spcPct val="80000"/>
+              </a:lnSpc>
+              <a:buFontTx/>
+              <a:buNone/>
+              <a:defRPr/>
+            </a:pPr>
+            <a:r>
+              <a:rPr lang="en-US" sz="1667" dirty="0">
+                <a:latin typeface="Courier New" charset="0"/>
+              </a:rPr>
+              <a:t>		   x = </a:t>
+            </a:r>
+            <a:r>
+              <a:rPr lang="en-US" sz="1667" dirty="0" err="1">
+                <a:latin typeface="Courier New" charset="0"/>
+              </a:rPr>
+              <a:t>newX</a:t>
+            </a:r>
+            <a:r>
+              <a:rPr lang="en-US" sz="1667" dirty="0">
+                <a:latin typeface="Courier New" charset="0"/>
+              </a:rPr>
+              <a:t>;</a:t>
+            </a:r>
+          </a:p>
+          <a:p>
+            <a:pPr eaLnBrk="1" hangingPunct="1">
+              <a:lnSpc>
+                <a:spcPct val="80000"/>
+              </a:lnSpc>
+              <a:buFontTx/>
+              <a:buNone/>
+              <a:defRPr/>
+            </a:pPr>
+            <a:r>
+              <a:rPr lang="en-US" sz="1667" dirty="0">
+                <a:latin typeface="Courier New" charset="0"/>
+              </a:rPr>
+              <a:t>		   y = </a:t>
+            </a:r>
+            <a:r>
+              <a:rPr lang="en-US" sz="1667" dirty="0" err="1">
+                <a:latin typeface="Courier New" charset="0"/>
+              </a:rPr>
+              <a:t>newY</a:t>
+            </a:r>
+            <a:r>
+              <a:rPr lang="en-US" sz="1667" dirty="0">
+                <a:latin typeface="Courier New" charset="0"/>
+              </a:rPr>
+              <a:t>;</a:t>
+            </a:r>
+          </a:p>
+          <a:p>
+            <a:pPr eaLnBrk="1" hangingPunct="1">
+              <a:lnSpc>
+                <a:spcPct val="80000"/>
+              </a:lnSpc>
+              <a:buFontTx/>
+              <a:buNone/>
+              <a:defRPr/>
+            </a:pPr>
+            <a:r>
+              <a:rPr lang="en-US" sz="1667" dirty="0">
+                <a:latin typeface="Courier New" charset="0"/>
+              </a:rPr>
+              <a:t>		}</a:t>
+            </a:r>
+          </a:p>
+          <a:p>
+            <a:pPr eaLnBrk="1" hangingPunct="1">
+              <a:lnSpc>
+                <a:spcPct val="80000"/>
+              </a:lnSpc>
+              <a:buFontTx/>
+              <a:buNone/>
+              <a:defRPr/>
+            </a:pPr>
+            <a:r>
+              <a:rPr lang="en-US" sz="1667" dirty="0">
+                <a:latin typeface="Courier New" charset="0"/>
+              </a:rPr>
+              <a:t>      public void translate(int dx, int </a:t>
+            </a:r>
+            <a:r>
+              <a:rPr lang="en-US" sz="1667" dirty="0" err="1">
+                <a:latin typeface="Courier New" charset="0"/>
+              </a:rPr>
+              <a:t>dy</a:t>
+            </a:r>
+            <a:r>
+              <a:rPr lang="en-US" sz="1667" dirty="0">
+                <a:latin typeface="Courier New" charset="0"/>
+              </a:rPr>
+              <a:t>){</a:t>
+            </a:r>
+          </a:p>
+          <a:p>
+            <a:pPr eaLnBrk="1" hangingPunct="1">
+              <a:lnSpc>
+                <a:spcPct val="80000"/>
+              </a:lnSpc>
+              <a:buFontTx/>
+              <a:buNone/>
+              <a:defRPr/>
+            </a:pPr>
+            <a:r>
+              <a:rPr lang="en-US" sz="1667" dirty="0">
+                <a:latin typeface="Courier New" charset="0"/>
+              </a:rPr>
+              <a:t>		   x += dx;</a:t>
+            </a:r>
+          </a:p>
+          <a:p>
+            <a:pPr eaLnBrk="1" hangingPunct="1">
+              <a:lnSpc>
+                <a:spcPct val="80000"/>
+              </a:lnSpc>
+              <a:buFontTx/>
+              <a:buNone/>
+              <a:defRPr/>
+            </a:pPr>
+            <a:r>
+              <a:rPr lang="en-US" sz="1667" dirty="0">
+                <a:latin typeface="Courier New" charset="0"/>
+              </a:rPr>
+              <a:t>		   y += </a:t>
+            </a:r>
+            <a:r>
+              <a:rPr lang="en-US" sz="1667" dirty="0" err="1">
+                <a:latin typeface="Courier New" charset="0"/>
+              </a:rPr>
+              <a:t>dy</a:t>
+            </a:r>
+            <a:r>
+              <a:rPr lang="en-US" sz="1667" dirty="0">
+                <a:latin typeface="Courier New" charset="0"/>
+              </a:rPr>
+              <a:t>;</a:t>
+            </a:r>
+          </a:p>
+          <a:p>
+            <a:pPr eaLnBrk="1" hangingPunct="1">
+              <a:lnSpc>
+                <a:spcPct val="80000"/>
+              </a:lnSpc>
+              <a:buFontTx/>
+              <a:buNone/>
+              <a:defRPr/>
+            </a:pPr>
+            <a:r>
+              <a:rPr lang="en-US" sz="1667" dirty="0">
+                <a:latin typeface="Courier New" charset="0"/>
+              </a:rPr>
+              <a:t>		}</a:t>
+            </a:r>
+          </a:p>
+          <a:p>
+            <a:pPr eaLnBrk="1" hangingPunct="1">
+              <a:lnSpc>
+                <a:spcPct val="80000"/>
+              </a:lnSpc>
+              <a:buFontTx/>
+              <a:buNone/>
+              <a:defRPr/>
+            </a:pPr>
+            <a:r>
+              <a:rPr lang="en-US" sz="1667" dirty="0">
+                <a:latin typeface="Courier New" charset="0"/>
+              </a:rPr>
+              <a:t>		public double </a:t>
+            </a:r>
+            <a:r>
+              <a:rPr lang="en-US" sz="1667" dirty="0" err="1">
+                <a:latin typeface="Courier New" charset="0"/>
+              </a:rPr>
+              <a:t>distanceToOrigin</a:t>
+            </a:r>
+            <a:r>
+              <a:rPr lang="en-US" sz="1667" dirty="0">
+                <a:latin typeface="Courier New" charset="0"/>
+              </a:rPr>
+              <a:t>(){</a:t>
+            </a:r>
+          </a:p>
+          <a:p>
+            <a:pPr eaLnBrk="1" hangingPunct="1">
+              <a:lnSpc>
+                <a:spcPct val="80000"/>
+              </a:lnSpc>
+              <a:buFontTx/>
+              <a:buNone/>
+              <a:defRPr/>
+            </a:pPr>
+            <a:r>
+              <a:rPr lang="en-US" sz="1667" dirty="0">
+                <a:latin typeface="Courier New" charset="0"/>
+              </a:rPr>
+              <a:t>		   return </a:t>
+            </a:r>
+            <a:r>
+              <a:rPr lang="en-US" sz="1667" dirty="0" err="1">
+                <a:latin typeface="Courier New" charset="0"/>
+              </a:rPr>
+              <a:t>Math.sqrt</a:t>
+            </a:r>
+            <a:r>
+              <a:rPr lang="en-US" sz="1667" dirty="0">
+                <a:latin typeface="Courier New" charset="0"/>
+              </a:rPr>
+              <a:t>(x * x + y * y);</a:t>
+            </a:r>
+          </a:p>
+          <a:p>
+            <a:pPr eaLnBrk="1" hangingPunct="1">
+              <a:lnSpc>
+                <a:spcPct val="80000"/>
+              </a:lnSpc>
+              <a:buFontTx/>
+              <a:buNone/>
+              <a:defRPr/>
+            </a:pPr>
+            <a:r>
+              <a:rPr lang="en-US" sz="1667" dirty="0">
+                <a:latin typeface="Courier New" charset="0"/>
+              </a:rPr>
+              <a:t>		}</a:t>
+            </a:r>
+          </a:p>
+          <a:p>
+            <a:pPr eaLnBrk="1" hangingPunct="1">
+              <a:lnSpc>
+                <a:spcPct val="80000"/>
+              </a:lnSpc>
+              <a:buFontTx/>
+              <a:buNone/>
+              <a:defRPr/>
+            </a:pPr>
+            <a:r>
+              <a:rPr lang="en-US" sz="1667" dirty="0">
+                <a:latin typeface="Courier New" charset="0"/>
+              </a:rPr>
+              <a:t>}</a:t>
+            </a:r>
+          </a:p>
+          <a:p>
+            <a:pPr eaLnBrk="1" hangingPunct="1">
+              <a:lnSpc>
+                <a:spcPct val="80000"/>
+              </a:lnSpc>
+              <a:buFontTx/>
+              <a:buNone/>
+              <a:defRPr/>
+            </a:pPr>
+            <a:r>
+              <a:rPr lang="en-US" sz="1667" dirty="0">
+                <a:latin typeface="Courier New" charset="0"/>
+              </a:rPr>
+              <a:t>		</a:t>
+            </a:r>
+          </a:p>
+          <a:p>
+            <a:pPr eaLnBrk="1" hangingPunct="1">
+              <a:lnSpc>
+                <a:spcPct val="80000"/>
+              </a:lnSpc>
+              <a:buFontTx/>
+              <a:buNone/>
+              <a:defRPr/>
+            </a:pPr>
+            <a:r>
+              <a:rPr lang="en-US" sz="1667" dirty="0">
+                <a:solidFill>
+                  <a:srgbClr val="008000"/>
+                </a:solidFill>
+                <a:latin typeface="Courier New" charset="0"/>
+              </a:rPr>
+              <a:t>	</a:t>
+            </a:r>
+            <a:endParaRPr lang="en-US" sz="1667" dirty="0"/>
+          </a:p>
+        </p:txBody>
+      </p:sp>
+      <p:sp>
+        <p:nvSpPr>
+          <p:cNvPr id="7" name="TextBox 5">
+            <a:extLst>
+              <a:ext uri="{FF2B5EF4-FFF2-40B4-BE49-F238E27FC236}">
+                <a16:creationId xmlns:a16="http://schemas.microsoft.com/office/drawing/2014/main" id="{25605F50-CA57-8142-96E4-02159E4C4201}"/>
+              </a:ext>
+            </a:extLst>
+          </p:cNvPr>
+          <p:cNvSpPr txBox="1">
+            <a:spLocks noChangeArrowheads="1"/>
+          </p:cNvSpPr>
+          <p:nvPr/>
+        </p:nvSpPr>
+        <p:spPr bwMode="auto">
+          <a:xfrm>
+            <a:off x="4154204" y="638399"/>
+            <a:ext cx="2159000" cy="272382"/>
+          </a:xfrm>
+          <a:prstGeom prst="rect">
+            <a:avLst/>
+          </a:prstGeom>
+          <a:noFill/>
+          <a:ln>
+            <a:noFill/>
+          </a:ln>
+          <a:extLst>
+            <a:ext uri="{909E8E84-426E-40DD-AFC4-6F175D3DCCD1}">
+              <a14:hiddenFill xmlns:a14="http://schemas.microsoft.com/office/drawing/2010/main">
+                <a:solidFill>
+                  <a:srgbClr val="FFFFFF"/>
+                </a:solidFill>
+              </a14:hiddenFill>
+            </a:ext>
+            <a:ext uri="{91240B29-F687-4F45-9708-019B960494DF}">
+              <a14:hiddenLine xmlns:a14="http://schemas.microsoft.com/office/drawing/2010/main" w="9525">
+                <a:solidFill>
+                  <a:srgbClr val="000000"/>
+                </a:solidFill>
+                <a:miter lim="800000"/>
+                <a:headEnd/>
+                <a:tailEnd/>
+              </a14:hiddenLine>
+            </a:ext>
+          </a:extLst>
+        </p:spPr>
+        <p:txBody>
+          <a:bodyPr>
+            <a:spAutoFit/>
+          </a:bodyPr>
+          <a:lstStyle>
+            <a:lvl1pPr>
+              <a:defRPr>
+                <a:solidFill>
+                  <a:schemeClr val="tx1"/>
+                </a:solidFill>
+                <a:latin typeface="Arial" panose="020B0604020202020204" pitchFamily="34" charset="0"/>
+                <a:ea typeface="ＭＳ Ｐゴシック" panose="020B0600070205080204" pitchFamily="34" charset="-128"/>
+              </a:defRPr>
+            </a:lvl1pPr>
+            <a:lvl2pPr marL="742950" indent="-285750">
+              <a:defRPr>
+                <a:solidFill>
+                  <a:schemeClr val="tx1"/>
+                </a:solidFill>
+                <a:latin typeface="Arial" panose="020B0604020202020204" pitchFamily="34" charset="0"/>
+                <a:ea typeface="ＭＳ Ｐゴシック" panose="020B0600070205080204" pitchFamily="34" charset="-128"/>
+              </a:defRPr>
+            </a:lvl2pPr>
+            <a:lvl3pPr marL="1143000" indent="-228600">
+              <a:defRPr>
+                <a:solidFill>
+                  <a:schemeClr val="tx1"/>
+                </a:solidFill>
+                <a:latin typeface="Arial" panose="020B0604020202020204" pitchFamily="34" charset="0"/>
+                <a:ea typeface="ＭＳ Ｐゴシック" panose="020B0600070205080204" pitchFamily="34" charset="-128"/>
+              </a:defRPr>
+            </a:lvl3pPr>
+            <a:lvl4pPr marL="1600200" indent="-228600">
+              <a:defRPr>
+                <a:solidFill>
+                  <a:schemeClr val="tx1"/>
+                </a:solidFill>
+                <a:latin typeface="Arial" panose="020B0604020202020204" pitchFamily="34" charset="0"/>
+                <a:ea typeface="ＭＳ Ｐゴシック" panose="020B0600070205080204" pitchFamily="34" charset="-128"/>
+              </a:defRPr>
+            </a:lvl4pPr>
+            <a:lvl5pPr marL="2057400" indent="-228600">
+              <a:defRPr>
+                <a:solidFill>
+                  <a:schemeClr val="tx1"/>
+                </a:solidFill>
+                <a:latin typeface="Arial" panose="020B0604020202020204" pitchFamily="34" charset="0"/>
+                <a:ea typeface="ＭＳ Ｐゴシック" panose="020B0600070205080204" pitchFamily="34" charset="-128"/>
+              </a:defRPr>
+            </a:lvl5pPr>
+            <a:lvl6pPr marL="2514600" indent="-228600" eaLnBrk="0" fontAlgn="base" hangingPunct="0">
+              <a:spcBef>
+                <a:spcPct val="0"/>
+              </a:spcBef>
+              <a:spcAft>
+                <a:spcPct val="0"/>
+              </a:spcAft>
+              <a:defRPr>
+                <a:solidFill>
+                  <a:schemeClr val="tx1"/>
+                </a:solidFill>
+                <a:latin typeface="Arial" panose="020B0604020202020204" pitchFamily="34" charset="0"/>
+                <a:ea typeface="ＭＳ Ｐゴシック" panose="020B0600070205080204" pitchFamily="34" charset="-128"/>
+              </a:defRPr>
+            </a:lvl6pPr>
+            <a:lvl7pPr marL="2971800" indent="-228600" eaLnBrk="0" fontAlgn="base" hangingPunct="0">
+              <a:spcBef>
+                <a:spcPct val="0"/>
+              </a:spcBef>
+              <a:spcAft>
+                <a:spcPct val="0"/>
+              </a:spcAft>
+              <a:defRPr>
+                <a:solidFill>
+                  <a:schemeClr val="tx1"/>
+                </a:solidFill>
+                <a:latin typeface="Arial" panose="020B0604020202020204" pitchFamily="34" charset="0"/>
+                <a:ea typeface="ＭＳ Ｐゴシック" panose="020B0600070205080204" pitchFamily="34" charset="-128"/>
+              </a:defRPr>
+            </a:lvl7pPr>
+            <a:lvl8pPr marL="3429000" indent="-228600" eaLnBrk="0" fontAlgn="base" hangingPunct="0">
+              <a:spcBef>
+                <a:spcPct val="0"/>
+              </a:spcBef>
+              <a:spcAft>
+                <a:spcPct val="0"/>
+              </a:spcAft>
+              <a:defRPr>
+                <a:solidFill>
+                  <a:schemeClr val="tx1"/>
+                </a:solidFill>
+                <a:latin typeface="Arial" panose="020B0604020202020204" pitchFamily="34" charset="0"/>
+                <a:ea typeface="ＭＳ Ｐゴシック" panose="020B0600070205080204" pitchFamily="34" charset="-128"/>
+              </a:defRPr>
+            </a:lvl8pPr>
+            <a:lvl9pPr marL="3886200" indent="-228600" eaLnBrk="0" fontAlgn="base" hangingPunct="0">
+              <a:spcBef>
+                <a:spcPct val="0"/>
+              </a:spcBef>
+              <a:spcAft>
+                <a:spcPct val="0"/>
+              </a:spcAft>
+              <a:defRPr>
+                <a:solidFill>
+                  <a:schemeClr val="tx1"/>
+                </a:solidFill>
+                <a:latin typeface="Arial" panose="020B0604020202020204" pitchFamily="34" charset="0"/>
+                <a:ea typeface="ＭＳ Ｐゴシック" panose="020B0600070205080204" pitchFamily="34" charset="-128"/>
+              </a:defRPr>
+            </a:lvl9pPr>
+          </a:lstStyle>
+          <a:p>
+            <a:r>
+              <a:rPr lang="en-US" altLang="en-US" sz="1170">
+                <a:solidFill>
+                  <a:srgbClr val="FF0000"/>
+                </a:solidFill>
+              </a:rPr>
+              <a:t>instance variables</a:t>
+            </a:r>
+            <a:endParaRPr lang="en-US" altLang="en-US" sz="1170" b="1">
+              <a:solidFill>
+                <a:srgbClr val="FF0000"/>
+              </a:solidFill>
+            </a:endParaRPr>
+          </a:p>
+        </p:txBody>
+      </p:sp>
+      <p:cxnSp>
+        <p:nvCxnSpPr>
+          <p:cNvPr id="8" name="Straight Arrow Connector 7">
+            <a:extLst>
+              <a:ext uri="{FF2B5EF4-FFF2-40B4-BE49-F238E27FC236}">
+                <a16:creationId xmlns:a16="http://schemas.microsoft.com/office/drawing/2014/main" id="{D5089F5B-4A47-9D4B-922D-8DD15CC7D1CA}"/>
+              </a:ext>
+            </a:extLst>
+          </p:cNvPr>
+          <p:cNvCxnSpPr>
+            <a:cxnSpLocks/>
+          </p:cNvCxnSpPr>
+          <p:nvPr/>
+        </p:nvCxnSpPr>
+        <p:spPr>
+          <a:xfrm flipH="1">
+            <a:off x="2947704" y="828899"/>
+            <a:ext cx="1206500" cy="127000"/>
+          </a:xfrm>
+          <a:prstGeom prst="straightConnector1">
+            <a:avLst/>
+          </a:prstGeom>
+          <a:ln w="38100">
+            <a:tailEnd type="triangle"/>
+          </a:ln>
+        </p:spPr>
+        <p:style>
+          <a:lnRef idx="1">
+            <a:schemeClr val="dk1"/>
+          </a:lnRef>
+          <a:fillRef idx="0">
+            <a:schemeClr val="dk1"/>
+          </a:fillRef>
+          <a:effectRef idx="0">
+            <a:schemeClr val="dk1"/>
+          </a:effectRef>
+          <a:fontRef idx="minor">
+            <a:schemeClr val="tx1"/>
+          </a:fontRef>
+        </p:style>
+      </p:cxnSp>
+      <p:sp>
+        <p:nvSpPr>
+          <p:cNvPr id="11" name="TextBox 5">
+            <a:extLst>
+              <a:ext uri="{FF2B5EF4-FFF2-40B4-BE49-F238E27FC236}">
+                <a16:creationId xmlns:a16="http://schemas.microsoft.com/office/drawing/2014/main" id="{36D509DE-3AB9-9A43-895C-FF5E9083D31E}"/>
+              </a:ext>
+            </a:extLst>
+          </p:cNvPr>
+          <p:cNvSpPr txBox="1">
+            <a:spLocks noChangeArrowheads="1"/>
+          </p:cNvSpPr>
+          <p:nvPr/>
+        </p:nvSpPr>
+        <p:spPr bwMode="auto">
+          <a:xfrm>
+            <a:off x="5138454" y="1133967"/>
+            <a:ext cx="2349500" cy="452432"/>
+          </a:xfrm>
+          <a:prstGeom prst="rect">
+            <a:avLst/>
+          </a:prstGeom>
+          <a:noFill/>
+          <a:ln>
+            <a:noFill/>
+          </a:ln>
+          <a:extLst>
+            <a:ext uri="{909E8E84-426E-40DD-AFC4-6F175D3DCCD1}">
+              <a14:hiddenFill xmlns:a14="http://schemas.microsoft.com/office/drawing/2010/main">
+                <a:solidFill>
+                  <a:srgbClr val="FFFFFF"/>
+                </a:solidFill>
+              </a14:hiddenFill>
+            </a:ext>
+            <a:ext uri="{91240B29-F687-4F45-9708-019B960494DF}">
+              <a14:hiddenLine xmlns:a14="http://schemas.microsoft.com/office/drawing/2010/main" w="9525">
+                <a:solidFill>
+                  <a:srgbClr val="000000"/>
+                </a:solidFill>
+                <a:miter lim="800000"/>
+                <a:headEnd/>
+                <a:tailEnd/>
+              </a14:hiddenLine>
+            </a:ext>
+          </a:extLst>
+        </p:spPr>
+        <p:txBody>
+          <a:bodyPr wrap="square">
+            <a:spAutoFit/>
+          </a:bodyPr>
+          <a:lstStyle>
+            <a:lvl1pPr>
+              <a:defRPr>
+                <a:solidFill>
+                  <a:schemeClr val="tx1"/>
+                </a:solidFill>
+                <a:latin typeface="Arial" panose="020B0604020202020204" pitchFamily="34" charset="0"/>
+                <a:ea typeface="ＭＳ Ｐゴシック" panose="020B0600070205080204" pitchFamily="34" charset="-128"/>
+              </a:defRPr>
+            </a:lvl1pPr>
+            <a:lvl2pPr marL="742950" indent="-285750">
+              <a:defRPr>
+                <a:solidFill>
+                  <a:schemeClr val="tx1"/>
+                </a:solidFill>
+                <a:latin typeface="Arial" panose="020B0604020202020204" pitchFamily="34" charset="0"/>
+                <a:ea typeface="ＭＳ Ｐゴシック" panose="020B0600070205080204" pitchFamily="34" charset="-128"/>
+              </a:defRPr>
+            </a:lvl2pPr>
+            <a:lvl3pPr marL="1143000" indent="-228600">
+              <a:defRPr>
+                <a:solidFill>
+                  <a:schemeClr val="tx1"/>
+                </a:solidFill>
+                <a:latin typeface="Arial" panose="020B0604020202020204" pitchFamily="34" charset="0"/>
+                <a:ea typeface="ＭＳ Ｐゴシック" panose="020B0600070205080204" pitchFamily="34" charset="-128"/>
+              </a:defRPr>
+            </a:lvl3pPr>
+            <a:lvl4pPr marL="1600200" indent="-228600">
+              <a:defRPr>
+                <a:solidFill>
+                  <a:schemeClr val="tx1"/>
+                </a:solidFill>
+                <a:latin typeface="Arial" panose="020B0604020202020204" pitchFamily="34" charset="0"/>
+                <a:ea typeface="ＭＳ Ｐゴシック" panose="020B0600070205080204" pitchFamily="34" charset="-128"/>
+              </a:defRPr>
+            </a:lvl4pPr>
+            <a:lvl5pPr marL="2057400" indent="-228600">
+              <a:defRPr>
+                <a:solidFill>
+                  <a:schemeClr val="tx1"/>
+                </a:solidFill>
+                <a:latin typeface="Arial" panose="020B0604020202020204" pitchFamily="34" charset="0"/>
+                <a:ea typeface="ＭＳ Ｐゴシック" panose="020B0600070205080204" pitchFamily="34" charset="-128"/>
+              </a:defRPr>
+            </a:lvl5pPr>
+            <a:lvl6pPr marL="2514600" indent="-228600" eaLnBrk="0" fontAlgn="base" hangingPunct="0">
+              <a:spcBef>
+                <a:spcPct val="0"/>
+              </a:spcBef>
+              <a:spcAft>
+                <a:spcPct val="0"/>
+              </a:spcAft>
+              <a:defRPr>
+                <a:solidFill>
+                  <a:schemeClr val="tx1"/>
+                </a:solidFill>
+                <a:latin typeface="Arial" panose="020B0604020202020204" pitchFamily="34" charset="0"/>
+                <a:ea typeface="ＭＳ Ｐゴシック" panose="020B0600070205080204" pitchFamily="34" charset="-128"/>
+              </a:defRPr>
+            </a:lvl6pPr>
+            <a:lvl7pPr marL="2971800" indent="-228600" eaLnBrk="0" fontAlgn="base" hangingPunct="0">
+              <a:spcBef>
+                <a:spcPct val="0"/>
+              </a:spcBef>
+              <a:spcAft>
+                <a:spcPct val="0"/>
+              </a:spcAft>
+              <a:defRPr>
+                <a:solidFill>
+                  <a:schemeClr val="tx1"/>
+                </a:solidFill>
+                <a:latin typeface="Arial" panose="020B0604020202020204" pitchFamily="34" charset="0"/>
+                <a:ea typeface="ＭＳ Ｐゴシック" panose="020B0600070205080204" pitchFamily="34" charset="-128"/>
+              </a:defRPr>
+            </a:lvl7pPr>
+            <a:lvl8pPr marL="3429000" indent="-228600" eaLnBrk="0" fontAlgn="base" hangingPunct="0">
+              <a:spcBef>
+                <a:spcPct val="0"/>
+              </a:spcBef>
+              <a:spcAft>
+                <a:spcPct val="0"/>
+              </a:spcAft>
+              <a:defRPr>
+                <a:solidFill>
+                  <a:schemeClr val="tx1"/>
+                </a:solidFill>
+                <a:latin typeface="Arial" panose="020B0604020202020204" pitchFamily="34" charset="0"/>
+                <a:ea typeface="ＭＳ Ｐゴシック" panose="020B0600070205080204" pitchFamily="34" charset="-128"/>
+              </a:defRPr>
+            </a:lvl8pPr>
+            <a:lvl9pPr marL="3886200" indent="-228600" eaLnBrk="0" fontAlgn="base" hangingPunct="0">
+              <a:spcBef>
+                <a:spcPct val="0"/>
+              </a:spcBef>
+              <a:spcAft>
+                <a:spcPct val="0"/>
+              </a:spcAft>
+              <a:defRPr>
+                <a:solidFill>
+                  <a:schemeClr val="tx1"/>
+                </a:solidFill>
+                <a:latin typeface="Arial" panose="020B0604020202020204" pitchFamily="34" charset="0"/>
+                <a:ea typeface="ＭＳ Ｐゴシック" panose="020B0600070205080204" pitchFamily="34" charset="-128"/>
+              </a:defRPr>
+            </a:lvl9pPr>
+          </a:lstStyle>
+          <a:p>
+            <a:r>
+              <a:rPr lang="en-US" altLang="en-US" sz="1170" dirty="0">
+                <a:solidFill>
+                  <a:srgbClr val="FF0000"/>
+                </a:solidFill>
+              </a:rPr>
+              <a:t>overloaded constructors to initialize instance variables.</a:t>
+            </a:r>
+            <a:endParaRPr lang="en-US" altLang="en-US" sz="1170" b="1" dirty="0">
+              <a:solidFill>
+                <a:srgbClr val="FF0000"/>
+              </a:solidFill>
+            </a:endParaRPr>
+          </a:p>
+        </p:txBody>
+      </p:sp>
+      <p:cxnSp>
+        <p:nvCxnSpPr>
+          <p:cNvPr id="12" name="Straight Arrow Connector 11">
+            <a:extLst>
+              <a:ext uri="{FF2B5EF4-FFF2-40B4-BE49-F238E27FC236}">
+                <a16:creationId xmlns:a16="http://schemas.microsoft.com/office/drawing/2014/main" id="{496E8E68-9C19-654E-BA4C-6C76EDCE4072}"/>
+              </a:ext>
+            </a:extLst>
+          </p:cNvPr>
+          <p:cNvCxnSpPr>
+            <a:cxnSpLocks/>
+          </p:cNvCxnSpPr>
+          <p:nvPr/>
+        </p:nvCxnSpPr>
+        <p:spPr>
+          <a:xfrm flipH="1" flipV="1">
+            <a:off x="3026004" y="1274674"/>
+            <a:ext cx="2112450" cy="49793"/>
+          </a:xfrm>
+          <a:prstGeom prst="straightConnector1">
+            <a:avLst/>
+          </a:prstGeom>
+          <a:ln w="38100">
+            <a:tailEnd type="triangle"/>
+          </a:ln>
+        </p:spPr>
+        <p:style>
+          <a:lnRef idx="1">
+            <a:schemeClr val="dk1"/>
+          </a:lnRef>
+          <a:fillRef idx="0">
+            <a:schemeClr val="dk1"/>
+          </a:fillRef>
+          <a:effectRef idx="0">
+            <a:schemeClr val="dk1"/>
+          </a:effectRef>
+          <a:fontRef idx="minor">
+            <a:schemeClr val="tx1"/>
+          </a:fontRef>
+        </p:style>
+      </p:cxnSp>
+      <p:cxnSp>
+        <p:nvCxnSpPr>
+          <p:cNvPr id="13" name="Straight Arrow Connector 12">
+            <a:extLst>
+              <a:ext uri="{FF2B5EF4-FFF2-40B4-BE49-F238E27FC236}">
+                <a16:creationId xmlns:a16="http://schemas.microsoft.com/office/drawing/2014/main" id="{FE822A56-FB96-C340-90E3-6366643639D7}"/>
+              </a:ext>
+            </a:extLst>
+          </p:cNvPr>
+          <p:cNvCxnSpPr>
+            <a:cxnSpLocks/>
+          </p:cNvCxnSpPr>
+          <p:nvPr/>
+        </p:nvCxnSpPr>
+        <p:spPr>
+          <a:xfrm flipH="1">
+            <a:off x="3423954" y="1451467"/>
+            <a:ext cx="1841500" cy="635000"/>
+          </a:xfrm>
+          <a:prstGeom prst="straightConnector1">
+            <a:avLst/>
+          </a:prstGeom>
+          <a:ln w="38100">
+            <a:tailEnd type="triangle"/>
+          </a:ln>
+        </p:spPr>
+        <p:style>
+          <a:lnRef idx="1">
+            <a:schemeClr val="dk1"/>
+          </a:lnRef>
+          <a:fillRef idx="0">
+            <a:schemeClr val="dk1"/>
+          </a:fillRef>
+          <a:effectRef idx="0">
+            <a:schemeClr val="dk1"/>
+          </a:effectRef>
+          <a:fontRef idx="minor">
+            <a:schemeClr val="tx1"/>
+          </a:fontRef>
+        </p:style>
+      </p:cxnSp>
+      <p:sp>
+        <p:nvSpPr>
+          <p:cNvPr id="17" name="TextBox 5">
+            <a:extLst>
+              <a:ext uri="{FF2B5EF4-FFF2-40B4-BE49-F238E27FC236}">
+                <a16:creationId xmlns:a16="http://schemas.microsoft.com/office/drawing/2014/main" id="{7D5A7BFC-CA96-B04C-B3C5-F53353217DCC}"/>
+              </a:ext>
+            </a:extLst>
+          </p:cNvPr>
+          <p:cNvSpPr txBox="1">
+            <a:spLocks noChangeArrowheads="1"/>
+          </p:cNvSpPr>
+          <p:nvPr/>
+        </p:nvSpPr>
+        <p:spPr bwMode="auto">
+          <a:xfrm>
+            <a:off x="4932575" y="2756292"/>
+            <a:ext cx="2349500" cy="272382"/>
+          </a:xfrm>
+          <a:prstGeom prst="rect">
+            <a:avLst/>
+          </a:prstGeom>
+          <a:noFill/>
+          <a:ln>
+            <a:noFill/>
+          </a:ln>
+          <a:extLst>
+            <a:ext uri="{909E8E84-426E-40DD-AFC4-6F175D3DCCD1}">
+              <a14:hiddenFill xmlns:a14="http://schemas.microsoft.com/office/drawing/2010/main">
+                <a:solidFill>
+                  <a:srgbClr val="FFFFFF"/>
+                </a:solidFill>
+              </a14:hiddenFill>
+            </a:ext>
+            <a:ext uri="{91240B29-F687-4F45-9708-019B960494DF}">
+              <a14:hiddenLine xmlns:a14="http://schemas.microsoft.com/office/drawing/2010/main" w="9525">
+                <a:solidFill>
+                  <a:srgbClr val="000000"/>
+                </a:solidFill>
+                <a:miter lim="800000"/>
+                <a:headEnd/>
+                <a:tailEnd/>
+              </a14:hiddenLine>
+            </a:ext>
+          </a:extLst>
+        </p:spPr>
+        <p:txBody>
+          <a:bodyPr>
+            <a:spAutoFit/>
+          </a:bodyPr>
+          <a:lstStyle>
+            <a:lvl1pPr>
+              <a:defRPr>
+                <a:solidFill>
+                  <a:schemeClr val="tx1"/>
+                </a:solidFill>
+                <a:latin typeface="Arial" panose="020B0604020202020204" pitchFamily="34" charset="0"/>
+                <a:ea typeface="ＭＳ Ｐゴシック" panose="020B0600070205080204" pitchFamily="34" charset="-128"/>
+              </a:defRPr>
+            </a:lvl1pPr>
+            <a:lvl2pPr marL="742950" indent="-285750">
+              <a:defRPr>
+                <a:solidFill>
+                  <a:schemeClr val="tx1"/>
+                </a:solidFill>
+                <a:latin typeface="Arial" panose="020B0604020202020204" pitchFamily="34" charset="0"/>
+                <a:ea typeface="ＭＳ Ｐゴシック" panose="020B0600070205080204" pitchFamily="34" charset="-128"/>
+              </a:defRPr>
+            </a:lvl2pPr>
+            <a:lvl3pPr marL="1143000" indent="-228600">
+              <a:defRPr>
+                <a:solidFill>
+                  <a:schemeClr val="tx1"/>
+                </a:solidFill>
+                <a:latin typeface="Arial" panose="020B0604020202020204" pitchFamily="34" charset="0"/>
+                <a:ea typeface="ＭＳ Ｐゴシック" panose="020B0600070205080204" pitchFamily="34" charset="-128"/>
+              </a:defRPr>
+            </a:lvl3pPr>
+            <a:lvl4pPr marL="1600200" indent="-228600">
+              <a:defRPr>
+                <a:solidFill>
+                  <a:schemeClr val="tx1"/>
+                </a:solidFill>
+                <a:latin typeface="Arial" panose="020B0604020202020204" pitchFamily="34" charset="0"/>
+                <a:ea typeface="ＭＳ Ｐゴシック" panose="020B0600070205080204" pitchFamily="34" charset="-128"/>
+              </a:defRPr>
+            </a:lvl4pPr>
+            <a:lvl5pPr marL="2057400" indent="-228600">
+              <a:defRPr>
+                <a:solidFill>
+                  <a:schemeClr val="tx1"/>
+                </a:solidFill>
+                <a:latin typeface="Arial" panose="020B0604020202020204" pitchFamily="34" charset="0"/>
+                <a:ea typeface="ＭＳ Ｐゴシック" panose="020B0600070205080204" pitchFamily="34" charset="-128"/>
+              </a:defRPr>
+            </a:lvl5pPr>
+            <a:lvl6pPr marL="2514600" indent="-228600" eaLnBrk="0" fontAlgn="base" hangingPunct="0">
+              <a:spcBef>
+                <a:spcPct val="0"/>
+              </a:spcBef>
+              <a:spcAft>
+                <a:spcPct val="0"/>
+              </a:spcAft>
+              <a:defRPr>
+                <a:solidFill>
+                  <a:schemeClr val="tx1"/>
+                </a:solidFill>
+                <a:latin typeface="Arial" panose="020B0604020202020204" pitchFamily="34" charset="0"/>
+                <a:ea typeface="ＭＳ Ｐゴシック" panose="020B0600070205080204" pitchFamily="34" charset="-128"/>
+              </a:defRPr>
+            </a:lvl6pPr>
+            <a:lvl7pPr marL="2971800" indent="-228600" eaLnBrk="0" fontAlgn="base" hangingPunct="0">
+              <a:spcBef>
+                <a:spcPct val="0"/>
+              </a:spcBef>
+              <a:spcAft>
+                <a:spcPct val="0"/>
+              </a:spcAft>
+              <a:defRPr>
+                <a:solidFill>
+                  <a:schemeClr val="tx1"/>
+                </a:solidFill>
+                <a:latin typeface="Arial" panose="020B0604020202020204" pitchFamily="34" charset="0"/>
+                <a:ea typeface="ＭＳ Ｐゴシック" panose="020B0600070205080204" pitchFamily="34" charset="-128"/>
+              </a:defRPr>
+            </a:lvl7pPr>
+            <a:lvl8pPr marL="3429000" indent="-228600" eaLnBrk="0" fontAlgn="base" hangingPunct="0">
+              <a:spcBef>
+                <a:spcPct val="0"/>
+              </a:spcBef>
+              <a:spcAft>
+                <a:spcPct val="0"/>
+              </a:spcAft>
+              <a:defRPr>
+                <a:solidFill>
+                  <a:schemeClr val="tx1"/>
+                </a:solidFill>
+                <a:latin typeface="Arial" panose="020B0604020202020204" pitchFamily="34" charset="0"/>
+                <a:ea typeface="ＭＳ Ｐゴシック" panose="020B0600070205080204" pitchFamily="34" charset="-128"/>
+              </a:defRPr>
+            </a:lvl8pPr>
+            <a:lvl9pPr marL="3886200" indent="-228600" eaLnBrk="0" fontAlgn="base" hangingPunct="0">
+              <a:spcBef>
+                <a:spcPct val="0"/>
+              </a:spcBef>
+              <a:spcAft>
+                <a:spcPct val="0"/>
+              </a:spcAft>
+              <a:defRPr>
+                <a:solidFill>
+                  <a:schemeClr val="tx1"/>
+                </a:solidFill>
+                <a:latin typeface="Arial" panose="020B0604020202020204" pitchFamily="34" charset="0"/>
+                <a:ea typeface="ＭＳ Ｐゴシック" panose="020B0600070205080204" pitchFamily="34" charset="-128"/>
+              </a:defRPr>
+            </a:lvl9pPr>
+          </a:lstStyle>
+          <a:p>
+            <a:r>
+              <a:rPr lang="en-US" altLang="en-US" sz="1170">
+                <a:solidFill>
+                  <a:srgbClr val="FF0000"/>
+                </a:solidFill>
+              </a:rPr>
+              <a:t>mutator method</a:t>
+            </a:r>
+            <a:endParaRPr lang="en-US" altLang="en-US" sz="1170" b="1">
+              <a:solidFill>
+                <a:srgbClr val="FF0000"/>
+              </a:solidFill>
+            </a:endParaRPr>
+          </a:p>
+        </p:txBody>
+      </p:sp>
+      <p:cxnSp>
+        <p:nvCxnSpPr>
+          <p:cNvPr id="18" name="Straight Arrow Connector 17">
+            <a:extLst>
+              <a:ext uri="{FF2B5EF4-FFF2-40B4-BE49-F238E27FC236}">
+                <a16:creationId xmlns:a16="http://schemas.microsoft.com/office/drawing/2014/main" id="{E652A7AA-0340-164E-8A9A-9D08EAB13594}"/>
+              </a:ext>
+            </a:extLst>
+          </p:cNvPr>
+          <p:cNvCxnSpPr>
+            <a:cxnSpLocks/>
+          </p:cNvCxnSpPr>
+          <p:nvPr/>
+        </p:nvCxnSpPr>
+        <p:spPr>
+          <a:xfrm flipH="1">
+            <a:off x="3535575" y="2946792"/>
+            <a:ext cx="1397000" cy="317500"/>
+          </a:xfrm>
+          <a:prstGeom prst="straightConnector1">
+            <a:avLst/>
+          </a:prstGeom>
+          <a:ln w="38100">
+            <a:tailEnd type="triangle"/>
+          </a:ln>
+        </p:spPr>
+        <p:style>
+          <a:lnRef idx="1">
+            <a:schemeClr val="dk1"/>
+          </a:lnRef>
+          <a:fillRef idx="0">
+            <a:schemeClr val="dk1"/>
+          </a:fillRef>
+          <a:effectRef idx="0">
+            <a:schemeClr val="dk1"/>
+          </a:effectRef>
+          <a:fontRef idx="minor">
+            <a:schemeClr val="tx1"/>
+          </a:fontRef>
+        </p:style>
+      </p:cxnSp>
+      <p:sp>
+        <p:nvSpPr>
+          <p:cNvPr id="20" name="TextBox 5">
+            <a:extLst>
+              <a:ext uri="{FF2B5EF4-FFF2-40B4-BE49-F238E27FC236}">
+                <a16:creationId xmlns:a16="http://schemas.microsoft.com/office/drawing/2014/main" id="{E893D80A-0803-8A4E-911F-4E707677F745}"/>
+              </a:ext>
+            </a:extLst>
+          </p:cNvPr>
+          <p:cNvSpPr txBox="1">
+            <a:spLocks noChangeArrowheads="1"/>
+          </p:cNvSpPr>
+          <p:nvPr/>
+        </p:nvSpPr>
+        <p:spPr bwMode="auto">
+          <a:xfrm>
+            <a:off x="5138454" y="4011889"/>
+            <a:ext cx="2349500" cy="272382"/>
+          </a:xfrm>
+          <a:prstGeom prst="rect">
+            <a:avLst/>
+          </a:prstGeom>
+          <a:noFill/>
+          <a:ln>
+            <a:noFill/>
+          </a:ln>
+          <a:extLst>
+            <a:ext uri="{909E8E84-426E-40DD-AFC4-6F175D3DCCD1}">
+              <a14:hiddenFill xmlns:a14="http://schemas.microsoft.com/office/drawing/2010/main">
+                <a:solidFill>
+                  <a:srgbClr val="FFFFFF"/>
+                </a:solidFill>
+              </a14:hiddenFill>
+            </a:ext>
+            <a:ext uri="{91240B29-F687-4F45-9708-019B960494DF}">
+              <a14:hiddenLine xmlns:a14="http://schemas.microsoft.com/office/drawing/2010/main" w="9525">
+                <a:solidFill>
+                  <a:srgbClr val="000000"/>
+                </a:solidFill>
+                <a:miter lim="800000"/>
+                <a:headEnd/>
+                <a:tailEnd/>
+              </a14:hiddenLine>
+            </a:ext>
+          </a:extLst>
+        </p:spPr>
+        <p:txBody>
+          <a:bodyPr>
+            <a:spAutoFit/>
+          </a:bodyPr>
+          <a:lstStyle>
+            <a:lvl1pPr>
+              <a:defRPr>
+                <a:solidFill>
+                  <a:schemeClr val="tx1"/>
+                </a:solidFill>
+                <a:latin typeface="Arial" panose="020B0604020202020204" pitchFamily="34" charset="0"/>
+                <a:ea typeface="ＭＳ Ｐゴシック" panose="020B0600070205080204" pitchFamily="34" charset="-128"/>
+              </a:defRPr>
+            </a:lvl1pPr>
+            <a:lvl2pPr marL="742950" indent="-285750">
+              <a:defRPr>
+                <a:solidFill>
+                  <a:schemeClr val="tx1"/>
+                </a:solidFill>
+                <a:latin typeface="Arial" panose="020B0604020202020204" pitchFamily="34" charset="0"/>
+                <a:ea typeface="ＭＳ Ｐゴシック" panose="020B0600070205080204" pitchFamily="34" charset="-128"/>
+              </a:defRPr>
+            </a:lvl2pPr>
+            <a:lvl3pPr marL="1143000" indent="-228600">
+              <a:defRPr>
+                <a:solidFill>
+                  <a:schemeClr val="tx1"/>
+                </a:solidFill>
+                <a:latin typeface="Arial" panose="020B0604020202020204" pitchFamily="34" charset="0"/>
+                <a:ea typeface="ＭＳ Ｐゴシック" panose="020B0600070205080204" pitchFamily="34" charset="-128"/>
+              </a:defRPr>
+            </a:lvl3pPr>
+            <a:lvl4pPr marL="1600200" indent="-228600">
+              <a:defRPr>
+                <a:solidFill>
+                  <a:schemeClr val="tx1"/>
+                </a:solidFill>
+                <a:latin typeface="Arial" panose="020B0604020202020204" pitchFamily="34" charset="0"/>
+                <a:ea typeface="ＭＳ Ｐゴシック" panose="020B0600070205080204" pitchFamily="34" charset="-128"/>
+              </a:defRPr>
+            </a:lvl4pPr>
+            <a:lvl5pPr marL="2057400" indent="-228600">
+              <a:defRPr>
+                <a:solidFill>
+                  <a:schemeClr val="tx1"/>
+                </a:solidFill>
+                <a:latin typeface="Arial" panose="020B0604020202020204" pitchFamily="34" charset="0"/>
+                <a:ea typeface="ＭＳ Ｐゴシック" panose="020B0600070205080204" pitchFamily="34" charset="-128"/>
+              </a:defRPr>
+            </a:lvl5pPr>
+            <a:lvl6pPr marL="2514600" indent="-228600" eaLnBrk="0" fontAlgn="base" hangingPunct="0">
+              <a:spcBef>
+                <a:spcPct val="0"/>
+              </a:spcBef>
+              <a:spcAft>
+                <a:spcPct val="0"/>
+              </a:spcAft>
+              <a:defRPr>
+                <a:solidFill>
+                  <a:schemeClr val="tx1"/>
+                </a:solidFill>
+                <a:latin typeface="Arial" panose="020B0604020202020204" pitchFamily="34" charset="0"/>
+                <a:ea typeface="ＭＳ Ｐゴシック" panose="020B0600070205080204" pitchFamily="34" charset="-128"/>
+              </a:defRPr>
+            </a:lvl6pPr>
+            <a:lvl7pPr marL="2971800" indent="-228600" eaLnBrk="0" fontAlgn="base" hangingPunct="0">
+              <a:spcBef>
+                <a:spcPct val="0"/>
+              </a:spcBef>
+              <a:spcAft>
+                <a:spcPct val="0"/>
+              </a:spcAft>
+              <a:defRPr>
+                <a:solidFill>
+                  <a:schemeClr val="tx1"/>
+                </a:solidFill>
+                <a:latin typeface="Arial" panose="020B0604020202020204" pitchFamily="34" charset="0"/>
+                <a:ea typeface="ＭＳ Ｐゴシック" panose="020B0600070205080204" pitchFamily="34" charset="-128"/>
+              </a:defRPr>
+            </a:lvl7pPr>
+            <a:lvl8pPr marL="3429000" indent="-228600" eaLnBrk="0" fontAlgn="base" hangingPunct="0">
+              <a:spcBef>
+                <a:spcPct val="0"/>
+              </a:spcBef>
+              <a:spcAft>
+                <a:spcPct val="0"/>
+              </a:spcAft>
+              <a:defRPr>
+                <a:solidFill>
+                  <a:schemeClr val="tx1"/>
+                </a:solidFill>
+                <a:latin typeface="Arial" panose="020B0604020202020204" pitchFamily="34" charset="0"/>
+                <a:ea typeface="ＭＳ Ｐゴシック" panose="020B0600070205080204" pitchFamily="34" charset="-128"/>
+              </a:defRPr>
+            </a:lvl8pPr>
+            <a:lvl9pPr marL="3886200" indent="-228600" eaLnBrk="0" fontAlgn="base" hangingPunct="0">
+              <a:spcBef>
+                <a:spcPct val="0"/>
+              </a:spcBef>
+              <a:spcAft>
+                <a:spcPct val="0"/>
+              </a:spcAft>
+              <a:defRPr>
+                <a:solidFill>
+                  <a:schemeClr val="tx1"/>
+                </a:solidFill>
+                <a:latin typeface="Arial" panose="020B0604020202020204" pitchFamily="34" charset="0"/>
+                <a:ea typeface="ＭＳ Ｐゴシック" panose="020B0600070205080204" pitchFamily="34" charset="-128"/>
+              </a:defRPr>
+            </a:lvl9pPr>
+          </a:lstStyle>
+          <a:p>
+            <a:r>
+              <a:rPr lang="en-US" altLang="en-US" sz="1170">
+                <a:solidFill>
+                  <a:srgbClr val="FF0000"/>
+                </a:solidFill>
+              </a:rPr>
+              <a:t>accessor method</a:t>
+            </a:r>
+            <a:endParaRPr lang="en-US" altLang="en-US" sz="1170" b="1">
+              <a:solidFill>
+                <a:srgbClr val="FF0000"/>
+              </a:solidFill>
+            </a:endParaRPr>
+          </a:p>
+        </p:txBody>
+      </p:sp>
+      <p:cxnSp>
+        <p:nvCxnSpPr>
+          <p:cNvPr id="21" name="Straight Arrow Connector 20">
+            <a:extLst>
+              <a:ext uri="{FF2B5EF4-FFF2-40B4-BE49-F238E27FC236}">
+                <a16:creationId xmlns:a16="http://schemas.microsoft.com/office/drawing/2014/main" id="{4C577CF4-E4BE-2C4D-B402-0AE541834241}"/>
+              </a:ext>
+            </a:extLst>
+          </p:cNvPr>
+          <p:cNvCxnSpPr>
+            <a:cxnSpLocks/>
+          </p:cNvCxnSpPr>
+          <p:nvPr/>
+        </p:nvCxnSpPr>
+        <p:spPr>
+          <a:xfrm flipH="1">
+            <a:off x="3741454" y="4202389"/>
+            <a:ext cx="1397000" cy="317500"/>
+          </a:xfrm>
+          <a:prstGeom prst="straightConnector1">
+            <a:avLst/>
+          </a:prstGeom>
+          <a:ln w="38100">
+            <a:tailEnd type="triangle"/>
+          </a:ln>
+        </p:spPr>
+        <p:style>
+          <a:lnRef idx="1">
+            <a:schemeClr val="dk1"/>
+          </a:lnRef>
+          <a:fillRef idx="0">
+            <a:schemeClr val="dk1"/>
+          </a:fillRef>
+          <a:effectRef idx="0">
+            <a:schemeClr val="dk1"/>
+          </a:effectRef>
+          <a:fontRef idx="minor">
+            <a:schemeClr val="tx1"/>
+          </a:fontRef>
+        </p:style>
+      </p:cxnSp>
+    </p:spTree>
+    <p:extLst>
+      <p:ext uri="{BB962C8B-B14F-4D97-AF65-F5344CB8AC3E}">
+        <p14:creationId xmlns:p14="http://schemas.microsoft.com/office/powerpoint/2010/main" val="2732418154"/>
+      </p:ext>
+    </p:extLst>
+  </p:cSld>
+  <p:clrMapOvr>
+    <a:masterClrMapping/>
+  </p:clrMapOvr>
+  <p:transition/>
+  <p:timing>
+    <p:tnLst>
+      <p:par>
+        <p:cTn id="1" dur="indefinite" restart="never" nodeType="tmRoot">
+          <p:childTnLst>
+            <p:seq concurrent="1" nextAc="seek">
+              <p:cTn id="2" dur="indefinite" nodeType="mainSeq">
+                <p:childTnLst>
+                  <p:par>
+                    <p:cTn id="3" fill="hold" nodeType="clickPar">
+                      <p:stCondLst>
+                        <p:cond delay="indefinite"/>
+                      </p:stCondLst>
+                      <p:childTnLst>
+                        <p:par>
+                          <p:cTn id="4" fill="hold" nodeType="withGroup">
+                            <p:stCondLst>
+                              <p:cond delay="0"/>
+                            </p:stCondLst>
+                            <p:childTnLst>
+                              <p:par>
+                                <p:cTn id="5" presetID="1" presetClass="entr" presetSubtype="0" fill="hold" grpId="0" nodeType="clickEffect">
+                                  <p:stCondLst>
+                                    <p:cond delay="0"/>
+                                  </p:stCondLst>
+                                  <p:childTnLst>
+                                    <p:set>
+                                      <p:cBhvr>
+                                        <p:cTn id="6" dur="1" fill="hold">
+                                          <p:stCondLst>
+                                            <p:cond delay="0"/>
+                                          </p:stCondLst>
+                                        </p:cTn>
+                                        <p:tgtEl>
+                                          <p:spTgt spid="7"/>
+                                        </p:tgtEl>
+                                        <p:attrNameLst>
+                                          <p:attrName>style.visibility</p:attrName>
+                                        </p:attrNameLst>
+                                      </p:cBhvr>
+                                      <p:to>
+                                        <p:strVal val="visible"/>
+                                      </p:to>
+                                    </p:set>
+                                  </p:childTnLst>
+                                </p:cTn>
+                              </p:par>
+                            </p:childTnLst>
+                          </p:cTn>
+                        </p:par>
+                      </p:childTnLst>
+                    </p:cTn>
+                  </p:par>
+                  <p:par>
+                    <p:cTn id="7" fill="hold" nodeType="clickPar">
+                      <p:stCondLst>
+                        <p:cond delay="indefinite"/>
+                      </p:stCondLst>
+                      <p:childTnLst>
+                        <p:par>
+                          <p:cTn id="8" fill="hold" nodeType="withGroup">
+                            <p:stCondLst>
+                              <p:cond delay="0"/>
+                            </p:stCondLst>
+                            <p:childTnLst>
+                              <p:par>
+                                <p:cTn id="9" presetID="1" presetClass="entr" presetSubtype="0" fill="hold" nodeType="clickEffect">
+                                  <p:stCondLst>
+                                    <p:cond delay="0"/>
+                                  </p:stCondLst>
+                                  <p:childTnLst>
+                                    <p:set>
+                                      <p:cBhvr>
+                                        <p:cTn id="10" dur="1" fill="hold">
+                                          <p:stCondLst>
+                                            <p:cond delay="0"/>
+                                          </p:stCondLst>
+                                        </p:cTn>
+                                        <p:tgtEl>
+                                          <p:spTgt spid="8"/>
+                                        </p:tgtEl>
+                                        <p:attrNameLst>
+                                          <p:attrName>style.visibility</p:attrName>
+                                        </p:attrNameLst>
+                                      </p:cBhvr>
+                                      <p:to>
+                                        <p:strVal val="visible"/>
+                                      </p:to>
+                                    </p:set>
+                                  </p:childTnLst>
+                                </p:cTn>
+                              </p:par>
+                            </p:childTnLst>
+                          </p:cTn>
+                        </p:par>
+                      </p:childTnLst>
+                    </p:cTn>
+                  </p:par>
+                  <p:par>
+                    <p:cTn id="11" fill="hold" nodeType="clickPar">
+                      <p:stCondLst>
+                        <p:cond delay="indefinite"/>
+                      </p:stCondLst>
+                      <p:childTnLst>
+                        <p:par>
+                          <p:cTn id="12" fill="hold" nodeType="withGroup">
+                            <p:stCondLst>
+                              <p:cond delay="0"/>
+                            </p:stCondLst>
+                            <p:childTnLst>
+                              <p:par>
+                                <p:cTn id="13" presetID="1" presetClass="entr" presetSubtype="0" fill="hold" grpId="0" nodeType="clickEffect">
+                                  <p:stCondLst>
+                                    <p:cond delay="0"/>
+                                  </p:stCondLst>
+                                  <p:childTnLst>
+                                    <p:set>
+                                      <p:cBhvr>
+                                        <p:cTn id="14" dur="1" fill="hold">
+                                          <p:stCondLst>
+                                            <p:cond delay="0"/>
+                                          </p:stCondLst>
+                                        </p:cTn>
+                                        <p:tgtEl>
+                                          <p:spTgt spid="11"/>
+                                        </p:tgtEl>
+                                        <p:attrNameLst>
+                                          <p:attrName>style.visibility</p:attrName>
+                                        </p:attrNameLst>
+                                      </p:cBhvr>
+                                      <p:to>
+                                        <p:strVal val="visible"/>
+                                      </p:to>
+                                    </p:set>
+                                  </p:childTnLst>
+                                </p:cTn>
+                              </p:par>
+                            </p:childTnLst>
+                          </p:cTn>
+                        </p:par>
+                      </p:childTnLst>
+                    </p:cTn>
+                  </p:par>
+                  <p:par>
+                    <p:cTn id="15" fill="hold" nodeType="clickPar">
+                      <p:stCondLst>
+                        <p:cond delay="indefinite"/>
+                      </p:stCondLst>
+                      <p:childTnLst>
+                        <p:par>
+                          <p:cTn id="16" fill="hold" nodeType="withGroup">
+                            <p:stCondLst>
+                              <p:cond delay="0"/>
+                            </p:stCondLst>
+                            <p:childTnLst>
+                              <p:par>
+                                <p:cTn id="17" presetID="1" presetClass="entr" presetSubtype="0" fill="hold" nodeType="clickEffect">
+                                  <p:stCondLst>
+                                    <p:cond delay="0"/>
+                                  </p:stCondLst>
+                                  <p:childTnLst>
+                                    <p:set>
+                                      <p:cBhvr>
+                                        <p:cTn id="18" dur="1" fill="hold">
+                                          <p:stCondLst>
+                                            <p:cond delay="0"/>
+                                          </p:stCondLst>
+                                        </p:cTn>
+                                        <p:tgtEl>
+                                          <p:spTgt spid="12"/>
+                                        </p:tgtEl>
+                                        <p:attrNameLst>
+                                          <p:attrName>style.visibility</p:attrName>
+                                        </p:attrNameLst>
+                                      </p:cBhvr>
+                                      <p:to>
+                                        <p:strVal val="visible"/>
+                                      </p:to>
+                                    </p:set>
+                                  </p:childTnLst>
+                                </p:cTn>
+                              </p:par>
+                            </p:childTnLst>
+                          </p:cTn>
+                        </p:par>
+                      </p:childTnLst>
+                    </p:cTn>
+                  </p:par>
+                  <p:par>
+                    <p:cTn id="19" fill="hold" nodeType="clickPar">
+                      <p:stCondLst>
+                        <p:cond delay="indefinite"/>
+                      </p:stCondLst>
+                      <p:childTnLst>
+                        <p:par>
+                          <p:cTn id="20" fill="hold" nodeType="withGroup">
+                            <p:stCondLst>
+                              <p:cond delay="0"/>
+                            </p:stCondLst>
+                            <p:childTnLst>
+                              <p:par>
+                                <p:cTn id="21" presetID="1" presetClass="entr" presetSubtype="0" fill="hold" nodeType="clickEffect">
+                                  <p:stCondLst>
+                                    <p:cond delay="0"/>
+                                  </p:stCondLst>
+                                  <p:childTnLst>
+                                    <p:set>
+                                      <p:cBhvr>
+                                        <p:cTn id="22" dur="1" fill="hold">
+                                          <p:stCondLst>
+                                            <p:cond delay="0"/>
+                                          </p:stCondLst>
+                                        </p:cTn>
+                                        <p:tgtEl>
+                                          <p:spTgt spid="13"/>
+                                        </p:tgtEl>
+                                        <p:attrNameLst>
+                                          <p:attrName>style.visibility</p:attrName>
+                                        </p:attrNameLst>
+                                      </p:cBhvr>
+                                      <p:to>
+                                        <p:strVal val="visible"/>
+                                      </p:to>
+                                    </p:set>
+                                  </p:childTnLst>
+                                </p:cTn>
+                              </p:par>
+                            </p:childTnLst>
+                          </p:cTn>
+                        </p:par>
+                      </p:childTnLst>
+                    </p:cTn>
+                  </p:par>
+                  <p:par>
+                    <p:cTn id="23" fill="hold" nodeType="clickPar">
+                      <p:stCondLst>
+                        <p:cond delay="indefinite"/>
+                      </p:stCondLst>
+                      <p:childTnLst>
+                        <p:par>
+                          <p:cTn id="24" fill="hold" nodeType="withGroup">
+                            <p:stCondLst>
+                              <p:cond delay="0"/>
+                            </p:stCondLst>
+                            <p:childTnLst>
+                              <p:par>
+                                <p:cTn id="25" presetID="1" presetClass="entr" presetSubtype="0" fill="hold" grpId="0" nodeType="clickEffect">
+                                  <p:stCondLst>
+                                    <p:cond delay="0"/>
+                                  </p:stCondLst>
+                                  <p:childTnLst>
+                                    <p:set>
+                                      <p:cBhvr>
+                                        <p:cTn id="26" dur="1" fill="hold">
+                                          <p:stCondLst>
+                                            <p:cond delay="0"/>
+                                          </p:stCondLst>
+                                        </p:cTn>
+                                        <p:tgtEl>
+                                          <p:spTgt spid="17"/>
+                                        </p:tgtEl>
+                                        <p:attrNameLst>
+                                          <p:attrName>style.visibility</p:attrName>
+                                        </p:attrNameLst>
+                                      </p:cBhvr>
+                                      <p:to>
+                                        <p:strVal val="visible"/>
+                                      </p:to>
+                                    </p:set>
+                                  </p:childTnLst>
+                                </p:cTn>
+                              </p:par>
+                            </p:childTnLst>
+                          </p:cTn>
+                        </p:par>
+                      </p:childTnLst>
+                    </p:cTn>
+                  </p:par>
+                  <p:par>
+                    <p:cTn id="27" fill="hold" nodeType="clickPar">
+                      <p:stCondLst>
+                        <p:cond delay="indefinite"/>
+                      </p:stCondLst>
+                      <p:childTnLst>
+                        <p:par>
+                          <p:cTn id="28" fill="hold" nodeType="withGroup">
+                            <p:stCondLst>
+                              <p:cond delay="0"/>
+                            </p:stCondLst>
+                            <p:childTnLst>
+                              <p:par>
+                                <p:cTn id="29" presetID="1" presetClass="entr" presetSubtype="0" fill="hold" nodeType="clickEffect">
+                                  <p:stCondLst>
+                                    <p:cond delay="0"/>
+                                  </p:stCondLst>
+                                  <p:childTnLst>
+                                    <p:set>
+                                      <p:cBhvr>
+                                        <p:cTn id="30" dur="1" fill="hold">
+                                          <p:stCondLst>
+                                            <p:cond delay="0"/>
+                                          </p:stCondLst>
+                                        </p:cTn>
+                                        <p:tgtEl>
+                                          <p:spTgt spid="18"/>
+                                        </p:tgtEl>
+                                        <p:attrNameLst>
+                                          <p:attrName>style.visibility</p:attrName>
+                                        </p:attrNameLst>
+                                      </p:cBhvr>
+                                      <p:to>
+                                        <p:strVal val="visible"/>
+                                      </p:to>
+                                    </p:set>
+                                  </p:childTnLst>
+                                </p:cTn>
+                              </p:par>
+                            </p:childTnLst>
+                          </p:cTn>
+                        </p:par>
+                      </p:childTnLst>
+                    </p:cTn>
+                  </p:par>
+                  <p:par>
+                    <p:cTn id="31" fill="hold" nodeType="clickPar">
+                      <p:stCondLst>
+                        <p:cond delay="indefinite"/>
+                      </p:stCondLst>
+                      <p:childTnLst>
+                        <p:par>
+                          <p:cTn id="32" fill="hold" nodeType="withGroup">
+                            <p:stCondLst>
+                              <p:cond delay="0"/>
+                            </p:stCondLst>
+                            <p:childTnLst>
+                              <p:par>
+                                <p:cTn id="33" presetID="1" presetClass="entr" presetSubtype="0" fill="hold" grpId="0" nodeType="clickEffect">
+                                  <p:stCondLst>
+                                    <p:cond delay="0"/>
+                                  </p:stCondLst>
+                                  <p:childTnLst>
+                                    <p:set>
+                                      <p:cBhvr>
+                                        <p:cTn id="34" dur="1" fill="hold">
+                                          <p:stCondLst>
+                                            <p:cond delay="0"/>
+                                          </p:stCondLst>
+                                        </p:cTn>
+                                        <p:tgtEl>
+                                          <p:spTgt spid="20"/>
+                                        </p:tgtEl>
+                                        <p:attrNameLst>
+                                          <p:attrName>style.visibility</p:attrName>
+                                        </p:attrNameLst>
+                                      </p:cBhvr>
+                                      <p:to>
+                                        <p:strVal val="visible"/>
+                                      </p:to>
+                                    </p:set>
+                                  </p:childTnLst>
+                                </p:cTn>
+                              </p:par>
+                            </p:childTnLst>
+                          </p:cTn>
+                        </p:par>
+                      </p:childTnLst>
+                    </p:cTn>
+                  </p:par>
+                  <p:par>
+                    <p:cTn id="35" fill="hold" nodeType="clickPar">
+                      <p:stCondLst>
+                        <p:cond delay="indefinite"/>
+                      </p:stCondLst>
+                      <p:childTnLst>
+                        <p:par>
+                          <p:cTn id="36" fill="hold" nodeType="withGroup">
+                            <p:stCondLst>
+                              <p:cond delay="0"/>
+                            </p:stCondLst>
+                            <p:childTnLst>
+                              <p:par>
+                                <p:cTn id="37" presetID="1" presetClass="entr" presetSubtype="0" fill="hold" nodeType="clickEffect">
+                                  <p:stCondLst>
+                                    <p:cond delay="0"/>
+                                  </p:stCondLst>
+                                  <p:childTnLst>
+                                    <p:set>
+                                      <p:cBhvr>
+                                        <p:cTn id="38" dur="1" fill="hold">
+                                          <p:stCondLst>
+                                            <p:cond delay="0"/>
+                                          </p:stCondLst>
+                                        </p:cTn>
+                                        <p:tgtEl>
+                                          <p:spTgt spid="21"/>
+                                        </p:tgtEl>
+                                        <p:attrNameLst>
+                                          <p:attrName>style.visibility</p:attrName>
+                                        </p:attrNameLst>
+                                      </p:cBhvr>
+                                      <p:to>
+                                        <p:strVal val="visible"/>
+                                      </p:to>
+                                    </p:set>
+                                  </p:childTnLst>
+                                </p:cTn>
+                              </p:par>
+                            </p:childTnLst>
+                          </p:cTn>
+                        </p:par>
+                      </p:childTnLst>
+                    </p:cTn>
+                  </p:par>
+                </p:childTnLst>
+              </p:cTn>
+              <p:prevCondLst>
+                <p:cond evt="onPrev" delay="0">
+                  <p:tgtEl>
+                    <p:sldTgt/>
+                  </p:tgtEl>
+                </p:cond>
+              </p:prevCondLst>
+              <p:nextCondLst>
+                <p:cond evt="onNext" delay="0">
+                  <p:tgtEl>
+                    <p:sldTgt/>
+                  </p:tgtEl>
+                </p:cond>
+              </p:nextCondLst>
+            </p:seq>
+          </p:childTnLst>
+        </p:cTn>
+      </p:par>
+    </p:tnLst>
+    <p:bldLst>
+      <p:bldP spid="7" grpId="0"/>
+      <p:bldP spid="11" grpId="0"/>
+      <p:bldP spid="17" grpId="0"/>
+      <p:bldP spid="20" grpId="0"/>
+    </p:bldLst>
+  </p:timing>
+</p:sld>
+</file>
+
+<file path=ppt/slides/slide48.xml><?xml version="1.0" encoding="utf-8"?>
+<p:sld xmlns:a="http://schemas.openxmlformats.org/drawingml/2006/main" xmlns:r="http://schemas.openxmlformats.org/officeDocument/2006/relationships" xmlns:p="http://schemas.openxmlformats.org/presentationml/2006/main">
+  <p:cSld>
+    <p:spTree>
+      <p:nvGrpSpPr>
+        <p:cNvPr id="1" name=""/>
+        <p:cNvGrpSpPr/>
+        <p:nvPr/>
+      </p:nvGrpSpPr>
+      <p:grpSpPr>
+        <a:xfrm>
+          <a:off x="0" y="0"/>
+          <a:ext cx="0" cy="0"/>
+          <a:chOff x="0" y="0"/>
+          <a:chExt cx="0" cy="0"/>
+        </a:xfrm>
+      </p:grpSpPr>
+      <p:sp>
+        <p:nvSpPr>
+          <p:cNvPr id="2" name="Title 1">
+            <a:extLst>
+              <a:ext uri="{FF2B5EF4-FFF2-40B4-BE49-F238E27FC236}">
+                <a16:creationId xmlns:a16="http://schemas.microsoft.com/office/drawing/2014/main" id="{BC6F9511-CB58-AC49-AD98-860912780FFE}"/>
+              </a:ext>
+            </a:extLst>
+          </p:cNvPr>
+          <p:cNvSpPr>
+            <a:spLocks noGrp="1"/>
+          </p:cNvSpPr>
+          <p:nvPr>
+            <p:ph type="title"/>
+          </p:nvPr>
+        </p:nvSpPr>
+        <p:spPr>
+          <a:xfrm>
+            <a:off x="167177" y="128185"/>
+            <a:ext cx="7886700" cy="588511"/>
+          </a:xfrm>
+        </p:spPr>
+        <p:txBody>
+          <a:bodyPr/>
+          <a:lstStyle/>
+          <a:p>
+            <a:r>
+              <a:rPr lang="en-US" dirty="0"/>
+              <a:t>Question 2</a:t>
+            </a:r>
+          </a:p>
+        </p:txBody>
+      </p:sp>
+      <p:sp>
+        <p:nvSpPr>
+          <p:cNvPr id="3" name="Content Placeholder 2">
+            <a:extLst>
+              <a:ext uri="{FF2B5EF4-FFF2-40B4-BE49-F238E27FC236}">
+                <a16:creationId xmlns:a16="http://schemas.microsoft.com/office/drawing/2014/main" id="{CE6BD10B-9D13-604D-9877-97B355109287}"/>
+              </a:ext>
+            </a:extLst>
+          </p:cNvPr>
+          <p:cNvSpPr>
+            <a:spLocks noGrp="1"/>
+          </p:cNvSpPr>
+          <p:nvPr>
+            <p:ph idx="1"/>
+          </p:nvPr>
+        </p:nvSpPr>
+        <p:spPr>
+          <a:xfrm>
+            <a:off x="167177" y="888763"/>
+            <a:ext cx="8780270" cy="4623273"/>
+          </a:xfrm>
+        </p:spPr>
+        <p:txBody>
+          <a:bodyPr/>
+          <a:lstStyle/>
+          <a:p>
+            <a:pPr marL="0" indent="0">
+              <a:buNone/>
+            </a:pPr>
+            <a:endParaRPr lang="en-US" dirty="0">
+              <a:latin typeface="Gill Sans MT" panose="020B0502020104020203" pitchFamily="34" charset="77"/>
+              <a:cs typeface="Courier New" panose="02070309020205020404" pitchFamily="49" charset="0"/>
+            </a:endParaRPr>
+          </a:p>
+          <a:p>
+            <a:pPr marL="0" indent="0">
+              <a:buNone/>
+            </a:pPr>
+            <a:endParaRPr lang="en-US" dirty="0">
+              <a:latin typeface="Gill Sans MT" panose="020B0502020104020203" pitchFamily="34" charset="77"/>
+              <a:cs typeface="Courier New" panose="02070309020205020404" pitchFamily="49" charset="0"/>
+            </a:endParaRPr>
+          </a:p>
+          <a:p>
+            <a:pPr marL="0" indent="0">
+              <a:buNone/>
+            </a:pPr>
+            <a:endParaRPr lang="en-US" dirty="0">
+              <a:latin typeface="Gill Sans MT" panose="020B0502020104020203" pitchFamily="34" charset="77"/>
+              <a:cs typeface="Courier New" panose="02070309020205020404" pitchFamily="49" charset="0"/>
+            </a:endParaRPr>
+          </a:p>
+          <a:p>
+            <a:pPr marL="0" indent="0">
+              <a:buNone/>
+            </a:pPr>
+            <a:r>
+              <a:rPr lang="en-US" dirty="0"/>
+              <a:t>Please do the following 2019 #2, 2021 #2, 2016 #1, 2015 #2, 2021#2 and check your solutions to prepare for Question 2. </a:t>
+            </a:r>
+            <a:endParaRPr lang="en-US" dirty="0">
+              <a:latin typeface="Gill Sans MT" panose="020B0502020104020203" pitchFamily="34" charset="77"/>
+              <a:cs typeface="Courier New" panose="02070309020205020404" pitchFamily="49" charset="0"/>
+            </a:endParaRPr>
+          </a:p>
+        </p:txBody>
+      </p:sp>
+    </p:spTree>
+    <p:extLst>
+      <p:ext uri="{BB962C8B-B14F-4D97-AF65-F5344CB8AC3E}">
+        <p14:creationId xmlns:p14="http://schemas.microsoft.com/office/powerpoint/2010/main" val="2050438063"/>
       </p:ext>
     </p:extLst>
   </p:cSld>

--- a/courses/apcsa/APExam.pptx
+++ b/courses/apcsa/APExam.pptx
@@ -2317,7 +2317,7 @@
   <pc:docChgLst>
     <pc:chgData name="Long Nguyen" userId="f59fb8f3-a021-417a-8bc1-65c8d471c621" providerId="ADAL" clId="{1784794D-79B0-E046-9735-6A39B25F1254}"/>
     <pc:docChg chg="custSel addSld delSld modSld">
-      <pc:chgData name="Long Nguyen" userId="f59fb8f3-a021-417a-8bc1-65c8d471c621" providerId="ADAL" clId="{1784794D-79B0-E046-9735-6A39B25F1254}" dt="2022-04-07T13:32:27.454" v="2419" actId="20577"/>
+      <pc:chgData name="Long Nguyen" userId="f59fb8f3-a021-417a-8bc1-65c8d471c621" providerId="ADAL" clId="{1784794D-79B0-E046-9735-6A39B25F1254}" dt="2022-04-07T14:00:32.523" v="2786" actId="207"/>
       <pc:docMkLst>
         <pc:docMk/>
       </pc:docMkLst>
@@ -2841,13 +2841,13 @@
         </pc:sldMkLst>
       </pc:sldChg>
       <pc:sldChg chg="modSp add mod">
-        <pc:chgData name="Long Nguyen" userId="f59fb8f3-a021-417a-8bc1-65c8d471c621" providerId="ADAL" clId="{1784794D-79B0-E046-9735-6A39B25F1254}" dt="2022-04-07T13:32:27.454" v="2419" actId="20577"/>
+        <pc:chgData name="Long Nguyen" userId="f59fb8f3-a021-417a-8bc1-65c8d471c621" providerId="ADAL" clId="{1784794D-79B0-E046-9735-6A39B25F1254}" dt="2022-04-07T14:00:32.523" v="2786" actId="207"/>
         <pc:sldMkLst>
           <pc:docMk/>
           <pc:sldMk cId="1602850379" sldId="557"/>
         </pc:sldMkLst>
         <pc:spChg chg="mod">
-          <ac:chgData name="Long Nguyen" userId="f59fb8f3-a021-417a-8bc1-65c8d471c621" providerId="ADAL" clId="{1784794D-79B0-E046-9735-6A39B25F1254}" dt="2022-04-07T13:32:27.454" v="2419" actId="20577"/>
+          <ac:chgData name="Long Nguyen" userId="f59fb8f3-a021-417a-8bc1-65c8d471c621" providerId="ADAL" clId="{1784794D-79B0-E046-9735-6A39B25F1254}" dt="2022-04-07T14:00:32.523" v="2786" actId="207"/>
           <ac:spMkLst>
             <pc:docMk/>
             <pc:sldMk cId="1602850379" sldId="557"/>
@@ -16208,6 +16208,96 @@
             <a:pPr marL="0" indent="0">
               <a:buNone/>
             </a:pPr>
+            <a:r>
+              <a:rPr lang="en-US" dirty="0">
+                <a:latin typeface="Gill Sans MT" panose="020B0502020104020203" pitchFamily="34" charset="77"/>
+                <a:cs typeface="Courier New" panose="02070309020205020404" pitchFamily="49" charset="0"/>
+              </a:rPr>
+              <a:t>Thus, the take away is that if the problem gives you a class(</a:t>
+            </a:r>
+            <a:r>
+              <a:rPr lang="en-US" dirty="0" err="1">
+                <a:latin typeface="Gill Sans MT" panose="020B0502020104020203" pitchFamily="34" charset="77"/>
+                <a:cs typeface="Courier New" panose="02070309020205020404" pitchFamily="49" charset="0"/>
+              </a:rPr>
+              <a:t>SingleTable</a:t>
+            </a:r>
+            <a:r>
+              <a:rPr lang="en-US" dirty="0">
+                <a:latin typeface="Gill Sans MT" panose="020B0502020104020203" pitchFamily="34" charset="77"/>
+                <a:cs typeface="Courier New" panose="02070309020205020404" pitchFamily="49" charset="0"/>
+              </a:rPr>
+              <a:t>) and requires you to use it another class(</a:t>
+            </a:r>
+            <a:r>
+              <a:rPr lang="en-US" dirty="0" err="1">
+                <a:latin typeface="Gill Sans MT" panose="020B0502020104020203" pitchFamily="34" charset="77"/>
+                <a:cs typeface="Courier New" panose="02070309020205020404" pitchFamily="49" charset="0"/>
+              </a:rPr>
+              <a:t>CombinedTable</a:t>
+            </a:r>
+            <a:r>
+              <a:rPr lang="en-US" dirty="0">
+                <a:latin typeface="Gill Sans MT" panose="020B0502020104020203" pitchFamily="34" charset="77"/>
+                <a:cs typeface="Courier New" panose="02070309020205020404" pitchFamily="49" charset="0"/>
+              </a:rPr>
+              <a:t>), it is likely that you will need to </a:t>
+            </a:r>
+            <a:r>
+              <a:rPr lang="en-US" dirty="0">
+                <a:solidFill>
+                  <a:srgbClr val="FF0000"/>
+                </a:solidFill>
+                <a:latin typeface="Gill Sans MT" panose="020B0502020104020203" pitchFamily="34" charset="77"/>
+                <a:cs typeface="Courier New" panose="02070309020205020404" pitchFamily="49" charset="0"/>
+              </a:rPr>
+              <a:t>make at least one instance variable(for example, </a:t>
+            </a:r>
+            <a:r>
+              <a:rPr lang="en-US" dirty="0" err="1">
+                <a:solidFill>
+                  <a:srgbClr val="FF0000"/>
+                </a:solidFill>
+                <a:latin typeface="Gill Sans MT" panose="020B0502020104020203" pitchFamily="34" charset="77"/>
+                <a:cs typeface="Courier New" panose="02070309020205020404" pitchFamily="49" charset="0"/>
+              </a:rPr>
+              <a:t>SingleTable</a:t>
+            </a:r>
+            <a:r>
+              <a:rPr lang="en-US" dirty="0">
+                <a:solidFill>
+                  <a:srgbClr val="FF0000"/>
+                </a:solidFill>
+                <a:latin typeface="Gill Sans MT" panose="020B0502020104020203" pitchFamily="34" charset="77"/>
+                <a:cs typeface="Courier New" panose="02070309020205020404" pitchFamily="49" charset="0"/>
+              </a:rPr>
+              <a:t> t1) in the class that you are writing(</a:t>
+            </a:r>
+            <a:r>
+              <a:rPr lang="en-US" dirty="0" err="1">
+                <a:solidFill>
+                  <a:srgbClr val="FF0000"/>
+                </a:solidFill>
+                <a:latin typeface="Gill Sans MT" panose="020B0502020104020203" pitchFamily="34" charset="77"/>
+                <a:cs typeface="Courier New" panose="02070309020205020404" pitchFamily="49" charset="0"/>
+              </a:rPr>
+              <a:t>CombinedTable</a:t>
+            </a:r>
+            <a:r>
+              <a:rPr lang="en-US" dirty="0">
+                <a:solidFill>
+                  <a:srgbClr val="FF0000"/>
+                </a:solidFill>
+                <a:latin typeface="Gill Sans MT" panose="020B0502020104020203" pitchFamily="34" charset="77"/>
+                <a:cs typeface="Courier New" panose="02070309020205020404" pitchFamily="49" charset="0"/>
+              </a:rPr>
+              <a:t>).  </a:t>
+            </a:r>
+          </a:p>
+          <a:p>
+            <a:pPr marL="0" indent="0">
+              <a:buNone/>
+            </a:pPr>
             <a:endParaRPr lang="en-US" dirty="0">
               <a:latin typeface="Gill Sans MT" panose="020B0502020104020203" pitchFamily="34" charset="77"/>
               <a:cs typeface="Courier New" panose="02070309020205020404" pitchFamily="49" charset="0"/>

--- a/courses/apcsa/APExam.pptx
+++ b/courses/apcsa/APExam.pptx
@@ -5,53 +5,54 @@
     <p:sldMasterId id="2147483791" r:id="rId1"/>
   </p:sldMasterIdLst>
   <p:notesMasterIdLst>
-    <p:notesMasterId r:id="rId46"/>
+    <p:notesMasterId r:id="rId47"/>
   </p:notesMasterIdLst>
   <p:sldIdLst>
     <p:sldId id="256" r:id="rId2"/>
     <p:sldId id="560" r:id="rId3"/>
     <p:sldId id="349" r:id="rId4"/>
     <p:sldId id="350" r:id="rId5"/>
-    <p:sldId id="342" r:id="rId6"/>
-    <p:sldId id="352" r:id="rId7"/>
-    <p:sldId id="355" r:id="rId8"/>
-    <p:sldId id="356" r:id="rId9"/>
-    <p:sldId id="354" r:id="rId10"/>
-    <p:sldId id="357" r:id="rId11"/>
-    <p:sldId id="550" r:id="rId12"/>
-    <p:sldId id="551" r:id="rId13"/>
-    <p:sldId id="564" r:id="rId14"/>
-    <p:sldId id="297" r:id="rId15"/>
-    <p:sldId id="298" r:id="rId16"/>
-    <p:sldId id="553" r:id="rId17"/>
-    <p:sldId id="552" r:id="rId18"/>
-    <p:sldId id="554" r:id="rId19"/>
-    <p:sldId id="555" r:id="rId20"/>
-    <p:sldId id="556" r:id="rId21"/>
-    <p:sldId id="561" r:id="rId22"/>
-    <p:sldId id="565" r:id="rId23"/>
-    <p:sldId id="562" r:id="rId24"/>
-    <p:sldId id="557" r:id="rId25"/>
-    <p:sldId id="368" r:id="rId26"/>
-    <p:sldId id="351" r:id="rId27"/>
-    <p:sldId id="365" r:id="rId28"/>
-    <p:sldId id="358" r:id="rId29"/>
-    <p:sldId id="366" r:id="rId30"/>
-    <p:sldId id="367" r:id="rId31"/>
-    <p:sldId id="360" r:id="rId32"/>
-    <p:sldId id="361" r:id="rId33"/>
-    <p:sldId id="362" r:id="rId34"/>
-    <p:sldId id="369" r:id="rId35"/>
-    <p:sldId id="363" r:id="rId36"/>
-    <p:sldId id="559" r:id="rId37"/>
-    <p:sldId id="543" r:id="rId38"/>
-    <p:sldId id="544" r:id="rId39"/>
-    <p:sldId id="549" r:id="rId40"/>
-    <p:sldId id="547" r:id="rId41"/>
-    <p:sldId id="545" r:id="rId42"/>
-    <p:sldId id="546" r:id="rId43"/>
-    <p:sldId id="548" r:id="rId44"/>
-    <p:sldId id="558" r:id="rId45"/>
+    <p:sldId id="567" r:id="rId6"/>
+    <p:sldId id="568" r:id="rId7"/>
+    <p:sldId id="352" r:id="rId8"/>
+    <p:sldId id="355" r:id="rId9"/>
+    <p:sldId id="356" r:id="rId10"/>
+    <p:sldId id="354" r:id="rId11"/>
+    <p:sldId id="357" r:id="rId12"/>
+    <p:sldId id="550" r:id="rId13"/>
+    <p:sldId id="551" r:id="rId14"/>
+    <p:sldId id="564" r:id="rId15"/>
+    <p:sldId id="297" r:id="rId16"/>
+    <p:sldId id="298" r:id="rId17"/>
+    <p:sldId id="553" r:id="rId18"/>
+    <p:sldId id="552" r:id="rId19"/>
+    <p:sldId id="554" r:id="rId20"/>
+    <p:sldId id="555" r:id="rId21"/>
+    <p:sldId id="556" r:id="rId22"/>
+    <p:sldId id="561" r:id="rId23"/>
+    <p:sldId id="565" r:id="rId24"/>
+    <p:sldId id="562" r:id="rId25"/>
+    <p:sldId id="557" r:id="rId26"/>
+    <p:sldId id="368" r:id="rId27"/>
+    <p:sldId id="351" r:id="rId28"/>
+    <p:sldId id="365" r:id="rId29"/>
+    <p:sldId id="358" r:id="rId30"/>
+    <p:sldId id="366" r:id="rId31"/>
+    <p:sldId id="367" r:id="rId32"/>
+    <p:sldId id="360" r:id="rId33"/>
+    <p:sldId id="361" r:id="rId34"/>
+    <p:sldId id="362" r:id="rId35"/>
+    <p:sldId id="369" r:id="rId36"/>
+    <p:sldId id="363" r:id="rId37"/>
+    <p:sldId id="559" r:id="rId38"/>
+    <p:sldId id="543" r:id="rId39"/>
+    <p:sldId id="544" r:id="rId40"/>
+    <p:sldId id="549" r:id="rId41"/>
+    <p:sldId id="547" r:id="rId42"/>
+    <p:sldId id="545" r:id="rId43"/>
+    <p:sldId id="546" r:id="rId44"/>
+    <p:sldId id="548" r:id="rId45"/>
+    <p:sldId id="558" r:id="rId46"/>
   </p:sldIdLst>
   <p:sldSz cx="9144000" cy="5715000" type="screen16x10"/>
   <p:notesSz cx="6858000" cy="9144000"/>
@@ -161,7 +162,7 @@
 <file path=ppt/revisionInfo.xml><?xml version="1.0" encoding="utf-8"?>
 <p1510:revInfo xmlns:a="http://schemas.openxmlformats.org/drawingml/2006/main" xmlns:r="http://schemas.openxmlformats.org/officeDocument/2006/relationships" xmlns:p1510="http://schemas.microsoft.com/office/powerpoint/2015/10/main">
   <p1510:revLst>
-    <p1510:client id="{1784794D-79B0-E046-9735-6A39B25F1254}" v="113" dt="2022-04-07T13:30:48.431"/>
+    <p1510:client id="{1784794D-79B0-E046-9735-6A39B25F1254}" v="193" dt="2022-04-27T11:35:38.608"/>
   </p1510:revLst>
 </p1510:revInfo>
 </file>
@@ -2317,7 +2318,7 @@
   <pc:docChgLst>
     <pc:chgData name="Long Nguyen" userId="f59fb8f3-a021-417a-8bc1-65c8d471c621" providerId="ADAL" clId="{1784794D-79B0-E046-9735-6A39B25F1254}"/>
     <pc:docChg chg="custSel addSld delSld modSld">
-      <pc:chgData name="Long Nguyen" userId="f59fb8f3-a021-417a-8bc1-65c8d471c621" providerId="ADAL" clId="{1784794D-79B0-E046-9735-6A39B25F1254}" dt="2022-04-07T14:00:32.523" v="2786" actId="207"/>
+      <pc:chgData name="Long Nguyen" userId="f59fb8f3-a021-417a-8bc1-65c8d471c621" providerId="ADAL" clId="{1784794D-79B0-E046-9735-6A39B25F1254}" dt="2022-04-27T11:35:38.608" v="4571" actId="207"/>
       <pc:docMkLst>
         <pc:docMk/>
       </pc:docMkLst>
@@ -2383,6 +2384,20 @@
         <pc:sldMkLst>
           <pc:docMk/>
           <pc:sldMk cId="312846946" sldId="340"/>
+        </pc:sldMkLst>
+      </pc:sldChg>
+      <pc:sldChg chg="del">
+        <pc:chgData name="Long Nguyen" userId="f59fb8f3-a021-417a-8bc1-65c8d471c621" providerId="ADAL" clId="{1784794D-79B0-E046-9735-6A39B25F1254}" dt="2022-04-27T11:33:32.620" v="4554" actId="2696"/>
+        <pc:sldMkLst>
+          <pc:docMk/>
+          <pc:sldMk cId="157892284" sldId="342"/>
+        </pc:sldMkLst>
+      </pc:sldChg>
+      <pc:sldChg chg="add del">
+        <pc:chgData name="Long Nguyen" userId="f59fb8f3-a021-417a-8bc1-65c8d471c621" providerId="ADAL" clId="{1784794D-79B0-E046-9735-6A39B25F1254}" dt="2022-04-27T11:33:48.421" v="4556" actId="2696"/>
+        <pc:sldMkLst>
+          <pc:docMk/>
+          <pc:sldMk cId="506213531" sldId="342"/>
         </pc:sldMkLst>
       </pc:sldChg>
       <pc:sldChg chg="del">
@@ -2465,14 +2480,29 @@
           </ac:spMkLst>
         </pc:spChg>
       </pc:sldChg>
+      <pc:sldChg chg="modSp">
+        <pc:chgData name="Long Nguyen" userId="f59fb8f3-a021-417a-8bc1-65c8d471c621" providerId="ADAL" clId="{1784794D-79B0-E046-9735-6A39B25F1254}" dt="2022-04-27T11:35:38.608" v="4571" actId="207"/>
+        <pc:sldMkLst>
+          <pc:docMk/>
+          <pc:sldMk cId="677816976" sldId="354"/>
+        </pc:sldMkLst>
+        <pc:spChg chg="mod">
+          <ac:chgData name="Long Nguyen" userId="f59fb8f3-a021-417a-8bc1-65c8d471c621" providerId="ADAL" clId="{1784794D-79B0-E046-9735-6A39B25F1254}" dt="2022-04-27T11:35:38.608" v="4571" actId="207"/>
+          <ac:spMkLst>
+            <pc:docMk/>
+            <pc:sldMk cId="677816976" sldId="354"/>
+            <ac:spMk id="3" creationId="{03423960-73AA-8F4D-8DA1-9E54D69D5DA3}"/>
+          </ac:spMkLst>
+        </pc:spChg>
+      </pc:sldChg>
       <pc:sldChg chg="modSp mod">
-        <pc:chgData name="Long Nguyen" userId="f59fb8f3-a021-417a-8bc1-65c8d471c621" providerId="ADAL" clId="{1784794D-79B0-E046-9735-6A39B25F1254}" dt="2022-04-07T12:40:06.793" v="30" actId="27636"/>
+        <pc:chgData name="Long Nguyen" userId="f59fb8f3-a021-417a-8bc1-65c8d471c621" providerId="ADAL" clId="{1784794D-79B0-E046-9735-6A39B25F1254}" dt="2022-04-27T11:35:11.955" v="4564" actId="207"/>
         <pc:sldMkLst>
           <pc:docMk/>
           <pc:sldMk cId="3582612531" sldId="356"/>
         </pc:sldMkLst>
         <pc:spChg chg="mod">
-          <ac:chgData name="Long Nguyen" userId="f59fb8f3-a021-417a-8bc1-65c8d471c621" providerId="ADAL" clId="{1784794D-79B0-E046-9735-6A39B25F1254}" dt="2022-04-07T12:40:06.793" v="30" actId="27636"/>
+          <ac:chgData name="Long Nguyen" userId="f59fb8f3-a021-417a-8bc1-65c8d471c621" providerId="ADAL" clId="{1784794D-79B0-E046-9735-6A39B25F1254}" dt="2022-04-27T11:35:11.955" v="4564" actId="207"/>
           <ac:spMkLst>
             <pc:docMk/>
             <pc:sldMk cId="3582612531" sldId="356"/>
@@ -2862,12 +2892,20 @@
           <pc:sldMk cId="2050438063" sldId="557"/>
         </pc:sldMkLst>
       </pc:sldChg>
-      <pc:sldChg chg="addSp new">
-        <pc:chgData name="Long Nguyen" userId="f59fb8f3-a021-417a-8bc1-65c8d471c621" providerId="ADAL" clId="{1784794D-79B0-E046-9735-6A39B25F1254}" dt="2022-04-07T12:40:51.972" v="33"/>
+      <pc:sldChg chg="addSp modSp new mod">
+        <pc:chgData name="Long Nguyen" userId="f59fb8f3-a021-417a-8bc1-65c8d471c621" providerId="ADAL" clId="{1784794D-79B0-E046-9735-6A39B25F1254}" dt="2022-04-27T11:32:33.414" v="4545" actId="1076"/>
         <pc:sldMkLst>
           <pc:docMk/>
           <pc:sldMk cId="922791612" sldId="560"/>
         </pc:sldMkLst>
+        <pc:spChg chg="add mod">
+          <ac:chgData name="Long Nguyen" userId="f59fb8f3-a021-417a-8bc1-65c8d471c621" providerId="ADAL" clId="{1784794D-79B0-E046-9735-6A39B25F1254}" dt="2022-04-27T11:32:33.414" v="4545" actId="1076"/>
+          <ac:spMkLst>
+            <pc:docMk/>
+            <pc:sldMk cId="922791612" sldId="560"/>
+            <ac:spMk id="5" creationId="{05FCB7CE-D862-8E46-AFE3-CDE61F68E126}"/>
+          </ac:spMkLst>
+        </pc:spChg>
         <pc:picChg chg="add">
           <ac:chgData name="Long Nguyen" userId="f59fb8f3-a021-417a-8bc1-65c8d471c621" providerId="ADAL" clId="{1784794D-79B0-E046-9735-6A39B25F1254}" dt="2022-04-07T12:40:51.972" v="33"/>
           <ac:picMkLst>
@@ -3037,6 +3075,75 @@
             <pc:docMk/>
             <pc:sldMk cId="3349536565" sldId="565"/>
             <ac:spMk id="3" creationId="{CE6BD10B-9D13-604D-9877-97B355109287}"/>
+          </ac:spMkLst>
+        </pc:spChg>
+      </pc:sldChg>
+      <pc:sldChg chg="modSp add del mod modAnim">
+        <pc:chgData name="Long Nguyen" userId="f59fb8f3-a021-417a-8bc1-65c8d471c621" providerId="ADAL" clId="{1784794D-79B0-E046-9735-6A39B25F1254}" dt="2022-04-27T11:32:48.365" v="4546" actId="2696"/>
+        <pc:sldMkLst>
+          <pc:docMk/>
+          <pc:sldMk cId="643551689" sldId="566"/>
+        </pc:sldMkLst>
+        <pc:spChg chg="mod">
+          <ac:chgData name="Long Nguyen" userId="f59fb8f3-a021-417a-8bc1-65c8d471c621" providerId="ADAL" clId="{1784794D-79B0-E046-9735-6A39B25F1254}" dt="2022-04-26T17:13:59.449" v="2802" actId="20577"/>
+          <ac:spMkLst>
+            <pc:docMk/>
+            <pc:sldMk cId="643551689" sldId="566"/>
+            <ac:spMk id="2" creationId="{8AF91A8F-AAF8-3144-AEDE-0172CA6382EB}"/>
+          </ac:spMkLst>
+        </pc:spChg>
+        <pc:spChg chg="mod">
+          <ac:chgData name="Long Nguyen" userId="f59fb8f3-a021-417a-8bc1-65c8d471c621" providerId="ADAL" clId="{1784794D-79B0-E046-9735-6A39B25F1254}" dt="2022-04-26T17:21:12.681" v="2863" actId="20577"/>
+          <ac:spMkLst>
+            <pc:docMk/>
+            <pc:sldMk cId="643551689" sldId="566"/>
+            <ac:spMk id="3" creationId="{03423960-73AA-8F4D-8DA1-9E54D69D5DA3}"/>
+          </ac:spMkLst>
+        </pc:spChg>
+      </pc:sldChg>
+      <pc:sldChg chg="modSp new mod">
+        <pc:chgData name="Long Nguyen" userId="f59fb8f3-a021-417a-8bc1-65c8d471c621" providerId="ADAL" clId="{1784794D-79B0-E046-9735-6A39B25F1254}" dt="2022-04-26T17:27:20.420" v="3164" actId="14100"/>
+        <pc:sldMkLst>
+          <pc:docMk/>
+          <pc:sldMk cId="767340180" sldId="567"/>
+        </pc:sldMkLst>
+        <pc:spChg chg="mod">
+          <ac:chgData name="Long Nguyen" userId="f59fb8f3-a021-417a-8bc1-65c8d471c621" providerId="ADAL" clId="{1784794D-79B0-E046-9735-6A39B25F1254}" dt="2022-04-26T17:27:18.356" v="3163" actId="1076"/>
+          <ac:spMkLst>
+            <pc:docMk/>
+            <pc:sldMk cId="767340180" sldId="567"/>
+            <ac:spMk id="2" creationId="{336CA5FD-BC21-BE48-85C3-49E7B9CD3613}"/>
+          </ac:spMkLst>
+        </pc:spChg>
+        <pc:spChg chg="mod">
+          <ac:chgData name="Long Nguyen" userId="f59fb8f3-a021-417a-8bc1-65c8d471c621" providerId="ADAL" clId="{1784794D-79B0-E046-9735-6A39B25F1254}" dt="2022-04-26T17:27:20.420" v="3164" actId="14100"/>
+          <ac:spMkLst>
+            <pc:docMk/>
+            <pc:sldMk cId="767340180" sldId="567"/>
+            <ac:spMk id="3" creationId="{253D8156-5F46-4246-9D56-D51881AA7D5F}"/>
+          </ac:spMkLst>
+        </pc:spChg>
+      </pc:sldChg>
+      <pc:sldChg chg="modSp add mod modAnim">
+        <pc:chgData name="Long Nguyen" userId="f59fb8f3-a021-417a-8bc1-65c8d471c621" providerId="ADAL" clId="{1784794D-79B0-E046-9735-6A39B25F1254}" dt="2022-04-27T11:34:13.200" v="4559"/>
+        <pc:sldMkLst>
+          <pc:docMk/>
+          <pc:sldMk cId="3937576981" sldId="568"/>
+        </pc:sldMkLst>
+        <pc:spChg chg="mod">
+          <ac:chgData name="Long Nguyen" userId="f59fb8f3-a021-417a-8bc1-65c8d471c621" providerId="ADAL" clId="{1784794D-79B0-E046-9735-6A39B25F1254}" dt="2022-04-27T11:33:15.243" v="4552" actId="20577"/>
+          <ac:spMkLst>
+            <pc:docMk/>
+            <pc:sldMk cId="3937576981" sldId="568"/>
+            <ac:spMk id="2" creationId="{336CA5FD-BC21-BE48-85C3-49E7B9CD3613}"/>
+          </ac:spMkLst>
+        </pc:spChg>
+        <pc:spChg chg="mod">
+          <ac:chgData name="Long Nguyen" userId="f59fb8f3-a021-417a-8bc1-65c8d471c621" providerId="ADAL" clId="{1784794D-79B0-E046-9735-6A39B25F1254}" dt="2022-04-27T11:33:19.835" v="4553" actId="113"/>
+          <ac:spMkLst>
+            <pc:docMk/>
+            <pc:sldMk cId="3937576981" sldId="568"/>
+            <ac:spMk id="3" creationId="{253D8156-5F46-4246-9D56-D51881AA7D5F}"/>
           </ac:spMkLst>
         </pc:spChg>
       </pc:sldChg>
@@ -3643,7 +3750,7 @@
           <a:p>
             <a:fld id="{C197FFB3-5F72-214F-8E23-4869C9F92A8F}" type="datetimeFigureOut">
               <a:rPr lang="en-US" smtClean="0"/>
-              <a:t>4/7/22</a:t>
+              <a:t>4/27/22</a:t>
             </a:fld>
             <a:endParaRPr lang="en-US"/>
           </a:p>
@@ -4111,7 +4218,7 @@
                   <a:spcPct val="0"/>
                 </a:spcBef>
               </a:pPr>
-              <a:t>14</a:t>
+              <a:t>15</a:t>
             </a:fld>
             <a:endParaRPr lang="en-US" altLang="en-US"/>
           </a:p>
@@ -4390,7 +4497,7 @@
                   <a:spcPct val="0"/>
                 </a:spcBef>
               </a:pPr>
-              <a:t>15</a:t>
+              <a:t>16</a:t>
             </a:fld>
             <a:endParaRPr lang="en-US" altLang="en-US"/>
           </a:p>
@@ -4669,7 +4776,7 @@
                   <a:spcPct val="0"/>
                 </a:spcBef>
               </a:pPr>
-              <a:t>16</a:t>
+              <a:t>17</a:t>
             </a:fld>
             <a:endParaRPr lang="en-US" altLang="en-US"/>
           </a:p>
@@ -4878,7 +4985,7 @@
           <a:p>
             <a:fld id="{4AAD347D-5ACD-4C99-B74B-A9C85AD731AF}" type="datetimeFigureOut">
               <a:rPr lang="en-US" smtClean="0"/>
-              <a:t>4/7/22</a:t>
+              <a:t>4/27/22</a:t>
             </a:fld>
             <a:endParaRPr lang="en-US" dirty="0"/>
           </a:p>
@@ -5048,7 +5155,7 @@
           <a:p>
             <a:fld id="{4509A250-FF31-4206-8172-F9D3106AACB1}" type="datetimeFigureOut">
               <a:rPr lang="en-US" smtClean="0"/>
-              <a:t>4/7/22</a:t>
+              <a:t>4/27/22</a:t>
             </a:fld>
             <a:endParaRPr lang="en-US" dirty="0"/>
           </a:p>
@@ -5228,7 +5335,7 @@
           <a:p>
             <a:fld id="{4509A250-FF31-4206-8172-F9D3106AACB1}" type="datetimeFigureOut">
               <a:rPr lang="en-US" smtClean="0"/>
-              <a:t>4/7/22</a:t>
+              <a:t>4/27/22</a:t>
             </a:fld>
             <a:endParaRPr lang="en-US" dirty="0"/>
           </a:p>
@@ -5398,7 +5505,7 @@
           <a:p>
             <a:fld id="{4509A250-FF31-4206-8172-F9D3106AACB1}" type="datetimeFigureOut">
               <a:rPr lang="en-US" smtClean="0"/>
-              <a:t>4/7/22</a:t>
+              <a:t>4/27/22</a:t>
             </a:fld>
             <a:endParaRPr lang="en-US" dirty="0"/>
           </a:p>
@@ -5644,7 +5751,7 @@
           <a:p>
             <a:fld id="{9796027F-7875-4030-9381-8BD8C4F21935}" type="datetimeFigureOut">
               <a:rPr lang="en-US" smtClean="0"/>
-              <a:t>4/7/22</a:t>
+              <a:t>4/27/22</a:t>
             </a:fld>
             <a:endParaRPr lang="en-US" dirty="0"/>
           </a:p>
@@ -5876,7 +5983,7 @@
           <a:p>
             <a:fld id="{9796027F-7875-4030-9381-8BD8C4F21935}" type="datetimeFigureOut">
               <a:rPr lang="en-US" smtClean="0"/>
-              <a:t>4/7/22</a:t>
+              <a:t>4/27/22</a:t>
             </a:fld>
             <a:endParaRPr lang="en-US" dirty="0"/>
           </a:p>
@@ -6243,7 +6350,7 @@
           <a:p>
             <a:fld id="{9796027F-7875-4030-9381-8BD8C4F21935}" type="datetimeFigureOut">
               <a:rPr lang="en-US" smtClean="0"/>
-              <a:t>4/7/22</a:t>
+              <a:t>4/27/22</a:t>
             </a:fld>
             <a:endParaRPr lang="en-US" dirty="0"/>
           </a:p>
@@ -6361,7 +6468,7 @@
           <a:p>
             <a:fld id="{4509A250-FF31-4206-8172-F9D3106AACB1}" type="datetimeFigureOut">
               <a:rPr lang="en-US" smtClean="0"/>
-              <a:t>4/7/22</a:t>
+              <a:t>4/27/22</a:t>
             </a:fld>
             <a:endParaRPr lang="en-US" dirty="0"/>
           </a:p>
@@ -6456,7 +6563,7 @@
           <a:p>
             <a:fld id="{4509A250-FF31-4206-8172-F9D3106AACB1}" type="datetimeFigureOut">
               <a:rPr lang="en-US" smtClean="0"/>
-              <a:t>4/7/22</a:t>
+              <a:t>4/27/22</a:t>
             </a:fld>
             <a:endParaRPr lang="en-US" dirty="0"/>
           </a:p>
@@ -6733,7 +6840,7 @@
           <a:p>
             <a:fld id="{4509A250-FF31-4206-8172-F9D3106AACB1}" type="datetimeFigureOut">
               <a:rPr lang="en-US" smtClean="0"/>
-              <a:t>4/7/22</a:t>
+              <a:t>4/27/22</a:t>
             </a:fld>
             <a:endParaRPr lang="en-US" dirty="0"/>
           </a:p>
@@ -6990,7 +7097,7 @@
           <a:p>
             <a:fld id="{4509A250-FF31-4206-8172-F9D3106AACB1}" type="datetimeFigureOut">
               <a:rPr lang="en-US" smtClean="0"/>
-              <a:t>4/7/22</a:t>
+              <a:t>4/27/22</a:t>
             </a:fld>
             <a:endParaRPr lang="en-US" dirty="0"/>
           </a:p>
@@ -7203,7 +7310,7 @@
           <a:p>
             <a:fld id="{4AAD347D-5ACD-4C99-B74B-A9C85AD731AF}" type="datetimeFigureOut">
               <a:rPr lang="en-US" smtClean="0"/>
-              <a:t>4/7/22</a:t>
+              <a:t>4/27/22</a:t>
             </a:fld>
             <a:endParaRPr lang="en-US" dirty="0"/>
           </a:p>
@@ -7965,120 +8072,28 @@
               <a:t>public </a:t>
             </a:r>
             <a:r>
-              <a:rPr lang="en-US" sz="1900" dirty="0" err="1">
-                <a:latin typeface="Courier New" panose="02070309020205020404" pitchFamily="49" charset="0"/>
-                <a:cs typeface="Courier New" panose="02070309020205020404" pitchFamily="49" charset="0"/>
-              </a:rPr>
-              <a:t>boolean</a:t>
-            </a:r>
-            <a:r>
-              <a:rPr lang="en-US" sz="1900" dirty="0">
-                <a:latin typeface="Courier New" panose="02070309020205020404" pitchFamily="49" charset="0"/>
-                <a:cs typeface="Courier New" panose="02070309020205020404" pitchFamily="49" charset="0"/>
-              </a:rPr>
-              <a:t> </a:t>
-            </a:r>
-            <a:r>
-              <a:rPr lang="en-US" sz="1900" dirty="0" err="1">
-                <a:latin typeface="Courier New" panose="02070309020205020404" pitchFamily="49" charset="0"/>
-                <a:cs typeface="Courier New" panose="02070309020205020404" pitchFamily="49" charset="0"/>
-              </a:rPr>
-              <a:t>funMethod</a:t>
-            </a:r>
-            <a:r>
-              <a:rPr lang="en-US" sz="1900" dirty="0">
-                <a:latin typeface="Courier New" panose="02070309020205020404" pitchFamily="49" charset="0"/>
-                <a:cs typeface="Courier New" panose="02070309020205020404" pitchFamily="49" charset="0"/>
-              </a:rPr>
-              <a:t>(int something){</a:t>
-            </a:r>
-          </a:p>
-          <a:p>
-            <a:pPr marL="0" indent="0">
-              <a:buNone/>
-            </a:pPr>
-            <a:r>
-              <a:rPr lang="en-US" sz="1900" dirty="0">
-                <a:latin typeface="Courier New" panose="02070309020205020404" pitchFamily="49" charset="0"/>
-                <a:cs typeface="Courier New" panose="02070309020205020404" pitchFamily="49" charset="0"/>
-              </a:rPr>
-              <a:t>	…</a:t>
-            </a:r>
-          </a:p>
-          <a:p>
-            <a:pPr marL="0" indent="0">
-              <a:buNone/>
-            </a:pPr>
-            <a:r>
-              <a:rPr lang="en-US" sz="1900" dirty="0">
-                <a:latin typeface="Courier New" panose="02070309020205020404" pitchFamily="49" charset="0"/>
-                <a:cs typeface="Courier New" panose="02070309020205020404" pitchFamily="49" charset="0"/>
-              </a:rPr>
-              <a:t>	if(something &gt; </a:t>
-            </a:r>
-            <a:r>
-              <a:rPr lang="en-US" sz="1900" dirty="0" err="1">
-                <a:latin typeface="Courier New" panose="02070309020205020404" pitchFamily="49" charset="0"/>
-                <a:cs typeface="Courier New" panose="02070309020205020404" pitchFamily="49" charset="0"/>
-              </a:rPr>
-              <a:t>somethingElse</a:t>
-            </a:r>
-            <a:r>
-              <a:rPr lang="en-US" sz="1900" dirty="0">
-                <a:latin typeface="Courier New" panose="02070309020205020404" pitchFamily="49" charset="0"/>
-                <a:cs typeface="Courier New" panose="02070309020205020404" pitchFamily="49" charset="0"/>
-              </a:rPr>
-              <a:t>)</a:t>
-            </a:r>
-          </a:p>
-          <a:p>
-            <a:pPr marL="0" indent="0">
-              <a:buNone/>
-            </a:pPr>
-            <a:r>
-              <a:rPr lang="en-US" sz="1900" dirty="0">
-                <a:latin typeface="Courier New" panose="02070309020205020404" pitchFamily="49" charset="0"/>
-                <a:cs typeface="Courier New" panose="02070309020205020404" pitchFamily="49" charset="0"/>
-              </a:rPr>
-              <a:t>		return true;</a:t>
-            </a:r>
-          </a:p>
-          <a:p>
-            <a:pPr marL="0" indent="0">
-              <a:buNone/>
-            </a:pPr>
-            <a:r>
-              <a:rPr lang="en-US" sz="1900" dirty="0">
-                <a:latin typeface="Courier New" panose="02070309020205020404" pitchFamily="49" charset="0"/>
-                <a:cs typeface="Courier New" panose="02070309020205020404" pitchFamily="49" charset="0"/>
-              </a:rPr>
-              <a:t>	</a:t>
-            </a:r>
-            <a:r>
               <a:rPr lang="en-US" sz="1900" dirty="0">
                 <a:solidFill>
-                  <a:schemeClr val="accent6"/>
+                  <a:srgbClr val="FF0000"/>
                 </a:solidFill>
                 <a:latin typeface="Courier New" panose="02070309020205020404" pitchFamily="49" charset="0"/>
                 <a:cs typeface="Courier New" panose="02070309020205020404" pitchFamily="49" charset="0"/>
               </a:rPr>
-              <a:t>// must have a default return; every return can’t be 	// locked in an if</a:t>
-            </a:r>
-            <a:endParaRPr lang="en-US" sz="1900" dirty="0">
-              <a:latin typeface="Courier New" panose="02070309020205020404" pitchFamily="49" charset="0"/>
-              <a:cs typeface="Courier New" panose="02070309020205020404" pitchFamily="49" charset="0"/>
-            </a:endParaRPr>
-          </a:p>
-          <a:p>
-            <a:pPr marL="0" indent="0">
-              <a:buNone/>
-            </a:pPr>
+              <a:t>int[] </a:t>
+            </a:r>
+            <a:r>
+              <a:rPr lang="en-US" sz="1900" dirty="0" err="1">
+                <a:latin typeface="Courier New" panose="02070309020205020404" pitchFamily="49" charset="0"/>
+                <a:cs typeface="Courier New" panose="02070309020205020404" pitchFamily="49" charset="0"/>
+              </a:rPr>
+              <a:t>funMethod</a:t>
+            </a:r>
             <a:r>
               <a:rPr lang="en-US" sz="1900" dirty="0">
                 <a:latin typeface="Courier New" panose="02070309020205020404" pitchFamily="49" charset="0"/>
                 <a:cs typeface="Courier New" panose="02070309020205020404" pitchFamily="49" charset="0"/>
               </a:rPr>
-              <a:t>	return false; </a:t>
+              <a:t>(int length){</a:t>
             </a:r>
           </a:p>
           <a:p>
@@ -8090,6 +8105,62 @@
                 <a:latin typeface="Courier New" panose="02070309020205020404" pitchFamily="49" charset="0"/>
                 <a:cs typeface="Courier New" panose="02070309020205020404" pitchFamily="49" charset="0"/>
               </a:rPr>
+              <a:t>	</a:t>
+            </a:r>
+            <a:r>
+              <a:rPr lang="en-US" sz="1900" dirty="0">
+                <a:solidFill>
+                  <a:srgbClr val="FF0000"/>
+                </a:solidFill>
+                <a:latin typeface="Courier New" panose="02070309020205020404" pitchFamily="49" charset="0"/>
+                <a:cs typeface="Courier New" panose="02070309020205020404" pitchFamily="49" charset="0"/>
+              </a:rPr>
+              <a:t>int[] list = new int[length];</a:t>
+            </a:r>
+          </a:p>
+          <a:p>
+            <a:pPr marL="0" indent="0">
+              <a:buNone/>
+            </a:pPr>
+            <a:r>
+              <a:rPr lang="en-US" sz="1900" dirty="0">
+                <a:latin typeface="Courier New" panose="02070309020205020404" pitchFamily="49" charset="0"/>
+                <a:cs typeface="Courier New" panose="02070309020205020404" pitchFamily="49" charset="0"/>
+              </a:rPr>
+              <a:t>	…</a:t>
+            </a:r>
+          </a:p>
+          <a:p>
+            <a:pPr marL="0" indent="0">
+              <a:buNone/>
+            </a:pPr>
+            <a:r>
+              <a:rPr lang="en-US" sz="1900" dirty="0">
+                <a:latin typeface="Courier New" panose="02070309020205020404" pitchFamily="49" charset="0"/>
+                <a:cs typeface="Courier New" panose="02070309020205020404" pitchFamily="49" charset="0"/>
+              </a:rPr>
+              <a:t>	</a:t>
+            </a:r>
+            <a:r>
+              <a:rPr lang="en-US" sz="1900" dirty="0">
+                <a:solidFill>
+                  <a:srgbClr val="FF0000"/>
+                </a:solidFill>
+                <a:latin typeface="Courier New" panose="02070309020205020404" pitchFamily="49" charset="0"/>
+                <a:cs typeface="Courier New" panose="02070309020205020404" pitchFamily="49" charset="0"/>
+              </a:rPr>
+              <a:t>return list;</a:t>
+            </a:r>
+          </a:p>
+          <a:p>
+            <a:pPr marL="0" indent="0">
+              <a:buNone/>
+            </a:pPr>
+            <a:r>
+              <a:rPr lang="en-US" sz="1900" dirty="0">
+                <a:latin typeface="Courier New" panose="02070309020205020404" pitchFamily="49" charset="0"/>
+                <a:cs typeface="Courier New" panose="02070309020205020404" pitchFamily="49" charset="0"/>
+              </a:rPr>
               <a:t>}</a:t>
             </a:r>
           </a:p>
@@ -8097,33 +8168,153 @@
             <a:pPr marL="0" indent="0">
               <a:buNone/>
             </a:pPr>
-            <a:br>
+            <a:r>
               <a:rPr lang="en-US" sz="1900" dirty="0">
                 <a:latin typeface="Courier New" panose="02070309020205020404" pitchFamily="49" charset="0"/>
                 <a:cs typeface="Courier New" panose="02070309020205020404" pitchFamily="49" charset="0"/>
               </a:rPr>
-            </a:br>
-            <a:endParaRPr lang="en-US" sz="1900" dirty="0">
-              <a:latin typeface="Courier New" panose="02070309020205020404" pitchFamily="49" charset="0"/>
-              <a:cs typeface="Courier New" panose="02070309020205020404" pitchFamily="49" charset="0"/>
-            </a:endParaRPr>
-          </a:p>
-          <a:p>
-            <a:pPr marL="0" indent="0">
-              <a:buNone/>
-            </a:pPr>
-            <a:br>
+              <a:t>public </a:t>
+            </a:r>
+            <a:r>
+              <a:rPr lang="en-US" sz="1900" dirty="0" err="1">
+                <a:solidFill>
+                  <a:srgbClr val="FF0000"/>
+                </a:solidFill>
+                <a:latin typeface="Courier New" panose="02070309020205020404" pitchFamily="49" charset="0"/>
+                <a:cs typeface="Courier New" panose="02070309020205020404" pitchFamily="49" charset="0"/>
+              </a:rPr>
+              <a:t>ArrayList</a:t>
+            </a:r>
+            <a:r>
               <a:rPr lang="en-US" sz="1900" dirty="0">
-                <a:latin typeface="Courier New" panose="02070309020205020404" pitchFamily="49" charset="0"/>
-                <a:cs typeface="Courier New" panose="02070309020205020404" pitchFamily="49" charset="0"/>
-              </a:rPr>
-            </a:br>
-            <a:br>
+                <a:solidFill>
+                  <a:srgbClr val="FF0000"/>
+                </a:solidFill>
+                <a:latin typeface="Courier New" panose="02070309020205020404" pitchFamily="49" charset="0"/>
+                <a:cs typeface="Courier New" panose="02070309020205020404" pitchFamily="49" charset="0"/>
+              </a:rPr>
+              <a:t>&lt;Bug&gt;</a:t>
+            </a:r>
+            <a:r>
               <a:rPr lang="en-US" sz="1900" dirty="0">
                 <a:latin typeface="Courier New" panose="02070309020205020404" pitchFamily="49" charset="0"/>
                 <a:cs typeface="Courier New" panose="02070309020205020404" pitchFamily="49" charset="0"/>
               </a:rPr>
-            </a:br>
+              <a:t> </a:t>
+            </a:r>
+            <a:r>
+              <a:rPr lang="en-US" sz="1900" dirty="0" err="1">
+                <a:latin typeface="Courier New" panose="02070309020205020404" pitchFamily="49" charset="0"/>
+                <a:cs typeface="Courier New" panose="02070309020205020404" pitchFamily="49" charset="0"/>
+              </a:rPr>
+              <a:t>funMethod</a:t>
+            </a:r>
+            <a:r>
+              <a:rPr lang="en-US" sz="1900" dirty="0">
+                <a:latin typeface="Courier New" panose="02070309020205020404" pitchFamily="49" charset="0"/>
+                <a:cs typeface="Courier New" panose="02070309020205020404" pitchFamily="49" charset="0"/>
+              </a:rPr>
+              <a:t>(){</a:t>
+            </a:r>
+          </a:p>
+          <a:p>
+            <a:pPr marL="0" indent="0">
+              <a:buNone/>
+            </a:pPr>
+            <a:r>
+              <a:rPr lang="en-US" sz="1900" dirty="0">
+                <a:solidFill>
+                  <a:srgbClr val="FF0000"/>
+                </a:solidFill>
+                <a:latin typeface="Courier New" panose="02070309020205020404" pitchFamily="49" charset="0"/>
+                <a:cs typeface="Courier New" panose="02070309020205020404" pitchFamily="49" charset="0"/>
+              </a:rPr>
+              <a:t>	</a:t>
+            </a:r>
+            <a:r>
+              <a:rPr lang="en-US" sz="1900" dirty="0" err="1">
+                <a:solidFill>
+                  <a:srgbClr val="FF0000"/>
+                </a:solidFill>
+                <a:latin typeface="Courier New" panose="02070309020205020404" pitchFamily="49" charset="0"/>
+                <a:cs typeface="Courier New" panose="02070309020205020404" pitchFamily="49" charset="0"/>
+              </a:rPr>
+              <a:t>ArrayList</a:t>
+            </a:r>
+            <a:r>
+              <a:rPr lang="en-US" sz="1900" dirty="0">
+                <a:solidFill>
+                  <a:srgbClr val="FF0000"/>
+                </a:solidFill>
+                <a:latin typeface="Courier New" panose="02070309020205020404" pitchFamily="49" charset="0"/>
+                <a:cs typeface="Courier New" panose="02070309020205020404" pitchFamily="49" charset="0"/>
+              </a:rPr>
+              <a:t>&lt;Bug&gt; buggies = new </a:t>
+            </a:r>
+            <a:r>
+              <a:rPr lang="en-US" sz="1900" dirty="0" err="1">
+                <a:solidFill>
+                  <a:srgbClr val="FF0000"/>
+                </a:solidFill>
+                <a:latin typeface="Courier New" panose="02070309020205020404" pitchFamily="49" charset="0"/>
+                <a:cs typeface="Courier New" panose="02070309020205020404" pitchFamily="49" charset="0"/>
+              </a:rPr>
+              <a:t>ArrayList</a:t>
+            </a:r>
+            <a:r>
+              <a:rPr lang="en-US" sz="1900" dirty="0">
+                <a:solidFill>
+                  <a:srgbClr val="FF0000"/>
+                </a:solidFill>
+                <a:latin typeface="Courier New" panose="02070309020205020404" pitchFamily="49" charset="0"/>
+                <a:cs typeface="Courier New" panose="02070309020205020404" pitchFamily="49" charset="0"/>
+              </a:rPr>
+              <a:t>&lt;Bug&gt;();</a:t>
+            </a:r>
+          </a:p>
+          <a:p>
+            <a:pPr marL="0" indent="0">
+              <a:buNone/>
+            </a:pPr>
+            <a:r>
+              <a:rPr lang="en-US" sz="1900" dirty="0">
+                <a:latin typeface="Courier New" panose="02070309020205020404" pitchFamily="49" charset="0"/>
+                <a:cs typeface="Courier New" panose="02070309020205020404" pitchFamily="49" charset="0"/>
+              </a:rPr>
+              <a:t>	…</a:t>
+            </a:r>
+          </a:p>
+          <a:p>
+            <a:pPr marL="0" indent="0">
+              <a:buNone/>
+            </a:pPr>
+            <a:r>
+              <a:rPr lang="en-US" sz="1900" dirty="0">
+                <a:solidFill>
+                  <a:srgbClr val="FF0000"/>
+                </a:solidFill>
+                <a:latin typeface="Courier New" panose="02070309020205020404" pitchFamily="49" charset="0"/>
+                <a:cs typeface="Courier New" panose="02070309020205020404" pitchFamily="49" charset="0"/>
+              </a:rPr>
+              <a:t>	return buggies;</a:t>
+            </a:r>
+          </a:p>
+          <a:p>
+            <a:pPr marL="0" indent="0">
+              <a:buNone/>
+            </a:pPr>
+            <a:r>
+              <a:rPr lang="en-US" sz="1900" dirty="0">
+                <a:latin typeface="Courier New" panose="02070309020205020404" pitchFamily="49" charset="0"/>
+                <a:cs typeface="Courier New" panose="02070309020205020404" pitchFamily="49" charset="0"/>
+              </a:rPr>
+              <a:t>}</a:t>
+            </a:r>
+          </a:p>
+          <a:p>
+            <a:pPr marL="0" indent="0">
+              <a:buNone/>
+            </a:pPr>
             <a:br>
               <a:rPr lang="en-US" sz="1900" dirty="0"/>
             </a:br>
@@ -8134,13 +8325,216 @@
     </p:spTree>
     <p:extLst>
       <p:ext uri="{BB962C8B-B14F-4D97-AF65-F5344CB8AC3E}">
-        <p14:creationId xmlns:p14="http://schemas.microsoft.com/office/powerpoint/2010/main" val="1418230355"/>
+        <p14:creationId xmlns:p14="http://schemas.microsoft.com/office/powerpoint/2010/main" val="677816976"/>
       </p:ext>
     </p:extLst>
   </p:cSld>
   <p:clrMapOvr>
     <a:masterClrMapping/>
   </p:clrMapOvr>
+  <p:timing>
+    <p:tnLst>
+      <p:par>
+        <p:cTn id="1" dur="indefinite" restart="never" nodeType="tmRoot">
+          <p:childTnLst>
+            <p:seq concurrent="1" nextAc="seek">
+              <p:cTn id="2" dur="indefinite" nodeType="mainSeq">
+                <p:childTnLst>
+                  <p:par>
+                    <p:cTn id="3" fill="hold">
+                      <p:stCondLst>
+                        <p:cond delay="indefinite"/>
+                      </p:stCondLst>
+                      <p:childTnLst>
+                        <p:par>
+                          <p:cTn id="4" fill="hold">
+                            <p:stCondLst>
+                              <p:cond delay="0"/>
+                            </p:stCondLst>
+                            <p:childTnLst>
+                              <p:par>
+                                <p:cTn id="5" presetID="1" presetClass="entr" presetSubtype="0" fill="hold" nodeType="clickEffect">
+                                  <p:stCondLst>
+                                    <p:cond delay="0"/>
+                                  </p:stCondLst>
+                                  <p:childTnLst>
+                                    <p:set>
+                                      <p:cBhvr>
+                                        <p:cTn id="6" dur="1" fill="hold">
+                                          <p:stCondLst>
+                                            <p:cond delay="0"/>
+                                          </p:stCondLst>
+                                        </p:cTn>
+                                        <p:tgtEl>
+                                          <p:spTgt spid="3">
+                                            <p:txEl>
+                                              <p:pRg st="6" end="6"/>
+                                            </p:txEl>
+                                          </p:spTgt>
+                                        </p:tgtEl>
+                                        <p:attrNameLst>
+                                          <p:attrName>style.visibility</p:attrName>
+                                        </p:attrNameLst>
+                                      </p:cBhvr>
+                                      <p:to>
+                                        <p:strVal val="visible"/>
+                                      </p:to>
+                                    </p:set>
+                                  </p:childTnLst>
+                                </p:cTn>
+                              </p:par>
+                              <p:par>
+                                <p:cTn id="7" presetID="1" presetClass="entr" presetSubtype="0" fill="hold" nodeType="withEffect">
+                                  <p:stCondLst>
+                                    <p:cond delay="0"/>
+                                  </p:stCondLst>
+                                  <p:childTnLst>
+                                    <p:set>
+                                      <p:cBhvr>
+                                        <p:cTn id="8" dur="1" fill="hold">
+                                          <p:stCondLst>
+                                            <p:cond delay="0"/>
+                                          </p:stCondLst>
+                                        </p:cTn>
+                                        <p:tgtEl>
+                                          <p:spTgt spid="3">
+                                            <p:txEl>
+                                              <p:pRg st="7" end="7"/>
+                                            </p:txEl>
+                                          </p:spTgt>
+                                        </p:tgtEl>
+                                        <p:attrNameLst>
+                                          <p:attrName>style.visibility</p:attrName>
+                                        </p:attrNameLst>
+                                      </p:cBhvr>
+                                      <p:to>
+                                        <p:strVal val="visible"/>
+                                      </p:to>
+                                    </p:set>
+                                  </p:childTnLst>
+                                </p:cTn>
+                              </p:par>
+                              <p:par>
+                                <p:cTn id="9" presetID="1" presetClass="entr" presetSubtype="0" fill="hold" nodeType="withEffect">
+                                  <p:stCondLst>
+                                    <p:cond delay="0"/>
+                                  </p:stCondLst>
+                                  <p:childTnLst>
+                                    <p:set>
+                                      <p:cBhvr>
+                                        <p:cTn id="10" dur="1" fill="hold">
+                                          <p:stCondLst>
+                                            <p:cond delay="0"/>
+                                          </p:stCondLst>
+                                        </p:cTn>
+                                        <p:tgtEl>
+                                          <p:spTgt spid="3">
+                                            <p:txEl>
+                                              <p:pRg st="8" end="8"/>
+                                            </p:txEl>
+                                          </p:spTgt>
+                                        </p:tgtEl>
+                                        <p:attrNameLst>
+                                          <p:attrName>style.visibility</p:attrName>
+                                        </p:attrNameLst>
+                                      </p:cBhvr>
+                                      <p:to>
+                                        <p:strVal val="visible"/>
+                                      </p:to>
+                                    </p:set>
+                                  </p:childTnLst>
+                                </p:cTn>
+                              </p:par>
+                              <p:par>
+                                <p:cTn id="11" presetID="1" presetClass="entr" presetSubtype="0" fill="hold" nodeType="withEffect">
+                                  <p:stCondLst>
+                                    <p:cond delay="0"/>
+                                  </p:stCondLst>
+                                  <p:childTnLst>
+                                    <p:set>
+                                      <p:cBhvr>
+                                        <p:cTn id="12" dur="1" fill="hold">
+                                          <p:stCondLst>
+                                            <p:cond delay="0"/>
+                                          </p:stCondLst>
+                                        </p:cTn>
+                                        <p:tgtEl>
+                                          <p:spTgt spid="3">
+                                            <p:txEl>
+                                              <p:pRg st="9" end="9"/>
+                                            </p:txEl>
+                                          </p:spTgt>
+                                        </p:tgtEl>
+                                        <p:attrNameLst>
+                                          <p:attrName>style.visibility</p:attrName>
+                                        </p:attrNameLst>
+                                      </p:cBhvr>
+                                      <p:to>
+                                        <p:strVal val="visible"/>
+                                      </p:to>
+                                    </p:set>
+                                  </p:childTnLst>
+                                </p:cTn>
+                              </p:par>
+                              <p:par>
+                                <p:cTn id="13" presetID="1" presetClass="entr" presetSubtype="0" fill="hold" nodeType="withEffect">
+                                  <p:stCondLst>
+                                    <p:cond delay="0"/>
+                                  </p:stCondLst>
+                                  <p:childTnLst>
+                                    <p:set>
+                                      <p:cBhvr>
+                                        <p:cTn id="14" dur="1" fill="hold">
+                                          <p:stCondLst>
+                                            <p:cond delay="0"/>
+                                          </p:stCondLst>
+                                        </p:cTn>
+                                        <p:tgtEl>
+                                          <p:spTgt spid="3">
+                                            <p:txEl>
+                                              <p:pRg st="10" end="10"/>
+                                            </p:txEl>
+                                          </p:spTgt>
+                                        </p:tgtEl>
+                                        <p:attrNameLst>
+                                          <p:attrName>style.visibility</p:attrName>
+                                        </p:attrNameLst>
+                                      </p:cBhvr>
+                                      <p:to>
+                                        <p:strVal val="visible"/>
+                                      </p:to>
+                                    </p:set>
+                                  </p:childTnLst>
+                                </p:cTn>
+                              </p:par>
+                            </p:childTnLst>
+                          </p:cTn>
+                        </p:par>
+                      </p:childTnLst>
+                    </p:cTn>
+                  </p:par>
+                </p:childTnLst>
+              </p:cTn>
+              <p:prevCondLst>
+                <p:cond evt="onPrev" delay="0">
+                  <p:tgtEl>
+                    <p:sldTgt/>
+                  </p:tgtEl>
+                </p:cond>
+              </p:prevCondLst>
+              <p:nextCondLst>
+                <p:cond evt="onNext" delay="0">
+                  <p:tgtEl>
+                    <p:sldTgt/>
+                  </p:tgtEl>
+                </p:cond>
+              </p:nextCondLst>
+            </p:seq>
+          </p:childTnLst>
+        </p:cTn>
+      </p:par>
+    </p:tnLst>
+  </p:timing>
 </p:sld>
 </file>
 
@@ -8166,7 +8560,7 @@
           <p:cNvPr id="2" name="Title 1">
             <a:extLst>
               <a:ext uri="{FF2B5EF4-FFF2-40B4-BE49-F238E27FC236}">
-                <a16:creationId xmlns:a16="http://schemas.microsoft.com/office/drawing/2014/main" id="{BC6F9511-CB58-AC49-AD98-860912780FFE}"/>
+                <a16:creationId xmlns:a16="http://schemas.microsoft.com/office/drawing/2014/main" id="{8AF91A8F-AAF8-3144-AEDE-0172CA6382EB}"/>
               </a:ext>
             </a:extLst>
           </p:cNvPr>
@@ -8179,41 +8573,244 @@
         </p:nvSpPr>
         <p:spPr>
           <a:xfrm>
-            <a:off x="628650" y="2563244"/>
-            <a:ext cx="7886700" cy="588511"/>
+            <a:off x="94004" y="133611"/>
+            <a:ext cx="7891506" cy="616283"/>
+          </a:xfrm>
+        </p:spPr>
+        <p:txBody>
+          <a:bodyPr/>
+          <a:lstStyle/>
+          <a:p>
+            <a:r>
+              <a:rPr lang="en-US" dirty="0"/>
+              <a:t>More Examples</a:t>
+            </a:r>
+          </a:p>
+        </p:txBody>
+      </p:sp>
+      <p:sp>
+        <p:nvSpPr>
+          <p:cNvPr id="3" name="Content Placeholder 2">
+            <a:extLst>
+              <a:ext uri="{FF2B5EF4-FFF2-40B4-BE49-F238E27FC236}">
+                <a16:creationId xmlns:a16="http://schemas.microsoft.com/office/drawing/2014/main" id="{03423960-73AA-8F4D-8DA1-9E54D69D5DA3}"/>
+              </a:ext>
+            </a:extLst>
+          </p:cNvPr>
+          <p:cNvSpPr>
+            <a:spLocks noGrp="1"/>
+          </p:cNvSpPr>
+          <p:nvPr>
+            <p:ph idx="1"/>
+          </p:nvPr>
+        </p:nvSpPr>
+        <p:spPr>
+          <a:xfrm>
+            <a:off x="170916" y="769121"/>
+            <a:ext cx="8716710" cy="4666003"/>
           </a:xfrm>
         </p:spPr>
         <p:txBody>
           <a:bodyPr>
-            <a:normAutofit fontScale="90000"/>
+            <a:noAutofit/>
           </a:bodyPr>
           <a:lstStyle/>
           <a:p>
-            <a:r>
-              <a:rPr lang="en-US" dirty="0"/>
-              <a:t>Question 1: Methods and Control Structures</a:t>
-            </a:r>
+            <a:pPr marL="0" indent="0">
+              <a:buNone/>
+            </a:pPr>
+            <a:r>
+              <a:rPr lang="en-US" sz="1900" dirty="0">
+                <a:solidFill>
+                  <a:srgbClr val="FF0000"/>
+                </a:solidFill>
+              </a:rPr>
+              <a:t>Leave Nothing Blank! Get partial credit if not full credit!</a:t>
+            </a:r>
+            <a:endParaRPr lang="en-US" sz="1900" dirty="0"/>
+          </a:p>
+          <a:p>
+            <a:pPr marL="0" indent="0">
+              <a:buNone/>
+            </a:pPr>
+            <a:r>
+              <a:rPr lang="en-US" sz="1900" dirty="0">
+                <a:latin typeface="Courier New" panose="02070309020205020404" pitchFamily="49" charset="0"/>
+                <a:cs typeface="Courier New" panose="02070309020205020404" pitchFamily="49" charset="0"/>
+              </a:rPr>
+              <a:t>public </a:t>
+            </a:r>
+            <a:r>
+              <a:rPr lang="en-US" sz="1900" dirty="0" err="1">
+                <a:latin typeface="Courier New" panose="02070309020205020404" pitchFamily="49" charset="0"/>
+                <a:cs typeface="Courier New" panose="02070309020205020404" pitchFamily="49" charset="0"/>
+              </a:rPr>
+              <a:t>boolean</a:t>
+            </a:r>
+            <a:r>
+              <a:rPr lang="en-US" sz="1900" dirty="0">
+                <a:latin typeface="Courier New" panose="02070309020205020404" pitchFamily="49" charset="0"/>
+                <a:cs typeface="Courier New" panose="02070309020205020404" pitchFamily="49" charset="0"/>
+              </a:rPr>
+              <a:t> </a:t>
+            </a:r>
+            <a:r>
+              <a:rPr lang="en-US" sz="1900" dirty="0" err="1">
+                <a:latin typeface="Courier New" panose="02070309020205020404" pitchFamily="49" charset="0"/>
+                <a:cs typeface="Courier New" panose="02070309020205020404" pitchFamily="49" charset="0"/>
+              </a:rPr>
+              <a:t>funMethod</a:t>
+            </a:r>
+            <a:r>
+              <a:rPr lang="en-US" sz="1900" dirty="0">
+                <a:latin typeface="Courier New" panose="02070309020205020404" pitchFamily="49" charset="0"/>
+                <a:cs typeface="Courier New" panose="02070309020205020404" pitchFamily="49" charset="0"/>
+              </a:rPr>
+              <a:t>(int something){</a:t>
+            </a:r>
+          </a:p>
+          <a:p>
+            <a:pPr marL="0" indent="0">
+              <a:buNone/>
+            </a:pPr>
+            <a:r>
+              <a:rPr lang="en-US" sz="1900" dirty="0">
+                <a:latin typeface="Courier New" panose="02070309020205020404" pitchFamily="49" charset="0"/>
+                <a:cs typeface="Courier New" panose="02070309020205020404" pitchFamily="49" charset="0"/>
+              </a:rPr>
+              <a:t>	…</a:t>
+            </a:r>
+          </a:p>
+          <a:p>
+            <a:pPr marL="0" indent="0">
+              <a:buNone/>
+            </a:pPr>
+            <a:r>
+              <a:rPr lang="en-US" sz="1900" dirty="0">
+                <a:latin typeface="Courier New" panose="02070309020205020404" pitchFamily="49" charset="0"/>
+                <a:cs typeface="Courier New" panose="02070309020205020404" pitchFamily="49" charset="0"/>
+              </a:rPr>
+              <a:t>	if(something &gt; </a:t>
+            </a:r>
+            <a:r>
+              <a:rPr lang="en-US" sz="1900" dirty="0" err="1">
+                <a:latin typeface="Courier New" panose="02070309020205020404" pitchFamily="49" charset="0"/>
+                <a:cs typeface="Courier New" panose="02070309020205020404" pitchFamily="49" charset="0"/>
+              </a:rPr>
+              <a:t>somethingElse</a:t>
+            </a:r>
+            <a:r>
+              <a:rPr lang="en-US" sz="1900" dirty="0">
+                <a:latin typeface="Courier New" panose="02070309020205020404" pitchFamily="49" charset="0"/>
+                <a:cs typeface="Courier New" panose="02070309020205020404" pitchFamily="49" charset="0"/>
+              </a:rPr>
+              <a:t>)</a:t>
+            </a:r>
+          </a:p>
+          <a:p>
+            <a:pPr marL="0" indent="0">
+              <a:buNone/>
+            </a:pPr>
+            <a:r>
+              <a:rPr lang="en-US" sz="1900" dirty="0">
+                <a:latin typeface="Courier New" panose="02070309020205020404" pitchFamily="49" charset="0"/>
+                <a:cs typeface="Courier New" panose="02070309020205020404" pitchFamily="49" charset="0"/>
+              </a:rPr>
+              <a:t>		return true;</a:t>
+            </a:r>
+          </a:p>
+          <a:p>
+            <a:pPr marL="0" indent="0">
+              <a:buNone/>
+            </a:pPr>
+            <a:r>
+              <a:rPr lang="en-US" sz="1900" dirty="0">
+                <a:latin typeface="Courier New" panose="02070309020205020404" pitchFamily="49" charset="0"/>
+                <a:cs typeface="Courier New" panose="02070309020205020404" pitchFamily="49" charset="0"/>
+              </a:rPr>
+              <a:t>	</a:t>
+            </a:r>
+            <a:r>
+              <a:rPr lang="en-US" sz="1900" dirty="0">
+                <a:solidFill>
+                  <a:schemeClr val="accent6"/>
+                </a:solidFill>
+                <a:latin typeface="Courier New" panose="02070309020205020404" pitchFamily="49" charset="0"/>
+                <a:cs typeface="Courier New" panose="02070309020205020404" pitchFamily="49" charset="0"/>
+              </a:rPr>
+              <a:t>// must have a default return; every return can’t be 	// locked in an if</a:t>
+            </a:r>
+            <a:endParaRPr lang="en-US" sz="1900" dirty="0">
+              <a:latin typeface="Courier New" panose="02070309020205020404" pitchFamily="49" charset="0"/>
+              <a:cs typeface="Courier New" panose="02070309020205020404" pitchFamily="49" charset="0"/>
+            </a:endParaRPr>
+          </a:p>
+          <a:p>
+            <a:pPr marL="0" indent="0">
+              <a:buNone/>
+            </a:pPr>
+            <a:r>
+              <a:rPr lang="en-US" sz="1900" dirty="0">
+                <a:latin typeface="Courier New" panose="02070309020205020404" pitchFamily="49" charset="0"/>
+                <a:cs typeface="Courier New" panose="02070309020205020404" pitchFamily="49" charset="0"/>
+              </a:rPr>
+              <a:t>	return false; </a:t>
+            </a:r>
+          </a:p>
+          <a:p>
+            <a:pPr marL="0" indent="0">
+              <a:buNone/>
+            </a:pPr>
+            <a:r>
+              <a:rPr lang="en-US" sz="1900" dirty="0">
+                <a:latin typeface="Courier New" panose="02070309020205020404" pitchFamily="49" charset="0"/>
+                <a:cs typeface="Courier New" panose="02070309020205020404" pitchFamily="49" charset="0"/>
+              </a:rPr>
+              <a:t>}</a:t>
+            </a:r>
+          </a:p>
+          <a:p>
+            <a:pPr marL="0" indent="0">
+              <a:buNone/>
+            </a:pPr>
             <a:br>
-              <a:rPr lang="en-US" dirty="0"/>
+              <a:rPr lang="en-US" sz="1900" dirty="0">
+                <a:latin typeface="Courier New" panose="02070309020205020404" pitchFamily="49" charset="0"/>
+                <a:cs typeface="Courier New" panose="02070309020205020404" pitchFamily="49" charset="0"/>
+              </a:rPr>
             </a:br>
-            <a:r>
-              <a:rPr lang="en-US" dirty="0"/>
-              <a:t>See previous years' similar FRQs: </a:t>
-            </a:r>
+            <a:endParaRPr lang="en-US" sz="1900" dirty="0">
+              <a:latin typeface="Courier New" panose="02070309020205020404" pitchFamily="49" charset="0"/>
+              <a:cs typeface="Courier New" panose="02070309020205020404" pitchFamily="49" charset="0"/>
+            </a:endParaRPr>
+          </a:p>
+          <a:p>
+            <a:pPr marL="0" indent="0">
+              <a:buNone/>
+            </a:pPr>
             <a:br>
-              <a:rPr lang="en-US" dirty="0"/>
+              <a:rPr lang="en-US" sz="1900" dirty="0">
+                <a:latin typeface="Courier New" panose="02070309020205020404" pitchFamily="49" charset="0"/>
+                <a:cs typeface="Courier New" panose="02070309020205020404" pitchFamily="49" charset="0"/>
+              </a:rPr>
             </a:br>
-            <a:r>
-              <a:rPr lang="en-US" dirty="0"/>
-              <a:t>2018 #1, 2019 #1, 2017 #3, 2018 #2, 2021#1</a:t>
-            </a:r>
+            <a:br>
+              <a:rPr lang="en-US" sz="1900" dirty="0">
+                <a:latin typeface="Courier New" panose="02070309020205020404" pitchFamily="49" charset="0"/>
+                <a:cs typeface="Courier New" panose="02070309020205020404" pitchFamily="49" charset="0"/>
+              </a:rPr>
+            </a:br>
+            <a:br>
+              <a:rPr lang="en-US" sz="1900" dirty="0"/>
+            </a:br>
+            <a:endParaRPr lang="en-US" sz="1900" dirty="0"/>
           </a:p>
         </p:txBody>
       </p:sp>
     </p:spTree>
     <p:extLst>
       <p:ext uri="{BB962C8B-B14F-4D97-AF65-F5344CB8AC3E}">
-        <p14:creationId xmlns:p14="http://schemas.microsoft.com/office/powerpoint/2010/main" val="344695802"/>
+        <p14:creationId xmlns:p14="http://schemas.microsoft.com/office/powerpoint/2010/main" val="1418230355"/>
       </p:ext>
     </p:extLst>
   </p:cSld>
@@ -8258,188 +8855,41 @@
         </p:nvSpPr>
         <p:spPr>
           <a:xfrm>
-            <a:off x="167177" y="128185"/>
+            <a:off x="628650" y="2563244"/>
             <a:ext cx="7886700" cy="588511"/>
           </a:xfrm>
         </p:spPr>
         <p:txBody>
-          <a:bodyPr/>
-          <a:lstStyle/>
-          <a:p>
-            <a:r>
-              <a:rPr lang="en-US" dirty="0"/>
-              <a:t>Methods and Control Structures</a:t>
-            </a:r>
-          </a:p>
-        </p:txBody>
-      </p:sp>
-      <p:sp>
-        <p:nvSpPr>
-          <p:cNvPr id="3" name="Content Placeholder 2">
-            <a:extLst>
-              <a:ext uri="{FF2B5EF4-FFF2-40B4-BE49-F238E27FC236}">
-                <a16:creationId xmlns:a16="http://schemas.microsoft.com/office/drawing/2014/main" id="{CE6BD10B-9D13-604D-9877-97B355109287}"/>
-              </a:ext>
-            </a:extLst>
-          </p:cNvPr>
-          <p:cNvSpPr>
-            <a:spLocks noGrp="1"/>
-          </p:cNvSpPr>
-          <p:nvPr>
-            <p:ph idx="1"/>
-          </p:nvPr>
-        </p:nvSpPr>
-        <p:spPr>
-          <a:xfrm>
-            <a:off x="167177" y="888763"/>
-            <a:ext cx="8780270" cy="4623273"/>
-          </a:xfrm>
-        </p:spPr>
-        <p:txBody>
           <a:bodyPr>
-            <a:normAutofit lnSpcReduction="10000"/>
+            <a:normAutofit fontScale="90000"/>
           </a:bodyPr>
           <a:lstStyle/>
           <a:p>
-            <a:pPr marL="0" indent="0">
-              <a:buNone/>
-            </a:pPr>
-            <a:r>
-              <a:rPr lang="en-US" dirty="0">
-                <a:latin typeface="Gill Sans MT" panose="020B0502020104020203" pitchFamily="34" charset="77"/>
-                <a:cs typeface="Courier New" panose="02070309020205020404" pitchFamily="49" charset="0"/>
-              </a:rPr>
-              <a:t>Question 1 of the FRQ will likely ask you to write methods that utilize control structures(for vs while loops, conditionals). </a:t>
-            </a:r>
-          </a:p>
-          <a:p>
-            <a:pPr marL="0" indent="0">
-              <a:buNone/>
-            </a:pPr>
-            <a:endParaRPr lang="en-US" dirty="0">
-              <a:latin typeface="Gill Sans MT" panose="020B0502020104020203" pitchFamily="34" charset="77"/>
-              <a:cs typeface="Courier New" panose="02070309020205020404" pitchFamily="49" charset="0"/>
-            </a:endParaRPr>
-          </a:p>
-          <a:p>
-            <a:pPr marL="0" indent="0">
-              <a:buNone/>
-            </a:pPr>
-            <a:r>
-              <a:rPr lang="en-US" dirty="0">
-                <a:latin typeface="Gill Sans MT" panose="020B0502020104020203" pitchFamily="34" charset="77"/>
-                <a:cs typeface="Courier New" panose="02070309020205020404" pitchFamily="49" charset="0"/>
-              </a:rPr>
-              <a:t>You are given (usually static) methods with parameters and will be asked to write a method that calls one of the given methods in its implementation. </a:t>
-            </a:r>
-          </a:p>
-          <a:p>
-            <a:pPr marL="0" indent="0">
-              <a:buNone/>
-            </a:pPr>
-            <a:endParaRPr lang="en-US" dirty="0">
-              <a:latin typeface="Gill Sans MT" panose="020B0502020104020203" pitchFamily="34" charset="77"/>
-              <a:cs typeface="Courier New" panose="02070309020205020404" pitchFamily="49" charset="0"/>
-            </a:endParaRPr>
-          </a:p>
-          <a:p>
-            <a:pPr marL="0" indent="0">
-              <a:buNone/>
-            </a:pPr>
             <a:r>
               <a:rPr lang="en-US" dirty="0"/>
-              <a:t>If a method comment says /* Implementation not shown */. You do not to implement the method. But you'll likely need to use the method in your code at least once.</a:t>
-            </a:r>
-          </a:p>
-          <a:p>
-            <a:pPr marL="0" indent="0">
-              <a:buNone/>
-            </a:pPr>
-            <a:endParaRPr lang="en-US" dirty="0"/>
-          </a:p>
-          <a:p>
-            <a:pPr marL="0" indent="0">
-              <a:buNone/>
-            </a:pPr>
-            <a:r>
-              <a:rPr lang="en-US" dirty="0">
-                <a:solidFill>
-                  <a:srgbClr val="FF0000"/>
-                </a:solidFill>
-              </a:rPr>
-              <a:t>AVOID using arrays/</a:t>
-            </a:r>
-            <a:r>
-              <a:rPr lang="en-US" dirty="0" err="1">
-                <a:solidFill>
-                  <a:srgbClr val="FF0000"/>
-                </a:solidFill>
-              </a:rPr>
-              <a:t>arraylists</a:t>
-            </a:r>
-            <a:r>
-              <a:rPr lang="en-US" dirty="0">
-                <a:solidFill>
-                  <a:srgbClr val="FF0000"/>
-                </a:solidFill>
-              </a:rPr>
-              <a:t> for this problem.</a:t>
-            </a:r>
-          </a:p>
-          <a:p>
-            <a:pPr marL="0" indent="0">
-              <a:buNone/>
-            </a:pPr>
-            <a:endParaRPr lang="en-US" dirty="0">
-              <a:latin typeface="Gill Sans MT" panose="020B0502020104020203" pitchFamily="34" charset="77"/>
-              <a:cs typeface="Courier New" panose="02070309020205020404" pitchFamily="49" charset="0"/>
-            </a:endParaRPr>
-          </a:p>
-          <a:p>
-            <a:pPr marL="0" indent="0">
-              <a:buNone/>
-            </a:pPr>
-            <a:r>
-              <a:rPr lang="en-US" dirty="0">
-                <a:latin typeface="Gill Sans MT" panose="020B0502020104020203" pitchFamily="34" charset="77"/>
-                <a:cs typeface="Courier New" panose="02070309020205020404" pitchFamily="49" charset="0"/>
-              </a:rPr>
-              <a:t>2019 #1 is a good example of this problem. </a:t>
-            </a:r>
-          </a:p>
-          <a:p>
-            <a:pPr marL="0" indent="0">
-              <a:buNone/>
-            </a:pPr>
-            <a:endParaRPr lang="en-US" dirty="0">
-              <a:latin typeface="Gill Sans MT" panose="020B0502020104020203" pitchFamily="34" charset="77"/>
-              <a:cs typeface="Courier New" panose="02070309020205020404" pitchFamily="49" charset="0"/>
-            </a:endParaRPr>
-          </a:p>
-          <a:p>
-            <a:pPr marL="0" indent="0">
-              <a:buNone/>
-            </a:pPr>
-            <a:endParaRPr lang="en-US" dirty="0">
-              <a:latin typeface="Gill Sans MT" panose="020B0502020104020203" pitchFamily="34" charset="77"/>
-              <a:cs typeface="Courier New" panose="02070309020205020404" pitchFamily="49" charset="0"/>
-            </a:endParaRPr>
-          </a:p>
-          <a:p>
-            <a:pPr marL="0" indent="0">
-              <a:buNone/>
-            </a:pPr>
-            <a:endParaRPr lang="en-US" dirty="0">
-              <a:latin typeface="Gill Sans MT" panose="020B0502020104020203" pitchFamily="34" charset="77"/>
-              <a:cs typeface="Courier New" panose="02070309020205020404" pitchFamily="49" charset="0"/>
-            </a:endParaRPr>
+              <a:t>Question 1: Methods and Control Structures</a:t>
+            </a:r>
+            <a:br>
+              <a:rPr lang="en-US" dirty="0"/>
+            </a:br>
+            <a:r>
+              <a:rPr lang="en-US" dirty="0"/>
+              <a:t>See previous years' similar FRQs: </a:t>
+            </a:r>
+            <a:br>
+              <a:rPr lang="en-US" dirty="0"/>
+            </a:br>
+            <a:r>
+              <a:rPr lang="en-US" dirty="0"/>
+              <a:t>2018 #1, 2019 #1, 2017 #3, 2018 #2, 2021#1</a:t>
+            </a:r>
           </a:p>
         </p:txBody>
       </p:sp>
     </p:spTree>
     <p:extLst>
       <p:ext uri="{BB962C8B-B14F-4D97-AF65-F5344CB8AC3E}">
-        <p14:creationId xmlns:p14="http://schemas.microsoft.com/office/powerpoint/2010/main" val="102519431"/>
+        <p14:creationId xmlns:p14="http://schemas.microsoft.com/office/powerpoint/2010/main" val="344695802"/>
       </p:ext>
     </p:extLst>
   </p:cSld>
@@ -8522,6 +8972,232 @@
           </a:xfrm>
         </p:spPr>
         <p:txBody>
+          <a:bodyPr>
+            <a:normAutofit lnSpcReduction="10000"/>
+          </a:bodyPr>
+          <a:lstStyle/>
+          <a:p>
+            <a:pPr marL="0" indent="0">
+              <a:buNone/>
+            </a:pPr>
+            <a:r>
+              <a:rPr lang="en-US" dirty="0">
+                <a:latin typeface="Gill Sans MT" panose="020B0502020104020203" pitchFamily="34" charset="77"/>
+                <a:cs typeface="Courier New" panose="02070309020205020404" pitchFamily="49" charset="0"/>
+              </a:rPr>
+              <a:t>Question 1 of the FRQ will likely ask you to write methods that utilize control structures(for vs while loops, conditionals). </a:t>
+            </a:r>
+          </a:p>
+          <a:p>
+            <a:pPr marL="0" indent="0">
+              <a:buNone/>
+            </a:pPr>
+            <a:endParaRPr lang="en-US" dirty="0">
+              <a:latin typeface="Gill Sans MT" panose="020B0502020104020203" pitchFamily="34" charset="77"/>
+              <a:cs typeface="Courier New" panose="02070309020205020404" pitchFamily="49" charset="0"/>
+            </a:endParaRPr>
+          </a:p>
+          <a:p>
+            <a:pPr marL="0" indent="0">
+              <a:buNone/>
+            </a:pPr>
+            <a:r>
+              <a:rPr lang="en-US" dirty="0">
+                <a:latin typeface="Gill Sans MT" panose="020B0502020104020203" pitchFamily="34" charset="77"/>
+                <a:cs typeface="Courier New" panose="02070309020205020404" pitchFamily="49" charset="0"/>
+              </a:rPr>
+              <a:t>You are given (usually static) methods with parameters and will be asked to write a method that calls one of the given methods in its implementation. </a:t>
+            </a:r>
+          </a:p>
+          <a:p>
+            <a:pPr marL="0" indent="0">
+              <a:buNone/>
+            </a:pPr>
+            <a:endParaRPr lang="en-US" dirty="0">
+              <a:latin typeface="Gill Sans MT" panose="020B0502020104020203" pitchFamily="34" charset="77"/>
+              <a:cs typeface="Courier New" panose="02070309020205020404" pitchFamily="49" charset="0"/>
+            </a:endParaRPr>
+          </a:p>
+          <a:p>
+            <a:pPr marL="0" indent="0">
+              <a:buNone/>
+            </a:pPr>
+            <a:r>
+              <a:rPr lang="en-US" dirty="0"/>
+              <a:t>If a method comment says /* Implementation not shown */. You do not to implement the method. But you'll likely need to use the method in your code at least once.</a:t>
+            </a:r>
+          </a:p>
+          <a:p>
+            <a:pPr marL="0" indent="0">
+              <a:buNone/>
+            </a:pPr>
+            <a:endParaRPr lang="en-US" dirty="0"/>
+          </a:p>
+          <a:p>
+            <a:pPr marL="0" indent="0">
+              <a:buNone/>
+            </a:pPr>
+            <a:r>
+              <a:rPr lang="en-US" dirty="0">
+                <a:solidFill>
+                  <a:srgbClr val="FF0000"/>
+                </a:solidFill>
+              </a:rPr>
+              <a:t>AVOID using arrays/</a:t>
+            </a:r>
+            <a:r>
+              <a:rPr lang="en-US" dirty="0" err="1">
+                <a:solidFill>
+                  <a:srgbClr val="FF0000"/>
+                </a:solidFill>
+              </a:rPr>
+              <a:t>arraylists</a:t>
+            </a:r>
+            <a:r>
+              <a:rPr lang="en-US" dirty="0">
+                <a:solidFill>
+                  <a:srgbClr val="FF0000"/>
+                </a:solidFill>
+              </a:rPr>
+              <a:t> for this problem.</a:t>
+            </a:r>
+          </a:p>
+          <a:p>
+            <a:pPr marL="0" indent="0">
+              <a:buNone/>
+            </a:pPr>
+            <a:endParaRPr lang="en-US" dirty="0">
+              <a:latin typeface="Gill Sans MT" panose="020B0502020104020203" pitchFamily="34" charset="77"/>
+              <a:cs typeface="Courier New" panose="02070309020205020404" pitchFamily="49" charset="0"/>
+            </a:endParaRPr>
+          </a:p>
+          <a:p>
+            <a:pPr marL="0" indent="0">
+              <a:buNone/>
+            </a:pPr>
+            <a:r>
+              <a:rPr lang="en-US" dirty="0">
+                <a:latin typeface="Gill Sans MT" panose="020B0502020104020203" pitchFamily="34" charset="77"/>
+                <a:cs typeface="Courier New" panose="02070309020205020404" pitchFamily="49" charset="0"/>
+              </a:rPr>
+              <a:t>2019 #1 is a good example of this problem. </a:t>
+            </a:r>
+          </a:p>
+          <a:p>
+            <a:pPr marL="0" indent="0">
+              <a:buNone/>
+            </a:pPr>
+            <a:endParaRPr lang="en-US" dirty="0">
+              <a:latin typeface="Gill Sans MT" panose="020B0502020104020203" pitchFamily="34" charset="77"/>
+              <a:cs typeface="Courier New" panose="02070309020205020404" pitchFamily="49" charset="0"/>
+            </a:endParaRPr>
+          </a:p>
+          <a:p>
+            <a:pPr marL="0" indent="0">
+              <a:buNone/>
+            </a:pPr>
+            <a:endParaRPr lang="en-US" dirty="0">
+              <a:latin typeface="Gill Sans MT" panose="020B0502020104020203" pitchFamily="34" charset="77"/>
+              <a:cs typeface="Courier New" panose="02070309020205020404" pitchFamily="49" charset="0"/>
+            </a:endParaRPr>
+          </a:p>
+          <a:p>
+            <a:pPr marL="0" indent="0">
+              <a:buNone/>
+            </a:pPr>
+            <a:endParaRPr lang="en-US" dirty="0">
+              <a:latin typeface="Gill Sans MT" panose="020B0502020104020203" pitchFamily="34" charset="77"/>
+              <a:cs typeface="Courier New" panose="02070309020205020404" pitchFamily="49" charset="0"/>
+            </a:endParaRPr>
+          </a:p>
+        </p:txBody>
+      </p:sp>
+    </p:spTree>
+    <p:extLst>
+      <p:ext uri="{BB962C8B-B14F-4D97-AF65-F5344CB8AC3E}">
+        <p14:creationId xmlns:p14="http://schemas.microsoft.com/office/powerpoint/2010/main" val="102519431"/>
+      </p:ext>
+    </p:extLst>
+  </p:cSld>
+  <p:clrMapOvr>
+    <a:masterClrMapping/>
+  </p:clrMapOvr>
+</p:sld>
+</file>
+
+<file path=ppt/slides/slide14.xml><?xml version="1.0" encoding="utf-8"?>
+<p:sld xmlns:a="http://schemas.openxmlformats.org/drawingml/2006/main" xmlns:r="http://schemas.openxmlformats.org/officeDocument/2006/relationships" xmlns:p="http://schemas.openxmlformats.org/presentationml/2006/main">
+  <p:cSld>
+    <p:spTree>
+      <p:nvGrpSpPr>
+        <p:cNvPr id="1" name=""/>
+        <p:cNvGrpSpPr/>
+        <p:nvPr/>
+      </p:nvGrpSpPr>
+      <p:grpSpPr>
+        <a:xfrm>
+          <a:off x="0" y="0"/>
+          <a:ext cx="0" cy="0"/>
+          <a:chOff x="0" y="0"/>
+          <a:chExt cx="0" cy="0"/>
+        </a:xfrm>
+      </p:grpSpPr>
+      <p:sp>
+        <p:nvSpPr>
+          <p:cNvPr id="2" name="Title 1">
+            <a:extLst>
+              <a:ext uri="{FF2B5EF4-FFF2-40B4-BE49-F238E27FC236}">
+                <a16:creationId xmlns:a16="http://schemas.microsoft.com/office/drawing/2014/main" id="{BC6F9511-CB58-AC49-AD98-860912780FFE}"/>
+              </a:ext>
+            </a:extLst>
+          </p:cNvPr>
+          <p:cNvSpPr>
+            <a:spLocks noGrp="1"/>
+          </p:cNvSpPr>
+          <p:nvPr>
+            <p:ph type="title"/>
+          </p:nvPr>
+        </p:nvSpPr>
+        <p:spPr>
+          <a:xfrm>
+            <a:off x="167177" y="128185"/>
+            <a:ext cx="7886700" cy="588511"/>
+          </a:xfrm>
+        </p:spPr>
+        <p:txBody>
+          <a:bodyPr/>
+          <a:lstStyle/>
+          <a:p>
+            <a:r>
+              <a:rPr lang="en-US" dirty="0"/>
+              <a:t>Methods and Control Structures</a:t>
+            </a:r>
+          </a:p>
+        </p:txBody>
+      </p:sp>
+      <p:sp>
+        <p:nvSpPr>
+          <p:cNvPr id="3" name="Content Placeholder 2">
+            <a:extLst>
+              <a:ext uri="{FF2B5EF4-FFF2-40B4-BE49-F238E27FC236}">
+                <a16:creationId xmlns:a16="http://schemas.microsoft.com/office/drawing/2014/main" id="{CE6BD10B-9D13-604D-9877-97B355109287}"/>
+              </a:ext>
+            </a:extLst>
+          </p:cNvPr>
+          <p:cNvSpPr>
+            <a:spLocks noGrp="1"/>
+          </p:cNvSpPr>
+          <p:nvPr>
+            <p:ph idx="1"/>
+          </p:nvPr>
+        </p:nvSpPr>
+        <p:spPr>
+          <a:xfrm>
+            <a:off x="167177" y="888763"/>
+            <a:ext cx="8780270" cy="4623273"/>
+          </a:xfrm>
+        </p:spPr>
+        <p:txBody>
           <a:bodyPr/>
           <a:lstStyle/>
           <a:p>
@@ -8667,7 +9343,7 @@
 </p:sld>
 </file>
 
-<file path=ppt/slides/slide14.xml><?xml version="1.0" encoding="utf-8"?>
+<file path=ppt/slides/slide15.xml><?xml version="1.0" encoding="utf-8"?>
 <p:sld xmlns:a="http://schemas.openxmlformats.org/drawingml/2006/main" xmlns:r="http://schemas.openxmlformats.org/officeDocument/2006/relationships" xmlns:p="http://schemas.openxmlformats.org/presentationml/2006/main">
   <p:cSld>
     <p:spTree>
@@ -10442,7 +11118,7 @@
 </p:sld>
 </file>
 
-<file path=ppt/slides/slide15.xml><?xml version="1.0" encoding="utf-8"?>
+<file path=ppt/slides/slide16.xml><?xml version="1.0" encoding="utf-8"?>
 <p:sld xmlns:a="http://schemas.openxmlformats.org/drawingml/2006/main" xmlns:r="http://schemas.openxmlformats.org/officeDocument/2006/relationships" xmlns:p="http://schemas.openxmlformats.org/presentationml/2006/main" showMasterPhAnim="0">
   <p:cSld>
     <p:spTree>
@@ -11784,7 +12460,7 @@
 </p:sld>
 </file>
 
-<file path=ppt/slides/slide16.xml><?xml version="1.0" encoding="utf-8"?>
+<file path=ppt/slides/slide17.xml><?xml version="1.0" encoding="utf-8"?>
 <p:sld xmlns:a="http://schemas.openxmlformats.org/drawingml/2006/main" xmlns:r="http://schemas.openxmlformats.org/officeDocument/2006/relationships" xmlns:p="http://schemas.openxmlformats.org/presentationml/2006/main" showMasterPhAnim="0">
   <p:cSld>
     <p:spTree>
@@ -12924,7 +13600,7 @@
 </p:sld>
 </file>
 
-<file path=ppt/slides/slide17.xml><?xml version="1.0" encoding="utf-8"?>
+<file path=ppt/slides/slide18.xml><?xml version="1.0" encoding="utf-8"?>
 <p:sld xmlns:a="http://schemas.openxmlformats.org/drawingml/2006/main" xmlns:r="http://schemas.openxmlformats.org/officeDocument/2006/relationships" xmlns:p="http://schemas.openxmlformats.org/presentationml/2006/main">
   <p:cSld>
     <p:spTree>
@@ -13092,85 +13768,6 @@
     <p:extLst>
       <p:ext uri="{BB962C8B-B14F-4D97-AF65-F5344CB8AC3E}">
         <p14:creationId xmlns:p14="http://schemas.microsoft.com/office/powerpoint/2010/main" val="370739180"/>
-      </p:ext>
-    </p:extLst>
-  </p:cSld>
-  <p:clrMapOvr>
-    <a:masterClrMapping/>
-  </p:clrMapOvr>
-</p:sld>
-</file>
-
-<file path=ppt/slides/slide18.xml><?xml version="1.0" encoding="utf-8"?>
-<p:sld xmlns:a="http://schemas.openxmlformats.org/drawingml/2006/main" xmlns:r="http://schemas.openxmlformats.org/officeDocument/2006/relationships" xmlns:p="http://schemas.openxmlformats.org/presentationml/2006/main">
-  <p:cSld>
-    <p:spTree>
-      <p:nvGrpSpPr>
-        <p:cNvPr id="1" name=""/>
-        <p:cNvGrpSpPr/>
-        <p:nvPr/>
-      </p:nvGrpSpPr>
-      <p:grpSpPr>
-        <a:xfrm>
-          <a:off x="0" y="0"/>
-          <a:ext cx="0" cy="0"/>
-          <a:chOff x="0" y="0"/>
-          <a:chExt cx="0" cy="0"/>
-        </a:xfrm>
-      </p:grpSpPr>
-      <p:sp>
-        <p:nvSpPr>
-          <p:cNvPr id="2" name="Title 1">
-            <a:extLst>
-              <a:ext uri="{FF2B5EF4-FFF2-40B4-BE49-F238E27FC236}">
-                <a16:creationId xmlns:a16="http://schemas.microsoft.com/office/drawing/2014/main" id="{BC6F9511-CB58-AC49-AD98-860912780FFE}"/>
-              </a:ext>
-            </a:extLst>
-          </p:cNvPr>
-          <p:cNvSpPr>
-            <a:spLocks noGrp="1"/>
-          </p:cNvSpPr>
-          <p:nvPr>
-            <p:ph type="title"/>
-          </p:nvPr>
-        </p:nvSpPr>
-        <p:spPr>
-          <a:xfrm>
-            <a:off x="628650" y="2563244"/>
-            <a:ext cx="7886700" cy="588511"/>
-          </a:xfrm>
-        </p:spPr>
-        <p:txBody>
-          <a:bodyPr>
-            <a:normAutofit fontScale="90000"/>
-          </a:bodyPr>
-          <a:lstStyle/>
-          <a:p>
-            <a:r>
-              <a:rPr lang="en-US" dirty="0"/>
-              <a:t>Question 2: Writing Classes</a:t>
-            </a:r>
-            <a:br>
-              <a:rPr lang="en-US" dirty="0"/>
-            </a:br>
-            <a:r>
-              <a:rPr lang="en-US" dirty="0"/>
-              <a:t>See previous years' similar FRQs: </a:t>
-            </a:r>
-            <a:br>
-              <a:rPr lang="en-US" dirty="0"/>
-            </a:br>
-            <a:r>
-              <a:rPr lang="en-US" dirty="0"/>
-              <a:t>2019 #2, 2021 #2, 2016 #1, 2015 #2, 2021#2</a:t>
-            </a:r>
-          </a:p>
-        </p:txBody>
-      </p:sp>
-    </p:spTree>
-    <p:extLst>
-      <p:ext uri="{BB962C8B-B14F-4D97-AF65-F5344CB8AC3E}">
-        <p14:creationId xmlns:p14="http://schemas.microsoft.com/office/powerpoint/2010/main" val="3871005740"/>
       </p:ext>
     </p:extLst>
   </p:cSld>
@@ -13215,173 +13812,41 @@
         </p:nvSpPr>
         <p:spPr>
           <a:xfrm>
-            <a:off x="167177" y="128185"/>
+            <a:off x="628650" y="2563244"/>
             <a:ext cx="7886700" cy="588511"/>
           </a:xfrm>
         </p:spPr>
         <p:txBody>
-          <a:bodyPr/>
+          <a:bodyPr>
+            <a:normAutofit fontScale="90000"/>
+          </a:bodyPr>
           <a:lstStyle/>
           <a:p>
             <a:r>
               <a:rPr lang="en-US" dirty="0"/>
-              <a:t>Question 2</a:t>
-            </a:r>
-          </a:p>
-        </p:txBody>
-      </p:sp>
-      <p:sp>
-        <p:nvSpPr>
-          <p:cNvPr id="3" name="Content Placeholder 2">
-            <a:extLst>
-              <a:ext uri="{FF2B5EF4-FFF2-40B4-BE49-F238E27FC236}">
-                <a16:creationId xmlns:a16="http://schemas.microsoft.com/office/drawing/2014/main" id="{CE6BD10B-9D13-604D-9877-97B355109287}"/>
-              </a:ext>
-            </a:extLst>
-          </p:cNvPr>
-          <p:cNvSpPr>
-            <a:spLocks noGrp="1"/>
-          </p:cNvSpPr>
-          <p:nvPr>
-            <p:ph idx="1"/>
-          </p:nvPr>
-        </p:nvSpPr>
-        <p:spPr>
-          <a:xfrm>
-            <a:off x="167177" y="888763"/>
-            <a:ext cx="8780270" cy="4623273"/>
-          </a:xfrm>
-        </p:spPr>
-        <p:txBody>
-          <a:bodyPr/>
-          <a:lstStyle/>
-          <a:p>
-            <a:pPr marL="0" indent="0">
-              <a:buNone/>
-            </a:pPr>
-            <a:r>
-              <a:rPr lang="en-US" dirty="0">
-                <a:latin typeface="Gill Sans MT" panose="020B0502020104020203" pitchFamily="34" charset="77"/>
-                <a:cs typeface="Courier New" panose="02070309020205020404" pitchFamily="49" charset="0"/>
-              </a:rPr>
-              <a:t>This question will ask you to write an entire class including private instance variables, constructors and methods. </a:t>
-            </a:r>
-          </a:p>
-          <a:p>
-            <a:pPr marL="0" indent="0">
-              <a:buNone/>
-            </a:pPr>
-            <a:endParaRPr lang="en-US" dirty="0">
-              <a:latin typeface="Gill Sans MT" panose="020B0502020104020203" pitchFamily="34" charset="77"/>
-              <a:cs typeface="Courier New" panose="02070309020205020404" pitchFamily="49" charset="0"/>
-            </a:endParaRPr>
-          </a:p>
-          <a:p>
-            <a:pPr marL="0" indent="0">
-              <a:buNone/>
-            </a:pPr>
-            <a:r>
-              <a:rPr lang="en-US" dirty="0">
-                <a:latin typeface="Gill Sans MT" panose="020B0502020104020203" pitchFamily="34" charset="77"/>
-                <a:cs typeface="Courier New" panose="02070309020205020404" pitchFamily="49" charset="0"/>
-              </a:rPr>
-              <a:t>The class implementation typically involves 2 – 4 instance variables, one constructor and 2 – 3 instance methods.</a:t>
-            </a:r>
-          </a:p>
-          <a:p>
-            <a:pPr marL="0" indent="0">
-              <a:buNone/>
-            </a:pPr>
-            <a:endParaRPr lang="en-US" dirty="0">
-              <a:latin typeface="Gill Sans MT" panose="020B0502020104020203" pitchFamily="34" charset="77"/>
-              <a:cs typeface="Courier New" panose="02070309020205020404" pitchFamily="49" charset="0"/>
-            </a:endParaRPr>
-          </a:p>
-          <a:p>
-            <a:pPr marL="0" indent="0">
-              <a:buNone/>
-            </a:pPr>
-            <a:r>
-              <a:rPr lang="en-US" dirty="0">
-                <a:solidFill>
-                  <a:srgbClr val="FF0000"/>
-                </a:solidFill>
-              </a:rPr>
-              <a:t>AVOID using arrays/</a:t>
-            </a:r>
-            <a:r>
-              <a:rPr lang="en-US" dirty="0" err="1">
-                <a:solidFill>
-                  <a:srgbClr val="FF0000"/>
-                </a:solidFill>
-              </a:rPr>
-              <a:t>arraylists</a:t>
-            </a:r>
-            <a:r>
-              <a:rPr lang="en-US" dirty="0">
-                <a:solidFill>
-                  <a:srgbClr val="FF0000"/>
-                </a:solidFill>
-              </a:rPr>
-              <a:t> for this problem. Otherwise you’ll be doing needless for loops. Consider a variable(int or double) that accumulates(sums) values rather than keeping track of each value in an array/</a:t>
-            </a:r>
-            <a:r>
-              <a:rPr lang="en-US" dirty="0" err="1">
-                <a:solidFill>
-                  <a:srgbClr val="FF0000"/>
-                </a:solidFill>
-              </a:rPr>
-              <a:t>arraylist</a:t>
-            </a:r>
-            <a:r>
-              <a:rPr lang="en-US" dirty="0">
-                <a:solidFill>
-                  <a:srgbClr val="FF0000"/>
-                </a:solidFill>
-              </a:rPr>
-              <a:t>. </a:t>
-            </a:r>
-            <a:endParaRPr lang="en-US" dirty="0">
-              <a:latin typeface="Gill Sans MT" panose="020B0502020104020203" pitchFamily="34" charset="77"/>
-              <a:cs typeface="Courier New" panose="02070309020205020404" pitchFamily="49" charset="0"/>
-            </a:endParaRPr>
-          </a:p>
-          <a:p>
-            <a:pPr marL="0" indent="0">
-              <a:buNone/>
-            </a:pPr>
-            <a:endParaRPr lang="en-US" dirty="0">
-              <a:latin typeface="Gill Sans MT" panose="020B0502020104020203" pitchFamily="34" charset="77"/>
-              <a:cs typeface="Courier New" panose="02070309020205020404" pitchFamily="49" charset="0"/>
-            </a:endParaRPr>
-          </a:p>
-          <a:p>
-            <a:pPr marL="0" indent="0">
-              <a:buNone/>
-            </a:pPr>
-            <a:r>
-              <a:rPr lang="en-US" dirty="0">
-                <a:latin typeface="Gill Sans MT" panose="020B0502020104020203" pitchFamily="34" charset="77"/>
-                <a:cs typeface="Courier New" panose="02070309020205020404" pitchFamily="49" charset="0"/>
-              </a:rPr>
-              <a:t>The Point class' implementation on the next slide provides an example of the anatomy of a class. </a:t>
-            </a:r>
-          </a:p>
-          <a:p>
-            <a:pPr marL="0" indent="0">
-              <a:buNone/>
-            </a:pPr>
-            <a:endParaRPr lang="en-US" dirty="0">
-              <a:latin typeface="Gill Sans MT" panose="020B0502020104020203" pitchFamily="34" charset="77"/>
-              <a:cs typeface="Courier New" panose="02070309020205020404" pitchFamily="49" charset="0"/>
-            </a:endParaRPr>
+              <a:t>Question 2: Writing Classes</a:t>
+            </a:r>
+            <a:br>
+              <a:rPr lang="en-US" dirty="0"/>
+            </a:br>
+            <a:r>
+              <a:rPr lang="en-US" dirty="0"/>
+              <a:t>See previous years' similar FRQs: </a:t>
+            </a:r>
+            <a:br>
+              <a:rPr lang="en-US" dirty="0"/>
+            </a:br>
+            <a:r>
+              <a:rPr lang="en-US" dirty="0"/>
+              <a:t>2019 #2, 2021 #2, 2016 #1, 2015 #2, 2021#2</a:t>
+            </a:r>
           </a:p>
         </p:txBody>
       </p:sp>
     </p:spTree>
     <p:extLst>
       <p:ext uri="{BB962C8B-B14F-4D97-AF65-F5344CB8AC3E}">
-        <p14:creationId xmlns:p14="http://schemas.microsoft.com/office/powerpoint/2010/main" val="553990442"/>
+        <p14:creationId xmlns:p14="http://schemas.microsoft.com/office/powerpoint/2010/main" val="3871005740"/>
       </p:ext>
     </p:extLst>
   </p:cSld>
@@ -13454,7 +13919,7 @@
           <a:bodyPr/>
           <a:lstStyle/>
           <a:p>
-            <a:endParaRPr lang="en-US"/>
+            <a:endParaRPr lang="en-US" dirty="0"/>
           </a:p>
         </p:txBody>
       </p:sp>
@@ -13488,6 +13953,45 @@
           </a:prstGeom>
         </p:spPr>
       </p:pic>
+      <p:sp>
+        <p:nvSpPr>
+          <p:cNvPr id="5" name="TextBox 4">
+            <a:extLst>
+              <a:ext uri="{FF2B5EF4-FFF2-40B4-BE49-F238E27FC236}">
+                <a16:creationId xmlns:a16="http://schemas.microsoft.com/office/drawing/2014/main" id="{05FCB7CE-D862-8E46-AFE3-CDE61F68E126}"/>
+              </a:ext>
+            </a:extLst>
+          </p:cNvPr>
+          <p:cNvSpPr txBox="1"/>
+          <p:nvPr/>
+        </p:nvSpPr>
+        <p:spPr>
+          <a:xfrm>
+            <a:off x="628650" y="4081042"/>
+            <a:ext cx="2705292" cy="400110"/>
+          </a:xfrm>
+          <a:prstGeom prst="rect">
+            <a:avLst/>
+          </a:prstGeom>
+          <a:noFill/>
+        </p:spPr>
+        <p:txBody>
+          <a:bodyPr wrap="none" rtlCol="0">
+            <a:spAutoFit/>
+          </a:bodyPr>
+          <a:lstStyle/>
+          <a:p>
+            <a:r>
+              <a:rPr lang="en-US" sz="2000" dirty="0">
+                <a:solidFill>
+                  <a:srgbClr val="FF0000"/>
+                </a:solidFill>
+              </a:rPr>
+              <a:t>No penalty for guessing!</a:t>
+            </a:r>
+          </a:p>
+        </p:txBody>
+      </p:sp>
     </p:spTree>
     <p:extLst>
       <p:ext uri="{BB962C8B-B14F-4D97-AF65-F5344CB8AC3E}">
@@ -13502,6 +14006,217 @@
 </file>
 
 <file path=ppt/slides/slide20.xml><?xml version="1.0" encoding="utf-8"?>
+<p:sld xmlns:a="http://schemas.openxmlformats.org/drawingml/2006/main" xmlns:r="http://schemas.openxmlformats.org/officeDocument/2006/relationships" xmlns:p="http://schemas.openxmlformats.org/presentationml/2006/main">
+  <p:cSld>
+    <p:spTree>
+      <p:nvGrpSpPr>
+        <p:cNvPr id="1" name=""/>
+        <p:cNvGrpSpPr/>
+        <p:nvPr/>
+      </p:nvGrpSpPr>
+      <p:grpSpPr>
+        <a:xfrm>
+          <a:off x="0" y="0"/>
+          <a:ext cx="0" cy="0"/>
+          <a:chOff x="0" y="0"/>
+          <a:chExt cx="0" cy="0"/>
+        </a:xfrm>
+      </p:grpSpPr>
+      <p:sp>
+        <p:nvSpPr>
+          <p:cNvPr id="2" name="Title 1">
+            <a:extLst>
+              <a:ext uri="{FF2B5EF4-FFF2-40B4-BE49-F238E27FC236}">
+                <a16:creationId xmlns:a16="http://schemas.microsoft.com/office/drawing/2014/main" id="{BC6F9511-CB58-AC49-AD98-860912780FFE}"/>
+              </a:ext>
+            </a:extLst>
+          </p:cNvPr>
+          <p:cNvSpPr>
+            <a:spLocks noGrp="1"/>
+          </p:cNvSpPr>
+          <p:nvPr>
+            <p:ph type="title"/>
+          </p:nvPr>
+        </p:nvSpPr>
+        <p:spPr>
+          <a:xfrm>
+            <a:off x="167177" y="128185"/>
+            <a:ext cx="7886700" cy="588511"/>
+          </a:xfrm>
+        </p:spPr>
+        <p:txBody>
+          <a:bodyPr/>
+          <a:lstStyle/>
+          <a:p>
+            <a:r>
+              <a:rPr lang="en-US" dirty="0"/>
+              <a:t>Question 2</a:t>
+            </a:r>
+          </a:p>
+        </p:txBody>
+      </p:sp>
+      <p:sp>
+        <p:nvSpPr>
+          <p:cNvPr id="3" name="Content Placeholder 2">
+            <a:extLst>
+              <a:ext uri="{FF2B5EF4-FFF2-40B4-BE49-F238E27FC236}">
+                <a16:creationId xmlns:a16="http://schemas.microsoft.com/office/drawing/2014/main" id="{CE6BD10B-9D13-604D-9877-97B355109287}"/>
+              </a:ext>
+            </a:extLst>
+          </p:cNvPr>
+          <p:cNvSpPr>
+            <a:spLocks noGrp="1"/>
+          </p:cNvSpPr>
+          <p:nvPr>
+            <p:ph idx="1"/>
+          </p:nvPr>
+        </p:nvSpPr>
+        <p:spPr>
+          <a:xfrm>
+            <a:off x="167177" y="888763"/>
+            <a:ext cx="8780270" cy="4623273"/>
+          </a:xfrm>
+        </p:spPr>
+        <p:txBody>
+          <a:bodyPr/>
+          <a:lstStyle/>
+          <a:p>
+            <a:pPr marL="0" indent="0">
+              <a:buNone/>
+            </a:pPr>
+            <a:r>
+              <a:rPr lang="en-US" dirty="0">
+                <a:latin typeface="Gill Sans MT" panose="020B0502020104020203" pitchFamily="34" charset="77"/>
+                <a:cs typeface="Courier New" panose="02070309020205020404" pitchFamily="49" charset="0"/>
+              </a:rPr>
+              <a:t>This question will ask you to write an entire class including private instance variables, constructors and methods. </a:t>
+            </a:r>
+          </a:p>
+          <a:p>
+            <a:pPr marL="0" indent="0">
+              <a:buNone/>
+            </a:pPr>
+            <a:endParaRPr lang="en-US" dirty="0">
+              <a:latin typeface="Gill Sans MT" panose="020B0502020104020203" pitchFamily="34" charset="77"/>
+              <a:cs typeface="Courier New" panose="02070309020205020404" pitchFamily="49" charset="0"/>
+            </a:endParaRPr>
+          </a:p>
+          <a:p>
+            <a:pPr marL="0" indent="0">
+              <a:buNone/>
+            </a:pPr>
+            <a:r>
+              <a:rPr lang="en-US" dirty="0">
+                <a:latin typeface="Gill Sans MT" panose="020B0502020104020203" pitchFamily="34" charset="77"/>
+                <a:cs typeface="Courier New" panose="02070309020205020404" pitchFamily="49" charset="0"/>
+              </a:rPr>
+              <a:t>The class implementation typically involves 2 – 4 instance variables, one constructor and 2 – 3 instance methods.</a:t>
+            </a:r>
+          </a:p>
+          <a:p>
+            <a:pPr marL="0" indent="0">
+              <a:buNone/>
+            </a:pPr>
+            <a:endParaRPr lang="en-US" dirty="0">
+              <a:latin typeface="Gill Sans MT" panose="020B0502020104020203" pitchFamily="34" charset="77"/>
+              <a:cs typeface="Courier New" panose="02070309020205020404" pitchFamily="49" charset="0"/>
+            </a:endParaRPr>
+          </a:p>
+          <a:p>
+            <a:pPr marL="0" indent="0">
+              <a:buNone/>
+            </a:pPr>
+            <a:r>
+              <a:rPr lang="en-US" dirty="0">
+                <a:solidFill>
+                  <a:srgbClr val="FF0000"/>
+                </a:solidFill>
+              </a:rPr>
+              <a:t>AVOID using arrays/</a:t>
+            </a:r>
+            <a:r>
+              <a:rPr lang="en-US" dirty="0" err="1">
+                <a:solidFill>
+                  <a:srgbClr val="FF0000"/>
+                </a:solidFill>
+              </a:rPr>
+              <a:t>arraylists</a:t>
+            </a:r>
+            <a:r>
+              <a:rPr lang="en-US" dirty="0">
+                <a:solidFill>
+                  <a:srgbClr val="FF0000"/>
+                </a:solidFill>
+              </a:rPr>
+              <a:t> for this problem. Otherwise you’ll be doing needless for loops. Consider a variable(int or double) that accumulates(sums) values rather than keeping track of each value in an array/</a:t>
+            </a:r>
+            <a:r>
+              <a:rPr lang="en-US" dirty="0" err="1">
+                <a:solidFill>
+                  <a:srgbClr val="FF0000"/>
+                </a:solidFill>
+              </a:rPr>
+              <a:t>arraylist</a:t>
+            </a:r>
+            <a:r>
+              <a:rPr lang="en-US" dirty="0">
+                <a:solidFill>
+                  <a:srgbClr val="FF0000"/>
+                </a:solidFill>
+              </a:rPr>
+              <a:t>. </a:t>
+            </a:r>
+            <a:endParaRPr lang="en-US" dirty="0">
+              <a:latin typeface="Gill Sans MT" panose="020B0502020104020203" pitchFamily="34" charset="77"/>
+              <a:cs typeface="Courier New" panose="02070309020205020404" pitchFamily="49" charset="0"/>
+            </a:endParaRPr>
+          </a:p>
+          <a:p>
+            <a:pPr marL="0" indent="0">
+              <a:buNone/>
+            </a:pPr>
+            <a:endParaRPr lang="en-US" dirty="0">
+              <a:latin typeface="Gill Sans MT" panose="020B0502020104020203" pitchFamily="34" charset="77"/>
+              <a:cs typeface="Courier New" panose="02070309020205020404" pitchFamily="49" charset="0"/>
+            </a:endParaRPr>
+          </a:p>
+          <a:p>
+            <a:pPr marL="0" indent="0">
+              <a:buNone/>
+            </a:pPr>
+            <a:r>
+              <a:rPr lang="en-US" dirty="0">
+                <a:latin typeface="Gill Sans MT" panose="020B0502020104020203" pitchFamily="34" charset="77"/>
+                <a:cs typeface="Courier New" panose="02070309020205020404" pitchFamily="49" charset="0"/>
+              </a:rPr>
+              <a:t>The Point class' implementation on the next slide provides an example of the anatomy of a class. </a:t>
+            </a:r>
+          </a:p>
+          <a:p>
+            <a:pPr marL="0" indent="0">
+              <a:buNone/>
+            </a:pPr>
+            <a:endParaRPr lang="en-US" dirty="0">
+              <a:latin typeface="Gill Sans MT" panose="020B0502020104020203" pitchFamily="34" charset="77"/>
+              <a:cs typeface="Courier New" panose="02070309020205020404" pitchFamily="49" charset="0"/>
+            </a:endParaRPr>
+          </a:p>
+        </p:txBody>
+      </p:sp>
+    </p:spTree>
+    <p:extLst>
+      <p:ext uri="{BB962C8B-B14F-4D97-AF65-F5344CB8AC3E}">
+        <p14:creationId xmlns:p14="http://schemas.microsoft.com/office/powerpoint/2010/main" val="553990442"/>
+      </p:ext>
+    </p:extLst>
+  </p:cSld>
+  <p:clrMapOvr>
+    <a:masterClrMapping/>
+  </p:clrMapOvr>
+</p:sld>
+</file>
+
+<file path=ppt/slides/slide21.xml><?xml version="1.0" encoding="utf-8"?>
 <p:sld xmlns:a="http://schemas.openxmlformats.org/drawingml/2006/main" xmlns:r="http://schemas.openxmlformats.org/officeDocument/2006/relationships" xmlns:p="http://schemas.openxmlformats.org/presentationml/2006/main">
   <p:cSld>
     <p:spTree>
@@ -15251,7 +15966,7 @@
 </p:sld>
 </file>
 
-<file path=ppt/slides/slide21.xml><?xml version="1.0" encoding="utf-8"?>
+<file path=ppt/slides/slide22.xml><?xml version="1.0" encoding="utf-8"?>
 <p:sld xmlns:a="http://schemas.openxmlformats.org/drawingml/2006/main" xmlns:r="http://schemas.openxmlformats.org/officeDocument/2006/relationships" xmlns:p="http://schemas.openxmlformats.org/presentationml/2006/main">
   <p:cSld>
     <p:spTree>
@@ -15723,7 +16438,7 @@
 </p:sld>
 </file>
 
-<file path=ppt/slides/slide22.xml><?xml version="1.0" encoding="utf-8"?>
+<file path=ppt/slides/slide23.xml><?xml version="1.0" encoding="utf-8"?>
 <p:sld xmlns:a="http://schemas.openxmlformats.org/drawingml/2006/main" xmlns:r="http://schemas.openxmlformats.org/officeDocument/2006/relationships" xmlns:p="http://schemas.openxmlformats.org/presentationml/2006/main">
   <p:cSld>
     <p:spTree>
@@ -15935,7 +16650,7 @@
 </p:sld>
 </file>
 
-<file path=ppt/slides/slide23.xml><?xml version="1.0" encoding="utf-8"?>
+<file path=ppt/slides/slide24.xml><?xml version="1.0" encoding="utf-8"?>
 <p:sld xmlns:a="http://schemas.openxmlformats.org/drawingml/2006/main" xmlns:r="http://schemas.openxmlformats.org/officeDocument/2006/relationships" xmlns:p="http://schemas.openxmlformats.org/presentationml/2006/main">
   <p:cSld>
     <p:spTree>
@@ -16120,7 +16835,7 @@
 </p:sld>
 </file>
 
-<file path=ppt/slides/slide24.xml><?xml version="1.0" encoding="utf-8"?>
+<file path=ppt/slides/slide25.xml><?xml version="1.0" encoding="utf-8"?>
 <p:sld xmlns:a="http://schemas.openxmlformats.org/drawingml/2006/main" xmlns:r="http://schemas.openxmlformats.org/officeDocument/2006/relationships" xmlns:p="http://schemas.openxmlformats.org/presentationml/2006/main">
   <p:cSld>
     <p:spTree>
@@ -16340,7 +17055,7 @@
 </p:sld>
 </file>
 
-<file path=ppt/slides/slide25.xml><?xml version="1.0" encoding="utf-8"?>
+<file path=ppt/slides/slide26.xml><?xml version="1.0" encoding="utf-8"?>
 <p:sld xmlns:a="http://schemas.openxmlformats.org/drawingml/2006/main" xmlns:r="http://schemas.openxmlformats.org/officeDocument/2006/relationships" xmlns:p="http://schemas.openxmlformats.org/presentationml/2006/main">
   <p:cSld>
     <p:spTree>
@@ -16427,7 +17142,7 @@
 </p:sld>
 </file>
 
-<file path=ppt/slides/slide26.xml><?xml version="1.0" encoding="utf-8"?>
+<file path=ppt/slides/slide27.xml><?xml version="1.0" encoding="utf-8"?>
 <p:sld xmlns:a="http://schemas.openxmlformats.org/drawingml/2006/main" xmlns:r="http://schemas.openxmlformats.org/officeDocument/2006/relationships" xmlns:p="http://schemas.openxmlformats.org/presentationml/2006/main">
   <p:cSld>
     <p:spTree>
@@ -17016,7 +17731,7 @@
 </p:sld>
 </file>
 
-<file path=ppt/slides/slide27.xml><?xml version="1.0" encoding="utf-8"?>
+<file path=ppt/slides/slide28.xml><?xml version="1.0" encoding="utf-8"?>
 <p:sld xmlns:a="http://schemas.openxmlformats.org/drawingml/2006/main" xmlns:r="http://schemas.openxmlformats.org/officeDocument/2006/relationships" xmlns:p="http://schemas.openxmlformats.org/presentationml/2006/main">
   <p:cSld>
     <p:spTree>
@@ -17868,7 +18583,7 @@
 </p:sld>
 </file>
 
-<file path=ppt/slides/slide28.xml><?xml version="1.0" encoding="utf-8"?>
+<file path=ppt/slides/slide29.xml><?xml version="1.0" encoding="utf-8"?>
 <p:sld xmlns:a="http://schemas.openxmlformats.org/drawingml/2006/main" xmlns:r="http://schemas.openxmlformats.org/officeDocument/2006/relationships" xmlns:p="http://schemas.openxmlformats.org/presentationml/2006/main">
   <p:cSld>
     <p:spTree>
@@ -18539,7 +19254,222 @@
 </p:sld>
 </file>
 
-<file path=ppt/slides/slide29.xml><?xml version="1.0" encoding="utf-8"?>
+<file path=ppt/slides/slide3.xml><?xml version="1.0" encoding="utf-8"?>
+<p:sld xmlns:a="http://schemas.openxmlformats.org/drawingml/2006/main" xmlns:r="http://schemas.openxmlformats.org/officeDocument/2006/relationships" xmlns:p="http://schemas.openxmlformats.org/presentationml/2006/main">
+  <p:cSld>
+    <p:spTree>
+      <p:nvGrpSpPr>
+        <p:cNvPr id="1" name=""/>
+        <p:cNvGrpSpPr/>
+        <p:nvPr/>
+      </p:nvGrpSpPr>
+      <p:grpSpPr>
+        <a:xfrm>
+          <a:off x="0" y="0"/>
+          <a:ext cx="0" cy="0"/>
+          <a:chOff x="0" y="0"/>
+          <a:chExt cx="0" cy="0"/>
+        </a:xfrm>
+      </p:grpSpPr>
+      <p:sp>
+        <p:nvSpPr>
+          <p:cNvPr id="2" name="Title 1">
+            <a:extLst>
+              <a:ext uri="{FF2B5EF4-FFF2-40B4-BE49-F238E27FC236}">
+                <a16:creationId xmlns:a16="http://schemas.microsoft.com/office/drawing/2014/main" id="{5E187FE3-4193-2A46-9798-38F290C2BFE3}"/>
+              </a:ext>
+            </a:extLst>
+          </p:cNvPr>
+          <p:cNvSpPr>
+            <a:spLocks noGrp="1"/>
+          </p:cNvSpPr>
+          <p:nvPr>
+            <p:ph type="title"/>
+          </p:nvPr>
+        </p:nvSpPr>
+        <p:spPr/>
+        <p:txBody>
+          <a:bodyPr/>
+          <a:lstStyle/>
+          <a:p>
+            <a:endParaRPr lang="en-US"/>
+          </a:p>
+        </p:txBody>
+      </p:sp>
+      <p:sp>
+        <p:nvSpPr>
+          <p:cNvPr id="3" name="Content Placeholder 2">
+            <a:extLst>
+              <a:ext uri="{FF2B5EF4-FFF2-40B4-BE49-F238E27FC236}">
+                <a16:creationId xmlns:a16="http://schemas.microsoft.com/office/drawing/2014/main" id="{E9E9A067-9774-A84B-BF09-4C5C6A0989AC}"/>
+              </a:ext>
+            </a:extLst>
+          </p:cNvPr>
+          <p:cNvSpPr>
+            <a:spLocks noGrp="1"/>
+          </p:cNvSpPr>
+          <p:nvPr>
+            <p:ph idx="1"/>
+          </p:nvPr>
+        </p:nvSpPr>
+        <p:spPr/>
+        <p:txBody>
+          <a:bodyPr/>
+          <a:lstStyle/>
+          <a:p>
+            <a:endParaRPr lang="en-US"/>
+          </a:p>
+        </p:txBody>
+      </p:sp>
+      <p:pic>
+        <p:nvPicPr>
+          <p:cNvPr id="4" name="Picture 3">
+            <a:extLst>
+              <a:ext uri="{FF2B5EF4-FFF2-40B4-BE49-F238E27FC236}">
+                <a16:creationId xmlns:a16="http://schemas.microsoft.com/office/drawing/2014/main" id="{B6115EDE-48DD-E04F-99B8-F4C5D428CE40}"/>
+              </a:ext>
+            </a:extLst>
+          </p:cNvPr>
+          <p:cNvPicPr>
+            <a:picLocks noChangeAspect="1"/>
+          </p:cNvPicPr>
+          <p:nvPr/>
+        </p:nvPicPr>
+        <p:blipFill>
+          <a:blip r:embed="rId2"/>
+          <a:stretch>
+            <a:fillRect/>
+          </a:stretch>
+        </p:blipFill>
+        <p:spPr>
+          <a:xfrm>
+            <a:off x="0" y="304271"/>
+            <a:ext cx="9144000" cy="2911835"/>
+          </a:xfrm>
+          <a:prstGeom prst="rect">
+            <a:avLst/>
+          </a:prstGeom>
+        </p:spPr>
+      </p:pic>
+      <p:pic>
+        <p:nvPicPr>
+          <p:cNvPr id="5" name="Picture 4">
+            <a:extLst>
+              <a:ext uri="{FF2B5EF4-FFF2-40B4-BE49-F238E27FC236}">
+                <a16:creationId xmlns:a16="http://schemas.microsoft.com/office/drawing/2014/main" id="{C13432EF-E0F0-E345-8329-4BA0D851A4C7}"/>
+              </a:ext>
+            </a:extLst>
+          </p:cNvPr>
+          <p:cNvPicPr>
+            <a:picLocks noChangeAspect="1"/>
+          </p:cNvPicPr>
+          <p:nvPr/>
+        </p:nvPicPr>
+        <p:blipFill>
+          <a:blip r:embed="rId3"/>
+          <a:stretch>
+            <a:fillRect/>
+          </a:stretch>
+        </p:blipFill>
+        <p:spPr>
+          <a:xfrm>
+            <a:off x="752030" y="3328553"/>
+            <a:ext cx="7409203" cy="937491"/>
+          </a:xfrm>
+          <a:prstGeom prst="rect">
+            <a:avLst/>
+          </a:prstGeom>
+        </p:spPr>
+      </p:pic>
+    </p:spTree>
+    <p:extLst>
+      <p:ext uri="{BB962C8B-B14F-4D97-AF65-F5344CB8AC3E}">
+        <p14:creationId xmlns:p14="http://schemas.microsoft.com/office/powerpoint/2010/main" val="1351446093"/>
+      </p:ext>
+    </p:extLst>
+  </p:cSld>
+  <p:clrMapOvr>
+    <a:masterClrMapping/>
+  </p:clrMapOvr>
+  <p:timing>
+    <p:tnLst>
+      <p:par>
+        <p:cTn id="1" dur="indefinite" restart="never" nodeType="tmRoot">
+          <p:childTnLst>
+            <p:seq concurrent="1" nextAc="seek">
+              <p:cTn id="2" dur="indefinite" nodeType="mainSeq">
+                <p:childTnLst>
+                  <p:par>
+                    <p:cTn id="3" fill="hold">
+                      <p:stCondLst>
+                        <p:cond delay="indefinite"/>
+                      </p:stCondLst>
+                      <p:childTnLst>
+                        <p:par>
+                          <p:cTn id="4" fill="hold">
+                            <p:stCondLst>
+                              <p:cond delay="0"/>
+                            </p:stCondLst>
+                            <p:childTnLst>
+                              <p:par>
+                                <p:cTn id="5" presetID="1" presetClass="entr" presetSubtype="0" fill="hold" nodeType="clickEffect">
+                                  <p:stCondLst>
+                                    <p:cond delay="0"/>
+                                  </p:stCondLst>
+                                  <p:childTnLst>
+                                    <p:set>
+                                      <p:cBhvr>
+                                        <p:cTn id="6" dur="1" fill="hold">
+                                          <p:stCondLst>
+                                            <p:cond delay="0"/>
+                                          </p:stCondLst>
+                                        </p:cTn>
+                                        <p:tgtEl>
+                                          <p:spTgt spid="5"/>
+                                        </p:tgtEl>
+                                        <p:attrNameLst>
+                                          <p:attrName>style.visibility</p:attrName>
+                                        </p:attrNameLst>
+                                      </p:cBhvr>
+                                      <p:to>
+                                        <p:strVal val="visible"/>
+                                      </p:to>
+                                    </p:set>
+                                  </p:childTnLst>
+                                </p:cTn>
+                              </p:par>
+                            </p:childTnLst>
+                          </p:cTn>
+                        </p:par>
+                      </p:childTnLst>
+                    </p:cTn>
+                  </p:par>
+                </p:childTnLst>
+              </p:cTn>
+              <p:prevCondLst>
+                <p:cond evt="onPrev" delay="0">
+                  <p:tgtEl>
+                    <p:sldTgt/>
+                  </p:tgtEl>
+                </p:cond>
+              </p:prevCondLst>
+              <p:nextCondLst>
+                <p:cond evt="onNext" delay="0">
+                  <p:tgtEl>
+                    <p:sldTgt/>
+                  </p:tgtEl>
+                </p:cond>
+              </p:nextCondLst>
+            </p:seq>
+          </p:childTnLst>
+        </p:cTn>
+      </p:par>
+    </p:tnLst>
+  </p:timing>
+</p:sld>
+</file>
+
+<file path=ppt/slides/slide30.xml><?xml version="1.0" encoding="utf-8"?>
 <p:sld xmlns:a="http://schemas.openxmlformats.org/drawingml/2006/main" xmlns:r="http://schemas.openxmlformats.org/officeDocument/2006/relationships" xmlns:p="http://schemas.openxmlformats.org/presentationml/2006/main">
   <p:cSld>
     <p:spTree>
@@ -19034,222 +19964,7 @@
 </p:sld>
 </file>
 
-<file path=ppt/slides/slide3.xml><?xml version="1.0" encoding="utf-8"?>
-<p:sld xmlns:a="http://schemas.openxmlformats.org/drawingml/2006/main" xmlns:r="http://schemas.openxmlformats.org/officeDocument/2006/relationships" xmlns:p="http://schemas.openxmlformats.org/presentationml/2006/main">
-  <p:cSld>
-    <p:spTree>
-      <p:nvGrpSpPr>
-        <p:cNvPr id="1" name=""/>
-        <p:cNvGrpSpPr/>
-        <p:nvPr/>
-      </p:nvGrpSpPr>
-      <p:grpSpPr>
-        <a:xfrm>
-          <a:off x="0" y="0"/>
-          <a:ext cx="0" cy="0"/>
-          <a:chOff x="0" y="0"/>
-          <a:chExt cx="0" cy="0"/>
-        </a:xfrm>
-      </p:grpSpPr>
-      <p:sp>
-        <p:nvSpPr>
-          <p:cNvPr id="2" name="Title 1">
-            <a:extLst>
-              <a:ext uri="{FF2B5EF4-FFF2-40B4-BE49-F238E27FC236}">
-                <a16:creationId xmlns:a16="http://schemas.microsoft.com/office/drawing/2014/main" id="{5E187FE3-4193-2A46-9798-38F290C2BFE3}"/>
-              </a:ext>
-            </a:extLst>
-          </p:cNvPr>
-          <p:cNvSpPr>
-            <a:spLocks noGrp="1"/>
-          </p:cNvSpPr>
-          <p:nvPr>
-            <p:ph type="title"/>
-          </p:nvPr>
-        </p:nvSpPr>
-        <p:spPr/>
-        <p:txBody>
-          <a:bodyPr/>
-          <a:lstStyle/>
-          <a:p>
-            <a:endParaRPr lang="en-US"/>
-          </a:p>
-        </p:txBody>
-      </p:sp>
-      <p:sp>
-        <p:nvSpPr>
-          <p:cNvPr id="3" name="Content Placeholder 2">
-            <a:extLst>
-              <a:ext uri="{FF2B5EF4-FFF2-40B4-BE49-F238E27FC236}">
-                <a16:creationId xmlns:a16="http://schemas.microsoft.com/office/drawing/2014/main" id="{E9E9A067-9774-A84B-BF09-4C5C6A0989AC}"/>
-              </a:ext>
-            </a:extLst>
-          </p:cNvPr>
-          <p:cNvSpPr>
-            <a:spLocks noGrp="1"/>
-          </p:cNvSpPr>
-          <p:nvPr>
-            <p:ph idx="1"/>
-          </p:nvPr>
-        </p:nvSpPr>
-        <p:spPr/>
-        <p:txBody>
-          <a:bodyPr/>
-          <a:lstStyle/>
-          <a:p>
-            <a:endParaRPr lang="en-US"/>
-          </a:p>
-        </p:txBody>
-      </p:sp>
-      <p:pic>
-        <p:nvPicPr>
-          <p:cNvPr id="4" name="Picture 3">
-            <a:extLst>
-              <a:ext uri="{FF2B5EF4-FFF2-40B4-BE49-F238E27FC236}">
-                <a16:creationId xmlns:a16="http://schemas.microsoft.com/office/drawing/2014/main" id="{B6115EDE-48DD-E04F-99B8-F4C5D428CE40}"/>
-              </a:ext>
-            </a:extLst>
-          </p:cNvPr>
-          <p:cNvPicPr>
-            <a:picLocks noChangeAspect="1"/>
-          </p:cNvPicPr>
-          <p:nvPr/>
-        </p:nvPicPr>
-        <p:blipFill>
-          <a:blip r:embed="rId2"/>
-          <a:stretch>
-            <a:fillRect/>
-          </a:stretch>
-        </p:blipFill>
-        <p:spPr>
-          <a:xfrm>
-            <a:off x="0" y="304271"/>
-            <a:ext cx="9144000" cy="2911835"/>
-          </a:xfrm>
-          <a:prstGeom prst="rect">
-            <a:avLst/>
-          </a:prstGeom>
-        </p:spPr>
-      </p:pic>
-      <p:pic>
-        <p:nvPicPr>
-          <p:cNvPr id="5" name="Picture 4">
-            <a:extLst>
-              <a:ext uri="{FF2B5EF4-FFF2-40B4-BE49-F238E27FC236}">
-                <a16:creationId xmlns:a16="http://schemas.microsoft.com/office/drawing/2014/main" id="{C13432EF-E0F0-E345-8329-4BA0D851A4C7}"/>
-              </a:ext>
-            </a:extLst>
-          </p:cNvPr>
-          <p:cNvPicPr>
-            <a:picLocks noChangeAspect="1"/>
-          </p:cNvPicPr>
-          <p:nvPr/>
-        </p:nvPicPr>
-        <p:blipFill>
-          <a:blip r:embed="rId3"/>
-          <a:stretch>
-            <a:fillRect/>
-          </a:stretch>
-        </p:blipFill>
-        <p:spPr>
-          <a:xfrm>
-            <a:off x="752030" y="3328553"/>
-            <a:ext cx="7409203" cy="937491"/>
-          </a:xfrm>
-          <a:prstGeom prst="rect">
-            <a:avLst/>
-          </a:prstGeom>
-        </p:spPr>
-      </p:pic>
-    </p:spTree>
-    <p:extLst>
-      <p:ext uri="{BB962C8B-B14F-4D97-AF65-F5344CB8AC3E}">
-        <p14:creationId xmlns:p14="http://schemas.microsoft.com/office/powerpoint/2010/main" val="1351446093"/>
-      </p:ext>
-    </p:extLst>
-  </p:cSld>
-  <p:clrMapOvr>
-    <a:masterClrMapping/>
-  </p:clrMapOvr>
-  <p:timing>
-    <p:tnLst>
-      <p:par>
-        <p:cTn id="1" dur="indefinite" restart="never" nodeType="tmRoot">
-          <p:childTnLst>
-            <p:seq concurrent="1" nextAc="seek">
-              <p:cTn id="2" dur="indefinite" nodeType="mainSeq">
-                <p:childTnLst>
-                  <p:par>
-                    <p:cTn id="3" fill="hold">
-                      <p:stCondLst>
-                        <p:cond delay="indefinite"/>
-                      </p:stCondLst>
-                      <p:childTnLst>
-                        <p:par>
-                          <p:cTn id="4" fill="hold">
-                            <p:stCondLst>
-                              <p:cond delay="0"/>
-                            </p:stCondLst>
-                            <p:childTnLst>
-                              <p:par>
-                                <p:cTn id="5" presetID="1" presetClass="entr" presetSubtype="0" fill="hold" nodeType="clickEffect">
-                                  <p:stCondLst>
-                                    <p:cond delay="0"/>
-                                  </p:stCondLst>
-                                  <p:childTnLst>
-                                    <p:set>
-                                      <p:cBhvr>
-                                        <p:cTn id="6" dur="1" fill="hold">
-                                          <p:stCondLst>
-                                            <p:cond delay="0"/>
-                                          </p:stCondLst>
-                                        </p:cTn>
-                                        <p:tgtEl>
-                                          <p:spTgt spid="5"/>
-                                        </p:tgtEl>
-                                        <p:attrNameLst>
-                                          <p:attrName>style.visibility</p:attrName>
-                                        </p:attrNameLst>
-                                      </p:cBhvr>
-                                      <p:to>
-                                        <p:strVal val="visible"/>
-                                      </p:to>
-                                    </p:set>
-                                  </p:childTnLst>
-                                </p:cTn>
-                              </p:par>
-                            </p:childTnLst>
-                          </p:cTn>
-                        </p:par>
-                      </p:childTnLst>
-                    </p:cTn>
-                  </p:par>
-                </p:childTnLst>
-              </p:cTn>
-              <p:prevCondLst>
-                <p:cond evt="onPrev" delay="0">
-                  <p:tgtEl>
-                    <p:sldTgt/>
-                  </p:tgtEl>
-                </p:cond>
-              </p:prevCondLst>
-              <p:nextCondLst>
-                <p:cond evt="onNext" delay="0">
-                  <p:tgtEl>
-                    <p:sldTgt/>
-                  </p:tgtEl>
-                </p:cond>
-              </p:nextCondLst>
-            </p:seq>
-          </p:childTnLst>
-        </p:cTn>
-      </p:par>
-    </p:tnLst>
-  </p:timing>
-</p:sld>
-</file>
-
-<file path=ppt/slides/slide30.xml><?xml version="1.0" encoding="utf-8"?>
+<file path=ppt/slides/slide31.xml><?xml version="1.0" encoding="utf-8"?>
 <p:sld xmlns:a="http://schemas.openxmlformats.org/drawingml/2006/main" xmlns:r="http://schemas.openxmlformats.org/officeDocument/2006/relationships" xmlns:p="http://schemas.openxmlformats.org/presentationml/2006/main">
   <p:cSld>
     <p:spTree>
@@ -19594,7 +20309,7 @@
 </p:sld>
 </file>
 
-<file path=ppt/slides/slide31.xml><?xml version="1.0" encoding="utf-8"?>
+<file path=ppt/slides/slide32.xml><?xml version="1.0" encoding="utf-8"?>
 <p:sld xmlns:a="http://schemas.openxmlformats.org/drawingml/2006/main" xmlns:r="http://schemas.openxmlformats.org/officeDocument/2006/relationships" xmlns:p="http://schemas.openxmlformats.org/presentationml/2006/main">
   <p:cSld>
     <p:spTree>
@@ -20308,319 +21023,6 @@
 </p:sld>
 </file>
 
-<file path=ppt/slides/slide32.xml><?xml version="1.0" encoding="utf-8"?>
-<p:sld xmlns:a="http://schemas.openxmlformats.org/drawingml/2006/main" xmlns:r="http://schemas.openxmlformats.org/officeDocument/2006/relationships" xmlns:p="http://schemas.openxmlformats.org/presentationml/2006/main">
-  <p:cSld>
-    <p:spTree>
-      <p:nvGrpSpPr>
-        <p:cNvPr id="1" name=""/>
-        <p:cNvGrpSpPr/>
-        <p:nvPr/>
-      </p:nvGrpSpPr>
-      <p:grpSpPr>
-        <a:xfrm>
-          <a:off x="0" y="0"/>
-          <a:ext cx="0" cy="0"/>
-          <a:chOff x="0" y="0"/>
-          <a:chExt cx="0" cy="0"/>
-        </a:xfrm>
-      </p:grpSpPr>
-      <p:sp>
-        <p:nvSpPr>
-          <p:cNvPr id="2" name="Title 1">
-            <a:extLst>
-              <a:ext uri="{FF2B5EF4-FFF2-40B4-BE49-F238E27FC236}">
-                <a16:creationId xmlns:a16="http://schemas.microsoft.com/office/drawing/2014/main" id="{BC6F9511-CB58-AC49-AD98-860912780FFE}"/>
-              </a:ext>
-            </a:extLst>
-          </p:cNvPr>
-          <p:cNvSpPr>
-            <a:spLocks noGrp="1"/>
-          </p:cNvSpPr>
-          <p:nvPr>
-            <p:ph type="title"/>
-          </p:nvPr>
-        </p:nvSpPr>
-        <p:spPr>
-          <a:xfrm>
-            <a:off x="167177" y="128185"/>
-            <a:ext cx="7886700" cy="588511"/>
-          </a:xfrm>
-        </p:spPr>
-        <p:txBody>
-          <a:bodyPr/>
-          <a:lstStyle/>
-          <a:p>
-            <a:r>
-              <a:rPr lang="en-US" dirty="0" err="1"/>
-              <a:t>ArrayList</a:t>
-            </a:r>
-            <a:r>
-              <a:rPr lang="en-US" dirty="0"/>
-              <a:t>/1D Array Tips</a:t>
-            </a:r>
-          </a:p>
-        </p:txBody>
-      </p:sp>
-      <p:sp>
-        <p:nvSpPr>
-          <p:cNvPr id="3" name="Content Placeholder 2">
-            <a:extLst>
-              <a:ext uri="{FF2B5EF4-FFF2-40B4-BE49-F238E27FC236}">
-                <a16:creationId xmlns:a16="http://schemas.microsoft.com/office/drawing/2014/main" id="{CE6BD10B-9D13-604D-9877-97B355109287}"/>
-              </a:ext>
-            </a:extLst>
-          </p:cNvPr>
-          <p:cNvSpPr>
-            <a:spLocks noGrp="1"/>
-          </p:cNvSpPr>
-          <p:nvPr>
-            <p:ph idx="1"/>
-          </p:nvPr>
-        </p:nvSpPr>
-        <p:spPr>
-          <a:xfrm>
-            <a:off x="167177" y="801189"/>
-            <a:ext cx="8780270" cy="4710847"/>
-          </a:xfrm>
-        </p:spPr>
-        <p:txBody>
-          <a:bodyPr>
-            <a:normAutofit lnSpcReduction="10000"/>
-          </a:bodyPr>
-          <a:lstStyle/>
-          <a:p>
-            <a:pPr marL="0" indent="0">
-              <a:buNone/>
-            </a:pPr>
-            <a:r>
-              <a:rPr lang="en-US" dirty="0"/>
-              <a:t>Avoid array and </a:t>
-            </a:r>
-            <a:r>
-              <a:rPr lang="en-US" dirty="0" err="1"/>
-              <a:t>ArrayList</a:t>
-            </a:r>
-            <a:r>
-              <a:rPr lang="en-US" dirty="0"/>
-              <a:t> out-of-bounds exceptions! Especially when comparing consecutive elements.</a:t>
-            </a:r>
-          </a:p>
-          <a:p>
-            <a:pPr marL="0" indent="0">
-              <a:buNone/>
-            </a:pPr>
-            <a:endParaRPr lang="en-US" dirty="0"/>
-          </a:p>
-          <a:p>
-            <a:pPr marL="0" indent="0">
-              <a:buNone/>
-            </a:pPr>
-            <a:r>
-              <a:rPr lang="en-US" err="1"/>
-              <a:t>Example</a:t>
-            </a:r>
-            <a:r>
-              <a:rPr lang="en-US"/>
-              <a:t>: You </a:t>
-            </a:r>
-            <a:r>
-              <a:rPr lang="en-US" dirty="0"/>
-              <a:t>need to compare consecutive elements to determine if the values are increasing.</a:t>
-            </a:r>
-          </a:p>
-          <a:p>
-            <a:pPr marL="0" indent="0">
-              <a:buNone/>
-            </a:pPr>
-            <a:endParaRPr lang="en-US" dirty="0">
-              <a:latin typeface="Courier New" panose="02070309020205020404" pitchFamily="49" charset="0"/>
-              <a:cs typeface="Courier New" panose="02070309020205020404" pitchFamily="49" charset="0"/>
-            </a:endParaRPr>
-          </a:p>
-          <a:p>
-            <a:pPr marL="0" indent="0">
-              <a:buNone/>
-            </a:pPr>
-            <a:r>
-              <a:rPr lang="en-US" dirty="0">
-                <a:latin typeface="Courier New" panose="02070309020205020404" pitchFamily="49" charset="0"/>
-                <a:cs typeface="Courier New" panose="02070309020205020404" pitchFamily="49" charset="0"/>
-              </a:rPr>
-              <a:t>public </a:t>
-            </a:r>
-            <a:r>
-              <a:rPr lang="en-US" dirty="0" err="1">
-                <a:latin typeface="Courier New" panose="02070309020205020404" pitchFamily="49" charset="0"/>
-                <a:cs typeface="Courier New" panose="02070309020205020404" pitchFamily="49" charset="0"/>
-              </a:rPr>
-              <a:t>boolean</a:t>
-            </a:r>
-            <a:r>
-              <a:rPr lang="en-US" dirty="0">
-                <a:latin typeface="Courier New" panose="02070309020205020404" pitchFamily="49" charset="0"/>
-                <a:cs typeface="Courier New" panose="02070309020205020404" pitchFamily="49" charset="0"/>
-              </a:rPr>
-              <a:t> increasing(int[] numbers){</a:t>
-            </a:r>
-          </a:p>
-          <a:p>
-            <a:pPr marL="0" indent="0">
-              <a:buNone/>
-            </a:pPr>
-            <a:r>
-              <a:rPr lang="en-US" dirty="0">
-                <a:latin typeface="Courier New" panose="02070309020205020404" pitchFamily="49" charset="0"/>
-                <a:cs typeface="Courier New" panose="02070309020205020404" pitchFamily="49" charset="0"/>
-              </a:rPr>
-              <a:t>	for(int </a:t>
-            </a:r>
-            <a:r>
-              <a:rPr lang="en-US" dirty="0" err="1">
-                <a:latin typeface="Courier New" panose="02070309020205020404" pitchFamily="49" charset="0"/>
-                <a:cs typeface="Courier New" panose="02070309020205020404" pitchFamily="49" charset="0"/>
-              </a:rPr>
-              <a:t>i</a:t>
-            </a:r>
-            <a:r>
-              <a:rPr lang="en-US" dirty="0">
-                <a:latin typeface="Courier New" panose="02070309020205020404" pitchFamily="49" charset="0"/>
-                <a:cs typeface="Courier New" panose="02070309020205020404" pitchFamily="49" charset="0"/>
-              </a:rPr>
-              <a:t>=0; </a:t>
-            </a:r>
-            <a:r>
-              <a:rPr lang="en-US" dirty="0" err="1">
-                <a:latin typeface="Courier New" panose="02070309020205020404" pitchFamily="49" charset="0"/>
-                <a:cs typeface="Courier New" panose="02070309020205020404" pitchFamily="49" charset="0"/>
-              </a:rPr>
-              <a:t>i</a:t>
-            </a:r>
-            <a:r>
-              <a:rPr lang="en-US" dirty="0">
-                <a:latin typeface="Courier New" panose="02070309020205020404" pitchFamily="49" charset="0"/>
-                <a:cs typeface="Courier New" panose="02070309020205020404" pitchFamily="49" charset="0"/>
-              </a:rPr>
-              <a:t> &lt; </a:t>
-            </a:r>
-            <a:r>
-              <a:rPr lang="en-US" dirty="0">
-                <a:solidFill>
-                  <a:srgbClr val="FF0000"/>
-                </a:solidFill>
-                <a:latin typeface="Courier New" panose="02070309020205020404" pitchFamily="49" charset="0"/>
-                <a:cs typeface="Courier New" panose="02070309020205020404" pitchFamily="49" charset="0"/>
-              </a:rPr>
-              <a:t>numbers.length-1</a:t>
-            </a:r>
-            <a:r>
-              <a:rPr lang="en-US" dirty="0">
-                <a:latin typeface="Courier New" panose="02070309020205020404" pitchFamily="49" charset="0"/>
-                <a:cs typeface="Courier New" panose="02070309020205020404" pitchFamily="49" charset="0"/>
-              </a:rPr>
-              <a:t>; </a:t>
-            </a:r>
-            <a:r>
-              <a:rPr lang="en-US" dirty="0" err="1">
-                <a:latin typeface="Courier New" panose="02070309020205020404" pitchFamily="49" charset="0"/>
-                <a:cs typeface="Courier New" panose="02070309020205020404" pitchFamily="49" charset="0"/>
-              </a:rPr>
-              <a:t>i</a:t>
-            </a:r>
-            <a:r>
-              <a:rPr lang="en-US" dirty="0">
-                <a:latin typeface="Courier New" panose="02070309020205020404" pitchFamily="49" charset="0"/>
-                <a:cs typeface="Courier New" panose="02070309020205020404" pitchFamily="49" charset="0"/>
-              </a:rPr>
-              <a:t>++)</a:t>
-            </a:r>
-          </a:p>
-          <a:p>
-            <a:pPr marL="0" indent="0">
-              <a:buNone/>
-            </a:pPr>
-            <a:r>
-              <a:rPr lang="en-US" dirty="0">
-                <a:latin typeface="Courier New" panose="02070309020205020404" pitchFamily="49" charset="0"/>
-                <a:cs typeface="Courier New" panose="02070309020205020404" pitchFamily="49" charset="0"/>
-              </a:rPr>
-              <a:t>		if(numbers[</a:t>
-            </a:r>
-            <a:r>
-              <a:rPr lang="en-US" dirty="0" err="1">
-                <a:latin typeface="Courier New" panose="02070309020205020404" pitchFamily="49" charset="0"/>
-                <a:cs typeface="Courier New" panose="02070309020205020404" pitchFamily="49" charset="0"/>
-              </a:rPr>
-              <a:t>i</a:t>
-            </a:r>
-            <a:r>
-              <a:rPr lang="en-US" dirty="0">
-                <a:latin typeface="Courier New" panose="02070309020205020404" pitchFamily="49" charset="0"/>
-                <a:cs typeface="Courier New" panose="02070309020205020404" pitchFamily="49" charset="0"/>
-              </a:rPr>
-              <a:t>] &gt;= numbers[i+1])</a:t>
-            </a:r>
-          </a:p>
-          <a:p>
-            <a:pPr marL="0" indent="0">
-              <a:buNone/>
-            </a:pPr>
-            <a:r>
-              <a:rPr lang="en-US" dirty="0">
-                <a:latin typeface="Courier New" panose="02070309020205020404" pitchFamily="49" charset="0"/>
-                <a:cs typeface="Courier New" panose="02070309020205020404" pitchFamily="49" charset="0"/>
-              </a:rPr>
-              <a:t>			return false;</a:t>
-            </a:r>
-          </a:p>
-          <a:p>
-            <a:pPr marL="0" indent="0">
-              <a:buNone/>
-            </a:pPr>
-            <a:r>
-              <a:rPr lang="en-US" dirty="0">
-                <a:latin typeface="Courier New" panose="02070309020205020404" pitchFamily="49" charset="0"/>
-                <a:cs typeface="Courier New" panose="02070309020205020404" pitchFamily="49" charset="0"/>
-              </a:rPr>
-              <a:t>	return true;</a:t>
-            </a:r>
-          </a:p>
-          <a:p>
-            <a:pPr marL="0" indent="0">
-              <a:buNone/>
-            </a:pPr>
-            <a:r>
-              <a:rPr lang="en-US" dirty="0">
-                <a:latin typeface="Courier New" panose="02070309020205020404" pitchFamily="49" charset="0"/>
-                <a:cs typeface="Courier New" panose="02070309020205020404" pitchFamily="49" charset="0"/>
-              </a:rPr>
-              <a:t>}</a:t>
-            </a:r>
-          </a:p>
-          <a:p>
-            <a:pPr marL="0" indent="0">
-              <a:buNone/>
-            </a:pPr>
-            <a:br>
-              <a:rPr lang="en-US" dirty="0"/>
-            </a:br>
-            <a:endParaRPr lang="en-US" dirty="0"/>
-          </a:p>
-        </p:txBody>
-      </p:sp>
-    </p:spTree>
-    <p:extLst>
-      <p:ext uri="{BB962C8B-B14F-4D97-AF65-F5344CB8AC3E}">
-        <p14:creationId xmlns:p14="http://schemas.microsoft.com/office/powerpoint/2010/main" val="1789203214"/>
-      </p:ext>
-    </p:extLst>
-  </p:cSld>
-  <p:clrMapOvr>
-    <a:masterClrMapping/>
-  </p:clrMapOvr>
-</p:sld>
-</file>
-
 <file path=ppt/slides/slide33.xml><?xml version="1.0" encoding="utf-8"?>
 <p:sld xmlns:a="http://schemas.openxmlformats.org/drawingml/2006/main" xmlns:r="http://schemas.openxmlformats.org/officeDocument/2006/relationships" xmlns:p="http://schemas.openxmlformats.org/presentationml/2006/main">
   <p:cSld>
@@ -20665,8 +21067,12 @@
           <a:lstStyle/>
           <a:p>
             <a:r>
+              <a:rPr lang="en-US" dirty="0" err="1"/>
+              <a:t>ArrayList</a:t>
+            </a:r>
+            <a:r>
               <a:rPr lang="en-US" dirty="0"/>
-              <a:t>Finding the smallest or largest</a:t>
+              <a:t>/1D Array Tips</a:t>
             </a:r>
           </a:p>
         </p:txBody>
@@ -20689,13 +21095,13 @@
         </p:nvSpPr>
         <p:spPr>
           <a:xfrm>
-            <a:off x="167177" y="888763"/>
-            <a:ext cx="8780270" cy="4623273"/>
+            <a:off x="167177" y="801189"/>
+            <a:ext cx="8780270" cy="4710847"/>
           </a:xfrm>
         </p:spPr>
         <p:txBody>
           <a:bodyPr>
-            <a:normAutofit fontScale="92500" lnSpcReduction="10000"/>
+            <a:normAutofit lnSpcReduction="10000"/>
           </a:bodyPr>
           <a:lstStyle/>
           <a:p>
@@ -20704,86 +21110,182 @@
             </a:pPr>
             <a:r>
               <a:rPr lang="en-US" dirty="0"/>
-              <a:t>When you need to return an element in a list (i.e. largest, smallest,…), assign the initial element to the </a:t>
-            </a:r>
-            <a:r>
-              <a:rPr lang="en-US" b="1" dirty="0">
+              <a:t>Avoid array and </a:t>
+            </a:r>
+            <a:r>
+              <a:rPr lang="en-US" dirty="0" err="1"/>
+              <a:t>ArrayList</a:t>
+            </a:r>
+            <a:r>
+              <a:rPr lang="en-US" dirty="0"/>
+              <a:t> out-of-bounds exceptions! Especially when comparing consecutive elements.</a:t>
+            </a:r>
+          </a:p>
+          <a:p>
+            <a:pPr marL="0" indent="0">
+              <a:buNone/>
+            </a:pPr>
+            <a:endParaRPr lang="en-US" dirty="0"/>
+          </a:p>
+          <a:p>
+            <a:pPr marL="0" indent="0">
+              <a:buNone/>
+            </a:pPr>
+            <a:r>
+              <a:rPr lang="en-US" err="1"/>
+              <a:t>Example</a:t>
+            </a:r>
+            <a:r>
+              <a:rPr lang="en-US"/>
+              <a:t>: You </a:t>
+            </a:r>
+            <a:r>
+              <a:rPr lang="en-US" dirty="0"/>
+              <a:t>need to compare consecutive elements to determine if the values are increasing.</a:t>
+            </a:r>
+          </a:p>
+          <a:p>
+            <a:pPr marL="0" indent="0">
+              <a:buNone/>
+            </a:pPr>
+            <a:endParaRPr lang="en-US" dirty="0">
+              <a:latin typeface="Courier New" panose="02070309020205020404" pitchFamily="49" charset="0"/>
+              <a:cs typeface="Courier New" panose="02070309020205020404" pitchFamily="49" charset="0"/>
+            </a:endParaRPr>
+          </a:p>
+          <a:p>
+            <a:pPr marL="0" indent="0">
+              <a:buNone/>
+            </a:pPr>
+            <a:r>
+              <a:rPr lang="en-US" dirty="0">
+                <a:latin typeface="Courier New" panose="02070309020205020404" pitchFamily="49" charset="0"/>
+                <a:cs typeface="Courier New" panose="02070309020205020404" pitchFamily="49" charset="0"/>
+              </a:rPr>
+              <a:t>public </a:t>
+            </a:r>
+            <a:r>
+              <a:rPr lang="en-US" dirty="0" err="1">
+                <a:latin typeface="Courier New" panose="02070309020205020404" pitchFamily="49" charset="0"/>
+                <a:cs typeface="Courier New" panose="02070309020205020404" pitchFamily="49" charset="0"/>
+              </a:rPr>
+              <a:t>boolean</a:t>
+            </a:r>
+            <a:r>
+              <a:rPr lang="en-US" dirty="0">
+                <a:latin typeface="Courier New" panose="02070309020205020404" pitchFamily="49" charset="0"/>
+                <a:cs typeface="Courier New" panose="02070309020205020404" pitchFamily="49" charset="0"/>
+              </a:rPr>
+              <a:t> increasing(int[] numbers){</a:t>
+            </a:r>
+          </a:p>
+          <a:p>
+            <a:pPr marL="0" indent="0">
+              <a:buNone/>
+            </a:pPr>
+            <a:r>
+              <a:rPr lang="en-US" dirty="0">
+                <a:latin typeface="Courier New" panose="02070309020205020404" pitchFamily="49" charset="0"/>
+                <a:cs typeface="Courier New" panose="02070309020205020404" pitchFamily="49" charset="0"/>
+              </a:rPr>
+              <a:t>	for(int </a:t>
+            </a:r>
+            <a:r>
+              <a:rPr lang="en-US" dirty="0" err="1">
+                <a:latin typeface="Courier New" panose="02070309020205020404" pitchFamily="49" charset="0"/>
+                <a:cs typeface="Courier New" panose="02070309020205020404" pitchFamily="49" charset="0"/>
+              </a:rPr>
+              <a:t>i</a:t>
+            </a:r>
+            <a:r>
+              <a:rPr lang="en-US" dirty="0">
+                <a:latin typeface="Courier New" panose="02070309020205020404" pitchFamily="49" charset="0"/>
+                <a:cs typeface="Courier New" panose="02070309020205020404" pitchFamily="49" charset="0"/>
+              </a:rPr>
+              <a:t>=0; </a:t>
+            </a:r>
+            <a:r>
+              <a:rPr lang="en-US" dirty="0" err="1">
+                <a:latin typeface="Courier New" panose="02070309020205020404" pitchFamily="49" charset="0"/>
+                <a:cs typeface="Courier New" panose="02070309020205020404" pitchFamily="49" charset="0"/>
+              </a:rPr>
+              <a:t>i</a:t>
+            </a:r>
+            <a:r>
+              <a:rPr lang="en-US" dirty="0">
+                <a:latin typeface="Courier New" panose="02070309020205020404" pitchFamily="49" charset="0"/>
+                <a:cs typeface="Courier New" panose="02070309020205020404" pitchFamily="49" charset="0"/>
+              </a:rPr>
+              <a:t> &lt; </a:t>
+            </a:r>
+            <a:r>
+              <a:rPr lang="en-US" dirty="0">
                 <a:solidFill>
                   <a:srgbClr val="FF0000"/>
                 </a:solidFill>
-              </a:rPr>
-              <a:t>first one </a:t>
-            </a:r>
-            <a:r>
-              <a:rPr lang="en-US" dirty="0"/>
-              <a:t>in the list.</a:t>
-            </a:r>
-          </a:p>
-          <a:p>
-            <a:pPr marL="0" indent="0">
-              <a:buNone/>
-            </a:pPr>
-            <a:endParaRPr lang="en-US" dirty="0"/>
-          </a:p>
-          <a:p>
-            <a:pPr marL="0" indent="0">
-              <a:buNone/>
-            </a:pPr>
-            <a:r>
-              <a:rPr lang="en-US" dirty="0"/>
-              <a:t>Example : You need to find the Dog with the most fleas.</a:t>
-            </a:r>
-          </a:p>
-          <a:p>
-            <a:pPr marL="0" indent="0">
-              <a:buNone/>
-            </a:pPr>
+                <a:latin typeface="Courier New" panose="02070309020205020404" pitchFamily="49" charset="0"/>
+                <a:cs typeface="Courier New" panose="02070309020205020404" pitchFamily="49" charset="0"/>
+              </a:rPr>
+              <a:t>numbers.length-1</a:t>
+            </a:r>
             <a:r>
               <a:rPr lang="en-US" dirty="0">
                 <a:latin typeface="Courier New" panose="02070309020205020404" pitchFamily="49" charset="0"/>
                 <a:cs typeface="Courier New" panose="02070309020205020404" pitchFamily="49" charset="0"/>
               </a:rPr>
-              <a:t>//returns the Dog object in pack with the most fleas</a:t>
-            </a:r>
-          </a:p>
-          <a:p>
-            <a:pPr marL="0" indent="0">
-              <a:buNone/>
-            </a:pPr>
+              <a:t>; </a:t>
+            </a:r>
+            <a:r>
+              <a:rPr lang="en-US" dirty="0" err="1">
+                <a:latin typeface="Courier New" panose="02070309020205020404" pitchFamily="49" charset="0"/>
+                <a:cs typeface="Courier New" panose="02070309020205020404" pitchFamily="49" charset="0"/>
+              </a:rPr>
+              <a:t>i</a:t>
+            </a:r>
             <a:r>
               <a:rPr lang="en-US" dirty="0">
                 <a:latin typeface="Courier New" panose="02070309020205020404" pitchFamily="49" charset="0"/>
                 <a:cs typeface="Courier New" panose="02070309020205020404" pitchFamily="49" charset="0"/>
               </a:rPr>
-              <a:t>public Dog </a:t>
+              <a:t>++)</a:t>
+            </a:r>
+          </a:p>
+          <a:p>
+            <a:pPr marL="0" indent="0">
+              <a:buNone/>
+            </a:pPr>
+            <a:r>
+              <a:rPr lang="en-US" dirty="0">
+                <a:latin typeface="Courier New" panose="02070309020205020404" pitchFamily="49" charset="0"/>
+                <a:cs typeface="Courier New" panose="02070309020205020404" pitchFamily="49" charset="0"/>
+              </a:rPr>
+              <a:t>		if(numbers[</a:t>
             </a:r>
             <a:r>
               <a:rPr lang="en-US" dirty="0" err="1">
                 <a:latin typeface="Courier New" panose="02070309020205020404" pitchFamily="49" charset="0"/>
                 <a:cs typeface="Courier New" panose="02070309020205020404" pitchFamily="49" charset="0"/>
               </a:rPr>
-              <a:t>mostFleas</a:t>
+              <a:t>i</a:t>
             </a:r>
             <a:r>
               <a:rPr lang="en-US" dirty="0">
                 <a:latin typeface="Courier New" panose="02070309020205020404" pitchFamily="49" charset="0"/>
                 <a:cs typeface="Courier New" panose="02070309020205020404" pitchFamily="49" charset="0"/>
               </a:rPr>
-              <a:t>(</a:t>
-            </a:r>
-            <a:r>
-              <a:rPr lang="en-US" dirty="0" err="1">
-                <a:latin typeface="Courier New" panose="02070309020205020404" pitchFamily="49" charset="0"/>
-                <a:cs typeface="Courier New" panose="02070309020205020404" pitchFamily="49" charset="0"/>
-              </a:rPr>
-              <a:t>ArrayList</a:t>
-            </a:r>
+              <a:t>] &gt;= numbers[i+1])</a:t>
+            </a:r>
+          </a:p>
+          <a:p>
+            <a:pPr marL="0" indent="0">
+              <a:buNone/>
+            </a:pPr>
             <a:r>
               <a:rPr lang="en-US" dirty="0">
                 <a:latin typeface="Courier New" panose="02070309020205020404" pitchFamily="49" charset="0"/>
                 <a:cs typeface="Courier New" panose="02070309020205020404" pitchFamily="49" charset="0"/>
               </a:rPr>
-              <a:t>&lt;Dog&gt; pack){</a:t>
+              <a:t>			return false;</a:t>
             </a:r>
           </a:p>
           <a:p>
@@ -20795,97 +21297,7 @@
                 <a:latin typeface="Courier New" panose="02070309020205020404" pitchFamily="49" charset="0"/>
                 <a:cs typeface="Courier New" panose="02070309020205020404" pitchFamily="49" charset="0"/>
               </a:rPr>
-              <a:t>	Dog most = </a:t>
-            </a:r>
-            <a:r>
-              <a:rPr lang="en-US" dirty="0" err="1">
-                <a:latin typeface="Courier New" panose="02070309020205020404" pitchFamily="49" charset="0"/>
-                <a:cs typeface="Courier New" panose="02070309020205020404" pitchFamily="49" charset="0"/>
-              </a:rPr>
-              <a:t>pack.get</a:t>
-            </a:r>
-            <a:r>
-              <a:rPr lang="en-US" dirty="0">
-                <a:latin typeface="Courier New" panose="02070309020205020404" pitchFamily="49" charset="0"/>
-                <a:cs typeface="Courier New" panose="02070309020205020404" pitchFamily="49" charset="0"/>
-              </a:rPr>
-              <a:t>(0);</a:t>
-            </a:r>
-          </a:p>
-          <a:p>
-            <a:pPr marL="0" indent="0">
-              <a:buNone/>
-            </a:pPr>
-            <a:r>
-              <a:rPr lang="en-US" dirty="0">
-                <a:latin typeface="Courier New" panose="02070309020205020404" pitchFamily="49" charset="0"/>
-                <a:cs typeface="Courier New" panose="02070309020205020404" pitchFamily="49" charset="0"/>
-              </a:rPr>
-              <a:t>	for(Dog dog : pack)</a:t>
-            </a:r>
-          </a:p>
-          <a:p>
-            <a:pPr marL="0" indent="0">
-              <a:buNone/>
-            </a:pPr>
-            <a:r>
-              <a:rPr lang="en-US" dirty="0">
-                <a:latin typeface="Courier New" panose="02070309020205020404" pitchFamily="49" charset="0"/>
-                <a:cs typeface="Courier New" panose="02070309020205020404" pitchFamily="49" charset="0"/>
-              </a:rPr>
-              <a:t>		if(</a:t>
-            </a:r>
-            <a:r>
-              <a:rPr lang="en-US" dirty="0" err="1">
-                <a:latin typeface="Courier New" panose="02070309020205020404" pitchFamily="49" charset="0"/>
-                <a:cs typeface="Courier New" panose="02070309020205020404" pitchFamily="49" charset="0"/>
-              </a:rPr>
-              <a:t>dog.getNumFleas</a:t>
-            </a:r>
-            <a:r>
-              <a:rPr lang="en-US" dirty="0">
-                <a:latin typeface="Courier New" panose="02070309020205020404" pitchFamily="49" charset="0"/>
-                <a:cs typeface="Courier New" panose="02070309020205020404" pitchFamily="49" charset="0"/>
-              </a:rPr>
-              <a:t>() &gt; </a:t>
-            </a:r>
-            <a:r>
-              <a:rPr lang="en-US" dirty="0" err="1">
-                <a:latin typeface="Courier New" panose="02070309020205020404" pitchFamily="49" charset="0"/>
-                <a:cs typeface="Courier New" panose="02070309020205020404" pitchFamily="49" charset="0"/>
-              </a:rPr>
-              <a:t>most.getNumFleas</a:t>
-            </a:r>
-            <a:r>
-              <a:rPr lang="en-US" dirty="0">
-                <a:latin typeface="Courier New" panose="02070309020205020404" pitchFamily="49" charset="0"/>
-                <a:cs typeface="Courier New" panose="02070309020205020404" pitchFamily="49" charset="0"/>
-              </a:rPr>
-              <a:t>())</a:t>
-            </a:r>
-          </a:p>
-          <a:p>
-            <a:pPr marL="0" indent="0">
-              <a:buNone/>
-            </a:pPr>
-            <a:r>
-              <a:rPr lang="en-US" dirty="0">
-                <a:latin typeface="Courier New" panose="02070309020205020404" pitchFamily="49" charset="0"/>
-                <a:cs typeface="Courier New" panose="02070309020205020404" pitchFamily="49" charset="0"/>
-              </a:rPr>
-              <a:t>			most = dog;</a:t>
-            </a:r>
-          </a:p>
-          <a:p>
-            <a:pPr marL="0" indent="0">
-              <a:buNone/>
-            </a:pPr>
-            <a:r>
-              <a:rPr lang="en-US" dirty="0">
-                <a:latin typeface="Courier New" panose="02070309020205020404" pitchFamily="49" charset="0"/>
-                <a:cs typeface="Courier New" panose="02070309020205020404" pitchFamily="49" charset="0"/>
-              </a:rPr>
-              <a:t>	return most;</a:t>
+              <a:t>	return true;</a:t>
             </a:r>
           </a:p>
           <a:p>
@@ -20914,7 +21326,7 @@
     </p:spTree>
     <p:extLst>
       <p:ext uri="{BB962C8B-B14F-4D97-AF65-F5344CB8AC3E}">
-        <p14:creationId xmlns:p14="http://schemas.microsoft.com/office/powerpoint/2010/main" val="325895786"/>
+        <p14:creationId xmlns:p14="http://schemas.microsoft.com/office/powerpoint/2010/main" val="1789203214"/>
       </p:ext>
     </p:extLst>
   </p:cSld>
@@ -20969,13 +21381,8 @@
           <a:p>
             <a:r>
               <a:rPr lang="en-US" dirty="0"/>
-              <a:t>Manipulating an Array using </a:t>
-            </a:r>
-            <a:r>
-              <a:rPr lang="en-US" dirty="0" err="1"/>
-              <a:t>Arraylist</a:t>
-            </a:r>
-            <a:endParaRPr lang="en-US" dirty="0"/>
+              <a:t>Finding the smallest or largest</a:t>
+            </a:r>
           </a:p>
         </p:txBody>
       </p:sp>
@@ -21002,7 +21409,9 @@
           </a:xfrm>
         </p:spPr>
         <p:txBody>
-          <a:bodyPr/>
+          <a:bodyPr>
+            <a:normAutofit fontScale="92500" lnSpcReduction="10000"/>
+          </a:bodyPr>
           <a:lstStyle/>
           <a:p>
             <a:pPr marL="0" indent="0">
@@ -21010,62 +21419,200 @@
             </a:pPr>
             <a:r>
               <a:rPr lang="en-US" dirty="0"/>
-              <a:t>An </a:t>
-            </a:r>
-            <a:r>
-              <a:rPr lang="en-US" dirty="0" err="1"/>
+              <a:t>When you need to return an element in a list (i.e. largest, smallest,…), assign the initial element to the </a:t>
+            </a:r>
+            <a:r>
+              <a:rPr lang="en-US" b="1" dirty="0">
+                <a:solidFill>
+                  <a:srgbClr val="FF0000"/>
+                </a:solidFill>
+              </a:rPr>
+              <a:t>first one </a:t>
+            </a:r>
+            <a:r>
+              <a:rPr lang="en-US" dirty="0"/>
+              <a:t>in the list.</a:t>
+            </a:r>
+          </a:p>
+          <a:p>
+            <a:pPr marL="0" indent="0">
+              <a:buNone/>
+            </a:pPr>
+            <a:endParaRPr lang="en-US" dirty="0"/>
+          </a:p>
+          <a:p>
+            <a:pPr marL="0" indent="0">
+              <a:buNone/>
+            </a:pPr>
+            <a:r>
+              <a:rPr lang="en-US" dirty="0"/>
+              <a:t>Example : You need to find the Dog with the most fleas.</a:t>
+            </a:r>
+          </a:p>
+          <a:p>
+            <a:pPr marL="0" indent="0">
+              <a:buNone/>
+            </a:pPr>
+            <a:r>
+              <a:rPr lang="en-US" dirty="0">
+                <a:latin typeface="Courier New" panose="02070309020205020404" pitchFamily="49" charset="0"/>
+                <a:cs typeface="Courier New" panose="02070309020205020404" pitchFamily="49" charset="0"/>
+              </a:rPr>
+              <a:t>//returns the Dog object in pack with the most fleas</a:t>
+            </a:r>
+          </a:p>
+          <a:p>
+            <a:pPr marL="0" indent="0">
+              <a:buNone/>
+            </a:pPr>
+            <a:r>
+              <a:rPr lang="en-US" dirty="0">
+                <a:latin typeface="Courier New" panose="02070309020205020404" pitchFamily="49" charset="0"/>
+                <a:cs typeface="Courier New" panose="02070309020205020404" pitchFamily="49" charset="0"/>
+              </a:rPr>
+              <a:t>public Dog </a:t>
+            </a:r>
+            <a:r>
+              <a:rPr lang="en-US" dirty="0" err="1">
+                <a:latin typeface="Courier New" panose="02070309020205020404" pitchFamily="49" charset="0"/>
+                <a:cs typeface="Courier New" panose="02070309020205020404" pitchFamily="49" charset="0"/>
+              </a:rPr>
+              <a:t>mostFleas</a:t>
+            </a:r>
+            <a:r>
+              <a:rPr lang="en-US" dirty="0">
+                <a:latin typeface="Courier New" panose="02070309020205020404" pitchFamily="49" charset="0"/>
+                <a:cs typeface="Courier New" panose="02070309020205020404" pitchFamily="49" charset="0"/>
+              </a:rPr>
+              <a:t>(</a:t>
+            </a:r>
+            <a:r>
+              <a:rPr lang="en-US" dirty="0" err="1">
+                <a:latin typeface="Courier New" panose="02070309020205020404" pitchFamily="49" charset="0"/>
+                <a:cs typeface="Courier New" panose="02070309020205020404" pitchFamily="49" charset="0"/>
+              </a:rPr>
               <a:t>ArrayList</a:t>
             </a:r>
             <a:r>
-              <a:rPr lang="en-US" dirty="0"/>
-              <a:t> can be helpful when you are trying to manipulate an array (i.e. remove items, rearrange in random order, etc.).</a:t>
-            </a:r>
-          </a:p>
-          <a:p>
-            <a:pPr marL="0" indent="0">
-              <a:buNone/>
-            </a:pPr>
-            <a:endParaRPr lang="en-US" dirty="0"/>
-          </a:p>
-          <a:p>
-            <a:pPr marL="0" indent="0">
-              <a:buNone/>
-            </a:pPr>
-            <a:r>
-              <a:rPr lang="en-US" dirty="0"/>
-              <a:t>Example: </a:t>
-            </a:r>
-          </a:p>
-          <a:p>
-            <a:pPr marL="0" indent="0">
-              <a:buNone/>
-            </a:pPr>
-            <a:r>
-              <a:rPr lang="en-US" dirty="0"/>
-              <a:t>If you need to remove several objects from an array based one some condition, a strategy would be to save all the objects to an </a:t>
-            </a:r>
-            <a:r>
-              <a:rPr lang="en-US" dirty="0" err="1"/>
-              <a:t>ArrayList</a:t>
-            </a:r>
-            <a:r>
-              <a:rPr lang="en-US" dirty="0"/>
-              <a:t> and remove the objects before storing the remaining objects back to the array.</a:t>
-            </a:r>
-          </a:p>
-          <a:p>
-            <a:pPr marL="0" indent="0">
-              <a:buNone/>
-            </a:pPr>
-            <a:endParaRPr lang="en-US" dirty="0"/>
-          </a:p>
-          <a:p>
-            <a:pPr marL="0" indent="0">
-              <a:buNone/>
-            </a:pPr>
-            <a:r>
-              <a:rPr lang="en-US" dirty="0"/>
-              <a:t>See code on the next slide. </a:t>
+              <a:rPr lang="en-US" dirty="0">
+                <a:latin typeface="Courier New" panose="02070309020205020404" pitchFamily="49" charset="0"/>
+                <a:cs typeface="Courier New" panose="02070309020205020404" pitchFamily="49" charset="0"/>
+              </a:rPr>
+              <a:t>&lt;Dog&gt; pack){</a:t>
+            </a:r>
+          </a:p>
+          <a:p>
+            <a:pPr marL="0" indent="0">
+              <a:buNone/>
+            </a:pPr>
+            <a:r>
+              <a:rPr lang="en-US" dirty="0">
+                <a:latin typeface="Courier New" panose="02070309020205020404" pitchFamily="49" charset="0"/>
+                <a:cs typeface="Courier New" panose="02070309020205020404" pitchFamily="49" charset="0"/>
+              </a:rPr>
+              <a:t>	Dog most = </a:t>
+            </a:r>
+            <a:r>
+              <a:rPr lang="en-US" dirty="0" err="1">
+                <a:latin typeface="Courier New" panose="02070309020205020404" pitchFamily="49" charset="0"/>
+                <a:cs typeface="Courier New" panose="02070309020205020404" pitchFamily="49" charset="0"/>
+              </a:rPr>
+              <a:t>pack.get</a:t>
+            </a:r>
+            <a:r>
+              <a:rPr lang="en-US" dirty="0">
+                <a:latin typeface="Courier New" panose="02070309020205020404" pitchFamily="49" charset="0"/>
+                <a:cs typeface="Courier New" panose="02070309020205020404" pitchFamily="49" charset="0"/>
+              </a:rPr>
+              <a:t>(0);</a:t>
+            </a:r>
+          </a:p>
+          <a:p>
+            <a:pPr marL="0" indent="0">
+              <a:buNone/>
+            </a:pPr>
+            <a:r>
+              <a:rPr lang="en-US" dirty="0">
+                <a:latin typeface="Courier New" panose="02070309020205020404" pitchFamily="49" charset="0"/>
+                <a:cs typeface="Courier New" panose="02070309020205020404" pitchFamily="49" charset="0"/>
+              </a:rPr>
+              <a:t>	for(Dog dog : pack)</a:t>
+            </a:r>
+          </a:p>
+          <a:p>
+            <a:pPr marL="0" indent="0">
+              <a:buNone/>
+            </a:pPr>
+            <a:r>
+              <a:rPr lang="en-US" dirty="0">
+                <a:latin typeface="Courier New" panose="02070309020205020404" pitchFamily="49" charset="0"/>
+                <a:cs typeface="Courier New" panose="02070309020205020404" pitchFamily="49" charset="0"/>
+              </a:rPr>
+              <a:t>		if(</a:t>
+            </a:r>
+            <a:r>
+              <a:rPr lang="en-US" dirty="0" err="1">
+                <a:latin typeface="Courier New" panose="02070309020205020404" pitchFamily="49" charset="0"/>
+                <a:cs typeface="Courier New" panose="02070309020205020404" pitchFamily="49" charset="0"/>
+              </a:rPr>
+              <a:t>dog.getNumFleas</a:t>
+            </a:r>
+            <a:r>
+              <a:rPr lang="en-US" dirty="0">
+                <a:latin typeface="Courier New" panose="02070309020205020404" pitchFamily="49" charset="0"/>
+                <a:cs typeface="Courier New" panose="02070309020205020404" pitchFamily="49" charset="0"/>
+              </a:rPr>
+              <a:t>() &gt; </a:t>
+            </a:r>
+            <a:r>
+              <a:rPr lang="en-US" dirty="0" err="1">
+                <a:latin typeface="Courier New" panose="02070309020205020404" pitchFamily="49" charset="0"/>
+                <a:cs typeface="Courier New" panose="02070309020205020404" pitchFamily="49" charset="0"/>
+              </a:rPr>
+              <a:t>most.getNumFleas</a:t>
+            </a:r>
+            <a:r>
+              <a:rPr lang="en-US" dirty="0">
+                <a:latin typeface="Courier New" panose="02070309020205020404" pitchFamily="49" charset="0"/>
+                <a:cs typeface="Courier New" panose="02070309020205020404" pitchFamily="49" charset="0"/>
+              </a:rPr>
+              <a:t>())</a:t>
+            </a:r>
+          </a:p>
+          <a:p>
+            <a:pPr marL="0" indent="0">
+              <a:buNone/>
+            </a:pPr>
+            <a:r>
+              <a:rPr lang="en-US" dirty="0">
+                <a:latin typeface="Courier New" panose="02070309020205020404" pitchFamily="49" charset="0"/>
+                <a:cs typeface="Courier New" panose="02070309020205020404" pitchFamily="49" charset="0"/>
+              </a:rPr>
+              <a:t>			most = dog;</a:t>
+            </a:r>
+          </a:p>
+          <a:p>
+            <a:pPr marL="0" indent="0">
+              <a:buNone/>
+            </a:pPr>
+            <a:r>
+              <a:rPr lang="en-US" dirty="0">
+                <a:latin typeface="Courier New" panose="02070309020205020404" pitchFamily="49" charset="0"/>
+                <a:cs typeface="Courier New" panose="02070309020205020404" pitchFamily="49" charset="0"/>
+              </a:rPr>
+              <a:t>	return most;</a:t>
+            </a:r>
+          </a:p>
+          <a:p>
+            <a:pPr marL="0" indent="0">
+              <a:buNone/>
+            </a:pPr>
+            <a:r>
+              <a:rPr lang="en-US" dirty="0">
+                <a:latin typeface="Courier New" panose="02070309020205020404" pitchFamily="49" charset="0"/>
+                <a:cs typeface="Courier New" panose="02070309020205020404" pitchFamily="49" charset="0"/>
+              </a:rPr>
+              <a:t>}</a:t>
             </a:r>
           </a:p>
           <a:p>
@@ -21082,7 +21629,7 @@
     </p:spTree>
     <p:extLst>
       <p:ext uri="{BB962C8B-B14F-4D97-AF65-F5344CB8AC3E}">
-        <p14:creationId xmlns:p14="http://schemas.microsoft.com/office/powerpoint/2010/main" val="1543578782"/>
+        <p14:creationId xmlns:p14="http://schemas.microsoft.com/office/powerpoint/2010/main" val="325895786"/>
       </p:ext>
     </p:extLst>
   </p:cSld>
@@ -21170,452 +21717,87 @@
           </a:xfrm>
         </p:spPr>
         <p:txBody>
-          <a:bodyPr>
-            <a:normAutofit/>
-          </a:bodyPr>
+          <a:bodyPr/>
           <a:lstStyle/>
           <a:p>
             <a:pPr marL="0" indent="0">
               <a:buNone/>
             </a:pPr>
             <a:r>
-              <a:rPr lang="en-US" sz="1900" dirty="0">
-                <a:latin typeface="Courier New" panose="02070309020205020404" pitchFamily="49" charset="0"/>
-                <a:cs typeface="Courier New" panose="02070309020205020404" pitchFamily="49" charset="0"/>
-              </a:rPr>
-              <a:t>//returns a new array with bad things removed</a:t>
-            </a:r>
-          </a:p>
-          <a:p>
-            <a:pPr marL="0" indent="0">
-              <a:buNone/>
-            </a:pPr>
-            <a:r>
-              <a:rPr lang="en-US" sz="1900" dirty="0">
-                <a:latin typeface="Courier New" panose="02070309020205020404" pitchFamily="49" charset="0"/>
-                <a:cs typeface="Courier New" panose="02070309020205020404" pitchFamily="49" charset="0"/>
-              </a:rPr>
-              <a:t>public Thing[] </a:t>
-            </a:r>
-            <a:r>
-              <a:rPr lang="en-US" sz="1900" dirty="0" err="1">
-                <a:latin typeface="Courier New" panose="02070309020205020404" pitchFamily="49" charset="0"/>
-                <a:cs typeface="Courier New" panose="02070309020205020404" pitchFamily="49" charset="0"/>
-              </a:rPr>
-              <a:t>removeBadThing</a:t>
-            </a:r>
-            <a:r>
-              <a:rPr lang="en-US" sz="1900" dirty="0">
-                <a:latin typeface="Courier New" panose="02070309020205020404" pitchFamily="49" charset="0"/>
-                <a:cs typeface="Courier New" panose="02070309020205020404" pitchFamily="49" charset="0"/>
-              </a:rPr>
-              <a:t>(Thing[] widgets){ </a:t>
-            </a:r>
-          </a:p>
-          <a:p>
-            <a:pPr marL="0" indent="0">
-              <a:buNone/>
-            </a:pPr>
-            <a:r>
-              <a:rPr lang="en-US" sz="1900" dirty="0">
-                <a:latin typeface="Courier New" panose="02070309020205020404" pitchFamily="49" charset="0"/>
-                <a:cs typeface="Courier New" panose="02070309020205020404" pitchFamily="49" charset="0"/>
-              </a:rPr>
-              <a:t>	</a:t>
-            </a:r>
-            <a:r>
-              <a:rPr lang="en-US" sz="1900" dirty="0" err="1">
-                <a:latin typeface="Courier New" panose="02070309020205020404" pitchFamily="49" charset="0"/>
-                <a:cs typeface="Courier New" panose="02070309020205020404" pitchFamily="49" charset="0"/>
-              </a:rPr>
+              <a:rPr lang="en-US" dirty="0"/>
+              <a:t>An </a:t>
+            </a:r>
+            <a:r>
+              <a:rPr lang="en-US" dirty="0" err="1"/>
               <a:t>ArrayList</a:t>
             </a:r>
             <a:r>
-              <a:rPr lang="en-US" sz="1900" dirty="0">
-                <a:latin typeface="Courier New" panose="02070309020205020404" pitchFamily="49" charset="0"/>
-                <a:cs typeface="Courier New" panose="02070309020205020404" pitchFamily="49" charset="0"/>
-              </a:rPr>
-              <a:t>&lt;Thing&gt; good = new </a:t>
-            </a:r>
-            <a:r>
-              <a:rPr lang="en-US" sz="1900" dirty="0" err="1">
-                <a:latin typeface="Courier New" panose="02070309020205020404" pitchFamily="49" charset="0"/>
-                <a:cs typeface="Courier New" panose="02070309020205020404" pitchFamily="49" charset="0"/>
-              </a:rPr>
+              <a:rPr lang="en-US" dirty="0"/>
+              <a:t> can be helpful when you are trying to manipulate an array (i.e. remove items, rearrange in random order, etc.).</a:t>
+            </a:r>
+          </a:p>
+          <a:p>
+            <a:pPr marL="0" indent="0">
+              <a:buNone/>
+            </a:pPr>
+            <a:endParaRPr lang="en-US" dirty="0"/>
+          </a:p>
+          <a:p>
+            <a:pPr marL="0" indent="0">
+              <a:buNone/>
+            </a:pPr>
+            <a:r>
+              <a:rPr lang="en-US" dirty="0"/>
+              <a:t>Example: </a:t>
+            </a:r>
+          </a:p>
+          <a:p>
+            <a:pPr marL="0" indent="0">
+              <a:buNone/>
+            </a:pPr>
+            <a:r>
+              <a:rPr lang="en-US" dirty="0"/>
+              <a:t>If you need to remove several objects from an array based one some condition, a strategy would be to save all the objects to an </a:t>
+            </a:r>
+            <a:r>
+              <a:rPr lang="en-US" dirty="0" err="1"/>
               <a:t>ArrayList</a:t>
             </a:r>
             <a:r>
-              <a:rPr lang="en-US" sz="1900" dirty="0">
-                <a:latin typeface="Courier New" panose="02070309020205020404" pitchFamily="49" charset="0"/>
-                <a:cs typeface="Courier New" panose="02070309020205020404" pitchFamily="49" charset="0"/>
-              </a:rPr>
-              <a:t>&lt;Thing&gt;();</a:t>
-            </a:r>
-          </a:p>
-          <a:p>
-            <a:pPr marL="0" indent="0">
-              <a:buNone/>
-            </a:pPr>
-            <a:r>
-              <a:rPr lang="en-US" sz="1900" dirty="0">
-                <a:latin typeface="Courier New" panose="02070309020205020404" pitchFamily="49" charset="0"/>
-                <a:cs typeface="Courier New" panose="02070309020205020404" pitchFamily="49" charset="0"/>
-              </a:rPr>
-              <a:t>	for(Thing </a:t>
-            </a:r>
-            <a:r>
-              <a:rPr lang="en-US" sz="1900" dirty="0" err="1">
-                <a:latin typeface="Courier New" panose="02070309020205020404" pitchFamily="49" charset="0"/>
-                <a:cs typeface="Courier New" panose="02070309020205020404" pitchFamily="49" charset="0"/>
-              </a:rPr>
-              <a:t>wid</a:t>
-            </a:r>
-            <a:r>
-              <a:rPr lang="en-US" sz="1900" dirty="0">
-                <a:latin typeface="Courier New" panose="02070309020205020404" pitchFamily="49" charset="0"/>
-                <a:cs typeface="Courier New" panose="02070309020205020404" pitchFamily="49" charset="0"/>
-              </a:rPr>
-              <a:t> : widgets){</a:t>
-            </a:r>
-          </a:p>
-          <a:p>
-            <a:pPr marL="0" indent="0">
-              <a:buNone/>
-            </a:pPr>
-            <a:r>
-              <a:rPr lang="en-US" sz="1900" dirty="0">
-                <a:latin typeface="Courier New" panose="02070309020205020404" pitchFamily="49" charset="0"/>
-                <a:cs typeface="Courier New" panose="02070309020205020404" pitchFamily="49" charset="0"/>
-              </a:rPr>
-              <a:t>		if(!</a:t>
-            </a:r>
-            <a:r>
-              <a:rPr lang="en-US" sz="1900" dirty="0" err="1">
-                <a:latin typeface="Courier New" panose="02070309020205020404" pitchFamily="49" charset="0"/>
-                <a:cs typeface="Courier New" panose="02070309020205020404" pitchFamily="49" charset="0"/>
-              </a:rPr>
-              <a:t>wid.isBad</a:t>
-            </a:r>
-            <a:r>
-              <a:rPr lang="en-US" sz="1900" dirty="0">
-                <a:latin typeface="Courier New" panose="02070309020205020404" pitchFamily="49" charset="0"/>
-                <a:cs typeface="Courier New" panose="02070309020205020404" pitchFamily="49" charset="0"/>
-              </a:rPr>
-              <a:t>()) </a:t>
-            </a:r>
-            <a:r>
-              <a:rPr lang="en-US" sz="1900" dirty="0">
-                <a:solidFill>
-                  <a:srgbClr val="FF0000"/>
-                </a:solidFill>
-                <a:latin typeface="Courier New" panose="02070309020205020404" pitchFamily="49" charset="0"/>
-                <a:cs typeface="Courier New" panose="02070309020205020404" pitchFamily="49" charset="0"/>
-              </a:rPr>
-              <a:t>// </a:t>
-            </a:r>
-            <a:r>
-              <a:rPr lang="en-US" sz="1900" dirty="0" err="1">
-                <a:solidFill>
-                  <a:srgbClr val="FF0000"/>
-                </a:solidFill>
-                <a:latin typeface="Courier New" panose="02070309020205020404" pitchFamily="49" charset="0"/>
-                <a:cs typeface="Courier New" panose="02070309020205020404" pitchFamily="49" charset="0"/>
-              </a:rPr>
-              <a:t>i.e</a:t>
-            </a:r>
-            <a:r>
-              <a:rPr lang="en-US" sz="1900" dirty="0">
-                <a:solidFill>
-                  <a:srgbClr val="FF0000"/>
-                </a:solidFill>
-                <a:latin typeface="Courier New" panose="02070309020205020404" pitchFamily="49" charset="0"/>
-                <a:cs typeface="Courier New" panose="02070309020205020404" pitchFamily="49" charset="0"/>
-              </a:rPr>
-              <a:t> good</a:t>
-            </a:r>
-          </a:p>
-          <a:p>
-            <a:pPr marL="0" indent="0">
-              <a:buNone/>
-            </a:pPr>
-            <a:r>
-              <a:rPr lang="en-US" sz="1900" dirty="0">
-                <a:latin typeface="Courier New" panose="02070309020205020404" pitchFamily="49" charset="0"/>
-                <a:cs typeface="Courier New" panose="02070309020205020404" pitchFamily="49" charset="0"/>
-              </a:rPr>
-              <a:t>			</a:t>
-            </a:r>
-            <a:r>
-              <a:rPr lang="en-US" sz="1900" dirty="0" err="1">
-                <a:latin typeface="Courier New" panose="02070309020205020404" pitchFamily="49" charset="0"/>
-                <a:cs typeface="Courier New" panose="02070309020205020404" pitchFamily="49" charset="0"/>
-              </a:rPr>
-              <a:t>good.add</a:t>
-            </a:r>
-            <a:r>
-              <a:rPr lang="en-US" sz="1900" dirty="0">
-                <a:latin typeface="Courier New" panose="02070309020205020404" pitchFamily="49" charset="0"/>
-                <a:cs typeface="Courier New" panose="02070309020205020404" pitchFamily="49" charset="0"/>
-              </a:rPr>
-              <a:t>(</a:t>
-            </a:r>
-            <a:r>
-              <a:rPr lang="en-US" sz="1900" dirty="0" err="1">
-                <a:latin typeface="Courier New" panose="02070309020205020404" pitchFamily="49" charset="0"/>
-                <a:cs typeface="Courier New" panose="02070309020205020404" pitchFamily="49" charset="0"/>
-              </a:rPr>
-              <a:t>wid</a:t>
-            </a:r>
-            <a:r>
-              <a:rPr lang="en-US" sz="1900" dirty="0">
-                <a:latin typeface="Courier New" panose="02070309020205020404" pitchFamily="49" charset="0"/>
-                <a:cs typeface="Courier New" panose="02070309020205020404" pitchFamily="49" charset="0"/>
-              </a:rPr>
-              <a:t>);</a:t>
-            </a:r>
-          </a:p>
-          <a:p>
-            <a:pPr marL="0" indent="0">
-              <a:buNone/>
-            </a:pPr>
-            <a:r>
-              <a:rPr lang="en-US" sz="1900" dirty="0">
-                <a:latin typeface="Courier New" panose="02070309020205020404" pitchFamily="49" charset="0"/>
-                <a:cs typeface="Courier New" panose="02070309020205020404" pitchFamily="49" charset="0"/>
-              </a:rPr>
-              <a:t>	}</a:t>
-            </a:r>
-          </a:p>
-          <a:p>
-            <a:pPr marL="0" indent="0">
-              <a:buNone/>
-            </a:pPr>
-            <a:r>
-              <a:rPr lang="en-US" sz="1900" dirty="0">
-                <a:latin typeface="Courier New" panose="02070309020205020404" pitchFamily="49" charset="0"/>
-                <a:cs typeface="Courier New" panose="02070309020205020404" pitchFamily="49" charset="0"/>
-              </a:rPr>
-              <a:t>	Thing[] </a:t>
-            </a:r>
-            <a:r>
-              <a:rPr lang="en-US" sz="1900" dirty="0" err="1">
-                <a:latin typeface="Courier New" panose="02070309020205020404" pitchFamily="49" charset="0"/>
-                <a:cs typeface="Courier New" panose="02070309020205020404" pitchFamily="49" charset="0"/>
-              </a:rPr>
-              <a:t>goodOnes</a:t>
-            </a:r>
-            <a:r>
-              <a:rPr lang="en-US" sz="1900" dirty="0">
-                <a:latin typeface="Courier New" panose="02070309020205020404" pitchFamily="49" charset="0"/>
-                <a:cs typeface="Courier New" panose="02070309020205020404" pitchFamily="49" charset="0"/>
-              </a:rPr>
-              <a:t> = new Thing[</a:t>
-            </a:r>
-            <a:r>
-              <a:rPr lang="en-US" sz="1900" dirty="0" err="1">
-                <a:latin typeface="Courier New" panose="02070309020205020404" pitchFamily="49" charset="0"/>
-                <a:cs typeface="Courier New" panose="02070309020205020404" pitchFamily="49" charset="0"/>
-              </a:rPr>
-              <a:t>good.size</a:t>
-            </a:r>
-            <a:r>
-              <a:rPr lang="en-US" sz="1900" dirty="0">
-                <a:latin typeface="Courier New" panose="02070309020205020404" pitchFamily="49" charset="0"/>
-                <a:cs typeface="Courier New" panose="02070309020205020404" pitchFamily="49" charset="0"/>
-              </a:rPr>
-              <a:t>()]; </a:t>
-            </a:r>
-          </a:p>
-          <a:p>
-            <a:pPr marL="0" indent="0">
-              <a:buNone/>
-            </a:pPr>
-            <a:r>
-              <a:rPr lang="en-US" sz="1900" dirty="0">
-                <a:latin typeface="Courier New" panose="02070309020205020404" pitchFamily="49" charset="0"/>
-                <a:cs typeface="Courier New" panose="02070309020205020404" pitchFamily="49" charset="0"/>
-              </a:rPr>
-              <a:t>	for(int </a:t>
-            </a:r>
-            <a:r>
-              <a:rPr lang="en-US" sz="1900" dirty="0" err="1">
-                <a:latin typeface="Courier New" panose="02070309020205020404" pitchFamily="49" charset="0"/>
-                <a:cs typeface="Courier New" panose="02070309020205020404" pitchFamily="49" charset="0"/>
-              </a:rPr>
-              <a:t>i</a:t>
-            </a:r>
-            <a:r>
-              <a:rPr lang="en-US" sz="1900" dirty="0">
-                <a:latin typeface="Courier New" panose="02070309020205020404" pitchFamily="49" charset="0"/>
-                <a:cs typeface="Courier New" panose="02070309020205020404" pitchFamily="49" charset="0"/>
-              </a:rPr>
-              <a:t>=0; </a:t>
-            </a:r>
-            <a:r>
-              <a:rPr lang="en-US" sz="1900" dirty="0" err="1">
-                <a:latin typeface="Courier New" panose="02070309020205020404" pitchFamily="49" charset="0"/>
-                <a:cs typeface="Courier New" panose="02070309020205020404" pitchFamily="49" charset="0"/>
-              </a:rPr>
-              <a:t>i</a:t>
-            </a:r>
-            <a:r>
-              <a:rPr lang="en-US" sz="1900" dirty="0">
-                <a:latin typeface="Courier New" panose="02070309020205020404" pitchFamily="49" charset="0"/>
-                <a:cs typeface="Courier New" panose="02070309020205020404" pitchFamily="49" charset="0"/>
-              </a:rPr>
-              <a:t> &lt; </a:t>
-            </a:r>
-            <a:r>
-              <a:rPr lang="en-US" sz="1900" dirty="0" err="1">
-                <a:latin typeface="Courier New" panose="02070309020205020404" pitchFamily="49" charset="0"/>
-                <a:cs typeface="Courier New" panose="02070309020205020404" pitchFamily="49" charset="0"/>
-              </a:rPr>
-              <a:t>goodOnes.length</a:t>
-            </a:r>
-            <a:r>
-              <a:rPr lang="en-US" sz="1900" dirty="0">
-                <a:latin typeface="Courier New" panose="02070309020205020404" pitchFamily="49" charset="0"/>
-                <a:cs typeface="Courier New" panose="02070309020205020404" pitchFamily="49" charset="0"/>
-              </a:rPr>
-              <a:t>; </a:t>
-            </a:r>
-            <a:r>
-              <a:rPr lang="en-US" sz="1900" dirty="0" err="1">
-                <a:latin typeface="Courier New" panose="02070309020205020404" pitchFamily="49" charset="0"/>
-                <a:cs typeface="Courier New" panose="02070309020205020404" pitchFamily="49" charset="0"/>
-              </a:rPr>
-              <a:t>i</a:t>
-            </a:r>
-            <a:r>
-              <a:rPr lang="en-US" sz="1900" dirty="0">
-                <a:latin typeface="Courier New" panose="02070309020205020404" pitchFamily="49" charset="0"/>
-                <a:cs typeface="Courier New" panose="02070309020205020404" pitchFamily="49" charset="0"/>
-              </a:rPr>
-              <a:t>++)</a:t>
-            </a:r>
-          </a:p>
-          <a:p>
-            <a:pPr marL="0" indent="0">
-              <a:buNone/>
-            </a:pPr>
-            <a:r>
-              <a:rPr lang="en-US" sz="1900" dirty="0">
-                <a:latin typeface="Courier New" panose="02070309020205020404" pitchFamily="49" charset="0"/>
-                <a:cs typeface="Courier New" panose="02070309020205020404" pitchFamily="49" charset="0"/>
-              </a:rPr>
-              <a:t>		</a:t>
-            </a:r>
-            <a:r>
-              <a:rPr lang="en-US" sz="1900" dirty="0" err="1">
-                <a:latin typeface="Courier New" panose="02070309020205020404" pitchFamily="49" charset="0"/>
-                <a:cs typeface="Courier New" panose="02070309020205020404" pitchFamily="49" charset="0"/>
-              </a:rPr>
-              <a:t>goodOnes</a:t>
-            </a:r>
-            <a:r>
-              <a:rPr lang="en-US" sz="1900" dirty="0">
-                <a:latin typeface="Courier New" panose="02070309020205020404" pitchFamily="49" charset="0"/>
-                <a:cs typeface="Courier New" panose="02070309020205020404" pitchFamily="49" charset="0"/>
-              </a:rPr>
-              <a:t>[</a:t>
-            </a:r>
-            <a:r>
-              <a:rPr lang="en-US" sz="1900" dirty="0" err="1">
-                <a:latin typeface="Courier New" panose="02070309020205020404" pitchFamily="49" charset="0"/>
-                <a:cs typeface="Courier New" panose="02070309020205020404" pitchFamily="49" charset="0"/>
-              </a:rPr>
-              <a:t>i</a:t>
-            </a:r>
-            <a:r>
-              <a:rPr lang="en-US" sz="1900" dirty="0">
-                <a:latin typeface="Courier New" panose="02070309020205020404" pitchFamily="49" charset="0"/>
-                <a:cs typeface="Courier New" panose="02070309020205020404" pitchFamily="49" charset="0"/>
-              </a:rPr>
-              <a:t>] = </a:t>
-            </a:r>
-            <a:r>
-              <a:rPr lang="en-US" sz="1900" dirty="0" err="1">
-                <a:latin typeface="Courier New" panose="02070309020205020404" pitchFamily="49" charset="0"/>
-                <a:cs typeface="Courier New" panose="02070309020205020404" pitchFamily="49" charset="0"/>
-              </a:rPr>
-              <a:t>good.get</a:t>
-            </a:r>
-            <a:r>
-              <a:rPr lang="en-US" sz="1900" dirty="0">
-                <a:latin typeface="Courier New" panose="02070309020205020404" pitchFamily="49" charset="0"/>
-                <a:cs typeface="Courier New" panose="02070309020205020404" pitchFamily="49" charset="0"/>
-              </a:rPr>
-              <a:t>(</a:t>
-            </a:r>
-            <a:r>
-              <a:rPr lang="en-US" sz="1900" dirty="0" err="1">
-                <a:latin typeface="Courier New" panose="02070309020205020404" pitchFamily="49" charset="0"/>
-                <a:cs typeface="Courier New" panose="02070309020205020404" pitchFamily="49" charset="0"/>
-              </a:rPr>
-              <a:t>i</a:t>
-            </a:r>
-            <a:r>
-              <a:rPr lang="en-US" sz="1900" dirty="0">
-                <a:latin typeface="Courier New" panose="02070309020205020404" pitchFamily="49" charset="0"/>
-                <a:cs typeface="Courier New" panose="02070309020205020404" pitchFamily="49" charset="0"/>
-              </a:rPr>
-              <a:t>);</a:t>
-            </a:r>
-          </a:p>
-          <a:p>
-            <a:pPr marL="0" indent="0">
-              <a:buNone/>
-            </a:pPr>
-            <a:r>
-              <a:rPr lang="en-US" sz="1900" dirty="0">
-                <a:latin typeface="Courier New" panose="02070309020205020404" pitchFamily="49" charset="0"/>
-                <a:cs typeface="Courier New" panose="02070309020205020404" pitchFamily="49" charset="0"/>
-              </a:rPr>
-              <a:t>	return </a:t>
-            </a:r>
-            <a:r>
-              <a:rPr lang="en-US" sz="1900" dirty="0" err="1">
-                <a:latin typeface="Courier New" panose="02070309020205020404" pitchFamily="49" charset="0"/>
-                <a:cs typeface="Courier New" panose="02070309020205020404" pitchFamily="49" charset="0"/>
-              </a:rPr>
-              <a:t>goodOnes</a:t>
-            </a:r>
-            <a:r>
-              <a:rPr lang="en-US" sz="1900" dirty="0">
-                <a:latin typeface="Courier New" panose="02070309020205020404" pitchFamily="49" charset="0"/>
-                <a:cs typeface="Courier New" panose="02070309020205020404" pitchFamily="49" charset="0"/>
-              </a:rPr>
-              <a:t>;</a:t>
-            </a:r>
-          </a:p>
-          <a:p>
-            <a:pPr marL="0" indent="0">
-              <a:buNone/>
-            </a:pPr>
-            <a:r>
-              <a:rPr lang="en-US" sz="1900" dirty="0">
-                <a:latin typeface="Courier New" panose="02070309020205020404" pitchFamily="49" charset="0"/>
-                <a:cs typeface="Courier New" panose="02070309020205020404" pitchFamily="49" charset="0"/>
-              </a:rPr>
-              <a:t>}</a:t>
-            </a:r>
+              <a:rPr lang="en-US" dirty="0"/>
+              <a:t> and remove the objects before storing the remaining objects back to the array.</a:t>
+            </a:r>
+          </a:p>
+          <a:p>
+            <a:pPr marL="0" indent="0">
+              <a:buNone/>
+            </a:pPr>
+            <a:endParaRPr lang="en-US" dirty="0"/>
+          </a:p>
+          <a:p>
+            <a:pPr marL="0" indent="0">
+              <a:buNone/>
+            </a:pPr>
+            <a:r>
+              <a:rPr lang="en-US" dirty="0"/>
+              <a:t>See code on the next slide. </a:t>
+            </a:r>
+          </a:p>
+          <a:p>
+            <a:pPr marL="0" indent="0">
+              <a:buNone/>
+            </a:pPr>
             <a:br>
-              <a:rPr lang="en-US" sz="1900" dirty="0">
-                <a:latin typeface="Courier New" panose="02070309020205020404" pitchFamily="49" charset="0"/>
-                <a:cs typeface="Courier New" panose="02070309020205020404" pitchFamily="49" charset="0"/>
-              </a:rPr>
+              <a:rPr lang="en-US" dirty="0"/>
             </a:br>
-            <a:endParaRPr lang="en-US" sz="1900" dirty="0">
-              <a:latin typeface="Courier New" panose="02070309020205020404" pitchFamily="49" charset="0"/>
-              <a:cs typeface="Courier New" panose="02070309020205020404" pitchFamily="49" charset="0"/>
-            </a:endParaRPr>
+            <a:endParaRPr lang="en-US" dirty="0"/>
           </a:p>
         </p:txBody>
       </p:sp>
     </p:spTree>
     <p:extLst>
       <p:ext uri="{BB962C8B-B14F-4D97-AF65-F5344CB8AC3E}">
-        <p14:creationId xmlns:p14="http://schemas.microsoft.com/office/powerpoint/2010/main" val="1010857515"/>
+        <p14:creationId xmlns:p14="http://schemas.microsoft.com/office/powerpoint/2010/main" val="1543578782"/>
       </p:ext>
     </p:extLst>
   </p:cSld>
@@ -21670,8 +21852,13 @@
           <a:p>
             <a:r>
               <a:rPr lang="en-US" dirty="0"/>
-              <a:t>Question 3</a:t>
-            </a:r>
+              <a:t>Manipulating an Array using </a:t>
+            </a:r>
+            <a:r>
+              <a:rPr lang="en-US" dirty="0" err="1"/>
+              <a:t>Arraylist</a:t>
+            </a:r>
+            <a:endParaRPr lang="en-US" dirty="0"/>
           </a:p>
         </p:txBody>
       </p:sp>
@@ -21698,45 +21885,443 @@
           </a:xfrm>
         </p:spPr>
         <p:txBody>
-          <a:bodyPr/>
+          <a:bodyPr>
+            <a:normAutofit/>
+          </a:bodyPr>
           <a:lstStyle/>
           <a:p>
             <a:pPr marL="0" indent="0">
               <a:buNone/>
             </a:pPr>
-            <a:endParaRPr lang="en-US" dirty="0">
-              <a:latin typeface="Gill Sans MT" panose="020B0502020104020203" pitchFamily="34" charset="77"/>
-              <a:cs typeface="Courier New" panose="02070309020205020404" pitchFamily="49" charset="0"/>
-            </a:endParaRPr>
-          </a:p>
-          <a:p>
-            <a:pPr marL="0" indent="0">
-              <a:buNone/>
-            </a:pPr>
-            <a:endParaRPr lang="en-US" dirty="0">
-              <a:latin typeface="Gill Sans MT" panose="020B0502020104020203" pitchFamily="34" charset="77"/>
-              <a:cs typeface="Courier New" panose="02070309020205020404" pitchFamily="49" charset="0"/>
-            </a:endParaRPr>
-          </a:p>
-          <a:p>
-            <a:pPr marL="0" indent="0">
-              <a:buNone/>
-            </a:pPr>
-            <a:endParaRPr lang="en-US" dirty="0">
-              <a:latin typeface="Gill Sans MT" panose="020B0502020104020203" pitchFamily="34" charset="77"/>
-              <a:cs typeface="Courier New" panose="02070309020205020404" pitchFamily="49" charset="0"/>
-            </a:endParaRPr>
-          </a:p>
-          <a:p>
-            <a:pPr marL="0" indent="0">
-              <a:buNone/>
-            </a:pPr>
-            <a:r>
-              <a:rPr lang="en-US" dirty="0"/>
-              <a:t>Please do the following 2010 #1, 2013 #1, 2017 #1, 2018 #2, 2021 #3 and check your solutions to prepare for Question 3. </a:t>
-            </a:r>
-            <a:endParaRPr lang="en-US" dirty="0">
-              <a:latin typeface="Gill Sans MT" panose="020B0502020104020203" pitchFamily="34" charset="77"/>
+            <a:r>
+              <a:rPr lang="en-US" sz="1900" dirty="0">
+                <a:latin typeface="Courier New" panose="02070309020205020404" pitchFamily="49" charset="0"/>
+                <a:cs typeface="Courier New" panose="02070309020205020404" pitchFamily="49" charset="0"/>
+              </a:rPr>
+              <a:t>//returns a new array with bad things removed</a:t>
+            </a:r>
+          </a:p>
+          <a:p>
+            <a:pPr marL="0" indent="0">
+              <a:buNone/>
+            </a:pPr>
+            <a:r>
+              <a:rPr lang="en-US" sz="1900" dirty="0">
+                <a:latin typeface="Courier New" panose="02070309020205020404" pitchFamily="49" charset="0"/>
+                <a:cs typeface="Courier New" panose="02070309020205020404" pitchFamily="49" charset="0"/>
+              </a:rPr>
+              <a:t>public Thing[] </a:t>
+            </a:r>
+            <a:r>
+              <a:rPr lang="en-US" sz="1900" dirty="0" err="1">
+                <a:latin typeface="Courier New" panose="02070309020205020404" pitchFamily="49" charset="0"/>
+                <a:cs typeface="Courier New" panose="02070309020205020404" pitchFamily="49" charset="0"/>
+              </a:rPr>
+              <a:t>removeBadThing</a:t>
+            </a:r>
+            <a:r>
+              <a:rPr lang="en-US" sz="1900" dirty="0">
+                <a:latin typeface="Courier New" panose="02070309020205020404" pitchFamily="49" charset="0"/>
+                <a:cs typeface="Courier New" panose="02070309020205020404" pitchFamily="49" charset="0"/>
+              </a:rPr>
+              <a:t>(Thing[] widgets){ </a:t>
+            </a:r>
+          </a:p>
+          <a:p>
+            <a:pPr marL="0" indent="0">
+              <a:buNone/>
+            </a:pPr>
+            <a:r>
+              <a:rPr lang="en-US" sz="1900" dirty="0">
+                <a:latin typeface="Courier New" panose="02070309020205020404" pitchFamily="49" charset="0"/>
+                <a:cs typeface="Courier New" panose="02070309020205020404" pitchFamily="49" charset="0"/>
+              </a:rPr>
+              <a:t>	</a:t>
+            </a:r>
+            <a:r>
+              <a:rPr lang="en-US" sz="1900" dirty="0" err="1">
+                <a:latin typeface="Courier New" panose="02070309020205020404" pitchFamily="49" charset="0"/>
+                <a:cs typeface="Courier New" panose="02070309020205020404" pitchFamily="49" charset="0"/>
+              </a:rPr>
+              <a:t>ArrayList</a:t>
+            </a:r>
+            <a:r>
+              <a:rPr lang="en-US" sz="1900" dirty="0">
+                <a:latin typeface="Courier New" panose="02070309020205020404" pitchFamily="49" charset="0"/>
+                <a:cs typeface="Courier New" panose="02070309020205020404" pitchFamily="49" charset="0"/>
+              </a:rPr>
+              <a:t>&lt;Thing&gt; good = new </a:t>
+            </a:r>
+            <a:r>
+              <a:rPr lang="en-US" sz="1900" dirty="0" err="1">
+                <a:latin typeface="Courier New" panose="02070309020205020404" pitchFamily="49" charset="0"/>
+                <a:cs typeface="Courier New" panose="02070309020205020404" pitchFamily="49" charset="0"/>
+              </a:rPr>
+              <a:t>ArrayList</a:t>
+            </a:r>
+            <a:r>
+              <a:rPr lang="en-US" sz="1900" dirty="0">
+                <a:latin typeface="Courier New" panose="02070309020205020404" pitchFamily="49" charset="0"/>
+                <a:cs typeface="Courier New" panose="02070309020205020404" pitchFamily="49" charset="0"/>
+              </a:rPr>
+              <a:t>&lt;Thing&gt;();</a:t>
+            </a:r>
+          </a:p>
+          <a:p>
+            <a:pPr marL="0" indent="0">
+              <a:buNone/>
+            </a:pPr>
+            <a:r>
+              <a:rPr lang="en-US" sz="1900" dirty="0">
+                <a:latin typeface="Courier New" panose="02070309020205020404" pitchFamily="49" charset="0"/>
+                <a:cs typeface="Courier New" panose="02070309020205020404" pitchFamily="49" charset="0"/>
+              </a:rPr>
+              <a:t>	for(Thing </a:t>
+            </a:r>
+            <a:r>
+              <a:rPr lang="en-US" sz="1900" dirty="0" err="1">
+                <a:latin typeface="Courier New" panose="02070309020205020404" pitchFamily="49" charset="0"/>
+                <a:cs typeface="Courier New" panose="02070309020205020404" pitchFamily="49" charset="0"/>
+              </a:rPr>
+              <a:t>wid</a:t>
+            </a:r>
+            <a:r>
+              <a:rPr lang="en-US" sz="1900" dirty="0">
+                <a:latin typeface="Courier New" panose="02070309020205020404" pitchFamily="49" charset="0"/>
+                <a:cs typeface="Courier New" panose="02070309020205020404" pitchFamily="49" charset="0"/>
+              </a:rPr>
+              <a:t> : widgets){</a:t>
+            </a:r>
+          </a:p>
+          <a:p>
+            <a:pPr marL="0" indent="0">
+              <a:buNone/>
+            </a:pPr>
+            <a:r>
+              <a:rPr lang="en-US" sz="1900" dirty="0">
+                <a:latin typeface="Courier New" panose="02070309020205020404" pitchFamily="49" charset="0"/>
+                <a:cs typeface="Courier New" panose="02070309020205020404" pitchFamily="49" charset="0"/>
+              </a:rPr>
+              <a:t>		if(!</a:t>
+            </a:r>
+            <a:r>
+              <a:rPr lang="en-US" sz="1900" dirty="0" err="1">
+                <a:latin typeface="Courier New" panose="02070309020205020404" pitchFamily="49" charset="0"/>
+                <a:cs typeface="Courier New" panose="02070309020205020404" pitchFamily="49" charset="0"/>
+              </a:rPr>
+              <a:t>wid.isBad</a:t>
+            </a:r>
+            <a:r>
+              <a:rPr lang="en-US" sz="1900" dirty="0">
+                <a:latin typeface="Courier New" panose="02070309020205020404" pitchFamily="49" charset="0"/>
+                <a:cs typeface="Courier New" panose="02070309020205020404" pitchFamily="49" charset="0"/>
+              </a:rPr>
+              <a:t>()) </a:t>
+            </a:r>
+            <a:r>
+              <a:rPr lang="en-US" sz="1900" dirty="0">
+                <a:solidFill>
+                  <a:srgbClr val="FF0000"/>
+                </a:solidFill>
+                <a:latin typeface="Courier New" panose="02070309020205020404" pitchFamily="49" charset="0"/>
+                <a:cs typeface="Courier New" panose="02070309020205020404" pitchFamily="49" charset="0"/>
+              </a:rPr>
+              <a:t>// </a:t>
+            </a:r>
+            <a:r>
+              <a:rPr lang="en-US" sz="1900" dirty="0" err="1">
+                <a:solidFill>
+                  <a:srgbClr val="FF0000"/>
+                </a:solidFill>
+                <a:latin typeface="Courier New" panose="02070309020205020404" pitchFamily="49" charset="0"/>
+                <a:cs typeface="Courier New" panose="02070309020205020404" pitchFamily="49" charset="0"/>
+              </a:rPr>
+              <a:t>i.e</a:t>
+            </a:r>
+            <a:r>
+              <a:rPr lang="en-US" sz="1900" dirty="0">
+                <a:solidFill>
+                  <a:srgbClr val="FF0000"/>
+                </a:solidFill>
+                <a:latin typeface="Courier New" panose="02070309020205020404" pitchFamily="49" charset="0"/>
+                <a:cs typeface="Courier New" panose="02070309020205020404" pitchFamily="49" charset="0"/>
+              </a:rPr>
+              <a:t> good</a:t>
+            </a:r>
+          </a:p>
+          <a:p>
+            <a:pPr marL="0" indent="0">
+              <a:buNone/>
+            </a:pPr>
+            <a:r>
+              <a:rPr lang="en-US" sz="1900" dirty="0">
+                <a:latin typeface="Courier New" panose="02070309020205020404" pitchFamily="49" charset="0"/>
+                <a:cs typeface="Courier New" panose="02070309020205020404" pitchFamily="49" charset="0"/>
+              </a:rPr>
+              <a:t>			</a:t>
+            </a:r>
+            <a:r>
+              <a:rPr lang="en-US" sz="1900" dirty="0" err="1">
+                <a:latin typeface="Courier New" panose="02070309020205020404" pitchFamily="49" charset="0"/>
+                <a:cs typeface="Courier New" panose="02070309020205020404" pitchFamily="49" charset="0"/>
+              </a:rPr>
+              <a:t>good.add</a:t>
+            </a:r>
+            <a:r>
+              <a:rPr lang="en-US" sz="1900" dirty="0">
+                <a:latin typeface="Courier New" panose="02070309020205020404" pitchFamily="49" charset="0"/>
+                <a:cs typeface="Courier New" panose="02070309020205020404" pitchFamily="49" charset="0"/>
+              </a:rPr>
+              <a:t>(</a:t>
+            </a:r>
+            <a:r>
+              <a:rPr lang="en-US" sz="1900" dirty="0" err="1">
+                <a:latin typeface="Courier New" panose="02070309020205020404" pitchFamily="49" charset="0"/>
+                <a:cs typeface="Courier New" panose="02070309020205020404" pitchFamily="49" charset="0"/>
+              </a:rPr>
+              <a:t>wid</a:t>
+            </a:r>
+            <a:r>
+              <a:rPr lang="en-US" sz="1900" dirty="0">
+                <a:latin typeface="Courier New" panose="02070309020205020404" pitchFamily="49" charset="0"/>
+                <a:cs typeface="Courier New" panose="02070309020205020404" pitchFamily="49" charset="0"/>
+              </a:rPr>
+              <a:t>);</a:t>
+            </a:r>
+          </a:p>
+          <a:p>
+            <a:pPr marL="0" indent="0">
+              <a:buNone/>
+            </a:pPr>
+            <a:r>
+              <a:rPr lang="en-US" sz="1900" dirty="0">
+                <a:latin typeface="Courier New" panose="02070309020205020404" pitchFamily="49" charset="0"/>
+                <a:cs typeface="Courier New" panose="02070309020205020404" pitchFamily="49" charset="0"/>
+              </a:rPr>
+              <a:t>	}</a:t>
+            </a:r>
+          </a:p>
+          <a:p>
+            <a:pPr marL="0" indent="0">
+              <a:buNone/>
+            </a:pPr>
+            <a:r>
+              <a:rPr lang="en-US" sz="1900" dirty="0">
+                <a:latin typeface="Courier New" panose="02070309020205020404" pitchFamily="49" charset="0"/>
+                <a:cs typeface="Courier New" panose="02070309020205020404" pitchFamily="49" charset="0"/>
+              </a:rPr>
+              <a:t>	Thing[] </a:t>
+            </a:r>
+            <a:r>
+              <a:rPr lang="en-US" sz="1900" dirty="0" err="1">
+                <a:latin typeface="Courier New" panose="02070309020205020404" pitchFamily="49" charset="0"/>
+                <a:cs typeface="Courier New" panose="02070309020205020404" pitchFamily="49" charset="0"/>
+              </a:rPr>
+              <a:t>goodOnes</a:t>
+            </a:r>
+            <a:r>
+              <a:rPr lang="en-US" sz="1900" dirty="0">
+                <a:latin typeface="Courier New" panose="02070309020205020404" pitchFamily="49" charset="0"/>
+                <a:cs typeface="Courier New" panose="02070309020205020404" pitchFamily="49" charset="0"/>
+              </a:rPr>
+              <a:t> = new Thing[</a:t>
+            </a:r>
+            <a:r>
+              <a:rPr lang="en-US" sz="1900" dirty="0" err="1">
+                <a:latin typeface="Courier New" panose="02070309020205020404" pitchFamily="49" charset="0"/>
+                <a:cs typeface="Courier New" panose="02070309020205020404" pitchFamily="49" charset="0"/>
+              </a:rPr>
+              <a:t>good.size</a:t>
+            </a:r>
+            <a:r>
+              <a:rPr lang="en-US" sz="1900" dirty="0">
+                <a:latin typeface="Courier New" panose="02070309020205020404" pitchFamily="49" charset="0"/>
+                <a:cs typeface="Courier New" panose="02070309020205020404" pitchFamily="49" charset="0"/>
+              </a:rPr>
+              <a:t>()]; </a:t>
+            </a:r>
+          </a:p>
+          <a:p>
+            <a:pPr marL="0" indent="0">
+              <a:buNone/>
+            </a:pPr>
+            <a:r>
+              <a:rPr lang="en-US" sz="1900" dirty="0">
+                <a:latin typeface="Courier New" panose="02070309020205020404" pitchFamily="49" charset="0"/>
+                <a:cs typeface="Courier New" panose="02070309020205020404" pitchFamily="49" charset="0"/>
+              </a:rPr>
+              <a:t>	for(int </a:t>
+            </a:r>
+            <a:r>
+              <a:rPr lang="en-US" sz="1900" dirty="0" err="1">
+                <a:latin typeface="Courier New" panose="02070309020205020404" pitchFamily="49" charset="0"/>
+                <a:cs typeface="Courier New" panose="02070309020205020404" pitchFamily="49" charset="0"/>
+              </a:rPr>
+              <a:t>i</a:t>
+            </a:r>
+            <a:r>
+              <a:rPr lang="en-US" sz="1900" dirty="0">
+                <a:latin typeface="Courier New" panose="02070309020205020404" pitchFamily="49" charset="0"/>
+                <a:cs typeface="Courier New" panose="02070309020205020404" pitchFamily="49" charset="0"/>
+              </a:rPr>
+              <a:t>=0; </a:t>
+            </a:r>
+            <a:r>
+              <a:rPr lang="en-US" sz="1900" dirty="0" err="1">
+                <a:latin typeface="Courier New" panose="02070309020205020404" pitchFamily="49" charset="0"/>
+                <a:cs typeface="Courier New" panose="02070309020205020404" pitchFamily="49" charset="0"/>
+              </a:rPr>
+              <a:t>i</a:t>
+            </a:r>
+            <a:r>
+              <a:rPr lang="en-US" sz="1900" dirty="0">
+                <a:latin typeface="Courier New" panose="02070309020205020404" pitchFamily="49" charset="0"/>
+                <a:cs typeface="Courier New" panose="02070309020205020404" pitchFamily="49" charset="0"/>
+              </a:rPr>
+              <a:t> &lt; </a:t>
+            </a:r>
+            <a:r>
+              <a:rPr lang="en-US" sz="1900" dirty="0" err="1">
+                <a:latin typeface="Courier New" panose="02070309020205020404" pitchFamily="49" charset="0"/>
+                <a:cs typeface="Courier New" panose="02070309020205020404" pitchFamily="49" charset="0"/>
+              </a:rPr>
+              <a:t>goodOnes.length</a:t>
+            </a:r>
+            <a:r>
+              <a:rPr lang="en-US" sz="1900" dirty="0">
+                <a:latin typeface="Courier New" panose="02070309020205020404" pitchFamily="49" charset="0"/>
+                <a:cs typeface="Courier New" panose="02070309020205020404" pitchFamily="49" charset="0"/>
+              </a:rPr>
+              <a:t>; </a:t>
+            </a:r>
+            <a:r>
+              <a:rPr lang="en-US" sz="1900" dirty="0" err="1">
+                <a:latin typeface="Courier New" panose="02070309020205020404" pitchFamily="49" charset="0"/>
+                <a:cs typeface="Courier New" panose="02070309020205020404" pitchFamily="49" charset="0"/>
+              </a:rPr>
+              <a:t>i</a:t>
+            </a:r>
+            <a:r>
+              <a:rPr lang="en-US" sz="1900" dirty="0">
+                <a:latin typeface="Courier New" panose="02070309020205020404" pitchFamily="49" charset="0"/>
+                <a:cs typeface="Courier New" panose="02070309020205020404" pitchFamily="49" charset="0"/>
+              </a:rPr>
+              <a:t>++)</a:t>
+            </a:r>
+          </a:p>
+          <a:p>
+            <a:pPr marL="0" indent="0">
+              <a:buNone/>
+            </a:pPr>
+            <a:r>
+              <a:rPr lang="en-US" sz="1900" dirty="0">
+                <a:latin typeface="Courier New" panose="02070309020205020404" pitchFamily="49" charset="0"/>
+                <a:cs typeface="Courier New" panose="02070309020205020404" pitchFamily="49" charset="0"/>
+              </a:rPr>
+              <a:t>		</a:t>
+            </a:r>
+            <a:r>
+              <a:rPr lang="en-US" sz="1900" dirty="0" err="1">
+                <a:latin typeface="Courier New" panose="02070309020205020404" pitchFamily="49" charset="0"/>
+                <a:cs typeface="Courier New" panose="02070309020205020404" pitchFamily="49" charset="0"/>
+              </a:rPr>
+              <a:t>goodOnes</a:t>
+            </a:r>
+            <a:r>
+              <a:rPr lang="en-US" sz="1900" dirty="0">
+                <a:latin typeface="Courier New" panose="02070309020205020404" pitchFamily="49" charset="0"/>
+                <a:cs typeface="Courier New" panose="02070309020205020404" pitchFamily="49" charset="0"/>
+              </a:rPr>
+              <a:t>[</a:t>
+            </a:r>
+            <a:r>
+              <a:rPr lang="en-US" sz="1900" dirty="0" err="1">
+                <a:latin typeface="Courier New" panose="02070309020205020404" pitchFamily="49" charset="0"/>
+                <a:cs typeface="Courier New" panose="02070309020205020404" pitchFamily="49" charset="0"/>
+              </a:rPr>
+              <a:t>i</a:t>
+            </a:r>
+            <a:r>
+              <a:rPr lang="en-US" sz="1900" dirty="0">
+                <a:latin typeface="Courier New" panose="02070309020205020404" pitchFamily="49" charset="0"/>
+                <a:cs typeface="Courier New" panose="02070309020205020404" pitchFamily="49" charset="0"/>
+              </a:rPr>
+              <a:t>] = </a:t>
+            </a:r>
+            <a:r>
+              <a:rPr lang="en-US" sz="1900" dirty="0" err="1">
+                <a:latin typeface="Courier New" panose="02070309020205020404" pitchFamily="49" charset="0"/>
+                <a:cs typeface="Courier New" panose="02070309020205020404" pitchFamily="49" charset="0"/>
+              </a:rPr>
+              <a:t>good.get</a:t>
+            </a:r>
+            <a:r>
+              <a:rPr lang="en-US" sz="1900" dirty="0">
+                <a:latin typeface="Courier New" panose="02070309020205020404" pitchFamily="49" charset="0"/>
+                <a:cs typeface="Courier New" panose="02070309020205020404" pitchFamily="49" charset="0"/>
+              </a:rPr>
+              <a:t>(</a:t>
+            </a:r>
+            <a:r>
+              <a:rPr lang="en-US" sz="1900" dirty="0" err="1">
+                <a:latin typeface="Courier New" panose="02070309020205020404" pitchFamily="49" charset="0"/>
+                <a:cs typeface="Courier New" panose="02070309020205020404" pitchFamily="49" charset="0"/>
+              </a:rPr>
+              <a:t>i</a:t>
+            </a:r>
+            <a:r>
+              <a:rPr lang="en-US" sz="1900" dirty="0">
+                <a:latin typeface="Courier New" panose="02070309020205020404" pitchFamily="49" charset="0"/>
+                <a:cs typeface="Courier New" panose="02070309020205020404" pitchFamily="49" charset="0"/>
+              </a:rPr>
+              <a:t>);</a:t>
+            </a:r>
+          </a:p>
+          <a:p>
+            <a:pPr marL="0" indent="0">
+              <a:buNone/>
+            </a:pPr>
+            <a:r>
+              <a:rPr lang="en-US" sz="1900" dirty="0">
+                <a:latin typeface="Courier New" panose="02070309020205020404" pitchFamily="49" charset="0"/>
+                <a:cs typeface="Courier New" panose="02070309020205020404" pitchFamily="49" charset="0"/>
+              </a:rPr>
+              <a:t>	return </a:t>
+            </a:r>
+            <a:r>
+              <a:rPr lang="en-US" sz="1900" dirty="0" err="1">
+                <a:latin typeface="Courier New" panose="02070309020205020404" pitchFamily="49" charset="0"/>
+                <a:cs typeface="Courier New" panose="02070309020205020404" pitchFamily="49" charset="0"/>
+              </a:rPr>
+              <a:t>goodOnes</a:t>
+            </a:r>
+            <a:r>
+              <a:rPr lang="en-US" sz="1900" dirty="0">
+                <a:latin typeface="Courier New" panose="02070309020205020404" pitchFamily="49" charset="0"/>
+                <a:cs typeface="Courier New" panose="02070309020205020404" pitchFamily="49" charset="0"/>
+              </a:rPr>
+              <a:t>;</a:t>
+            </a:r>
+          </a:p>
+          <a:p>
+            <a:pPr marL="0" indent="0">
+              <a:buNone/>
+            </a:pPr>
+            <a:r>
+              <a:rPr lang="en-US" sz="1900" dirty="0">
+                <a:latin typeface="Courier New" panose="02070309020205020404" pitchFamily="49" charset="0"/>
+                <a:cs typeface="Courier New" panose="02070309020205020404" pitchFamily="49" charset="0"/>
+              </a:rPr>
+              <a:t>}</a:t>
+            </a:r>
+            <a:br>
+              <a:rPr lang="en-US" sz="1900" dirty="0">
+                <a:latin typeface="Courier New" panose="02070309020205020404" pitchFamily="49" charset="0"/>
+                <a:cs typeface="Courier New" panose="02070309020205020404" pitchFamily="49" charset="0"/>
+              </a:rPr>
+            </a:br>
+            <a:endParaRPr lang="en-US" sz="1900" dirty="0">
+              <a:latin typeface="Courier New" panose="02070309020205020404" pitchFamily="49" charset="0"/>
               <a:cs typeface="Courier New" panose="02070309020205020404" pitchFamily="49" charset="0"/>
             </a:endParaRPr>
           </a:p>
@@ -21745,7 +22330,7 @@
     </p:spTree>
     <p:extLst>
       <p:ext uri="{BB962C8B-B14F-4D97-AF65-F5344CB8AC3E}">
-        <p14:creationId xmlns:p14="http://schemas.microsoft.com/office/powerpoint/2010/main" val="4143838269"/>
+        <p14:creationId xmlns:p14="http://schemas.microsoft.com/office/powerpoint/2010/main" val="1010857515"/>
       </p:ext>
     </p:extLst>
   </p:cSld>
@@ -21790,41 +22375,92 @@
         </p:nvSpPr>
         <p:spPr>
           <a:xfrm>
-            <a:off x="628650" y="2563244"/>
+            <a:off x="167177" y="128185"/>
             <a:ext cx="7886700" cy="588511"/>
           </a:xfrm>
         </p:spPr>
         <p:txBody>
-          <a:bodyPr>
-            <a:normAutofit fontScale="90000"/>
-          </a:bodyPr>
+          <a:bodyPr/>
           <a:lstStyle/>
           <a:p>
             <a:r>
               <a:rPr lang="en-US" dirty="0"/>
-              <a:t>Question 4: 2D Array</a:t>
-            </a:r>
-            <a:br>
+              <a:t>Question 3</a:t>
+            </a:r>
+          </a:p>
+        </p:txBody>
+      </p:sp>
+      <p:sp>
+        <p:nvSpPr>
+          <p:cNvPr id="3" name="Content Placeholder 2">
+            <a:extLst>
+              <a:ext uri="{FF2B5EF4-FFF2-40B4-BE49-F238E27FC236}">
+                <a16:creationId xmlns:a16="http://schemas.microsoft.com/office/drawing/2014/main" id="{CE6BD10B-9D13-604D-9877-97B355109287}"/>
+              </a:ext>
+            </a:extLst>
+          </p:cNvPr>
+          <p:cNvSpPr>
+            <a:spLocks noGrp="1"/>
+          </p:cNvSpPr>
+          <p:nvPr>
+            <p:ph idx="1"/>
+          </p:nvPr>
+        </p:nvSpPr>
+        <p:spPr>
+          <a:xfrm>
+            <a:off x="167177" y="888763"/>
+            <a:ext cx="8780270" cy="4623273"/>
+          </a:xfrm>
+        </p:spPr>
+        <p:txBody>
+          <a:bodyPr/>
+          <a:lstStyle/>
+          <a:p>
+            <a:pPr marL="0" indent="0">
+              <a:buNone/>
+            </a:pPr>
+            <a:endParaRPr lang="en-US" dirty="0">
+              <a:latin typeface="Gill Sans MT" panose="020B0502020104020203" pitchFamily="34" charset="77"/>
+              <a:cs typeface="Courier New" panose="02070309020205020404" pitchFamily="49" charset="0"/>
+            </a:endParaRPr>
+          </a:p>
+          <a:p>
+            <a:pPr marL="0" indent="0">
+              <a:buNone/>
+            </a:pPr>
+            <a:endParaRPr lang="en-US" dirty="0">
+              <a:latin typeface="Gill Sans MT" panose="020B0502020104020203" pitchFamily="34" charset="77"/>
+              <a:cs typeface="Courier New" panose="02070309020205020404" pitchFamily="49" charset="0"/>
+            </a:endParaRPr>
+          </a:p>
+          <a:p>
+            <a:pPr marL="0" indent="0">
+              <a:buNone/>
+            </a:pPr>
+            <a:endParaRPr lang="en-US" dirty="0">
+              <a:latin typeface="Gill Sans MT" panose="020B0502020104020203" pitchFamily="34" charset="77"/>
+              <a:cs typeface="Courier New" panose="02070309020205020404" pitchFamily="49" charset="0"/>
+            </a:endParaRPr>
+          </a:p>
+          <a:p>
+            <a:pPr marL="0" indent="0">
+              <a:buNone/>
+            </a:pPr>
+            <a:r>
               <a:rPr lang="en-US" dirty="0"/>
-            </a:br>
-            <a:r>
-              <a:rPr lang="en-US" dirty="0"/>
-              <a:t>See previous years' similar FRQs: </a:t>
-            </a:r>
-            <a:br>
-              <a:rPr lang="en-US" dirty="0"/>
-            </a:br>
-            <a:r>
-              <a:rPr lang="en-US" dirty="0"/>
-              <a:t>2019 #4, 2018 #4, 2017 #4, 2016 #3, 2021#4</a:t>
-            </a:r>
+              <a:t>Please do the following 2010 #1, 2013 #1, 2017 #1, 2018 #2, 2021 #3 and check your solutions to prepare for Question 3. </a:t>
+            </a:r>
+            <a:endParaRPr lang="en-US" dirty="0">
+              <a:latin typeface="Gill Sans MT" panose="020B0502020104020203" pitchFamily="34" charset="77"/>
+              <a:cs typeface="Courier New" panose="02070309020205020404" pitchFamily="49" charset="0"/>
+            </a:endParaRPr>
           </a:p>
         </p:txBody>
       </p:sp>
     </p:spTree>
     <p:extLst>
       <p:ext uri="{BB962C8B-B14F-4D97-AF65-F5344CB8AC3E}">
-        <p14:creationId xmlns:p14="http://schemas.microsoft.com/office/powerpoint/2010/main" val="2802854376"/>
+        <p14:creationId xmlns:p14="http://schemas.microsoft.com/office/powerpoint/2010/main" val="4143838269"/>
       </p:ext>
     </p:extLst>
   </p:cSld>
@@ -21869,249 +22505,33 @@
         </p:nvSpPr>
         <p:spPr>
           <a:xfrm>
-            <a:off x="167177" y="128185"/>
+            <a:off x="628650" y="2563244"/>
             <a:ext cx="7886700" cy="588511"/>
           </a:xfrm>
         </p:spPr>
         <p:txBody>
-          <a:bodyPr/>
-          <a:lstStyle/>
-          <a:p>
-            <a:r>
-              <a:rPr lang="en-US" dirty="0"/>
-              <a:t>Row Major Order Traversal</a:t>
-            </a:r>
-          </a:p>
-        </p:txBody>
-      </p:sp>
-      <p:sp>
-        <p:nvSpPr>
-          <p:cNvPr id="3" name="Content Placeholder 2">
-            <a:extLst>
-              <a:ext uri="{FF2B5EF4-FFF2-40B4-BE49-F238E27FC236}">
-                <a16:creationId xmlns:a16="http://schemas.microsoft.com/office/drawing/2014/main" id="{CE6BD10B-9D13-604D-9877-97B355109287}"/>
-              </a:ext>
-            </a:extLst>
-          </p:cNvPr>
-          <p:cNvSpPr>
-            <a:spLocks noGrp="1"/>
-          </p:cNvSpPr>
-          <p:nvPr>
-            <p:ph idx="1"/>
-          </p:nvPr>
-        </p:nvSpPr>
-        <p:spPr>
-          <a:xfrm>
-            <a:off x="167177" y="716696"/>
-            <a:ext cx="8976822" cy="4795341"/>
-          </a:xfrm>
-        </p:spPr>
-        <p:txBody>
           <a:bodyPr>
-            <a:normAutofit lnSpcReduction="10000"/>
+            <a:normAutofit fontScale="90000"/>
           </a:bodyPr>
           <a:lstStyle/>
           <a:p>
-            <a:pPr marL="0" indent="0">
-              <a:buNone/>
-            </a:pPr>
             <a:r>
               <a:rPr lang="en-US" dirty="0"/>
-              <a:t>Example :  Count the number of Students objects whose GPA is above a threshold. </a:t>
-            </a:r>
-            <a:r>
-              <a:rPr lang="en-US" dirty="0">
-                <a:solidFill>
-                  <a:srgbClr val="FF0000"/>
-                </a:solidFill>
-              </a:rPr>
-              <a:t>(row major order)</a:t>
-            </a:r>
-          </a:p>
-          <a:p>
-            <a:pPr marL="0" indent="0">
-              <a:buNone/>
-            </a:pPr>
-            <a:r>
-              <a:rPr lang="en-US" sz="1800" dirty="0">
-                <a:latin typeface="Courier New" panose="02070309020205020404" pitchFamily="49" charset="0"/>
-                <a:cs typeface="Courier New" panose="02070309020205020404" pitchFamily="49" charset="0"/>
-              </a:rPr>
-              <a:t>public class Course{</a:t>
-            </a:r>
-          </a:p>
-          <a:p>
-            <a:pPr marL="0" indent="0">
-              <a:buNone/>
-            </a:pPr>
-            <a:r>
-              <a:rPr lang="en-US" sz="1800" dirty="0">
-                <a:latin typeface="Courier New" panose="02070309020205020404" pitchFamily="49" charset="0"/>
-                <a:cs typeface="Courier New" panose="02070309020205020404" pitchFamily="49" charset="0"/>
-              </a:rPr>
-              <a:t>	Student[][] students;</a:t>
-            </a:r>
-          </a:p>
-          <a:p>
-            <a:pPr marL="0" indent="0">
-              <a:buNone/>
-            </a:pPr>
-            <a:r>
-              <a:rPr lang="en-US" sz="1800" dirty="0">
-                <a:latin typeface="Courier New" panose="02070309020205020404" pitchFamily="49" charset="0"/>
-                <a:cs typeface="Courier New" panose="02070309020205020404" pitchFamily="49" charset="0"/>
-              </a:rPr>
-              <a:t>	// constructors not shown</a:t>
-            </a:r>
-          </a:p>
-          <a:p>
-            <a:pPr marL="0" indent="0">
-              <a:buNone/>
-            </a:pPr>
-            <a:r>
-              <a:rPr lang="en-US" sz="1800" dirty="0">
-                <a:latin typeface="Courier New" panose="02070309020205020404" pitchFamily="49" charset="0"/>
-                <a:cs typeface="Courier New" panose="02070309020205020404" pitchFamily="49" charset="0"/>
-              </a:rPr>
-              <a:t>	public int </a:t>
-            </a:r>
-            <a:r>
-              <a:rPr lang="en-US" sz="1800" dirty="0" err="1">
-                <a:latin typeface="Courier New" panose="02070309020205020404" pitchFamily="49" charset="0"/>
-                <a:cs typeface="Courier New" panose="02070309020205020404" pitchFamily="49" charset="0"/>
-              </a:rPr>
-              <a:t>aboveThreshold</a:t>
-            </a:r>
-            <a:r>
-              <a:rPr lang="en-US" sz="1800" dirty="0">
-                <a:latin typeface="Courier New" panose="02070309020205020404" pitchFamily="49" charset="0"/>
-                <a:cs typeface="Courier New" panose="02070309020205020404" pitchFamily="49" charset="0"/>
-              </a:rPr>
-              <a:t>(double threshold){</a:t>
-            </a:r>
-          </a:p>
-          <a:p>
-            <a:pPr marL="0" indent="0">
-              <a:buNone/>
-            </a:pPr>
-            <a:r>
-              <a:rPr lang="en-US" sz="1800" dirty="0">
-                <a:latin typeface="Courier New" panose="02070309020205020404" pitchFamily="49" charset="0"/>
-                <a:cs typeface="Courier New" panose="02070309020205020404" pitchFamily="49" charset="0"/>
-              </a:rPr>
-              <a:t>		int count = 0; </a:t>
-            </a:r>
-          </a:p>
-          <a:p>
-            <a:pPr marL="0" indent="0">
-              <a:buNone/>
-            </a:pPr>
-            <a:r>
-              <a:rPr lang="en-US" sz="1800" dirty="0">
-                <a:latin typeface="Courier New" panose="02070309020205020404" pitchFamily="49" charset="0"/>
-                <a:cs typeface="Courier New" panose="02070309020205020404" pitchFamily="49" charset="0"/>
-              </a:rPr>
-              <a:t>		for(int row = 0; row &lt; </a:t>
-            </a:r>
-            <a:r>
-              <a:rPr lang="en-US" sz="1800" dirty="0" err="1">
-                <a:latin typeface="Courier New" panose="02070309020205020404" pitchFamily="49" charset="0"/>
-                <a:cs typeface="Courier New" panose="02070309020205020404" pitchFamily="49" charset="0"/>
-              </a:rPr>
-              <a:t>students.length</a:t>
-            </a:r>
-            <a:r>
-              <a:rPr lang="en-US" sz="1800" dirty="0">
-                <a:latin typeface="Courier New" panose="02070309020205020404" pitchFamily="49" charset="0"/>
-                <a:cs typeface="Courier New" panose="02070309020205020404" pitchFamily="49" charset="0"/>
-              </a:rPr>
-              <a:t>; row++){</a:t>
-            </a:r>
-          </a:p>
-          <a:p>
-            <a:pPr marL="0" indent="0">
-              <a:buNone/>
-            </a:pPr>
-            <a:r>
-              <a:rPr lang="en-US" sz="1800" dirty="0">
-                <a:latin typeface="Courier New" panose="02070309020205020404" pitchFamily="49" charset="0"/>
-                <a:cs typeface="Courier New" panose="02070309020205020404" pitchFamily="49" charset="0"/>
-              </a:rPr>
-              <a:t>		  for(int 	col = 0; col &lt; students[0].length; col++){</a:t>
-            </a:r>
-          </a:p>
-          <a:p>
-            <a:pPr marL="0" indent="0">
-              <a:buNone/>
-            </a:pPr>
-            <a:r>
-              <a:rPr lang="en-US" sz="1800" dirty="0">
-                <a:latin typeface="Courier New" panose="02070309020205020404" pitchFamily="49" charset="0"/>
-                <a:cs typeface="Courier New" panose="02070309020205020404" pitchFamily="49" charset="0"/>
-              </a:rPr>
-              <a:t>			if(students[row][col].</a:t>
-            </a:r>
-            <a:r>
-              <a:rPr lang="en-US" sz="1800" dirty="0" err="1">
-                <a:latin typeface="Courier New" panose="02070309020205020404" pitchFamily="49" charset="0"/>
-                <a:cs typeface="Courier New" panose="02070309020205020404" pitchFamily="49" charset="0"/>
-              </a:rPr>
-              <a:t>getGpa</a:t>
-            </a:r>
-            <a:r>
-              <a:rPr lang="en-US" sz="1800" dirty="0">
-                <a:latin typeface="Courier New" panose="02070309020205020404" pitchFamily="49" charset="0"/>
-                <a:cs typeface="Courier New" panose="02070309020205020404" pitchFamily="49" charset="0"/>
-              </a:rPr>
-              <a:t>() &gt; threshold)</a:t>
-            </a:r>
-          </a:p>
-          <a:p>
-            <a:pPr marL="0" indent="0">
-              <a:buNone/>
-            </a:pPr>
-            <a:r>
-              <a:rPr lang="en-US" sz="1800" dirty="0">
-                <a:latin typeface="Courier New" panose="02070309020205020404" pitchFamily="49" charset="0"/>
-                <a:cs typeface="Courier New" panose="02070309020205020404" pitchFamily="49" charset="0"/>
-              </a:rPr>
-              <a:t>				count++;</a:t>
-            </a:r>
-          </a:p>
-          <a:p>
-            <a:pPr marL="0" indent="0">
-              <a:buNone/>
-            </a:pPr>
-            <a:r>
-              <a:rPr lang="en-US" sz="1800" dirty="0">
-                <a:latin typeface="Courier New" panose="02070309020205020404" pitchFamily="49" charset="0"/>
-                <a:cs typeface="Courier New" panose="02070309020205020404" pitchFamily="49" charset="0"/>
-              </a:rPr>
-              <a:t>		  }}</a:t>
-            </a:r>
-          </a:p>
-          <a:p>
-            <a:pPr marL="0" indent="0">
-              <a:buNone/>
-            </a:pPr>
-            <a:r>
-              <a:rPr lang="en-US" sz="1800" dirty="0">
-                <a:latin typeface="Courier New" panose="02070309020205020404" pitchFamily="49" charset="0"/>
-                <a:cs typeface="Courier New" panose="02070309020205020404" pitchFamily="49" charset="0"/>
-              </a:rPr>
-              <a:t>		return count;</a:t>
-            </a:r>
-          </a:p>
-          <a:p>
-            <a:pPr marL="0" indent="0">
-              <a:buNone/>
-            </a:pPr>
-            <a:r>
-              <a:rPr lang="en-US" sz="1800" dirty="0">
-                <a:latin typeface="Courier New" panose="02070309020205020404" pitchFamily="49" charset="0"/>
-                <a:cs typeface="Courier New" panose="02070309020205020404" pitchFamily="49" charset="0"/>
-              </a:rPr>
-              <a:t>	}</a:t>
+              <a:t>Question 4: 2D Array</a:t>
+            </a:r>
+            <a:br>
+              <a:rPr lang="en-US" dirty="0"/>
+            </a:br>
+            <a:r>
+              <a:rPr lang="en-US" dirty="0"/>
+              <a:t>See previous years' similar FRQs: </a:t>
+            </a:r>
+            <a:br>
+              <a:rPr lang="en-US" dirty="0"/>
+            </a:br>
+            <a:r>
+              <a:rPr lang="en-US" dirty="0"/>
+              <a:t>2019 #4, 2018 #4, 2017 #4, 2016 #3, 2021#4</a:t>
             </a:r>
           </a:p>
         </p:txBody>
@@ -22119,7 +22539,7 @@
     </p:spTree>
     <p:extLst>
       <p:ext uri="{BB962C8B-B14F-4D97-AF65-F5344CB8AC3E}">
-        <p14:creationId xmlns:p14="http://schemas.microsoft.com/office/powerpoint/2010/main" val="371263916"/>
+        <p14:creationId xmlns:p14="http://schemas.microsoft.com/office/powerpoint/2010/main" val="2802854376"/>
       </p:ext>
     </p:extLst>
   </p:cSld>
@@ -22174,7 +22594,7 @@
           <a:p>
             <a:r>
               <a:rPr lang="en-US" dirty="0"/>
-              <a:t>Column Major Order Traversal</a:t>
+              <a:t>Row Major Order Traversal</a:t>
             </a:r>
           </a:p>
         </p:txBody>
@@ -22220,7 +22640,7 @@
                   <a:srgbClr val="FF0000"/>
                 </a:solidFill>
               </a:rPr>
-              <a:t>(column major order)</a:t>
+              <a:t>(row major order)</a:t>
             </a:r>
           </a:p>
           <a:p>
@@ -22306,44 +22726,59 @@
                 <a:latin typeface="Courier New" panose="02070309020205020404" pitchFamily="49" charset="0"/>
                 <a:cs typeface="Courier New" panose="02070309020205020404" pitchFamily="49" charset="0"/>
               </a:rPr>
-              <a:t>		for(int col = 0; col &lt; students[0].length</a:t>
-            </a:r>
-            <a:r>
-              <a:rPr lang="en-US" sz="1800">
-                <a:latin typeface="Courier New" panose="02070309020205020404" pitchFamily="49" charset="0"/>
-                <a:cs typeface="Courier New" panose="02070309020205020404" pitchFamily="49" charset="0"/>
-              </a:rPr>
-              <a:t>; col++){</a:t>
-            </a:r>
-            <a:endParaRPr lang="en-US" sz="1800" dirty="0">
-              <a:latin typeface="Courier New" panose="02070309020205020404" pitchFamily="49" charset="0"/>
-              <a:cs typeface="Courier New" panose="02070309020205020404" pitchFamily="49" charset="0"/>
-            </a:endParaRPr>
-          </a:p>
-          <a:p>
-            <a:pPr marL="0" indent="0">
-              <a:buNone/>
-            </a:pPr>
+              <a:t>		for(int row = 0; row &lt; </a:t>
+            </a:r>
+            <a:r>
+              <a:rPr lang="en-US" sz="1800" dirty="0" err="1">
+                <a:latin typeface="Courier New" panose="02070309020205020404" pitchFamily="49" charset="0"/>
+                <a:cs typeface="Courier New" panose="02070309020205020404" pitchFamily="49" charset="0"/>
+              </a:rPr>
+              <a:t>students.length</a:t>
+            </a:r>
             <a:r>
               <a:rPr lang="en-US" sz="1800" dirty="0">
                 <a:latin typeface="Courier New" panose="02070309020205020404" pitchFamily="49" charset="0"/>
                 <a:cs typeface="Courier New" panose="02070309020205020404" pitchFamily="49" charset="0"/>
               </a:rPr>
-              <a:t>		  for(int 	row = 0; row &lt; </a:t>
+              <a:t>; row++){</a:t>
+            </a:r>
+          </a:p>
+          <a:p>
+            <a:pPr marL="0" indent="0">
+              <a:buNone/>
+            </a:pPr>
+            <a:r>
+              <a:rPr lang="en-US" sz="1800" dirty="0">
+                <a:latin typeface="Courier New" panose="02070309020205020404" pitchFamily="49" charset="0"/>
+                <a:cs typeface="Courier New" panose="02070309020205020404" pitchFamily="49" charset="0"/>
+              </a:rPr>
+              <a:t>		  for(int 	col = 0; col &lt; students[0].length; col++){</a:t>
+            </a:r>
+          </a:p>
+          <a:p>
+            <a:pPr marL="0" indent="0">
+              <a:buNone/>
+            </a:pPr>
+            <a:r>
+              <a:rPr lang="en-US" sz="1800" dirty="0">
+                <a:latin typeface="Courier New" panose="02070309020205020404" pitchFamily="49" charset="0"/>
+                <a:cs typeface="Courier New" panose="02070309020205020404" pitchFamily="49" charset="0"/>
+              </a:rPr>
+              <a:t>			if(students[row][col].</a:t>
             </a:r>
             <a:r>
               <a:rPr lang="en-US" sz="1800" dirty="0" err="1">
                 <a:latin typeface="Courier New" panose="02070309020205020404" pitchFamily="49" charset="0"/>
                 <a:cs typeface="Courier New" panose="02070309020205020404" pitchFamily="49" charset="0"/>
               </a:rPr>
-              <a:t>students.length</a:t>
+              <a:t>getGpa</a:t>
             </a:r>
             <a:r>
               <a:rPr lang="en-US" sz="1800" dirty="0">
                 <a:latin typeface="Courier New" panose="02070309020205020404" pitchFamily="49" charset="0"/>
                 <a:cs typeface="Courier New" panose="02070309020205020404" pitchFamily="49" charset="0"/>
               </a:rPr>
-              <a:t>; row++){</a:t>
+              <a:t>() &gt; threshold)</a:t>
             </a:r>
           </a:p>
           <a:p>
@@ -22355,45 +22790,19 @@
                 <a:latin typeface="Courier New" panose="02070309020205020404" pitchFamily="49" charset="0"/>
                 <a:cs typeface="Courier New" panose="02070309020205020404" pitchFamily="49" charset="0"/>
               </a:rPr>
-              <a:t>			if(students[row][col].</a:t>
-            </a:r>
-            <a:r>
-              <a:rPr lang="en-US" sz="1800" dirty="0" err="1">
-                <a:latin typeface="Courier New" panose="02070309020205020404" pitchFamily="49" charset="0"/>
-                <a:cs typeface="Courier New" panose="02070309020205020404" pitchFamily="49" charset="0"/>
-              </a:rPr>
-              <a:t>getGpa</a:t>
-            </a:r>
+              <a:t>				count++;</a:t>
+            </a:r>
+          </a:p>
+          <a:p>
+            <a:pPr marL="0" indent="0">
+              <a:buNone/>
+            </a:pPr>
             <a:r>
               <a:rPr lang="en-US" sz="1800" dirty="0">
                 <a:latin typeface="Courier New" panose="02070309020205020404" pitchFamily="49" charset="0"/>
                 <a:cs typeface="Courier New" panose="02070309020205020404" pitchFamily="49" charset="0"/>
               </a:rPr>
-              <a:t>() &gt; threshold)</a:t>
-            </a:r>
-          </a:p>
-          <a:p>
-            <a:pPr marL="0" indent="0">
-              <a:buNone/>
-            </a:pPr>
-            <a:r>
-              <a:rPr lang="en-US" sz="1800" dirty="0">
-                <a:latin typeface="Courier New" panose="02070309020205020404" pitchFamily="49" charset="0"/>
-                <a:cs typeface="Courier New" panose="02070309020205020404" pitchFamily="49" charset="0"/>
-              </a:rPr>
-              <a:t>				count++;</a:t>
-            </a:r>
-          </a:p>
-          <a:p>
-            <a:pPr marL="0" indent="0">
-              <a:buNone/>
-            </a:pPr>
-            <a:r>
-              <a:rPr lang="en-US" sz="1800" dirty="0">
-                <a:latin typeface="Courier New" panose="02070309020205020404" pitchFamily="49" charset="0"/>
-                <a:cs typeface="Courier New" panose="02070309020205020404" pitchFamily="49" charset="0"/>
-              </a:rPr>
-              <a:t>		}</a:t>
+              <a:t>		  }}</a:t>
             </a:r>
           </a:p>
           <a:p>
@@ -22425,7 +22834,7 @@
     </p:spTree>
     <p:extLst>
       <p:ext uri="{BB962C8B-B14F-4D97-AF65-F5344CB8AC3E}">
-        <p14:creationId xmlns:p14="http://schemas.microsoft.com/office/powerpoint/2010/main" val="1114803321"/>
+        <p14:creationId xmlns:p14="http://schemas.microsoft.com/office/powerpoint/2010/main" val="371263916"/>
       </p:ext>
     </p:extLst>
   </p:cSld>
@@ -22887,7 +23296,7 @@
           <a:p>
             <a:r>
               <a:rPr lang="en-US" dirty="0"/>
-              <a:t>Along One Row</a:t>
+              <a:t>Column Major Order Traversal</a:t>
             </a:r>
           </a:p>
         </p:txBody>
@@ -22925,7 +23334,7 @@
             </a:pPr>
             <a:r>
               <a:rPr lang="en-US" dirty="0"/>
-              <a:t>Example :  Count the number of Students objects whose GPA is above a threshold in the given </a:t>
+              <a:t>Example :  Count the number of Students objects whose GPA is above a threshold. </a:t>
             </a:r>
             <a:r>
               <a:rPr lang="en-US" dirty="0">
@@ -22933,11 +23342,7 @@
                   <a:srgbClr val="FF0000"/>
                 </a:solidFill>
               </a:rPr>
-              <a:t>row</a:t>
-            </a:r>
-            <a:r>
-              <a:rPr lang="en-US" dirty="0"/>
-              <a:t>. </a:t>
+              <a:t>(column major order)</a:t>
             </a:r>
           </a:p>
           <a:p>
@@ -22980,6 +23385,58 @@
             <a:pPr marL="0" indent="0">
               <a:buNone/>
             </a:pPr>
+            <a:r>
+              <a:rPr lang="en-US" sz="1800" dirty="0">
+                <a:latin typeface="Courier New" panose="02070309020205020404" pitchFamily="49" charset="0"/>
+                <a:cs typeface="Courier New" panose="02070309020205020404" pitchFamily="49" charset="0"/>
+              </a:rPr>
+              <a:t>	public int </a:t>
+            </a:r>
+            <a:r>
+              <a:rPr lang="en-US" sz="1800" dirty="0" err="1">
+                <a:latin typeface="Courier New" panose="02070309020205020404" pitchFamily="49" charset="0"/>
+                <a:cs typeface="Courier New" panose="02070309020205020404" pitchFamily="49" charset="0"/>
+              </a:rPr>
+              <a:t>aboveThreshold</a:t>
+            </a:r>
+            <a:r>
+              <a:rPr lang="en-US" sz="1800" dirty="0">
+                <a:latin typeface="Courier New" panose="02070309020205020404" pitchFamily="49" charset="0"/>
+                <a:cs typeface="Courier New" panose="02070309020205020404" pitchFamily="49" charset="0"/>
+              </a:rPr>
+              <a:t>(double threshold){</a:t>
+            </a:r>
+          </a:p>
+          <a:p>
+            <a:pPr marL="0" indent="0">
+              <a:buNone/>
+            </a:pPr>
+            <a:r>
+              <a:rPr lang="en-US" sz="1800" dirty="0">
+                <a:latin typeface="Courier New" panose="02070309020205020404" pitchFamily="49" charset="0"/>
+                <a:cs typeface="Courier New" panose="02070309020205020404" pitchFamily="49" charset="0"/>
+              </a:rPr>
+              <a:t>		int count = 0; </a:t>
+            </a:r>
+          </a:p>
+          <a:p>
+            <a:pPr marL="0" indent="0">
+              <a:buNone/>
+            </a:pPr>
+            <a:r>
+              <a:rPr lang="en-US" sz="1800" dirty="0">
+                <a:latin typeface="Courier New" panose="02070309020205020404" pitchFamily="49" charset="0"/>
+                <a:cs typeface="Courier New" panose="02070309020205020404" pitchFamily="49" charset="0"/>
+              </a:rPr>
+              <a:t>		for(int col = 0; col &lt; students[0].length</a:t>
+            </a:r>
+            <a:r>
+              <a:rPr lang="en-US" sz="1800">
+                <a:latin typeface="Courier New" panose="02070309020205020404" pitchFamily="49" charset="0"/>
+                <a:cs typeface="Courier New" panose="02070309020205020404" pitchFamily="49" charset="0"/>
+              </a:rPr>
+              <a:t>; col++){</a:t>
+            </a:r>
             <a:endParaRPr lang="en-US" sz="1800" dirty="0">
               <a:latin typeface="Courier New" panose="02070309020205020404" pitchFamily="49" charset="0"/>
               <a:cs typeface="Courier New" panose="02070309020205020404" pitchFamily="49" charset="0"/>
@@ -22994,62 +23451,21 @@
                 <a:latin typeface="Courier New" panose="02070309020205020404" pitchFamily="49" charset="0"/>
                 <a:cs typeface="Courier New" panose="02070309020205020404" pitchFamily="49" charset="0"/>
               </a:rPr>
-              <a:t>	public int </a:t>
+              <a:t>		  for(int 	row = 0; row &lt; </a:t>
             </a:r>
             <a:r>
               <a:rPr lang="en-US" sz="1800" dirty="0" err="1">
                 <a:latin typeface="Courier New" panose="02070309020205020404" pitchFamily="49" charset="0"/>
                 <a:cs typeface="Courier New" panose="02070309020205020404" pitchFamily="49" charset="0"/>
               </a:rPr>
-              <a:t>aboveThreshold</a:t>
+              <a:t>students.length</a:t>
             </a:r>
             <a:r>
               <a:rPr lang="en-US" sz="1800" dirty="0">
                 <a:latin typeface="Courier New" panose="02070309020205020404" pitchFamily="49" charset="0"/>
                 <a:cs typeface="Courier New" panose="02070309020205020404" pitchFamily="49" charset="0"/>
               </a:rPr>
-              <a:t>(int row, double threshold){</a:t>
-            </a:r>
-          </a:p>
-          <a:p>
-            <a:pPr marL="0" indent="0">
-              <a:buNone/>
-            </a:pPr>
-            <a:r>
-              <a:rPr lang="en-US" sz="1800" dirty="0">
-                <a:latin typeface="Courier New" panose="02070309020205020404" pitchFamily="49" charset="0"/>
-                <a:cs typeface="Courier New" panose="02070309020205020404" pitchFamily="49" charset="0"/>
-              </a:rPr>
-              <a:t>		int count = 0; </a:t>
-            </a:r>
-          </a:p>
-          <a:p>
-            <a:pPr marL="0" indent="0">
-              <a:buNone/>
-            </a:pPr>
-            <a:r>
-              <a:rPr lang="en-US" sz="1800" dirty="0">
-                <a:latin typeface="Courier New" panose="02070309020205020404" pitchFamily="49" charset="0"/>
-                <a:cs typeface="Courier New" panose="02070309020205020404" pitchFamily="49" charset="0"/>
-              </a:rPr>
-              <a:t>		for(int col = 0; col &lt; </a:t>
-            </a:r>
-            <a:r>
-              <a:rPr lang="en-US" sz="1800" dirty="0">
-                <a:solidFill>
-                  <a:srgbClr val="FF0000"/>
-                </a:solidFill>
-                <a:latin typeface="Courier New" panose="02070309020205020404" pitchFamily="49" charset="0"/>
-                <a:cs typeface="Courier New" panose="02070309020205020404" pitchFamily="49" charset="0"/>
-              </a:rPr>
-              <a:t>students[row].length</a:t>
-            </a:r>
-            <a:r>
-              <a:rPr lang="en-US" sz="1800" dirty="0">
-                <a:latin typeface="Courier New" panose="02070309020205020404" pitchFamily="49" charset="0"/>
-                <a:cs typeface="Courier New" panose="02070309020205020404" pitchFamily="49" charset="0"/>
-              </a:rPr>
-              <a:t>; col++){</a:t>
+              <a:t>; row++){</a:t>
             </a:r>
           </a:p>
           <a:p>
@@ -23131,7 +23547,7 @@
     </p:spTree>
     <p:extLst>
       <p:ext uri="{BB962C8B-B14F-4D97-AF65-F5344CB8AC3E}">
-        <p14:creationId xmlns:p14="http://schemas.microsoft.com/office/powerpoint/2010/main" val="2556757169"/>
+        <p14:creationId xmlns:p14="http://schemas.microsoft.com/office/powerpoint/2010/main" val="1114803321"/>
       </p:ext>
     </p:extLst>
   </p:cSld>
@@ -23186,7 +23602,7 @@
           <a:p>
             <a:r>
               <a:rPr lang="en-US" dirty="0"/>
-              <a:t>Along One Column</a:t>
+              <a:t>Along One Row</a:t>
             </a:r>
           </a:p>
         </p:txBody>
@@ -23214,7 +23630,9 @@
           </a:xfrm>
         </p:spPr>
         <p:txBody>
-          <a:bodyPr/>
+          <a:bodyPr>
+            <a:normAutofit lnSpcReduction="10000"/>
+          </a:bodyPr>
           <a:lstStyle/>
           <a:p>
             <a:pPr marL="0" indent="0">
@@ -23230,7 +23648,7 @@
                   <a:srgbClr val="FF0000"/>
                 </a:solidFill>
               </a:rPr>
-              <a:t>column</a:t>
+              <a:t>row</a:t>
             </a:r>
             <a:r>
               <a:rPr lang="en-US" dirty="0"/>
@@ -23277,6 +23695,15 @@
             <a:pPr marL="0" indent="0">
               <a:buNone/>
             </a:pPr>
+            <a:endParaRPr lang="en-US" sz="1800" dirty="0">
+              <a:latin typeface="Courier New" panose="02070309020205020404" pitchFamily="49" charset="0"/>
+              <a:cs typeface="Courier New" panose="02070309020205020404" pitchFamily="49" charset="0"/>
+            </a:endParaRPr>
+          </a:p>
+          <a:p>
+            <a:pPr marL="0" indent="0">
+              <a:buNone/>
+            </a:pPr>
             <a:r>
               <a:rPr lang="en-US" sz="1800" dirty="0">
                 <a:latin typeface="Courier New" panose="02070309020205020404" pitchFamily="49" charset="0"/>
@@ -23296,7 +23723,7 @@
                 <a:latin typeface="Courier New" panose="02070309020205020404" pitchFamily="49" charset="0"/>
                 <a:cs typeface="Courier New" panose="02070309020205020404" pitchFamily="49" charset="0"/>
               </a:rPr>
-              <a:t>(int col, double threshold){</a:t>
+              <a:t>(int row, double threshold){</a:t>
             </a:r>
           </a:p>
           <a:p>
@@ -23320,24 +23747,24 @@
                 <a:latin typeface="Courier New" panose="02070309020205020404" pitchFamily="49" charset="0"/>
                 <a:cs typeface="Courier New" panose="02070309020205020404" pitchFamily="49" charset="0"/>
               </a:rPr>
-              <a:t>		for(int row = 0; row &lt; </a:t>
-            </a:r>
-            <a:r>
-              <a:rPr lang="en-US" sz="1800" dirty="0" err="1">
+              <a:t>		for(int col = 0; col &lt; </a:t>
+            </a:r>
+            <a:r>
+              <a:rPr lang="en-US" sz="1800" dirty="0">
                 <a:solidFill>
                   <a:srgbClr val="FF0000"/>
                 </a:solidFill>
                 <a:latin typeface="Courier New" panose="02070309020205020404" pitchFamily="49" charset="0"/>
                 <a:cs typeface="Courier New" panose="02070309020205020404" pitchFamily="49" charset="0"/>
               </a:rPr>
-              <a:t>students.length</a:t>
+              <a:t>students[row].length</a:t>
             </a:r>
             <a:r>
               <a:rPr lang="en-US" sz="1800" dirty="0">
                 <a:latin typeface="Courier New" panose="02070309020205020404" pitchFamily="49" charset="0"/>
                 <a:cs typeface="Courier New" panose="02070309020205020404" pitchFamily="49" charset="0"/>
               </a:rPr>
-              <a:t>; row++){</a:t>
+              <a:t>; col++){</a:t>
             </a:r>
           </a:p>
           <a:p>
@@ -23419,7 +23846,7 @@
     </p:spTree>
     <p:extLst>
       <p:ext uri="{BB962C8B-B14F-4D97-AF65-F5344CB8AC3E}">
-        <p14:creationId xmlns:p14="http://schemas.microsoft.com/office/powerpoint/2010/main" val="74938920"/>
+        <p14:creationId xmlns:p14="http://schemas.microsoft.com/office/powerpoint/2010/main" val="2556757169"/>
       </p:ext>
     </p:extLst>
   </p:cSld>
@@ -23474,7 +23901,7 @@
           <a:p>
             <a:r>
               <a:rPr lang="en-US" dirty="0"/>
-              <a:t>Major Diagonal  Traversal</a:t>
+              <a:t>Along One Column</a:t>
             </a:r>
           </a:p>
         </p:txBody>
@@ -23510,7 +23937,7 @@
             </a:pPr>
             <a:r>
               <a:rPr lang="en-US" dirty="0"/>
-              <a:t>Example :  Count the number of Students objects whose GPA is above threshold along the </a:t>
+              <a:t>Example :  Count the number of Students objects whose GPA is above a threshold in the given </a:t>
             </a:r>
             <a:r>
               <a:rPr lang="en-US" dirty="0">
@@ -23518,11 +23945,11 @@
                   <a:srgbClr val="FF0000"/>
                 </a:solidFill>
               </a:rPr>
-              <a:t>major diagonal</a:t>
+              <a:t>column</a:t>
             </a:r>
             <a:r>
               <a:rPr lang="en-US" dirty="0"/>
-              <a:t>.  Assume 2D array is square. </a:t>
+              <a:t>. </a:t>
             </a:r>
           </a:p>
           <a:p>
@@ -23584,7 +24011,7 @@
                 <a:latin typeface="Courier New" panose="02070309020205020404" pitchFamily="49" charset="0"/>
                 <a:cs typeface="Courier New" panose="02070309020205020404" pitchFamily="49" charset="0"/>
               </a:rPr>
-              <a:t>(double threshold){</a:t>
+              <a:t>(int col, double threshold){</a:t>
             </a:r>
           </a:p>
           <a:p>
@@ -23608,103 +24035,36 @@
                 <a:latin typeface="Courier New" panose="02070309020205020404" pitchFamily="49" charset="0"/>
                 <a:cs typeface="Courier New" panose="02070309020205020404" pitchFamily="49" charset="0"/>
               </a:rPr>
-              <a:t>		for(int </a:t>
+              <a:t>		for(int row = 0; row &lt; </a:t>
             </a:r>
             <a:r>
               <a:rPr lang="en-US" sz="1800" dirty="0" err="1">
-                <a:latin typeface="Courier New" panose="02070309020205020404" pitchFamily="49" charset="0"/>
-                <a:cs typeface="Courier New" panose="02070309020205020404" pitchFamily="49" charset="0"/>
-              </a:rPr>
-              <a:t>i</a:t>
+                <a:solidFill>
+                  <a:srgbClr val="FF0000"/>
+                </a:solidFill>
+                <a:latin typeface="Courier New" panose="02070309020205020404" pitchFamily="49" charset="0"/>
+                <a:cs typeface="Courier New" panose="02070309020205020404" pitchFamily="49" charset="0"/>
+              </a:rPr>
+              <a:t>students.length</a:t>
             </a:r>
             <a:r>
               <a:rPr lang="en-US" sz="1800" dirty="0">
                 <a:latin typeface="Courier New" panose="02070309020205020404" pitchFamily="49" charset="0"/>
                 <a:cs typeface="Courier New" panose="02070309020205020404" pitchFamily="49" charset="0"/>
               </a:rPr>
-              <a:t> = 0; </a:t>
-            </a:r>
-            <a:r>
-              <a:rPr lang="en-US" sz="1800" dirty="0" err="1">
-                <a:latin typeface="Courier New" panose="02070309020205020404" pitchFamily="49" charset="0"/>
-                <a:cs typeface="Courier New" panose="02070309020205020404" pitchFamily="49" charset="0"/>
-              </a:rPr>
-              <a:t>i</a:t>
-            </a:r>
+              <a:t>; row++){</a:t>
+            </a:r>
+          </a:p>
+          <a:p>
+            <a:pPr marL="0" indent="0">
+              <a:buNone/>
+            </a:pPr>
             <a:r>
               <a:rPr lang="en-US" sz="1800" dirty="0">
                 <a:latin typeface="Courier New" panose="02070309020205020404" pitchFamily="49" charset="0"/>
                 <a:cs typeface="Courier New" panose="02070309020205020404" pitchFamily="49" charset="0"/>
               </a:rPr>
-              <a:t> &lt; </a:t>
-            </a:r>
-            <a:r>
-              <a:rPr lang="en-US" sz="1800" dirty="0" err="1">
-                <a:latin typeface="Courier New" panose="02070309020205020404" pitchFamily="49" charset="0"/>
-                <a:cs typeface="Courier New" panose="02070309020205020404" pitchFamily="49" charset="0"/>
-              </a:rPr>
-              <a:t>students.length</a:t>
-            </a:r>
-            <a:r>
-              <a:rPr lang="en-US" sz="1800" dirty="0">
-                <a:latin typeface="Courier New" panose="02070309020205020404" pitchFamily="49" charset="0"/>
-                <a:cs typeface="Courier New" panose="02070309020205020404" pitchFamily="49" charset="0"/>
-              </a:rPr>
-              <a:t>; </a:t>
-            </a:r>
-            <a:r>
-              <a:rPr lang="en-US" sz="1800" dirty="0" err="1">
-                <a:latin typeface="Courier New" panose="02070309020205020404" pitchFamily="49" charset="0"/>
-                <a:cs typeface="Courier New" panose="02070309020205020404" pitchFamily="49" charset="0"/>
-              </a:rPr>
-              <a:t>i</a:t>
-            </a:r>
-            <a:r>
-              <a:rPr lang="en-US" sz="1800" dirty="0">
-                <a:latin typeface="Courier New" panose="02070309020205020404" pitchFamily="49" charset="0"/>
-                <a:cs typeface="Courier New" panose="02070309020205020404" pitchFamily="49" charset="0"/>
-              </a:rPr>
-              <a:t>++){</a:t>
-            </a:r>
-          </a:p>
-          <a:p>
-            <a:pPr marL="0" indent="0">
-              <a:buNone/>
-            </a:pPr>
-            <a:r>
-              <a:rPr lang="en-US" sz="1800" dirty="0">
-                <a:latin typeface="Courier New" panose="02070309020205020404" pitchFamily="49" charset="0"/>
-                <a:cs typeface="Courier New" panose="02070309020205020404" pitchFamily="49" charset="0"/>
-              </a:rPr>
-              <a:t>			if(students[</a:t>
-            </a:r>
-            <a:r>
-              <a:rPr lang="en-US" sz="1800" dirty="0" err="1">
-                <a:latin typeface="Courier New" panose="02070309020205020404" pitchFamily="49" charset="0"/>
-                <a:cs typeface="Courier New" panose="02070309020205020404" pitchFamily="49" charset="0"/>
-              </a:rPr>
-              <a:t>i</a:t>
-            </a:r>
-            <a:r>
-              <a:rPr lang="en-US" sz="1800" dirty="0">
-                <a:latin typeface="Courier New" panose="02070309020205020404" pitchFamily="49" charset="0"/>
-                <a:cs typeface="Courier New" panose="02070309020205020404" pitchFamily="49" charset="0"/>
-              </a:rPr>
-              <a:t>][</a:t>
-            </a:r>
-            <a:r>
-              <a:rPr lang="en-US" sz="1800" dirty="0" err="1">
-                <a:latin typeface="Courier New" panose="02070309020205020404" pitchFamily="49" charset="0"/>
-                <a:cs typeface="Courier New" panose="02070309020205020404" pitchFamily="49" charset="0"/>
-              </a:rPr>
-              <a:t>i</a:t>
-            </a:r>
-            <a:r>
-              <a:rPr lang="en-US" sz="1800" dirty="0">
-                <a:latin typeface="Courier New" panose="02070309020205020404" pitchFamily="49" charset="0"/>
-                <a:cs typeface="Courier New" panose="02070309020205020404" pitchFamily="49" charset="0"/>
-              </a:rPr>
-              <a:t>].</a:t>
+              <a:t>			if(students[row][col].</a:t>
             </a:r>
             <a:r>
               <a:rPr lang="en-US" sz="1800" dirty="0" err="1">
@@ -23774,7 +24134,7 @@
     </p:spTree>
     <p:extLst>
       <p:ext uri="{BB962C8B-B14F-4D97-AF65-F5344CB8AC3E}">
-        <p14:creationId xmlns:p14="http://schemas.microsoft.com/office/powerpoint/2010/main" val="775703315"/>
+        <p14:creationId xmlns:p14="http://schemas.microsoft.com/office/powerpoint/2010/main" val="74938920"/>
       </p:ext>
     </p:extLst>
   </p:cSld>
@@ -23829,7 +24189,7 @@
           <a:p>
             <a:r>
               <a:rPr lang="en-US" dirty="0"/>
-              <a:t>Minor Diagonal  Traversal</a:t>
+              <a:t>Major Diagonal  Traversal</a:t>
             </a:r>
           </a:p>
         </p:txBody>
@@ -23857,9 +24217,7 @@
           </a:xfrm>
         </p:spPr>
         <p:txBody>
-          <a:bodyPr>
-            <a:normAutofit lnSpcReduction="10000"/>
-          </a:bodyPr>
+          <a:bodyPr/>
           <a:lstStyle/>
           <a:p>
             <a:pPr marL="0" indent="0">
@@ -23875,7 +24233,7 @@
                   <a:srgbClr val="FF0000"/>
                 </a:solidFill>
               </a:rPr>
-              <a:t>minor diagonal</a:t>
+              <a:t>major diagonal</a:t>
             </a:r>
             <a:r>
               <a:rPr lang="en-US" dirty="0"/>
@@ -23965,13 +24323,41 @@
                 <a:latin typeface="Courier New" panose="02070309020205020404" pitchFamily="49" charset="0"/>
                 <a:cs typeface="Courier New" panose="02070309020205020404" pitchFamily="49" charset="0"/>
               </a:rPr>
-              <a:t>		int dim = </a:t>
+              <a:t>		for(int </a:t>
             </a:r>
             <a:r>
               <a:rPr lang="en-US" sz="1800" dirty="0" err="1">
                 <a:latin typeface="Courier New" panose="02070309020205020404" pitchFamily="49" charset="0"/>
                 <a:cs typeface="Courier New" panose="02070309020205020404" pitchFamily="49" charset="0"/>
               </a:rPr>
+              <a:t>i</a:t>
+            </a:r>
+            <a:r>
+              <a:rPr lang="en-US" sz="1800" dirty="0">
+                <a:latin typeface="Courier New" panose="02070309020205020404" pitchFamily="49" charset="0"/>
+                <a:cs typeface="Courier New" panose="02070309020205020404" pitchFamily="49" charset="0"/>
+              </a:rPr>
+              <a:t> = 0; </a:t>
+            </a:r>
+            <a:r>
+              <a:rPr lang="en-US" sz="1800" dirty="0" err="1">
+                <a:latin typeface="Courier New" panose="02070309020205020404" pitchFamily="49" charset="0"/>
+                <a:cs typeface="Courier New" panose="02070309020205020404" pitchFamily="49" charset="0"/>
+              </a:rPr>
+              <a:t>i</a:t>
+            </a:r>
+            <a:r>
+              <a:rPr lang="en-US" sz="1800" dirty="0">
+                <a:latin typeface="Courier New" panose="02070309020205020404" pitchFamily="49" charset="0"/>
+                <a:cs typeface="Courier New" panose="02070309020205020404" pitchFamily="49" charset="0"/>
+              </a:rPr>
+              <a:t> &lt; </a:t>
+            </a:r>
+            <a:r>
+              <a:rPr lang="en-US" sz="1800" dirty="0" err="1">
+                <a:latin typeface="Courier New" panose="02070309020205020404" pitchFamily="49" charset="0"/>
+                <a:cs typeface="Courier New" panose="02070309020205020404" pitchFamily="49" charset="0"/>
+              </a:rPr>
               <a:t>students.length</a:t>
             </a:r>
             <a:r>
@@ -23979,19 +24365,33 @@
                 <a:latin typeface="Courier New" panose="02070309020205020404" pitchFamily="49" charset="0"/>
                 <a:cs typeface="Courier New" panose="02070309020205020404" pitchFamily="49" charset="0"/>
               </a:rPr>
-              <a:t>;</a:t>
-            </a:r>
-          </a:p>
-          <a:p>
-            <a:pPr marL="0" indent="0">
-              <a:buNone/>
-            </a:pPr>
+              <a:t>; </a:t>
+            </a:r>
+            <a:r>
+              <a:rPr lang="en-US" sz="1800" dirty="0" err="1">
+                <a:latin typeface="Courier New" panose="02070309020205020404" pitchFamily="49" charset="0"/>
+                <a:cs typeface="Courier New" panose="02070309020205020404" pitchFamily="49" charset="0"/>
+              </a:rPr>
+              <a:t>i</a:t>
+            </a:r>
             <a:r>
               <a:rPr lang="en-US" sz="1800" dirty="0">
                 <a:latin typeface="Courier New" panose="02070309020205020404" pitchFamily="49" charset="0"/>
                 <a:cs typeface="Courier New" panose="02070309020205020404" pitchFamily="49" charset="0"/>
               </a:rPr>
-              <a:t>		for(int </a:t>
+              <a:t>++){</a:t>
+            </a:r>
+          </a:p>
+          <a:p>
+            <a:pPr marL="0" indent="0">
+              <a:buNone/>
+            </a:pPr>
+            <a:r>
+              <a:rPr lang="en-US" sz="1800" dirty="0">
+                <a:latin typeface="Courier New" panose="02070309020205020404" pitchFamily="49" charset="0"/>
+                <a:cs typeface="Courier New" panose="02070309020205020404" pitchFamily="49" charset="0"/>
+              </a:rPr>
+              <a:t>			if(students[</a:t>
             </a:r>
             <a:r>
               <a:rPr lang="en-US" sz="1800" dirty="0" err="1">
@@ -24005,61 +24405,7 @@
                 <a:latin typeface="Courier New" panose="02070309020205020404" pitchFamily="49" charset="0"/>
                 <a:cs typeface="Courier New" panose="02070309020205020404" pitchFamily="49" charset="0"/>
               </a:rPr>
-              <a:t> = 0; </a:t>
-            </a:r>
-            <a:r>
-              <a:rPr lang="en-US" sz="1800" dirty="0" err="1">
-                <a:latin typeface="Courier New" panose="02070309020205020404" pitchFamily="49" charset="0"/>
-                <a:cs typeface="Courier New" panose="02070309020205020404" pitchFamily="49" charset="0"/>
-              </a:rPr>
-              <a:t>i</a:t>
-            </a:r>
-            <a:r>
-              <a:rPr lang="en-US" sz="1800" dirty="0">
-                <a:latin typeface="Courier New" panose="02070309020205020404" pitchFamily="49" charset="0"/>
-                <a:cs typeface="Courier New" panose="02070309020205020404" pitchFamily="49" charset="0"/>
-              </a:rPr>
-              <a:t> &lt; dim; </a:t>
-            </a:r>
-            <a:r>
-              <a:rPr lang="en-US" sz="1800" dirty="0" err="1">
-                <a:latin typeface="Courier New" panose="02070309020205020404" pitchFamily="49" charset="0"/>
-                <a:cs typeface="Courier New" panose="02070309020205020404" pitchFamily="49" charset="0"/>
-              </a:rPr>
-              <a:t>i</a:t>
-            </a:r>
-            <a:r>
-              <a:rPr lang="en-US" sz="1800" dirty="0">
-                <a:latin typeface="Courier New" panose="02070309020205020404" pitchFamily="49" charset="0"/>
-                <a:cs typeface="Courier New" panose="02070309020205020404" pitchFamily="49" charset="0"/>
-              </a:rPr>
-              <a:t>++){</a:t>
-            </a:r>
-          </a:p>
-          <a:p>
-            <a:pPr marL="0" indent="0">
-              <a:buNone/>
-            </a:pPr>
-            <a:r>
-              <a:rPr lang="en-US" sz="1800" dirty="0">
-                <a:latin typeface="Courier New" panose="02070309020205020404" pitchFamily="49" charset="0"/>
-                <a:cs typeface="Courier New" panose="02070309020205020404" pitchFamily="49" charset="0"/>
-              </a:rPr>
-              <a:t>			if(students[</a:t>
-            </a:r>
-            <a:r>
-              <a:rPr lang="en-US" sz="1800" dirty="0" err="1">
-                <a:latin typeface="Courier New" panose="02070309020205020404" pitchFamily="49" charset="0"/>
-                <a:cs typeface="Courier New" panose="02070309020205020404" pitchFamily="49" charset="0"/>
-              </a:rPr>
-              <a:t>i</a:t>
-            </a:r>
-            <a:r>
-              <a:rPr lang="en-US" sz="1800" dirty="0">
-                <a:latin typeface="Courier New" panose="02070309020205020404" pitchFamily="49" charset="0"/>
-                <a:cs typeface="Courier New" panose="02070309020205020404" pitchFamily="49" charset="0"/>
-              </a:rPr>
-              <a:t>][dim – 1 - </a:t>
+              <a:t>][</a:t>
             </a:r>
             <a:r>
               <a:rPr lang="en-US" sz="1800" dirty="0" err="1">
@@ -24143,7 +24489,7 @@
     </p:spTree>
     <p:extLst>
       <p:ext uri="{BB962C8B-B14F-4D97-AF65-F5344CB8AC3E}">
-        <p14:creationId xmlns:p14="http://schemas.microsoft.com/office/powerpoint/2010/main" val="2649014935"/>
+        <p14:creationId xmlns:p14="http://schemas.microsoft.com/office/powerpoint/2010/main" val="775703315"/>
       </p:ext>
     </p:extLst>
   </p:cSld>
@@ -24198,6 +24544,375 @@
           <a:p>
             <a:r>
               <a:rPr lang="en-US" dirty="0"/>
+              <a:t>Minor Diagonal  Traversal</a:t>
+            </a:r>
+          </a:p>
+        </p:txBody>
+      </p:sp>
+      <p:sp>
+        <p:nvSpPr>
+          <p:cNvPr id="3" name="Content Placeholder 2">
+            <a:extLst>
+              <a:ext uri="{FF2B5EF4-FFF2-40B4-BE49-F238E27FC236}">
+                <a16:creationId xmlns:a16="http://schemas.microsoft.com/office/drawing/2014/main" id="{CE6BD10B-9D13-604D-9877-97B355109287}"/>
+              </a:ext>
+            </a:extLst>
+          </p:cNvPr>
+          <p:cNvSpPr>
+            <a:spLocks noGrp="1"/>
+          </p:cNvSpPr>
+          <p:nvPr>
+            <p:ph idx="1"/>
+          </p:nvPr>
+        </p:nvSpPr>
+        <p:spPr>
+          <a:xfrm>
+            <a:off x="167177" y="716696"/>
+            <a:ext cx="8976822" cy="4795341"/>
+          </a:xfrm>
+        </p:spPr>
+        <p:txBody>
+          <a:bodyPr>
+            <a:normAutofit lnSpcReduction="10000"/>
+          </a:bodyPr>
+          <a:lstStyle/>
+          <a:p>
+            <a:pPr marL="0" indent="0">
+              <a:buNone/>
+            </a:pPr>
+            <a:r>
+              <a:rPr lang="en-US" dirty="0"/>
+              <a:t>Example :  Count the number of Students objects whose GPA is above threshold along the </a:t>
+            </a:r>
+            <a:r>
+              <a:rPr lang="en-US" dirty="0">
+                <a:solidFill>
+                  <a:srgbClr val="FF0000"/>
+                </a:solidFill>
+              </a:rPr>
+              <a:t>minor diagonal</a:t>
+            </a:r>
+            <a:r>
+              <a:rPr lang="en-US" dirty="0"/>
+              <a:t>.  Assume 2D array is square. </a:t>
+            </a:r>
+          </a:p>
+          <a:p>
+            <a:pPr marL="0" indent="0">
+              <a:buNone/>
+            </a:pPr>
+            <a:r>
+              <a:rPr lang="en-US" sz="1800" dirty="0">
+                <a:latin typeface="Courier New" panose="02070309020205020404" pitchFamily="49" charset="0"/>
+                <a:cs typeface="Courier New" panose="02070309020205020404" pitchFamily="49" charset="0"/>
+              </a:rPr>
+              <a:t>public class Course{</a:t>
+            </a:r>
+          </a:p>
+          <a:p>
+            <a:pPr marL="0" indent="0">
+              <a:buNone/>
+            </a:pPr>
+            <a:r>
+              <a:rPr lang="en-US" sz="1800" dirty="0">
+                <a:latin typeface="Courier New" panose="02070309020205020404" pitchFamily="49" charset="0"/>
+                <a:cs typeface="Courier New" panose="02070309020205020404" pitchFamily="49" charset="0"/>
+              </a:rPr>
+              <a:t>	Student[][] students;</a:t>
+            </a:r>
+          </a:p>
+          <a:p>
+            <a:pPr marL="0" indent="0">
+              <a:buNone/>
+            </a:pPr>
+            <a:r>
+              <a:rPr lang="en-US" sz="1800" dirty="0">
+                <a:latin typeface="Courier New" panose="02070309020205020404" pitchFamily="49" charset="0"/>
+                <a:cs typeface="Courier New" panose="02070309020205020404" pitchFamily="49" charset="0"/>
+              </a:rPr>
+              <a:t>	// constructors not shown</a:t>
+            </a:r>
+          </a:p>
+          <a:p>
+            <a:pPr marL="0" indent="0">
+              <a:buNone/>
+            </a:pPr>
+            <a:r>
+              <a:rPr lang="en-US" sz="1800" dirty="0">
+                <a:latin typeface="Courier New" panose="02070309020205020404" pitchFamily="49" charset="0"/>
+                <a:cs typeface="Courier New" panose="02070309020205020404" pitchFamily="49" charset="0"/>
+              </a:rPr>
+              <a:t>	public int </a:t>
+            </a:r>
+            <a:r>
+              <a:rPr lang="en-US" sz="1800" dirty="0" err="1">
+                <a:latin typeface="Courier New" panose="02070309020205020404" pitchFamily="49" charset="0"/>
+                <a:cs typeface="Courier New" panose="02070309020205020404" pitchFamily="49" charset="0"/>
+              </a:rPr>
+              <a:t>aboveThreshold</a:t>
+            </a:r>
+            <a:r>
+              <a:rPr lang="en-US" sz="1800" dirty="0">
+                <a:latin typeface="Courier New" panose="02070309020205020404" pitchFamily="49" charset="0"/>
+                <a:cs typeface="Courier New" panose="02070309020205020404" pitchFamily="49" charset="0"/>
+              </a:rPr>
+              <a:t>(double threshold){</a:t>
+            </a:r>
+          </a:p>
+          <a:p>
+            <a:pPr marL="0" indent="0">
+              <a:buNone/>
+            </a:pPr>
+            <a:r>
+              <a:rPr lang="en-US" sz="1800" dirty="0">
+                <a:latin typeface="Courier New" panose="02070309020205020404" pitchFamily="49" charset="0"/>
+                <a:cs typeface="Courier New" panose="02070309020205020404" pitchFamily="49" charset="0"/>
+              </a:rPr>
+              <a:t>		int count = 0; </a:t>
+            </a:r>
+          </a:p>
+          <a:p>
+            <a:pPr marL="0" indent="0">
+              <a:buNone/>
+            </a:pPr>
+            <a:r>
+              <a:rPr lang="en-US" sz="1800" dirty="0">
+                <a:latin typeface="Courier New" panose="02070309020205020404" pitchFamily="49" charset="0"/>
+                <a:cs typeface="Courier New" panose="02070309020205020404" pitchFamily="49" charset="0"/>
+              </a:rPr>
+              <a:t>		int dim = </a:t>
+            </a:r>
+            <a:r>
+              <a:rPr lang="en-US" sz="1800" dirty="0" err="1">
+                <a:latin typeface="Courier New" panose="02070309020205020404" pitchFamily="49" charset="0"/>
+                <a:cs typeface="Courier New" panose="02070309020205020404" pitchFamily="49" charset="0"/>
+              </a:rPr>
+              <a:t>students.length</a:t>
+            </a:r>
+            <a:r>
+              <a:rPr lang="en-US" sz="1800" dirty="0">
+                <a:latin typeface="Courier New" panose="02070309020205020404" pitchFamily="49" charset="0"/>
+                <a:cs typeface="Courier New" panose="02070309020205020404" pitchFamily="49" charset="0"/>
+              </a:rPr>
+              <a:t>;</a:t>
+            </a:r>
+          </a:p>
+          <a:p>
+            <a:pPr marL="0" indent="0">
+              <a:buNone/>
+            </a:pPr>
+            <a:r>
+              <a:rPr lang="en-US" sz="1800" dirty="0">
+                <a:latin typeface="Courier New" panose="02070309020205020404" pitchFamily="49" charset="0"/>
+                <a:cs typeface="Courier New" panose="02070309020205020404" pitchFamily="49" charset="0"/>
+              </a:rPr>
+              <a:t>		for(int </a:t>
+            </a:r>
+            <a:r>
+              <a:rPr lang="en-US" sz="1800" dirty="0" err="1">
+                <a:latin typeface="Courier New" panose="02070309020205020404" pitchFamily="49" charset="0"/>
+                <a:cs typeface="Courier New" panose="02070309020205020404" pitchFamily="49" charset="0"/>
+              </a:rPr>
+              <a:t>i</a:t>
+            </a:r>
+            <a:r>
+              <a:rPr lang="en-US" sz="1800" dirty="0">
+                <a:latin typeface="Courier New" panose="02070309020205020404" pitchFamily="49" charset="0"/>
+                <a:cs typeface="Courier New" panose="02070309020205020404" pitchFamily="49" charset="0"/>
+              </a:rPr>
+              <a:t> = 0; </a:t>
+            </a:r>
+            <a:r>
+              <a:rPr lang="en-US" sz="1800" dirty="0" err="1">
+                <a:latin typeface="Courier New" panose="02070309020205020404" pitchFamily="49" charset="0"/>
+                <a:cs typeface="Courier New" panose="02070309020205020404" pitchFamily="49" charset="0"/>
+              </a:rPr>
+              <a:t>i</a:t>
+            </a:r>
+            <a:r>
+              <a:rPr lang="en-US" sz="1800" dirty="0">
+                <a:latin typeface="Courier New" panose="02070309020205020404" pitchFamily="49" charset="0"/>
+                <a:cs typeface="Courier New" panose="02070309020205020404" pitchFamily="49" charset="0"/>
+              </a:rPr>
+              <a:t> &lt; dim; </a:t>
+            </a:r>
+            <a:r>
+              <a:rPr lang="en-US" sz="1800" dirty="0" err="1">
+                <a:latin typeface="Courier New" panose="02070309020205020404" pitchFamily="49" charset="0"/>
+                <a:cs typeface="Courier New" panose="02070309020205020404" pitchFamily="49" charset="0"/>
+              </a:rPr>
+              <a:t>i</a:t>
+            </a:r>
+            <a:r>
+              <a:rPr lang="en-US" sz="1800" dirty="0">
+                <a:latin typeface="Courier New" panose="02070309020205020404" pitchFamily="49" charset="0"/>
+                <a:cs typeface="Courier New" panose="02070309020205020404" pitchFamily="49" charset="0"/>
+              </a:rPr>
+              <a:t>++){</a:t>
+            </a:r>
+          </a:p>
+          <a:p>
+            <a:pPr marL="0" indent="0">
+              <a:buNone/>
+            </a:pPr>
+            <a:r>
+              <a:rPr lang="en-US" sz="1800" dirty="0">
+                <a:latin typeface="Courier New" panose="02070309020205020404" pitchFamily="49" charset="0"/>
+                <a:cs typeface="Courier New" panose="02070309020205020404" pitchFamily="49" charset="0"/>
+              </a:rPr>
+              <a:t>			if(students[</a:t>
+            </a:r>
+            <a:r>
+              <a:rPr lang="en-US" sz="1800" dirty="0" err="1">
+                <a:latin typeface="Courier New" panose="02070309020205020404" pitchFamily="49" charset="0"/>
+                <a:cs typeface="Courier New" panose="02070309020205020404" pitchFamily="49" charset="0"/>
+              </a:rPr>
+              <a:t>i</a:t>
+            </a:r>
+            <a:r>
+              <a:rPr lang="en-US" sz="1800" dirty="0">
+                <a:latin typeface="Courier New" panose="02070309020205020404" pitchFamily="49" charset="0"/>
+                <a:cs typeface="Courier New" panose="02070309020205020404" pitchFamily="49" charset="0"/>
+              </a:rPr>
+              <a:t>][dim – 1 - </a:t>
+            </a:r>
+            <a:r>
+              <a:rPr lang="en-US" sz="1800" dirty="0" err="1">
+                <a:latin typeface="Courier New" panose="02070309020205020404" pitchFamily="49" charset="0"/>
+                <a:cs typeface="Courier New" panose="02070309020205020404" pitchFamily="49" charset="0"/>
+              </a:rPr>
+              <a:t>i</a:t>
+            </a:r>
+            <a:r>
+              <a:rPr lang="en-US" sz="1800" dirty="0">
+                <a:latin typeface="Courier New" panose="02070309020205020404" pitchFamily="49" charset="0"/>
+                <a:cs typeface="Courier New" panose="02070309020205020404" pitchFamily="49" charset="0"/>
+              </a:rPr>
+              <a:t>].</a:t>
+            </a:r>
+            <a:r>
+              <a:rPr lang="en-US" sz="1800" dirty="0" err="1">
+                <a:latin typeface="Courier New" panose="02070309020205020404" pitchFamily="49" charset="0"/>
+                <a:cs typeface="Courier New" panose="02070309020205020404" pitchFamily="49" charset="0"/>
+              </a:rPr>
+              <a:t>getGpa</a:t>
+            </a:r>
+            <a:r>
+              <a:rPr lang="en-US" sz="1800" dirty="0">
+                <a:latin typeface="Courier New" panose="02070309020205020404" pitchFamily="49" charset="0"/>
+                <a:cs typeface="Courier New" panose="02070309020205020404" pitchFamily="49" charset="0"/>
+              </a:rPr>
+              <a:t>() &gt; threshold)</a:t>
+            </a:r>
+          </a:p>
+          <a:p>
+            <a:pPr marL="0" indent="0">
+              <a:buNone/>
+            </a:pPr>
+            <a:r>
+              <a:rPr lang="en-US" sz="1800" dirty="0">
+                <a:latin typeface="Courier New" panose="02070309020205020404" pitchFamily="49" charset="0"/>
+                <a:cs typeface="Courier New" panose="02070309020205020404" pitchFamily="49" charset="0"/>
+              </a:rPr>
+              <a:t>				count++;</a:t>
+            </a:r>
+          </a:p>
+          <a:p>
+            <a:pPr marL="0" indent="0">
+              <a:buNone/>
+            </a:pPr>
+            <a:r>
+              <a:rPr lang="en-US" sz="1800" dirty="0">
+                <a:latin typeface="Courier New" panose="02070309020205020404" pitchFamily="49" charset="0"/>
+                <a:cs typeface="Courier New" panose="02070309020205020404" pitchFamily="49" charset="0"/>
+              </a:rPr>
+              <a:t>		}</a:t>
+            </a:r>
+          </a:p>
+          <a:p>
+            <a:pPr marL="0" indent="0">
+              <a:buNone/>
+            </a:pPr>
+            <a:r>
+              <a:rPr lang="en-US" sz="1800" dirty="0">
+                <a:latin typeface="Courier New" panose="02070309020205020404" pitchFamily="49" charset="0"/>
+                <a:cs typeface="Courier New" panose="02070309020205020404" pitchFamily="49" charset="0"/>
+              </a:rPr>
+              <a:t>		return count;</a:t>
+            </a:r>
+          </a:p>
+          <a:p>
+            <a:pPr marL="0" indent="0">
+              <a:buNone/>
+            </a:pPr>
+            <a:r>
+              <a:rPr lang="en-US" sz="1800" dirty="0">
+                <a:latin typeface="Courier New" panose="02070309020205020404" pitchFamily="49" charset="0"/>
+                <a:cs typeface="Courier New" panose="02070309020205020404" pitchFamily="49" charset="0"/>
+              </a:rPr>
+              <a:t>	}</a:t>
+            </a:r>
+          </a:p>
+        </p:txBody>
+      </p:sp>
+    </p:spTree>
+    <p:extLst>
+      <p:ext uri="{BB962C8B-B14F-4D97-AF65-F5344CB8AC3E}">
+        <p14:creationId xmlns:p14="http://schemas.microsoft.com/office/powerpoint/2010/main" val="2649014935"/>
+      </p:ext>
+    </p:extLst>
+  </p:cSld>
+  <p:clrMapOvr>
+    <a:masterClrMapping/>
+  </p:clrMapOvr>
+</p:sld>
+</file>
+
+<file path=ppt/slides/slide45.xml><?xml version="1.0" encoding="utf-8"?>
+<p:sld xmlns:a="http://schemas.openxmlformats.org/drawingml/2006/main" xmlns:r="http://schemas.openxmlformats.org/officeDocument/2006/relationships" xmlns:p="http://schemas.openxmlformats.org/presentationml/2006/main">
+  <p:cSld>
+    <p:spTree>
+      <p:nvGrpSpPr>
+        <p:cNvPr id="1" name=""/>
+        <p:cNvGrpSpPr/>
+        <p:nvPr/>
+      </p:nvGrpSpPr>
+      <p:grpSpPr>
+        <a:xfrm>
+          <a:off x="0" y="0"/>
+          <a:ext cx="0" cy="0"/>
+          <a:chOff x="0" y="0"/>
+          <a:chExt cx="0" cy="0"/>
+        </a:xfrm>
+      </p:grpSpPr>
+      <p:sp>
+        <p:nvSpPr>
+          <p:cNvPr id="2" name="Title 1">
+            <a:extLst>
+              <a:ext uri="{FF2B5EF4-FFF2-40B4-BE49-F238E27FC236}">
+                <a16:creationId xmlns:a16="http://schemas.microsoft.com/office/drawing/2014/main" id="{BC6F9511-CB58-AC49-AD98-860912780FFE}"/>
+              </a:ext>
+            </a:extLst>
+          </p:cNvPr>
+          <p:cNvSpPr>
+            <a:spLocks noGrp="1"/>
+          </p:cNvSpPr>
+          <p:nvPr>
+            <p:ph type="title"/>
+          </p:nvPr>
+        </p:nvSpPr>
+        <p:spPr>
+          <a:xfrm>
+            <a:off x="167177" y="128185"/>
+            <a:ext cx="7886700" cy="588511"/>
+          </a:xfrm>
+        </p:spPr>
+        <p:txBody>
+          <a:bodyPr/>
+          <a:lstStyle/>
+          <a:p>
+            <a:r>
+              <a:rPr lang="en-US" dirty="0"/>
               <a:t>Question 4</a:t>
             </a:r>
           </a:p>
@@ -24305,7 +25020,7 @@
           <p:cNvPr id="2" name="Title 1">
             <a:extLst>
               <a:ext uri="{FF2B5EF4-FFF2-40B4-BE49-F238E27FC236}">
-                <a16:creationId xmlns:a16="http://schemas.microsoft.com/office/drawing/2014/main" id="{AA3A228F-61D0-D949-A5E7-F83756230BF8}"/>
+                <a16:creationId xmlns:a16="http://schemas.microsoft.com/office/drawing/2014/main" id="{336CA5FD-BC21-BE48-85C3-49E7B9CD3613}"/>
               </a:ext>
             </a:extLst>
           </p:cNvPr>
@@ -24318,8 +25033,8 @@
         </p:nvSpPr>
         <p:spPr>
           <a:xfrm>
-            <a:off x="321478" y="146145"/>
-            <a:ext cx="7053542" cy="683886"/>
+            <a:off x="176366" y="207206"/>
+            <a:ext cx="7886700" cy="720649"/>
           </a:xfrm>
         </p:spPr>
         <p:txBody>
@@ -24328,17 +25043,17 @@
           <a:p>
             <a:r>
               <a:rPr lang="en-US" dirty="0"/>
-              <a:t>Strings</a:t>
+              <a:t>General Scoring</a:t>
             </a:r>
           </a:p>
         </p:txBody>
       </p:sp>
       <p:sp>
         <p:nvSpPr>
-          <p:cNvPr id="9" name="Content Placeholder 8">
+          <p:cNvPr id="3" name="Content Placeholder 2">
             <a:extLst>
               <a:ext uri="{FF2B5EF4-FFF2-40B4-BE49-F238E27FC236}">
-                <a16:creationId xmlns:a16="http://schemas.microsoft.com/office/drawing/2014/main" id="{E3B2E017-30B2-884B-A113-B419A2ED51AD}"/>
+                <a16:creationId xmlns:a16="http://schemas.microsoft.com/office/drawing/2014/main" id="{253D8156-5F46-4246-9D56-D51881AA7D5F}"/>
               </a:ext>
             </a:extLst>
           </p:cNvPr>
@@ -24351,338 +25066,266 @@
         </p:nvSpPr>
         <p:spPr>
           <a:xfrm>
-            <a:off x="483848" y="905861"/>
-            <a:ext cx="8051725" cy="4685642"/>
+            <a:off x="176367" y="1052052"/>
+            <a:ext cx="8338984" cy="4095417"/>
           </a:xfrm>
         </p:spPr>
         <p:txBody>
-          <a:bodyPr>
-            <a:noAutofit/>
-          </a:bodyPr>
+          <a:bodyPr/>
           <a:lstStyle/>
           <a:p>
             <a:pPr marL="0" indent="0">
               <a:buNone/>
             </a:pPr>
-            <a:endParaRPr lang="en-US" sz="2000" dirty="0">
-              <a:latin typeface="Gill Sans MT" panose="020B0502020104020203" pitchFamily="34" charset="77"/>
-            </a:endParaRPr>
-          </a:p>
-          <a:p>
-            <a:pPr marL="0" indent="0">
-              <a:buNone/>
-            </a:pPr>
-            <a:r>
-              <a:rPr lang="en-US" sz="2000" dirty="0">
-                <a:latin typeface="Gill Sans MT" panose="020B0502020104020203" pitchFamily="34" charset="77"/>
-              </a:rPr>
-              <a:t>Strings and String methods have shown up every year. Likely it will show up on this year's AP Exam. </a:t>
-            </a:r>
-          </a:p>
-          <a:p>
-            <a:pPr marL="0" indent="0">
-              <a:buNone/>
-            </a:pPr>
-            <a:endParaRPr lang="en-US" sz="2000" dirty="0">
-              <a:latin typeface="Gill Sans MT" panose="020B0502020104020203" pitchFamily="34" charset="77"/>
-            </a:endParaRPr>
-          </a:p>
-          <a:p>
-            <a:pPr marL="0" indent="0">
-              <a:buNone/>
-            </a:pPr>
-            <a:r>
-              <a:rPr lang="en-US" sz="2000" dirty="0">
-                <a:latin typeface="Gill Sans MT" panose="020B0502020104020203" pitchFamily="34" charset="77"/>
-              </a:rPr>
-              <a:t>You may have to work with 1D array or </a:t>
-            </a:r>
-            <a:r>
-              <a:rPr lang="en-US" sz="2000" dirty="0" err="1">
-                <a:latin typeface="Gill Sans MT" panose="020B0502020104020203" pitchFamily="34" charset="77"/>
-              </a:rPr>
-              <a:t>ArrayList</a:t>
-            </a:r>
-            <a:r>
-              <a:rPr lang="en-US" sz="2000" dirty="0">
-                <a:latin typeface="Gill Sans MT" panose="020B0502020104020203" pitchFamily="34" charset="77"/>
-              </a:rPr>
-              <a:t> of Strings. </a:t>
-            </a:r>
-          </a:p>
-          <a:p>
-            <a:pPr marL="0" indent="0">
-              <a:buNone/>
-            </a:pPr>
-            <a:endParaRPr lang="en-US" sz="2000" dirty="0">
-              <a:latin typeface="Gill Sans MT" panose="020B0502020104020203" pitchFamily="34" charset="77"/>
-            </a:endParaRPr>
-          </a:p>
-          <a:p>
-            <a:pPr marL="0" indent="0">
-              <a:buNone/>
-            </a:pPr>
-            <a:r>
-              <a:rPr lang="en-US" sz="2000" dirty="0">
-                <a:latin typeface="Gill Sans MT" panose="020B0502020104020203" pitchFamily="34" charset="77"/>
-              </a:rPr>
-              <a:t>You should know how to use </a:t>
-            </a:r>
-            <a:r>
-              <a:rPr lang="en-US" sz="2000" b="1" dirty="0">
-                <a:latin typeface="Gill Sans MT" panose="020B0502020104020203" pitchFamily="34" charset="77"/>
-              </a:rPr>
-              <a:t>substring(int beg, int end), substring(int beg), </a:t>
-            </a:r>
-            <a:r>
-              <a:rPr lang="en-US" sz="2000" b="1" dirty="0" err="1">
-                <a:latin typeface="Gill Sans MT" panose="020B0502020104020203" pitchFamily="34" charset="77"/>
-              </a:rPr>
-              <a:t>indexOf</a:t>
-            </a:r>
-            <a:r>
-              <a:rPr lang="en-US" sz="2000" b="1" dirty="0">
-                <a:latin typeface="Gill Sans MT" panose="020B0502020104020203" pitchFamily="34" charset="77"/>
-              </a:rPr>
-              <a:t>, equals, length and </a:t>
-            </a:r>
-            <a:r>
-              <a:rPr lang="en-US" sz="2000" b="1" dirty="0" err="1">
-                <a:latin typeface="Gill Sans MT" panose="020B0502020104020203" pitchFamily="34" charset="77"/>
-              </a:rPr>
-              <a:t>compareTo</a:t>
-            </a:r>
-            <a:r>
-              <a:rPr lang="en-US" sz="2000" b="1" dirty="0">
-                <a:latin typeface="Gill Sans MT" panose="020B0502020104020203" pitchFamily="34" charset="77"/>
-              </a:rPr>
-              <a:t> </a:t>
-            </a:r>
-            <a:r>
-              <a:rPr lang="en-US" sz="2000" dirty="0">
-                <a:latin typeface="Gill Sans MT" panose="020B0502020104020203" pitchFamily="34" charset="77"/>
-              </a:rPr>
-              <a:t>methods. See the College Board reference sheet.</a:t>
-            </a:r>
-          </a:p>
-        </p:txBody>
-      </p:sp>
-      <p:sp>
-        <p:nvSpPr>
-          <p:cNvPr id="4" name="Rectangle 1">
-            <a:extLst>
-              <a:ext uri="{FF2B5EF4-FFF2-40B4-BE49-F238E27FC236}">
-                <a16:creationId xmlns:a16="http://schemas.microsoft.com/office/drawing/2014/main" id="{E4C2513D-E995-A04E-A172-34C85E0E5926}"/>
-              </a:ext>
-            </a:extLst>
-          </p:cNvPr>
-          <p:cNvSpPr>
-            <a:spLocks noChangeArrowheads="1"/>
-          </p:cNvSpPr>
-          <p:nvPr/>
-        </p:nvSpPr>
-        <p:spPr bwMode="auto">
-          <a:xfrm>
-            <a:off x="1135063" y="2601913"/>
-            <a:ext cx="9144000" cy="0"/>
-          </a:xfrm>
-          <a:prstGeom prst="rect">
-            <a:avLst/>
-          </a:prstGeom>
-          <a:noFill/>
-          <a:ln>
-            <a:noFill/>
-          </a:ln>
-          <a:effectLst/>
-          <a:extLst>
-            <a:ext uri="{909E8E84-426E-40DD-AFC4-6F175D3DCCD1}">
-              <a14:hiddenFill xmlns:a14="http://schemas.microsoft.com/office/drawing/2010/main">
-                <a:solidFill>
-                  <a:schemeClr val="accent1"/>
-                </a:solidFill>
-              </a14:hiddenFill>
-            </a:ext>
-            <a:ext uri="{91240B29-F687-4F45-9708-019B960494DF}">
-              <a14:hiddenLine xmlns:a14="http://schemas.microsoft.com/office/drawing/2010/main" w="9525">
-                <a:solidFill>
-                  <a:schemeClr val="tx1"/>
-                </a:solidFill>
-                <a:miter lim="800000"/>
-                <a:headEnd/>
-                <a:tailEnd/>
-              </a14:hiddenLine>
-            </a:ext>
-            <a:ext uri="{AF507438-7753-43E0-B8FC-AC1667EBCBE1}">
-              <a14:hiddenEffects xmlns:a14="http://schemas.microsoft.com/office/drawing/2010/main">
-                <a:effectLst>
-                  <a:outerShdw dist="35921" dir="2700000" algn="ctr" rotWithShape="0">
-                    <a:schemeClr val="bg2"/>
-                  </a:outerShdw>
-                </a:effectLst>
-              </a14:hiddenEffects>
-            </a:ext>
-          </a:extLst>
-        </p:spPr>
-        <p:txBody>
-          <a:bodyPr vert="horz" wrap="none" lIns="91440" tIns="45720" rIns="91440" bIns="45720" numCol="1" anchor="ctr" anchorCtr="0" compatLnSpc="1">
-            <a:prstTxWarp prst="textNoShape">
-              <a:avLst/>
-            </a:prstTxWarp>
-            <a:spAutoFit/>
-          </a:bodyPr>
-          <a:lstStyle/>
-          <a:p>
-            <a:pPr marL="0" marR="0" lvl="0" indent="0" algn="l" defTabSz="914400" rtl="0" eaLnBrk="0" fontAlgn="base" latinLnBrk="0" hangingPunct="0">
-              <a:lnSpc>
-                <a:spcPct val="100000"/>
-              </a:lnSpc>
-              <a:spcBef>
-                <a:spcPct val="0"/>
-              </a:spcBef>
-              <a:spcAft>
-                <a:spcPct val="0"/>
-              </a:spcAft>
-              <a:buClrTx/>
-              <a:buSzTx/>
-              <a:buFontTx/>
-              <a:buNone/>
-              <a:tabLst/>
-            </a:pPr>
-            <a:br>
-              <a:rPr kumimoji="0" lang="en-US" altLang="en-US" sz="1800" b="0" i="0" u="none" strike="noStrike" cap="none" normalizeH="0" baseline="0">
-                <a:ln>
-                  <a:noFill/>
-                </a:ln>
-                <a:solidFill>
-                  <a:schemeClr val="tx1"/>
-                </a:solidFill>
-                <a:effectLst/>
-                <a:latin typeface="Arial" panose="020B0604020202020204" pitchFamily="34" charset="0"/>
-              </a:rPr>
-            </a:br>
-            <a:endParaRPr kumimoji="0" lang="en-US" altLang="en-US" sz="1800" b="0" i="0" u="none" strike="noStrike" cap="none" normalizeH="0" baseline="0">
-              <a:ln>
-                <a:noFill/>
-              </a:ln>
-              <a:solidFill>
-                <a:schemeClr val="tx1"/>
-              </a:solidFill>
-              <a:effectLst/>
-              <a:latin typeface="Arial" panose="020B0604020202020204" pitchFamily="34" charset="0"/>
-            </a:endParaRPr>
-          </a:p>
-        </p:txBody>
-      </p:sp>
-      <p:sp>
-        <p:nvSpPr>
-          <p:cNvPr id="5" name="Rectangle 1">
-            <a:extLst>
-              <a:ext uri="{FF2B5EF4-FFF2-40B4-BE49-F238E27FC236}">
-                <a16:creationId xmlns:a16="http://schemas.microsoft.com/office/drawing/2014/main" id="{818EE4D1-6073-E546-906A-F42281392B24}"/>
-              </a:ext>
-            </a:extLst>
-          </p:cNvPr>
-          <p:cNvSpPr>
-            <a:spLocks noChangeArrowheads="1"/>
-          </p:cNvSpPr>
-          <p:nvPr/>
-        </p:nvSpPr>
-        <p:spPr bwMode="auto">
-          <a:xfrm>
-            <a:off x="628650" y="2527300"/>
-            <a:ext cx="9144000" cy="0"/>
-          </a:xfrm>
-          <a:prstGeom prst="rect">
-            <a:avLst/>
-          </a:prstGeom>
-          <a:noFill/>
-          <a:ln>
-            <a:noFill/>
-          </a:ln>
-          <a:effectLst/>
-          <a:extLst>
-            <a:ext uri="{909E8E84-426E-40DD-AFC4-6F175D3DCCD1}">
-              <a14:hiddenFill xmlns:a14="http://schemas.microsoft.com/office/drawing/2010/main">
-                <a:solidFill>
-                  <a:schemeClr val="accent1"/>
-                </a:solidFill>
-              </a14:hiddenFill>
-            </a:ext>
-            <a:ext uri="{91240B29-F687-4F45-9708-019B960494DF}">
-              <a14:hiddenLine xmlns:a14="http://schemas.microsoft.com/office/drawing/2010/main" w="9525">
-                <a:solidFill>
-                  <a:schemeClr val="tx1"/>
-                </a:solidFill>
-                <a:miter lim="800000"/>
-                <a:headEnd/>
-                <a:tailEnd/>
-              </a14:hiddenLine>
-            </a:ext>
-            <a:ext uri="{AF507438-7753-43E0-B8FC-AC1667EBCBE1}">
-              <a14:hiddenEffects xmlns:a14="http://schemas.microsoft.com/office/drawing/2010/main">
-                <a:effectLst>
-                  <a:outerShdw dist="35921" dir="2700000" algn="ctr" rotWithShape="0">
-                    <a:schemeClr val="bg2"/>
-                  </a:outerShdw>
-                </a:effectLst>
-              </a14:hiddenEffects>
-            </a:ext>
-          </a:extLst>
-        </p:spPr>
-        <p:txBody>
-          <a:bodyPr vert="horz" wrap="none" lIns="91440" tIns="45720" rIns="91440" bIns="45720" numCol="1" anchor="ctr" anchorCtr="0" compatLnSpc="1">
-            <a:prstTxWarp prst="textNoShape">
-              <a:avLst/>
-            </a:prstTxWarp>
-            <a:spAutoFit/>
-          </a:bodyPr>
-          <a:lstStyle/>
-          <a:p>
-            <a:pPr marL="0" marR="0" lvl="0" indent="0" algn="l" defTabSz="914400" rtl="0" eaLnBrk="0" fontAlgn="base" latinLnBrk="0" hangingPunct="0">
-              <a:lnSpc>
-                <a:spcPct val="100000"/>
-              </a:lnSpc>
-              <a:spcBef>
-                <a:spcPct val="0"/>
-              </a:spcBef>
-              <a:spcAft>
-                <a:spcPct val="0"/>
-              </a:spcAft>
-              <a:buClrTx/>
-              <a:buSzTx/>
-              <a:buFontTx/>
-              <a:buNone/>
-              <a:tabLst/>
-            </a:pPr>
-            <a:br>
-              <a:rPr kumimoji="0" lang="en-US" altLang="en-US" sz="1800" b="0" i="0" u="none" strike="noStrike" cap="none" normalizeH="0" baseline="0">
-                <a:ln>
-                  <a:noFill/>
-                </a:ln>
-                <a:solidFill>
-                  <a:schemeClr val="tx1"/>
-                </a:solidFill>
-                <a:effectLst/>
-                <a:latin typeface="Arial" panose="020B0604020202020204" pitchFamily="34" charset="0"/>
-              </a:rPr>
-            </a:br>
-            <a:endParaRPr kumimoji="0" lang="en-US" altLang="en-US" sz="1800" b="0" i="0" u="none" strike="noStrike" cap="none" normalizeH="0" baseline="0">
-              <a:ln>
-                <a:noFill/>
-              </a:ln>
-              <a:solidFill>
-                <a:schemeClr val="tx1"/>
-              </a:solidFill>
-              <a:effectLst/>
-              <a:latin typeface="Arial" panose="020B0604020202020204" pitchFamily="34" charset="0"/>
-            </a:endParaRPr>
+            <a:endParaRPr lang="en-US" dirty="0"/>
+          </a:p>
+          <a:p>
+            <a:pPr marL="0" indent="0">
+              <a:buNone/>
+            </a:pPr>
+            <a:r>
+              <a:rPr lang="en-US" dirty="0"/>
+              <a:t>MCQ Score:  x / 40</a:t>
+            </a:r>
+          </a:p>
+          <a:p>
+            <a:pPr marL="0" indent="0">
+              <a:buNone/>
+            </a:pPr>
+            <a:r>
+              <a:rPr lang="en-US" dirty="0"/>
+              <a:t>FRQ Score:  y / 40</a:t>
+            </a:r>
+          </a:p>
+          <a:p>
+            <a:pPr marL="0" indent="0">
+              <a:buNone/>
+            </a:pPr>
+            <a:r>
+              <a:rPr lang="en-US" dirty="0"/>
+              <a:t>Total Score: (x + y) / 80 </a:t>
+            </a:r>
+          </a:p>
+          <a:p>
+            <a:pPr marL="0" indent="0">
+              <a:buNone/>
+            </a:pPr>
+            <a:endParaRPr lang="en-US" dirty="0"/>
+          </a:p>
+          <a:p>
+            <a:pPr marL="0" indent="0">
+              <a:buNone/>
+            </a:pPr>
+            <a:r>
+              <a:rPr lang="en-US" dirty="0"/>
+              <a:t>AP Score:</a:t>
+            </a:r>
+          </a:p>
+          <a:p>
+            <a:pPr marL="0" indent="0">
+              <a:buNone/>
+            </a:pPr>
+            <a:r>
+              <a:rPr lang="en-US" dirty="0"/>
+              <a:t>5	x + y &gt;= 62 (at least 78%) </a:t>
+            </a:r>
+          </a:p>
+          <a:p>
+            <a:pPr marL="0" indent="0">
+              <a:buNone/>
+            </a:pPr>
+            <a:r>
+              <a:rPr lang="en-US" dirty="0"/>
+              <a:t>4	x + y &gt;= 47 (at least 59%)</a:t>
+            </a:r>
+          </a:p>
+          <a:p>
+            <a:pPr marL="0" indent="0">
+              <a:buNone/>
+            </a:pPr>
+            <a:r>
+              <a:rPr lang="en-US" dirty="0"/>
+              <a:t>3	x + y &gt;= 37 (at least  46%)</a:t>
+            </a:r>
           </a:p>
         </p:txBody>
       </p:sp>
     </p:spTree>
     <p:extLst>
       <p:ext uri="{BB962C8B-B14F-4D97-AF65-F5344CB8AC3E}">
-        <p14:creationId xmlns:p14="http://schemas.microsoft.com/office/powerpoint/2010/main" val="157892284"/>
+        <p14:creationId xmlns:p14="http://schemas.microsoft.com/office/powerpoint/2010/main" val="767340180"/>
+      </p:ext>
+    </p:extLst>
+  </p:cSld>
+  <p:clrMapOvr>
+    <a:masterClrMapping/>
+  </p:clrMapOvr>
+</p:sld>
+</file>
+
+<file path=ppt/slides/slide6.xml><?xml version="1.0" encoding="utf-8"?>
+<p:sld xmlns:a="http://schemas.openxmlformats.org/drawingml/2006/main" xmlns:r="http://schemas.openxmlformats.org/officeDocument/2006/relationships" xmlns:p="http://schemas.openxmlformats.org/presentationml/2006/main">
+  <p:cSld>
+    <p:spTree>
+      <p:nvGrpSpPr>
+        <p:cNvPr id="1" name=""/>
+        <p:cNvGrpSpPr/>
+        <p:nvPr/>
+      </p:nvGrpSpPr>
+      <p:grpSpPr>
+        <a:xfrm>
+          <a:off x="0" y="0"/>
+          <a:ext cx="0" cy="0"/>
+          <a:chOff x="0" y="0"/>
+          <a:chExt cx="0" cy="0"/>
+        </a:xfrm>
+      </p:grpSpPr>
+      <p:sp>
+        <p:nvSpPr>
+          <p:cNvPr id="2" name="Title 1">
+            <a:extLst>
+              <a:ext uri="{FF2B5EF4-FFF2-40B4-BE49-F238E27FC236}">
+                <a16:creationId xmlns:a16="http://schemas.microsoft.com/office/drawing/2014/main" id="{336CA5FD-BC21-BE48-85C3-49E7B9CD3613}"/>
+              </a:ext>
+            </a:extLst>
+          </p:cNvPr>
+          <p:cNvSpPr>
+            <a:spLocks noGrp="1"/>
+          </p:cNvSpPr>
+          <p:nvPr>
+            <p:ph type="title"/>
+          </p:nvPr>
+        </p:nvSpPr>
+        <p:spPr>
+          <a:xfrm>
+            <a:off x="176366" y="207206"/>
+            <a:ext cx="7886700" cy="720649"/>
+          </a:xfrm>
+        </p:spPr>
+        <p:txBody>
+          <a:bodyPr/>
+          <a:lstStyle/>
+          <a:p>
+            <a:r>
+              <a:rPr lang="en-US" dirty="0"/>
+              <a:t>Multiple Choice</a:t>
+            </a:r>
+          </a:p>
+        </p:txBody>
+      </p:sp>
+      <p:sp>
+        <p:nvSpPr>
+          <p:cNvPr id="3" name="Content Placeholder 2">
+            <a:extLst>
+              <a:ext uri="{FF2B5EF4-FFF2-40B4-BE49-F238E27FC236}">
+                <a16:creationId xmlns:a16="http://schemas.microsoft.com/office/drawing/2014/main" id="{253D8156-5F46-4246-9D56-D51881AA7D5F}"/>
+              </a:ext>
+            </a:extLst>
+          </p:cNvPr>
+          <p:cNvSpPr>
+            <a:spLocks noGrp="1"/>
+          </p:cNvSpPr>
+          <p:nvPr>
+            <p:ph idx="1"/>
+          </p:nvPr>
+        </p:nvSpPr>
+        <p:spPr>
+          <a:xfrm>
+            <a:off x="161925" y="825909"/>
+            <a:ext cx="8805709" cy="4758813"/>
+          </a:xfrm>
+        </p:spPr>
+        <p:txBody>
+          <a:bodyPr>
+            <a:normAutofit lnSpcReduction="10000"/>
+          </a:bodyPr>
+          <a:lstStyle/>
+          <a:p>
+            <a:pPr marL="0" indent="0">
+              <a:buNone/>
+            </a:pPr>
+            <a:endParaRPr lang="en-US" dirty="0"/>
+          </a:p>
+          <a:p>
+            <a:pPr marL="0" indent="0">
+              <a:buNone/>
+            </a:pPr>
+            <a:r>
+              <a:rPr lang="en-US" b="1" dirty="0"/>
+              <a:t>Goal: Everyone should be able to get at least 20 out of 40 questions correct. </a:t>
+            </a:r>
+          </a:p>
+          <a:p>
+            <a:pPr marL="0" indent="0">
+              <a:buNone/>
+            </a:pPr>
+            <a:endParaRPr lang="en-US" dirty="0"/>
+          </a:p>
+          <a:p>
+            <a:pPr marL="0" indent="0">
+              <a:buNone/>
+            </a:pPr>
+            <a:r>
+              <a:rPr lang="en-US" dirty="0"/>
+              <a:t>During the first pass through the exam, only spend time on “easy” problems: problems are short and succinct and you know you can get right if you are careful. </a:t>
+            </a:r>
+            <a:r>
+              <a:rPr lang="en-US" dirty="0">
+                <a:solidFill>
+                  <a:srgbClr val="FF0000"/>
+                </a:solidFill>
+              </a:rPr>
+              <a:t>SKIP</a:t>
+            </a:r>
+            <a:r>
+              <a:rPr lang="en-US" dirty="0"/>
+              <a:t> hard or wordy questions that ask about sorting algorithms(merge, selection, insertion) or binary search. </a:t>
+            </a:r>
+          </a:p>
+          <a:p>
+            <a:pPr marL="0" indent="0">
+              <a:buNone/>
+            </a:pPr>
+            <a:endParaRPr lang="en-US" dirty="0"/>
+          </a:p>
+          <a:p>
+            <a:pPr marL="0" indent="0">
+              <a:buNone/>
+            </a:pPr>
+            <a:r>
+              <a:rPr lang="en-US" dirty="0"/>
+              <a:t>During the second pass, spend time on the “medium” questions; questions that you are confident that you can get right but might need a bit more time. </a:t>
+            </a:r>
+          </a:p>
+          <a:p>
+            <a:pPr marL="0" indent="0">
+              <a:buNone/>
+            </a:pPr>
+            <a:endParaRPr lang="en-US" dirty="0"/>
+          </a:p>
+          <a:p>
+            <a:pPr marL="0" indent="0">
+              <a:buNone/>
+            </a:pPr>
+            <a:r>
+              <a:rPr lang="en-US" dirty="0"/>
+              <a:t>Note: For some, strategically it might make sense to </a:t>
+            </a:r>
+            <a:r>
+              <a:rPr lang="en-US" dirty="0">
+                <a:solidFill>
+                  <a:srgbClr val="FF0000"/>
+                </a:solidFill>
+              </a:rPr>
+              <a:t>entirely skip 4-8 of the hardest MC questions and instead spend more time on the other questions. Guess the answers to these skipped questions at the end. </a:t>
+            </a:r>
+          </a:p>
+        </p:txBody>
+      </p:sp>
+    </p:spTree>
+    <p:extLst>
+      <p:ext uri="{BB962C8B-B14F-4D97-AF65-F5344CB8AC3E}">
+        <p14:creationId xmlns:p14="http://schemas.microsoft.com/office/powerpoint/2010/main" val="3937576981"/>
       </p:ext>
     </p:extLst>
   </p:cSld>
@@ -24723,7 +25366,7 @@
                                           </p:stCondLst>
                                         </p:cTn>
                                         <p:tgtEl>
-                                          <p:spTgt spid="9">
+                                          <p:spTgt spid="3">
                                             <p:txEl>
                                               <p:pRg st="3" end="3"/>
                                             </p:txEl>
@@ -24772,9 +25415,58 @@
                                           </p:stCondLst>
                                         </p:cTn>
                                         <p:tgtEl>
-                                          <p:spTgt spid="9">
+                                          <p:spTgt spid="3">
                                             <p:txEl>
                                               <p:pRg st="5" end="5"/>
+                                            </p:txEl>
+                                          </p:spTgt>
+                                        </p:tgtEl>
+                                        <p:attrNameLst>
+                                          <p:attrName>style.visibility</p:attrName>
+                                        </p:attrNameLst>
+                                      </p:cBhvr>
+                                      <p:to>
+                                        <p:strVal val="visible"/>
+                                      </p:to>
+                                    </p:set>
+                                  </p:childTnLst>
+                                </p:cTn>
+                              </p:par>
+                            </p:childTnLst>
+                          </p:cTn>
+                        </p:par>
+                      </p:childTnLst>
+                    </p:cTn>
+                  </p:par>
+                  <p:par>
+                    <p:cTn id="11" fill="hold">
+                      <p:stCondLst>
+                        <p:cond delay="indefinite"/>
+                      </p:stCondLst>
+                      <p:childTnLst>
+                        <p:par>
+                          <p:cTn id="12" fill="hold">
+                            <p:stCondLst>
+                              <p:cond delay="0"/>
+                            </p:stCondLst>
+                            <p:childTnLst>
+                              <p:par>
+                                <p:cTn id="13" presetID="1" presetClass="entr" presetSubtype="0" fill="hold" nodeType="clickEffect">
+                                  <p:stCondLst>
+                                    <p:cond delay="0"/>
+                                  </p:stCondLst>
+                                  <p:childTnLst>
+                                    <p:set>
+                                      <p:cBhvr>
+                                        <p:cTn id="14" dur="1" fill="hold">
+                                          <p:stCondLst>
+                                            <p:cond delay="0"/>
+                                          </p:stCondLst>
+                                        </p:cTn>
+                                        <p:tgtEl>
+                                          <p:spTgt spid="3">
+                                            <p:txEl>
+                                              <p:pRg st="7" end="7"/>
                                             </p:txEl>
                                           </p:spTgt>
                                         </p:tgtEl>
@@ -24820,7 +25512,7 @@
 </p:sld>
 </file>
 
-<file path=ppt/slides/slide6.xml><?xml version="1.0" encoding="utf-8"?>
+<file path=ppt/slides/slide7.xml><?xml version="1.0" encoding="utf-8"?>
 <p:sld xmlns:a="http://schemas.openxmlformats.org/drawingml/2006/main" xmlns:r="http://schemas.openxmlformats.org/officeDocument/2006/relationships" xmlns:p="http://schemas.openxmlformats.org/presentationml/2006/main">
   <p:cSld>
     <p:spTree>
@@ -25480,7 +26172,7 @@
 </p:sld>
 </file>
 
-<file path=ppt/slides/slide7.xml><?xml version="1.0" encoding="utf-8"?>
+<file path=ppt/slides/slide8.xml><?xml version="1.0" encoding="utf-8"?>
 <p:sld xmlns:a="http://schemas.openxmlformats.org/drawingml/2006/main" xmlns:r="http://schemas.openxmlformats.org/officeDocument/2006/relationships" xmlns:p="http://schemas.openxmlformats.org/presentationml/2006/main">
   <p:cSld>
     <p:spTree>
@@ -25746,7 +26438,7 @@
 </p:sld>
 </file>
 
-<file path=ppt/slides/slide8.xml><?xml version="1.0" encoding="utf-8"?>
+<file path=ppt/slides/slide9.xml><?xml version="1.0" encoding="utf-8"?>
 <p:sld xmlns:a="http://schemas.openxmlformats.org/drawingml/2006/main" xmlns:r="http://schemas.openxmlformats.org/officeDocument/2006/relationships" xmlns:p="http://schemas.openxmlformats.org/presentationml/2006/main">
   <p:cSld>
     <p:spTree>
@@ -25894,7 +26586,24 @@
                 <a:latin typeface="Courier New" panose="02070309020205020404" pitchFamily="49" charset="0"/>
                 <a:cs typeface="Courier New" panose="02070309020205020404" pitchFamily="49" charset="0"/>
               </a:rPr>
-              <a:t>public double </a:t>
+              <a:t>public </a:t>
+            </a:r>
+            <a:r>
+              <a:rPr lang="en-US" dirty="0">
+                <a:solidFill>
+                  <a:srgbClr val="FF0000"/>
+                </a:solidFill>
+                <a:latin typeface="Courier New" panose="02070309020205020404" pitchFamily="49" charset="0"/>
+                <a:cs typeface="Courier New" panose="02070309020205020404" pitchFamily="49" charset="0"/>
+              </a:rPr>
+              <a:t>double</a:t>
+            </a:r>
+            <a:r>
+              <a:rPr lang="en-US" dirty="0">
+                <a:latin typeface="Courier New" panose="02070309020205020404" pitchFamily="49" charset="0"/>
+                <a:cs typeface="Courier New" panose="02070309020205020404" pitchFamily="49" charset="0"/>
+              </a:rPr>
+              <a:t> </a:t>
             </a:r>
             <a:r>
               <a:rPr lang="en-US" dirty="0" err="1">
@@ -25944,7 +26653,17 @@
                 <a:latin typeface="Courier New" panose="02070309020205020404" pitchFamily="49" charset="0"/>
                 <a:cs typeface="Courier New" panose="02070309020205020404" pitchFamily="49" charset="0"/>
               </a:rPr>
-              <a:t>	return result;</a:t>
+              <a:t>	</a:t>
+            </a:r>
+            <a:r>
+              <a:rPr lang="en-US" dirty="0">
+                <a:solidFill>
+                  <a:srgbClr val="FF0000"/>
+                </a:solidFill>
+                <a:latin typeface="Courier New" panose="02070309020205020404" pitchFamily="49" charset="0"/>
+                <a:cs typeface="Courier New" panose="02070309020205020404" pitchFamily="49" charset="0"/>
+              </a:rPr>
+              <a:t>return result;</a:t>
             </a:r>
           </a:p>
           <a:p>
@@ -26283,514 +27002,6 @@
                                           <p:spTgt spid="3">
                                             <p:txEl>
                                               <p:pRg st="11" end="11"/>
-                                            </p:txEl>
-                                          </p:spTgt>
-                                        </p:tgtEl>
-                                        <p:attrNameLst>
-                                          <p:attrName>style.visibility</p:attrName>
-                                        </p:attrNameLst>
-                                      </p:cBhvr>
-                                      <p:to>
-                                        <p:strVal val="visible"/>
-                                      </p:to>
-                                    </p:set>
-                                  </p:childTnLst>
-                                </p:cTn>
-                              </p:par>
-                            </p:childTnLst>
-                          </p:cTn>
-                        </p:par>
-                      </p:childTnLst>
-                    </p:cTn>
-                  </p:par>
-                </p:childTnLst>
-              </p:cTn>
-              <p:prevCondLst>
-                <p:cond evt="onPrev" delay="0">
-                  <p:tgtEl>
-                    <p:sldTgt/>
-                  </p:tgtEl>
-                </p:cond>
-              </p:prevCondLst>
-              <p:nextCondLst>
-                <p:cond evt="onNext" delay="0">
-                  <p:tgtEl>
-                    <p:sldTgt/>
-                  </p:tgtEl>
-                </p:cond>
-              </p:nextCondLst>
-            </p:seq>
-          </p:childTnLst>
-        </p:cTn>
-      </p:par>
-    </p:tnLst>
-  </p:timing>
-</p:sld>
-</file>
-
-<file path=ppt/slides/slide9.xml><?xml version="1.0" encoding="utf-8"?>
-<p:sld xmlns:a="http://schemas.openxmlformats.org/drawingml/2006/main" xmlns:r="http://schemas.openxmlformats.org/officeDocument/2006/relationships" xmlns:p="http://schemas.openxmlformats.org/presentationml/2006/main">
-  <p:cSld>
-    <p:spTree>
-      <p:nvGrpSpPr>
-        <p:cNvPr id="1" name=""/>
-        <p:cNvGrpSpPr/>
-        <p:nvPr/>
-      </p:nvGrpSpPr>
-      <p:grpSpPr>
-        <a:xfrm>
-          <a:off x="0" y="0"/>
-          <a:ext cx="0" cy="0"/>
-          <a:chOff x="0" y="0"/>
-          <a:chExt cx="0" cy="0"/>
-        </a:xfrm>
-      </p:grpSpPr>
-      <p:sp>
-        <p:nvSpPr>
-          <p:cNvPr id="2" name="Title 1">
-            <a:extLst>
-              <a:ext uri="{FF2B5EF4-FFF2-40B4-BE49-F238E27FC236}">
-                <a16:creationId xmlns:a16="http://schemas.microsoft.com/office/drawing/2014/main" id="{8AF91A8F-AAF8-3144-AEDE-0172CA6382EB}"/>
-              </a:ext>
-            </a:extLst>
-          </p:cNvPr>
-          <p:cNvSpPr>
-            <a:spLocks noGrp="1"/>
-          </p:cNvSpPr>
-          <p:nvPr>
-            <p:ph type="title"/>
-          </p:nvPr>
-        </p:nvSpPr>
-        <p:spPr>
-          <a:xfrm>
-            <a:off x="94004" y="133611"/>
-            <a:ext cx="7891506" cy="616283"/>
-          </a:xfrm>
-        </p:spPr>
-        <p:txBody>
-          <a:bodyPr/>
-          <a:lstStyle/>
-          <a:p>
-            <a:r>
-              <a:rPr lang="en-US" dirty="0"/>
-              <a:t>More Examples</a:t>
-            </a:r>
-          </a:p>
-        </p:txBody>
-      </p:sp>
-      <p:sp>
-        <p:nvSpPr>
-          <p:cNvPr id="3" name="Content Placeholder 2">
-            <a:extLst>
-              <a:ext uri="{FF2B5EF4-FFF2-40B4-BE49-F238E27FC236}">
-                <a16:creationId xmlns:a16="http://schemas.microsoft.com/office/drawing/2014/main" id="{03423960-73AA-8F4D-8DA1-9E54D69D5DA3}"/>
-              </a:ext>
-            </a:extLst>
-          </p:cNvPr>
-          <p:cNvSpPr>
-            <a:spLocks noGrp="1"/>
-          </p:cNvSpPr>
-          <p:nvPr>
-            <p:ph idx="1"/>
-          </p:nvPr>
-        </p:nvSpPr>
-        <p:spPr>
-          <a:xfrm>
-            <a:off x="170916" y="769121"/>
-            <a:ext cx="8716710" cy="4666003"/>
-          </a:xfrm>
-        </p:spPr>
-        <p:txBody>
-          <a:bodyPr>
-            <a:noAutofit/>
-          </a:bodyPr>
-          <a:lstStyle/>
-          <a:p>
-            <a:pPr marL="0" indent="0">
-              <a:buNone/>
-            </a:pPr>
-            <a:r>
-              <a:rPr lang="en-US" sz="1900" dirty="0">
-                <a:solidFill>
-                  <a:srgbClr val="FF0000"/>
-                </a:solidFill>
-              </a:rPr>
-              <a:t>Leave Nothing Blank! Get partial credit if not full credit!</a:t>
-            </a:r>
-            <a:endParaRPr lang="en-US" sz="1900" dirty="0"/>
-          </a:p>
-          <a:p>
-            <a:pPr marL="0" indent="0">
-              <a:buNone/>
-            </a:pPr>
-            <a:r>
-              <a:rPr lang="en-US" sz="1900" dirty="0">
-                <a:latin typeface="Courier New" panose="02070309020205020404" pitchFamily="49" charset="0"/>
-                <a:cs typeface="Courier New" panose="02070309020205020404" pitchFamily="49" charset="0"/>
-              </a:rPr>
-              <a:t>public int[] </a:t>
-            </a:r>
-            <a:r>
-              <a:rPr lang="en-US" sz="1900" dirty="0" err="1">
-                <a:latin typeface="Courier New" panose="02070309020205020404" pitchFamily="49" charset="0"/>
-                <a:cs typeface="Courier New" panose="02070309020205020404" pitchFamily="49" charset="0"/>
-              </a:rPr>
-              <a:t>funMethod</a:t>
-            </a:r>
-            <a:r>
-              <a:rPr lang="en-US" sz="1900" dirty="0">
-                <a:latin typeface="Courier New" panose="02070309020205020404" pitchFamily="49" charset="0"/>
-                <a:cs typeface="Courier New" panose="02070309020205020404" pitchFamily="49" charset="0"/>
-              </a:rPr>
-              <a:t>(int length){</a:t>
-            </a:r>
-          </a:p>
-          <a:p>
-            <a:pPr marL="0" indent="0">
-              <a:buNone/>
-            </a:pPr>
-            <a:r>
-              <a:rPr lang="en-US" sz="1900" dirty="0">
-                <a:latin typeface="Courier New" panose="02070309020205020404" pitchFamily="49" charset="0"/>
-                <a:cs typeface="Courier New" panose="02070309020205020404" pitchFamily="49" charset="0"/>
-              </a:rPr>
-              <a:t>	int[] list = new int[length];</a:t>
-            </a:r>
-          </a:p>
-          <a:p>
-            <a:pPr marL="0" indent="0">
-              <a:buNone/>
-            </a:pPr>
-            <a:r>
-              <a:rPr lang="en-US" sz="1900" dirty="0">
-                <a:latin typeface="Courier New" panose="02070309020205020404" pitchFamily="49" charset="0"/>
-                <a:cs typeface="Courier New" panose="02070309020205020404" pitchFamily="49" charset="0"/>
-              </a:rPr>
-              <a:t>	…</a:t>
-            </a:r>
-          </a:p>
-          <a:p>
-            <a:pPr marL="0" indent="0">
-              <a:buNone/>
-            </a:pPr>
-            <a:r>
-              <a:rPr lang="en-US" sz="1900" dirty="0">
-                <a:latin typeface="Courier New" panose="02070309020205020404" pitchFamily="49" charset="0"/>
-                <a:cs typeface="Courier New" panose="02070309020205020404" pitchFamily="49" charset="0"/>
-              </a:rPr>
-              <a:t>	return list;</a:t>
-            </a:r>
-          </a:p>
-          <a:p>
-            <a:pPr marL="0" indent="0">
-              <a:buNone/>
-            </a:pPr>
-            <a:r>
-              <a:rPr lang="en-US" sz="1900" dirty="0">
-                <a:latin typeface="Courier New" panose="02070309020205020404" pitchFamily="49" charset="0"/>
-                <a:cs typeface="Courier New" panose="02070309020205020404" pitchFamily="49" charset="0"/>
-              </a:rPr>
-              <a:t>}</a:t>
-            </a:r>
-          </a:p>
-          <a:p>
-            <a:pPr marL="0" indent="0">
-              <a:buNone/>
-            </a:pPr>
-            <a:r>
-              <a:rPr lang="en-US" sz="1900" dirty="0">
-                <a:latin typeface="Courier New" panose="02070309020205020404" pitchFamily="49" charset="0"/>
-                <a:cs typeface="Courier New" panose="02070309020205020404" pitchFamily="49" charset="0"/>
-              </a:rPr>
-              <a:t>public </a:t>
-            </a:r>
-            <a:r>
-              <a:rPr lang="en-US" sz="1900" dirty="0" err="1">
-                <a:latin typeface="Courier New" panose="02070309020205020404" pitchFamily="49" charset="0"/>
-                <a:cs typeface="Courier New" panose="02070309020205020404" pitchFamily="49" charset="0"/>
-              </a:rPr>
-              <a:t>ArrayList</a:t>
-            </a:r>
-            <a:r>
-              <a:rPr lang="en-US" sz="1900" dirty="0">
-                <a:latin typeface="Courier New" panose="02070309020205020404" pitchFamily="49" charset="0"/>
-                <a:cs typeface="Courier New" panose="02070309020205020404" pitchFamily="49" charset="0"/>
-              </a:rPr>
-              <a:t>&lt;Bug&gt; </a:t>
-            </a:r>
-            <a:r>
-              <a:rPr lang="en-US" sz="1900" dirty="0" err="1">
-                <a:latin typeface="Courier New" panose="02070309020205020404" pitchFamily="49" charset="0"/>
-                <a:cs typeface="Courier New" panose="02070309020205020404" pitchFamily="49" charset="0"/>
-              </a:rPr>
-              <a:t>funMethod</a:t>
-            </a:r>
-            <a:r>
-              <a:rPr lang="en-US" sz="1900" dirty="0">
-                <a:latin typeface="Courier New" panose="02070309020205020404" pitchFamily="49" charset="0"/>
-                <a:cs typeface="Courier New" panose="02070309020205020404" pitchFamily="49" charset="0"/>
-              </a:rPr>
-              <a:t>(){</a:t>
-            </a:r>
-          </a:p>
-          <a:p>
-            <a:pPr marL="0" indent="0">
-              <a:buNone/>
-            </a:pPr>
-            <a:r>
-              <a:rPr lang="en-US" sz="1900" dirty="0">
-                <a:latin typeface="Courier New" panose="02070309020205020404" pitchFamily="49" charset="0"/>
-                <a:cs typeface="Courier New" panose="02070309020205020404" pitchFamily="49" charset="0"/>
-              </a:rPr>
-              <a:t>	</a:t>
-            </a:r>
-            <a:r>
-              <a:rPr lang="en-US" sz="1900" dirty="0" err="1">
-                <a:latin typeface="Courier New" panose="02070309020205020404" pitchFamily="49" charset="0"/>
-                <a:cs typeface="Courier New" panose="02070309020205020404" pitchFamily="49" charset="0"/>
-              </a:rPr>
-              <a:t>ArrayList</a:t>
-            </a:r>
-            <a:r>
-              <a:rPr lang="en-US" sz="1900" dirty="0">
-                <a:latin typeface="Courier New" panose="02070309020205020404" pitchFamily="49" charset="0"/>
-                <a:cs typeface="Courier New" panose="02070309020205020404" pitchFamily="49" charset="0"/>
-              </a:rPr>
-              <a:t>&lt;Bug&gt; buggies = new </a:t>
-            </a:r>
-            <a:r>
-              <a:rPr lang="en-US" sz="1900" dirty="0" err="1">
-                <a:latin typeface="Courier New" panose="02070309020205020404" pitchFamily="49" charset="0"/>
-                <a:cs typeface="Courier New" panose="02070309020205020404" pitchFamily="49" charset="0"/>
-              </a:rPr>
-              <a:t>ArrayList</a:t>
-            </a:r>
-            <a:r>
-              <a:rPr lang="en-US" sz="1900" dirty="0">
-                <a:latin typeface="Courier New" panose="02070309020205020404" pitchFamily="49" charset="0"/>
-                <a:cs typeface="Courier New" panose="02070309020205020404" pitchFamily="49" charset="0"/>
-              </a:rPr>
-              <a:t>&lt;Bug&gt;();</a:t>
-            </a:r>
-          </a:p>
-          <a:p>
-            <a:pPr marL="0" indent="0">
-              <a:buNone/>
-            </a:pPr>
-            <a:r>
-              <a:rPr lang="en-US" sz="1900" dirty="0">
-                <a:latin typeface="Courier New" panose="02070309020205020404" pitchFamily="49" charset="0"/>
-                <a:cs typeface="Courier New" panose="02070309020205020404" pitchFamily="49" charset="0"/>
-              </a:rPr>
-              <a:t>	…</a:t>
-            </a:r>
-          </a:p>
-          <a:p>
-            <a:pPr marL="0" indent="0">
-              <a:buNone/>
-            </a:pPr>
-            <a:r>
-              <a:rPr lang="en-US" sz="1900" dirty="0">
-                <a:latin typeface="Courier New" panose="02070309020205020404" pitchFamily="49" charset="0"/>
-                <a:cs typeface="Courier New" panose="02070309020205020404" pitchFamily="49" charset="0"/>
-              </a:rPr>
-              <a:t>	return buggies;</a:t>
-            </a:r>
-          </a:p>
-          <a:p>
-            <a:pPr marL="0" indent="0">
-              <a:buNone/>
-            </a:pPr>
-            <a:r>
-              <a:rPr lang="en-US" sz="1900" dirty="0">
-                <a:latin typeface="Courier New" panose="02070309020205020404" pitchFamily="49" charset="0"/>
-                <a:cs typeface="Courier New" panose="02070309020205020404" pitchFamily="49" charset="0"/>
-              </a:rPr>
-              <a:t>}</a:t>
-            </a:r>
-          </a:p>
-          <a:p>
-            <a:pPr marL="0" indent="0">
-              <a:buNone/>
-            </a:pPr>
-            <a:br>
-              <a:rPr lang="en-US" sz="1900" dirty="0"/>
-            </a:br>
-            <a:endParaRPr lang="en-US" sz="1900" dirty="0"/>
-          </a:p>
-        </p:txBody>
-      </p:sp>
-    </p:spTree>
-    <p:extLst>
-      <p:ext uri="{BB962C8B-B14F-4D97-AF65-F5344CB8AC3E}">
-        <p14:creationId xmlns:p14="http://schemas.microsoft.com/office/powerpoint/2010/main" val="677816976"/>
-      </p:ext>
-    </p:extLst>
-  </p:cSld>
-  <p:clrMapOvr>
-    <a:masterClrMapping/>
-  </p:clrMapOvr>
-  <p:timing>
-    <p:tnLst>
-      <p:par>
-        <p:cTn id="1" dur="indefinite" restart="never" nodeType="tmRoot">
-          <p:childTnLst>
-            <p:seq concurrent="1" nextAc="seek">
-              <p:cTn id="2" dur="indefinite" nodeType="mainSeq">
-                <p:childTnLst>
-                  <p:par>
-                    <p:cTn id="3" fill="hold">
-                      <p:stCondLst>
-                        <p:cond delay="indefinite"/>
-                      </p:stCondLst>
-                      <p:childTnLst>
-                        <p:par>
-                          <p:cTn id="4" fill="hold">
-                            <p:stCondLst>
-                              <p:cond delay="0"/>
-                            </p:stCondLst>
-                            <p:childTnLst>
-                              <p:par>
-                                <p:cTn id="5" presetID="1" presetClass="entr" presetSubtype="0" fill="hold" nodeType="clickEffect">
-                                  <p:stCondLst>
-                                    <p:cond delay="0"/>
-                                  </p:stCondLst>
-                                  <p:childTnLst>
-                                    <p:set>
-                                      <p:cBhvr>
-                                        <p:cTn id="6" dur="1" fill="hold">
-                                          <p:stCondLst>
-                                            <p:cond delay="0"/>
-                                          </p:stCondLst>
-                                        </p:cTn>
-                                        <p:tgtEl>
-                                          <p:spTgt spid="3">
-                                            <p:txEl>
-                                              <p:pRg st="6" end="6"/>
-                                            </p:txEl>
-                                          </p:spTgt>
-                                        </p:tgtEl>
-                                        <p:attrNameLst>
-                                          <p:attrName>style.visibility</p:attrName>
-                                        </p:attrNameLst>
-                                      </p:cBhvr>
-                                      <p:to>
-                                        <p:strVal val="visible"/>
-                                      </p:to>
-                                    </p:set>
-                                  </p:childTnLst>
-                                </p:cTn>
-                              </p:par>
-                              <p:par>
-                                <p:cTn id="7" presetID="1" presetClass="entr" presetSubtype="0" fill="hold" nodeType="withEffect">
-                                  <p:stCondLst>
-                                    <p:cond delay="0"/>
-                                  </p:stCondLst>
-                                  <p:childTnLst>
-                                    <p:set>
-                                      <p:cBhvr>
-                                        <p:cTn id="8" dur="1" fill="hold">
-                                          <p:stCondLst>
-                                            <p:cond delay="0"/>
-                                          </p:stCondLst>
-                                        </p:cTn>
-                                        <p:tgtEl>
-                                          <p:spTgt spid="3">
-                                            <p:txEl>
-                                              <p:pRg st="7" end="7"/>
-                                            </p:txEl>
-                                          </p:spTgt>
-                                        </p:tgtEl>
-                                        <p:attrNameLst>
-                                          <p:attrName>style.visibility</p:attrName>
-                                        </p:attrNameLst>
-                                      </p:cBhvr>
-                                      <p:to>
-                                        <p:strVal val="visible"/>
-                                      </p:to>
-                                    </p:set>
-                                  </p:childTnLst>
-                                </p:cTn>
-                              </p:par>
-                              <p:par>
-                                <p:cTn id="9" presetID="1" presetClass="entr" presetSubtype="0" fill="hold" nodeType="withEffect">
-                                  <p:stCondLst>
-                                    <p:cond delay="0"/>
-                                  </p:stCondLst>
-                                  <p:childTnLst>
-                                    <p:set>
-                                      <p:cBhvr>
-                                        <p:cTn id="10" dur="1" fill="hold">
-                                          <p:stCondLst>
-                                            <p:cond delay="0"/>
-                                          </p:stCondLst>
-                                        </p:cTn>
-                                        <p:tgtEl>
-                                          <p:spTgt spid="3">
-                                            <p:txEl>
-                                              <p:pRg st="8" end="8"/>
-                                            </p:txEl>
-                                          </p:spTgt>
-                                        </p:tgtEl>
-                                        <p:attrNameLst>
-                                          <p:attrName>style.visibility</p:attrName>
-                                        </p:attrNameLst>
-                                      </p:cBhvr>
-                                      <p:to>
-                                        <p:strVal val="visible"/>
-                                      </p:to>
-                                    </p:set>
-                                  </p:childTnLst>
-                                </p:cTn>
-                              </p:par>
-                              <p:par>
-                                <p:cTn id="11" presetID="1" presetClass="entr" presetSubtype="0" fill="hold" nodeType="withEffect">
-                                  <p:stCondLst>
-                                    <p:cond delay="0"/>
-                                  </p:stCondLst>
-                                  <p:childTnLst>
-                                    <p:set>
-                                      <p:cBhvr>
-                                        <p:cTn id="12" dur="1" fill="hold">
-                                          <p:stCondLst>
-                                            <p:cond delay="0"/>
-                                          </p:stCondLst>
-                                        </p:cTn>
-                                        <p:tgtEl>
-                                          <p:spTgt spid="3">
-                                            <p:txEl>
-                                              <p:pRg st="9" end="9"/>
-                                            </p:txEl>
-                                          </p:spTgt>
-                                        </p:tgtEl>
-                                        <p:attrNameLst>
-                                          <p:attrName>style.visibility</p:attrName>
-                                        </p:attrNameLst>
-                                      </p:cBhvr>
-                                      <p:to>
-                                        <p:strVal val="visible"/>
-                                      </p:to>
-                                    </p:set>
-                                  </p:childTnLst>
-                                </p:cTn>
-                              </p:par>
-                              <p:par>
-                                <p:cTn id="13" presetID="1" presetClass="entr" presetSubtype="0" fill="hold" nodeType="withEffect">
-                                  <p:stCondLst>
-                                    <p:cond delay="0"/>
-                                  </p:stCondLst>
-                                  <p:childTnLst>
-                                    <p:set>
-                                      <p:cBhvr>
-                                        <p:cTn id="14" dur="1" fill="hold">
-                                          <p:stCondLst>
-                                            <p:cond delay="0"/>
-                                          </p:stCondLst>
-                                        </p:cTn>
-                                        <p:tgtEl>
-                                          <p:spTgt spid="3">
-                                            <p:txEl>
-                                              <p:pRg st="10" end="10"/>
                                             </p:txEl>
                                           </p:spTgt>
                                         </p:tgtEl>
